--- a/_doc/KFrame.pptx
+++ b/_doc/KFrame.pptx
@@ -253,7 +253,7 @@
           <a:p>
             <a:fld id="{0F9B84EA-7D68-4D60-9CB1-D50884785D1C}" type="datetimeFigureOut">
               <a:rPr lang="zh-CN" altLang="en-US" smtClean="0"/>
-              <a:t>2020/7/14</a:t>
+              <a:t>2020/7/15</a:t>
             </a:fld>
             <a:endParaRPr lang="zh-CN" altLang="en-US"/>
           </a:p>
@@ -424,7 +424,7 @@
           <a:p>
             <a:fld id="{D6C8D182-E4C8-4120-9249-FC9774456FFA}" type="datetimeFigureOut">
               <a:rPr lang="zh-CN" altLang="en-US" smtClean="0"/>
-              <a:t>2020/7/14</a:t>
+              <a:t>2020/7/15</a:t>
             </a:fld>
             <a:endParaRPr lang="zh-CN" altLang="en-US"/>
           </a:p>
@@ -1954,7 +1954,7 @@
           <a:p>
             <a:fld id="{760FBDFE-C587-4B4C-A407-44438C67B59E}" type="datetimeFigureOut">
               <a:rPr lang="zh-CN" altLang="en-US" smtClean="0"/>
-              <a:t>2020/7/14</a:t>
+              <a:t>2020/7/15</a:t>
             </a:fld>
             <a:endParaRPr lang="zh-CN" altLang="en-US"/>
           </a:p>
@@ -2044,7 +2044,7 @@
           <a:p>
             <a:fld id="{760FBDFE-C587-4B4C-A407-44438C67B59E}" type="datetimeFigureOut">
               <a:rPr lang="zh-CN" altLang="en-US" smtClean="0"/>
-              <a:t>2020/7/14</a:t>
+              <a:t>2020/7/15</a:t>
             </a:fld>
             <a:endParaRPr lang="zh-CN" altLang="en-US"/>
           </a:p>
@@ -2314,7 +2314,7 @@
           <a:p>
             <a:fld id="{760FBDFE-C587-4B4C-A407-44438C67B59E}" type="datetimeFigureOut">
               <a:rPr lang="zh-CN" altLang="en-US" smtClean="0"/>
-              <a:t>2020/7/14</a:t>
+              <a:t>2020/7/15</a:t>
             </a:fld>
             <a:endParaRPr lang="zh-CN" altLang="en-US"/>
           </a:p>
@@ -2670,7 +2670,7 @@
           <a:p>
             <a:fld id="{760FBDFE-C587-4B4C-A407-44438C67B59E}" type="datetimeFigureOut">
               <a:rPr lang="zh-CN" altLang="en-US" smtClean="0"/>
-              <a:t>2020/7/14</a:t>
+              <a:t>2020/7/15</a:t>
             </a:fld>
             <a:endParaRPr lang="zh-CN" altLang="en-US"/>
           </a:p>
@@ -2944,7 +2944,7 @@
           <a:p>
             <a:fld id="{760FBDFE-C587-4B4C-A407-44438C67B59E}" type="datetimeFigureOut">
               <a:rPr lang="zh-CN" altLang="en-US" smtClean="0"/>
-              <a:t>2020/7/14</a:t>
+              <a:t>2020/7/15</a:t>
             </a:fld>
             <a:endParaRPr lang="zh-CN" altLang="en-US"/>
           </a:p>
@@ -3412,7 +3412,7 @@
           <a:p>
             <a:fld id="{760FBDFE-C587-4B4C-A407-44438C67B59E}" type="datetimeFigureOut">
               <a:rPr lang="zh-CN" altLang="en-US" smtClean="0"/>
-              <a:t>2020/7/14</a:t>
+              <a:t>2020/7/15</a:t>
             </a:fld>
             <a:endParaRPr lang="zh-CN" altLang="en-US"/>
           </a:p>
@@ -4145,7 +4145,7 @@
           <a:p>
             <a:fld id="{760FBDFE-C587-4B4C-A407-44438C67B59E}" type="datetimeFigureOut">
               <a:rPr lang="zh-CN" altLang="en-US" smtClean="0"/>
-              <a:t>2020/7/14</a:t>
+              <a:t>2020/7/15</a:t>
             </a:fld>
             <a:endParaRPr lang="zh-CN" altLang="en-US"/>
           </a:p>
@@ -4291,7 +4291,7 @@
           <a:p>
             <a:fld id="{760FBDFE-C587-4B4C-A407-44438C67B59E}" type="datetimeFigureOut">
               <a:rPr lang="zh-CN" altLang="en-US" smtClean="0"/>
-              <a:t>2020/7/14</a:t>
+              <a:t>2020/7/15</a:t>
             </a:fld>
             <a:endParaRPr lang="zh-CN" altLang="en-US"/>
           </a:p>
@@ -4390,7 +4390,7 @@
           <a:p>
             <a:fld id="{760FBDFE-C587-4B4C-A407-44438C67B59E}" type="datetimeFigureOut">
               <a:rPr lang="zh-CN" altLang="en-US" smtClean="0"/>
-              <a:t>2020/7/14</a:t>
+              <a:t>2020/7/15</a:t>
             </a:fld>
             <a:endParaRPr lang="zh-CN" altLang="en-US"/>
           </a:p>
@@ -4705,7 +4705,7 @@
           <a:p>
             <a:fld id="{9EFD9D74-47D9-4702-A33C-335B63B48DBF}" type="datetimeFigureOut">
               <a:rPr lang="zh-CN" altLang="en-US" smtClean="0"/>
-              <a:t>2020/7/14</a:t>
+              <a:t>2020/7/15</a:t>
             </a:fld>
             <a:endParaRPr lang="zh-CN" altLang="en-US" dirty="0"/>
           </a:p>
@@ -4994,7 +4994,7 @@
           <a:p>
             <a:fld id="{760FBDFE-C587-4B4C-A407-44438C67B59E}" type="datetimeFigureOut">
               <a:rPr lang="zh-CN" altLang="en-US" smtClean="0"/>
-              <a:t>2020/7/14</a:t>
+              <a:t>2020/7/15</a:t>
             </a:fld>
             <a:endParaRPr lang="zh-CN" altLang="en-US"/>
           </a:p>
@@ -5240,7 +5240,7 @@
           <a:p>
             <a:fld id="{760FBDFE-C587-4B4C-A407-44438C67B59E}" type="datetimeFigureOut">
               <a:rPr lang="zh-CN" altLang="en-US" smtClean="0"/>
-              <a:t>2020/7/14</a:t>
+              <a:t>2020/7/15</a:t>
             </a:fld>
             <a:endParaRPr lang="zh-CN" altLang="en-US"/>
           </a:p>
@@ -5333,7 +5333,7 @@
           <a:p>
             <a:fld id="{760FBDFE-C587-4B4C-A407-44438C67B59E}" type="datetimeFigureOut">
               <a:rPr lang="zh-CN" altLang="en-US" smtClean="0"/>
-              <a:t>2020/7/14</a:t>
+              <a:t>2020/7/15</a:t>
             </a:fld>
             <a:endParaRPr lang="zh-CN" altLang="en-US"/>
           </a:p>
@@ -5542,7 +5542,7 @@
           <a:p>
             <a:fld id="{760FBDFE-C587-4B4C-A407-44438C67B59E}" type="datetimeFigureOut">
               <a:rPr lang="zh-CN" altLang="en-US" smtClean="0"/>
-              <a:t>2020/7/14</a:t>
+              <a:t>2020/7/15</a:t>
             </a:fld>
             <a:endParaRPr lang="zh-CN" altLang="en-US"/>
           </a:p>
@@ -5857,7 +5857,7 @@
           <a:p>
             <a:fld id="{760FBDFE-C587-4B4C-A407-44438C67B59E}" type="datetimeFigureOut">
               <a:rPr lang="zh-CN" altLang="en-US" smtClean="0"/>
-              <a:t>2020/7/14</a:t>
+              <a:t>2020/7/15</a:t>
             </a:fld>
             <a:endParaRPr lang="zh-CN" altLang="en-US"/>
           </a:p>
@@ -6236,7 +6236,7 @@
           <a:p>
             <a:fld id="{760FBDFE-C587-4B4C-A407-44438C67B59E}" type="datetimeFigureOut">
               <a:rPr lang="zh-CN" altLang="en-US" smtClean="0"/>
-              <a:t>2020/7/14</a:t>
+              <a:t>2020/7/15</a:t>
             </a:fld>
             <a:endParaRPr lang="zh-CN" altLang="en-US"/>
           </a:p>
@@ -6595,7 +6595,7 @@
           <a:p>
             <a:fld id="{760FBDFE-C587-4B4C-A407-44438C67B59E}" type="datetimeFigureOut">
               <a:rPr lang="zh-CN" altLang="en-US" smtClean="0"/>
-              <a:t>2020/7/14</a:t>
+              <a:t>2020/7/15</a:t>
             </a:fld>
             <a:endParaRPr lang="zh-CN" altLang="en-US"/>
           </a:p>
@@ -6726,7 +6726,7 @@
           <a:p>
             <a:fld id="{760FBDFE-C587-4B4C-A407-44438C67B59E}" type="datetimeFigureOut">
               <a:rPr lang="zh-CN" altLang="en-US" smtClean="0"/>
-              <a:t>2020/7/14</a:t>
+              <a:t>2020/7/15</a:t>
             </a:fld>
             <a:endParaRPr lang="zh-CN" altLang="en-US"/>
           </a:p>
@@ -6816,7 +6816,7 @@
           <a:p>
             <a:fld id="{760FBDFE-C587-4B4C-A407-44438C67B59E}" type="datetimeFigureOut">
               <a:rPr lang="zh-CN" altLang="en-US" smtClean="0"/>
-              <a:t>2020/7/14</a:t>
+              <a:t>2020/7/15</a:t>
             </a:fld>
             <a:endParaRPr lang="zh-CN" altLang="en-US"/>
           </a:p>
@@ -7078,7 +7078,7 @@
           <a:p>
             <a:fld id="{9EFD9D74-47D9-4702-A33C-335B63B48DBF}" type="datetimeFigureOut">
               <a:rPr lang="zh-CN" altLang="en-US" smtClean="0"/>
-              <a:t>2020/7/14</a:t>
+              <a:t>2020/7/15</a:t>
             </a:fld>
             <a:endParaRPr lang="zh-CN" altLang="en-US" dirty="0"/>
           </a:p>
@@ -7287,7 +7287,7 @@
           <a:p>
             <a:fld id="{760FBDFE-C587-4B4C-A407-44438C67B59E}" type="datetimeFigureOut">
               <a:rPr lang="zh-CN" altLang="en-US" smtClean="0"/>
-              <a:t>2020/7/14</a:t>
+              <a:t>2020/7/15</a:t>
             </a:fld>
             <a:endParaRPr lang="zh-CN" altLang="en-US"/>
           </a:p>
@@ -7514,7 +7514,7 @@
           <a:p>
             <a:fld id="{760FBDFE-C587-4B4C-A407-44438C67B59E}" type="datetimeFigureOut">
               <a:rPr lang="zh-CN" altLang="en-US" smtClean="0"/>
-              <a:t>2020/7/14</a:t>
+              <a:t>2020/7/15</a:t>
             </a:fld>
             <a:endParaRPr lang="zh-CN" altLang="en-US"/>
           </a:p>
@@ -8116,7 +8116,7 @@
           <a:p>
             <a:fld id="{760FBDFE-C587-4B4C-A407-44438C67B59E}" type="datetimeFigureOut">
               <a:rPr lang="zh-CN" altLang="en-US" smtClean="0"/>
-              <a:t>2020/7/14</a:t>
+              <a:t>2020/7/15</a:t>
             </a:fld>
             <a:endParaRPr lang="zh-CN" altLang="en-US"/>
           </a:p>
@@ -12605,7 +12605,7 @@
         <p:spPr>
           <a:xfrm>
             <a:off x="4852613" y="988518"/>
-            <a:ext cx="6443856" cy="491490"/>
+            <a:ext cx="6443856" cy="452945"/>
           </a:xfrm>
           <a:prstGeom prst="rect">
             <a:avLst/>
@@ -12624,28 +12624,10 @@
               </a:lnSpc>
             </a:pPr>
             <a:r>
-              <a:rPr lang="en-US" altLang="zh-CN" sz="2000" spc="120" dirty="0">
-                <a:sym typeface="+mn-ea"/>
-              </a:rPr>
-              <a:t>What	</a:t>
-            </a:r>
-            <a:r>
-              <a:rPr lang="zh-CN" altLang="en-US" sz="2000" dirty="0">
-                <a:sym typeface="+mn-ea"/>
-              </a:rPr>
-              <a:t>：</a:t>
-            </a:r>
-            <a:r>
-              <a:rPr lang="zh-CN" altLang="en-US" sz="2000" spc="120" dirty="0">
-                <a:sym typeface="+mn-ea"/>
-              </a:rPr>
-              <a:t>什么是</a:t>
-            </a:r>
-            <a:r>
-              <a:rPr lang="en-US" altLang="zh-CN" sz="2000" spc="120" dirty="0" err="1">
-                <a:sym typeface="+mn-ea"/>
-              </a:rPr>
-              <a:t>Redis</a:t>
+              <a:rPr lang="zh-CN" altLang="en-US" sz="2000" spc="120" dirty="0" smtClean="0">
+                <a:sym typeface="+mn-ea"/>
+              </a:rPr>
+              <a:t>通用的服务器架构</a:t>
             </a:r>
             <a:endParaRPr lang="en-US" altLang="zh-CN" sz="2000" spc="120" dirty="0">
               <a:sym typeface="+mn-ea"/>

--- a/_doc/KFrame.pptx
+++ b/_doc/KFrame.pptx
@@ -9011,12 +9011,16 @@
               <a:t>" </a:t>
             </a:r>
             <a:r>
-              <a:rPr lang="en-US" altLang="zh-CN" sz="2600" dirty="0" err="1"/>
-              <a:t>Config</a:t>
+              <a:rPr lang="en-US" altLang="zh-CN" sz="2600" dirty="0" err="1" smtClean="0"/>
+              <a:t>Param</a:t>
+            </a:r>
+            <a:r>
+              <a:rPr lang="en-US" altLang="zh-CN" sz="2600" dirty="0" smtClean="0"/>
+              <a:t>=""/&gt;</a:t>
             </a:r>
             <a:r>
               <a:rPr lang="en-US" altLang="zh-CN" sz="2600" dirty="0"/>
-              <a:t>=""/&gt;  </a:t>
+              <a:t>  </a:t>
             </a:r>
           </a:p>
           <a:p>
@@ -9033,12 +9037,20 @@
               <a:t>" </a:t>
             </a:r>
             <a:r>
-              <a:rPr lang="en-US" altLang="zh-CN" sz="2600" dirty="0" err="1"/>
-              <a:t>Config</a:t>
-            </a:r>
-            <a:r>
               <a:rPr lang="en-US" altLang="zh-CN" sz="2600" dirty="0"/>
-              <a:t>=""/&gt;  </a:t>
+              <a:t> </a:t>
+            </a:r>
+            <a:r>
+              <a:rPr lang="en-US" altLang="zh-CN" sz="2600" dirty="0" err="1" smtClean="0"/>
+              <a:t>Param</a:t>
+            </a:r>
+            <a:r>
+              <a:rPr lang="en-US" altLang="zh-CN" sz="2600" dirty="0" smtClean="0"/>
+              <a:t>=""/&gt;</a:t>
+            </a:r>
+            <a:r>
+              <a:rPr lang="en-US" altLang="zh-CN" sz="2600" dirty="0"/>
+              <a:t>  </a:t>
             </a:r>
           </a:p>
           <a:p>
@@ -9055,12 +9067,20 @@
               <a:t>" </a:t>
             </a:r>
             <a:r>
-              <a:rPr lang="en-US" altLang="zh-CN" sz="2600" dirty="0" err="1"/>
-              <a:t>Config</a:t>
-            </a:r>
-            <a:r>
               <a:rPr lang="en-US" altLang="zh-CN" sz="2600" dirty="0"/>
-              <a:t>=""/&gt;  </a:t>
+              <a:t> </a:t>
+            </a:r>
+            <a:r>
+              <a:rPr lang="en-US" altLang="zh-CN" sz="2600" dirty="0" err="1" smtClean="0"/>
+              <a:t>Param</a:t>
+            </a:r>
+            <a:r>
+              <a:rPr lang="en-US" altLang="zh-CN" sz="2600" dirty="0" smtClean="0"/>
+              <a:t>=""/&gt;</a:t>
+            </a:r>
+            <a:r>
+              <a:rPr lang="en-US" altLang="zh-CN" sz="2600" dirty="0"/>
+              <a:t>  </a:t>
             </a:r>
           </a:p>
           <a:p>
@@ -9077,12 +9097,20 @@
               <a:t>" </a:t>
             </a:r>
             <a:r>
-              <a:rPr lang="en-US" altLang="zh-CN" sz="2600" dirty="0" err="1"/>
-              <a:t>Config</a:t>
-            </a:r>
-            <a:r>
               <a:rPr lang="en-US" altLang="zh-CN" sz="2600" dirty="0"/>
-              <a:t>=""/&gt;  </a:t>
+              <a:t> </a:t>
+            </a:r>
+            <a:r>
+              <a:rPr lang="en-US" altLang="zh-CN" sz="2600" dirty="0" err="1" smtClean="0"/>
+              <a:t>Param</a:t>
+            </a:r>
+            <a:r>
+              <a:rPr lang="en-US" altLang="zh-CN" sz="2600" dirty="0" smtClean="0"/>
+              <a:t>=""/&gt;</a:t>
+            </a:r>
+            <a:r>
+              <a:rPr lang="en-US" altLang="zh-CN" sz="2600" dirty="0"/>
+              <a:t>  </a:t>
             </a:r>
           </a:p>
           <a:p>
@@ -9259,13 +9287,14 @@
               <a:t>" </a:t>
             </a:r>
             <a:r>
-              <a:rPr lang="en-US" altLang="zh-CN" dirty="0" err="1"/>
-              <a:t>Config</a:t>
-            </a:r>
-            <a:r>
               <a:rPr lang="en-US" altLang="zh-CN" dirty="0"/>
-              <a:t>=""/&gt;</a:t>
-            </a:r>
+              <a:t> </a:t>
+            </a:r>
+            <a:r>
+              <a:rPr lang="en-US" altLang="zh-CN" smtClean="0"/>
+              <a:t>Param=""/&gt;</a:t>
+            </a:r>
+            <a:endParaRPr lang="en-US" altLang="zh-CN" dirty="0"/>
           </a:p>
           <a:p>
             <a:r>
@@ -9281,13 +9310,18 @@
               <a:t>" </a:t>
             </a:r>
             <a:r>
-              <a:rPr lang="en-US" altLang="zh-CN" dirty="0" err="1"/>
-              <a:t>Config</a:t>
-            </a:r>
-            <a:r>
               <a:rPr lang="en-US" altLang="zh-CN" dirty="0"/>
+              <a:t> </a:t>
+            </a:r>
+            <a:r>
+              <a:rPr lang="en-US" altLang="zh-CN" dirty="0" err="1" smtClean="0"/>
+              <a:t>Param</a:t>
+            </a:r>
+            <a:r>
+              <a:rPr lang="en-US" altLang="zh-CN" dirty="0" smtClean="0"/>
               <a:t>=""/&gt;</a:t>
             </a:r>
+            <a:endParaRPr lang="en-US" altLang="zh-CN" dirty="0"/>
           </a:p>
           <a:p>
             <a:r>
@@ -9303,13 +9337,18 @@
               <a:t>" </a:t>
             </a:r>
             <a:r>
-              <a:rPr lang="en-US" altLang="zh-CN" dirty="0" err="1"/>
-              <a:t>Config</a:t>
-            </a:r>
-            <a:r>
               <a:rPr lang="en-US" altLang="zh-CN" dirty="0"/>
+              <a:t> </a:t>
+            </a:r>
+            <a:r>
+              <a:rPr lang="en-US" altLang="zh-CN" dirty="0" err="1" smtClean="0"/>
+              <a:t>Param</a:t>
+            </a:r>
+            <a:r>
+              <a:rPr lang="en-US" altLang="zh-CN" dirty="0" smtClean="0"/>
               <a:t>=""/&gt;</a:t>
             </a:r>
+            <a:endParaRPr lang="en-US" altLang="zh-CN" dirty="0"/>
           </a:p>
           <a:p>
             <a:r>
@@ -9325,13 +9364,18 @@
               <a:t>" </a:t>
             </a:r>
             <a:r>
-              <a:rPr lang="en-US" altLang="zh-CN" dirty="0" err="1"/>
-              <a:t>Config</a:t>
-            </a:r>
-            <a:r>
               <a:rPr lang="en-US" altLang="zh-CN" dirty="0"/>
+              <a:t> </a:t>
+            </a:r>
+            <a:r>
+              <a:rPr lang="en-US" altLang="zh-CN" dirty="0" err="1" smtClean="0"/>
+              <a:t>Param</a:t>
+            </a:r>
+            <a:r>
+              <a:rPr lang="en-US" altLang="zh-CN" dirty="0" smtClean="0"/>
               <a:t>=""/&gt;</a:t>
             </a:r>
+            <a:endParaRPr lang="en-US" altLang="zh-CN" dirty="0"/>
           </a:p>
           <a:p>
             <a:r>
@@ -9347,13 +9391,18 @@
               <a:t>" </a:t>
             </a:r>
             <a:r>
-              <a:rPr lang="en-US" altLang="zh-CN" dirty="0" err="1"/>
-              <a:t>Config</a:t>
-            </a:r>
-            <a:r>
               <a:rPr lang="en-US" altLang="zh-CN" dirty="0"/>
+              <a:t> </a:t>
+            </a:r>
+            <a:r>
+              <a:rPr lang="en-US" altLang="zh-CN" dirty="0" err="1" smtClean="0"/>
+              <a:t>Param</a:t>
+            </a:r>
+            <a:r>
+              <a:rPr lang="en-US" altLang="zh-CN" dirty="0" smtClean="0"/>
               <a:t>=""/&gt;</a:t>
             </a:r>
+            <a:endParaRPr lang="en-US" altLang="zh-CN" dirty="0"/>
           </a:p>
           <a:p>
             <a:r>

--- a/_doc/KFrame.pptx
+++ b/_doc/KFrame.pptx
@@ -6,10 +6,10 @@
     <p:sldMasterId id="2147483659" r:id="rId2"/>
   </p:sldMasterIdLst>
   <p:notesMasterIdLst>
-    <p:notesMasterId r:id="rId28"/>
+    <p:notesMasterId r:id="rId33"/>
   </p:notesMasterIdLst>
   <p:handoutMasterIdLst>
-    <p:handoutMasterId r:id="rId29"/>
+    <p:handoutMasterId r:id="rId34"/>
   </p:handoutMasterIdLst>
   <p:sldIdLst>
     <p:sldId id="640" r:id="rId3"/>
@@ -33,15 +33,20 @@
     <p:sldId id="558" r:id="rId21"/>
     <p:sldId id="652" r:id="rId22"/>
     <p:sldId id="655" r:id="rId23"/>
-    <p:sldId id="653" r:id="rId24"/>
-    <p:sldId id="272" r:id="rId25"/>
-    <p:sldId id="359" r:id="rId26"/>
-    <p:sldId id="639" r:id="rId27"/>
+    <p:sldId id="656" r:id="rId24"/>
+    <p:sldId id="653" r:id="rId25"/>
+    <p:sldId id="657" r:id="rId26"/>
+    <p:sldId id="272" r:id="rId27"/>
+    <p:sldId id="359" r:id="rId28"/>
+    <p:sldId id="659" r:id="rId29"/>
+    <p:sldId id="660" r:id="rId30"/>
+    <p:sldId id="661" r:id="rId31"/>
+    <p:sldId id="639" r:id="rId32"/>
   </p:sldIdLst>
   <p:sldSz cx="12192000" cy="6858000"/>
   <p:notesSz cx="7104063" cy="10234613"/>
   <p:custDataLst>
-    <p:tags r:id="rId30"/>
+    <p:tags r:id="rId35"/>
   </p:custDataLst>
   <p:defaultTextStyle>
     <a:defPPr>
@@ -906,7 +911,91 @@
           <a:p>
             <a:fld id="{85D0DACE-38E0-42D2-9336-2B707D34BC6D}" type="slidenum">
               <a:rPr lang="zh-CN" altLang="en-US" smtClean="0"/>
-              <a:t>25</a:t>
+              <a:t>29</a:t>
+            </a:fld>
+            <a:endParaRPr lang="zh-CN" altLang="en-US"/>
+          </a:p>
+        </p:txBody>
+      </p:sp>
+    </p:spTree>
+    <p:extLst>
+      <p:ext uri="{BB962C8B-B14F-4D97-AF65-F5344CB8AC3E}">
+        <p14:creationId xmlns:p14="http://schemas.microsoft.com/office/powerpoint/2010/main" val="3586495590"/>
+      </p:ext>
+    </p:extLst>
+  </p:cSld>
+  <p:clrMapOvr>
+    <a:masterClrMapping/>
+  </p:clrMapOvr>
+</p:notes>
+</file>
+
+<file path=ppt/notesSlides/notesSlide12.xml><?xml version="1.0" encoding="utf-8"?>
+<p:notes xmlns:a="http://schemas.openxmlformats.org/drawingml/2006/main" xmlns:r="http://schemas.openxmlformats.org/officeDocument/2006/relationships" xmlns:p="http://schemas.openxmlformats.org/presentationml/2006/main">
+  <p:cSld>
+    <p:spTree>
+      <p:nvGrpSpPr>
+        <p:cNvPr id="1" name=""/>
+        <p:cNvGrpSpPr/>
+        <p:nvPr/>
+      </p:nvGrpSpPr>
+      <p:grpSpPr>
+        <a:xfrm>
+          <a:off x="0" y="0"/>
+          <a:ext cx="0" cy="0"/>
+          <a:chOff x="0" y="0"/>
+          <a:chExt cx="0" cy="0"/>
+        </a:xfrm>
+      </p:grpSpPr>
+      <p:sp>
+        <p:nvSpPr>
+          <p:cNvPr id="2" name="幻灯片图像占位符 1"/>
+          <p:cNvSpPr>
+            <a:spLocks noGrp="1" noRot="1" noChangeAspect="1"/>
+          </p:cNvSpPr>
+          <p:nvPr>
+            <p:ph type="sldImg"/>
+          </p:nvPr>
+        </p:nvSpPr>
+        <p:spPr/>
+      </p:sp>
+      <p:sp>
+        <p:nvSpPr>
+          <p:cNvPr id="3" name="备注占位符 2"/>
+          <p:cNvSpPr>
+            <a:spLocks noGrp="1"/>
+          </p:cNvSpPr>
+          <p:nvPr>
+            <p:ph type="body" idx="1"/>
+          </p:nvPr>
+        </p:nvSpPr>
+        <p:spPr/>
+        <p:txBody>
+          <a:bodyPr/>
+          <a:lstStyle/>
+          <a:p>
+            <a:endParaRPr lang="zh-CN" altLang="en-US"/>
+          </a:p>
+        </p:txBody>
+      </p:sp>
+      <p:sp>
+        <p:nvSpPr>
+          <p:cNvPr id="4" name="灯片编号占位符 3"/>
+          <p:cNvSpPr>
+            <a:spLocks noGrp="1"/>
+          </p:cNvSpPr>
+          <p:nvPr>
+            <p:ph type="sldNum" sz="quarter" idx="10"/>
+          </p:nvPr>
+        </p:nvSpPr>
+        <p:spPr/>
+        <p:txBody>
+          <a:bodyPr/>
+          <a:lstStyle/>
+          <a:p>
+            <a:fld id="{85D0DACE-38E0-42D2-9336-2B707D34BC6D}" type="slidenum">
+              <a:rPr lang="zh-CN" altLang="en-US" smtClean="0"/>
+              <a:t>30</a:t>
             </a:fld>
             <a:endParaRPr lang="zh-CN" altLang="en-US"/>
           </a:p>
@@ -8620,273 +8709,32 @@
           <a:chExt cx="0" cy="0"/>
         </a:xfrm>
       </p:grpSpPr>
-      <p:sp>
-        <p:nvSpPr>
-          <p:cNvPr id="3" name="内容占位符 2"/>
-          <p:cNvSpPr>
-            <a:spLocks noGrp="1"/>
-          </p:cNvSpPr>
+      <p:pic>
+        <p:nvPicPr>
+          <p:cNvPr id="2" name="内容占位符 1"/>
+          <p:cNvPicPr>
+            <a:picLocks noGrp="1" noChangeAspect="1"/>
+          </p:cNvPicPr>
           <p:nvPr>
             <p:ph idx="1"/>
           </p:nvPr>
-        </p:nvSpPr>
+        </p:nvPicPr>
+        <p:blipFill>
+          <a:blip r:embed="rId4"/>
+          <a:stretch>
+            <a:fillRect/>
+          </a:stretch>
+        </p:blipFill>
         <p:spPr>
           <a:xfrm>
-            <a:off x="647700" y="1386840"/>
-            <a:ext cx="11215224" cy="5471160"/>
+            <a:off x="983926" y="1913165"/>
+            <a:ext cx="7514286" cy="3638095"/>
           </a:xfrm>
+          <a:prstGeom prst="rect">
+            <a:avLst/>
+          </a:prstGeom>
         </p:spPr>
-        <p:txBody>
-          <a:bodyPr>
-            <a:normAutofit fontScale="70000" lnSpcReduction="20000"/>
-          </a:bodyPr>
-          <a:lstStyle/>
-          <a:p>
-            <a:r>
-              <a:rPr lang="en-US" altLang="zh-CN" sz="2600" dirty="0"/>
-              <a:t>&lt;?xml version="1.0" encoding="utf-8" ?&gt;</a:t>
-            </a:r>
-          </a:p>
-          <a:p>
-            <a:r>
-              <a:rPr lang="en-US" altLang="zh-CN" sz="2600" dirty="0"/>
-              <a:t>&lt;Setting&gt;</a:t>
-            </a:r>
-          </a:p>
-          <a:p>
-            <a:r>
-              <a:rPr lang="en-US" altLang="zh-CN" sz="2600" dirty="0"/>
-              <a:t>    &lt;Includes&gt;</a:t>
-            </a:r>
-          </a:p>
-          <a:p>
-            <a:r>
-              <a:rPr lang="en-US" altLang="zh-CN" sz="2600" dirty="0"/>
-              <a:t>        &lt;Include File="./startup/common/</a:t>
-            </a:r>
-            <a:r>
-              <a:rPr lang="en-US" altLang="zh-CN" sz="2600" dirty="0" err="1"/>
-              <a:t>common.startup</a:t>
-            </a:r>
-            <a:r>
-              <a:rPr lang="en-US" altLang="zh-CN" sz="2600" dirty="0"/>
-              <a:t>"/&gt;</a:t>
-            </a:r>
-          </a:p>
-          <a:p>
-            <a:r>
-              <a:rPr lang="en-US" altLang="zh-CN" sz="2600" dirty="0"/>
-              <a:t>        &lt;Include File="./startup/common/</a:t>
-            </a:r>
-            <a:r>
-              <a:rPr lang="en-US" altLang="zh-CN" sz="2600" dirty="0" err="1"/>
-              <a:t>tcpclient.startup</a:t>
-            </a:r>
-            <a:r>
-              <a:rPr lang="en-US" altLang="zh-CN" sz="2600" dirty="0"/>
-              <a:t>"/&gt;</a:t>
-            </a:r>
-          </a:p>
-          <a:p>
-            <a:r>
-              <a:rPr lang="en-US" altLang="zh-CN" sz="2600" dirty="0"/>
-              <a:t>        &lt;Include File="./startup/common/</a:t>
-            </a:r>
-            <a:r>
-              <a:rPr lang="en-US" altLang="zh-CN" sz="2600" dirty="0" err="1"/>
-              <a:t>routeclient.startup</a:t>
-            </a:r>
-            <a:r>
-              <a:rPr lang="en-US" altLang="zh-CN" sz="2600" dirty="0"/>
-              <a:t>"/&gt;</a:t>
-            </a:r>
-          </a:p>
-          <a:p>
-            <a:r>
-              <a:rPr lang="en-US" altLang="zh-CN" sz="2600" dirty="0"/>
-              <a:t>        &lt;Include File="./startup/common/</a:t>
-            </a:r>
-            <a:r>
-              <a:rPr lang="en-US" altLang="zh-CN" sz="2600" dirty="0" err="1"/>
-              <a:t>remotelog.startup</a:t>
-            </a:r>
-            <a:r>
-              <a:rPr lang="en-US" altLang="zh-CN" sz="2600" dirty="0"/>
-              <a:t>"/&gt;</a:t>
-            </a:r>
-          </a:p>
-          <a:p>
-            <a:r>
-              <a:rPr lang="en-US" altLang="zh-CN" sz="2600" dirty="0"/>
-              <a:t>        &lt;Include File="./startup/common/</a:t>
-            </a:r>
-            <a:r>
-              <a:rPr lang="en-US" altLang="zh-CN" sz="2600" dirty="0" err="1"/>
-              <a:t>deployclient.startup</a:t>
-            </a:r>
-            <a:r>
-              <a:rPr lang="en-US" altLang="zh-CN" sz="2600" dirty="0"/>
-              <a:t>"/&gt;</a:t>
-            </a:r>
-          </a:p>
-          <a:p>
-            <a:r>
-              <a:rPr lang="en-US" altLang="zh-CN" sz="2600" dirty="0"/>
-              <a:t>    &lt;/Includes&gt;</a:t>
-            </a:r>
-          </a:p>
-          <a:p>
-            <a:r>
-              <a:rPr lang="en-US" altLang="zh-CN" sz="2600" dirty="0"/>
-              <a:t/>
-            </a:r>
-            <a:br>
-              <a:rPr lang="en-US" altLang="zh-CN" sz="2600" dirty="0"/>
-            </a:br>
-            <a:r>
-              <a:rPr lang="en-US" altLang="zh-CN" sz="2600" dirty="0"/>
-              <a:t>    &lt;Plugins&gt;</a:t>
-            </a:r>
-          </a:p>
-          <a:p>
-            <a:r>
-              <a:rPr lang="en-US" altLang="zh-CN" sz="2600" dirty="0"/>
-              <a:t>        &lt;Plugin Name="</a:t>
-            </a:r>
-            <a:r>
-              <a:rPr lang="en-US" altLang="zh-CN" sz="2600" dirty="0" err="1"/>
-              <a:t>KFDataShard</a:t>
-            </a:r>
-            <a:r>
-              <a:rPr lang="en-US" altLang="zh-CN" sz="2600" dirty="0"/>
-              <a:t>" </a:t>
-            </a:r>
-            <a:r>
-              <a:rPr lang="en-US" altLang="zh-CN" sz="2600" dirty="0" err="1" smtClean="0"/>
-              <a:t>Param</a:t>
-            </a:r>
-            <a:r>
-              <a:rPr lang="en-US" altLang="zh-CN" sz="2600" dirty="0" smtClean="0"/>
-              <a:t>=""/&gt;</a:t>
-            </a:r>
-            <a:r>
-              <a:rPr lang="en-US" altLang="zh-CN" sz="2600" dirty="0"/>
-              <a:t>  </a:t>
-            </a:r>
-          </a:p>
-          <a:p>
-            <a:r>
-              <a:rPr lang="en-US" altLang="zh-CN" sz="2600" dirty="0"/>
-              <a:t>        &lt;Plugin Name="</a:t>
-            </a:r>
-            <a:r>
-              <a:rPr lang="en-US" altLang="zh-CN" sz="2600" dirty="0" err="1"/>
-              <a:t>KFRedis</a:t>
-            </a:r>
-            <a:r>
-              <a:rPr lang="en-US" altLang="zh-CN" sz="2600" dirty="0"/>
-              <a:t>" </a:t>
-            </a:r>
-            <a:r>
-              <a:rPr lang="en-US" altLang="zh-CN" sz="2600" dirty="0"/>
-              <a:t> </a:t>
-            </a:r>
-            <a:r>
-              <a:rPr lang="en-US" altLang="zh-CN" sz="2600" dirty="0" err="1" smtClean="0"/>
-              <a:t>Param</a:t>
-            </a:r>
-            <a:r>
-              <a:rPr lang="en-US" altLang="zh-CN" sz="2600" dirty="0" smtClean="0"/>
-              <a:t>=""/&gt;</a:t>
-            </a:r>
-            <a:r>
-              <a:rPr lang="en-US" altLang="zh-CN" sz="2600" dirty="0"/>
-              <a:t>  </a:t>
-            </a:r>
-          </a:p>
-          <a:p>
-            <a:r>
-              <a:rPr lang="en-US" altLang="zh-CN" sz="2600" dirty="0"/>
-              <a:t>        &lt;Plugin Name="</a:t>
-            </a:r>
-            <a:r>
-              <a:rPr lang="en-US" altLang="zh-CN" sz="2600" dirty="0" err="1"/>
-              <a:t>KFMongo</a:t>
-            </a:r>
-            <a:r>
-              <a:rPr lang="en-US" altLang="zh-CN" sz="2600" dirty="0"/>
-              <a:t>" </a:t>
-            </a:r>
-            <a:r>
-              <a:rPr lang="en-US" altLang="zh-CN" sz="2600" dirty="0"/>
-              <a:t> </a:t>
-            </a:r>
-            <a:r>
-              <a:rPr lang="en-US" altLang="zh-CN" sz="2600" dirty="0" err="1" smtClean="0"/>
-              <a:t>Param</a:t>
-            </a:r>
-            <a:r>
-              <a:rPr lang="en-US" altLang="zh-CN" sz="2600" dirty="0" smtClean="0"/>
-              <a:t>=""/&gt;</a:t>
-            </a:r>
-            <a:r>
-              <a:rPr lang="en-US" altLang="zh-CN" sz="2600" dirty="0"/>
-              <a:t>  </a:t>
-            </a:r>
-          </a:p>
-          <a:p>
-            <a:r>
-              <a:rPr lang="en-US" altLang="zh-CN" sz="2600" dirty="0"/>
-              <a:t>        &lt;Plugin Name="</a:t>
-            </a:r>
-            <a:r>
-              <a:rPr lang="en-US" altLang="zh-CN" sz="2600" dirty="0" err="1"/>
-              <a:t>KFMySQL</a:t>
-            </a:r>
-            <a:r>
-              <a:rPr lang="en-US" altLang="zh-CN" sz="2600" dirty="0"/>
-              <a:t>" </a:t>
-            </a:r>
-            <a:r>
-              <a:rPr lang="en-US" altLang="zh-CN" sz="2600" dirty="0"/>
-              <a:t> </a:t>
-            </a:r>
-            <a:r>
-              <a:rPr lang="en-US" altLang="zh-CN" sz="2600" dirty="0" err="1" smtClean="0"/>
-              <a:t>Param</a:t>
-            </a:r>
-            <a:r>
-              <a:rPr lang="en-US" altLang="zh-CN" sz="2600" dirty="0" smtClean="0"/>
-              <a:t>=""/&gt;</a:t>
-            </a:r>
-            <a:r>
-              <a:rPr lang="en-US" altLang="zh-CN" sz="2600" dirty="0"/>
-              <a:t>  </a:t>
-            </a:r>
-          </a:p>
-          <a:p>
-            <a:r>
-              <a:rPr lang="en-US" altLang="zh-CN" sz="2600" dirty="0"/>
-              <a:t>    &lt;/Plugins&gt;</a:t>
-            </a:r>
-          </a:p>
-          <a:p>
-            <a:r>
-              <a:rPr lang="en-US" altLang="zh-CN" sz="2600" dirty="0"/>
-              <a:t>&lt;/Setting&gt;</a:t>
-            </a:r>
-          </a:p>
-          <a:p>
-            <a:pPr marL="0" indent="0">
-              <a:lnSpc>
-                <a:spcPct val="170000"/>
-              </a:lnSpc>
-              <a:buNone/>
-            </a:pPr>
-            <a:endParaRPr lang="zh-CN" altLang="en-US" dirty="0"/>
-          </a:p>
-        </p:txBody>
-      </p:sp>
+      </p:pic>
       <p:sp>
         <p:nvSpPr>
           <p:cNvPr id="27" name="文本框 26"/>
@@ -8985,203 +8833,32 @@
           <a:chExt cx="0" cy="0"/>
         </a:xfrm>
       </p:grpSpPr>
-      <p:sp>
-        <p:nvSpPr>
-          <p:cNvPr id="3" name="内容占位符 2"/>
-          <p:cNvSpPr>
-            <a:spLocks noGrp="1"/>
-          </p:cNvSpPr>
+      <p:pic>
+        <p:nvPicPr>
+          <p:cNvPr id="2" name="内容占位符 1"/>
+          <p:cNvPicPr>
+            <a:picLocks noGrp="1" noChangeAspect="1"/>
+          </p:cNvPicPr>
           <p:nvPr>
             <p:ph idx="1"/>
           </p:nvPr>
-        </p:nvSpPr>
+        </p:nvPicPr>
+        <p:blipFill>
+          <a:blip r:embed="rId4"/>
+          <a:stretch>
+            <a:fillRect/>
+          </a:stretch>
+        </p:blipFill>
         <p:spPr>
           <a:xfrm>
-            <a:off x="647700" y="1386840"/>
-            <a:ext cx="11215224" cy="5471160"/>
+            <a:off x="836420" y="1703590"/>
+            <a:ext cx="9619048" cy="3238095"/>
           </a:xfrm>
+          <a:prstGeom prst="rect">
+            <a:avLst/>
+          </a:prstGeom>
         </p:spPr>
-        <p:txBody>
-          <a:bodyPr>
-            <a:normAutofit/>
-          </a:bodyPr>
-          <a:lstStyle/>
-          <a:p>
-            <a:r>
-              <a:rPr lang="en-US" altLang="zh-CN" dirty="0"/>
-              <a:t>&lt;?xml version="1.0" encoding="utf-8" ?&gt;</a:t>
-            </a:r>
-          </a:p>
-          <a:p>
-            <a:r>
-              <a:rPr lang="en-US" altLang="zh-CN" dirty="0"/>
-              <a:t>&lt;Setting&gt;</a:t>
-            </a:r>
-          </a:p>
-          <a:p>
-            <a:r>
-              <a:rPr lang="en-US" altLang="zh-CN" dirty="0"/>
-              <a:t>    &lt;Plugins&gt;</a:t>
-            </a:r>
-          </a:p>
-          <a:p>
-            <a:r>
-              <a:rPr lang="en-US" altLang="zh-CN" dirty="0"/>
-              <a:t>        &lt;Plugin Name="</a:t>
-            </a:r>
-            <a:r>
-              <a:rPr lang="en-US" altLang="zh-CN" dirty="0" err="1"/>
-              <a:t>KFHttpClient</a:t>
-            </a:r>
-            <a:r>
-              <a:rPr lang="en-US" altLang="zh-CN" dirty="0"/>
-              <a:t>" </a:t>
-            </a:r>
-            <a:r>
-              <a:rPr lang="en-US" altLang="zh-CN" dirty="0"/>
-              <a:t> </a:t>
-            </a:r>
-            <a:r>
-              <a:rPr lang="en-US" altLang="zh-CN" dirty="0" err="1" smtClean="0"/>
-              <a:t>Param</a:t>
-            </a:r>
-            <a:r>
-              <a:rPr lang="en-US" altLang="zh-CN" dirty="0" smtClean="0"/>
-              <a:t>=""/&gt;</a:t>
-            </a:r>
-            <a:endParaRPr lang="en-US" altLang="zh-CN" dirty="0"/>
-          </a:p>
-          <a:p>
-            <a:r>
-              <a:rPr lang="en-US" altLang="zh-CN" dirty="0"/>
-              <a:t>        &lt;Plugin Name="</a:t>
-            </a:r>
-            <a:r>
-              <a:rPr lang="en-US" altLang="zh-CN" dirty="0" err="1"/>
-              <a:t>KFTcpClient</a:t>
-            </a:r>
-            <a:r>
-              <a:rPr lang="en-US" altLang="zh-CN" dirty="0"/>
-              <a:t>" </a:t>
-            </a:r>
-            <a:r>
-              <a:rPr lang="en-US" altLang="zh-CN" dirty="0"/>
-              <a:t> </a:t>
-            </a:r>
-            <a:r>
-              <a:rPr lang="en-US" altLang="zh-CN" dirty="0" err="1" smtClean="0"/>
-              <a:t>Param</a:t>
-            </a:r>
-            <a:r>
-              <a:rPr lang="en-US" altLang="zh-CN" dirty="0" smtClean="0"/>
-              <a:t>=""/&gt;</a:t>
-            </a:r>
-            <a:endParaRPr lang="en-US" altLang="zh-CN" dirty="0"/>
-          </a:p>
-          <a:p>
-            <a:r>
-              <a:rPr lang="en-US" altLang="zh-CN" dirty="0"/>
-              <a:t>        &lt;Plugin Name="</a:t>
-            </a:r>
-            <a:r>
-              <a:rPr lang="en-US" altLang="zh-CN" dirty="0" err="1"/>
-              <a:t>KFMessage</a:t>
-            </a:r>
-            <a:r>
-              <a:rPr lang="en-US" altLang="zh-CN" dirty="0"/>
-              <a:t>" </a:t>
-            </a:r>
-            <a:r>
-              <a:rPr lang="en-US" altLang="zh-CN" dirty="0"/>
-              <a:t> </a:t>
-            </a:r>
-            <a:r>
-              <a:rPr lang="en-US" altLang="zh-CN" dirty="0" err="1" smtClean="0"/>
-              <a:t>Param</a:t>
-            </a:r>
-            <a:r>
-              <a:rPr lang="en-US" altLang="zh-CN" dirty="0" smtClean="0"/>
-              <a:t>=""/&gt;</a:t>
-            </a:r>
-            <a:endParaRPr lang="en-US" altLang="zh-CN" dirty="0"/>
-          </a:p>
-          <a:p>
-            <a:r>
-              <a:rPr lang="en-US" altLang="zh-CN" dirty="0"/>
-              <a:t>        &lt;Plugin Name="</a:t>
-            </a:r>
-            <a:r>
-              <a:rPr lang="en-US" altLang="zh-CN" dirty="0" err="1"/>
-              <a:t>KFBus</a:t>
-            </a:r>
-            <a:r>
-              <a:rPr lang="en-US" altLang="zh-CN" dirty="0"/>
-              <a:t>" </a:t>
-            </a:r>
-            <a:r>
-              <a:rPr lang="en-US" altLang="zh-CN" dirty="0"/>
-              <a:t> </a:t>
-            </a:r>
-            <a:r>
-              <a:rPr lang="en-US" altLang="zh-CN" dirty="0" err="1" smtClean="0"/>
-              <a:t>Param</a:t>
-            </a:r>
-            <a:r>
-              <a:rPr lang="en-US" altLang="zh-CN" dirty="0" smtClean="0"/>
-              <a:t>=""/&gt;</a:t>
-            </a:r>
-            <a:endParaRPr lang="en-US" altLang="zh-CN" dirty="0"/>
-          </a:p>
-          <a:p>
-            <a:r>
-              <a:rPr lang="en-US" altLang="zh-CN" dirty="0"/>
-              <a:t>        &lt;Plugin Name="</a:t>
-            </a:r>
-            <a:r>
-              <a:rPr lang="en-US" altLang="zh-CN" dirty="0" err="1"/>
-              <a:t>KFIpAddress</a:t>
-            </a:r>
-            <a:r>
-              <a:rPr lang="en-US" altLang="zh-CN" dirty="0"/>
-              <a:t>" </a:t>
-            </a:r>
-            <a:r>
-              <a:rPr lang="en-US" altLang="zh-CN" dirty="0"/>
-              <a:t> </a:t>
-            </a:r>
-            <a:r>
-              <a:rPr lang="en-US" altLang="zh-CN" dirty="0" err="1" smtClean="0"/>
-              <a:t>Param</a:t>
-            </a:r>
-            <a:r>
-              <a:rPr lang="en-US" altLang="zh-CN" dirty="0" smtClean="0"/>
-              <a:t>=""/&gt;</a:t>
-            </a:r>
-            <a:endParaRPr lang="en-US" altLang="zh-CN" dirty="0"/>
-          </a:p>
-          <a:p>
-            <a:r>
-              <a:rPr lang="en-US" altLang="zh-CN" dirty="0"/>
-              <a:t>    &lt;/Plugins&gt;</a:t>
-            </a:r>
-          </a:p>
-          <a:p>
-            <a:r>
-              <a:rPr lang="en-US" altLang="zh-CN" dirty="0"/>
-              <a:t>&lt;/Setting&gt;</a:t>
-            </a:r>
-          </a:p>
-          <a:p>
-            <a:pPr marL="0" indent="0">
-              <a:lnSpc>
-                <a:spcPct val="170000"/>
-              </a:lnSpc>
-              <a:buNone/>
-            </a:pPr>
-            <a:endParaRPr lang="zh-CN" altLang="en-US" dirty="0"/>
-          </a:p>
-        </p:txBody>
-      </p:sp>
+      </p:pic>
       <p:sp>
         <p:nvSpPr>
           <p:cNvPr id="27" name="文本框 26"/>
@@ -9464,15 +9141,6 @@
               <a:t>客户端</a:t>
             </a:r>
             <a:r>
-              <a:rPr lang="en-US" altLang="zh-CN" sz="1600" dirty="0" smtClean="0">
-                <a:solidFill>
-                  <a:srgbClr val="000000"/>
-                </a:solidFill>
-                <a:sym typeface="+mn-ea"/>
-              </a:rPr>
-              <a:t>(</a:t>
-            </a:r>
-            <a:r>
               <a:rPr lang="en-US" altLang="zh-CN" sz="1600" dirty="0" err="1" smtClean="0">
                 <a:solidFill>
                   <a:srgbClr val="000000"/>
@@ -9480,15 +9148,6 @@
                 <a:sym typeface="+mn-ea"/>
               </a:rPr>
               <a:t>TcpClient</a:t>
-            </a:r>
-            <a:r>
-              <a:rPr lang="en-US" altLang="zh-CN" sz="1600" dirty="0" smtClean="0">
-                <a:solidFill>
-                  <a:srgbClr val="000000"/>
-                </a:solidFill>
-                <a:sym typeface="+mn-ea"/>
-              </a:rPr>
-              <a:t>)</a:t>
             </a:r>
             <a:endParaRPr lang="en-US" altLang="zh-CN" sz="1600" dirty="0">
               <a:solidFill>
@@ -9533,15 +9192,6 @@
               <a:t>服务器</a:t>
             </a:r>
             <a:r>
-              <a:rPr lang="en-US" altLang="zh-CN" sz="1600" dirty="0" smtClean="0">
-                <a:solidFill>
-                  <a:srgbClr val="000000"/>
-                </a:solidFill>
-                <a:sym typeface="+mn-ea"/>
-              </a:rPr>
-              <a:t>(</a:t>
-            </a:r>
-            <a:r>
               <a:rPr lang="en-US" altLang="zh-CN" sz="1600" dirty="0" err="1" smtClean="0">
                 <a:solidFill>
                   <a:srgbClr val="000000"/>
@@ -9550,15 +9200,12 @@
               </a:rPr>
               <a:t>TcpServer</a:t>
             </a:r>
-            <a:r>
-              <a:rPr lang="en-US" altLang="zh-CN" sz="1600" dirty="0" smtClean="0">
-                <a:solidFill>
-                  <a:srgbClr val="000000"/>
-                </a:solidFill>
-                <a:sym typeface="+mn-ea"/>
-              </a:rPr>
-              <a:t>)</a:t>
-            </a:r>
+            <a:endParaRPr lang="en-US" altLang="zh-CN" sz="1600" dirty="0" smtClean="0">
+              <a:solidFill>
+                <a:srgbClr val="000000"/>
+              </a:solidFill>
+              <a:sym typeface="+mn-ea"/>
+            </a:endParaRPr>
           </a:p>
           <a:p>
             <a:pPr marL="800100" lvl="1" indent="-342900">
@@ -9584,7 +9231,7 @@
                 </a:solidFill>
                 <a:sym typeface="+mn-ea"/>
               </a:rPr>
-              <a:t>(Message)</a:t>
+              <a:t>Message</a:t>
             </a:r>
           </a:p>
           <a:p>
@@ -9611,7 +9258,7 @@
                 </a:solidFill>
                 <a:sym typeface="+mn-ea"/>
               </a:rPr>
-              <a:t>(Bus)</a:t>
+              <a:t>Bus</a:t>
             </a:r>
           </a:p>
           <a:p>
@@ -9650,15 +9297,6 @@
               <a:t>客户端</a:t>
             </a:r>
             <a:r>
-              <a:rPr lang="en-US" altLang="zh-CN" sz="1600" dirty="0" smtClean="0">
-                <a:solidFill>
-                  <a:srgbClr val="000000"/>
-                </a:solidFill>
-                <a:sym typeface="+mn-ea"/>
-              </a:rPr>
-              <a:t>(</a:t>
-            </a:r>
-            <a:r>
               <a:rPr lang="en-US" altLang="zh-CN" sz="1600" dirty="0" err="1" smtClean="0">
                 <a:solidFill>
                   <a:srgbClr val="000000"/>
@@ -9667,15 +9305,12 @@
               </a:rPr>
               <a:t>HttpClient</a:t>
             </a:r>
-            <a:r>
-              <a:rPr lang="en-US" altLang="zh-CN" sz="1600" dirty="0" smtClean="0">
-                <a:solidFill>
-                  <a:srgbClr val="000000"/>
-                </a:solidFill>
-                <a:sym typeface="+mn-ea"/>
-              </a:rPr>
-              <a:t>)</a:t>
-            </a:r>
+            <a:endParaRPr lang="en-US" altLang="zh-CN" sz="1600" dirty="0" smtClean="0">
+              <a:solidFill>
+                <a:srgbClr val="000000"/>
+              </a:solidFill>
+              <a:sym typeface="+mn-ea"/>
+            </a:endParaRPr>
           </a:p>
           <a:p>
             <a:pPr marL="800100" lvl="1" indent="-342900">
@@ -9713,15 +9348,6 @@
               <a:t>服务器</a:t>
             </a:r>
             <a:r>
-              <a:rPr lang="en-US" altLang="zh-CN" sz="1600" dirty="0" smtClean="0">
-                <a:solidFill>
-                  <a:srgbClr val="000000"/>
-                </a:solidFill>
-                <a:sym typeface="+mn-ea"/>
-              </a:rPr>
-              <a:t>(</a:t>
-            </a:r>
-            <a:r>
               <a:rPr lang="en-US" altLang="zh-CN" sz="1600" dirty="0" err="1" smtClean="0">
                 <a:solidFill>
                   <a:srgbClr val="000000"/>
@@ -9730,15 +9356,12 @@
               </a:rPr>
               <a:t>HttpServer</a:t>
             </a:r>
-            <a:r>
-              <a:rPr lang="en-US" altLang="zh-CN" sz="1600" dirty="0" smtClean="0">
-                <a:solidFill>
-                  <a:srgbClr val="000000"/>
-                </a:solidFill>
-                <a:sym typeface="+mn-ea"/>
-              </a:rPr>
-              <a:t>)</a:t>
-            </a:r>
+            <a:endParaRPr lang="en-US" altLang="zh-CN" sz="1600" dirty="0" smtClean="0">
+              <a:solidFill>
+                <a:srgbClr val="000000"/>
+              </a:solidFill>
+              <a:sym typeface="+mn-ea"/>
+            </a:endParaRPr>
           </a:p>
           <a:p>
             <a:pPr marL="800100" lvl="1" indent="-342900">
@@ -9764,7 +9387,7 @@
                 </a:solidFill>
                 <a:sym typeface="+mn-ea"/>
               </a:rPr>
-              <a:t>(Route)</a:t>
+              <a:t>Route</a:t>
             </a:r>
             <a:endParaRPr lang="en-US" altLang="zh-CN" sz="1600" dirty="0">
               <a:solidFill>
@@ -10311,7 +9934,7 @@
                 </a:solidFill>
                 <a:sym typeface="+mn-ea"/>
               </a:rPr>
-              <a:t>Schedule,</a:t>
+              <a:t>Schedule</a:t>
             </a:r>
           </a:p>
           <a:p>
@@ -11914,7 +11537,7 @@
             </a:r>
             <a:r>
               <a:rPr lang="en-US" altLang="zh-CN" spc="120" dirty="0" smtClean="0"/>
-              <a:t>,</a:t>
+              <a:t>, </a:t>
             </a:r>
             <a:r>
               <a:rPr lang="zh-CN" altLang="en-US" spc="120" dirty="0" smtClean="0"/>
@@ -12211,7 +11834,7 @@
       </p:grpSpPr>
       <p:pic>
         <p:nvPicPr>
-          <p:cNvPr id="21" name="图片 20"/>
+          <p:cNvPr id="25" name="图片 24"/>
           <p:cNvPicPr>
             <a:picLocks noChangeAspect="1"/>
           </p:cNvPicPr>
@@ -12225,8 +11848,8 @@
         </p:blipFill>
         <p:spPr>
           <a:xfrm>
-            <a:off x="129333" y="281381"/>
-            <a:ext cx="11933333" cy="6295238"/>
+            <a:off x="62666" y="76199"/>
+            <a:ext cx="12066667" cy="6809943"/>
           </a:xfrm>
           <a:prstGeom prst="rect">
             <a:avLst/>
@@ -14585,16 +14208,22 @@
         </p:spPr>
         <p:txBody>
           <a:bodyPr>
-            <a:normAutofit fontScale="70000" lnSpcReduction="20000"/>
+            <a:normAutofit/>
           </a:bodyPr>
           <a:lstStyle/>
           <a:p>
-            <a:pPr marL="457200" lvl="1" indent="0">
-              <a:buNone/>
-            </a:pPr>
+            <a:pPr lvl="1"/>
+            <a:endParaRPr lang="en-US" altLang="zh-CN" sz="2000" dirty="0" smtClean="0"/>
+          </a:p>
+          <a:p>
+            <a:pPr lvl="1"/>
+            <a:endParaRPr lang="en-US" altLang="zh-CN" sz="2000" dirty="0"/>
+          </a:p>
+          <a:p>
+            <a:pPr lvl="1"/>
             <a:r>
               <a:rPr lang="zh-CN" altLang="en-US" sz="2000" dirty="0" smtClean="0"/>
-              <a:t>属性全部都在</a:t>
+              <a:t>属性全部在</a:t>
             </a:r>
             <a:r>
               <a:rPr lang="en-US" altLang="zh-CN" sz="2000" dirty="0" smtClean="0"/>
@@ -14602,7 +14231,19 @@
             </a:r>
             <a:r>
               <a:rPr lang="zh-CN" altLang="en-US" sz="2000" dirty="0" smtClean="0"/>
-              <a:t>插件中维护</a:t>
+              <a:t>插件中</a:t>
+            </a:r>
+            <a:endParaRPr lang="en-US" altLang="zh-CN" sz="2000" dirty="0" smtClean="0"/>
+          </a:p>
+          <a:p>
+            <a:pPr lvl="1"/>
+            <a:endParaRPr lang="en-US" altLang="zh-CN" sz="2000" dirty="0" smtClean="0"/>
+          </a:p>
+          <a:p>
+            <a:pPr lvl="1"/>
+            <a:r>
+              <a:rPr lang="zh-CN" altLang="en-US" sz="2000" dirty="0" smtClean="0"/>
+              <a:t>树形结构保存</a:t>
             </a:r>
             <a:r>
               <a:rPr lang="en-US" altLang="zh-CN" sz="2000" dirty="0" smtClean="0"/>
@@ -14610,31 +14251,35 @@
             </a:r>
             <a:r>
               <a:rPr lang="zh-CN" altLang="en-US" sz="2000" dirty="0" smtClean="0"/>
-              <a:t>树形结构保存</a:t>
+              <a:t>树</a:t>
+            </a:r>
+            <a:r>
+              <a:rPr lang="zh-CN" altLang="en-US" sz="2000" dirty="0"/>
+              <a:t>路径</a:t>
+            </a:r>
+            <a:r>
+              <a:rPr lang="zh-CN" altLang="en-US" sz="2000" dirty="0" smtClean="0"/>
+              <a:t>访问</a:t>
+            </a:r>
+            <a:endParaRPr lang="en-US" altLang="zh-CN" sz="2000" dirty="0" smtClean="0"/>
+          </a:p>
+          <a:p>
+            <a:pPr lvl="1"/>
+            <a:endParaRPr lang="en-US" altLang="zh-CN" sz="2000" dirty="0" smtClean="0"/>
+          </a:p>
+          <a:p>
+            <a:pPr lvl="1"/>
+            <a:r>
+              <a:rPr lang="zh-CN" altLang="en-US" sz="2000" dirty="0" smtClean="0"/>
+              <a:t>实体对象直接调用接口</a:t>
             </a:r>
             <a:r>
               <a:rPr lang="en-US" altLang="zh-CN" sz="2000" dirty="0" smtClean="0"/>
-              <a:t>, </a:t>
+              <a:t>,</a:t>
             </a:r>
             <a:r>
               <a:rPr lang="zh-CN" altLang="en-US" sz="2000" dirty="0" smtClean="0"/>
-              <a:t>只要知道属性的配置表路径</a:t>
-            </a:r>
-            <a:r>
-              <a:rPr lang="en-US" altLang="zh-CN" sz="2000" dirty="0" smtClean="0"/>
-              <a:t>, </a:t>
-            </a:r>
-            <a:r>
-              <a:rPr lang="zh-CN" altLang="en-US" sz="2000" dirty="0" smtClean="0"/>
-              <a:t>就能操作</a:t>
-            </a:r>
-            <a:r>
-              <a:rPr lang="en-US" altLang="zh-CN" sz="2000" dirty="0" smtClean="0"/>
-              <a:t>, </a:t>
-            </a:r>
-            <a:r>
-              <a:rPr lang="zh-CN" altLang="en-US" sz="2000" dirty="0" smtClean="0"/>
-              <a:t>目前最多支持</a:t>
+              <a:t> 目前最多支持</a:t>
             </a:r>
             <a:r>
               <a:rPr lang="en-US" altLang="zh-CN" sz="2000" dirty="0" smtClean="0"/>
@@ -14651,355 +14296,6 @@
               <a:buNone/>
             </a:pPr>
             <a:endParaRPr lang="en-US" altLang="zh-CN" sz="2000" dirty="0"/>
-          </a:p>
-          <a:p>
-            <a:pPr lvl="1"/>
-            <a:r>
-              <a:rPr lang="zh-CN" altLang="en-US" sz="2000" dirty="0" smtClean="0"/>
-              <a:t>通过</a:t>
-            </a:r>
-            <a:r>
-              <a:rPr lang="en-US" altLang="zh-CN" sz="2000" dirty="0" smtClean="0"/>
-              <a:t>Get</a:t>
-            </a:r>
-            <a:r>
-              <a:rPr lang="zh-CN" altLang="en-US" sz="2000" dirty="0" smtClean="0"/>
-              <a:t>获得属性值</a:t>
-            </a:r>
-            <a:r>
-              <a:rPr lang="en-US" altLang="zh-CN" sz="2000" dirty="0" smtClean="0"/>
-              <a:t>,Find</a:t>
-            </a:r>
-            <a:r>
-              <a:rPr lang="zh-CN" altLang="en-US" sz="2000" dirty="0" smtClean="0"/>
-              <a:t>获得属性对象指针</a:t>
-            </a:r>
-            <a:endParaRPr lang="en-US" altLang="zh-CN" sz="2000" dirty="0" smtClean="0"/>
-          </a:p>
-          <a:p>
-            <a:pPr marL="457200" lvl="1" indent="0">
-              <a:buNone/>
-            </a:pPr>
-            <a:r>
-              <a:rPr lang="en-US" altLang="zh-CN" sz="2000" dirty="0"/>
-              <a:t>	</a:t>
-            </a:r>
-            <a:r>
-              <a:rPr lang="en-US" altLang="zh-CN" sz="2000" dirty="0" smtClean="0"/>
-              <a:t>// </a:t>
-            </a:r>
-            <a:r>
-              <a:rPr lang="zh-CN" altLang="en-US" sz="2000" dirty="0" smtClean="0"/>
-              <a:t>获得金币</a:t>
-            </a:r>
-            <a:endParaRPr lang="en-US" altLang="zh-CN" sz="2000" dirty="0" smtClean="0"/>
-          </a:p>
-          <a:p>
-            <a:pPr marL="457200" lvl="1" indent="0">
-              <a:buNone/>
-            </a:pPr>
-            <a:r>
-              <a:rPr lang="en-US" altLang="zh-CN" sz="2000" dirty="0"/>
-              <a:t>	</a:t>
-            </a:r>
-            <a:r>
-              <a:rPr lang="en-US" altLang="zh-CN" sz="2000" dirty="0" smtClean="0"/>
-              <a:t>auto money = player-&gt;Get( “money”);</a:t>
-            </a:r>
-          </a:p>
-          <a:p>
-            <a:pPr marL="457200" lvl="1" indent="0">
-              <a:buNone/>
-            </a:pPr>
-            <a:endParaRPr lang="en-US" altLang="zh-CN" sz="2000" dirty="0"/>
-          </a:p>
-          <a:p>
-            <a:pPr marL="457200" lvl="1" indent="0">
-              <a:buNone/>
-            </a:pPr>
-            <a:r>
-              <a:rPr lang="en-US" altLang="zh-CN" sz="2000" dirty="0" smtClean="0"/>
-              <a:t>	// </a:t>
-            </a:r>
-            <a:r>
-              <a:rPr lang="zh-CN" altLang="en-US" sz="2000" dirty="0" smtClean="0"/>
-              <a:t>获得物品</a:t>
-            </a:r>
-            <a:endParaRPr lang="en-US" altLang="zh-CN" sz="2000" dirty="0" smtClean="0"/>
-          </a:p>
-          <a:p>
-            <a:pPr marL="457200" lvl="1" indent="0">
-              <a:buNone/>
-            </a:pPr>
-            <a:r>
-              <a:rPr lang="en-US" altLang="zh-CN" sz="2000" dirty="0" smtClean="0"/>
-              <a:t>      	auto </a:t>
-            </a:r>
-            <a:r>
-              <a:rPr lang="en-US" altLang="zh-CN" sz="2000" dirty="0" err="1" smtClean="0"/>
-              <a:t>itemobj</a:t>
-            </a:r>
-            <a:r>
-              <a:rPr lang="en-US" altLang="zh-CN" sz="2000" dirty="0" smtClean="0"/>
-              <a:t> = player-&gt;Find(“item”,123);</a:t>
-            </a:r>
-          </a:p>
-          <a:p>
-            <a:pPr marL="457200" lvl="1" indent="0">
-              <a:buNone/>
-            </a:pPr>
-            <a:r>
-              <a:rPr lang="en-US" altLang="zh-CN" sz="2000" dirty="0"/>
-              <a:t>	</a:t>
-            </a:r>
-            <a:r>
-              <a:rPr lang="en-US" altLang="zh-CN" sz="2000" dirty="0" smtClean="0"/>
-              <a:t>auto count = </a:t>
-            </a:r>
-            <a:r>
-              <a:rPr lang="en-US" altLang="zh-CN" sz="2000" dirty="0" err="1" smtClean="0"/>
-              <a:t>itemobj</a:t>
-            </a:r>
-            <a:r>
-              <a:rPr lang="en-US" altLang="zh-CN" sz="2000" dirty="0" smtClean="0"/>
-              <a:t>-&gt;Get(“count”);</a:t>
-            </a:r>
-          </a:p>
-          <a:p>
-            <a:pPr marL="457200" lvl="1" indent="0">
-              <a:buNone/>
-            </a:pPr>
-            <a:endParaRPr lang="en-US" altLang="zh-CN" sz="2000" dirty="0"/>
-          </a:p>
-          <a:p>
-            <a:pPr marL="457200" lvl="1" indent="0">
-              <a:buNone/>
-            </a:pPr>
-            <a:r>
-              <a:rPr lang="en-US" altLang="zh-CN" sz="2000" dirty="0" smtClean="0"/>
-              <a:t>	auto count = player-&gt;Get(“item”,123,”count”)</a:t>
-            </a:r>
-          </a:p>
-          <a:p>
-            <a:pPr marL="457200" lvl="1" indent="0">
-              <a:buNone/>
-            </a:pPr>
-            <a:endParaRPr lang="en-US" altLang="zh-CN" sz="2000" dirty="0" smtClean="0"/>
-          </a:p>
-          <a:p>
-            <a:pPr lvl="1"/>
-            <a:r>
-              <a:rPr lang="zh-CN" altLang="en-US" sz="2000" dirty="0" smtClean="0"/>
-              <a:t>通过</a:t>
-            </a:r>
-            <a:r>
-              <a:rPr lang="en-US" altLang="zh-CN" sz="2000" dirty="0" smtClean="0"/>
-              <a:t>Operate, Add, Remove</a:t>
-            </a:r>
-            <a:r>
-              <a:rPr lang="zh-CN" altLang="en-US" sz="2000" dirty="0" smtClean="0"/>
-              <a:t>操作属性</a:t>
-            </a:r>
-            <a:endParaRPr lang="en-US" altLang="zh-CN" sz="2000" dirty="0" smtClean="0"/>
-          </a:p>
-          <a:p>
-            <a:pPr marL="457200" lvl="1" indent="0">
-              <a:buNone/>
-            </a:pPr>
-            <a:r>
-              <a:rPr lang="en-US" altLang="zh-CN" sz="2000" dirty="0"/>
-              <a:t>	</a:t>
-            </a:r>
-            <a:r>
-              <a:rPr lang="en-US" altLang="zh-CN" sz="2000" dirty="0" smtClean="0"/>
-              <a:t>// </a:t>
-            </a:r>
-            <a:r>
-              <a:rPr lang="zh-CN" altLang="en-US" sz="2000" dirty="0" smtClean="0"/>
-              <a:t>加金币</a:t>
-            </a:r>
-            <a:endParaRPr lang="en-US" altLang="zh-CN" sz="2000" dirty="0" smtClean="0"/>
-          </a:p>
-          <a:p>
-            <a:pPr marL="457200" lvl="1" indent="0">
-              <a:buNone/>
-            </a:pPr>
-            <a:r>
-              <a:rPr lang="en-US" altLang="zh-CN" sz="2000" dirty="0"/>
-              <a:t>	</a:t>
-            </a:r>
-            <a:r>
-              <a:rPr lang="en-US" altLang="zh-CN" sz="2000" dirty="0" smtClean="0"/>
-              <a:t>player-&gt;Operate(“money”,</a:t>
-            </a:r>
-            <a:r>
-              <a:rPr lang="en-US" altLang="zh-CN" sz="2000" dirty="0" err="1" smtClean="0"/>
-              <a:t>Enum</a:t>
-            </a:r>
-            <a:r>
-              <a:rPr lang="en-US" altLang="zh-CN" sz="2000" dirty="0" smtClean="0"/>
-              <a:t>::Add,100);</a:t>
-            </a:r>
-          </a:p>
-          <a:p>
-            <a:pPr marL="457200" lvl="1" indent="0">
-              <a:buNone/>
-            </a:pPr>
-            <a:endParaRPr lang="en-US" altLang="zh-CN" sz="2000" dirty="0"/>
-          </a:p>
-          <a:p>
-            <a:pPr marL="457200" lvl="1" indent="0">
-              <a:buNone/>
-            </a:pPr>
-            <a:r>
-              <a:rPr lang="en-US" altLang="zh-CN" sz="2000" dirty="0" smtClean="0"/>
-              <a:t>	// </a:t>
-            </a:r>
-            <a:r>
-              <a:rPr lang="zh-CN" altLang="en-US" sz="2000" dirty="0" smtClean="0"/>
-              <a:t>加道具</a:t>
-            </a:r>
-            <a:endParaRPr lang="en-US" altLang="zh-CN" sz="2000" dirty="0" smtClean="0"/>
-          </a:p>
-          <a:p>
-            <a:pPr marL="457200" lvl="1" indent="0">
-              <a:buNone/>
-            </a:pPr>
-            <a:r>
-              <a:rPr lang="en-US" altLang="zh-CN" sz="2000" dirty="0"/>
-              <a:t>	</a:t>
-            </a:r>
-            <a:r>
-              <a:rPr lang="en-US" altLang="zh-CN" sz="2000" dirty="0" smtClean="0"/>
-              <a:t>player-&gt;Add( “</a:t>
-            </a:r>
-            <a:r>
-              <a:rPr lang="en-US" altLang="zh-CN" sz="2000" dirty="0"/>
-              <a:t>item</a:t>
-            </a:r>
-            <a:r>
-              <a:rPr lang="en-US" altLang="zh-CN" sz="2000" dirty="0" smtClean="0"/>
-              <a:t>”, 123, </a:t>
-            </a:r>
-            <a:r>
-              <a:rPr lang="en-US" altLang="zh-CN" sz="2000" dirty="0" err="1" smtClean="0"/>
-              <a:t>itemobj</a:t>
-            </a:r>
-            <a:r>
-              <a:rPr lang="en-US" altLang="zh-CN" sz="2000" dirty="0" smtClean="0"/>
-              <a:t>);</a:t>
-            </a:r>
-          </a:p>
-          <a:p>
-            <a:pPr marL="457200" lvl="1" indent="0">
-              <a:buNone/>
-            </a:pPr>
-            <a:endParaRPr lang="en-US" altLang="zh-CN" sz="2000" dirty="0"/>
-          </a:p>
-          <a:p>
-            <a:pPr marL="457200" lvl="1" indent="0">
-              <a:buNone/>
-            </a:pPr>
-            <a:r>
-              <a:rPr lang="en-US" altLang="zh-CN" sz="2000" dirty="0" smtClean="0"/>
-              <a:t>	// </a:t>
-            </a:r>
-            <a:r>
-              <a:rPr lang="zh-CN" altLang="en-US" sz="2000" dirty="0" smtClean="0"/>
-              <a:t>删除道具</a:t>
-            </a:r>
-            <a:endParaRPr lang="en-US" altLang="zh-CN" sz="2000" dirty="0" smtClean="0"/>
-          </a:p>
-          <a:p>
-            <a:pPr marL="457200" lvl="1" indent="0">
-              <a:buNone/>
-            </a:pPr>
-            <a:r>
-              <a:rPr lang="en-US" altLang="zh-CN" sz="2000" dirty="0"/>
-              <a:t>	</a:t>
-            </a:r>
-            <a:r>
-              <a:rPr lang="en-US" altLang="zh-CN" sz="2000" dirty="0" smtClean="0"/>
-              <a:t>player-&gt;Remove(“</a:t>
-            </a:r>
-            <a:r>
-              <a:rPr lang="en-US" altLang="zh-CN" sz="2000" dirty="0"/>
-              <a:t>item</a:t>
-            </a:r>
-            <a:r>
-              <a:rPr lang="en-US" altLang="zh-CN" sz="2000" dirty="0" smtClean="0"/>
-              <a:t>”, 123);</a:t>
-            </a:r>
-          </a:p>
-          <a:p>
-            <a:pPr marL="457200" lvl="1" indent="0">
-              <a:buNone/>
-            </a:pPr>
-            <a:endParaRPr lang="en-US" altLang="zh-CN" sz="2000" dirty="0"/>
-          </a:p>
-          <a:p>
-            <a:pPr marL="457200" lvl="1" indent="0">
-              <a:buNone/>
-            </a:pPr>
-            <a:r>
-              <a:rPr lang="en-US" altLang="zh-CN" sz="2000" dirty="0" smtClean="0"/>
-              <a:t>	// </a:t>
-            </a:r>
-            <a:r>
-              <a:rPr lang="zh-CN" altLang="en-US" sz="2000" dirty="0"/>
-              <a:t>减少</a:t>
-            </a:r>
-            <a:r>
-              <a:rPr lang="zh-CN" altLang="en-US" sz="2000" dirty="0" smtClean="0"/>
-              <a:t>道具数量</a:t>
-            </a:r>
-            <a:endParaRPr lang="en-US" altLang="zh-CN" sz="2000" dirty="0" smtClean="0"/>
-          </a:p>
-          <a:p>
-            <a:pPr marL="457200" lvl="1" indent="0">
-              <a:buNone/>
-            </a:pPr>
-            <a:r>
-              <a:rPr lang="en-US" altLang="zh-CN" sz="2000" dirty="0"/>
-              <a:t>	</a:t>
-            </a:r>
-            <a:r>
-              <a:rPr lang="en-US" altLang="zh-CN" sz="2000" dirty="0" smtClean="0"/>
-              <a:t>player-&gt;Operate(“</a:t>
-            </a:r>
-            <a:r>
-              <a:rPr lang="en-US" altLang="zh-CN" sz="2000" dirty="0"/>
-              <a:t>item</a:t>
-            </a:r>
-            <a:r>
-              <a:rPr lang="en-US" altLang="zh-CN" sz="2000" dirty="0" smtClean="0"/>
-              <a:t>”, 123, ”count”, </a:t>
-            </a:r>
-            <a:r>
-              <a:rPr lang="en-US" altLang="zh-CN" sz="2000" dirty="0" err="1" smtClean="0"/>
-              <a:t>Enum:Dec</a:t>
-            </a:r>
-            <a:r>
-              <a:rPr lang="en-US" altLang="zh-CN" sz="2000" dirty="0" smtClean="0"/>
-              <a:t>, 1);</a:t>
-            </a:r>
-          </a:p>
-          <a:p>
-            <a:pPr marL="457200" lvl="1" indent="0">
-              <a:buNone/>
-            </a:pPr>
-            <a:r>
-              <a:rPr lang="en-US" altLang="zh-CN" sz="2000" dirty="0"/>
-              <a:t>	</a:t>
-            </a:r>
-            <a:endParaRPr lang="en-US" altLang="zh-CN" sz="2000" dirty="0" smtClean="0"/>
-          </a:p>
-          <a:p>
-            <a:pPr marL="800100" lvl="1" indent="-342900">
-              <a:buFont typeface="+mj-lt"/>
-              <a:buAutoNum type="arabicPeriod"/>
-            </a:pPr>
-            <a:endParaRPr lang="zh-CN" altLang="en-US" dirty="0"/>
           </a:p>
         </p:txBody>
       </p:sp>
@@ -15057,6 +14353,432 @@
             <a:endParaRPr dirty="0">
               <a:sym typeface="+mn-ea"/>
             </a:endParaRPr>
+          </a:p>
+        </p:txBody>
+      </p:sp>
+    </p:spTree>
+    <p:custDataLst>
+      <p:tags r:id="rId1"/>
+    </p:custDataLst>
+    <p:extLst>
+      <p:ext uri="{BB962C8B-B14F-4D97-AF65-F5344CB8AC3E}">
+        <p14:creationId xmlns:p14="http://schemas.microsoft.com/office/powerpoint/2010/main" val="2610414680"/>
+      </p:ext>
+    </p:extLst>
+  </p:cSld>
+  <p:clrMapOvr>
+    <a:masterClrMapping/>
+  </p:clrMapOvr>
+  <p:timing>
+    <p:tnLst>
+      <p:par>
+        <p:cTn id="1" dur="indefinite" restart="never" nodeType="tmRoot"/>
+      </p:par>
+    </p:tnLst>
+  </p:timing>
+</p:sld>
+</file>
+
+<file path=ppt/slides/slide23.xml><?xml version="1.0" encoding="utf-8"?>
+<p:sld xmlns:a="http://schemas.openxmlformats.org/drawingml/2006/main" xmlns:r="http://schemas.openxmlformats.org/officeDocument/2006/relationships" xmlns:p="http://schemas.openxmlformats.org/presentationml/2006/main">
+  <p:cSld>
+    <p:spTree>
+      <p:nvGrpSpPr>
+        <p:cNvPr id="1" name=""/>
+        <p:cNvGrpSpPr/>
+        <p:nvPr/>
+      </p:nvGrpSpPr>
+      <p:grpSpPr>
+        <a:xfrm>
+          <a:off x="0" y="0"/>
+          <a:ext cx="0" cy="0"/>
+          <a:chOff x="0" y="0"/>
+          <a:chExt cx="0" cy="0"/>
+        </a:xfrm>
+      </p:grpSpPr>
+      <p:sp>
+        <p:nvSpPr>
+          <p:cNvPr id="3" name="内容占位符 2"/>
+          <p:cNvSpPr>
+            <a:spLocks noGrp="1"/>
+          </p:cNvSpPr>
+          <p:nvPr>
+            <p:ph idx="1"/>
+          </p:nvPr>
+        </p:nvSpPr>
+        <p:spPr>
+          <a:xfrm>
+            <a:off x="647700" y="161925"/>
+            <a:ext cx="10515600" cy="6696076"/>
+          </a:xfrm>
+        </p:spPr>
+        <p:txBody>
+          <a:bodyPr>
+            <a:normAutofit fontScale="92500" lnSpcReduction="20000"/>
+          </a:bodyPr>
+          <a:lstStyle/>
+          <a:p>
+            <a:pPr lvl="1"/>
+            <a:endParaRPr lang="en-US" altLang="zh-CN" sz="2000" dirty="0"/>
+          </a:p>
+          <a:p>
+            <a:pPr lvl="1"/>
+            <a:r>
+              <a:rPr lang="en-US" altLang="zh-CN" sz="2000" b="1" dirty="0" smtClean="0">
+                <a:latin typeface="+mj-ea"/>
+                <a:ea typeface="+mj-ea"/>
+              </a:rPr>
+              <a:t>Get/Find</a:t>
+            </a:r>
+            <a:r>
+              <a:rPr lang="zh-CN" altLang="en-US" sz="2000" b="1" dirty="0" smtClean="0">
+                <a:latin typeface="+mj-ea"/>
+                <a:ea typeface="+mj-ea"/>
+              </a:rPr>
+              <a:t>获得属性值</a:t>
+            </a:r>
+            <a:endParaRPr lang="en-US" altLang="zh-CN" sz="2000" b="1" dirty="0" smtClean="0">
+              <a:latin typeface="+mj-ea"/>
+              <a:ea typeface="+mj-ea"/>
+            </a:endParaRPr>
+          </a:p>
+          <a:p>
+            <a:pPr marL="457200" lvl="1" indent="0">
+              <a:buNone/>
+            </a:pPr>
+            <a:r>
+              <a:rPr lang="en-US" altLang="zh-CN" sz="2000" dirty="0"/>
+              <a:t>	</a:t>
+            </a:r>
+            <a:r>
+              <a:rPr lang="en-US" altLang="zh-CN" sz="2000" dirty="0" smtClean="0"/>
+              <a:t>// </a:t>
+            </a:r>
+            <a:r>
+              <a:rPr lang="zh-CN" altLang="en-US" sz="2000" dirty="0" smtClean="0"/>
+              <a:t>获得金币</a:t>
+            </a:r>
+            <a:endParaRPr lang="en-US" altLang="zh-CN" sz="2000" dirty="0" smtClean="0"/>
+          </a:p>
+          <a:p>
+            <a:pPr marL="457200" lvl="1" indent="0">
+              <a:buNone/>
+            </a:pPr>
+            <a:r>
+              <a:rPr lang="en-US" altLang="zh-CN" sz="2000" dirty="0"/>
+              <a:t>	</a:t>
+            </a:r>
+            <a:r>
+              <a:rPr lang="en-US" altLang="zh-CN" sz="2000" dirty="0" smtClean="0"/>
+              <a:t>auto money = player-&gt;Get( “money”);</a:t>
+            </a:r>
+          </a:p>
+          <a:p>
+            <a:pPr marL="457200" lvl="1" indent="0">
+              <a:buNone/>
+            </a:pPr>
+            <a:endParaRPr lang="en-US" altLang="zh-CN" sz="2000" dirty="0"/>
+          </a:p>
+          <a:p>
+            <a:pPr marL="457200" lvl="1" indent="0">
+              <a:buNone/>
+            </a:pPr>
+            <a:r>
+              <a:rPr lang="en-US" altLang="zh-CN" sz="2000" dirty="0" smtClean="0"/>
+              <a:t>	// </a:t>
+            </a:r>
+            <a:r>
+              <a:rPr lang="zh-CN" altLang="en-US" sz="2000" dirty="0" smtClean="0"/>
+              <a:t>获得物品</a:t>
+            </a:r>
+            <a:endParaRPr lang="en-US" altLang="zh-CN" sz="2000" dirty="0" smtClean="0"/>
+          </a:p>
+          <a:p>
+            <a:pPr marL="457200" lvl="1" indent="0">
+              <a:buNone/>
+            </a:pPr>
+            <a:r>
+              <a:rPr lang="en-US" altLang="zh-CN" sz="2000" dirty="0" smtClean="0"/>
+              <a:t>      	auto </a:t>
+            </a:r>
+            <a:r>
+              <a:rPr lang="en-US" altLang="zh-CN" sz="2000" dirty="0" err="1" smtClean="0"/>
+              <a:t>itemobj</a:t>
+            </a:r>
+            <a:r>
+              <a:rPr lang="en-US" altLang="zh-CN" sz="2000" dirty="0" smtClean="0"/>
+              <a:t> = player-&gt;Find(“item”,123);</a:t>
+            </a:r>
+          </a:p>
+          <a:p>
+            <a:pPr marL="457200" lvl="1" indent="0">
+              <a:buNone/>
+            </a:pPr>
+            <a:r>
+              <a:rPr lang="en-US" altLang="zh-CN" sz="2000" dirty="0"/>
+              <a:t>	</a:t>
+            </a:r>
+            <a:r>
+              <a:rPr lang="en-US" altLang="zh-CN" sz="2000" dirty="0" smtClean="0"/>
+              <a:t>auto count = </a:t>
+            </a:r>
+            <a:r>
+              <a:rPr lang="en-US" altLang="zh-CN" sz="2000" dirty="0" err="1" smtClean="0"/>
+              <a:t>itemobj</a:t>
+            </a:r>
+            <a:r>
+              <a:rPr lang="en-US" altLang="zh-CN" sz="2000" dirty="0" smtClean="0"/>
+              <a:t>-&gt;Get(“count”);</a:t>
+            </a:r>
+          </a:p>
+          <a:p>
+            <a:pPr marL="457200" lvl="1" indent="0">
+              <a:buNone/>
+            </a:pPr>
+            <a:r>
+              <a:rPr lang="en-US" altLang="zh-CN" sz="2000" dirty="0" smtClean="0"/>
+              <a:t>	// </a:t>
+            </a:r>
+            <a:r>
+              <a:rPr lang="zh-CN" altLang="en-US" sz="2000" dirty="0" smtClean="0"/>
+              <a:t>或者</a:t>
+            </a:r>
+            <a:endParaRPr lang="en-US" altLang="zh-CN" sz="2000" dirty="0"/>
+          </a:p>
+          <a:p>
+            <a:pPr marL="457200" lvl="1" indent="0">
+              <a:buNone/>
+            </a:pPr>
+            <a:r>
+              <a:rPr lang="en-US" altLang="zh-CN" sz="2000" dirty="0" smtClean="0"/>
+              <a:t>	auto count = player-&gt;Get(“item”,123,”count”)</a:t>
+            </a:r>
+          </a:p>
+          <a:p>
+            <a:pPr marL="457200" lvl="1" indent="0">
+              <a:buNone/>
+            </a:pPr>
+            <a:endParaRPr lang="en-US" altLang="zh-CN" sz="2000" dirty="0" smtClean="0"/>
+          </a:p>
+          <a:p>
+            <a:pPr lvl="1"/>
+            <a:r>
+              <a:rPr lang="en-US" altLang="zh-CN" sz="2000" b="1" dirty="0" smtClean="0">
+                <a:latin typeface="+mj-ea"/>
+                <a:ea typeface="+mj-ea"/>
+              </a:rPr>
+              <a:t>Operate/Add/Remove</a:t>
+            </a:r>
+            <a:r>
+              <a:rPr lang="zh-CN" altLang="en-US" sz="2000" b="1" dirty="0" smtClean="0">
+                <a:latin typeface="+mj-ea"/>
+                <a:ea typeface="+mj-ea"/>
+              </a:rPr>
+              <a:t>操作属性</a:t>
+            </a:r>
+            <a:endParaRPr lang="en-US" altLang="zh-CN" sz="2000" b="1" dirty="0" smtClean="0">
+              <a:latin typeface="+mj-ea"/>
+              <a:ea typeface="+mj-ea"/>
+            </a:endParaRPr>
+          </a:p>
+          <a:p>
+            <a:pPr marL="457200" lvl="1" indent="0">
+              <a:buNone/>
+            </a:pPr>
+            <a:r>
+              <a:rPr lang="en-US" altLang="zh-CN" sz="2000" dirty="0"/>
+              <a:t>	</a:t>
+            </a:r>
+            <a:r>
+              <a:rPr lang="en-US" altLang="zh-CN" sz="2000" dirty="0" smtClean="0"/>
+              <a:t>// </a:t>
+            </a:r>
+            <a:r>
+              <a:rPr lang="zh-CN" altLang="en-US" sz="2000" dirty="0" smtClean="0"/>
+              <a:t>加金币</a:t>
+            </a:r>
+            <a:endParaRPr lang="en-US" altLang="zh-CN" sz="2000" dirty="0" smtClean="0"/>
+          </a:p>
+          <a:p>
+            <a:pPr marL="457200" lvl="1" indent="0">
+              <a:buNone/>
+            </a:pPr>
+            <a:r>
+              <a:rPr lang="en-US" altLang="zh-CN" sz="2000" dirty="0"/>
+              <a:t>	</a:t>
+            </a:r>
+            <a:r>
+              <a:rPr lang="en-US" altLang="zh-CN" sz="2000" dirty="0" smtClean="0"/>
+              <a:t>player-&gt;Operate(“money”,</a:t>
+            </a:r>
+            <a:r>
+              <a:rPr lang="en-US" altLang="zh-CN" sz="2000" dirty="0" err="1" smtClean="0"/>
+              <a:t>Enum</a:t>
+            </a:r>
+            <a:r>
+              <a:rPr lang="en-US" altLang="zh-CN" sz="2000" dirty="0" smtClean="0"/>
+              <a:t>::Add,100);</a:t>
+            </a:r>
+          </a:p>
+          <a:p>
+            <a:pPr marL="457200" lvl="1" indent="0">
+              <a:buNone/>
+            </a:pPr>
+            <a:endParaRPr lang="en-US" altLang="zh-CN" sz="2000" dirty="0"/>
+          </a:p>
+          <a:p>
+            <a:pPr marL="457200" lvl="1" indent="0">
+              <a:buNone/>
+            </a:pPr>
+            <a:r>
+              <a:rPr lang="en-US" altLang="zh-CN" sz="2000" dirty="0" smtClean="0"/>
+              <a:t>	// </a:t>
+            </a:r>
+            <a:r>
+              <a:rPr lang="zh-CN" altLang="en-US" sz="2000" dirty="0" smtClean="0"/>
+              <a:t>加道具</a:t>
+            </a:r>
+            <a:endParaRPr lang="en-US" altLang="zh-CN" sz="2000" dirty="0" smtClean="0"/>
+          </a:p>
+          <a:p>
+            <a:pPr marL="457200" lvl="1" indent="0">
+              <a:buNone/>
+            </a:pPr>
+            <a:r>
+              <a:rPr lang="en-US" altLang="zh-CN" sz="2000" dirty="0"/>
+              <a:t>	</a:t>
+            </a:r>
+            <a:r>
+              <a:rPr lang="en-US" altLang="zh-CN" sz="2000" dirty="0" smtClean="0"/>
+              <a:t>player-&gt;Add( “</a:t>
+            </a:r>
+            <a:r>
+              <a:rPr lang="en-US" altLang="zh-CN" sz="2000" dirty="0"/>
+              <a:t>item</a:t>
+            </a:r>
+            <a:r>
+              <a:rPr lang="en-US" altLang="zh-CN" sz="2000" dirty="0" smtClean="0"/>
+              <a:t>”, 123, </a:t>
+            </a:r>
+            <a:r>
+              <a:rPr lang="en-US" altLang="zh-CN" sz="2000" dirty="0" err="1" smtClean="0"/>
+              <a:t>itemobj</a:t>
+            </a:r>
+            <a:r>
+              <a:rPr lang="en-US" altLang="zh-CN" sz="2000" dirty="0" smtClean="0"/>
+              <a:t>);</a:t>
+            </a:r>
+          </a:p>
+          <a:p>
+            <a:pPr marL="457200" lvl="1" indent="0">
+              <a:buNone/>
+            </a:pPr>
+            <a:endParaRPr lang="en-US" altLang="zh-CN" sz="2000" dirty="0"/>
+          </a:p>
+          <a:p>
+            <a:pPr marL="457200" lvl="1" indent="0">
+              <a:buNone/>
+            </a:pPr>
+            <a:r>
+              <a:rPr lang="en-US" altLang="zh-CN" sz="2000" dirty="0" smtClean="0"/>
+              <a:t>	// </a:t>
+            </a:r>
+            <a:r>
+              <a:rPr lang="zh-CN" altLang="en-US" sz="2000" dirty="0" smtClean="0"/>
+              <a:t>删除道具</a:t>
+            </a:r>
+            <a:endParaRPr lang="en-US" altLang="zh-CN" sz="2000" dirty="0" smtClean="0"/>
+          </a:p>
+          <a:p>
+            <a:pPr marL="457200" lvl="1" indent="0">
+              <a:buNone/>
+            </a:pPr>
+            <a:r>
+              <a:rPr lang="en-US" altLang="zh-CN" sz="2000" dirty="0"/>
+              <a:t>	</a:t>
+            </a:r>
+            <a:r>
+              <a:rPr lang="en-US" altLang="zh-CN" sz="2000" dirty="0" smtClean="0"/>
+              <a:t>player-&gt;Remove(“</a:t>
+            </a:r>
+            <a:r>
+              <a:rPr lang="en-US" altLang="zh-CN" sz="2000" dirty="0"/>
+              <a:t>item</a:t>
+            </a:r>
+            <a:r>
+              <a:rPr lang="en-US" altLang="zh-CN" sz="2000" dirty="0" smtClean="0"/>
+              <a:t>”, 123);</a:t>
+            </a:r>
+          </a:p>
+          <a:p>
+            <a:pPr marL="457200" lvl="1" indent="0">
+              <a:buNone/>
+            </a:pPr>
+            <a:endParaRPr lang="en-US" altLang="zh-CN" sz="2000" dirty="0"/>
+          </a:p>
+          <a:p>
+            <a:pPr marL="457200" lvl="1" indent="0">
+              <a:buNone/>
+            </a:pPr>
+            <a:r>
+              <a:rPr lang="en-US" altLang="zh-CN" sz="2000" dirty="0" smtClean="0"/>
+              <a:t>	// </a:t>
+            </a:r>
+            <a:r>
+              <a:rPr lang="zh-CN" altLang="en-US" sz="2000" dirty="0"/>
+              <a:t>减少</a:t>
+            </a:r>
+            <a:r>
+              <a:rPr lang="zh-CN" altLang="en-US" sz="2000" dirty="0" smtClean="0"/>
+              <a:t>道具数量</a:t>
+            </a:r>
+            <a:endParaRPr lang="en-US" altLang="zh-CN" sz="2000" dirty="0" smtClean="0"/>
+          </a:p>
+          <a:p>
+            <a:pPr marL="457200" lvl="1" indent="0">
+              <a:buNone/>
+            </a:pPr>
+            <a:r>
+              <a:rPr lang="en-US" altLang="zh-CN" sz="2000" dirty="0"/>
+              <a:t>	</a:t>
+            </a:r>
+            <a:r>
+              <a:rPr lang="en-US" altLang="zh-CN" sz="2000" dirty="0" smtClean="0"/>
+              <a:t>player-&gt;Operate(“</a:t>
+            </a:r>
+            <a:r>
+              <a:rPr lang="en-US" altLang="zh-CN" sz="2000" dirty="0"/>
+              <a:t>item</a:t>
+            </a:r>
+            <a:r>
+              <a:rPr lang="en-US" altLang="zh-CN" sz="2000" dirty="0" smtClean="0"/>
+              <a:t>”, 123, ”count”, </a:t>
+            </a:r>
+            <a:r>
+              <a:rPr lang="en-US" altLang="zh-CN" sz="2000" dirty="0" err="1" smtClean="0"/>
+              <a:t>Enum:Dec</a:t>
+            </a:r>
+            <a:r>
+              <a:rPr lang="en-US" altLang="zh-CN" sz="2000" dirty="0" smtClean="0"/>
+              <a:t>, 1);</a:t>
+            </a:r>
+          </a:p>
+          <a:p>
+            <a:pPr marL="457200" lvl="1" indent="0">
+              <a:buNone/>
+            </a:pPr>
+            <a:r>
+              <a:rPr lang="en-US" altLang="zh-CN" sz="2000" dirty="0"/>
+              <a:t>	</a:t>
+            </a:r>
+            <a:endParaRPr lang="en-US" altLang="zh-CN" sz="2000" dirty="0" smtClean="0"/>
+          </a:p>
+          <a:p>
+            <a:pPr marL="800100" lvl="1" indent="-342900">
+              <a:buFont typeface="+mj-lt"/>
+              <a:buAutoNum type="arabicPeriod"/>
+            </a:pPr>
+            <a:endParaRPr lang="zh-CN" altLang="en-US" dirty="0"/>
           </a:p>
         </p:txBody>
       </p:sp>
@@ -15083,7 +14805,7 @@
 </p:sld>
 </file>
 
-<file path=ppt/slides/slide23.xml><?xml version="1.0" encoding="utf-8"?>
+<file path=ppt/slides/slide24.xml><?xml version="1.0" encoding="utf-8"?>
 <p:sld xmlns:a="http://schemas.openxmlformats.org/drawingml/2006/main" xmlns:r="http://schemas.openxmlformats.org/officeDocument/2006/relationships" xmlns:p="http://schemas.openxmlformats.org/presentationml/2006/main">
   <p:cSld>
     <p:spTree>
@@ -15112,185 +14834,30 @@
         </p:nvSpPr>
         <p:spPr>
           <a:xfrm>
-            <a:off x="647700" y="1192530"/>
-            <a:ext cx="10515600" cy="4984750"/>
+            <a:off x="647700" y="1110481"/>
+            <a:ext cx="10515600" cy="5747519"/>
           </a:xfrm>
         </p:spPr>
         <p:txBody>
           <a:bodyPr>
-            <a:normAutofit fontScale="97500" lnSpcReduction="10000"/>
+            <a:normAutofit/>
           </a:bodyPr>
           <a:lstStyle/>
           <a:p>
-            <a:pPr fontAlgn="auto">
-              <a:lnSpc>
-                <a:spcPct val="190000"/>
-              </a:lnSpc>
+            <a:pPr lvl="1"/>
+            <a:endParaRPr lang="en-US" altLang="zh-CN" sz="2000" dirty="0" smtClean="0"/>
+          </a:p>
+          <a:p>
+            <a:pPr marL="457200" lvl="1" indent="0">
+              <a:buNone/>
             </a:pPr>
-            <a:r>
-              <a:rPr lang="zh-CN" altLang="en-US" dirty="0"/>
-              <a:t>Redis</a:t>
-            </a:r>
-            <a:r>
-              <a:rPr lang="zh-CN" altLang="en-US" dirty="0" smtClean="0"/>
-              <a:t>为单线</a:t>
-            </a:r>
-            <a:r>
-              <a:rPr lang="zh-CN" altLang="en-US" dirty="0"/>
-              <a:t>程模式，</a:t>
-            </a:r>
-            <a:r>
-              <a:rPr lang="zh-CN" altLang="en-US" dirty="0" smtClean="0"/>
-              <a:t>采用队列方式将并发访问变为</a:t>
-            </a:r>
-            <a:r>
-              <a:rPr lang="zh-CN" altLang="en-US" dirty="0"/>
-              <a:t>串行访问。</a:t>
-            </a:r>
-          </a:p>
-          <a:p>
-            <a:pPr fontAlgn="auto">
-              <a:lnSpc>
-                <a:spcPct val="190000"/>
-              </a:lnSpc>
-            </a:pPr>
-            <a:r>
-              <a:rPr lang="zh-CN" altLang="en-US" dirty="0"/>
-              <a:t>Redis本身没有锁的概念，Redis</a:t>
-            </a:r>
-            <a:r>
-              <a:rPr lang="zh-CN" altLang="en-US" dirty="0" smtClean="0"/>
-              <a:t>对于多个客户端连接并不存在竞争</a:t>
-            </a:r>
-          </a:p>
-          <a:p>
-            <a:pPr fontAlgn="auto">
-              <a:lnSpc>
-                <a:spcPct val="190000"/>
-              </a:lnSpc>
-            </a:pPr>
-            <a:r>
-              <a:rPr lang="zh-CN" altLang="en-US" dirty="0" smtClean="0"/>
-              <a:t>但是在客户端对</a:t>
-            </a:r>
-            <a:r>
-              <a:rPr lang="zh-CN" altLang="en-US" dirty="0"/>
-              <a:t>Redis进行并发访问时会发生连接超时、</a:t>
-            </a:r>
-            <a:r>
-              <a:rPr lang="zh-CN" altLang="en-US" dirty="0" smtClean="0"/>
-              <a:t>数据错误</a:t>
-            </a:r>
-            <a:r>
-              <a:rPr lang="zh-CN" altLang="en-US" dirty="0"/>
-              <a:t>、阻塞、客户端关闭连接等问题，这些问题均是由于客户端连接</a:t>
-            </a:r>
-            <a:r>
-              <a:rPr lang="zh-CN" altLang="en-US" dirty="0" smtClean="0"/>
-              <a:t>混乱、使用混乱造成（热</a:t>
-            </a:r>
-            <a:r>
-              <a:rPr lang="en-US" altLang="zh-CN" dirty="0" smtClean="0"/>
-              <a:t>key</a:t>
-            </a:r>
-            <a:r>
-              <a:rPr lang="zh-CN" altLang="en-US" dirty="0" smtClean="0"/>
-              <a:t>，大</a:t>
-            </a:r>
-            <a:r>
-              <a:rPr lang="en-US" altLang="zh-CN" dirty="0" smtClean="0"/>
-              <a:t>key</a:t>
-            </a:r>
-            <a:r>
-              <a:rPr lang="zh-CN" altLang="en-US" dirty="0" smtClean="0"/>
-              <a:t>，管道）。</a:t>
-            </a:r>
-            <a:endParaRPr lang="zh-CN" altLang="en-US" dirty="0"/>
-          </a:p>
-          <a:p>
-            <a:pPr fontAlgn="auto">
-              <a:lnSpc>
-                <a:spcPct val="190000"/>
-              </a:lnSpc>
-            </a:pPr>
-            <a:r>
-              <a:rPr lang="zh-CN" altLang="en-US" dirty="0"/>
-              <a:t>解决方法：</a:t>
-            </a:r>
-          </a:p>
-          <a:p>
-            <a:pPr lvl="1" fontAlgn="auto">
-              <a:lnSpc>
-                <a:spcPct val="190000"/>
-              </a:lnSpc>
-            </a:pPr>
-            <a:r>
-              <a:rPr lang="zh-CN" altLang="en-US" dirty="0"/>
-              <a:t>1.客户端角度，</a:t>
-            </a:r>
-            <a:r>
-              <a:rPr lang="zh-CN" altLang="en-US" dirty="0">
-                <a:sym typeface="+mn-ea"/>
-              </a:rPr>
-              <a:t>对连接进行池化，</a:t>
-            </a:r>
-            <a:r>
-              <a:rPr lang="zh-CN" altLang="en-US" dirty="0"/>
-              <a:t>保证多客户端正常有序与Redis进行通信，</a:t>
-            </a:r>
-          </a:p>
-          <a:p>
-            <a:pPr lvl="1" fontAlgn="auto">
-              <a:lnSpc>
-                <a:spcPct val="190000"/>
-              </a:lnSpc>
-            </a:pPr>
-            <a:r>
-              <a:rPr lang="zh-CN" altLang="en-US" dirty="0"/>
-              <a:t>2.</a:t>
-            </a:r>
-            <a:r>
-              <a:rPr lang="zh-CN" altLang="en-US" dirty="0" smtClean="0"/>
-              <a:t>利用分布式锁</a:t>
-            </a:r>
-            <a:endParaRPr lang="zh-CN" altLang="en-US" dirty="0"/>
-          </a:p>
-          <a:p>
-            <a:pPr lvl="1" fontAlgn="auto">
-              <a:lnSpc>
-                <a:spcPct val="190000"/>
-              </a:lnSpc>
-            </a:pPr>
-            <a:r>
-              <a:rPr lang="en-US" altLang="zh-CN" dirty="0"/>
-              <a:t>3.</a:t>
-            </a:r>
-            <a:r>
-              <a:rPr lang="zh-CN" altLang="en-US" dirty="0"/>
-              <a:t>保存时间戳，时间戳在前，</a:t>
-            </a:r>
-            <a:r>
-              <a:rPr lang="en-US" altLang="zh-CN" dirty="0"/>
-              <a:t>set</a:t>
-            </a:r>
-            <a:r>
-              <a:rPr lang="zh-CN" altLang="en-US" dirty="0"/>
-              <a:t>在</a:t>
-            </a:r>
-            <a:r>
-              <a:rPr lang="zh-CN" altLang="en-US" dirty="0" smtClean="0"/>
-              <a:t>后的操作丢弃 等方法</a:t>
-            </a:r>
-            <a:endParaRPr lang="zh-CN" altLang="en-US" dirty="0"/>
-          </a:p>
-          <a:p>
-            <a:endParaRPr lang="zh-CN" altLang="en-US" dirty="0"/>
-          </a:p>
-        </p:txBody>
-      </p:sp>
-      <p:sp>
-        <p:nvSpPr>
-          <p:cNvPr id="6" name="文本框 5"/>
+            <a:endParaRPr lang="en-US" altLang="zh-CN" sz="2000" dirty="0"/>
+          </a:p>
+        </p:txBody>
+      </p:sp>
+      <p:sp>
+        <p:nvSpPr>
+          <p:cNvPr id="27" name="文本框 26"/>
           <p:cNvSpPr txBox="1"/>
           <p:nvPr>
             <p:custDataLst>
@@ -15300,7 +14867,7 @@
         </p:nvSpPr>
         <p:spPr>
           <a:xfrm>
-            <a:off x="669600" y="388820"/>
+            <a:off x="669600" y="462480"/>
             <a:ext cx="10854000" cy="648000"/>
           </a:xfrm>
           <a:prstGeom prst="rect">
@@ -15334,36 +14901,62 @@
           </a:lstStyle>
           <a:p>
             <a:r>
-              <a:rPr lang="en-US" altLang="zh-CN">
+              <a:rPr lang="zh-CN" altLang="en-US" dirty="0" smtClean="0">
                 <a:sym typeface="+mn-ea"/>
               </a:rPr>
-              <a:t>Redis</a:t>
-            </a:r>
-            <a:r>
-              <a:rPr>
+              <a:t>逻辑简化</a:t>
+            </a:r>
+            <a:r>
+              <a:rPr lang="en-US" altLang="zh-CN" dirty="0" smtClean="0">
                 <a:sym typeface="+mn-ea"/>
               </a:rPr>
-              <a:t>的并发竞争</a:t>
-            </a:r>
-            <a:r>
-              <a:rPr lang="en-US" altLang="zh-CN">
+              <a:t>,</a:t>
+            </a:r>
+            <a:r>
+              <a:rPr lang="zh-CN" altLang="en-US" dirty="0" smtClean="0">
                 <a:sym typeface="+mn-ea"/>
               </a:rPr>
-              <a:t>key</a:t>
-            </a:r>
-            <a:r>
-              <a:rPr>
-                <a:sym typeface="+mn-ea"/>
-              </a:rPr>
-              <a:t>问题</a:t>
-            </a:r>
-          </a:p>
-        </p:txBody>
-      </p:sp>
+              <a:t>代码干净</a:t>
+            </a:r>
+            <a:endParaRPr dirty="0">
+              <a:sym typeface="+mn-ea"/>
+            </a:endParaRPr>
+          </a:p>
+        </p:txBody>
+      </p:sp>
+      <p:pic>
+        <p:nvPicPr>
+          <p:cNvPr id="6" name="图片 5"/>
+          <p:cNvPicPr>
+            <a:picLocks noChangeAspect="1"/>
+          </p:cNvPicPr>
+          <p:nvPr/>
+        </p:nvPicPr>
+        <p:blipFill>
+          <a:blip r:embed="rId4"/>
+          <a:stretch>
+            <a:fillRect/>
+          </a:stretch>
+        </p:blipFill>
+        <p:spPr>
+          <a:xfrm>
+            <a:off x="800701" y="1643215"/>
+            <a:ext cx="9619048" cy="2447619"/>
+          </a:xfrm>
+          <a:prstGeom prst="rect">
+            <a:avLst/>
+          </a:prstGeom>
+        </p:spPr>
+      </p:pic>
     </p:spTree>
     <p:custDataLst>
       <p:tags r:id="rId1"/>
     </p:custDataLst>
+    <p:extLst>
+      <p:ext uri="{BB962C8B-B14F-4D97-AF65-F5344CB8AC3E}">
+        <p14:creationId xmlns:p14="http://schemas.microsoft.com/office/powerpoint/2010/main" val="2756916321"/>
+      </p:ext>
+    </p:extLst>
   </p:cSld>
   <p:clrMapOvr>
     <a:masterClrMapping/>
@@ -15378,7 +14971,7 @@
 </p:sld>
 </file>
 
-<file path=ppt/slides/slide24.xml><?xml version="1.0" encoding="utf-8"?>
+<file path=ppt/slides/slide25.xml><?xml version="1.0" encoding="utf-8"?>
 <p:sld xmlns:a="http://schemas.openxmlformats.org/drawingml/2006/main" xmlns:r="http://schemas.openxmlformats.org/officeDocument/2006/relationships" xmlns:p="http://schemas.openxmlformats.org/presentationml/2006/main">
   <p:cSld>
     <p:spTree>
@@ -15407,107 +15000,108 @@
         </p:nvSpPr>
         <p:spPr>
           <a:xfrm>
-            <a:off x="647700" y="1162050"/>
-            <a:ext cx="10515600" cy="5015230"/>
+            <a:off x="647700" y="1192530"/>
+            <a:ext cx="11315700" cy="5665470"/>
           </a:xfrm>
         </p:spPr>
         <p:txBody>
-          <a:bodyPr/>
+          <a:bodyPr>
+            <a:normAutofit fontScale="97500"/>
+          </a:bodyPr>
           <a:lstStyle/>
           <a:p>
-            <a:pPr fontAlgn="auto">
-              <a:lnSpc>
-                <a:spcPct val="170000"/>
-              </a:lnSpc>
+            <a:endParaRPr lang="en-US" altLang="zh-CN" dirty="0" smtClean="0"/>
+          </a:p>
+          <a:p>
+            <a:r>
+              <a:rPr lang="zh-CN" altLang="en-US" dirty="0" smtClean="0"/>
+              <a:t>属性</a:t>
+            </a:r>
+            <a:r>
+              <a:rPr lang="zh-CN" altLang="en-US" dirty="0"/>
+              <a:t>配置表获得</a:t>
+            </a:r>
+            <a:r>
+              <a:rPr lang="zh-CN" altLang="en-US" dirty="0" smtClean="0"/>
+              <a:t>数据结构</a:t>
+            </a:r>
+            <a:endParaRPr lang="en-US" altLang="zh-CN" dirty="0" smtClean="0"/>
+          </a:p>
+          <a:p>
+            <a:pPr marL="0" indent="0">
+              <a:buNone/>
             </a:pPr>
-            <a:r>
-              <a:rPr lang="zh-CN" altLang="en-US" dirty="0"/>
-              <a:t>分</a:t>
-            </a:r>
-            <a:r>
-              <a:rPr lang="zh-CN" altLang="en-US" dirty="0" smtClean="0"/>
-              <a:t>区的实现机制</a:t>
-            </a:r>
-          </a:p>
-          <a:p>
-            <a:pPr fontAlgn="auto">
-              <a:lnSpc>
-                <a:spcPct val="170000"/>
-              </a:lnSpc>
+            <a:endParaRPr lang="en-US" altLang="zh-CN" dirty="0" smtClean="0"/>
+          </a:p>
+          <a:p>
+            <a:r>
+              <a:rPr lang="zh-CN" altLang="en-US" dirty="0">
+                <a:latin typeface="+mj-ea"/>
+              </a:rPr>
+              <a:t>数据更新消息只有</a:t>
+            </a:r>
+            <a:r>
+              <a:rPr lang="en-US" altLang="zh-CN" dirty="0">
+                <a:latin typeface="+mj-ea"/>
+              </a:rPr>
+              <a:t>3</a:t>
+            </a:r>
+            <a:r>
+              <a:rPr lang="zh-CN" altLang="en-US" dirty="0">
+                <a:latin typeface="+mj-ea"/>
+              </a:rPr>
+              <a:t>个</a:t>
+            </a:r>
+            <a:r>
+              <a:rPr lang="en-US" altLang="zh-CN" dirty="0">
+                <a:latin typeface="+mj-ea"/>
+              </a:rPr>
+              <a:t>( </a:t>
+            </a:r>
+            <a:r>
+              <a:rPr lang="zh-CN" altLang="en-US" dirty="0">
+                <a:latin typeface="+mj-ea"/>
+              </a:rPr>
+              <a:t>增</a:t>
+            </a:r>
+            <a:r>
+              <a:rPr lang="en-US" altLang="zh-CN" dirty="0">
+                <a:latin typeface="+mj-ea"/>
+              </a:rPr>
+              <a:t>, </a:t>
+            </a:r>
+            <a:r>
+              <a:rPr lang="zh-CN" altLang="en-US" dirty="0">
+                <a:latin typeface="+mj-ea"/>
+              </a:rPr>
+              <a:t>删</a:t>
+            </a:r>
+            <a:r>
+              <a:rPr lang="en-US" altLang="zh-CN" dirty="0">
+                <a:latin typeface="+mj-ea"/>
+              </a:rPr>
+              <a:t>, </a:t>
+            </a:r>
+            <a:r>
+              <a:rPr lang="zh-CN" altLang="en-US" dirty="0">
+                <a:latin typeface="+mj-ea"/>
+              </a:rPr>
+              <a:t>改 </a:t>
+            </a:r>
+            <a:r>
+              <a:rPr lang="en-US" altLang="zh-CN" dirty="0">
+                <a:latin typeface="+mj-ea"/>
+              </a:rPr>
+              <a:t>)</a:t>
+            </a:r>
+          </a:p>
+          <a:p>
+            <a:pPr marL="0" indent="0">
+              <a:buNone/>
             </a:pPr>
-            <a:r>
-              <a:rPr lang="zh-CN" altLang="en-US" dirty="0" smtClean="0"/>
-              <a:t>不同的</a:t>
-            </a:r>
-            <a:r>
-              <a:rPr lang="en-US" altLang="zh-CN" dirty="0"/>
-              <a:t>Key</a:t>
-            </a:r>
-            <a:r>
-              <a:rPr lang="zh-CN" altLang="en-US" dirty="0"/>
-              <a:t>会被分到不同的</a:t>
-            </a:r>
-            <a:r>
-              <a:rPr lang="en-US" altLang="zh-CN" dirty="0" err="1"/>
-              <a:t>Redis</a:t>
-            </a:r>
-            <a:r>
-              <a:rPr lang="zh-CN" altLang="en-US" dirty="0"/>
-              <a:t>上</a:t>
-            </a:r>
-          </a:p>
-          <a:p>
-            <a:pPr fontAlgn="auto">
-              <a:lnSpc>
-                <a:spcPct val="170000"/>
-              </a:lnSpc>
-            </a:pPr>
-            <a:r>
-              <a:rPr lang="zh-CN" altLang="en-US" dirty="0"/>
-              <a:t>问题：如果一条命令操作多个</a:t>
-            </a:r>
-            <a:r>
-              <a:rPr lang="en-US" altLang="zh-CN" dirty="0"/>
-              <a:t>Key</a:t>
-            </a:r>
-            <a:r>
-              <a:rPr lang="zh-CN" altLang="en-US" dirty="0"/>
-              <a:t>，这些</a:t>
-            </a:r>
-            <a:r>
-              <a:rPr lang="en-US" altLang="zh-CN" dirty="0"/>
-              <a:t>Key</a:t>
-            </a:r>
-            <a:r>
-              <a:rPr lang="zh-CN" altLang="en-US" dirty="0"/>
-              <a:t>在不同的</a:t>
-            </a:r>
-            <a:r>
-              <a:rPr lang="en-US" altLang="zh-CN" dirty="0" err="1"/>
-              <a:t>Redis</a:t>
-            </a:r>
-            <a:r>
-              <a:rPr lang="zh-CN" altLang="en-US" dirty="0"/>
-              <a:t>上，就会操作失败问题，导致数据异常，即便是用事务也无法进行数据回滚</a:t>
-            </a:r>
-          </a:p>
-          <a:p>
-            <a:pPr fontAlgn="auto">
-              <a:lnSpc>
-                <a:spcPct val="170000"/>
-              </a:lnSpc>
-            </a:pPr>
-            <a:r>
-              <a:rPr lang="zh-CN" altLang="en-US" dirty="0"/>
-              <a:t>解决办法：业务上避免</a:t>
-            </a:r>
-          </a:p>
-          <a:p>
-            <a:pPr fontAlgn="auto">
-              <a:lnSpc>
-                <a:spcPct val="150000"/>
-              </a:lnSpc>
-            </a:pPr>
+            <a:endParaRPr lang="en-US" altLang="zh-CN" dirty="0"/>
+          </a:p>
+          <a:p>
             <a:endParaRPr lang="zh-CN" altLang="en-US" dirty="0"/>
           </a:p>
         </p:txBody>
@@ -15558,28 +15152,16 @@
           </a:lstStyle>
           <a:p>
             <a:r>
-              <a:rPr dirty="0">
-                <a:sym typeface="+mn-ea"/>
-              </a:rPr>
-              <a:t>分区访问的多键</a:t>
-            </a:r>
-            <a:r>
-              <a:rPr dirty="0" smtClean="0">
-                <a:sym typeface="+mn-ea"/>
-              </a:rPr>
-              <a:t>命令</a:t>
-            </a:r>
-            <a:r>
-              <a:rPr lang="zh-CN" altLang="en-US" dirty="0" smtClean="0">
-                <a:sym typeface="+mn-ea"/>
-              </a:rPr>
-              <a:t>（事务）</a:t>
-            </a:r>
-            <a:r>
-              <a:rPr dirty="0" smtClean="0">
-                <a:sym typeface="+mn-ea"/>
-              </a:rPr>
-              <a:t>问题</a:t>
+              <a:rPr lang="zh-CN" altLang="en-US" dirty="0" smtClean="0"/>
+              <a:t>简化前后端沟通</a:t>
+            </a:r>
+            <a:r>
+              <a:rPr lang="en-US" altLang="zh-CN" dirty="0" smtClean="0"/>
+              <a:t>,</a:t>
+            </a:r>
+            <a:r>
+              <a:rPr lang="zh-CN" altLang="en-US" dirty="0" smtClean="0"/>
+              <a:t>为客户端实现数据驱动提供上佳支持</a:t>
             </a:r>
             <a:endParaRPr dirty="0">
               <a:sym typeface="+mn-ea"/>
@@ -15587,6 +15169,30 @@
           </a:p>
         </p:txBody>
       </p:sp>
+      <p:pic>
+        <p:nvPicPr>
+          <p:cNvPr id="4" name="图片 3"/>
+          <p:cNvPicPr>
+            <a:picLocks noChangeAspect="1"/>
+          </p:cNvPicPr>
+          <p:nvPr/>
+        </p:nvPicPr>
+        <p:blipFill>
+          <a:blip r:embed="rId4"/>
+          <a:stretch>
+            <a:fillRect/>
+          </a:stretch>
+        </p:blipFill>
+        <p:spPr>
+          <a:xfrm>
+            <a:off x="767439" y="2886285"/>
+            <a:ext cx="10828571" cy="3371429"/>
+          </a:xfrm>
+          <a:prstGeom prst="rect">
+            <a:avLst/>
+          </a:prstGeom>
+        </p:spPr>
+      </p:pic>
     </p:spTree>
     <p:custDataLst>
       <p:tags r:id="rId1"/>
@@ -15605,7 +15211,7 @@
 </p:sld>
 </file>
 
-<file path=ppt/slides/slide25.xml><?xml version="1.0" encoding="utf-8"?>
+<file path=ppt/slides/slide26.xml><?xml version="1.0" encoding="utf-8"?>
 <p:sld xmlns:a="http://schemas.openxmlformats.org/drawingml/2006/main" xmlns:r="http://schemas.openxmlformats.org/officeDocument/2006/relationships" xmlns:p="http://schemas.openxmlformats.org/presentationml/2006/main">
   <p:cSld>
     <p:spTree>
@@ -15622,29 +15228,80 @@
           <a:chExt cx="0" cy="0"/>
         </a:xfrm>
       </p:grpSpPr>
-      <p:sp>
-        <p:nvSpPr>
-          <p:cNvPr id="12" name="标题 11"/>
+      <p:pic>
+        <p:nvPicPr>
+          <p:cNvPr id="5" name="图片 4"/>
+          <p:cNvPicPr>
+            <a:picLocks noChangeAspect="1"/>
+          </p:cNvPicPr>
+          <p:nvPr/>
+        </p:nvPicPr>
+        <p:blipFill>
+          <a:blip r:embed="rId3"/>
+          <a:stretch>
+            <a:fillRect/>
+          </a:stretch>
+        </p:blipFill>
+        <p:spPr>
+          <a:xfrm>
+            <a:off x="234099" y="1009650"/>
+            <a:ext cx="11780952" cy="5762154"/>
+          </a:xfrm>
+          <a:prstGeom prst="rect">
+            <a:avLst/>
+          </a:prstGeom>
+        </p:spPr>
+      </p:pic>
+      <p:sp>
+        <p:nvSpPr>
+          <p:cNvPr id="7" name="内容占位符 2"/>
           <p:cNvSpPr>
             <a:spLocks noGrp="1"/>
           </p:cNvSpPr>
           <p:nvPr>
-            <p:ph type="title"/>
-            <p:custDataLst>
-              <p:tags r:id="rId2"/>
-            </p:custDataLst>
-          </p:nvPr>
-        </p:nvSpPr>
-        <p:spPr/>
-        <p:txBody>
-          <a:bodyPr/>
+            <p:ph idx="1"/>
+          </p:nvPr>
+        </p:nvSpPr>
+        <p:spPr>
+          <a:xfrm>
+            <a:off x="466725" y="182881"/>
+            <a:ext cx="10515600" cy="617220"/>
+          </a:xfrm>
+        </p:spPr>
+        <p:txBody>
+          <a:bodyPr>
+            <a:normAutofit fontScale="97500"/>
+          </a:bodyPr>
           <a:lstStyle/>
           <a:p>
-            <a:r>
-              <a:rPr lang="zh-CN" altLang="en-US" dirty="0" smtClean="0"/>
-              <a:t>谢谢</a:t>
-            </a:r>
-            <a:endParaRPr lang="zh-CN" altLang="en-US" dirty="0"/>
+            <a:pPr marL="0" indent="0">
+              <a:buNone/>
+            </a:pPr>
+            <a:r>
+              <a:rPr lang="zh-CN" altLang="en-US" sz="2800" dirty="0" smtClean="0">
+                <a:latin typeface="+mj-ea"/>
+                <a:ea typeface="+mj-ea"/>
+              </a:rPr>
+              <a:t>序列化数据结构只有</a:t>
+            </a:r>
+            <a:r>
+              <a:rPr lang="en-US" altLang="zh-CN" sz="2800" dirty="0" smtClean="0">
+                <a:latin typeface="+mj-ea"/>
+                <a:ea typeface="+mj-ea"/>
+              </a:rPr>
+              <a:t>1</a:t>
+            </a:r>
+            <a:r>
+              <a:rPr lang="zh-CN" altLang="en-US" sz="2800" dirty="0" smtClean="0">
+                <a:latin typeface="+mj-ea"/>
+                <a:ea typeface="+mj-ea"/>
+              </a:rPr>
+              <a:t>个</a:t>
+            </a:r>
+            <a:endParaRPr lang="en-US" altLang="zh-CN" sz="2800" dirty="0" smtClean="0">
+              <a:latin typeface="+mj-ea"/>
+              <a:ea typeface="+mj-ea"/>
+            </a:endParaRPr>
           </a:p>
         </p:txBody>
       </p:sp>
@@ -15666,7 +15323,7 @@
 </p:sld>
 </file>
 
-<file path=ppt/slides/slide3.xml><?xml version="1.0" encoding="utf-8"?>
+<file path=ppt/slides/slide27.xml><?xml version="1.0" encoding="utf-8"?>
 <p:sld xmlns:a="http://schemas.openxmlformats.org/drawingml/2006/main" xmlns:r="http://schemas.openxmlformats.org/officeDocument/2006/relationships" xmlns:p="http://schemas.openxmlformats.org/presentationml/2006/main">
   <p:cSld>
     <p:spTree>
@@ -15685,6 +15342,387 @@
       </p:grpSpPr>
       <p:sp>
         <p:nvSpPr>
+          <p:cNvPr id="3" name="内容占位符 2"/>
+          <p:cNvSpPr>
+            <a:spLocks noGrp="1"/>
+          </p:cNvSpPr>
+          <p:nvPr>
+            <p:ph idx="1"/>
+          </p:nvPr>
+        </p:nvSpPr>
+        <p:spPr>
+          <a:xfrm>
+            <a:off x="647700" y="1110481"/>
+            <a:ext cx="10515600" cy="5747519"/>
+          </a:xfrm>
+        </p:spPr>
+        <p:txBody>
+          <a:bodyPr>
+            <a:normAutofit/>
+          </a:bodyPr>
+          <a:lstStyle/>
+          <a:p>
+            <a:pPr lvl="1"/>
+            <a:endParaRPr lang="en-US" altLang="zh-CN" sz="2000" dirty="0" smtClean="0"/>
+          </a:p>
+          <a:p>
+            <a:pPr lvl="1"/>
+            <a:r>
+              <a:rPr lang="zh-CN" altLang="en-US" sz="2000" dirty="0" smtClean="0"/>
+              <a:t>资源类型的属性</a:t>
+            </a:r>
+            <a:endParaRPr lang="en-US" altLang="zh-CN" sz="2000" dirty="0" smtClean="0"/>
+          </a:p>
+          <a:p>
+            <a:pPr marL="457200" lvl="1" indent="0">
+              <a:buNone/>
+            </a:pPr>
+            <a:endParaRPr lang="en-US" altLang="zh-CN" sz="2000" dirty="0"/>
+          </a:p>
+          <a:p>
+            <a:pPr lvl="1"/>
+            <a:r>
+              <a:rPr lang="zh-CN" altLang="en-US" sz="2000" dirty="0" smtClean="0"/>
+              <a:t>掉落</a:t>
+            </a:r>
+            <a:r>
+              <a:rPr lang="en-US" altLang="zh-CN" sz="2000" dirty="0" smtClean="0"/>
+              <a:t>, </a:t>
+            </a:r>
+            <a:r>
+              <a:rPr lang="zh-CN" altLang="en-US" sz="2000" dirty="0" smtClean="0"/>
+              <a:t>奖励等获得</a:t>
+            </a:r>
+            <a:endParaRPr lang="en-US" altLang="zh-CN" sz="2000" dirty="0" smtClean="0"/>
+          </a:p>
+          <a:p>
+            <a:pPr lvl="1"/>
+            <a:endParaRPr lang="en-US" altLang="zh-CN" sz="2000" dirty="0" smtClean="0"/>
+          </a:p>
+          <a:p>
+            <a:pPr lvl="1"/>
+            <a:r>
+              <a:rPr lang="zh-CN" altLang="en-US" sz="2000" dirty="0" smtClean="0"/>
+              <a:t>热更配置表</a:t>
+            </a:r>
+            <a:r>
+              <a:rPr lang="en-US" altLang="zh-CN" sz="2000" dirty="0" smtClean="0"/>
+              <a:t>, </a:t>
+            </a:r>
+            <a:r>
+              <a:rPr lang="zh-CN" altLang="en-US" sz="2000" dirty="0" smtClean="0"/>
+              <a:t>不需要编译</a:t>
+            </a:r>
+            <a:r>
+              <a:rPr lang="en-US" altLang="zh-CN" sz="2000" dirty="0" smtClean="0"/>
+              <a:t>, </a:t>
+            </a:r>
+            <a:r>
+              <a:rPr lang="zh-CN" altLang="en-US" sz="2000" dirty="0" smtClean="0"/>
+              <a:t>不需要重启</a:t>
+            </a:r>
+            <a:endParaRPr lang="en-US" altLang="zh-CN" sz="2000" dirty="0"/>
+          </a:p>
+        </p:txBody>
+      </p:sp>
+      <p:sp>
+        <p:nvSpPr>
+          <p:cNvPr id="27" name="文本框 26"/>
+          <p:cNvSpPr txBox="1"/>
+          <p:nvPr>
+            <p:custDataLst>
+              <p:tags r:id="rId2"/>
+            </p:custDataLst>
+          </p:nvPr>
+        </p:nvSpPr>
+        <p:spPr>
+          <a:xfrm>
+            <a:off x="669600" y="462480"/>
+            <a:ext cx="10854000" cy="648000"/>
+          </a:xfrm>
+          <a:prstGeom prst="rect">
+            <a:avLst/>
+          </a:prstGeom>
+        </p:spPr>
+        <p:txBody>
+          <a:bodyPr vert="horz" lIns="101600" tIns="38100" rIns="76200" bIns="38100" rtlCol="0" anchor="ctr" anchorCtr="0">
+            <a:noAutofit/>
+          </a:bodyPr>
+          <a:lstStyle>
+            <a:defPPr>
+              <a:defRPr lang="zh-CN"/>
+            </a:defPPr>
+            <a:lvl1pPr marR="0" fontAlgn="auto">
+              <a:lnSpc>
+                <a:spcPct val="100000"/>
+              </a:lnSpc>
+              <a:spcBef>
+                <a:spcPct val="0"/>
+              </a:spcBef>
+              <a:buNone/>
+              <a:defRPr kumimoji="0" lang="zh-CN" altLang="en-US" sz="2800" b="1" i="0" u="none" strike="noStrike" cap="none" spc="200" normalizeH="0" baseline="0" noProof="1" dirty="0">
+                <a:uFillTx/>
+                <a:latin typeface="+mj-lt"/>
+                <a:ea typeface="+mj-ea"/>
+                <a:cs typeface="+mj-cs"/>
+                <a:sym typeface="+mn-ea"/>
+              </a:defRPr>
+            </a:lvl1pPr>
+          </a:lstStyle>
+          <a:p>
+            <a:r>
+              <a:rPr lang="zh-CN" altLang="en-US" dirty="0" smtClean="0"/>
+              <a:t>运行时添加属性变量</a:t>
+            </a:r>
+            <a:endParaRPr dirty="0">
+              <a:sym typeface="+mn-ea"/>
+            </a:endParaRPr>
+          </a:p>
+        </p:txBody>
+      </p:sp>
+    </p:spTree>
+    <p:custDataLst>
+      <p:tags r:id="rId1"/>
+    </p:custDataLst>
+    <p:extLst>
+      <p:ext uri="{BB962C8B-B14F-4D97-AF65-F5344CB8AC3E}">
+        <p14:creationId xmlns:p14="http://schemas.microsoft.com/office/powerpoint/2010/main" val="2630150216"/>
+      </p:ext>
+    </p:extLst>
+  </p:cSld>
+  <p:clrMapOvr>
+    <a:masterClrMapping/>
+  </p:clrMapOvr>
+  <p:timing>
+    <p:tnLst>
+      <p:par>
+        <p:cTn id="1" dur="indefinite" restart="never" nodeType="tmRoot"/>
+      </p:par>
+    </p:tnLst>
+  </p:timing>
+</p:sld>
+</file>
+
+<file path=ppt/slides/slide28.xml><?xml version="1.0" encoding="utf-8"?>
+<p:sld xmlns:a="http://schemas.openxmlformats.org/drawingml/2006/main" xmlns:r="http://schemas.openxmlformats.org/officeDocument/2006/relationships" xmlns:p="http://schemas.openxmlformats.org/presentationml/2006/main">
+  <p:cSld>
+    <p:spTree>
+      <p:nvGrpSpPr>
+        <p:cNvPr id="1" name=""/>
+        <p:cNvGrpSpPr/>
+        <p:nvPr/>
+      </p:nvGrpSpPr>
+      <p:grpSpPr>
+        <a:xfrm>
+          <a:off x="0" y="0"/>
+          <a:ext cx="0" cy="0"/>
+          <a:chOff x="0" y="0"/>
+          <a:chExt cx="0" cy="0"/>
+        </a:xfrm>
+      </p:grpSpPr>
+      <p:sp>
+        <p:nvSpPr>
+          <p:cNvPr id="3" name="内容占位符 2"/>
+          <p:cNvSpPr>
+            <a:spLocks noGrp="1"/>
+          </p:cNvSpPr>
+          <p:nvPr>
+            <p:ph idx="1"/>
+          </p:nvPr>
+        </p:nvSpPr>
+        <p:spPr>
+          <a:xfrm>
+            <a:off x="647700" y="1110481"/>
+            <a:ext cx="10515600" cy="5747519"/>
+          </a:xfrm>
+        </p:spPr>
+        <p:txBody>
+          <a:bodyPr>
+            <a:normAutofit/>
+          </a:bodyPr>
+          <a:lstStyle/>
+          <a:p>
+            <a:pPr lvl="1"/>
+            <a:endParaRPr lang="en-US" altLang="zh-CN" sz="2000" dirty="0" smtClean="0"/>
+          </a:p>
+          <a:p>
+            <a:pPr lvl="1"/>
+            <a:r>
+              <a:rPr lang="zh-CN" altLang="en-US" sz="2000" dirty="0" smtClean="0"/>
+              <a:t>需要理解</a:t>
+            </a:r>
+            <a:r>
+              <a:rPr lang="zh-CN" altLang="en-US" sz="2000" dirty="0"/>
+              <a:t>成本</a:t>
+            </a:r>
+            <a:endParaRPr lang="en-US" altLang="zh-CN" sz="2000" dirty="0"/>
+          </a:p>
+          <a:p>
+            <a:pPr lvl="1"/>
+            <a:endParaRPr lang="en-US" altLang="zh-CN" sz="2000" dirty="0" smtClean="0"/>
+          </a:p>
+          <a:p>
+            <a:pPr lvl="1"/>
+            <a:r>
+              <a:rPr lang="zh-CN" altLang="en-US" sz="2000" dirty="0" smtClean="0"/>
+              <a:t>消耗多一点内存</a:t>
+            </a:r>
+            <a:endParaRPr lang="en-US" altLang="zh-CN" sz="2000" dirty="0" smtClean="0"/>
+          </a:p>
+          <a:p>
+            <a:pPr marL="457200" lvl="1" indent="0">
+              <a:buNone/>
+            </a:pPr>
+            <a:endParaRPr lang="en-US" altLang="zh-CN" sz="2000" dirty="0"/>
+          </a:p>
+          <a:p>
+            <a:pPr lvl="1"/>
+            <a:r>
+              <a:rPr lang="zh-CN" altLang="en-US" sz="2000" dirty="0" smtClean="0"/>
+              <a:t>查找损失</a:t>
+            </a:r>
+            <a:r>
+              <a:rPr lang="zh-CN" altLang="en-US" sz="2000" dirty="0"/>
+              <a:t>少许</a:t>
+            </a:r>
+            <a:r>
+              <a:rPr lang="zh-CN" altLang="en-US" sz="2000" dirty="0" smtClean="0"/>
+              <a:t>性能</a:t>
+            </a:r>
+            <a:endParaRPr lang="en-US" altLang="zh-CN" sz="2000" dirty="0" smtClean="0"/>
+          </a:p>
+          <a:p>
+            <a:pPr lvl="1"/>
+            <a:endParaRPr lang="en-US" altLang="zh-CN" sz="2000" dirty="0"/>
+          </a:p>
+          <a:p>
+            <a:pPr lvl="1"/>
+            <a:r>
+              <a:rPr lang="zh-CN" altLang="en-US" sz="2000" dirty="0" smtClean="0"/>
+              <a:t>特定场景可能有性能隐患 </a:t>
+            </a:r>
+            <a:r>
+              <a:rPr lang="en-US" altLang="zh-CN" sz="2000" dirty="0" smtClean="0"/>
+              <a:t>( </a:t>
+            </a:r>
+            <a:r>
+              <a:rPr lang="zh-CN" altLang="en-US" sz="2000" dirty="0" smtClean="0"/>
+              <a:t>如</a:t>
+            </a:r>
+            <a:r>
+              <a:rPr lang="en-US" altLang="zh-CN" sz="2000" dirty="0" err="1" smtClean="0"/>
+              <a:t>mmo</a:t>
+            </a:r>
+            <a:r>
+              <a:rPr lang="zh-CN" altLang="en-US" sz="2000" dirty="0" smtClean="0"/>
+              <a:t>的战斗 </a:t>
+            </a:r>
+            <a:r>
+              <a:rPr lang="en-US" altLang="zh-CN" sz="2000" dirty="0" smtClean="0"/>
+              <a:t>)</a:t>
+            </a:r>
+          </a:p>
+        </p:txBody>
+      </p:sp>
+      <p:sp>
+        <p:nvSpPr>
+          <p:cNvPr id="27" name="文本框 26"/>
+          <p:cNvSpPr txBox="1"/>
+          <p:nvPr>
+            <p:custDataLst>
+              <p:tags r:id="rId2"/>
+            </p:custDataLst>
+          </p:nvPr>
+        </p:nvSpPr>
+        <p:spPr>
+          <a:xfrm>
+            <a:off x="669600" y="462480"/>
+            <a:ext cx="10854000" cy="648000"/>
+          </a:xfrm>
+          <a:prstGeom prst="rect">
+            <a:avLst/>
+          </a:prstGeom>
+        </p:spPr>
+        <p:txBody>
+          <a:bodyPr vert="horz" lIns="101600" tIns="38100" rIns="76200" bIns="38100" rtlCol="0" anchor="ctr" anchorCtr="0">
+            <a:noAutofit/>
+          </a:bodyPr>
+          <a:lstStyle>
+            <a:defPPr>
+              <a:defRPr lang="zh-CN"/>
+            </a:defPPr>
+            <a:lvl1pPr marR="0" fontAlgn="auto">
+              <a:lnSpc>
+                <a:spcPct val="100000"/>
+              </a:lnSpc>
+              <a:spcBef>
+                <a:spcPct val="0"/>
+              </a:spcBef>
+              <a:buNone/>
+              <a:defRPr kumimoji="0" lang="zh-CN" altLang="en-US" sz="2800" b="1" i="0" u="none" strike="noStrike" cap="none" spc="200" normalizeH="0" baseline="0" noProof="1" dirty="0">
+                <a:uFillTx/>
+                <a:latin typeface="+mj-lt"/>
+                <a:ea typeface="+mj-ea"/>
+                <a:cs typeface="+mj-cs"/>
+                <a:sym typeface="+mn-ea"/>
+              </a:defRPr>
+            </a:lvl1pPr>
+          </a:lstStyle>
+          <a:p>
+            <a:r>
+              <a:rPr lang="zh-CN" altLang="en-US" dirty="0" smtClean="0">
+                <a:sym typeface="+mn-ea"/>
+              </a:rPr>
+              <a:t>一些不足的地方</a:t>
+            </a:r>
+            <a:endParaRPr dirty="0">
+              <a:sym typeface="+mn-ea"/>
+            </a:endParaRPr>
+          </a:p>
+        </p:txBody>
+      </p:sp>
+    </p:spTree>
+    <p:custDataLst>
+      <p:tags r:id="rId1"/>
+    </p:custDataLst>
+    <p:extLst>
+      <p:ext uri="{BB962C8B-B14F-4D97-AF65-F5344CB8AC3E}">
+        <p14:creationId xmlns:p14="http://schemas.microsoft.com/office/powerpoint/2010/main" val="889715116"/>
+      </p:ext>
+    </p:extLst>
+  </p:cSld>
+  <p:clrMapOvr>
+    <a:masterClrMapping/>
+  </p:clrMapOvr>
+  <p:timing>
+    <p:tnLst>
+      <p:par>
+        <p:cTn id="1" dur="indefinite" restart="never" nodeType="tmRoot"/>
+      </p:par>
+    </p:tnLst>
+  </p:timing>
+</p:sld>
+</file>
+
+<file path=ppt/slides/slide29.xml><?xml version="1.0" encoding="utf-8"?>
+<p:sld xmlns:a="http://schemas.openxmlformats.org/drawingml/2006/main" xmlns:r="http://schemas.openxmlformats.org/officeDocument/2006/relationships" xmlns:p="http://schemas.openxmlformats.org/presentationml/2006/main">
+  <p:cSld>
+    <p:spTree>
+      <p:nvGrpSpPr>
+        <p:cNvPr id="1" name=""/>
+        <p:cNvGrpSpPr/>
+        <p:nvPr/>
+      </p:nvGrpSpPr>
+      <p:grpSpPr>
+        <a:xfrm>
+          <a:off x="0" y="0"/>
+          <a:ext cx="0" cy="0"/>
+          <a:chOff x="0" y="0"/>
+          <a:chExt cx="0" cy="0"/>
+        </a:xfrm>
+      </p:grpSpPr>
+      <p:sp>
+        <p:nvSpPr>
           <p:cNvPr id="5" name="标题 4"/>
           <p:cNvSpPr>
             <a:spLocks noGrp="1"/>
@@ -15698,7 +15736,7 @@
         </p:nvSpPr>
         <p:spPr>
           <a:xfrm>
-            <a:off x="669930" y="2627298"/>
+            <a:off x="669930" y="2611114"/>
             <a:ext cx="10852237" cy="624845"/>
           </a:xfrm>
         </p:spPr>
@@ -15706,31 +15744,32 @@
           <a:bodyPr/>
           <a:lstStyle/>
           <a:p>
+            <a:pPr>
+              <a:lnSpc>
+                <a:spcPct val="130000"/>
+              </a:lnSpc>
+            </a:pPr>
+            <a:r>
+              <a:rPr lang="zh-CN" altLang="en-US" spc="120" dirty="0" smtClean="0">
+                <a:sym typeface="+mn-ea"/>
+              </a:rPr>
+              <a:t>一键</a:t>
+            </a:r>
             <a:r>
               <a:rPr lang="zh-CN" altLang="en-US" spc="120" dirty="0">
                 <a:sym typeface="+mn-ea"/>
               </a:rPr>
-              <a:t>设计目标</a:t>
-            </a:r>
-            <a:r>
-              <a:rPr lang="en-US" altLang="zh-CN" spc="120" dirty="0">
+              <a:t>配置</a:t>
+            </a:r>
+            <a:r>
+              <a:rPr lang="zh-CN" altLang="en-US" spc="120" dirty="0" smtClean="0">
                 <a:sym typeface="+mn-ea"/>
               </a:rPr>
-              <a:t/>
-            </a:r>
-            <a:br>
-              <a:rPr lang="en-US" altLang="zh-CN" spc="120" dirty="0">
-                <a:sym typeface="+mn-ea"/>
-              </a:rPr>
-            </a:br>
-            <a:r>
-              <a:rPr lang="en-US" altLang="zh-CN" dirty="0"/>
-              <a:t/>
-            </a:r>
-            <a:br>
-              <a:rPr lang="en-US" altLang="zh-CN" dirty="0"/>
-            </a:br>
-            <a:endParaRPr lang="zh-CN" altLang="en-US" dirty="0"/>
+              <a:t>开服</a:t>
+            </a:r>
+            <a:endParaRPr lang="zh-CN" altLang="en-US" spc="120" dirty="0">
+              <a:sym typeface="+mn-ea"/>
+            </a:endParaRPr>
           </a:p>
         </p:txBody>
       </p:sp>
@@ -15749,8 +15788,8 @@
         </p:nvSpPr>
         <p:spPr>
           <a:xfrm>
-            <a:off x="669925" y="3524451"/>
-            <a:ext cx="10852237" cy="3054374"/>
+            <a:off x="669925" y="3767211"/>
+            <a:ext cx="10852237" cy="1077985"/>
           </a:xfrm>
         </p:spPr>
         <p:txBody>
@@ -15758,134 +15797,26 @@
           <a:lstStyle/>
           <a:p>
             <a:r>
-              <a:rPr lang="zh-CN" altLang="en-US" dirty="0" smtClean="0">
-                <a:sym typeface="+mn-ea"/>
-              </a:rPr>
-              <a:t>开发一套各类型项目通用的游戏服务器终极解决方案</a:t>
-            </a:r>
-            <a:r>
-              <a:rPr lang="en-US" altLang="zh-CN" dirty="0" smtClean="0">
-                <a:sym typeface="+mn-ea"/>
-              </a:rPr>
-              <a:t>,</a:t>
-            </a:r>
-            <a:r>
-              <a:rPr lang="zh-CN" altLang="en-US" dirty="0" smtClean="0">
-                <a:sym typeface="+mn-ea"/>
-              </a:rPr>
-              <a:t>将游戏内的基础逻辑按模块划分封装成插件</a:t>
-            </a:r>
-            <a:r>
-              <a:rPr lang="en-US" altLang="zh-CN" dirty="0" smtClean="0">
-                <a:sym typeface="+mn-ea"/>
-              </a:rPr>
-              <a:t>(so/</a:t>
-            </a:r>
-            <a:r>
-              <a:rPr lang="en-US" altLang="zh-CN" dirty="0" err="1" smtClean="0">
-                <a:sym typeface="+mn-ea"/>
-              </a:rPr>
-              <a:t>dll</a:t>
-            </a:r>
-            <a:r>
-              <a:rPr lang="en-US" altLang="zh-CN" dirty="0" smtClean="0">
-                <a:sym typeface="+mn-ea"/>
-              </a:rPr>
-              <a:t>),</a:t>
-            </a:r>
-            <a:r>
-              <a:rPr lang="zh-CN" altLang="en-US" dirty="0" smtClean="0">
-                <a:sym typeface="+mn-ea"/>
-              </a:rPr>
-              <a:t>让后端只需专注项目特色的玩法逻辑设计</a:t>
-            </a:r>
-            <a:r>
-              <a:rPr lang="en-US" altLang="zh-CN" dirty="0" smtClean="0">
-                <a:sym typeface="+mn-ea"/>
-              </a:rPr>
-              <a:t>,</a:t>
-            </a:r>
-            <a:r>
               <a:rPr lang="zh-CN" altLang="en-US" dirty="0" smtClean="0"/>
-              <a:t>达到快速开发的效果</a:t>
-            </a:r>
-            <a:r>
-              <a:rPr lang="en-US" altLang="zh-CN" dirty="0" smtClean="0"/>
-              <a:t>.</a:t>
-            </a:r>
-            <a:endParaRPr lang="en-US" altLang="zh-CN" dirty="0" smtClean="0">
-              <a:sym typeface="+mn-ea"/>
-            </a:endParaRPr>
-          </a:p>
-          <a:p>
-            <a:pPr marL="285750" indent="-285750">
-              <a:buFont typeface="Arial" panose="020B0604020202020204" pitchFamily="34" charset="0"/>
-              <a:buChar char="•"/>
-            </a:pPr>
-            <a:r>
-              <a:rPr lang="zh-CN" altLang="en-US" dirty="0"/>
-              <a:t>高</a:t>
+              <a:t>通过运</a:t>
+            </a:r>
+            <a:r>
+              <a:rPr lang="zh-CN" altLang="en-US" smtClean="0"/>
+              <a:t>维后台</a:t>
+            </a:r>
+            <a:r>
+              <a:rPr lang="zh-CN" altLang="en-US"/>
+              <a:t>直接</a:t>
+            </a:r>
+            <a:r>
+              <a:rPr lang="zh-CN" altLang="en-US" smtClean="0"/>
+              <a:t>部署</a:t>
             </a:r>
             <a:r>
               <a:rPr lang="zh-CN" altLang="en-US" dirty="0" smtClean="0"/>
-              <a:t>可用</a:t>
-            </a:r>
-            <a:endParaRPr lang="en-US" altLang="zh-CN" dirty="0" smtClean="0"/>
-          </a:p>
-          <a:p>
-            <a:pPr marL="285750" indent="-285750">
-              <a:buFont typeface="Arial" panose="020B0604020202020204" pitchFamily="34" charset="0"/>
-              <a:buChar char="•"/>
-            </a:pPr>
-            <a:r>
-              <a:rPr lang="zh-CN" altLang="en-US" dirty="0" smtClean="0"/>
-              <a:t>高性能</a:t>
-            </a:r>
-            <a:endParaRPr lang="en-US" altLang="zh-CN" dirty="0" smtClean="0"/>
-          </a:p>
-          <a:p>
-            <a:pPr marL="285750" indent="-285750">
-              <a:buFont typeface="Arial" panose="020B0604020202020204" pitchFamily="34" charset="0"/>
-              <a:buChar char="•"/>
-            </a:pPr>
-            <a:r>
-              <a:rPr lang="zh-CN" altLang="en-US" dirty="0" smtClean="0"/>
-              <a:t>水平扩展</a:t>
-            </a:r>
-            <a:endParaRPr lang="en-US" altLang="zh-CN" dirty="0" smtClean="0"/>
-          </a:p>
-          <a:p>
-            <a:pPr marL="285750" indent="-285750">
-              <a:buFont typeface="Arial" panose="020B0604020202020204" pitchFamily="34" charset="0"/>
-              <a:buChar char="•"/>
-            </a:pPr>
-            <a:r>
-              <a:rPr lang="zh-CN" altLang="en-US" dirty="0"/>
-              <a:t>高</a:t>
-            </a:r>
-            <a:r>
-              <a:rPr lang="zh-CN" altLang="en-US" dirty="0" smtClean="0"/>
-              <a:t>开发效率</a:t>
-            </a:r>
-            <a:endParaRPr lang="en-US" altLang="zh-CN" dirty="0" smtClean="0"/>
-          </a:p>
-          <a:p>
-            <a:pPr marL="285750" indent="-285750">
-              <a:buFont typeface="Arial" panose="020B0604020202020204" pitchFamily="34" charset="0"/>
-              <a:buChar char="•"/>
-            </a:pPr>
-            <a:r>
-              <a:rPr lang="zh-CN" altLang="en-US" dirty="0" smtClean="0"/>
-              <a:t>模块可灵活搭配组合成功能型服务器进程</a:t>
-            </a:r>
-            <a:endParaRPr lang="en-US" altLang="zh-CN" dirty="0" smtClean="0"/>
-          </a:p>
-          <a:p>
-            <a:pPr marL="285750" indent="-285750">
-              <a:buFont typeface="Arial" panose="020B0604020202020204" pitchFamily="34" charset="0"/>
-              <a:buChar char="•"/>
-            </a:pPr>
-            <a:endParaRPr lang="zh-CN" altLang="en-US" dirty="0"/>
+              <a:t>服务器</a:t>
+            </a:r>
+            <a:endParaRPr dirty="0"/>
           </a:p>
         </p:txBody>
       </p:sp>
@@ -15901,7 +15832,7 @@
         </p:nvSpPr>
         <p:spPr>
           <a:xfrm>
-            <a:off x="669929" y="1003053"/>
+            <a:off x="669929" y="986869"/>
             <a:ext cx="1293625" cy="1308831"/>
           </a:xfrm>
           <a:prstGeom prst="rect">
@@ -16062,15 +15993,514 @@
               <a:buNone/>
             </a:pPr>
             <a:r>
-              <a:rPr lang="en-US" altLang="zh-CN" sz="7200" b="1" dirty="0">
+              <a:rPr lang="en-US" altLang="zh-CN" sz="7200" b="1" dirty="0" smtClean="0">
                 <a:solidFill>
                   <a:schemeClr val="bg1">
                     <a:lumMod val="85000"/>
                   </a:schemeClr>
                 </a:solidFill>
               </a:rPr>
+              <a:t>05</a:t>
+            </a:r>
+            <a:endParaRPr lang="en-US" altLang="zh-CN" sz="7200" b="1" dirty="0">
+              <a:solidFill>
+                <a:schemeClr val="bg1">
+                  <a:lumMod val="85000"/>
+                </a:schemeClr>
+              </a:solidFill>
+            </a:endParaRPr>
+          </a:p>
+        </p:txBody>
+      </p:sp>
+    </p:spTree>
+    <p:custDataLst>
+      <p:tags r:id="rId1"/>
+    </p:custDataLst>
+    <p:extLst>
+      <p:ext uri="{BB962C8B-B14F-4D97-AF65-F5344CB8AC3E}">
+        <p14:creationId xmlns:p14="http://schemas.microsoft.com/office/powerpoint/2010/main" val="3865350846"/>
+      </p:ext>
+    </p:extLst>
+  </p:cSld>
+  <p:clrMapOvr>
+    <a:masterClrMapping/>
+  </p:clrMapOvr>
+  <p:timing>
+    <p:tnLst>
+      <p:par>
+        <p:cTn id="1" dur="indefinite" restart="never" nodeType="tmRoot"/>
+      </p:par>
+    </p:tnLst>
+  </p:timing>
+</p:sld>
+</file>
+
+<file path=ppt/slides/slide3.xml><?xml version="1.0" encoding="utf-8"?>
+<p:sld xmlns:a="http://schemas.openxmlformats.org/drawingml/2006/main" xmlns:r="http://schemas.openxmlformats.org/officeDocument/2006/relationships" xmlns:p="http://schemas.openxmlformats.org/presentationml/2006/main">
+  <p:cSld>
+    <p:spTree>
+      <p:nvGrpSpPr>
+        <p:cNvPr id="1" name=""/>
+        <p:cNvGrpSpPr/>
+        <p:nvPr/>
+      </p:nvGrpSpPr>
+      <p:grpSpPr>
+        <a:xfrm>
+          <a:off x="0" y="0"/>
+          <a:ext cx="0" cy="0"/>
+          <a:chOff x="0" y="0"/>
+          <a:chExt cx="0" cy="0"/>
+        </a:xfrm>
+      </p:grpSpPr>
+      <p:sp>
+        <p:nvSpPr>
+          <p:cNvPr id="5" name="标题 4"/>
+          <p:cNvSpPr>
+            <a:spLocks noGrp="1"/>
+          </p:cNvSpPr>
+          <p:nvPr>
+            <p:ph type="title"/>
+            <p:custDataLst>
+              <p:tags r:id="rId2"/>
+            </p:custDataLst>
+          </p:nvPr>
+        </p:nvSpPr>
+        <p:spPr>
+          <a:xfrm>
+            <a:off x="669930" y="2627298"/>
+            <a:ext cx="10852237" cy="624845"/>
+          </a:xfrm>
+        </p:spPr>
+        <p:txBody>
+          <a:bodyPr/>
+          <a:lstStyle/>
+          <a:p>
+            <a:r>
+              <a:rPr lang="zh-CN" altLang="en-US" spc="120" dirty="0">
+                <a:sym typeface="+mn-ea"/>
+              </a:rPr>
+              <a:t>设计目标</a:t>
+            </a:r>
+            <a:r>
+              <a:rPr lang="en-US" altLang="zh-CN" spc="120" dirty="0">
+                <a:sym typeface="+mn-ea"/>
+              </a:rPr>
+              <a:t/>
+            </a:r>
+            <a:br>
+              <a:rPr lang="en-US" altLang="zh-CN" spc="120" dirty="0">
+                <a:sym typeface="+mn-ea"/>
+              </a:rPr>
+            </a:br>
+            <a:r>
+              <a:rPr lang="en-US" altLang="zh-CN" dirty="0"/>
+              <a:t/>
+            </a:r>
+            <a:br>
+              <a:rPr lang="en-US" altLang="zh-CN" dirty="0"/>
+            </a:br>
+            <a:endParaRPr lang="zh-CN" altLang="en-US" dirty="0"/>
+          </a:p>
+        </p:txBody>
+      </p:sp>
+      <p:sp>
+        <p:nvSpPr>
+          <p:cNvPr id="3" name="文本占位符 2"/>
+          <p:cNvSpPr>
+            <a:spLocks noGrp="1"/>
+          </p:cNvSpPr>
+          <p:nvPr>
+            <p:ph type="body" idx="1"/>
+            <p:custDataLst>
+              <p:tags r:id="rId3"/>
+            </p:custDataLst>
+          </p:nvPr>
+        </p:nvSpPr>
+        <p:spPr>
+          <a:xfrm>
+            <a:off x="669925" y="3524451"/>
+            <a:ext cx="10852237" cy="3054374"/>
+          </a:xfrm>
+        </p:spPr>
+        <p:txBody>
+          <a:bodyPr/>
+          <a:lstStyle/>
+          <a:p>
+            <a:r>
+              <a:rPr lang="zh-CN" altLang="en-US" dirty="0" smtClean="0">
+                <a:sym typeface="+mn-ea"/>
+              </a:rPr>
+              <a:t>开发一套各类型项目通用的游戏服务器终极解决方案</a:t>
+            </a:r>
+            <a:r>
+              <a:rPr lang="en-US" altLang="zh-CN" dirty="0" smtClean="0">
+                <a:sym typeface="+mn-ea"/>
+              </a:rPr>
+              <a:t>,</a:t>
+            </a:r>
+            <a:r>
+              <a:rPr lang="zh-CN" altLang="en-US" dirty="0" smtClean="0">
+                <a:sym typeface="+mn-ea"/>
+              </a:rPr>
+              <a:t>将游戏内的基础逻辑按模块划分封装成插件</a:t>
+            </a:r>
+            <a:r>
+              <a:rPr lang="en-US" altLang="zh-CN" dirty="0" smtClean="0">
+                <a:sym typeface="+mn-ea"/>
+              </a:rPr>
+              <a:t>(so/</a:t>
+            </a:r>
+            <a:r>
+              <a:rPr lang="en-US" altLang="zh-CN" dirty="0" err="1" smtClean="0">
+                <a:sym typeface="+mn-ea"/>
+              </a:rPr>
+              <a:t>dll</a:t>
+            </a:r>
+            <a:r>
+              <a:rPr lang="en-US" altLang="zh-CN" dirty="0" smtClean="0">
+                <a:sym typeface="+mn-ea"/>
+              </a:rPr>
+              <a:t>),</a:t>
+            </a:r>
+            <a:r>
+              <a:rPr lang="zh-CN" altLang="en-US" dirty="0" smtClean="0">
+                <a:sym typeface="+mn-ea"/>
+              </a:rPr>
+              <a:t>让后端只需专注项目特色的玩法逻辑设计</a:t>
+            </a:r>
+            <a:r>
+              <a:rPr lang="en-US" altLang="zh-CN" dirty="0" smtClean="0">
+                <a:sym typeface="+mn-ea"/>
+              </a:rPr>
+              <a:t>,</a:t>
+            </a:r>
+            <a:r>
+              <a:rPr lang="zh-CN" altLang="en-US" dirty="0" smtClean="0"/>
+              <a:t>达到快速开发的效果</a:t>
+            </a:r>
+            <a:r>
+              <a:rPr lang="en-US" altLang="zh-CN" dirty="0" smtClean="0"/>
+              <a:t>.</a:t>
+            </a:r>
+            <a:endParaRPr lang="en-US" altLang="zh-CN" dirty="0" smtClean="0">
+              <a:sym typeface="+mn-ea"/>
+            </a:endParaRPr>
+          </a:p>
+          <a:p>
+            <a:pPr marL="285750" indent="-285750">
+              <a:buFont typeface="Arial" panose="020B0604020202020204" pitchFamily="34" charset="0"/>
+              <a:buChar char="•"/>
+            </a:pPr>
+            <a:r>
+              <a:rPr lang="zh-CN" altLang="en-US" dirty="0"/>
+              <a:t>高</a:t>
+            </a:r>
+            <a:r>
+              <a:rPr lang="zh-CN" altLang="en-US" dirty="0" smtClean="0"/>
+              <a:t>可用</a:t>
+            </a:r>
+            <a:endParaRPr lang="en-US" altLang="zh-CN" dirty="0" smtClean="0"/>
+          </a:p>
+          <a:p>
+            <a:pPr marL="285750" indent="-285750">
+              <a:buFont typeface="Arial" panose="020B0604020202020204" pitchFamily="34" charset="0"/>
+              <a:buChar char="•"/>
+            </a:pPr>
+            <a:r>
+              <a:rPr lang="zh-CN" altLang="en-US" dirty="0" smtClean="0"/>
+              <a:t>高性能</a:t>
+            </a:r>
+            <a:endParaRPr lang="en-US" altLang="zh-CN" dirty="0" smtClean="0"/>
+          </a:p>
+          <a:p>
+            <a:pPr marL="285750" indent="-285750">
+              <a:buFont typeface="Arial" panose="020B0604020202020204" pitchFamily="34" charset="0"/>
+              <a:buChar char="•"/>
+            </a:pPr>
+            <a:r>
+              <a:rPr lang="zh-CN" altLang="en-US" dirty="0" smtClean="0"/>
+              <a:t>水平扩展</a:t>
+            </a:r>
+            <a:endParaRPr lang="en-US" altLang="zh-CN" dirty="0" smtClean="0"/>
+          </a:p>
+          <a:p>
+            <a:pPr marL="285750" indent="-285750">
+              <a:buFont typeface="Arial" panose="020B0604020202020204" pitchFamily="34" charset="0"/>
+              <a:buChar char="•"/>
+            </a:pPr>
+            <a:r>
+              <a:rPr lang="zh-CN" altLang="en-US" dirty="0"/>
+              <a:t>高</a:t>
+            </a:r>
+            <a:r>
+              <a:rPr lang="zh-CN" altLang="en-US" dirty="0" smtClean="0"/>
+              <a:t>开发效率</a:t>
+            </a:r>
+            <a:endParaRPr lang="en-US" altLang="zh-CN" dirty="0" smtClean="0"/>
+          </a:p>
+          <a:p>
+            <a:pPr marL="285750" indent="-285750">
+              <a:buFont typeface="Arial" panose="020B0604020202020204" pitchFamily="34" charset="0"/>
+              <a:buChar char="•"/>
+            </a:pPr>
+            <a:r>
+              <a:rPr lang="zh-CN" altLang="en-US" dirty="0" smtClean="0"/>
+              <a:t>模块可灵活搭配组合成功能型服务器进程</a:t>
+            </a:r>
+            <a:endParaRPr lang="en-US" altLang="zh-CN" dirty="0" smtClean="0"/>
+          </a:p>
+          <a:p>
+            <a:pPr marL="285750" indent="-285750">
+              <a:buFont typeface="Arial" panose="020B0604020202020204" pitchFamily="34" charset="0"/>
+              <a:buChar char="•"/>
+            </a:pPr>
+            <a:endParaRPr lang="zh-CN" altLang="en-US" dirty="0"/>
+          </a:p>
+        </p:txBody>
+      </p:sp>
+      <p:sp>
+        <p:nvSpPr>
+          <p:cNvPr id="2" name="文本框 1"/>
+          <p:cNvSpPr txBox="1"/>
+          <p:nvPr>
+            <p:custDataLst>
+              <p:tags r:id="rId4"/>
+            </p:custDataLst>
+          </p:nvPr>
+        </p:nvSpPr>
+        <p:spPr>
+          <a:xfrm>
+            <a:off x="669929" y="1003053"/>
+            <a:ext cx="1293625" cy="1308831"/>
+          </a:xfrm>
+          <a:prstGeom prst="rect">
+            <a:avLst/>
+          </a:prstGeom>
+        </p:spPr>
+        <p:txBody>
+          <a:bodyPr vert="horz" lIns="91440" tIns="45720" rIns="91440" bIns="45720" rtlCol="0" anchor="ctr">
+            <a:normAutofit lnSpcReduction="10000"/>
+          </a:bodyPr>
+          <a:lstStyle>
+            <a:lvl1pPr marL="228600" indent="-228600">
+              <a:lnSpc>
+                <a:spcPct val="120000"/>
+              </a:lnSpc>
+              <a:spcBef>
+                <a:spcPts val="1000"/>
+              </a:spcBef>
+              <a:buSzPct val="75000"/>
+              <a:buFont typeface="Arial" panose="020B0604020202020204" pitchFamily="34" charset="0"/>
+              <a:buChar char="•"/>
+              <a:defRPr sz="2000">
+                <a:solidFill>
+                  <a:schemeClr val="tx1">
+                    <a:lumMod val="85000"/>
+                    <a:lumOff val="15000"/>
+                  </a:schemeClr>
+                </a:solidFill>
+              </a:defRPr>
+            </a:lvl1pPr>
+            <a:lvl2pPr marL="575945" indent="-228600" fontAlgn="auto">
+              <a:lnSpc>
+                <a:spcPct val="120000"/>
+              </a:lnSpc>
+              <a:spcBef>
+                <a:spcPts val="500"/>
+              </a:spcBef>
+              <a:buSzPct val="75000"/>
+              <a:buFont typeface="Arial" panose="020B0604020202020204" pitchFamily="34" charset="0"/>
+              <a:buChar char="•"/>
+              <a:defRPr>
+                <a:solidFill>
+                  <a:schemeClr val="tx1">
+                    <a:lumMod val="75000"/>
+                    <a:lumOff val="25000"/>
+                  </a:schemeClr>
+                </a:solidFill>
+                <a:latin typeface="微软雅黑" panose="020B0503020204020204" charset="-122"/>
+                <a:ea typeface="微软雅黑" panose="020B0503020204020204" charset="-122"/>
+              </a:defRPr>
+            </a:lvl2pPr>
+            <a:lvl3pPr marL="1007745" indent="-228600" fontAlgn="auto">
+              <a:lnSpc>
+                <a:spcPct val="120000"/>
+              </a:lnSpc>
+              <a:spcBef>
+                <a:spcPts val="500"/>
+              </a:spcBef>
+              <a:buSzPct val="75000"/>
+              <a:buFont typeface="Arial" panose="020B0604020202020204" pitchFamily="34" charset="0"/>
+              <a:buChar char="‒"/>
+              <a:defRPr sz="1600">
+                <a:solidFill>
+                  <a:schemeClr val="tx1">
+                    <a:lumMod val="65000"/>
+                    <a:lumOff val="35000"/>
+                  </a:schemeClr>
+                </a:solidFill>
+                <a:latin typeface="微软雅黑" panose="020B0503020204020204" charset="-122"/>
+                <a:ea typeface="微软雅黑" panose="020B0503020204020204" charset="-122"/>
+              </a:defRPr>
+            </a:lvl3pPr>
+            <a:lvl4pPr marL="1511935" indent="-228600" fontAlgn="auto">
+              <a:lnSpc>
+                <a:spcPct val="100000"/>
+              </a:lnSpc>
+              <a:spcBef>
+                <a:spcPts val="500"/>
+              </a:spcBef>
+              <a:buSzPct val="75000"/>
+              <a:buFont typeface="Arial" panose="020B0604020202020204" pitchFamily="34" charset="0"/>
+              <a:buChar char="˃"/>
+              <a:defRPr sz="1400">
+                <a:solidFill>
+                  <a:schemeClr val="tx1">
+                    <a:lumMod val="50000"/>
+                    <a:lumOff val="50000"/>
+                  </a:schemeClr>
+                </a:solidFill>
+                <a:latin typeface="微软雅黑" panose="020B0503020204020204" charset="-122"/>
+                <a:ea typeface="微软雅黑" panose="020B0503020204020204" charset="-122"/>
+              </a:defRPr>
+            </a:lvl4pPr>
+            <a:lvl5pPr marL="1943735" indent="-228600" fontAlgn="auto">
+              <a:lnSpc>
+                <a:spcPct val="90000"/>
+              </a:lnSpc>
+              <a:spcBef>
+                <a:spcPts val="500"/>
+              </a:spcBef>
+              <a:buSzPct val="75000"/>
+              <a:buFont typeface="Arial" panose="020B0604020202020204" pitchFamily="34" charset="0"/>
+              <a:buChar char="˃"/>
+              <a:defRPr sz="1400">
+                <a:solidFill>
+                  <a:schemeClr val="tx1">
+                    <a:lumMod val="50000"/>
+                    <a:lumOff val="50000"/>
+                  </a:schemeClr>
+                </a:solidFill>
+                <a:latin typeface="微软雅黑" panose="020B0503020204020204" charset="-122"/>
+                <a:ea typeface="微软雅黑" panose="020B0503020204020204" charset="-122"/>
+              </a:defRPr>
+            </a:lvl5pPr>
+            <a:lvl6pPr marL="2514600" indent="-228600">
+              <a:lnSpc>
+                <a:spcPct val="90000"/>
+              </a:lnSpc>
+              <a:spcBef>
+                <a:spcPts val="500"/>
+              </a:spcBef>
+              <a:buFont typeface="Arial" panose="020B0604020202020204" pitchFamily="34" charset="0"/>
+              <a:buChar char="•"/>
+            </a:lvl6pPr>
+            <a:lvl7pPr marL="2971800" indent="-228600">
+              <a:lnSpc>
+                <a:spcPct val="90000"/>
+              </a:lnSpc>
+              <a:spcBef>
+                <a:spcPts val="500"/>
+              </a:spcBef>
+              <a:buFont typeface="Arial" panose="020B0604020202020204" pitchFamily="34" charset="0"/>
+              <a:buChar char="•"/>
+            </a:lvl7pPr>
+            <a:lvl8pPr marL="3429000" indent="-228600">
+              <a:lnSpc>
+                <a:spcPct val="90000"/>
+              </a:lnSpc>
+              <a:spcBef>
+                <a:spcPts val="500"/>
+              </a:spcBef>
+              <a:buFont typeface="Arial" panose="020B0604020202020204" pitchFamily="34" charset="0"/>
+              <a:buChar char="•"/>
+            </a:lvl8pPr>
+            <a:lvl9pPr marL="3886200" indent="-228600">
+              <a:lnSpc>
+                <a:spcPct val="90000"/>
+              </a:lnSpc>
+              <a:spcBef>
+                <a:spcPts val="500"/>
+              </a:spcBef>
+              <a:buFont typeface="Arial" panose="020B0604020202020204" pitchFamily="34" charset="0"/>
+              <a:buChar char="•"/>
+            </a:lvl9pPr>
+          </a:lstStyle>
+          <a:p>
+            <a:pPr marL="0" indent="0">
+              <a:buNone/>
+            </a:pPr>
+            <a:r>
+              <a:rPr lang="en-US" altLang="zh-CN" sz="7200" b="1" dirty="0">
+                <a:solidFill>
+                  <a:schemeClr val="bg1">
+                    <a:lumMod val="85000"/>
+                  </a:schemeClr>
+                </a:solidFill>
+              </a:rPr>
               <a:t>01</a:t>
             </a:r>
+          </a:p>
+        </p:txBody>
+      </p:sp>
+    </p:spTree>
+    <p:custDataLst>
+      <p:tags r:id="rId1"/>
+    </p:custDataLst>
+  </p:cSld>
+  <p:clrMapOvr>
+    <a:masterClrMapping/>
+  </p:clrMapOvr>
+  <p:timing>
+    <p:tnLst>
+      <p:par>
+        <p:cTn id="1" dur="indefinite" restart="never" nodeType="tmRoot"/>
+      </p:par>
+    </p:tnLst>
+  </p:timing>
+</p:sld>
+</file>
+
+<file path=ppt/slides/slide30.xml><?xml version="1.0" encoding="utf-8"?>
+<p:sld xmlns:a="http://schemas.openxmlformats.org/drawingml/2006/main" xmlns:r="http://schemas.openxmlformats.org/officeDocument/2006/relationships" xmlns:p="http://schemas.openxmlformats.org/presentationml/2006/main">
+  <p:cSld>
+    <p:spTree>
+      <p:nvGrpSpPr>
+        <p:cNvPr id="1" name=""/>
+        <p:cNvGrpSpPr/>
+        <p:nvPr/>
+      </p:nvGrpSpPr>
+      <p:grpSpPr>
+        <a:xfrm>
+          <a:off x="0" y="0"/>
+          <a:ext cx="0" cy="0"/>
+          <a:chOff x="0" y="0"/>
+          <a:chExt cx="0" cy="0"/>
+        </a:xfrm>
+      </p:grpSpPr>
+      <p:sp>
+        <p:nvSpPr>
+          <p:cNvPr id="12" name="标题 11"/>
+          <p:cNvSpPr>
+            <a:spLocks noGrp="1"/>
+          </p:cNvSpPr>
+          <p:nvPr>
+            <p:ph type="title"/>
+            <p:custDataLst>
+              <p:tags r:id="rId2"/>
+            </p:custDataLst>
+          </p:nvPr>
+        </p:nvSpPr>
+        <p:spPr/>
+        <p:txBody>
+          <a:bodyPr/>
+          <a:lstStyle/>
+          <a:p>
+            <a:r>
+              <a:rPr lang="zh-CN" altLang="en-US" dirty="0" smtClean="0"/>
+              <a:t>谢谢</a:t>
+            </a:r>
+            <a:endParaRPr lang="zh-CN" altLang="en-US" dirty="0"/>
           </a:p>
         </p:txBody>
       </p:sp>
@@ -18629,6 +19059,14 @@
 
 <file path=ppt/tags/tag134.xml><?xml version="1.0" encoding="utf-8"?>
 <p:tagLst xmlns:a="http://schemas.openxmlformats.org/drawingml/2006/main" xmlns:r="http://schemas.openxmlformats.org/officeDocument/2006/relationships" xmlns:p="http://schemas.openxmlformats.org/presentationml/2006/main">
+  <p:tag name="KSO_WM_BEAUTIFY_FLAG" val="#wm#"/>
+  <p:tag name="KSO_WM_TEMPLATE_CATEGORY" val="custom"/>
+  <p:tag name="KSO_WM_TEMPLATE_INDEX" val="20187308"/>
+</p:tagLst>
+</file>
+
+<file path=ppt/tags/tag135.xml><?xml version="1.0" encoding="utf-8"?>
+<p:tagLst xmlns:a="http://schemas.openxmlformats.org/drawingml/2006/main" xmlns:r="http://schemas.openxmlformats.org/officeDocument/2006/relationships" xmlns:p="http://schemas.openxmlformats.org/presentationml/2006/main">
   <p:tag name="KSO_WM_UNIT_ISCONTENTSTITLE" val="0"/>
   <p:tag name="KSO_WM_UNIT_PRESET_TEXT" val="单击此处添加标题"/>
   <p:tag name="KSO_WM_UNIT_NOCLEAR" val="0"/>
@@ -18637,10 +19075,10 @@
   <p:tag name="KSO_WM_UNIT_COMPATIBLE" val="0"/>
   <p:tag name="KSO_WM_UNIT_DIAGRAM_ISNUMVISUAL" val="0"/>
   <p:tag name="KSO_WM_UNIT_DIAGRAM_ISREFERUNIT" val="0"/>
-  <p:tag name="KSO_WM_DIAGRAM_GROUP_CODE" val="l1-2"/>
+  <p:tag name="KSO_WM_DIAGRAM_GROUP_CODE" val="m1-2"/>
   <p:tag name="KSO_WM_UNIT_TYPE" val="a"/>
   <p:tag name="KSO_WM_UNIT_INDEX" val="1"/>
-  <p:tag name="KSO_WM_UNIT_ID" val="custom20187308_12*a*1"/>
+  <p:tag name="KSO_WM_UNIT_ID" val="custom20187308_7*a*1"/>
   <p:tag name="KSO_WM_TEMPLATE_CATEGORY" val="custom"/>
   <p:tag name="KSO_WM_TEMPLATE_INDEX" val="20187308"/>
   <p:tag name="KSO_WM_UNIT_LAYERLEVEL" val="1"/>
@@ -18652,7 +19090,7 @@
 </p:tagLst>
 </file>
 
-<file path=ppt/tags/tag135.xml><?xml version="1.0" encoding="utf-8"?>
+<file path=ppt/tags/tag136.xml><?xml version="1.0" encoding="utf-8"?>
 <p:tagLst xmlns:a="http://schemas.openxmlformats.org/drawingml/2006/main" xmlns:r="http://schemas.openxmlformats.org/officeDocument/2006/relationships" xmlns:p="http://schemas.openxmlformats.org/presentationml/2006/main">
   <p:tag name="KSO_WM_BEAUTIFY_FLAG" val="#wm#"/>
   <p:tag name="KSO_WM_TEMPLATE_CATEGORY" val="custom"/>
@@ -18660,7 +19098,7 @@
 </p:tagLst>
 </file>
 
-<file path=ppt/tags/tag136.xml><?xml version="1.0" encoding="utf-8"?>
+<file path=ppt/tags/tag137.xml><?xml version="1.0" encoding="utf-8"?>
 <p:tagLst xmlns:a="http://schemas.openxmlformats.org/drawingml/2006/main" xmlns:r="http://schemas.openxmlformats.org/officeDocument/2006/relationships" xmlns:p="http://schemas.openxmlformats.org/presentationml/2006/main">
   <p:tag name="KSO_WM_UNIT_ISCONTENTSTITLE" val="0"/>
   <p:tag name="KSO_WM_UNIT_PRESET_TEXT" val="单击此处添加标题"/>
@@ -18685,7 +19123,173 @@
 </p:tagLst>
 </file>
 
-<file path=ppt/tags/tag137.xml><?xml version="1.0" encoding="utf-8"?>
+<file path=ppt/tags/tag138.xml><?xml version="1.0" encoding="utf-8"?>
+<p:tagLst xmlns:a="http://schemas.openxmlformats.org/drawingml/2006/main" xmlns:r="http://schemas.openxmlformats.org/officeDocument/2006/relationships" xmlns:p="http://schemas.openxmlformats.org/presentationml/2006/main">
+  <p:tag name="KSO_WM_BEAUTIFY_FLAG" val="#wm#"/>
+  <p:tag name="KSO_WM_TEMPLATE_CATEGORY" val="custom"/>
+  <p:tag name="KSO_WM_TEMPLATE_INDEX" val="20187308"/>
+</p:tagLst>
+</file>
+
+<file path=ppt/tags/tag139.xml><?xml version="1.0" encoding="utf-8"?>
+<p:tagLst xmlns:a="http://schemas.openxmlformats.org/drawingml/2006/main" xmlns:r="http://schemas.openxmlformats.org/officeDocument/2006/relationships" xmlns:p="http://schemas.openxmlformats.org/presentationml/2006/main">
+  <p:tag name="KSO_WM_BEAUTIFY_FLAG" val="#wm#"/>
+  <p:tag name="KSO_WM_TEMPLATE_CATEGORY" val="custom"/>
+  <p:tag name="KSO_WM_TEMPLATE_INDEX" val="20187308"/>
+</p:tagLst>
+</file>
+
+<file path=ppt/tags/tag14.xml><?xml version="1.0" encoding="utf-8"?>
+<p:tagLst xmlns:a="http://schemas.openxmlformats.org/drawingml/2006/main" xmlns:r="http://schemas.openxmlformats.org/officeDocument/2006/relationships" xmlns:p="http://schemas.openxmlformats.org/presentationml/2006/main">
+  <p:tag name="KSO_WM_UNIT_HIGHLIGHT" val="0"/>
+  <p:tag name="KSO_WM_UNIT_COMPATIBLE" val="0"/>
+  <p:tag name="KSO_WM_UNIT_DIAGRAM_ISNUMVISUAL" val="0"/>
+  <p:tag name="KSO_WM_UNIT_DIAGRAM_ISREFERUNIT" val="0"/>
+  <p:tag name="KSO_WM_UNIT_ID" val="_1**"/>
+  <p:tag name="KSO_WM_UNIT_LAYERLEVEL" val="1"/>
+  <p:tag name="KSO_WM_TAG_VERSION" val="1.0"/>
+  <p:tag name="KSO_WM_BEAUTIFY_FLAG" val="#wm#"/>
+</p:tagLst>
+</file>
+
+<file path=ppt/tags/tag140.xml><?xml version="1.0" encoding="utf-8"?>
+<p:tagLst xmlns:a="http://schemas.openxmlformats.org/drawingml/2006/main" xmlns:r="http://schemas.openxmlformats.org/officeDocument/2006/relationships" xmlns:p="http://schemas.openxmlformats.org/presentationml/2006/main">
+  <p:tag name="KSO_WM_UNIT_ISCONTENTSTITLE" val="0"/>
+  <p:tag name="KSO_WM_UNIT_PRESET_TEXT" val="单击此处添加标题"/>
+  <p:tag name="KSO_WM_UNIT_NOCLEAR" val="0"/>
+  <p:tag name="KSO_WM_UNIT_VALUE" val="14"/>
+  <p:tag name="KSO_WM_UNIT_HIGHLIGHT" val="0"/>
+  <p:tag name="KSO_WM_UNIT_COMPATIBLE" val="0"/>
+  <p:tag name="KSO_WM_UNIT_DIAGRAM_ISNUMVISUAL" val="0"/>
+  <p:tag name="KSO_WM_UNIT_DIAGRAM_ISREFERUNIT" val="0"/>
+  <p:tag name="KSO_WM_DIAGRAM_GROUP_CODE" val="m1-2"/>
+  <p:tag name="KSO_WM_UNIT_TYPE" val="a"/>
+  <p:tag name="KSO_WM_UNIT_INDEX" val="1"/>
+  <p:tag name="KSO_WM_UNIT_ID" val="custom20187308_7*a*1"/>
+  <p:tag name="KSO_WM_TEMPLATE_CATEGORY" val="custom"/>
+  <p:tag name="KSO_WM_TEMPLATE_INDEX" val="20187308"/>
+  <p:tag name="KSO_WM_UNIT_LAYERLEVEL" val="1"/>
+  <p:tag name="KSO_WM_TAG_VERSION" val="1.0"/>
+  <p:tag name="KSO_WM_BEAUTIFY_FLAG" val="#wm#"/>
+  <p:tag name="KSO_WM_UNIT_TEXT_FILL_FORE_SCHEMECOLOR_INDEX" val="13"/>
+  <p:tag name="KSO_WM_UNIT_TEXT_FILL_TYPE" val="1"/>
+  <p:tag name="KSO_WM_UNIT_USESOURCEFORMAT_APPLY" val="1"/>
+</p:tagLst>
+</file>
+
+<file path=ppt/tags/tag141.xml><?xml version="1.0" encoding="utf-8"?>
+<p:tagLst xmlns:a="http://schemas.openxmlformats.org/drawingml/2006/main" xmlns:r="http://schemas.openxmlformats.org/officeDocument/2006/relationships" xmlns:p="http://schemas.openxmlformats.org/presentationml/2006/main">
+  <p:tag name="KSO_WM_BEAUTIFY_FLAG" val="#wm#"/>
+  <p:tag name="KSO_WM_TEMPLATE_CATEGORY" val="custom"/>
+  <p:tag name="KSO_WM_TEMPLATE_INDEX" val="20187308"/>
+</p:tagLst>
+</file>
+
+<file path=ppt/tags/tag142.xml><?xml version="1.0" encoding="utf-8"?>
+<p:tagLst xmlns:a="http://schemas.openxmlformats.org/drawingml/2006/main" xmlns:r="http://schemas.openxmlformats.org/officeDocument/2006/relationships" xmlns:p="http://schemas.openxmlformats.org/presentationml/2006/main">
+  <p:tag name="KSO_WM_UNIT_ISCONTENTSTITLE" val="0"/>
+  <p:tag name="KSO_WM_UNIT_PRESET_TEXT" val="单击此处添加标题"/>
+  <p:tag name="KSO_WM_UNIT_NOCLEAR" val="0"/>
+  <p:tag name="KSO_WM_UNIT_VALUE" val="14"/>
+  <p:tag name="KSO_WM_UNIT_HIGHLIGHT" val="0"/>
+  <p:tag name="KSO_WM_UNIT_COMPATIBLE" val="0"/>
+  <p:tag name="KSO_WM_UNIT_DIAGRAM_ISNUMVISUAL" val="0"/>
+  <p:tag name="KSO_WM_UNIT_DIAGRAM_ISREFERUNIT" val="0"/>
+  <p:tag name="KSO_WM_DIAGRAM_GROUP_CODE" val="m1-2"/>
+  <p:tag name="KSO_WM_UNIT_TYPE" val="a"/>
+  <p:tag name="KSO_WM_UNIT_INDEX" val="1"/>
+  <p:tag name="KSO_WM_UNIT_ID" val="custom20187308_7*a*1"/>
+  <p:tag name="KSO_WM_TEMPLATE_CATEGORY" val="custom"/>
+  <p:tag name="KSO_WM_TEMPLATE_INDEX" val="20187308"/>
+  <p:tag name="KSO_WM_UNIT_LAYERLEVEL" val="1"/>
+  <p:tag name="KSO_WM_TAG_VERSION" val="1.0"/>
+  <p:tag name="KSO_WM_BEAUTIFY_FLAG" val="#wm#"/>
+  <p:tag name="KSO_WM_UNIT_TEXT_FILL_FORE_SCHEMECOLOR_INDEX" val="13"/>
+  <p:tag name="KSO_WM_UNIT_TEXT_FILL_TYPE" val="1"/>
+  <p:tag name="KSO_WM_UNIT_USESOURCEFORMAT_APPLY" val="1"/>
+</p:tagLst>
+</file>
+
+<file path=ppt/tags/tag143.xml><?xml version="1.0" encoding="utf-8"?>
+<p:tagLst xmlns:a="http://schemas.openxmlformats.org/drawingml/2006/main" xmlns:r="http://schemas.openxmlformats.org/officeDocument/2006/relationships" xmlns:p="http://schemas.openxmlformats.org/presentationml/2006/main">
+  <p:tag name="KSO_WM_SLIDE_ID" val="custom20187308_3"/>
+  <p:tag name="KSO_WM_TEMPLATE_SUBCATEGORY" val="0"/>
+  <p:tag name="KSO_WM_SLIDE_TYPE" val="sectionTitle"/>
+  <p:tag name="KSO_WM_SLIDE_SUBTYPE" val="pureTxt"/>
+  <p:tag name="KSO_WM_SLIDE_ITEM_CNT" val="0"/>
+  <p:tag name="KSO_WM_SLIDE_INDEX" val="3"/>
+  <p:tag name="KSO_WM_TAG_VERSION" val="1.0"/>
+  <p:tag name="KSO_WM_BEAUTIFY_FLAG" val="#wm#"/>
+  <p:tag name="KSO_WM_TEMPLATE_CATEGORY" val="custom"/>
+  <p:tag name="KSO_WM_TEMPLATE_INDEX" val="20187308"/>
+  <p:tag name="KSO_WM_SLIDE_LAYOUT" val="a_b_e"/>
+  <p:tag name="KSO_WM_SLIDE_LAYOUT_CNT" val="1_1_1"/>
+</p:tagLst>
+</file>
+
+<file path=ppt/tags/tag144.xml><?xml version="1.0" encoding="utf-8"?>
+<p:tagLst xmlns:a="http://schemas.openxmlformats.org/drawingml/2006/main" xmlns:r="http://schemas.openxmlformats.org/officeDocument/2006/relationships" xmlns:p="http://schemas.openxmlformats.org/presentationml/2006/main">
+  <p:tag name="KSO_WM_UNIT_ISCONTENTSTITLE" val="0"/>
+  <p:tag name="KSO_WM_UNIT_PRESET_TEXT" val="单击此处添加标题"/>
+  <p:tag name="KSO_WM_UNIT_NOCLEAR" val="0"/>
+  <p:tag name="KSO_WM_UNIT_VALUE" val="60"/>
+  <p:tag name="KSO_WM_UNIT_HIGHLIGHT" val="0"/>
+  <p:tag name="KSO_WM_UNIT_COMPATIBLE" val="0"/>
+  <p:tag name="KSO_WM_UNIT_DIAGRAM_ISNUMVISUAL" val="0"/>
+  <p:tag name="KSO_WM_UNIT_DIAGRAM_ISREFERUNIT" val="0"/>
+  <p:tag name="KSO_WM_UNIT_TYPE" val="a"/>
+  <p:tag name="KSO_WM_UNIT_INDEX" val="1"/>
+  <p:tag name="KSO_WM_UNIT_ID" val="custom20187308_3*a*1"/>
+  <p:tag name="KSO_WM_TEMPLATE_CATEGORY" val="custom"/>
+  <p:tag name="KSO_WM_TEMPLATE_INDEX" val="20187308"/>
+  <p:tag name="KSO_WM_UNIT_LAYERLEVEL" val="1"/>
+  <p:tag name="KSO_WM_TAG_VERSION" val="1.0"/>
+  <p:tag name="KSO_WM_BEAUTIFY_FLAG" val="#wm#"/>
+</p:tagLst>
+</file>
+
+<file path=ppt/tags/tag145.xml><?xml version="1.0" encoding="utf-8"?>
+<p:tagLst xmlns:a="http://schemas.openxmlformats.org/drawingml/2006/main" xmlns:r="http://schemas.openxmlformats.org/officeDocument/2006/relationships" xmlns:p="http://schemas.openxmlformats.org/presentationml/2006/main">
+  <p:tag name="KSO_WM_UNIT_ISCONTENTSTITLE" val="0"/>
+  <p:tag name="KSO_WM_UNIT_PRESET_TEXT" val="单击此处添加文本具体内容，简明扼要的阐述您的观点。"/>
+  <p:tag name="KSO_WM_UNIT_NOCLEAR" val="0"/>
+  <p:tag name="KSO_WM_UNIT_VALUE" val="156"/>
+  <p:tag name="KSO_WM_UNIT_HIGHLIGHT" val="0"/>
+  <p:tag name="KSO_WM_UNIT_COMPATIBLE" val="0"/>
+  <p:tag name="KSO_WM_UNIT_DIAGRAM_ISNUMVISUAL" val="0"/>
+  <p:tag name="KSO_WM_UNIT_DIAGRAM_ISREFERUNIT" val="0"/>
+  <p:tag name="KSO_WM_UNIT_TYPE" val="b"/>
+  <p:tag name="KSO_WM_UNIT_INDEX" val="1"/>
+  <p:tag name="KSO_WM_UNIT_ID" val="custom20187308_3*b*1"/>
+  <p:tag name="KSO_WM_TEMPLATE_CATEGORY" val="custom"/>
+  <p:tag name="KSO_WM_TEMPLATE_INDEX" val="20187308"/>
+  <p:tag name="KSO_WM_UNIT_LAYERLEVEL" val="1"/>
+  <p:tag name="KSO_WM_TAG_VERSION" val="1.0"/>
+  <p:tag name="KSO_WM_BEAUTIFY_FLAG" val="#wm#"/>
+</p:tagLst>
+</file>
+
+<file path=ppt/tags/tag146.xml><?xml version="1.0" encoding="utf-8"?>
+<p:tagLst xmlns:a="http://schemas.openxmlformats.org/drawingml/2006/main" xmlns:r="http://schemas.openxmlformats.org/officeDocument/2006/relationships" xmlns:p="http://schemas.openxmlformats.org/presentationml/2006/main">
+  <p:tag name="KSO_WM_UNIT_PRESET_TEXT" val="01"/>
+  <p:tag name="KSO_WM_UNIT_NOCLEAR" val="0"/>
+  <p:tag name="KSO_WM_UNIT_VALUE" val="1"/>
+  <p:tag name="KSO_WM_UNIT_HIGHLIGHT" val="0"/>
+  <p:tag name="KSO_WM_UNIT_COMPATIBLE" val="1"/>
+  <p:tag name="KSO_WM_UNIT_DIAGRAM_ISNUMVISUAL" val="0"/>
+  <p:tag name="KSO_WM_UNIT_DIAGRAM_ISREFERUNIT" val="0"/>
+  <p:tag name="KSO_WM_UNIT_TYPE" val="e"/>
+  <p:tag name="KSO_WM_UNIT_INDEX" val="1"/>
+  <p:tag name="KSO_WM_UNIT_ID" val="custom20187308_3*e*1"/>
+  <p:tag name="KSO_WM_TEMPLATE_CATEGORY" val="custom"/>
+  <p:tag name="KSO_WM_TEMPLATE_INDEX" val="20187308"/>
+  <p:tag name="KSO_WM_UNIT_LAYERLEVEL" val="1"/>
+  <p:tag name="KSO_WM_TAG_VERSION" val="1.0"/>
+  <p:tag name="KSO_WM_BEAUTIFY_FLAG" val="#wm#"/>
+</p:tagLst>
+</file>
+
+<file path=ppt/tags/tag147.xml><?xml version="1.0" encoding="utf-8"?>
 <p:tagLst xmlns:a="http://schemas.openxmlformats.org/drawingml/2006/main" xmlns:r="http://schemas.openxmlformats.org/officeDocument/2006/relationships" xmlns:p="http://schemas.openxmlformats.org/presentationml/2006/main">
   <p:tag name="KSO_WM_SLIDE_ID" val="custom20187308_15"/>
   <p:tag name="KSO_WM_TEMPLATE_SUBCATEGORY" val="0"/>
@@ -18702,7 +19306,7 @@
 </p:tagLst>
 </file>
 
-<file path=ppt/tags/tag138.xml><?xml version="1.0" encoding="utf-8"?>
+<file path=ppt/tags/tag148.xml><?xml version="1.0" encoding="utf-8"?>
 <p:tagLst xmlns:a="http://schemas.openxmlformats.org/drawingml/2006/main" xmlns:r="http://schemas.openxmlformats.org/officeDocument/2006/relationships" xmlns:p="http://schemas.openxmlformats.org/presentationml/2006/main">
   <p:tag name="KSO_WM_UNIT_ISCONTENTSTITLE" val="0"/>
   <p:tag name="KSO_WM_UNIT_PRESET_TEXT" val="谢谢观看"/>
@@ -18717,19 +19321,6 @@
   <p:tag name="KSO_WM_UNIT_ID" val="custom20187308_15*a*1"/>
   <p:tag name="KSO_WM_TEMPLATE_CATEGORY" val="custom"/>
   <p:tag name="KSO_WM_TEMPLATE_INDEX" val="20187308"/>
-  <p:tag name="KSO_WM_UNIT_LAYERLEVEL" val="1"/>
-  <p:tag name="KSO_WM_TAG_VERSION" val="1.0"/>
-  <p:tag name="KSO_WM_BEAUTIFY_FLAG" val="#wm#"/>
-</p:tagLst>
-</file>
-
-<file path=ppt/tags/tag14.xml><?xml version="1.0" encoding="utf-8"?>
-<p:tagLst xmlns:a="http://schemas.openxmlformats.org/drawingml/2006/main" xmlns:r="http://schemas.openxmlformats.org/officeDocument/2006/relationships" xmlns:p="http://schemas.openxmlformats.org/presentationml/2006/main">
-  <p:tag name="KSO_WM_UNIT_HIGHLIGHT" val="0"/>
-  <p:tag name="KSO_WM_UNIT_COMPATIBLE" val="0"/>
-  <p:tag name="KSO_WM_UNIT_DIAGRAM_ISNUMVISUAL" val="0"/>
-  <p:tag name="KSO_WM_UNIT_DIAGRAM_ISREFERUNIT" val="0"/>
-  <p:tag name="KSO_WM_UNIT_ID" val="_1**"/>
   <p:tag name="KSO_WM_UNIT_LAYERLEVEL" val="1"/>
   <p:tag name="KSO_WM_TAG_VERSION" val="1.0"/>
   <p:tag name="KSO_WM_BEAUTIFY_FLAG" val="#wm#"/>

--- a/_doc/KFrame.pptx
+++ b/_doc/KFrame.pptx
@@ -6,10 +6,10 @@
     <p:sldMasterId id="2147483659" r:id="rId2"/>
   </p:sldMasterIdLst>
   <p:notesMasterIdLst>
-    <p:notesMasterId r:id="rId33"/>
+    <p:notesMasterId r:id="rId35"/>
   </p:notesMasterIdLst>
   <p:handoutMasterIdLst>
-    <p:handoutMasterId r:id="rId34"/>
+    <p:handoutMasterId r:id="rId36"/>
   </p:handoutMasterIdLst>
   <p:sldIdLst>
     <p:sldId id="640" r:id="rId3"/>
@@ -41,12 +41,14 @@
     <p:sldId id="659" r:id="rId29"/>
     <p:sldId id="660" r:id="rId30"/>
     <p:sldId id="661" r:id="rId31"/>
-    <p:sldId id="639" r:id="rId32"/>
+    <p:sldId id="662" r:id="rId32"/>
+    <p:sldId id="663" r:id="rId33"/>
+    <p:sldId id="639" r:id="rId34"/>
   </p:sldIdLst>
   <p:sldSz cx="12192000" cy="6858000"/>
   <p:notesSz cx="7104063" cy="10234613"/>
   <p:custDataLst>
-    <p:tags r:id="rId35"/>
+    <p:tags r:id="rId37"/>
   </p:custDataLst>
   <p:defaultTextStyle>
     <a:defPPr>
@@ -995,7 +997,7 @@
           <a:p>
             <a:fld id="{85D0DACE-38E0-42D2-9336-2B707D34BC6D}" type="slidenum">
               <a:rPr lang="zh-CN" altLang="en-US" smtClean="0"/>
-              <a:t>30</a:t>
+              <a:t>32</a:t>
             </a:fld>
             <a:endParaRPr lang="zh-CN" altLang="en-US"/>
           </a:p>
@@ -15736,7 +15738,7 @@
         </p:nvSpPr>
         <p:spPr>
           <a:xfrm>
-            <a:off x="669930" y="2611114"/>
+            <a:off x="669930" y="2239639"/>
             <a:ext cx="10852237" cy="624845"/>
           </a:xfrm>
         </p:spPr>
@@ -15788,35 +15790,93 @@
         </p:nvSpPr>
         <p:spPr>
           <a:xfrm>
-            <a:off x="669925" y="3767211"/>
-            <a:ext cx="10852237" cy="1077985"/>
+            <a:off x="727128" y="3086101"/>
+            <a:ext cx="10852237" cy="3390900"/>
           </a:xfrm>
         </p:spPr>
         <p:txBody>
           <a:bodyPr/>
           <a:lstStyle/>
           <a:p>
+            <a:pPr marL="285750" indent="-285750">
+              <a:buFont typeface="Arial" panose="020B0604020202020204" pitchFamily="34" charset="0"/>
+              <a:buChar char="•"/>
+            </a:pPr>
             <a:r>
               <a:rPr lang="zh-CN" altLang="en-US" dirty="0" smtClean="0"/>
-              <a:t>通过运</a:t>
-            </a:r>
-            <a:r>
-              <a:rPr lang="zh-CN" altLang="en-US" smtClean="0"/>
-              <a:t>维后台</a:t>
-            </a:r>
-            <a:r>
-              <a:rPr lang="zh-CN" altLang="en-US"/>
-              <a:t>直接</a:t>
-            </a:r>
-            <a:r>
-              <a:rPr lang="zh-CN" altLang="en-US" smtClean="0"/>
-              <a:t>部署</a:t>
-            </a:r>
+              <a:t>运维后台</a:t>
+            </a:r>
+            <a:r>
+              <a:rPr lang="en-US" altLang="zh-CN" dirty="0" err="1" smtClean="0"/>
+              <a:t>DeployAdmin</a:t>
+            </a:r>
+            <a:endParaRPr lang="en-US" altLang="zh-CN" dirty="0" smtClean="0"/>
+          </a:p>
+          <a:p>
+            <a:pPr marL="285750" indent="-285750">
+              <a:buFont typeface="Arial" panose="020B0604020202020204" pitchFamily="34" charset="0"/>
+              <a:buChar char="•"/>
+            </a:pPr>
+            <a:endParaRPr lang="en-US" altLang="zh-CN" dirty="0" smtClean="0"/>
+          </a:p>
+          <a:p>
+            <a:pPr marL="285750" indent="-285750">
+              <a:buFont typeface="Arial" panose="020B0604020202020204" pitchFamily="34" charset="0"/>
+              <a:buChar char="•"/>
+            </a:pPr>
             <a:r>
               <a:rPr lang="zh-CN" altLang="en-US" dirty="0" smtClean="0"/>
-              <a:t>服务器</a:t>
-            </a:r>
-            <a:endParaRPr dirty="0"/>
+              <a:t>部署中控</a:t>
+            </a:r>
+            <a:r>
+              <a:rPr lang="en-US" altLang="zh-CN" dirty="0" err="1" smtClean="0"/>
+              <a:t>DeployServer</a:t>
+            </a:r>
+            <a:endParaRPr lang="en-US" altLang="zh-CN" dirty="0" smtClean="0"/>
+          </a:p>
+          <a:p>
+            <a:pPr marL="285750" indent="-285750">
+              <a:buFont typeface="Arial" panose="020B0604020202020204" pitchFamily="34" charset="0"/>
+              <a:buChar char="•"/>
+            </a:pPr>
+            <a:endParaRPr lang="en-US" altLang="zh-CN" dirty="0" smtClean="0"/>
+          </a:p>
+          <a:p>
+            <a:pPr marL="285750" indent="-285750">
+              <a:buFont typeface="Arial" panose="020B0604020202020204" pitchFamily="34" charset="0"/>
+              <a:buChar char="•"/>
+            </a:pPr>
+            <a:r>
+              <a:rPr lang="zh-CN" altLang="en-US" dirty="0" smtClean="0"/>
+              <a:t>部署终端</a:t>
+            </a:r>
+            <a:r>
+              <a:rPr lang="en-US" altLang="zh-CN" dirty="0" err="1" smtClean="0"/>
+              <a:t>DeployAgent</a:t>
+            </a:r>
+            <a:endParaRPr lang="en-US" altLang="zh-CN" dirty="0" smtClean="0"/>
+          </a:p>
+          <a:p>
+            <a:pPr marL="285750" indent="-285750">
+              <a:buFont typeface="Arial" panose="020B0604020202020204" pitchFamily="34" charset="0"/>
+              <a:buChar char="•"/>
+            </a:pPr>
+            <a:endParaRPr lang="en-US" altLang="zh-CN" dirty="0" smtClean="0"/>
+          </a:p>
+          <a:p>
+            <a:pPr marL="285750" indent="-285750">
+              <a:buFont typeface="Arial" panose="020B0604020202020204" pitchFamily="34" charset="0"/>
+              <a:buChar char="•"/>
+            </a:pPr>
+            <a:r>
+              <a:rPr lang="zh-CN" altLang="en-US" dirty="0" smtClean="0"/>
+              <a:t>游戏进程</a:t>
+            </a:r>
+            <a:r>
+              <a:rPr lang="en-US" altLang="zh-CN" dirty="0" err="1" smtClean="0"/>
+              <a:t>DeployClient</a:t>
+            </a:r>
+            <a:endParaRPr lang="en-US" dirty="0"/>
           </a:p>
         </p:txBody>
       </p:sp>
@@ -16462,6 +16522,1107 @@
 </file>
 
 <file path=ppt/slides/slide30.xml><?xml version="1.0" encoding="utf-8"?>
+<p:sld xmlns:a="http://schemas.openxmlformats.org/drawingml/2006/main" xmlns:r="http://schemas.openxmlformats.org/officeDocument/2006/relationships" xmlns:p="http://schemas.openxmlformats.org/presentationml/2006/main">
+  <p:cSld>
+    <p:spTree>
+      <p:nvGrpSpPr>
+        <p:cNvPr id="1" name=""/>
+        <p:cNvGrpSpPr/>
+        <p:nvPr/>
+      </p:nvGrpSpPr>
+      <p:grpSpPr>
+        <a:xfrm>
+          <a:off x="0" y="0"/>
+          <a:ext cx="0" cy="0"/>
+          <a:chOff x="0" y="0"/>
+          <a:chExt cx="0" cy="0"/>
+        </a:xfrm>
+      </p:grpSpPr>
+      <p:sp>
+        <p:nvSpPr>
+          <p:cNvPr id="4" name="圆角矩形 3"/>
+          <p:cNvSpPr/>
+          <p:nvPr/>
+        </p:nvSpPr>
+        <p:spPr>
+          <a:xfrm>
+            <a:off x="4857747" y="447675"/>
+            <a:ext cx="1514475" cy="885825"/>
+          </a:xfrm>
+          <a:prstGeom prst="roundRect">
+            <a:avLst/>
+          </a:prstGeom>
+        </p:spPr>
+        <p:style>
+          <a:lnRef idx="2">
+            <a:schemeClr val="accent2">
+              <a:shade val="50000"/>
+            </a:schemeClr>
+          </a:lnRef>
+          <a:fillRef idx="1">
+            <a:schemeClr val="accent2"/>
+          </a:fillRef>
+          <a:effectRef idx="0">
+            <a:schemeClr val="accent2"/>
+          </a:effectRef>
+          <a:fontRef idx="minor">
+            <a:schemeClr val="lt1"/>
+          </a:fontRef>
+        </p:style>
+        <p:txBody>
+          <a:bodyPr rtlCol="0" anchor="ctr"/>
+          <a:lstStyle/>
+          <a:p>
+            <a:pPr algn="ctr"/>
+            <a:r>
+              <a:rPr lang="zh-CN" altLang="en-US" dirty="0"/>
+              <a:t>运</a:t>
+            </a:r>
+            <a:r>
+              <a:rPr lang="zh-CN" altLang="en-US" dirty="0" smtClean="0"/>
+              <a:t>维后台</a:t>
+            </a:r>
+            <a:endParaRPr lang="zh-CN" altLang="en-US" dirty="0"/>
+          </a:p>
+        </p:txBody>
+      </p:sp>
+      <p:sp>
+        <p:nvSpPr>
+          <p:cNvPr id="5" name="圆角矩形 4"/>
+          <p:cNvSpPr/>
+          <p:nvPr/>
+        </p:nvSpPr>
+        <p:spPr>
+          <a:xfrm>
+            <a:off x="4857745" y="1895475"/>
+            <a:ext cx="1514475" cy="885825"/>
+          </a:xfrm>
+          <a:prstGeom prst="roundRect">
+            <a:avLst/>
+          </a:prstGeom>
+        </p:spPr>
+        <p:style>
+          <a:lnRef idx="2">
+            <a:schemeClr val="accent1">
+              <a:shade val="50000"/>
+            </a:schemeClr>
+          </a:lnRef>
+          <a:fillRef idx="1">
+            <a:schemeClr val="accent1"/>
+          </a:fillRef>
+          <a:effectRef idx="0">
+            <a:schemeClr val="accent1"/>
+          </a:effectRef>
+          <a:fontRef idx="minor">
+            <a:schemeClr val="lt1"/>
+          </a:fontRef>
+        </p:style>
+        <p:txBody>
+          <a:bodyPr rtlCol="0" anchor="ctr"/>
+          <a:lstStyle/>
+          <a:p>
+            <a:pPr algn="ctr"/>
+            <a:r>
+              <a:rPr lang="zh-CN" altLang="en-US" dirty="0" smtClean="0"/>
+              <a:t>部署中控</a:t>
+            </a:r>
+            <a:endParaRPr lang="zh-CN" altLang="en-US" dirty="0"/>
+          </a:p>
+        </p:txBody>
+      </p:sp>
+      <p:sp>
+        <p:nvSpPr>
+          <p:cNvPr id="6" name="圆角矩形 5"/>
+          <p:cNvSpPr/>
+          <p:nvPr/>
+        </p:nvSpPr>
+        <p:spPr>
+          <a:xfrm>
+            <a:off x="1333494" y="3743325"/>
+            <a:ext cx="1266832" cy="638176"/>
+          </a:xfrm>
+          <a:prstGeom prst="roundRect">
+            <a:avLst/>
+          </a:prstGeom>
+        </p:spPr>
+        <p:style>
+          <a:lnRef idx="1">
+            <a:schemeClr val="accent5"/>
+          </a:lnRef>
+          <a:fillRef idx="2">
+            <a:schemeClr val="accent5"/>
+          </a:fillRef>
+          <a:effectRef idx="1">
+            <a:schemeClr val="accent5"/>
+          </a:effectRef>
+          <a:fontRef idx="minor">
+            <a:schemeClr val="dk1"/>
+          </a:fontRef>
+        </p:style>
+        <p:txBody>
+          <a:bodyPr rtlCol="0" anchor="ctr"/>
+          <a:lstStyle/>
+          <a:p>
+            <a:pPr algn="ctr"/>
+            <a:r>
+              <a:rPr lang="zh-CN" altLang="en-US" sz="1600" dirty="0" smtClean="0"/>
+              <a:t>部署终端</a:t>
+            </a:r>
+            <a:endParaRPr lang="zh-CN" altLang="en-US" sz="1600" dirty="0"/>
+          </a:p>
+        </p:txBody>
+      </p:sp>
+      <p:sp>
+        <p:nvSpPr>
+          <p:cNvPr id="9" name="圆角矩形 8"/>
+          <p:cNvSpPr/>
+          <p:nvPr/>
+        </p:nvSpPr>
+        <p:spPr>
+          <a:xfrm>
+            <a:off x="304792" y="5534023"/>
+            <a:ext cx="904880" cy="352426"/>
+          </a:xfrm>
+          <a:prstGeom prst="roundRect">
+            <a:avLst/>
+          </a:prstGeom>
+        </p:spPr>
+        <p:style>
+          <a:lnRef idx="1">
+            <a:schemeClr val="accent6"/>
+          </a:lnRef>
+          <a:fillRef idx="2">
+            <a:schemeClr val="accent6"/>
+          </a:fillRef>
+          <a:effectRef idx="1">
+            <a:schemeClr val="accent6"/>
+          </a:effectRef>
+          <a:fontRef idx="minor">
+            <a:schemeClr val="dk1"/>
+          </a:fontRef>
+        </p:style>
+        <p:txBody>
+          <a:bodyPr rtlCol="0" anchor="ctr"/>
+          <a:lstStyle/>
+          <a:p>
+            <a:pPr algn="ctr"/>
+            <a:r>
+              <a:rPr lang="zh-CN" altLang="en-US" sz="1200" dirty="0" smtClean="0"/>
+              <a:t>游戏进程</a:t>
+            </a:r>
+            <a:endParaRPr lang="zh-CN" altLang="en-US" sz="1200" dirty="0"/>
+          </a:p>
+        </p:txBody>
+      </p:sp>
+      <p:sp>
+        <p:nvSpPr>
+          <p:cNvPr id="12" name="圆角矩形 11"/>
+          <p:cNvSpPr/>
+          <p:nvPr/>
+        </p:nvSpPr>
+        <p:spPr>
+          <a:xfrm>
+            <a:off x="3809994" y="3743325"/>
+            <a:ext cx="1266832" cy="638176"/>
+          </a:xfrm>
+          <a:prstGeom prst="roundRect">
+            <a:avLst/>
+          </a:prstGeom>
+        </p:spPr>
+        <p:style>
+          <a:lnRef idx="1">
+            <a:schemeClr val="accent5"/>
+          </a:lnRef>
+          <a:fillRef idx="2">
+            <a:schemeClr val="accent5"/>
+          </a:fillRef>
+          <a:effectRef idx="1">
+            <a:schemeClr val="accent5"/>
+          </a:effectRef>
+          <a:fontRef idx="minor">
+            <a:schemeClr val="dk1"/>
+          </a:fontRef>
+        </p:style>
+        <p:txBody>
+          <a:bodyPr rtlCol="0" anchor="ctr"/>
+          <a:lstStyle/>
+          <a:p>
+            <a:pPr algn="ctr"/>
+            <a:r>
+              <a:rPr lang="zh-CN" altLang="en-US"/>
+              <a:t>部署终端</a:t>
+            </a:r>
+            <a:endParaRPr lang="zh-CN" altLang="en-US" dirty="0"/>
+          </a:p>
+        </p:txBody>
+      </p:sp>
+      <p:sp>
+        <p:nvSpPr>
+          <p:cNvPr id="13" name="圆角矩形 12"/>
+          <p:cNvSpPr/>
+          <p:nvPr/>
+        </p:nvSpPr>
+        <p:spPr>
+          <a:xfrm>
+            <a:off x="6286494" y="3743325"/>
+            <a:ext cx="1266832" cy="638176"/>
+          </a:xfrm>
+          <a:prstGeom prst="roundRect">
+            <a:avLst/>
+          </a:prstGeom>
+        </p:spPr>
+        <p:style>
+          <a:lnRef idx="1">
+            <a:schemeClr val="accent5"/>
+          </a:lnRef>
+          <a:fillRef idx="2">
+            <a:schemeClr val="accent5"/>
+          </a:fillRef>
+          <a:effectRef idx="1">
+            <a:schemeClr val="accent5"/>
+          </a:effectRef>
+          <a:fontRef idx="minor">
+            <a:schemeClr val="dk1"/>
+          </a:fontRef>
+        </p:style>
+        <p:txBody>
+          <a:bodyPr rtlCol="0" anchor="ctr"/>
+          <a:lstStyle/>
+          <a:p>
+            <a:pPr algn="ctr"/>
+            <a:r>
+              <a:rPr lang="zh-CN" altLang="en-US"/>
+              <a:t>部署终端</a:t>
+            </a:r>
+            <a:endParaRPr lang="zh-CN" altLang="en-US" dirty="0"/>
+          </a:p>
+        </p:txBody>
+      </p:sp>
+      <p:sp>
+        <p:nvSpPr>
+          <p:cNvPr id="14" name="圆角矩形 13"/>
+          <p:cNvSpPr/>
+          <p:nvPr/>
+        </p:nvSpPr>
+        <p:spPr>
+          <a:xfrm>
+            <a:off x="8467719" y="3743325"/>
+            <a:ext cx="1266832" cy="638176"/>
+          </a:xfrm>
+          <a:prstGeom prst="roundRect">
+            <a:avLst/>
+          </a:prstGeom>
+        </p:spPr>
+        <p:style>
+          <a:lnRef idx="1">
+            <a:schemeClr val="accent5"/>
+          </a:lnRef>
+          <a:fillRef idx="2">
+            <a:schemeClr val="accent5"/>
+          </a:fillRef>
+          <a:effectRef idx="1">
+            <a:schemeClr val="accent5"/>
+          </a:effectRef>
+          <a:fontRef idx="minor">
+            <a:schemeClr val="dk1"/>
+          </a:fontRef>
+        </p:style>
+        <p:txBody>
+          <a:bodyPr rtlCol="0" anchor="ctr"/>
+          <a:lstStyle/>
+          <a:p>
+            <a:pPr algn="ctr"/>
+            <a:r>
+              <a:rPr lang="zh-CN" altLang="en-US"/>
+              <a:t>部署终端</a:t>
+            </a:r>
+            <a:endParaRPr lang="zh-CN" altLang="en-US" dirty="0"/>
+          </a:p>
+        </p:txBody>
+      </p:sp>
+      <p:sp>
+        <p:nvSpPr>
+          <p:cNvPr id="15" name="圆角矩形 14"/>
+          <p:cNvSpPr/>
+          <p:nvPr/>
+        </p:nvSpPr>
+        <p:spPr>
+          <a:xfrm>
+            <a:off x="1514470" y="5534023"/>
+            <a:ext cx="904880" cy="352426"/>
+          </a:xfrm>
+          <a:prstGeom prst="roundRect">
+            <a:avLst/>
+          </a:prstGeom>
+        </p:spPr>
+        <p:style>
+          <a:lnRef idx="1">
+            <a:schemeClr val="accent6"/>
+          </a:lnRef>
+          <a:fillRef idx="2">
+            <a:schemeClr val="accent6"/>
+          </a:fillRef>
+          <a:effectRef idx="1">
+            <a:schemeClr val="accent6"/>
+          </a:effectRef>
+          <a:fontRef idx="minor">
+            <a:schemeClr val="dk1"/>
+          </a:fontRef>
+        </p:style>
+        <p:txBody>
+          <a:bodyPr rtlCol="0" anchor="ctr"/>
+          <a:lstStyle/>
+          <a:p>
+            <a:pPr algn="ctr"/>
+            <a:r>
+              <a:rPr lang="zh-CN" altLang="en-US" sz="1200" dirty="0"/>
+              <a:t>游戏进程</a:t>
+            </a:r>
+            <a:endParaRPr lang="zh-CN" altLang="en-US" sz="1200" dirty="0"/>
+          </a:p>
+        </p:txBody>
+      </p:sp>
+      <p:sp>
+        <p:nvSpPr>
+          <p:cNvPr id="16" name="圆角矩形 15"/>
+          <p:cNvSpPr/>
+          <p:nvPr/>
+        </p:nvSpPr>
+        <p:spPr>
+          <a:xfrm>
+            <a:off x="2724148" y="5534023"/>
+            <a:ext cx="904880" cy="352426"/>
+          </a:xfrm>
+          <a:prstGeom prst="roundRect">
+            <a:avLst/>
+          </a:prstGeom>
+        </p:spPr>
+        <p:style>
+          <a:lnRef idx="1">
+            <a:schemeClr val="accent6"/>
+          </a:lnRef>
+          <a:fillRef idx="2">
+            <a:schemeClr val="accent6"/>
+          </a:fillRef>
+          <a:effectRef idx="1">
+            <a:schemeClr val="accent6"/>
+          </a:effectRef>
+          <a:fontRef idx="minor">
+            <a:schemeClr val="dk1"/>
+          </a:fontRef>
+        </p:style>
+        <p:txBody>
+          <a:bodyPr rtlCol="0" anchor="ctr"/>
+          <a:lstStyle/>
+          <a:p>
+            <a:pPr algn="ctr"/>
+            <a:r>
+              <a:rPr lang="zh-CN" altLang="en-US" sz="1200" dirty="0"/>
+              <a:t>游戏进程</a:t>
+            </a:r>
+            <a:endParaRPr lang="zh-CN" altLang="en-US" sz="1200" dirty="0"/>
+          </a:p>
+        </p:txBody>
+      </p:sp>
+      <p:sp>
+        <p:nvSpPr>
+          <p:cNvPr id="17" name="圆角矩形 16"/>
+          <p:cNvSpPr/>
+          <p:nvPr/>
+        </p:nvSpPr>
+        <p:spPr>
+          <a:xfrm>
+            <a:off x="3809994" y="5567359"/>
+            <a:ext cx="904880" cy="352426"/>
+          </a:xfrm>
+          <a:prstGeom prst="roundRect">
+            <a:avLst/>
+          </a:prstGeom>
+        </p:spPr>
+        <p:style>
+          <a:lnRef idx="1">
+            <a:schemeClr val="accent6"/>
+          </a:lnRef>
+          <a:fillRef idx="2">
+            <a:schemeClr val="accent6"/>
+          </a:fillRef>
+          <a:effectRef idx="1">
+            <a:schemeClr val="accent6"/>
+          </a:effectRef>
+          <a:fontRef idx="minor">
+            <a:schemeClr val="dk1"/>
+          </a:fontRef>
+        </p:style>
+        <p:txBody>
+          <a:bodyPr rtlCol="0" anchor="ctr"/>
+          <a:lstStyle/>
+          <a:p>
+            <a:pPr algn="ctr"/>
+            <a:r>
+              <a:rPr lang="zh-CN" altLang="en-US" sz="1200" dirty="0"/>
+              <a:t>游戏进程</a:t>
+            </a:r>
+            <a:endParaRPr lang="zh-CN" altLang="en-US" sz="1200" dirty="0"/>
+          </a:p>
+        </p:txBody>
+      </p:sp>
+      <p:cxnSp>
+        <p:nvCxnSpPr>
+          <p:cNvPr id="19" name="直接箭头连接符 18"/>
+          <p:cNvCxnSpPr>
+            <a:stCxn id="4" idx="2"/>
+            <a:endCxn id="5" idx="0"/>
+          </p:cNvCxnSpPr>
+          <p:nvPr/>
+        </p:nvCxnSpPr>
+        <p:spPr>
+          <a:xfrm flipH="1">
+            <a:off x="5614983" y="1333500"/>
+            <a:ext cx="2" cy="561975"/>
+          </a:xfrm>
+          <a:prstGeom prst="straightConnector1">
+            <a:avLst/>
+          </a:prstGeom>
+          <a:ln>
+            <a:tailEnd type="triangle"/>
+          </a:ln>
+        </p:spPr>
+        <p:style>
+          <a:lnRef idx="1">
+            <a:schemeClr val="accent1"/>
+          </a:lnRef>
+          <a:fillRef idx="0">
+            <a:schemeClr val="accent1"/>
+          </a:fillRef>
+          <a:effectRef idx="0">
+            <a:schemeClr val="accent1"/>
+          </a:effectRef>
+          <a:fontRef idx="minor">
+            <a:schemeClr val="tx1"/>
+          </a:fontRef>
+        </p:style>
+      </p:cxnSp>
+      <p:cxnSp>
+        <p:nvCxnSpPr>
+          <p:cNvPr id="21" name="直接箭头连接符 20"/>
+          <p:cNvCxnSpPr>
+            <a:stCxn id="6" idx="0"/>
+            <a:endCxn id="5" idx="2"/>
+          </p:cNvCxnSpPr>
+          <p:nvPr/>
+        </p:nvCxnSpPr>
+        <p:spPr>
+          <a:xfrm flipV="1">
+            <a:off x="1966910" y="2781300"/>
+            <a:ext cx="3648073" cy="962025"/>
+          </a:xfrm>
+          <a:prstGeom prst="straightConnector1">
+            <a:avLst/>
+          </a:prstGeom>
+          <a:ln>
+            <a:tailEnd type="triangle"/>
+          </a:ln>
+        </p:spPr>
+        <p:style>
+          <a:lnRef idx="1">
+            <a:schemeClr val="accent1"/>
+          </a:lnRef>
+          <a:fillRef idx="0">
+            <a:schemeClr val="accent1"/>
+          </a:fillRef>
+          <a:effectRef idx="0">
+            <a:schemeClr val="accent1"/>
+          </a:effectRef>
+          <a:fontRef idx="minor">
+            <a:schemeClr val="tx1"/>
+          </a:fontRef>
+        </p:style>
+      </p:cxnSp>
+      <p:cxnSp>
+        <p:nvCxnSpPr>
+          <p:cNvPr id="23" name="直接箭头连接符 22"/>
+          <p:cNvCxnSpPr>
+            <a:stCxn id="12" idx="0"/>
+            <a:endCxn id="5" idx="2"/>
+          </p:cNvCxnSpPr>
+          <p:nvPr/>
+        </p:nvCxnSpPr>
+        <p:spPr>
+          <a:xfrm flipV="1">
+            <a:off x="4443410" y="2781300"/>
+            <a:ext cx="1171573" cy="962025"/>
+          </a:xfrm>
+          <a:prstGeom prst="straightConnector1">
+            <a:avLst/>
+          </a:prstGeom>
+          <a:ln>
+            <a:tailEnd type="triangle"/>
+          </a:ln>
+        </p:spPr>
+        <p:style>
+          <a:lnRef idx="1">
+            <a:schemeClr val="accent1"/>
+          </a:lnRef>
+          <a:fillRef idx="0">
+            <a:schemeClr val="accent1"/>
+          </a:fillRef>
+          <a:effectRef idx="0">
+            <a:schemeClr val="accent1"/>
+          </a:effectRef>
+          <a:fontRef idx="minor">
+            <a:schemeClr val="tx1"/>
+          </a:fontRef>
+        </p:style>
+      </p:cxnSp>
+      <p:cxnSp>
+        <p:nvCxnSpPr>
+          <p:cNvPr id="25" name="直接箭头连接符 24"/>
+          <p:cNvCxnSpPr>
+            <a:stCxn id="13" idx="0"/>
+            <a:endCxn id="5" idx="2"/>
+          </p:cNvCxnSpPr>
+          <p:nvPr/>
+        </p:nvCxnSpPr>
+        <p:spPr>
+          <a:xfrm flipH="1" flipV="1">
+            <a:off x="5614983" y="2781300"/>
+            <a:ext cx="1304927" cy="962025"/>
+          </a:xfrm>
+          <a:prstGeom prst="straightConnector1">
+            <a:avLst/>
+          </a:prstGeom>
+          <a:ln>
+            <a:tailEnd type="triangle"/>
+          </a:ln>
+        </p:spPr>
+        <p:style>
+          <a:lnRef idx="1">
+            <a:schemeClr val="accent1"/>
+          </a:lnRef>
+          <a:fillRef idx="0">
+            <a:schemeClr val="accent1"/>
+          </a:fillRef>
+          <a:effectRef idx="0">
+            <a:schemeClr val="accent1"/>
+          </a:effectRef>
+          <a:fontRef idx="minor">
+            <a:schemeClr val="tx1"/>
+          </a:fontRef>
+        </p:style>
+      </p:cxnSp>
+      <p:cxnSp>
+        <p:nvCxnSpPr>
+          <p:cNvPr id="27" name="直接箭头连接符 26"/>
+          <p:cNvCxnSpPr>
+            <a:stCxn id="14" idx="0"/>
+            <a:endCxn id="5" idx="2"/>
+          </p:cNvCxnSpPr>
+          <p:nvPr/>
+        </p:nvCxnSpPr>
+        <p:spPr>
+          <a:xfrm flipH="1" flipV="1">
+            <a:off x="5614983" y="2781300"/>
+            <a:ext cx="3486152" cy="962025"/>
+          </a:xfrm>
+          <a:prstGeom prst="straightConnector1">
+            <a:avLst/>
+          </a:prstGeom>
+          <a:ln>
+            <a:tailEnd type="triangle"/>
+          </a:ln>
+        </p:spPr>
+        <p:style>
+          <a:lnRef idx="1">
+            <a:schemeClr val="accent1"/>
+          </a:lnRef>
+          <a:fillRef idx="0">
+            <a:schemeClr val="accent1"/>
+          </a:fillRef>
+          <a:effectRef idx="0">
+            <a:schemeClr val="accent1"/>
+          </a:effectRef>
+          <a:fontRef idx="minor">
+            <a:schemeClr val="tx1"/>
+          </a:fontRef>
+        </p:style>
+      </p:cxnSp>
+      <p:cxnSp>
+        <p:nvCxnSpPr>
+          <p:cNvPr id="29" name="直接箭头连接符 28"/>
+          <p:cNvCxnSpPr>
+            <a:stCxn id="9" idx="0"/>
+            <a:endCxn id="6" idx="2"/>
+          </p:cNvCxnSpPr>
+          <p:nvPr/>
+        </p:nvCxnSpPr>
+        <p:spPr>
+          <a:xfrm flipV="1">
+            <a:off x="757232" y="4381501"/>
+            <a:ext cx="1209678" cy="1152522"/>
+          </a:xfrm>
+          <a:prstGeom prst="straightConnector1">
+            <a:avLst/>
+          </a:prstGeom>
+          <a:ln>
+            <a:tailEnd type="triangle"/>
+          </a:ln>
+        </p:spPr>
+        <p:style>
+          <a:lnRef idx="1">
+            <a:schemeClr val="accent1"/>
+          </a:lnRef>
+          <a:fillRef idx="0">
+            <a:schemeClr val="accent1"/>
+          </a:fillRef>
+          <a:effectRef idx="0">
+            <a:schemeClr val="accent1"/>
+          </a:effectRef>
+          <a:fontRef idx="minor">
+            <a:schemeClr val="tx1"/>
+          </a:fontRef>
+        </p:style>
+      </p:cxnSp>
+      <p:cxnSp>
+        <p:nvCxnSpPr>
+          <p:cNvPr id="31" name="直接箭头连接符 30"/>
+          <p:cNvCxnSpPr>
+            <a:stCxn id="15" idx="0"/>
+            <a:endCxn id="6" idx="2"/>
+          </p:cNvCxnSpPr>
+          <p:nvPr/>
+        </p:nvCxnSpPr>
+        <p:spPr>
+          <a:xfrm flipV="1">
+            <a:off x="1966910" y="4381501"/>
+            <a:ext cx="0" cy="1152522"/>
+          </a:xfrm>
+          <a:prstGeom prst="straightConnector1">
+            <a:avLst/>
+          </a:prstGeom>
+          <a:ln>
+            <a:tailEnd type="triangle"/>
+          </a:ln>
+        </p:spPr>
+        <p:style>
+          <a:lnRef idx="1">
+            <a:schemeClr val="accent1"/>
+          </a:lnRef>
+          <a:fillRef idx="0">
+            <a:schemeClr val="accent1"/>
+          </a:fillRef>
+          <a:effectRef idx="0">
+            <a:schemeClr val="accent1"/>
+          </a:effectRef>
+          <a:fontRef idx="minor">
+            <a:schemeClr val="tx1"/>
+          </a:fontRef>
+        </p:style>
+      </p:cxnSp>
+      <p:cxnSp>
+        <p:nvCxnSpPr>
+          <p:cNvPr id="37" name="直接箭头连接符 36"/>
+          <p:cNvCxnSpPr>
+            <a:stCxn id="16" idx="0"/>
+          </p:cNvCxnSpPr>
+          <p:nvPr/>
+        </p:nvCxnSpPr>
+        <p:spPr>
+          <a:xfrm flipH="1" flipV="1">
+            <a:off x="1966910" y="4381501"/>
+            <a:ext cx="1209678" cy="1152522"/>
+          </a:xfrm>
+          <a:prstGeom prst="straightConnector1">
+            <a:avLst/>
+          </a:prstGeom>
+          <a:ln>
+            <a:tailEnd type="triangle"/>
+          </a:ln>
+        </p:spPr>
+        <p:style>
+          <a:lnRef idx="1">
+            <a:schemeClr val="accent1"/>
+          </a:lnRef>
+          <a:fillRef idx="0">
+            <a:schemeClr val="accent1"/>
+          </a:fillRef>
+          <a:effectRef idx="0">
+            <a:schemeClr val="accent1"/>
+          </a:effectRef>
+          <a:fontRef idx="minor">
+            <a:schemeClr val="tx1"/>
+          </a:fontRef>
+        </p:style>
+      </p:cxnSp>
+      <p:cxnSp>
+        <p:nvCxnSpPr>
+          <p:cNvPr id="39" name="直接箭头连接符 38"/>
+          <p:cNvCxnSpPr>
+            <a:stCxn id="17" idx="0"/>
+            <a:endCxn id="6" idx="2"/>
+          </p:cNvCxnSpPr>
+          <p:nvPr/>
+        </p:nvCxnSpPr>
+        <p:spPr>
+          <a:xfrm flipH="1" flipV="1">
+            <a:off x="1966910" y="4381501"/>
+            <a:ext cx="2295524" cy="1185858"/>
+          </a:xfrm>
+          <a:prstGeom prst="straightConnector1">
+            <a:avLst/>
+          </a:prstGeom>
+          <a:ln>
+            <a:tailEnd type="triangle"/>
+          </a:ln>
+        </p:spPr>
+        <p:style>
+          <a:lnRef idx="1">
+            <a:schemeClr val="accent1"/>
+          </a:lnRef>
+          <a:fillRef idx="0">
+            <a:schemeClr val="accent1"/>
+          </a:fillRef>
+          <a:effectRef idx="0">
+            <a:schemeClr val="accent1"/>
+          </a:effectRef>
+          <a:fontRef idx="minor">
+            <a:schemeClr val="tx1"/>
+          </a:fontRef>
+        </p:style>
+      </p:cxnSp>
+    </p:spTree>
+    <p:extLst>
+      <p:ext uri="{BB962C8B-B14F-4D97-AF65-F5344CB8AC3E}">
+        <p14:creationId xmlns:p14="http://schemas.microsoft.com/office/powerpoint/2010/main" val="972692648"/>
+      </p:ext>
+    </p:extLst>
+  </p:cSld>
+  <p:clrMapOvr>
+    <a:masterClrMapping/>
+  </p:clrMapOvr>
+</p:sld>
+</file>
+
+<file path=ppt/slides/slide31.xml><?xml version="1.0" encoding="utf-8"?>
+<p:sld xmlns:a="http://schemas.openxmlformats.org/drawingml/2006/main" xmlns:r="http://schemas.openxmlformats.org/officeDocument/2006/relationships" xmlns:p="http://schemas.openxmlformats.org/presentationml/2006/main">
+  <p:cSld>
+    <p:spTree>
+      <p:nvGrpSpPr>
+        <p:cNvPr id="1" name=""/>
+        <p:cNvGrpSpPr/>
+        <p:nvPr/>
+      </p:nvGrpSpPr>
+      <p:grpSpPr>
+        <a:xfrm>
+          <a:off x="0" y="0"/>
+          <a:ext cx="0" cy="0"/>
+          <a:chOff x="0" y="0"/>
+          <a:chExt cx="0" cy="0"/>
+        </a:xfrm>
+      </p:grpSpPr>
+      <p:sp>
+        <p:nvSpPr>
+          <p:cNvPr id="22" name="内容占位符 2"/>
+          <p:cNvSpPr txBox="1">
+            <a:spLocks/>
+          </p:cNvSpPr>
+          <p:nvPr/>
+        </p:nvSpPr>
+        <p:spPr>
+          <a:xfrm>
+            <a:off x="647700" y="1110481"/>
+            <a:ext cx="10515600" cy="5747519"/>
+          </a:xfrm>
+          <a:prstGeom prst="rect">
+            <a:avLst/>
+          </a:prstGeom>
+        </p:spPr>
+        <p:txBody>
+          <a:bodyPr vert="horz" lIns="101600" tIns="38100" rIns="76200" bIns="38100" rtlCol="0">
+            <a:normAutofit/>
+          </a:bodyPr>
+          <a:lstStyle>
+            <a:lvl1pPr marL="0" indent="0" algn="l" defTabSz="914400" rtl="0" eaLnBrk="1" fontAlgn="auto" latinLnBrk="0" hangingPunct="1">
+              <a:lnSpc>
+                <a:spcPct val="130000"/>
+              </a:lnSpc>
+              <a:spcBef>
+                <a:spcPts val="0"/>
+              </a:spcBef>
+              <a:spcAft>
+                <a:spcPts val="1000"/>
+              </a:spcAft>
+              <a:buFont typeface="Arial" panose="020B0604020202020204" pitchFamily="34" charset="0"/>
+              <a:buNone/>
+              <a:defRPr kumimoji="0" lang="zh-CN" altLang="en-US" sz="1600" b="0" i="0" u="none" strike="noStrike" kern="1200" cap="none" spc="150" normalizeH="0" baseline="0" noProof="1">
+                <a:solidFill>
+                  <a:schemeClr val="tx1"/>
+                </a:solidFill>
+                <a:uFillTx/>
+                <a:latin typeface="+mn-lt"/>
+                <a:ea typeface="+mn-ea"/>
+                <a:cs typeface="+mn-cs"/>
+                <a:sym typeface="+mn-ea"/>
+              </a:defRPr>
+            </a:lvl1pPr>
+            <a:lvl2pPr marL="457200" indent="0" algn="l" defTabSz="914400" rtl="0" eaLnBrk="1" fontAlgn="auto" latinLnBrk="0" hangingPunct="1">
+              <a:lnSpc>
+                <a:spcPct val="130000"/>
+              </a:lnSpc>
+              <a:spcBef>
+                <a:spcPts val="0"/>
+              </a:spcBef>
+              <a:spcAft>
+                <a:spcPts val="1000"/>
+              </a:spcAft>
+              <a:buFont typeface="Arial" panose="020B0604020202020204" pitchFamily="34" charset="0"/>
+              <a:buNone/>
+              <a:tabLst>
+                <a:tab pos="1609725" algn="l"/>
+              </a:tabLst>
+              <a:defRPr sz="2000" u="none" strike="noStrike" kern="1200" cap="none" spc="150" normalizeH="0" baseline="0">
+                <a:solidFill>
+                  <a:schemeClr val="tx1">
+                    <a:tint val="75000"/>
+                  </a:schemeClr>
+                </a:solidFill>
+                <a:uFillTx/>
+                <a:latin typeface="+mn-lt"/>
+                <a:ea typeface="+mn-ea"/>
+                <a:cs typeface="+mn-cs"/>
+              </a:defRPr>
+            </a:lvl2pPr>
+            <a:lvl3pPr marL="914400" indent="0" algn="l" defTabSz="914400" rtl="0" eaLnBrk="1" fontAlgn="auto" latinLnBrk="0" hangingPunct="1">
+              <a:lnSpc>
+                <a:spcPct val="130000"/>
+              </a:lnSpc>
+              <a:spcBef>
+                <a:spcPts val="0"/>
+              </a:spcBef>
+              <a:spcAft>
+                <a:spcPts val="1000"/>
+              </a:spcAft>
+              <a:buFont typeface="Arial" panose="020B0604020202020204" pitchFamily="34" charset="0"/>
+              <a:buNone/>
+              <a:defRPr sz="1800" u="none" strike="noStrike" kern="1200" cap="none" spc="150" normalizeH="0" baseline="0">
+                <a:solidFill>
+                  <a:schemeClr val="tx1">
+                    <a:tint val="75000"/>
+                  </a:schemeClr>
+                </a:solidFill>
+                <a:uFillTx/>
+                <a:latin typeface="+mn-lt"/>
+                <a:ea typeface="+mn-ea"/>
+                <a:cs typeface="+mn-cs"/>
+              </a:defRPr>
+            </a:lvl3pPr>
+            <a:lvl4pPr marL="1371600" indent="0" algn="l" defTabSz="914400" rtl="0" eaLnBrk="1" fontAlgn="auto" latinLnBrk="0" hangingPunct="1">
+              <a:lnSpc>
+                <a:spcPct val="130000"/>
+              </a:lnSpc>
+              <a:spcBef>
+                <a:spcPts val="0"/>
+              </a:spcBef>
+              <a:spcAft>
+                <a:spcPts val="1000"/>
+              </a:spcAft>
+              <a:buFont typeface="Arial" panose="020B0604020202020204" pitchFamily="34" charset="0"/>
+              <a:buNone/>
+              <a:defRPr sz="1600" u="none" strike="noStrike" kern="1200" cap="none" spc="150" normalizeH="0" baseline="0">
+                <a:solidFill>
+                  <a:schemeClr val="tx1">
+                    <a:tint val="75000"/>
+                  </a:schemeClr>
+                </a:solidFill>
+                <a:uFillTx/>
+                <a:latin typeface="+mn-lt"/>
+                <a:ea typeface="+mn-ea"/>
+                <a:cs typeface="+mn-cs"/>
+              </a:defRPr>
+            </a:lvl4pPr>
+            <a:lvl5pPr marL="1828800" indent="0" algn="l" defTabSz="914400" rtl="0" eaLnBrk="1" fontAlgn="auto" latinLnBrk="0" hangingPunct="1">
+              <a:lnSpc>
+                <a:spcPct val="130000"/>
+              </a:lnSpc>
+              <a:spcBef>
+                <a:spcPts val="0"/>
+              </a:spcBef>
+              <a:spcAft>
+                <a:spcPts val="1000"/>
+              </a:spcAft>
+              <a:buFont typeface="Arial" panose="020B0604020202020204" pitchFamily="34" charset="0"/>
+              <a:buNone/>
+              <a:defRPr sz="1600" u="none" strike="noStrike" kern="1200" cap="none" spc="150" normalizeH="0" baseline="0">
+                <a:solidFill>
+                  <a:schemeClr val="tx1">
+                    <a:tint val="75000"/>
+                  </a:schemeClr>
+                </a:solidFill>
+                <a:uFillTx/>
+                <a:latin typeface="+mn-lt"/>
+                <a:ea typeface="+mn-ea"/>
+                <a:cs typeface="+mn-cs"/>
+              </a:defRPr>
+            </a:lvl5pPr>
+            <a:lvl6pPr marL="2286000" indent="0" algn="l" defTabSz="914400" rtl="0" eaLnBrk="1" latinLnBrk="0" hangingPunct="1">
+              <a:lnSpc>
+                <a:spcPct val="90000"/>
+              </a:lnSpc>
+              <a:spcBef>
+                <a:spcPts val="500"/>
+              </a:spcBef>
+              <a:buFont typeface="Arial" panose="020B0604020202020204" pitchFamily="34" charset="0"/>
+              <a:buNone/>
+              <a:defRPr sz="1600" kern="1200">
+                <a:solidFill>
+                  <a:schemeClr val="tx1">
+                    <a:tint val="75000"/>
+                  </a:schemeClr>
+                </a:solidFill>
+                <a:latin typeface="+mn-lt"/>
+                <a:ea typeface="+mn-ea"/>
+                <a:cs typeface="+mn-cs"/>
+              </a:defRPr>
+            </a:lvl6pPr>
+            <a:lvl7pPr marL="2743200" indent="0" algn="l" defTabSz="914400" rtl="0" eaLnBrk="1" latinLnBrk="0" hangingPunct="1">
+              <a:lnSpc>
+                <a:spcPct val="90000"/>
+              </a:lnSpc>
+              <a:spcBef>
+                <a:spcPts val="500"/>
+              </a:spcBef>
+              <a:buFont typeface="Arial" panose="020B0604020202020204" pitchFamily="34" charset="0"/>
+              <a:buNone/>
+              <a:defRPr sz="1600" kern="1200">
+                <a:solidFill>
+                  <a:schemeClr val="tx1">
+                    <a:tint val="75000"/>
+                  </a:schemeClr>
+                </a:solidFill>
+                <a:latin typeface="+mn-lt"/>
+                <a:ea typeface="+mn-ea"/>
+                <a:cs typeface="+mn-cs"/>
+              </a:defRPr>
+            </a:lvl7pPr>
+            <a:lvl8pPr marL="3200400" indent="0" algn="l" defTabSz="914400" rtl="0" eaLnBrk="1" latinLnBrk="0" hangingPunct="1">
+              <a:lnSpc>
+                <a:spcPct val="90000"/>
+              </a:lnSpc>
+              <a:spcBef>
+                <a:spcPts val="500"/>
+              </a:spcBef>
+              <a:buFont typeface="Arial" panose="020B0604020202020204" pitchFamily="34" charset="0"/>
+              <a:buNone/>
+              <a:defRPr sz="1600" kern="1200">
+                <a:solidFill>
+                  <a:schemeClr val="tx1">
+                    <a:tint val="75000"/>
+                  </a:schemeClr>
+                </a:solidFill>
+                <a:latin typeface="+mn-lt"/>
+                <a:ea typeface="+mn-ea"/>
+                <a:cs typeface="+mn-cs"/>
+              </a:defRPr>
+            </a:lvl8pPr>
+            <a:lvl9pPr marL="3657600" indent="0" algn="l" defTabSz="914400" rtl="0" eaLnBrk="1" latinLnBrk="0" hangingPunct="1">
+              <a:lnSpc>
+                <a:spcPct val="90000"/>
+              </a:lnSpc>
+              <a:spcBef>
+                <a:spcPts val="500"/>
+              </a:spcBef>
+              <a:buFont typeface="Arial" panose="020B0604020202020204" pitchFamily="34" charset="0"/>
+              <a:buNone/>
+              <a:defRPr sz="1600" kern="1200">
+                <a:solidFill>
+                  <a:schemeClr val="tx1">
+                    <a:tint val="75000"/>
+                  </a:schemeClr>
+                </a:solidFill>
+                <a:latin typeface="+mn-lt"/>
+                <a:ea typeface="+mn-ea"/>
+                <a:cs typeface="+mn-cs"/>
+              </a:defRPr>
+            </a:lvl9pPr>
+          </a:lstStyle>
+          <a:p>
+            <a:pPr lvl="1"/>
+            <a:endParaRPr lang="en-US" altLang="zh-CN" dirty="0" smtClean="0"/>
+          </a:p>
+        </p:txBody>
+      </p:sp>
+      <p:sp>
+        <p:nvSpPr>
+          <p:cNvPr id="24" name="文本框 23"/>
+          <p:cNvSpPr txBox="1"/>
+          <p:nvPr>
+            <p:custDataLst>
+              <p:tags r:id="rId1"/>
+            </p:custDataLst>
+          </p:nvPr>
+        </p:nvSpPr>
+        <p:spPr>
+          <a:xfrm>
+            <a:off x="669600" y="462480"/>
+            <a:ext cx="10854000" cy="648000"/>
+          </a:xfrm>
+          <a:prstGeom prst="rect">
+            <a:avLst/>
+          </a:prstGeom>
+        </p:spPr>
+        <p:txBody>
+          <a:bodyPr vert="horz" lIns="101600" tIns="38100" rIns="76200" bIns="38100" rtlCol="0" anchor="ctr" anchorCtr="0">
+            <a:noAutofit/>
+          </a:bodyPr>
+          <a:lstStyle>
+            <a:defPPr>
+              <a:defRPr lang="zh-CN"/>
+            </a:defPPr>
+            <a:lvl1pPr marR="0" fontAlgn="auto">
+              <a:lnSpc>
+                <a:spcPct val="100000"/>
+              </a:lnSpc>
+              <a:spcBef>
+                <a:spcPct val="0"/>
+              </a:spcBef>
+              <a:buNone/>
+              <a:defRPr kumimoji="0" lang="zh-CN" altLang="en-US" sz="2800" b="1" i="0" u="none" strike="noStrike" cap="none" spc="200" normalizeH="0" baseline="0" noProof="1" dirty="0">
+                <a:uFillTx/>
+                <a:latin typeface="+mj-lt"/>
+                <a:ea typeface="+mj-ea"/>
+                <a:cs typeface="+mj-cs"/>
+                <a:sym typeface="+mn-ea"/>
+              </a:defRPr>
+            </a:lvl1pPr>
+          </a:lstStyle>
+          <a:p>
+            <a:r>
+              <a:rPr lang="zh-CN" altLang="en-US"/>
+              <a:t>运</a:t>
+            </a:r>
+            <a:r>
+              <a:rPr lang="zh-CN" altLang="en-US" smtClean="0"/>
+              <a:t>维配置的优化</a:t>
+            </a:r>
+            <a:endParaRPr dirty="0">
+              <a:sym typeface="+mn-ea"/>
+            </a:endParaRPr>
+          </a:p>
+        </p:txBody>
+      </p:sp>
+    </p:spTree>
+    <p:extLst>
+      <p:ext uri="{BB962C8B-B14F-4D97-AF65-F5344CB8AC3E}">
+        <p14:creationId xmlns:p14="http://schemas.microsoft.com/office/powerpoint/2010/main" val="1844390049"/>
+      </p:ext>
+    </p:extLst>
+  </p:cSld>
+  <p:clrMapOvr>
+    <a:masterClrMapping/>
+  </p:clrMapOvr>
+</p:sld>
+</file>
+
+<file path=ppt/slides/slide32.xml><?xml version="1.0" encoding="utf-8"?>
 <p:sld xmlns:a="http://schemas.openxmlformats.org/drawingml/2006/main" xmlns:r="http://schemas.openxmlformats.org/officeDocument/2006/relationships" xmlns:p="http://schemas.openxmlformats.org/presentationml/2006/main">
   <p:cSld>
     <p:spTree>
@@ -19291,6 +20452,31 @@
 
 <file path=ppt/tags/tag147.xml><?xml version="1.0" encoding="utf-8"?>
 <p:tagLst xmlns:a="http://schemas.openxmlformats.org/drawingml/2006/main" xmlns:r="http://schemas.openxmlformats.org/officeDocument/2006/relationships" xmlns:p="http://schemas.openxmlformats.org/presentationml/2006/main">
+  <p:tag name="KSO_WM_UNIT_ISCONTENTSTITLE" val="0"/>
+  <p:tag name="KSO_WM_UNIT_PRESET_TEXT" val="单击此处添加标题"/>
+  <p:tag name="KSO_WM_UNIT_NOCLEAR" val="0"/>
+  <p:tag name="KSO_WM_UNIT_VALUE" val="14"/>
+  <p:tag name="KSO_WM_UNIT_HIGHLIGHT" val="0"/>
+  <p:tag name="KSO_WM_UNIT_COMPATIBLE" val="0"/>
+  <p:tag name="KSO_WM_UNIT_DIAGRAM_ISNUMVISUAL" val="0"/>
+  <p:tag name="KSO_WM_UNIT_DIAGRAM_ISREFERUNIT" val="0"/>
+  <p:tag name="KSO_WM_DIAGRAM_GROUP_CODE" val="m1-2"/>
+  <p:tag name="KSO_WM_UNIT_TYPE" val="a"/>
+  <p:tag name="KSO_WM_UNIT_INDEX" val="1"/>
+  <p:tag name="KSO_WM_UNIT_ID" val="custom20187308_7*a*1"/>
+  <p:tag name="KSO_WM_TEMPLATE_CATEGORY" val="custom"/>
+  <p:tag name="KSO_WM_TEMPLATE_INDEX" val="20187308"/>
+  <p:tag name="KSO_WM_UNIT_LAYERLEVEL" val="1"/>
+  <p:tag name="KSO_WM_TAG_VERSION" val="1.0"/>
+  <p:tag name="KSO_WM_BEAUTIFY_FLAG" val="#wm#"/>
+  <p:tag name="KSO_WM_UNIT_TEXT_FILL_FORE_SCHEMECOLOR_INDEX" val="13"/>
+  <p:tag name="KSO_WM_UNIT_TEXT_FILL_TYPE" val="1"/>
+  <p:tag name="KSO_WM_UNIT_USESOURCEFORMAT_APPLY" val="1"/>
+</p:tagLst>
+</file>
+
+<file path=ppt/tags/tag148.xml><?xml version="1.0" encoding="utf-8"?>
+<p:tagLst xmlns:a="http://schemas.openxmlformats.org/drawingml/2006/main" xmlns:r="http://schemas.openxmlformats.org/officeDocument/2006/relationships" xmlns:p="http://schemas.openxmlformats.org/presentationml/2006/main">
   <p:tag name="KSO_WM_SLIDE_ID" val="custom20187308_15"/>
   <p:tag name="KSO_WM_TEMPLATE_SUBCATEGORY" val="0"/>
   <p:tag name="KSO_WM_SLIDE_TYPE" val="endPage"/>
@@ -19306,7 +20492,7 @@
 </p:tagLst>
 </file>
 
-<file path=ppt/tags/tag148.xml><?xml version="1.0" encoding="utf-8"?>
+<file path=ppt/tags/tag149.xml><?xml version="1.0" encoding="utf-8"?>
 <p:tagLst xmlns:a="http://schemas.openxmlformats.org/drawingml/2006/main" xmlns:r="http://schemas.openxmlformats.org/officeDocument/2006/relationships" xmlns:p="http://schemas.openxmlformats.org/presentationml/2006/main">
   <p:tag name="KSO_WM_UNIT_ISCONTENTSTITLE" val="0"/>
   <p:tag name="KSO_WM_UNIT_PRESET_TEXT" val="谢谢观看"/>

--- a/_doc/KFrame.pptx
+++ b/_doc/KFrame.pptx
@@ -8464,7 +8464,23 @@
           <a:p>
             <a:r>
               <a:rPr lang="zh-CN" altLang="en-US" dirty="0"/>
-              <a:t>一套全新的游戏服务器解决方案</a:t>
+              <a:t>一</a:t>
+            </a:r>
+            <a:r>
+              <a:rPr lang="zh-CN" altLang="en-US" dirty="0" smtClean="0"/>
+              <a:t>套基于</a:t>
+            </a:r>
+            <a:r>
+              <a:rPr lang="en-US" altLang="zh-CN" dirty="0" smtClean="0"/>
+              <a:t>C++</a:t>
+            </a:r>
+            <a:r>
+              <a:rPr lang="zh-CN" altLang="en-US" dirty="0" smtClean="0"/>
+              <a:t>的游戏</a:t>
+            </a:r>
+            <a:r>
+              <a:rPr lang="zh-CN" altLang="en-US" dirty="0"/>
+              <a:t>服务器解决方案</a:t>
             </a:r>
             <a:br>
               <a:rPr lang="zh-CN" altLang="en-US" dirty="0"/>
@@ -8659,8 +8675,9 @@
             <a:r>
               <a:rPr lang="en-US" altLang="zh-CN" sz="7200" b="1" dirty="0" err="1" smtClean="0">
                 <a:solidFill>
-                  <a:schemeClr val="bg1">
-                    <a:lumMod val="85000"/>
+                  <a:schemeClr val="tx1">
+                    <a:lumMod val="65000"/>
+                    <a:lumOff val="35000"/>
                   </a:schemeClr>
                 </a:solidFill>
               </a:rPr>
@@ -8668,8 +8685,9 @@
             </a:r>
             <a:endParaRPr lang="zh-CN" altLang="en-US" sz="7200" b="1" dirty="0">
               <a:solidFill>
-                <a:schemeClr val="bg1">
-                  <a:lumMod val="85000"/>
+                <a:schemeClr val="tx1">
+                  <a:lumMod val="65000"/>
+                  <a:lumOff val="35000"/>
                 </a:schemeClr>
               </a:solidFill>
             </a:endParaRPr>
@@ -11534,8 +11552,8 @@
               <a:t>, </a:t>
             </a:r>
             <a:r>
-              <a:rPr lang="zh-CN" altLang="en-US" spc="120" dirty="0" smtClean="0"/>
-              <a:t>工会</a:t>
+              <a:rPr lang="zh-CN" altLang="en-US" spc="120" dirty="0"/>
+              <a:t>公会</a:t>
             </a:r>
             <a:r>
               <a:rPr lang="en-US" altLang="zh-CN" spc="120" dirty="0" smtClean="0"/>
@@ -12487,114 +12505,11 @@
       </p:sp>
       <p:sp>
         <p:nvSpPr>
-          <p:cNvPr id="17" name="文本框 16"/>
+          <p:cNvPr id="18" name="文本框 17"/>
           <p:cNvSpPr txBox="1"/>
           <p:nvPr>
             <p:custDataLst>
               <p:tags r:id="rId15"/>
-            </p:custDataLst>
-          </p:nvPr>
-        </p:nvSpPr>
-        <p:spPr>
-          <a:xfrm>
-            <a:off x="4869691" y="4993955"/>
-            <a:ext cx="6443856" cy="477054"/>
-          </a:xfrm>
-          <a:prstGeom prst="rect">
-            <a:avLst/>
-          </a:prstGeom>
-          <a:noFill/>
-        </p:spPr>
-        <p:txBody>
-          <a:bodyPr wrap="square" rtlCol="0">
-            <a:spAutoFit/>
-          </a:bodyPr>
-          <a:lstStyle/>
-          <a:p>
-            <a:pPr>
-              <a:lnSpc>
-                <a:spcPct val="130000"/>
-              </a:lnSpc>
-            </a:pPr>
-            <a:r>
-              <a:rPr lang="en-US" altLang="zh-CN" sz="2000" dirty="0" smtClean="0">
-                <a:solidFill>
-                  <a:srgbClr val="7F7F7F"/>
-                </a:solidFill>
-                <a:sym typeface="+mn-ea"/>
-              </a:rPr>
-              <a:t>Which</a:t>
-            </a:r>
-            <a:r>
-              <a:rPr lang="en-US" altLang="zh-CN" sz="2000" dirty="0">
-                <a:solidFill>
-                  <a:srgbClr val="7F7F7F"/>
-                </a:solidFill>
-                <a:sym typeface="+mn-ea"/>
-              </a:rPr>
-              <a:t>	</a:t>
-            </a:r>
-            <a:r>
-              <a:rPr lang="zh-CN" altLang="en-US" sz="2000" dirty="0" smtClean="0">
-                <a:solidFill>
-                  <a:srgbClr val="7F7F7F"/>
-                </a:solidFill>
-                <a:sym typeface="+mn-ea"/>
-              </a:rPr>
-              <a:t>：</a:t>
-            </a:r>
-            <a:r>
-              <a:rPr lang="en-US" altLang="zh-CN" sz="2000" spc="120" dirty="0" err="1" smtClean="0">
-                <a:solidFill>
-                  <a:srgbClr val="7F7F7F"/>
-                </a:solidFill>
-                <a:sym typeface="+mn-ea"/>
-              </a:rPr>
-              <a:t>Redis</a:t>
-            </a:r>
-            <a:r>
-              <a:rPr lang="zh-CN" altLang="en-US" sz="2000" spc="120" dirty="0" smtClean="0">
-                <a:solidFill>
-                  <a:srgbClr val="7F7F7F"/>
-                </a:solidFill>
-                <a:sym typeface="+mn-ea"/>
-              </a:rPr>
-              <a:t>与</a:t>
-            </a:r>
-            <a:r>
-              <a:rPr lang="en-US" altLang="zh-CN" sz="2000" spc="120" dirty="0" err="1" smtClean="0">
-                <a:solidFill>
-                  <a:srgbClr val="7F7F7F"/>
-                </a:solidFill>
-                <a:sym typeface="+mn-ea"/>
-              </a:rPr>
-              <a:t>Memcached</a:t>
-            </a:r>
-            <a:r>
-              <a:rPr lang="zh-CN" altLang="en-US" sz="2000" spc="120" dirty="0" smtClean="0">
-                <a:solidFill>
-                  <a:srgbClr val="7F7F7F"/>
-                </a:solidFill>
-                <a:sym typeface="+mn-ea"/>
-              </a:rPr>
-              <a:t>等如何选择</a:t>
-            </a:r>
-            <a:endParaRPr lang="zh-CN" altLang="en-US" sz="2000" spc="120" dirty="0">
-              <a:solidFill>
-                <a:srgbClr val="7F7F7F"/>
-              </a:solidFill>
-              <a:sym typeface="+mn-ea"/>
-            </a:endParaRPr>
-          </a:p>
-        </p:txBody>
-      </p:sp>
-      <p:sp>
-        <p:nvSpPr>
-          <p:cNvPr id="18" name="文本框 17"/>
-          <p:cNvSpPr txBox="1"/>
-          <p:nvPr>
-            <p:custDataLst>
-              <p:tags r:id="rId16"/>
             </p:custDataLst>
           </p:nvPr>
         </p:nvSpPr>
@@ -12645,96 +12560,11 @@
       </p:sp>
       <p:sp>
         <p:nvSpPr>
-          <p:cNvPr id="19" name="文本框 18"/>
-          <p:cNvSpPr txBox="1"/>
-          <p:nvPr>
-            <p:custDataLst>
-              <p:tags r:id="rId17"/>
-            </p:custDataLst>
-          </p:nvPr>
-        </p:nvSpPr>
-        <p:spPr>
-          <a:xfrm>
-            <a:off x="4869691" y="5795574"/>
-            <a:ext cx="6443856" cy="477054"/>
-          </a:xfrm>
-          <a:prstGeom prst="rect">
-            <a:avLst/>
-          </a:prstGeom>
-          <a:noFill/>
-        </p:spPr>
-        <p:txBody>
-          <a:bodyPr wrap="square" rtlCol="0">
-            <a:spAutoFit/>
-          </a:bodyPr>
-          <a:lstStyle/>
-          <a:p>
-            <a:pPr>
-              <a:lnSpc>
-                <a:spcPct val="130000"/>
-              </a:lnSpc>
-            </a:pPr>
-            <a:r>
-              <a:rPr lang="zh-CN" altLang="zh-CN" sz="2000" dirty="0" smtClean="0">
-                <a:solidFill>
-                  <a:srgbClr val="7F7F7F"/>
-                </a:solidFill>
-                <a:sym typeface="+mn-ea"/>
-              </a:rPr>
-              <a:t>H</a:t>
-            </a:r>
-            <a:r>
-              <a:rPr lang="en-US" altLang="zh-CN" sz="2000" dirty="0" err="1" smtClean="0">
-                <a:solidFill>
-                  <a:srgbClr val="7F7F7F"/>
-                </a:solidFill>
-                <a:sym typeface="+mn-ea"/>
-              </a:rPr>
-              <a:t>ow</a:t>
-            </a:r>
-            <a:r>
-              <a:rPr lang="en-US" altLang="zh-CN" sz="2000" dirty="0" smtClean="0">
-                <a:solidFill>
-                  <a:srgbClr val="7F7F7F"/>
-                </a:solidFill>
-                <a:sym typeface="+mn-ea"/>
-              </a:rPr>
-              <a:t> Much</a:t>
-            </a:r>
-            <a:r>
-              <a:rPr lang="zh-CN" altLang="en-US" sz="2000" dirty="0" smtClean="0">
-                <a:solidFill>
-                  <a:srgbClr val="7F7F7F"/>
-                </a:solidFill>
-                <a:sym typeface="+mn-ea"/>
-              </a:rPr>
-              <a:t>：</a:t>
-            </a:r>
-            <a:r>
-              <a:rPr lang="zh-CN" altLang="en-US" sz="2000" spc="120" dirty="0" smtClean="0">
-                <a:solidFill>
-                  <a:srgbClr val="7F7F7F"/>
-                </a:solidFill>
-                <a:sym typeface="+mn-ea"/>
-              </a:rPr>
-              <a:t>我们付出了哪些代价</a:t>
-            </a:r>
-            <a:endParaRPr lang="zh-CN" altLang="en-US" sz="2000" spc="120" dirty="0">
-              <a:solidFill>
-                <a:srgbClr val="7F7F7F"/>
-              </a:solidFill>
-              <a:sym typeface="+mn-ea"/>
-            </a:endParaRPr>
-          </a:p>
-        </p:txBody>
-      </p:sp>
-      <p:sp>
-        <p:nvSpPr>
           <p:cNvPr id="20" name="文本框 19"/>
           <p:cNvSpPr txBox="1"/>
           <p:nvPr>
             <p:custDataLst>
-              <p:tags r:id="rId18"/>
+              <p:tags r:id="rId16"/>
             </p:custDataLst>
           </p:nvPr>
         </p:nvSpPr>
@@ -13422,41 +13252,6 @@
                                   </p:childTnLst>
                                 </p:cTn>
                               </p:par>
-                              <p:par>
-                                <p:cTn id="50" presetID="8" presetClass="entr" presetSubtype="16" fill="hold" grpId="0" nodeType="withEffect">
-                                  <p:stCondLst>
-                                    <p:cond delay="0"/>
-                                  </p:stCondLst>
-                                  <p:childTnLst>
-                                    <p:set>
-                                      <p:cBhvr>
-                                        <p:cTn id="51" dur="1" fill="hold">
-                                          <p:stCondLst>
-                                            <p:cond delay="0"/>
-                                          </p:stCondLst>
-                                        </p:cTn>
-                                        <p:tgtEl>
-                                          <p:spTgt spid="17"/>
-                                        </p:tgtEl>
-                                        <p:attrNameLst>
-                                          <p:attrName>style.visibility</p:attrName>
-                                        </p:attrNameLst>
-                                      </p:cBhvr>
-                                      <p:to>
-                                        <p:strVal val="visible"/>
-                                      </p:to>
-                                    </p:set>
-                                    <p:animEffect transition="in" filter="diamond(in)">
-                                      <p:cBhvr>
-                                        <p:cTn id="52" dur="2000"/>
-                                        <p:tgtEl>
-                                          <p:spTgt spid="17"/>
-                                        </p:tgtEl>
-                                      </p:cBhvr>
-                                    </p:animEffect>
-                                  </p:childTnLst>
-                                </p:cTn>
-                              </p:par>
                             </p:childTnLst>
                           </p:cTn>
                         </p:par>
@@ -13464,26 +13259,26 @@
                     </p:cTn>
                   </p:par>
                   <p:par>
-                    <p:cTn id="53" fill="hold">
+                    <p:cTn id="50" fill="hold">
                       <p:stCondLst>
                         <p:cond delay="indefinite"/>
                       </p:stCondLst>
                       <p:childTnLst>
                         <p:par>
-                          <p:cTn id="54" fill="hold">
+                          <p:cTn id="51" fill="hold">
                             <p:stCondLst>
                               <p:cond delay="0"/>
                             </p:stCondLst>
                             <p:childTnLst>
                               <p:par>
-                                <p:cTn id="55" presetID="8" presetClass="entr" presetSubtype="16" fill="hold" grpId="0" nodeType="clickEffect">
+                                <p:cTn id="52" presetID="8" presetClass="entr" presetSubtype="16" fill="hold" grpId="0" nodeType="clickEffect">
                                   <p:stCondLst>
                                     <p:cond delay="0"/>
                                   </p:stCondLst>
                                   <p:childTnLst>
                                     <p:set>
                                       <p:cBhvr>
-                                        <p:cTn id="56" dur="1" fill="hold">
+                                        <p:cTn id="53" dur="1" fill="hold">
                                           <p:stCondLst>
                                             <p:cond delay="0"/>
                                           </p:stCondLst>
@@ -13501,44 +13296,9 @@
                                     </p:set>
                                     <p:animEffect transition="in" filter="diamond(in)">
                                       <p:cBhvr>
-                                        <p:cTn id="57" dur="2000"/>
+                                        <p:cTn id="54" dur="2000"/>
                                         <p:tgtEl>
                                           <p:spTgt spid="20"/>
-                                        </p:tgtEl>
-                                      </p:cBhvr>
-                                    </p:animEffect>
-                                  </p:childTnLst>
-                                </p:cTn>
-                              </p:par>
-                              <p:par>
-                                <p:cTn id="58" presetID="8" presetClass="entr" presetSubtype="16" fill="hold" grpId="0" nodeType="withEffect">
-                                  <p:stCondLst>
-                                    <p:cond delay="0"/>
-                                  </p:stCondLst>
-                                  <p:childTnLst>
-                                    <p:set>
-                                      <p:cBhvr>
-                                        <p:cTn id="59" dur="1" fill="hold">
-                                          <p:stCondLst>
-                                            <p:cond delay="0"/>
-                                          </p:stCondLst>
-                                        </p:cTn>
-                                        <p:tgtEl>
-                                          <p:spTgt spid="19"/>
-                                        </p:tgtEl>
-                                        <p:attrNameLst>
-                                          <p:attrName>style.visibility</p:attrName>
-                                        </p:attrNameLst>
-                                      </p:cBhvr>
-                                      <p:to>
-                                        <p:strVal val="visible"/>
-                                      </p:to>
-                                    </p:set>
-                                    <p:animEffect transition="in" filter="diamond(in)">
-                                      <p:cBhvr>
-                                        <p:cTn id="60" dur="2000"/>
-                                        <p:tgtEl>
-                                          <p:spTgt spid="19"/>
                                         </p:tgtEl>
                                       </p:cBhvr>
                                     </p:animEffect>
@@ -13593,12 +13353,8 @@
       <p:bldP spid="15" grpId="1"/>
       <p:bldP spid="16" grpId="0"/>
       <p:bldP spid="16" grpId="1"/>
-      <p:bldP spid="17" grpId="0"/>
-      <p:bldP spid="17" grpId="1"/>
       <p:bldP spid="18" grpId="0"/>
       <p:bldP spid="18" grpId="1"/>
-      <p:bldP spid="19" grpId="0"/>
-      <p:bldP spid="19" grpId="1"/>
       <p:bldP spid="20" grpId="0"/>
       <p:bldP spid="20" grpId="1"/>
     </p:bldLst>
@@ -14013,7 +13769,7 @@
             </a:pPr>
             <a:r>
               <a:rPr lang="zh-CN" altLang="en-US" dirty="0" smtClean="0"/>
-              <a:t>同步给工会</a:t>
+              <a:t>同步给公会</a:t>
             </a:r>
             <a:endParaRPr lang="en-US" altLang="zh-CN" dirty="0" smtClean="0"/>
           </a:p>
@@ -17548,6 +17304,177 @@
             <a:pPr lvl="1"/>
             <a:endParaRPr lang="en-US" altLang="zh-CN" dirty="0" smtClean="0"/>
           </a:p>
+          <a:p>
+            <a:pPr marL="800100" lvl="1" indent="-342900">
+              <a:buFont typeface="Arial" panose="020B0604020202020204" pitchFamily="34" charset="0"/>
+              <a:buChar char="•"/>
+            </a:pPr>
+            <a:r>
+              <a:rPr lang="zh-CN" altLang="en-US" dirty="0" smtClean="0">
+                <a:solidFill>
+                  <a:schemeClr val="tx1">
+                    <a:lumMod val="65000"/>
+                    <a:lumOff val="35000"/>
+                  </a:schemeClr>
+                </a:solidFill>
+                <a:latin typeface="+mn-ea"/>
+              </a:rPr>
+              <a:t>省去</a:t>
+            </a:r>
+            <a:r>
+              <a:rPr lang="en-US" altLang="zh-CN" dirty="0" err="1" smtClean="0">
+                <a:solidFill>
+                  <a:schemeClr val="tx1">
+                    <a:lumMod val="65000"/>
+                    <a:lumOff val="35000"/>
+                  </a:schemeClr>
+                </a:solidFill>
+                <a:latin typeface="+mn-ea"/>
+              </a:rPr>
+              <a:t>ip</a:t>
+            </a:r>
+            <a:r>
+              <a:rPr lang="zh-CN" altLang="en-US" dirty="0" smtClean="0">
+                <a:solidFill>
+                  <a:schemeClr val="tx1">
+                    <a:lumMod val="65000"/>
+                    <a:lumOff val="35000"/>
+                  </a:schemeClr>
+                </a:solidFill>
+                <a:latin typeface="+mn-ea"/>
+              </a:rPr>
+              <a:t>和</a:t>
+            </a:r>
+            <a:r>
+              <a:rPr lang="en-US" altLang="zh-CN" dirty="0" smtClean="0">
+                <a:solidFill>
+                  <a:schemeClr val="tx1">
+                    <a:lumMod val="65000"/>
+                    <a:lumOff val="35000"/>
+                  </a:schemeClr>
+                </a:solidFill>
+                <a:latin typeface="+mn-ea"/>
+              </a:rPr>
+              <a:t>port</a:t>
+            </a:r>
+            <a:r>
+              <a:rPr lang="zh-CN" altLang="en-US" dirty="0" smtClean="0">
+                <a:solidFill>
+                  <a:schemeClr val="tx1">
+                    <a:lumMod val="65000"/>
+                    <a:lumOff val="35000"/>
+                  </a:schemeClr>
+                </a:solidFill>
+                <a:latin typeface="+mn-ea"/>
+              </a:rPr>
+              <a:t>的配置</a:t>
+            </a:r>
+            <a:endParaRPr lang="en-US" altLang="zh-CN" dirty="0" smtClean="0">
+              <a:solidFill>
+                <a:schemeClr val="tx1">
+                  <a:lumMod val="65000"/>
+                  <a:lumOff val="35000"/>
+                </a:schemeClr>
+              </a:solidFill>
+              <a:latin typeface="+mn-ea"/>
+            </a:endParaRPr>
+          </a:p>
+          <a:p>
+            <a:pPr marL="800100" lvl="1" indent="-342900">
+              <a:buFont typeface="Arial" panose="020B0604020202020204" pitchFamily="34" charset="0"/>
+              <a:buChar char="•"/>
+            </a:pPr>
+            <a:endParaRPr lang="en-US" altLang="zh-CN" dirty="0">
+              <a:latin typeface="+mn-ea"/>
+            </a:endParaRPr>
+          </a:p>
+          <a:p>
+            <a:pPr marL="800100" lvl="1" indent="-342900">
+              <a:buFont typeface="Arial" panose="020B0604020202020204" pitchFamily="34" charset="0"/>
+              <a:buChar char="•"/>
+            </a:pPr>
+            <a:r>
+              <a:rPr lang="zh-CN" altLang="en-US" dirty="0" smtClean="0">
+                <a:solidFill>
+                  <a:schemeClr val="tx1">
+                    <a:lumMod val="65000"/>
+                    <a:lumOff val="35000"/>
+                  </a:schemeClr>
+                </a:solidFill>
+                <a:latin typeface="+mn-ea"/>
+              </a:rPr>
+              <a:t>通用的</a:t>
+            </a:r>
+            <a:r>
+              <a:rPr lang="en-US" altLang="zh-CN" dirty="0" smtClean="0">
+                <a:solidFill>
+                  <a:schemeClr val="tx1">
+                    <a:lumMod val="65000"/>
+                    <a:lumOff val="35000"/>
+                  </a:schemeClr>
+                </a:solidFill>
+                <a:latin typeface="+mn-ea"/>
+              </a:rPr>
+              <a:t>bus</a:t>
+            </a:r>
+            <a:r>
+              <a:rPr lang="zh-CN" altLang="en-US" dirty="0" smtClean="0">
+                <a:solidFill>
+                  <a:schemeClr val="tx1">
+                    <a:lumMod val="65000"/>
+                    <a:lumOff val="35000"/>
+                  </a:schemeClr>
+                </a:solidFill>
+                <a:latin typeface="+mn-ea"/>
+              </a:rPr>
+              <a:t>连接关系</a:t>
+            </a:r>
+            <a:endParaRPr lang="en-US" altLang="zh-CN" dirty="0" smtClean="0">
+              <a:solidFill>
+                <a:schemeClr val="tx1">
+                  <a:lumMod val="65000"/>
+                  <a:lumOff val="35000"/>
+                </a:schemeClr>
+              </a:solidFill>
+              <a:latin typeface="+mn-ea"/>
+            </a:endParaRPr>
+          </a:p>
+          <a:p>
+            <a:pPr marL="800100" lvl="1" indent="-342900">
+              <a:buFont typeface="Arial" panose="020B0604020202020204" pitchFamily="34" charset="0"/>
+              <a:buChar char="•"/>
+            </a:pPr>
+            <a:endParaRPr lang="en-US" altLang="zh-CN" dirty="0">
+              <a:latin typeface="+mn-ea"/>
+            </a:endParaRPr>
+          </a:p>
+          <a:p>
+            <a:pPr marL="800100" lvl="1" indent="-342900">
+              <a:buFont typeface="Arial" panose="020B0604020202020204" pitchFamily="34" charset="0"/>
+              <a:buChar char="•"/>
+            </a:pPr>
+            <a:r>
+              <a:rPr lang="zh-CN" altLang="en-US" dirty="0" smtClean="0">
+                <a:solidFill>
+                  <a:schemeClr val="tx1">
+                    <a:lumMod val="65000"/>
+                    <a:lumOff val="35000"/>
+                  </a:schemeClr>
+                </a:solidFill>
+                <a:latin typeface="+mn-ea"/>
+              </a:rPr>
+              <a:t>服务器自动注册和发现能力</a:t>
+            </a:r>
+            <a:endParaRPr lang="en-US" altLang="zh-CN" dirty="0" smtClean="0">
+              <a:solidFill>
+                <a:schemeClr val="tx1">
+                  <a:lumMod val="65000"/>
+                  <a:lumOff val="35000"/>
+                </a:schemeClr>
+              </a:solidFill>
+              <a:latin typeface="+mn-ea"/>
+            </a:endParaRPr>
+          </a:p>
         </p:txBody>
       </p:sp>
       <p:sp>
@@ -17596,11 +17523,11 @@
           </a:lstStyle>
           <a:p>
             <a:r>
-              <a:rPr lang="zh-CN" altLang="en-US"/>
+              <a:rPr lang="zh-CN" altLang="en-US" dirty="0"/>
               <a:t>运</a:t>
             </a:r>
             <a:r>
-              <a:rPr lang="zh-CN" altLang="en-US" smtClean="0"/>
+              <a:rPr lang="zh-CN" altLang="en-US" dirty="0" smtClean="0"/>
               <a:t>维配置的优化</a:t>
             </a:r>
             <a:endParaRPr dirty="0">
@@ -19580,35 +19507,6 @@
 
 <file path=ppt/tags/tag101.xml><?xml version="1.0" encoding="utf-8"?>
 <p:tagLst xmlns:a="http://schemas.openxmlformats.org/drawingml/2006/main" xmlns:r="http://schemas.openxmlformats.org/officeDocument/2006/relationships" xmlns:p="http://schemas.openxmlformats.org/presentationml/2006/main">
-  <p:tag name="KSO_WM_BEAUTIFY_FLAG" val="#wm#"/>
-  <p:tag name="KSO_WM_TEMPLATE_CATEGORY" val="custom"/>
-  <p:tag name="KSO_WM_TEMPLATE_INDEX" val="20187308"/>
-</p:tagLst>
-</file>
-
-<file path=ppt/tags/tag102.xml><?xml version="1.0" encoding="utf-8"?>
-<p:tagLst xmlns:a="http://schemas.openxmlformats.org/drawingml/2006/main" xmlns:r="http://schemas.openxmlformats.org/officeDocument/2006/relationships" xmlns:p="http://schemas.openxmlformats.org/presentationml/2006/main">
-  <p:tag name="KSO_WM_UNIT_ISCONTENTSTITLE" val="0"/>
-  <p:tag name="KSO_WM_UNIT_PRESET_TEXT" val="单击此处添加标题"/>
-  <p:tag name="KSO_WM_UNIT_NOCLEAR" val="0"/>
-  <p:tag name="KSO_WM_UNIT_VALUE" val="14"/>
-  <p:tag name="KSO_WM_UNIT_HIGHLIGHT" val="0"/>
-  <p:tag name="KSO_WM_UNIT_COMPATIBLE" val="0"/>
-  <p:tag name="KSO_WM_UNIT_DIAGRAM_ISNUMVISUAL" val="0"/>
-  <p:tag name="KSO_WM_UNIT_DIAGRAM_ISREFERUNIT" val="0"/>
-  <p:tag name="KSO_WM_UNIT_TYPE" val="a"/>
-  <p:tag name="KSO_WM_UNIT_INDEX" val="1"/>
-  <p:tag name="KSO_WM_UNIT_ID" val="custom20187308_9*a*1"/>
-  <p:tag name="KSO_WM_TEMPLATE_CATEGORY" val="custom"/>
-  <p:tag name="KSO_WM_TEMPLATE_INDEX" val="20187308"/>
-  <p:tag name="KSO_WM_UNIT_LAYERLEVEL" val="1"/>
-  <p:tag name="KSO_WM_TAG_VERSION" val="1.0"/>
-  <p:tag name="KSO_WM_BEAUTIFY_FLAG" val="#wm#"/>
-</p:tagLst>
-</file>
-
-<file path=ppt/tags/tag103.xml><?xml version="1.0" encoding="utf-8"?>
-<p:tagLst xmlns:a="http://schemas.openxmlformats.org/drawingml/2006/main" xmlns:r="http://schemas.openxmlformats.org/officeDocument/2006/relationships" xmlns:p="http://schemas.openxmlformats.org/presentationml/2006/main">
   <p:tag name="KSO_WM_SLIDE_ID" val="custom20187308_7"/>
   <p:tag name="KSO_WM_TEMPLATE_SUBCATEGORY" val="0"/>
   <p:tag name="KSO_WM_SLIDE_TYPE" val="text"/>
@@ -19628,7 +19526,7 @@
 </p:tagLst>
 </file>
 
-<file path=ppt/tags/tag104.xml><?xml version="1.0" encoding="utf-8"?>
+<file path=ppt/tags/tag102.xml><?xml version="1.0" encoding="utf-8"?>
 <p:tagLst xmlns:a="http://schemas.openxmlformats.org/drawingml/2006/main" xmlns:r="http://schemas.openxmlformats.org/officeDocument/2006/relationships" xmlns:p="http://schemas.openxmlformats.org/presentationml/2006/main">
   <p:tag name="KSO_WM_UNIT_ISCONTENTSTITLE" val="0"/>
   <p:tag name="KSO_WM_UNIT_PRESET_TEXT" val="单击此处添加标题"/>
@@ -19653,7 +19551,7 @@
 </p:tagLst>
 </file>
 
-<file path=ppt/tags/tag105.xml><?xml version="1.0" encoding="utf-8"?>
+<file path=ppt/tags/tag103.xml><?xml version="1.0" encoding="utf-8"?>
 <p:tagLst xmlns:a="http://schemas.openxmlformats.org/drawingml/2006/main" xmlns:r="http://schemas.openxmlformats.org/officeDocument/2006/relationships" xmlns:p="http://schemas.openxmlformats.org/presentationml/2006/main">
   <p:tag name="KSO_WM_UNIT_ISCONTENTSTITLE" val="0"/>
   <p:tag name="KSO_WM_UNIT_PRESET_TEXT" val="单击此处添加文本具体内容，简明扼要的阐述您的观点。"/>
@@ -19674,7 +19572,7 @@
 </p:tagLst>
 </file>
 
-<file path=ppt/tags/tag106.xml><?xml version="1.0" encoding="utf-8"?>
+<file path=ppt/tags/tag104.xml><?xml version="1.0" encoding="utf-8"?>
 <p:tagLst xmlns:a="http://schemas.openxmlformats.org/drawingml/2006/main" xmlns:r="http://schemas.openxmlformats.org/officeDocument/2006/relationships" xmlns:p="http://schemas.openxmlformats.org/presentationml/2006/main">
   <p:tag name="KSO_WM_UNIT_ISCONTENTSTITLE" val="0"/>
   <p:tag name="KSO_WM_UNIT_PRESET_TEXT" val="单击此处添加文本具体内容，简明扼要的阐述您的观点。"/>
@@ -19692,6 +19590,39 @@
   <p:tag name="KSO_WM_UNIT_LAYERLEVEL" val="1"/>
   <p:tag name="KSO_WM_TAG_VERSION" val="1.0"/>
   <p:tag name="KSO_WM_BEAUTIFY_FLAG" val="#wm#"/>
+</p:tagLst>
+</file>
+
+<file path=ppt/tags/tag105.xml><?xml version="1.0" encoding="utf-8"?>
+<p:tagLst xmlns:a="http://schemas.openxmlformats.org/drawingml/2006/main" xmlns:r="http://schemas.openxmlformats.org/officeDocument/2006/relationships" xmlns:p="http://schemas.openxmlformats.org/presentationml/2006/main">
+  <p:tag name="KSO_WM_BEAUTIFY_FLAG" val="#wm#"/>
+  <p:tag name="KSO_WM_TEMPLATE_CATEGORY" val="custom"/>
+  <p:tag name="KSO_WM_TEMPLATE_INDEX" val="20187308"/>
+</p:tagLst>
+</file>
+
+<file path=ppt/tags/tag106.xml><?xml version="1.0" encoding="utf-8"?>
+<p:tagLst xmlns:a="http://schemas.openxmlformats.org/drawingml/2006/main" xmlns:r="http://schemas.openxmlformats.org/officeDocument/2006/relationships" xmlns:p="http://schemas.openxmlformats.org/presentationml/2006/main">
+  <p:tag name="KSO_WM_UNIT_ISCONTENTSTITLE" val="0"/>
+  <p:tag name="KSO_WM_UNIT_PRESET_TEXT" val="单击此处添加标题"/>
+  <p:tag name="KSO_WM_UNIT_NOCLEAR" val="0"/>
+  <p:tag name="KSO_WM_UNIT_VALUE" val="14"/>
+  <p:tag name="KSO_WM_UNIT_HIGHLIGHT" val="0"/>
+  <p:tag name="KSO_WM_UNIT_COMPATIBLE" val="0"/>
+  <p:tag name="KSO_WM_UNIT_DIAGRAM_ISNUMVISUAL" val="0"/>
+  <p:tag name="KSO_WM_UNIT_DIAGRAM_ISREFERUNIT" val="0"/>
+  <p:tag name="KSO_WM_DIAGRAM_GROUP_CODE" val="m1-2"/>
+  <p:tag name="KSO_WM_UNIT_TYPE" val="a"/>
+  <p:tag name="KSO_WM_UNIT_INDEX" val="1"/>
+  <p:tag name="KSO_WM_UNIT_ID" val="custom20187308_7*a*1"/>
+  <p:tag name="KSO_WM_TEMPLATE_CATEGORY" val="custom"/>
+  <p:tag name="KSO_WM_TEMPLATE_INDEX" val="20187308"/>
+  <p:tag name="KSO_WM_UNIT_LAYERLEVEL" val="1"/>
+  <p:tag name="KSO_WM_TAG_VERSION" val="1.0"/>
+  <p:tag name="KSO_WM_BEAUTIFY_FLAG" val="#wm#"/>
+  <p:tag name="KSO_WM_UNIT_TEXT_FILL_FORE_SCHEMECOLOR_INDEX" val="13"/>
+  <p:tag name="KSO_WM_UNIT_TEXT_FILL_TYPE" val="1"/>
+  <p:tag name="KSO_WM_UNIT_USESOURCEFORMAT_APPLY" val="1"/>
 </p:tagLst>
 </file>
 
@@ -19730,9 +19661,20 @@
 
 <file path=ppt/tags/tag109.xml><?xml version="1.0" encoding="utf-8"?>
 <p:tagLst xmlns:a="http://schemas.openxmlformats.org/drawingml/2006/main" xmlns:r="http://schemas.openxmlformats.org/officeDocument/2006/relationships" xmlns:p="http://schemas.openxmlformats.org/presentationml/2006/main">
+  <p:tag name="KSO_WM_SLIDE_ID" val="custom20187308_9"/>
+  <p:tag name="KSO_WM_TEMPLATE_SUBCATEGORY" val="0"/>
+  <p:tag name="KSO_WM_SLIDE_TYPE" val="text"/>
+  <p:tag name="KSO_WM_SLIDE_SUBTYPE" val="pureTxt"/>
+  <p:tag name="KSO_WM_SLIDE_ITEM_CNT" val="0"/>
+  <p:tag name="KSO_WM_SLIDE_INDEX" val="9"/>
+  <p:tag name="KSO_WM_SLIDE_SIZE" val="854*361"/>
+  <p:tag name="KSO_WM_SLIDE_POSITION" val="52*34"/>
+  <p:tag name="KSO_WM_TAG_VERSION" val="1.0"/>
   <p:tag name="KSO_WM_BEAUTIFY_FLAG" val="#wm#"/>
   <p:tag name="KSO_WM_TEMPLATE_CATEGORY" val="custom"/>
   <p:tag name="KSO_WM_TEMPLATE_INDEX" val="20187308"/>
+  <p:tag name="KSO_WM_SLIDE_LAYOUT" val="a_f"/>
+  <p:tag name="KSO_WM_SLIDE_LAYOUT_CNT" val="1_1"/>
 </p:tagLst>
 </file>
 
@@ -19751,6 +19693,26 @@
 
 <file path=ppt/tags/tag110.xml><?xml version="1.0" encoding="utf-8"?>
 <p:tagLst xmlns:a="http://schemas.openxmlformats.org/drawingml/2006/main" xmlns:r="http://schemas.openxmlformats.org/officeDocument/2006/relationships" xmlns:p="http://schemas.openxmlformats.org/presentationml/2006/main">
+  <p:tag name="KSO_WM_UNIT_PRESET_TEXT" val="单击此处添加文本具体内容，简明扼要的阐述您的观点。根据需要可酌情增减文字，以便观者准确的理解您传达的思想。&#10;单击此处添加文本具体内容，简明扼要的阐述您的观点。根据需要可酌情增减文字，以便观者准确的理解您传达的思想。&#10;单击此处添加文本具体内容，简明扼要的阐述您的观点。根据需要可酌情增减文字，以便观者准确的理解您传达的思想。"/>
+  <p:tag name="KSO_WM_UNIT_NOCLEAR" val="0"/>
+  <p:tag name="KSO_WM_UNIT_VALUE" val="189"/>
+  <p:tag name="KSO_WM_UNIT_HIGHLIGHT" val="0"/>
+  <p:tag name="KSO_WM_UNIT_COMPATIBLE" val="0"/>
+  <p:tag name="KSO_WM_UNIT_DIAGRAM_ISNUMVISUAL" val="0"/>
+  <p:tag name="KSO_WM_UNIT_DIAGRAM_ISREFERUNIT" val="0"/>
+  <p:tag name="KSO_WM_UNIT_TYPE" val="f"/>
+  <p:tag name="KSO_WM_UNIT_INDEX" val="1"/>
+  <p:tag name="KSO_WM_UNIT_ID" val="custom20187308_9*f*1"/>
+  <p:tag name="KSO_WM_TEMPLATE_CATEGORY" val="custom"/>
+  <p:tag name="KSO_WM_TEMPLATE_INDEX" val="20187308"/>
+  <p:tag name="KSO_WM_UNIT_LAYERLEVEL" val="1"/>
+  <p:tag name="KSO_WM_TAG_VERSION" val="1.0"/>
+  <p:tag name="KSO_WM_BEAUTIFY_FLAG" val="#wm#"/>
+</p:tagLst>
+</file>
+
+<file path=ppt/tags/tag111.xml><?xml version="1.0" encoding="utf-8"?>
+<p:tagLst xmlns:a="http://schemas.openxmlformats.org/drawingml/2006/main" xmlns:r="http://schemas.openxmlformats.org/officeDocument/2006/relationships" xmlns:p="http://schemas.openxmlformats.org/presentationml/2006/main">
   <p:tag name="KSO_WM_UNIT_ISCONTENTSTITLE" val="0"/>
   <p:tag name="KSO_WM_UNIT_PRESET_TEXT" val="单击此处添加标题"/>
   <p:tag name="KSO_WM_UNIT_NOCLEAR" val="0"/>
@@ -19759,37 +19721,14 @@
   <p:tag name="KSO_WM_UNIT_COMPATIBLE" val="0"/>
   <p:tag name="KSO_WM_UNIT_DIAGRAM_ISNUMVISUAL" val="0"/>
   <p:tag name="KSO_WM_UNIT_DIAGRAM_ISREFERUNIT" val="0"/>
-  <p:tag name="KSO_WM_DIAGRAM_GROUP_CODE" val="m1-2"/>
   <p:tag name="KSO_WM_UNIT_TYPE" val="a"/>
   <p:tag name="KSO_WM_UNIT_INDEX" val="1"/>
-  <p:tag name="KSO_WM_UNIT_ID" val="custom20187308_7*a*1"/>
+  <p:tag name="KSO_WM_UNIT_ID" val="custom20187308_9*a*1"/>
   <p:tag name="KSO_WM_TEMPLATE_CATEGORY" val="custom"/>
   <p:tag name="KSO_WM_TEMPLATE_INDEX" val="20187308"/>
   <p:tag name="KSO_WM_UNIT_LAYERLEVEL" val="1"/>
   <p:tag name="KSO_WM_TAG_VERSION" val="1.0"/>
   <p:tag name="KSO_WM_BEAUTIFY_FLAG" val="#wm#"/>
-  <p:tag name="KSO_WM_UNIT_TEXT_FILL_FORE_SCHEMECOLOR_INDEX" val="13"/>
-  <p:tag name="KSO_WM_UNIT_TEXT_FILL_TYPE" val="1"/>
-  <p:tag name="KSO_WM_UNIT_USESOURCEFORMAT_APPLY" val="1"/>
-</p:tagLst>
-</file>
-
-<file path=ppt/tags/tag111.xml><?xml version="1.0" encoding="utf-8"?>
-<p:tagLst xmlns:a="http://schemas.openxmlformats.org/drawingml/2006/main" xmlns:r="http://schemas.openxmlformats.org/officeDocument/2006/relationships" xmlns:p="http://schemas.openxmlformats.org/presentationml/2006/main">
-  <p:tag name="KSO_WM_SLIDE_ID" val="custom20187308_9"/>
-  <p:tag name="KSO_WM_TEMPLATE_SUBCATEGORY" val="0"/>
-  <p:tag name="KSO_WM_SLIDE_TYPE" val="text"/>
-  <p:tag name="KSO_WM_SLIDE_SUBTYPE" val="pureTxt"/>
-  <p:tag name="KSO_WM_SLIDE_ITEM_CNT" val="0"/>
-  <p:tag name="KSO_WM_SLIDE_INDEX" val="9"/>
-  <p:tag name="KSO_WM_SLIDE_SIZE" val="854*361"/>
-  <p:tag name="KSO_WM_SLIDE_POSITION" val="52*34"/>
-  <p:tag name="KSO_WM_TAG_VERSION" val="1.0"/>
-  <p:tag name="KSO_WM_BEAUTIFY_FLAG" val="#wm#"/>
-  <p:tag name="KSO_WM_TEMPLATE_CATEGORY" val="custom"/>
-  <p:tag name="KSO_WM_TEMPLATE_INDEX" val="20187308"/>
-  <p:tag name="KSO_WM_SLIDE_LAYOUT" val="a_f"/>
-  <p:tag name="KSO_WM_SLIDE_LAYOUT_CNT" val="1_1"/>
 </p:tagLst>
 </file>
 
@@ -19815,17 +19754,16 @@
 
 <file path=ppt/tags/tag113.xml><?xml version="1.0" encoding="utf-8"?>
 <p:tagLst xmlns:a="http://schemas.openxmlformats.org/drawingml/2006/main" xmlns:r="http://schemas.openxmlformats.org/officeDocument/2006/relationships" xmlns:p="http://schemas.openxmlformats.org/presentationml/2006/main">
-  <p:tag name="KSO_WM_UNIT_ISCONTENTSTITLE" val="0"/>
-  <p:tag name="KSO_WM_UNIT_PRESET_TEXT" val="单击此处添加标题"/>
+  <p:tag name="KSO_WM_UNIT_PRESET_TEXT" val="单击此处添加文本具体内容，简明扼要的阐述您的观点。根据需要可酌情增减文字，以便观者准确的理解您传达的思想。&#10;单击此处添加文本具体内容，简明扼要的阐述您的观点。根据需要可酌情增减文字，以便观者准确的理解您传达的思想。&#10;单击此处添加文本具体内容，简明扼要的阐述您的观点。根据需要可酌情增减文字，以便观者准确的理解您传达的思想。"/>
   <p:tag name="KSO_WM_UNIT_NOCLEAR" val="0"/>
-  <p:tag name="KSO_WM_UNIT_VALUE" val="14"/>
+  <p:tag name="KSO_WM_UNIT_VALUE" val="189"/>
   <p:tag name="KSO_WM_UNIT_HIGHLIGHT" val="0"/>
   <p:tag name="KSO_WM_UNIT_COMPATIBLE" val="0"/>
   <p:tag name="KSO_WM_UNIT_DIAGRAM_ISNUMVISUAL" val="0"/>
   <p:tag name="KSO_WM_UNIT_DIAGRAM_ISREFERUNIT" val="0"/>
-  <p:tag name="KSO_WM_UNIT_TYPE" val="a"/>
+  <p:tag name="KSO_WM_UNIT_TYPE" val="f"/>
   <p:tag name="KSO_WM_UNIT_INDEX" val="1"/>
-  <p:tag name="KSO_WM_UNIT_ID" val="custom20187308_9*a*1"/>
+  <p:tag name="KSO_WM_UNIT_ID" val="custom20187308_9*f*1"/>
   <p:tag name="KSO_WM_TEMPLATE_CATEGORY" val="custom"/>
   <p:tag name="KSO_WM_TEMPLATE_INDEX" val="20187308"/>
   <p:tag name="KSO_WM_UNIT_LAYERLEVEL" val="1"/>
@@ -19856,21 +19794,20 @@
 
 <file path=ppt/tags/tag115.xml><?xml version="1.0" encoding="utf-8"?>
 <p:tagLst xmlns:a="http://schemas.openxmlformats.org/drawingml/2006/main" xmlns:r="http://schemas.openxmlformats.org/officeDocument/2006/relationships" xmlns:p="http://schemas.openxmlformats.org/presentationml/2006/main">
-  <p:tag name="KSO_WM_UNIT_PRESET_TEXT" val="单击此处添加文本具体内容，简明扼要的阐述您的观点。根据需要可酌情增减文字，以便观者准确的理解您传达的思想。&#10;单击此处添加文本具体内容，简明扼要的阐述您的观点。根据需要可酌情增减文字，以便观者准确的理解您传达的思想。&#10;单击此处添加文本具体内容，简明扼要的阐述您的观点。根据需要可酌情增减文字，以便观者准确的理解您传达的思想。"/>
-  <p:tag name="KSO_WM_UNIT_NOCLEAR" val="0"/>
-  <p:tag name="KSO_WM_UNIT_VALUE" val="189"/>
-  <p:tag name="KSO_WM_UNIT_HIGHLIGHT" val="0"/>
-  <p:tag name="KSO_WM_UNIT_COMPATIBLE" val="0"/>
-  <p:tag name="KSO_WM_UNIT_DIAGRAM_ISNUMVISUAL" val="0"/>
-  <p:tag name="KSO_WM_UNIT_DIAGRAM_ISREFERUNIT" val="0"/>
-  <p:tag name="KSO_WM_UNIT_TYPE" val="f"/>
-  <p:tag name="KSO_WM_UNIT_INDEX" val="1"/>
-  <p:tag name="KSO_WM_UNIT_ID" val="custom20187308_9*f*1"/>
+  <p:tag name="KSO_WM_SLIDE_ID" val="custom20187308_9"/>
+  <p:tag name="KSO_WM_TEMPLATE_SUBCATEGORY" val="0"/>
+  <p:tag name="KSO_WM_SLIDE_TYPE" val="text"/>
+  <p:tag name="KSO_WM_SLIDE_SUBTYPE" val="pureTxt"/>
+  <p:tag name="KSO_WM_SLIDE_ITEM_CNT" val="0"/>
+  <p:tag name="KSO_WM_SLIDE_INDEX" val="9"/>
+  <p:tag name="KSO_WM_SLIDE_SIZE" val="854*361"/>
+  <p:tag name="KSO_WM_SLIDE_POSITION" val="52*34"/>
+  <p:tag name="KSO_WM_TAG_VERSION" val="1.0"/>
+  <p:tag name="KSO_WM_BEAUTIFY_FLAG" val="#wm#"/>
   <p:tag name="KSO_WM_TEMPLATE_CATEGORY" val="custom"/>
   <p:tag name="KSO_WM_TEMPLATE_INDEX" val="20187308"/>
-  <p:tag name="KSO_WM_UNIT_LAYERLEVEL" val="1"/>
-  <p:tag name="KSO_WM_TAG_VERSION" val="1.0"/>
-  <p:tag name="KSO_WM_BEAUTIFY_FLAG" val="#wm#"/>
+  <p:tag name="KSO_WM_SLIDE_LAYOUT" val="a_f"/>
+  <p:tag name="KSO_WM_SLIDE_LAYOUT_CNT" val="1_1"/>
 </p:tagLst>
 </file>
 
@@ -19896,45 +19833,6 @@
 
 <file path=ppt/tags/tag117.xml><?xml version="1.0" encoding="utf-8"?>
 <p:tagLst xmlns:a="http://schemas.openxmlformats.org/drawingml/2006/main" xmlns:r="http://schemas.openxmlformats.org/officeDocument/2006/relationships" xmlns:p="http://schemas.openxmlformats.org/presentationml/2006/main">
-  <p:tag name="KSO_WM_SLIDE_ID" val="custom20187308_9"/>
-  <p:tag name="KSO_WM_TEMPLATE_SUBCATEGORY" val="0"/>
-  <p:tag name="KSO_WM_SLIDE_TYPE" val="text"/>
-  <p:tag name="KSO_WM_SLIDE_SUBTYPE" val="pureTxt"/>
-  <p:tag name="KSO_WM_SLIDE_ITEM_CNT" val="0"/>
-  <p:tag name="KSO_WM_SLIDE_INDEX" val="9"/>
-  <p:tag name="KSO_WM_SLIDE_SIZE" val="854*361"/>
-  <p:tag name="KSO_WM_SLIDE_POSITION" val="52*34"/>
-  <p:tag name="KSO_WM_TAG_VERSION" val="1.0"/>
-  <p:tag name="KSO_WM_BEAUTIFY_FLAG" val="#wm#"/>
-  <p:tag name="KSO_WM_TEMPLATE_CATEGORY" val="custom"/>
-  <p:tag name="KSO_WM_TEMPLATE_INDEX" val="20187308"/>
-  <p:tag name="KSO_WM_SLIDE_LAYOUT" val="a_f"/>
-  <p:tag name="KSO_WM_SLIDE_LAYOUT_CNT" val="1_1"/>
-</p:tagLst>
-</file>
-
-<file path=ppt/tags/tag118.xml><?xml version="1.0" encoding="utf-8"?>
-<p:tagLst xmlns:a="http://schemas.openxmlformats.org/drawingml/2006/main" xmlns:r="http://schemas.openxmlformats.org/officeDocument/2006/relationships" xmlns:p="http://schemas.openxmlformats.org/presentationml/2006/main">
-  <p:tag name="KSO_WM_UNIT_PRESET_TEXT" val="单击此处添加文本具体内容，简明扼要的阐述您的观点。根据需要可酌情增减文字，以便观者准确的理解您传达的思想。&#10;单击此处添加文本具体内容，简明扼要的阐述您的观点。根据需要可酌情增减文字，以便观者准确的理解您传达的思想。&#10;单击此处添加文本具体内容，简明扼要的阐述您的观点。根据需要可酌情增减文字，以便观者准确的理解您传达的思想。"/>
-  <p:tag name="KSO_WM_UNIT_NOCLEAR" val="0"/>
-  <p:tag name="KSO_WM_UNIT_VALUE" val="189"/>
-  <p:tag name="KSO_WM_UNIT_HIGHLIGHT" val="0"/>
-  <p:tag name="KSO_WM_UNIT_COMPATIBLE" val="0"/>
-  <p:tag name="KSO_WM_UNIT_DIAGRAM_ISNUMVISUAL" val="0"/>
-  <p:tag name="KSO_WM_UNIT_DIAGRAM_ISREFERUNIT" val="0"/>
-  <p:tag name="KSO_WM_UNIT_TYPE" val="f"/>
-  <p:tag name="KSO_WM_UNIT_INDEX" val="1"/>
-  <p:tag name="KSO_WM_UNIT_ID" val="custom20187308_9*f*1"/>
-  <p:tag name="KSO_WM_TEMPLATE_CATEGORY" val="custom"/>
-  <p:tag name="KSO_WM_TEMPLATE_INDEX" val="20187308"/>
-  <p:tag name="KSO_WM_UNIT_LAYERLEVEL" val="1"/>
-  <p:tag name="KSO_WM_TAG_VERSION" val="1.0"/>
-  <p:tag name="KSO_WM_BEAUTIFY_FLAG" val="#wm#"/>
-</p:tagLst>
-</file>
-
-<file path=ppt/tags/tag119.xml><?xml version="1.0" encoding="utf-8"?>
-<p:tagLst xmlns:a="http://schemas.openxmlformats.org/drawingml/2006/main" xmlns:r="http://schemas.openxmlformats.org/officeDocument/2006/relationships" xmlns:p="http://schemas.openxmlformats.org/presentationml/2006/main">
   <p:tag name="KSO_WM_UNIT_ISCONTENTSTITLE" val="0"/>
   <p:tag name="KSO_WM_UNIT_PRESET_TEXT" val="单击此处添加标题"/>
   <p:tag name="KSO_WM_UNIT_NOCLEAR" val="0"/>
@@ -19954,20 +19852,7 @@
 </p:tagLst>
 </file>
 
-<file path=ppt/tags/tag12.xml><?xml version="1.0" encoding="utf-8"?>
-<p:tagLst xmlns:a="http://schemas.openxmlformats.org/drawingml/2006/main" xmlns:r="http://schemas.openxmlformats.org/officeDocument/2006/relationships" xmlns:p="http://schemas.openxmlformats.org/presentationml/2006/main">
-  <p:tag name="KSO_WM_UNIT_HIGHLIGHT" val="0"/>
-  <p:tag name="KSO_WM_UNIT_COMPATIBLE" val="0"/>
-  <p:tag name="KSO_WM_UNIT_DIAGRAM_ISNUMVISUAL" val="0"/>
-  <p:tag name="KSO_WM_UNIT_DIAGRAM_ISREFERUNIT" val="0"/>
-  <p:tag name="KSO_WM_UNIT_ID" val="_1**"/>
-  <p:tag name="KSO_WM_UNIT_LAYERLEVEL" val="1"/>
-  <p:tag name="KSO_WM_TAG_VERSION" val="1.0"/>
-  <p:tag name="KSO_WM_BEAUTIFY_FLAG" val="#wm#"/>
-</p:tagLst>
-</file>
-
-<file path=ppt/tags/tag120.xml><?xml version="1.0" encoding="utf-8"?>
+<file path=ppt/tags/tag118.xml><?xml version="1.0" encoding="utf-8"?>
 <p:tagLst xmlns:a="http://schemas.openxmlformats.org/drawingml/2006/main" xmlns:r="http://schemas.openxmlformats.org/officeDocument/2006/relationships" xmlns:p="http://schemas.openxmlformats.org/presentationml/2006/main">
   <p:tag name="KSO_WM_BEAUTIFY_FLAG" val="#wm#"/>
   <p:tag name="KSO_WM_TEMPLATE_CATEGORY" val="custom"/>
@@ -19975,7 +19860,7 @@
 </p:tagLst>
 </file>
 
-<file path=ppt/tags/tag121.xml><?xml version="1.0" encoding="utf-8"?>
+<file path=ppt/tags/tag119.xml><?xml version="1.0" encoding="utf-8"?>
 <p:tagLst xmlns:a="http://schemas.openxmlformats.org/drawingml/2006/main" xmlns:r="http://schemas.openxmlformats.org/officeDocument/2006/relationships" xmlns:p="http://schemas.openxmlformats.org/presentationml/2006/main">
   <p:tag name="KSO_WM_UNIT_ISCONTENTSTITLE" val="0"/>
   <p:tag name="KSO_WM_UNIT_PRESET_TEXT" val="单击此处添加标题"/>
@@ -20000,7 +19885,20 @@
 </p:tagLst>
 </file>
 
-<file path=ppt/tags/tag122.xml><?xml version="1.0" encoding="utf-8"?>
+<file path=ppt/tags/tag12.xml><?xml version="1.0" encoding="utf-8"?>
+<p:tagLst xmlns:a="http://schemas.openxmlformats.org/drawingml/2006/main" xmlns:r="http://schemas.openxmlformats.org/officeDocument/2006/relationships" xmlns:p="http://schemas.openxmlformats.org/presentationml/2006/main">
+  <p:tag name="KSO_WM_UNIT_HIGHLIGHT" val="0"/>
+  <p:tag name="KSO_WM_UNIT_COMPATIBLE" val="0"/>
+  <p:tag name="KSO_WM_UNIT_DIAGRAM_ISNUMVISUAL" val="0"/>
+  <p:tag name="KSO_WM_UNIT_DIAGRAM_ISREFERUNIT" val="0"/>
+  <p:tag name="KSO_WM_UNIT_ID" val="_1**"/>
+  <p:tag name="KSO_WM_UNIT_LAYERLEVEL" val="1"/>
+  <p:tag name="KSO_WM_TAG_VERSION" val="1.0"/>
+  <p:tag name="KSO_WM_BEAUTIFY_FLAG" val="#wm#"/>
+</p:tagLst>
+</file>
+
+<file path=ppt/tags/tag120.xml><?xml version="1.0" encoding="utf-8"?>
 <p:tagLst xmlns:a="http://schemas.openxmlformats.org/drawingml/2006/main" xmlns:r="http://schemas.openxmlformats.org/officeDocument/2006/relationships" xmlns:p="http://schemas.openxmlformats.org/presentationml/2006/main">
   <p:tag name="KSO_WM_SLIDE_ID" val="custom20187308_3"/>
   <p:tag name="KSO_WM_TEMPLATE_SUBCATEGORY" val="0"/>
@@ -20017,7 +19915,7 @@
 </p:tagLst>
 </file>
 
-<file path=ppt/tags/tag123.xml><?xml version="1.0" encoding="utf-8"?>
+<file path=ppt/tags/tag121.xml><?xml version="1.0" encoding="utf-8"?>
 <p:tagLst xmlns:a="http://schemas.openxmlformats.org/drawingml/2006/main" xmlns:r="http://schemas.openxmlformats.org/officeDocument/2006/relationships" xmlns:p="http://schemas.openxmlformats.org/presentationml/2006/main">
   <p:tag name="KSO_WM_UNIT_ISCONTENTSTITLE" val="0"/>
   <p:tag name="KSO_WM_UNIT_PRESET_TEXT" val="单击此处添加标题"/>
@@ -20038,7 +19936,7 @@
 </p:tagLst>
 </file>
 
-<file path=ppt/tags/tag124.xml><?xml version="1.0" encoding="utf-8"?>
+<file path=ppt/tags/tag122.xml><?xml version="1.0" encoding="utf-8"?>
 <p:tagLst xmlns:a="http://schemas.openxmlformats.org/drawingml/2006/main" xmlns:r="http://schemas.openxmlformats.org/officeDocument/2006/relationships" xmlns:p="http://schemas.openxmlformats.org/presentationml/2006/main">
   <p:tag name="KSO_WM_UNIT_ISCONTENTSTITLE" val="0"/>
   <p:tag name="KSO_WM_UNIT_PRESET_TEXT" val="单击此处添加文本具体内容，简明扼要的阐述您的观点。"/>
@@ -20059,7 +19957,7 @@
 </p:tagLst>
 </file>
 
-<file path=ppt/tags/tag125.xml><?xml version="1.0" encoding="utf-8"?>
+<file path=ppt/tags/tag123.xml><?xml version="1.0" encoding="utf-8"?>
 <p:tagLst xmlns:a="http://schemas.openxmlformats.org/drawingml/2006/main" xmlns:r="http://schemas.openxmlformats.org/officeDocument/2006/relationships" xmlns:p="http://schemas.openxmlformats.org/presentationml/2006/main">
   <p:tag name="KSO_WM_UNIT_PRESET_TEXT" val="01"/>
   <p:tag name="KSO_WM_UNIT_NOCLEAR" val="0"/>
@@ -20079,7 +19977,7 @@
 </p:tagLst>
 </file>
 
-<file path=ppt/tags/tag126.xml><?xml version="1.0" encoding="utf-8"?>
+<file path=ppt/tags/tag124.xml><?xml version="1.0" encoding="utf-8"?>
 <p:tagLst xmlns:a="http://schemas.openxmlformats.org/drawingml/2006/main" xmlns:r="http://schemas.openxmlformats.org/officeDocument/2006/relationships" xmlns:p="http://schemas.openxmlformats.org/presentationml/2006/main">
   <p:tag name="KSO_WM_SLIDE_ID" val="custom20187308_2"/>
   <p:tag name="KSO_WM_TEMPLATE_SUBCATEGORY" val="0"/>
@@ -20095,6 +19993,39 @@
   <p:tag name="KSO_WM_TEMPLATE_INDEX" val="20187308"/>
   <p:tag name="KSO_WM_SLIDE_LAYOUT" val="a_b_l"/>
   <p:tag name="KSO_WM_SLIDE_LAYOUT_CNT" val="1_1_1"/>
+</p:tagLst>
+</file>
+
+<file path=ppt/tags/tag125.xml><?xml version="1.0" encoding="utf-8"?>
+<p:tagLst xmlns:a="http://schemas.openxmlformats.org/drawingml/2006/main" xmlns:r="http://schemas.openxmlformats.org/officeDocument/2006/relationships" xmlns:p="http://schemas.openxmlformats.org/presentationml/2006/main">
+  <p:tag name="KSO_WM_BEAUTIFY_FLAG" val="#wm#"/>
+  <p:tag name="KSO_WM_TEMPLATE_CATEGORY" val="custom"/>
+  <p:tag name="KSO_WM_TEMPLATE_INDEX" val="20187308"/>
+</p:tagLst>
+</file>
+
+<file path=ppt/tags/tag126.xml><?xml version="1.0" encoding="utf-8"?>
+<p:tagLst xmlns:a="http://schemas.openxmlformats.org/drawingml/2006/main" xmlns:r="http://schemas.openxmlformats.org/officeDocument/2006/relationships" xmlns:p="http://schemas.openxmlformats.org/presentationml/2006/main">
+  <p:tag name="KSO_WM_UNIT_ISCONTENTSTITLE" val="0"/>
+  <p:tag name="KSO_WM_UNIT_PRESET_TEXT" val="单击此处添加标题"/>
+  <p:tag name="KSO_WM_UNIT_NOCLEAR" val="0"/>
+  <p:tag name="KSO_WM_UNIT_VALUE" val="14"/>
+  <p:tag name="KSO_WM_UNIT_HIGHLIGHT" val="0"/>
+  <p:tag name="KSO_WM_UNIT_COMPATIBLE" val="0"/>
+  <p:tag name="KSO_WM_UNIT_DIAGRAM_ISNUMVISUAL" val="0"/>
+  <p:tag name="KSO_WM_UNIT_DIAGRAM_ISREFERUNIT" val="0"/>
+  <p:tag name="KSO_WM_DIAGRAM_GROUP_CODE" val="m1-2"/>
+  <p:tag name="KSO_WM_UNIT_TYPE" val="a"/>
+  <p:tag name="KSO_WM_UNIT_INDEX" val="1"/>
+  <p:tag name="KSO_WM_UNIT_ID" val="custom20187308_7*a*1"/>
+  <p:tag name="KSO_WM_TEMPLATE_CATEGORY" val="custom"/>
+  <p:tag name="KSO_WM_TEMPLATE_INDEX" val="20187308"/>
+  <p:tag name="KSO_WM_UNIT_LAYERLEVEL" val="1"/>
+  <p:tag name="KSO_WM_TAG_VERSION" val="1.0"/>
+  <p:tag name="KSO_WM_BEAUTIFY_FLAG" val="#wm#"/>
+  <p:tag name="KSO_WM_UNIT_TEXT_FILL_FORE_SCHEMECOLOR_INDEX" val="13"/>
+  <p:tag name="KSO_WM_UNIT_TEXT_FILL_TYPE" val="1"/>
+  <p:tag name="KSO_WM_UNIT_USESOURCEFORMAT_APPLY" val="1"/>
 </p:tagLst>
 </file>
 
@@ -20187,46 +20118,13 @@
 
 <file path=ppt/tags/tag132.xml><?xml version="1.0" encoding="utf-8"?>
 <p:tagLst xmlns:a="http://schemas.openxmlformats.org/drawingml/2006/main" xmlns:r="http://schemas.openxmlformats.org/officeDocument/2006/relationships" xmlns:p="http://schemas.openxmlformats.org/presentationml/2006/main">
-  <p:tag name="KSO_WM_UNIT_ISCONTENTSTITLE" val="0"/>
-  <p:tag name="KSO_WM_UNIT_PRESET_TEXT" val="单击此处添加标题"/>
-  <p:tag name="KSO_WM_UNIT_NOCLEAR" val="0"/>
-  <p:tag name="KSO_WM_UNIT_VALUE" val="14"/>
-  <p:tag name="KSO_WM_UNIT_HIGHLIGHT" val="0"/>
-  <p:tag name="KSO_WM_UNIT_COMPATIBLE" val="0"/>
-  <p:tag name="KSO_WM_UNIT_DIAGRAM_ISNUMVISUAL" val="0"/>
-  <p:tag name="KSO_WM_UNIT_DIAGRAM_ISREFERUNIT" val="0"/>
-  <p:tag name="KSO_WM_DIAGRAM_GROUP_CODE" val="m1-2"/>
-  <p:tag name="KSO_WM_UNIT_TYPE" val="a"/>
-  <p:tag name="KSO_WM_UNIT_INDEX" val="1"/>
-  <p:tag name="KSO_WM_UNIT_ID" val="custom20187308_7*a*1"/>
-  <p:tag name="KSO_WM_TEMPLATE_CATEGORY" val="custom"/>
-  <p:tag name="KSO_WM_TEMPLATE_INDEX" val="20187308"/>
-  <p:tag name="KSO_WM_UNIT_LAYERLEVEL" val="1"/>
-  <p:tag name="KSO_WM_TAG_VERSION" val="1.0"/>
-  <p:tag name="KSO_WM_BEAUTIFY_FLAG" val="#wm#"/>
-  <p:tag name="KSO_WM_UNIT_TEXT_FILL_FORE_SCHEMECOLOR_INDEX" val="13"/>
-  <p:tag name="KSO_WM_UNIT_TEXT_FILL_TYPE" val="1"/>
-  <p:tag name="KSO_WM_UNIT_USESOURCEFORMAT_APPLY" val="1"/>
-</p:tagLst>
-</file>
-
-<file path=ppt/tags/tag133.xml><?xml version="1.0" encoding="utf-8"?>
-<p:tagLst xmlns:a="http://schemas.openxmlformats.org/drawingml/2006/main" xmlns:r="http://schemas.openxmlformats.org/officeDocument/2006/relationships" xmlns:p="http://schemas.openxmlformats.org/presentationml/2006/main">
   <p:tag name="KSO_WM_BEAUTIFY_FLAG" val="#wm#"/>
   <p:tag name="KSO_WM_TEMPLATE_CATEGORY" val="custom"/>
   <p:tag name="KSO_WM_TEMPLATE_INDEX" val="20187308"/>
 </p:tagLst>
 </file>
 
-<file path=ppt/tags/tag134.xml><?xml version="1.0" encoding="utf-8"?>
-<p:tagLst xmlns:a="http://schemas.openxmlformats.org/drawingml/2006/main" xmlns:r="http://schemas.openxmlformats.org/officeDocument/2006/relationships" xmlns:p="http://schemas.openxmlformats.org/presentationml/2006/main">
-  <p:tag name="KSO_WM_BEAUTIFY_FLAG" val="#wm#"/>
-  <p:tag name="KSO_WM_TEMPLATE_CATEGORY" val="custom"/>
-  <p:tag name="KSO_WM_TEMPLATE_INDEX" val="20187308"/>
-</p:tagLst>
-</file>
-
-<file path=ppt/tags/tag135.xml><?xml version="1.0" encoding="utf-8"?>
+<file path=ppt/tags/tag133.xml><?xml version="1.0" encoding="utf-8"?>
 <p:tagLst xmlns:a="http://schemas.openxmlformats.org/drawingml/2006/main" xmlns:r="http://schemas.openxmlformats.org/officeDocument/2006/relationships" xmlns:p="http://schemas.openxmlformats.org/presentationml/2006/main">
   <p:tag name="KSO_WM_UNIT_ISCONTENTSTITLE" val="0"/>
   <p:tag name="KSO_WM_UNIT_PRESET_TEXT" val="单击此处添加标题"/>
@@ -20251,7 +20149,7 @@
 </p:tagLst>
 </file>
 
-<file path=ppt/tags/tag136.xml><?xml version="1.0" encoding="utf-8"?>
+<file path=ppt/tags/tag134.xml><?xml version="1.0" encoding="utf-8"?>
 <p:tagLst xmlns:a="http://schemas.openxmlformats.org/drawingml/2006/main" xmlns:r="http://schemas.openxmlformats.org/officeDocument/2006/relationships" xmlns:p="http://schemas.openxmlformats.org/presentationml/2006/main">
   <p:tag name="KSO_WM_BEAUTIFY_FLAG" val="#wm#"/>
   <p:tag name="KSO_WM_TEMPLATE_CATEGORY" val="custom"/>
@@ -20259,7 +20157,7 @@
 </p:tagLst>
 </file>
 
-<file path=ppt/tags/tag137.xml><?xml version="1.0" encoding="utf-8"?>
+<file path=ppt/tags/tag135.xml><?xml version="1.0" encoding="utf-8"?>
 <p:tagLst xmlns:a="http://schemas.openxmlformats.org/drawingml/2006/main" xmlns:r="http://schemas.openxmlformats.org/officeDocument/2006/relationships" xmlns:p="http://schemas.openxmlformats.org/presentationml/2006/main">
   <p:tag name="KSO_WM_UNIT_ISCONTENTSTITLE" val="0"/>
   <p:tag name="KSO_WM_UNIT_PRESET_TEXT" val="单击此处添加标题"/>
@@ -20284,11 +20182,44 @@
 </p:tagLst>
 </file>
 
-<file path=ppt/tags/tag138.xml><?xml version="1.0" encoding="utf-8"?>
+<file path=ppt/tags/tag136.xml><?xml version="1.0" encoding="utf-8"?>
 <p:tagLst xmlns:a="http://schemas.openxmlformats.org/drawingml/2006/main" xmlns:r="http://schemas.openxmlformats.org/officeDocument/2006/relationships" xmlns:p="http://schemas.openxmlformats.org/presentationml/2006/main">
   <p:tag name="KSO_WM_BEAUTIFY_FLAG" val="#wm#"/>
   <p:tag name="KSO_WM_TEMPLATE_CATEGORY" val="custom"/>
   <p:tag name="KSO_WM_TEMPLATE_INDEX" val="20187308"/>
+</p:tagLst>
+</file>
+
+<file path=ppt/tags/tag137.xml><?xml version="1.0" encoding="utf-8"?>
+<p:tagLst xmlns:a="http://schemas.openxmlformats.org/drawingml/2006/main" xmlns:r="http://schemas.openxmlformats.org/officeDocument/2006/relationships" xmlns:p="http://schemas.openxmlformats.org/presentationml/2006/main">
+  <p:tag name="KSO_WM_BEAUTIFY_FLAG" val="#wm#"/>
+  <p:tag name="KSO_WM_TEMPLATE_CATEGORY" val="custom"/>
+  <p:tag name="KSO_WM_TEMPLATE_INDEX" val="20187308"/>
+</p:tagLst>
+</file>
+
+<file path=ppt/tags/tag138.xml><?xml version="1.0" encoding="utf-8"?>
+<p:tagLst xmlns:a="http://schemas.openxmlformats.org/drawingml/2006/main" xmlns:r="http://schemas.openxmlformats.org/officeDocument/2006/relationships" xmlns:p="http://schemas.openxmlformats.org/presentationml/2006/main">
+  <p:tag name="KSO_WM_UNIT_ISCONTENTSTITLE" val="0"/>
+  <p:tag name="KSO_WM_UNIT_PRESET_TEXT" val="单击此处添加标题"/>
+  <p:tag name="KSO_WM_UNIT_NOCLEAR" val="0"/>
+  <p:tag name="KSO_WM_UNIT_VALUE" val="14"/>
+  <p:tag name="KSO_WM_UNIT_HIGHLIGHT" val="0"/>
+  <p:tag name="KSO_WM_UNIT_COMPATIBLE" val="0"/>
+  <p:tag name="KSO_WM_UNIT_DIAGRAM_ISNUMVISUAL" val="0"/>
+  <p:tag name="KSO_WM_UNIT_DIAGRAM_ISREFERUNIT" val="0"/>
+  <p:tag name="KSO_WM_DIAGRAM_GROUP_CODE" val="m1-2"/>
+  <p:tag name="KSO_WM_UNIT_TYPE" val="a"/>
+  <p:tag name="KSO_WM_UNIT_INDEX" val="1"/>
+  <p:tag name="KSO_WM_UNIT_ID" val="custom20187308_7*a*1"/>
+  <p:tag name="KSO_WM_TEMPLATE_CATEGORY" val="custom"/>
+  <p:tag name="KSO_WM_TEMPLATE_INDEX" val="20187308"/>
+  <p:tag name="KSO_WM_UNIT_LAYERLEVEL" val="1"/>
+  <p:tag name="KSO_WM_TAG_VERSION" val="1.0"/>
+  <p:tag name="KSO_WM_BEAUTIFY_FLAG" val="#wm#"/>
+  <p:tag name="KSO_WM_UNIT_TEXT_FILL_FORE_SCHEMECOLOR_INDEX" val="13"/>
+  <p:tag name="KSO_WM_UNIT_TEXT_FILL_TYPE" val="1"/>
+  <p:tag name="KSO_WM_UNIT_USESOURCEFORMAT_APPLY" val="1"/>
 </p:tagLst>
 </file>
 
@@ -20340,13 +20271,84 @@
 
 <file path=ppt/tags/tag141.xml><?xml version="1.0" encoding="utf-8"?>
 <p:tagLst xmlns:a="http://schemas.openxmlformats.org/drawingml/2006/main" xmlns:r="http://schemas.openxmlformats.org/officeDocument/2006/relationships" xmlns:p="http://schemas.openxmlformats.org/presentationml/2006/main">
+  <p:tag name="KSO_WM_SLIDE_ID" val="custom20187308_3"/>
+  <p:tag name="KSO_WM_TEMPLATE_SUBCATEGORY" val="0"/>
+  <p:tag name="KSO_WM_SLIDE_TYPE" val="sectionTitle"/>
+  <p:tag name="KSO_WM_SLIDE_SUBTYPE" val="pureTxt"/>
+  <p:tag name="KSO_WM_SLIDE_ITEM_CNT" val="0"/>
+  <p:tag name="KSO_WM_SLIDE_INDEX" val="3"/>
+  <p:tag name="KSO_WM_TAG_VERSION" val="1.0"/>
   <p:tag name="KSO_WM_BEAUTIFY_FLAG" val="#wm#"/>
   <p:tag name="KSO_WM_TEMPLATE_CATEGORY" val="custom"/>
   <p:tag name="KSO_WM_TEMPLATE_INDEX" val="20187308"/>
+  <p:tag name="KSO_WM_SLIDE_LAYOUT" val="a_b_e"/>
+  <p:tag name="KSO_WM_SLIDE_LAYOUT_CNT" val="1_1_1"/>
 </p:tagLst>
 </file>
 
 <file path=ppt/tags/tag142.xml><?xml version="1.0" encoding="utf-8"?>
+<p:tagLst xmlns:a="http://schemas.openxmlformats.org/drawingml/2006/main" xmlns:r="http://schemas.openxmlformats.org/officeDocument/2006/relationships" xmlns:p="http://schemas.openxmlformats.org/presentationml/2006/main">
+  <p:tag name="KSO_WM_UNIT_ISCONTENTSTITLE" val="0"/>
+  <p:tag name="KSO_WM_UNIT_PRESET_TEXT" val="单击此处添加标题"/>
+  <p:tag name="KSO_WM_UNIT_NOCLEAR" val="0"/>
+  <p:tag name="KSO_WM_UNIT_VALUE" val="60"/>
+  <p:tag name="KSO_WM_UNIT_HIGHLIGHT" val="0"/>
+  <p:tag name="KSO_WM_UNIT_COMPATIBLE" val="0"/>
+  <p:tag name="KSO_WM_UNIT_DIAGRAM_ISNUMVISUAL" val="0"/>
+  <p:tag name="KSO_WM_UNIT_DIAGRAM_ISREFERUNIT" val="0"/>
+  <p:tag name="KSO_WM_UNIT_TYPE" val="a"/>
+  <p:tag name="KSO_WM_UNIT_INDEX" val="1"/>
+  <p:tag name="KSO_WM_UNIT_ID" val="custom20187308_3*a*1"/>
+  <p:tag name="KSO_WM_TEMPLATE_CATEGORY" val="custom"/>
+  <p:tag name="KSO_WM_TEMPLATE_INDEX" val="20187308"/>
+  <p:tag name="KSO_WM_UNIT_LAYERLEVEL" val="1"/>
+  <p:tag name="KSO_WM_TAG_VERSION" val="1.0"/>
+  <p:tag name="KSO_WM_BEAUTIFY_FLAG" val="#wm#"/>
+</p:tagLst>
+</file>
+
+<file path=ppt/tags/tag143.xml><?xml version="1.0" encoding="utf-8"?>
+<p:tagLst xmlns:a="http://schemas.openxmlformats.org/drawingml/2006/main" xmlns:r="http://schemas.openxmlformats.org/officeDocument/2006/relationships" xmlns:p="http://schemas.openxmlformats.org/presentationml/2006/main">
+  <p:tag name="KSO_WM_UNIT_ISCONTENTSTITLE" val="0"/>
+  <p:tag name="KSO_WM_UNIT_PRESET_TEXT" val="单击此处添加文本具体内容，简明扼要的阐述您的观点。"/>
+  <p:tag name="KSO_WM_UNIT_NOCLEAR" val="0"/>
+  <p:tag name="KSO_WM_UNIT_VALUE" val="156"/>
+  <p:tag name="KSO_WM_UNIT_HIGHLIGHT" val="0"/>
+  <p:tag name="KSO_WM_UNIT_COMPATIBLE" val="0"/>
+  <p:tag name="KSO_WM_UNIT_DIAGRAM_ISNUMVISUAL" val="0"/>
+  <p:tag name="KSO_WM_UNIT_DIAGRAM_ISREFERUNIT" val="0"/>
+  <p:tag name="KSO_WM_UNIT_TYPE" val="b"/>
+  <p:tag name="KSO_WM_UNIT_INDEX" val="1"/>
+  <p:tag name="KSO_WM_UNIT_ID" val="custom20187308_3*b*1"/>
+  <p:tag name="KSO_WM_TEMPLATE_CATEGORY" val="custom"/>
+  <p:tag name="KSO_WM_TEMPLATE_INDEX" val="20187308"/>
+  <p:tag name="KSO_WM_UNIT_LAYERLEVEL" val="1"/>
+  <p:tag name="KSO_WM_TAG_VERSION" val="1.0"/>
+  <p:tag name="KSO_WM_BEAUTIFY_FLAG" val="#wm#"/>
+</p:tagLst>
+</file>
+
+<file path=ppt/tags/tag144.xml><?xml version="1.0" encoding="utf-8"?>
+<p:tagLst xmlns:a="http://schemas.openxmlformats.org/drawingml/2006/main" xmlns:r="http://schemas.openxmlformats.org/officeDocument/2006/relationships" xmlns:p="http://schemas.openxmlformats.org/presentationml/2006/main">
+  <p:tag name="KSO_WM_UNIT_PRESET_TEXT" val="01"/>
+  <p:tag name="KSO_WM_UNIT_NOCLEAR" val="0"/>
+  <p:tag name="KSO_WM_UNIT_VALUE" val="1"/>
+  <p:tag name="KSO_WM_UNIT_HIGHLIGHT" val="0"/>
+  <p:tag name="KSO_WM_UNIT_COMPATIBLE" val="1"/>
+  <p:tag name="KSO_WM_UNIT_DIAGRAM_ISNUMVISUAL" val="0"/>
+  <p:tag name="KSO_WM_UNIT_DIAGRAM_ISREFERUNIT" val="0"/>
+  <p:tag name="KSO_WM_UNIT_TYPE" val="e"/>
+  <p:tag name="KSO_WM_UNIT_INDEX" val="1"/>
+  <p:tag name="KSO_WM_UNIT_ID" val="custom20187308_3*e*1"/>
+  <p:tag name="KSO_WM_TEMPLATE_CATEGORY" val="custom"/>
+  <p:tag name="KSO_WM_TEMPLATE_INDEX" val="20187308"/>
+  <p:tag name="KSO_WM_UNIT_LAYERLEVEL" val="1"/>
+  <p:tag name="KSO_WM_TAG_VERSION" val="1.0"/>
+  <p:tag name="KSO_WM_BEAUTIFY_FLAG" val="#wm#"/>
+</p:tagLst>
+</file>
+
+<file path=ppt/tags/tag145.xml><?xml version="1.0" encoding="utf-8"?>
 <p:tagLst xmlns:a="http://schemas.openxmlformats.org/drawingml/2006/main" xmlns:r="http://schemas.openxmlformats.org/officeDocument/2006/relationships" xmlns:p="http://schemas.openxmlformats.org/presentationml/2006/main">
   <p:tag name="KSO_WM_UNIT_ISCONTENTSTITLE" val="0"/>
   <p:tag name="KSO_WM_UNIT_PRESET_TEXT" val="单击此处添加标题"/>
@@ -20371,111 +20373,7 @@
 </p:tagLst>
 </file>
 
-<file path=ppt/tags/tag143.xml><?xml version="1.0" encoding="utf-8"?>
-<p:tagLst xmlns:a="http://schemas.openxmlformats.org/drawingml/2006/main" xmlns:r="http://schemas.openxmlformats.org/officeDocument/2006/relationships" xmlns:p="http://schemas.openxmlformats.org/presentationml/2006/main">
-  <p:tag name="KSO_WM_SLIDE_ID" val="custom20187308_3"/>
-  <p:tag name="KSO_WM_TEMPLATE_SUBCATEGORY" val="0"/>
-  <p:tag name="KSO_WM_SLIDE_TYPE" val="sectionTitle"/>
-  <p:tag name="KSO_WM_SLIDE_SUBTYPE" val="pureTxt"/>
-  <p:tag name="KSO_WM_SLIDE_ITEM_CNT" val="0"/>
-  <p:tag name="KSO_WM_SLIDE_INDEX" val="3"/>
-  <p:tag name="KSO_WM_TAG_VERSION" val="1.0"/>
-  <p:tag name="KSO_WM_BEAUTIFY_FLAG" val="#wm#"/>
-  <p:tag name="KSO_WM_TEMPLATE_CATEGORY" val="custom"/>
-  <p:tag name="KSO_WM_TEMPLATE_INDEX" val="20187308"/>
-  <p:tag name="KSO_WM_SLIDE_LAYOUT" val="a_b_e"/>
-  <p:tag name="KSO_WM_SLIDE_LAYOUT_CNT" val="1_1_1"/>
-</p:tagLst>
-</file>
-
-<file path=ppt/tags/tag144.xml><?xml version="1.0" encoding="utf-8"?>
-<p:tagLst xmlns:a="http://schemas.openxmlformats.org/drawingml/2006/main" xmlns:r="http://schemas.openxmlformats.org/officeDocument/2006/relationships" xmlns:p="http://schemas.openxmlformats.org/presentationml/2006/main">
-  <p:tag name="KSO_WM_UNIT_ISCONTENTSTITLE" val="0"/>
-  <p:tag name="KSO_WM_UNIT_PRESET_TEXT" val="单击此处添加标题"/>
-  <p:tag name="KSO_WM_UNIT_NOCLEAR" val="0"/>
-  <p:tag name="KSO_WM_UNIT_VALUE" val="60"/>
-  <p:tag name="KSO_WM_UNIT_HIGHLIGHT" val="0"/>
-  <p:tag name="KSO_WM_UNIT_COMPATIBLE" val="0"/>
-  <p:tag name="KSO_WM_UNIT_DIAGRAM_ISNUMVISUAL" val="0"/>
-  <p:tag name="KSO_WM_UNIT_DIAGRAM_ISREFERUNIT" val="0"/>
-  <p:tag name="KSO_WM_UNIT_TYPE" val="a"/>
-  <p:tag name="KSO_WM_UNIT_INDEX" val="1"/>
-  <p:tag name="KSO_WM_UNIT_ID" val="custom20187308_3*a*1"/>
-  <p:tag name="KSO_WM_TEMPLATE_CATEGORY" val="custom"/>
-  <p:tag name="KSO_WM_TEMPLATE_INDEX" val="20187308"/>
-  <p:tag name="KSO_WM_UNIT_LAYERLEVEL" val="1"/>
-  <p:tag name="KSO_WM_TAG_VERSION" val="1.0"/>
-  <p:tag name="KSO_WM_BEAUTIFY_FLAG" val="#wm#"/>
-</p:tagLst>
-</file>
-
-<file path=ppt/tags/tag145.xml><?xml version="1.0" encoding="utf-8"?>
-<p:tagLst xmlns:a="http://schemas.openxmlformats.org/drawingml/2006/main" xmlns:r="http://schemas.openxmlformats.org/officeDocument/2006/relationships" xmlns:p="http://schemas.openxmlformats.org/presentationml/2006/main">
-  <p:tag name="KSO_WM_UNIT_ISCONTENTSTITLE" val="0"/>
-  <p:tag name="KSO_WM_UNIT_PRESET_TEXT" val="单击此处添加文本具体内容，简明扼要的阐述您的观点。"/>
-  <p:tag name="KSO_WM_UNIT_NOCLEAR" val="0"/>
-  <p:tag name="KSO_WM_UNIT_VALUE" val="156"/>
-  <p:tag name="KSO_WM_UNIT_HIGHLIGHT" val="0"/>
-  <p:tag name="KSO_WM_UNIT_COMPATIBLE" val="0"/>
-  <p:tag name="KSO_WM_UNIT_DIAGRAM_ISNUMVISUAL" val="0"/>
-  <p:tag name="KSO_WM_UNIT_DIAGRAM_ISREFERUNIT" val="0"/>
-  <p:tag name="KSO_WM_UNIT_TYPE" val="b"/>
-  <p:tag name="KSO_WM_UNIT_INDEX" val="1"/>
-  <p:tag name="KSO_WM_UNIT_ID" val="custom20187308_3*b*1"/>
-  <p:tag name="KSO_WM_TEMPLATE_CATEGORY" val="custom"/>
-  <p:tag name="KSO_WM_TEMPLATE_INDEX" val="20187308"/>
-  <p:tag name="KSO_WM_UNIT_LAYERLEVEL" val="1"/>
-  <p:tag name="KSO_WM_TAG_VERSION" val="1.0"/>
-  <p:tag name="KSO_WM_BEAUTIFY_FLAG" val="#wm#"/>
-</p:tagLst>
-</file>
-
 <file path=ppt/tags/tag146.xml><?xml version="1.0" encoding="utf-8"?>
-<p:tagLst xmlns:a="http://schemas.openxmlformats.org/drawingml/2006/main" xmlns:r="http://schemas.openxmlformats.org/officeDocument/2006/relationships" xmlns:p="http://schemas.openxmlformats.org/presentationml/2006/main">
-  <p:tag name="KSO_WM_UNIT_PRESET_TEXT" val="01"/>
-  <p:tag name="KSO_WM_UNIT_NOCLEAR" val="0"/>
-  <p:tag name="KSO_WM_UNIT_VALUE" val="1"/>
-  <p:tag name="KSO_WM_UNIT_HIGHLIGHT" val="0"/>
-  <p:tag name="KSO_WM_UNIT_COMPATIBLE" val="1"/>
-  <p:tag name="KSO_WM_UNIT_DIAGRAM_ISNUMVISUAL" val="0"/>
-  <p:tag name="KSO_WM_UNIT_DIAGRAM_ISREFERUNIT" val="0"/>
-  <p:tag name="KSO_WM_UNIT_TYPE" val="e"/>
-  <p:tag name="KSO_WM_UNIT_INDEX" val="1"/>
-  <p:tag name="KSO_WM_UNIT_ID" val="custom20187308_3*e*1"/>
-  <p:tag name="KSO_WM_TEMPLATE_CATEGORY" val="custom"/>
-  <p:tag name="KSO_WM_TEMPLATE_INDEX" val="20187308"/>
-  <p:tag name="KSO_WM_UNIT_LAYERLEVEL" val="1"/>
-  <p:tag name="KSO_WM_TAG_VERSION" val="1.0"/>
-  <p:tag name="KSO_WM_BEAUTIFY_FLAG" val="#wm#"/>
-</p:tagLst>
-</file>
-
-<file path=ppt/tags/tag147.xml><?xml version="1.0" encoding="utf-8"?>
-<p:tagLst xmlns:a="http://schemas.openxmlformats.org/drawingml/2006/main" xmlns:r="http://schemas.openxmlformats.org/officeDocument/2006/relationships" xmlns:p="http://schemas.openxmlformats.org/presentationml/2006/main">
-  <p:tag name="KSO_WM_UNIT_ISCONTENTSTITLE" val="0"/>
-  <p:tag name="KSO_WM_UNIT_PRESET_TEXT" val="单击此处添加标题"/>
-  <p:tag name="KSO_WM_UNIT_NOCLEAR" val="0"/>
-  <p:tag name="KSO_WM_UNIT_VALUE" val="14"/>
-  <p:tag name="KSO_WM_UNIT_HIGHLIGHT" val="0"/>
-  <p:tag name="KSO_WM_UNIT_COMPATIBLE" val="0"/>
-  <p:tag name="KSO_WM_UNIT_DIAGRAM_ISNUMVISUAL" val="0"/>
-  <p:tag name="KSO_WM_UNIT_DIAGRAM_ISREFERUNIT" val="0"/>
-  <p:tag name="KSO_WM_DIAGRAM_GROUP_CODE" val="m1-2"/>
-  <p:tag name="KSO_WM_UNIT_TYPE" val="a"/>
-  <p:tag name="KSO_WM_UNIT_INDEX" val="1"/>
-  <p:tag name="KSO_WM_UNIT_ID" val="custom20187308_7*a*1"/>
-  <p:tag name="KSO_WM_TEMPLATE_CATEGORY" val="custom"/>
-  <p:tag name="KSO_WM_TEMPLATE_INDEX" val="20187308"/>
-  <p:tag name="KSO_WM_UNIT_LAYERLEVEL" val="1"/>
-  <p:tag name="KSO_WM_TAG_VERSION" val="1.0"/>
-  <p:tag name="KSO_WM_BEAUTIFY_FLAG" val="#wm#"/>
-  <p:tag name="KSO_WM_UNIT_TEXT_FILL_FORE_SCHEMECOLOR_INDEX" val="13"/>
-  <p:tag name="KSO_WM_UNIT_TEXT_FILL_TYPE" val="1"/>
-  <p:tag name="KSO_WM_UNIT_USESOURCEFORMAT_APPLY" val="1"/>
-</p:tagLst>
-</file>
-
-<file path=ppt/tags/tag148.xml><?xml version="1.0" encoding="utf-8"?>
 <p:tagLst xmlns:a="http://schemas.openxmlformats.org/drawingml/2006/main" xmlns:r="http://schemas.openxmlformats.org/officeDocument/2006/relationships" xmlns:p="http://schemas.openxmlformats.org/presentationml/2006/main">
   <p:tag name="KSO_WM_SLIDE_ID" val="custom20187308_15"/>
   <p:tag name="KSO_WM_TEMPLATE_SUBCATEGORY" val="0"/>
@@ -20492,7 +20390,7 @@
 </p:tagLst>
 </file>
 
-<file path=ppt/tags/tag149.xml><?xml version="1.0" encoding="utf-8"?>
+<file path=ppt/tags/tag147.xml><?xml version="1.0" encoding="utf-8"?>
 <p:tagLst xmlns:a="http://schemas.openxmlformats.org/drawingml/2006/main" xmlns:r="http://schemas.openxmlformats.org/officeDocument/2006/relationships" xmlns:p="http://schemas.openxmlformats.org/presentationml/2006/main">
   <p:tag name="KSO_WM_UNIT_ISCONTENTSTITLE" val="0"/>
   <p:tag name="KSO_WM_UNIT_PRESET_TEXT" val="谢谢观看"/>
@@ -21633,17 +21531,14 @@
 
 <file path=ppt/tags/tag83.xml><?xml version="1.0" encoding="utf-8"?>
 <p:tagLst xmlns:a="http://schemas.openxmlformats.org/drawingml/2006/main" xmlns:r="http://schemas.openxmlformats.org/officeDocument/2006/relationships" xmlns:p="http://schemas.openxmlformats.org/presentationml/2006/main">
-  <p:tag name="KSO_WM_UNIT_PRESET_TEXT" val="在此输入节标题5"/>
-  <p:tag name="KSO_WM_UNIT_NOCLEAR" val="0"/>
-  <p:tag name="KSO_WM_UNIT_VALUE" val="15"/>
   <p:tag name="KSO_WM_UNIT_HIGHLIGHT" val="0"/>
   <p:tag name="KSO_WM_UNIT_COMPATIBLE" val="0"/>
   <p:tag name="KSO_WM_UNIT_DIAGRAM_ISNUMVISUAL" val="0"/>
   <p:tag name="KSO_WM_UNIT_DIAGRAM_ISREFERUNIT" val="0"/>
   <p:tag name="KSO_WM_DIAGRAM_GROUP_CODE" val="l1-1"/>
-  <p:tag name="KSO_WM_UNIT_TYPE" val="l_h_f"/>
+  <p:tag name="KSO_WM_UNIT_TYPE" val="l_h_i"/>
   <p:tag name="KSO_WM_UNIT_INDEX" val="1_5_1"/>
-  <p:tag name="KSO_WM_UNIT_ID" val="custom20187308_2*l_h_f*1_5_1"/>
+  <p:tag name="KSO_WM_UNIT_ID" val="custom20187308_2*l_h_i*1_5_1"/>
   <p:tag name="KSO_WM_TEMPLATE_CATEGORY" val="custom"/>
   <p:tag name="KSO_WM_TEMPLATE_INDEX" val="20187308"/>
   <p:tag name="KSO_WM_UNIT_LAYERLEVEL" val="1_1_1"/>
@@ -21678,51 +21573,6 @@
 
 <file path=ppt/tags/tag85.xml><?xml version="1.0" encoding="utf-8"?>
 <p:tagLst xmlns:a="http://schemas.openxmlformats.org/drawingml/2006/main" xmlns:r="http://schemas.openxmlformats.org/officeDocument/2006/relationships" xmlns:p="http://schemas.openxmlformats.org/presentationml/2006/main">
-  <p:tag name="KSO_WM_UNIT_PRESET_TEXT" val="在此输入节标题5"/>
-  <p:tag name="KSO_WM_UNIT_NOCLEAR" val="0"/>
-  <p:tag name="KSO_WM_UNIT_VALUE" val="15"/>
-  <p:tag name="KSO_WM_UNIT_HIGHLIGHT" val="0"/>
-  <p:tag name="KSO_WM_UNIT_COMPATIBLE" val="0"/>
-  <p:tag name="KSO_WM_UNIT_DIAGRAM_ISNUMVISUAL" val="0"/>
-  <p:tag name="KSO_WM_UNIT_DIAGRAM_ISREFERUNIT" val="0"/>
-  <p:tag name="KSO_WM_DIAGRAM_GROUP_CODE" val="l1-1"/>
-  <p:tag name="KSO_WM_UNIT_TYPE" val="l_h_f"/>
-  <p:tag name="KSO_WM_UNIT_INDEX" val="1_5_1"/>
-  <p:tag name="KSO_WM_UNIT_ID" val="custom20187308_2*l_h_f*1_5_1"/>
-  <p:tag name="KSO_WM_TEMPLATE_CATEGORY" val="custom"/>
-  <p:tag name="KSO_WM_TEMPLATE_INDEX" val="20187308"/>
-  <p:tag name="KSO_WM_UNIT_LAYERLEVEL" val="1_1_1"/>
-  <p:tag name="KSO_WM_TAG_VERSION" val="1.0"/>
-  <p:tag name="KSO_WM_BEAUTIFY_FLAG" val="#wm#"/>
-  <p:tag name="KSO_WM_UNIT_TEXT_FILL_FORE_SCHEMECOLOR_INDEX" val="13"/>
-  <p:tag name="KSO_WM_UNIT_TEXT_FILL_TYPE" val="1"/>
-  <p:tag name="KSO_WM_UNIT_USESOURCEFORMAT_APPLY" val="1"/>
-</p:tagLst>
-</file>
-
-<file path=ppt/tags/tag86.xml><?xml version="1.0" encoding="utf-8"?>
-<p:tagLst xmlns:a="http://schemas.openxmlformats.org/drawingml/2006/main" xmlns:r="http://schemas.openxmlformats.org/officeDocument/2006/relationships" xmlns:p="http://schemas.openxmlformats.org/presentationml/2006/main">
-  <p:tag name="KSO_WM_UNIT_HIGHLIGHT" val="0"/>
-  <p:tag name="KSO_WM_UNIT_COMPATIBLE" val="0"/>
-  <p:tag name="KSO_WM_UNIT_DIAGRAM_ISNUMVISUAL" val="0"/>
-  <p:tag name="KSO_WM_UNIT_DIAGRAM_ISREFERUNIT" val="0"/>
-  <p:tag name="KSO_WM_DIAGRAM_GROUP_CODE" val="l1-1"/>
-  <p:tag name="KSO_WM_UNIT_TYPE" val="l_h_i"/>
-  <p:tag name="KSO_WM_UNIT_INDEX" val="1_5_1"/>
-  <p:tag name="KSO_WM_UNIT_ID" val="custom20187308_2*l_h_i*1_5_1"/>
-  <p:tag name="KSO_WM_TEMPLATE_CATEGORY" val="custom"/>
-  <p:tag name="KSO_WM_TEMPLATE_INDEX" val="20187308"/>
-  <p:tag name="KSO_WM_UNIT_LAYERLEVEL" val="1_1_1"/>
-  <p:tag name="KSO_WM_TAG_VERSION" val="1.0"/>
-  <p:tag name="KSO_WM_BEAUTIFY_FLAG" val="#wm#"/>
-  <p:tag name="KSO_WM_UNIT_TEXT_FILL_FORE_SCHEMECOLOR_INDEX" val="13"/>
-  <p:tag name="KSO_WM_UNIT_TEXT_FILL_TYPE" val="1"/>
-  <p:tag name="KSO_WM_UNIT_USESOURCEFORMAT_APPLY" val="1"/>
-</p:tagLst>
-</file>
-
-<file path=ppt/tags/tag87.xml><?xml version="1.0" encoding="utf-8"?>
-<p:tagLst xmlns:a="http://schemas.openxmlformats.org/drawingml/2006/main" xmlns:r="http://schemas.openxmlformats.org/officeDocument/2006/relationships" xmlns:p="http://schemas.openxmlformats.org/presentationml/2006/main">
   <p:tag name="KSO_WM_SLIDE_ID" val="custom20187308_3"/>
   <p:tag name="KSO_WM_TEMPLATE_SUBCATEGORY" val="0"/>
   <p:tag name="KSO_WM_SLIDE_TYPE" val="sectionTitle"/>
@@ -21738,7 +21588,7 @@
 </p:tagLst>
 </file>
 
-<file path=ppt/tags/tag88.xml><?xml version="1.0" encoding="utf-8"?>
+<file path=ppt/tags/tag86.xml><?xml version="1.0" encoding="utf-8"?>
 <p:tagLst xmlns:a="http://schemas.openxmlformats.org/drawingml/2006/main" xmlns:r="http://schemas.openxmlformats.org/officeDocument/2006/relationships" xmlns:p="http://schemas.openxmlformats.org/presentationml/2006/main">
   <p:tag name="KSO_WM_UNIT_ISCONTENTSTITLE" val="0"/>
   <p:tag name="KSO_WM_UNIT_PRESET_TEXT" val="单击此处添加标题"/>
@@ -21759,7 +21609,7 @@
 </p:tagLst>
 </file>
 
-<file path=ppt/tags/tag89.xml><?xml version="1.0" encoding="utf-8"?>
+<file path=ppt/tags/tag87.xml><?xml version="1.0" encoding="utf-8"?>
 <p:tagLst xmlns:a="http://schemas.openxmlformats.org/drawingml/2006/main" xmlns:r="http://schemas.openxmlformats.org/officeDocument/2006/relationships" xmlns:p="http://schemas.openxmlformats.org/presentationml/2006/main">
   <p:tag name="KSO_WM_UNIT_ISCONTENTSTITLE" val="0"/>
   <p:tag name="KSO_WM_UNIT_PRESET_TEXT" val="单击此处添加文本具体内容，简明扼要的阐述您的观点。"/>
@@ -21780,20 +21630,7 @@
 </p:tagLst>
 </file>
 
-<file path=ppt/tags/tag9.xml><?xml version="1.0" encoding="utf-8"?>
-<p:tagLst xmlns:a="http://schemas.openxmlformats.org/drawingml/2006/main" xmlns:r="http://schemas.openxmlformats.org/officeDocument/2006/relationships" xmlns:p="http://schemas.openxmlformats.org/presentationml/2006/main">
-  <p:tag name="KSO_WM_UNIT_HIGHLIGHT" val="0"/>
-  <p:tag name="KSO_WM_UNIT_COMPATIBLE" val="0"/>
-  <p:tag name="KSO_WM_UNIT_DIAGRAM_ISNUMVISUAL" val="0"/>
-  <p:tag name="KSO_WM_UNIT_DIAGRAM_ISREFERUNIT" val="0"/>
-  <p:tag name="KSO_WM_UNIT_ID" val="_0**"/>
-  <p:tag name="KSO_WM_UNIT_LAYERLEVEL" val="1"/>
-  <p:tag name="KSO_WM_TAG_VERSION" val="1.0"/>
-  <p:tag name="KSO_WM_BEAUTIFY_FLAG" val="#wm#"/>
-</p:tagLst>
-</file>
-
-<file path=ppt/tags/tag90.xml><?xml version="1.0" encoding="utf-8"?>
+<file path=ppt/tags/tag88.xml><?xml version="1.0" encoding="utf-8"?>
 <p:tagLst xmlns:a="http://schemas.openxmlformats.org/drawingml/2006/main" xmlns:r="http://schemas.openxmlformats.org/officeDocument/2006/relationships" xmlns:p="http://schemas.openxmlformats.org/presentationml/2006/main">
   <p:tag name="KSO_WM_UNIT_PRESET_TEXT" val="01"/>
   <p:tag name="KSO_WM_UNIT_NOCLEAR" val="0"/>
@@ -21813,7 +21650,7 @@
 </p:tagLst>
 </file>
 
-<file path=ppt/tags/tag91.xml><?xml version="1.0" encoding="utf-8"?>
+<file path=ppt/tags/tag89.xml><?xml version="1.0" encoding="utf-8"?>
 <p:tagLst xmlns:a="http://schemas.openxmlformats.org/drawingml/2006/main" xmlns:r="http://schemas.openxmlformats.org/officeDocument/2006/relationships" xmlns:p="http://schemas.openxmlformats.org/presentationml/2006/main">
   <p:tag name="KSO_WM_SLIDE_ID" val="custom20187308_3"/>
   <p:tag name="KSO_WM_TEMPLATE_SUBCATEGORY" val="0"/>
@@ -21830,7 +21667,20 @@
 </p:tagLst>
 </file>
 
-<file path=ppt/tags/tag92.xml><?xml version="1.0" encoding="utf-8"?>
+<file path=ppt/tags/tag9.xml><?xml version="1.0" encoding="utf-8"?>
+<p:tagLst xmlns:a="http://schemas.openxmlformats.org/drawingml/2006/main" xmlns:r="http://schemas.openxmlformats.org/officeDocument/2006/relationships" xmlns:p="http://schemas.openxmlformats.org/presentationml/2006/main">
+  <p:tag name="KSO_WM_UNIT_HIGHLIGHT" val="0"/>
+  <p:tag name="KSO_WM_UNIT_COMPATIBLE" val="0"/>
+  <p:tag name="KSO_WM_UNIT_DIAGRAM_ISNUMVISUAL" val="0"/>
+  <p:tag name="KSO_WM_UNIT_DIAGRAM_ISREFERUNIT" val="0"/>
+  <p:tag name="KSO_WM_UNIT_ID" val="_0**"/>
+  <p:tag name="KSO_WM_UNIT_LAYERLEVEL" val="1"/>
+  <p:tag name="KSO_WM_TAG_VERSION" val="1.0"/>
+  <p:tag name="KSO_WM_BEAUTIFY_FLAG" val="#wm#"/>
+</p:tagLst>
+</file>
+
+<file path=ppt/tags/tag90.xml><?xml version="1.0" encoding="utf-8"?>
 <p:tagLst xmlns:a="http://schemas.openxmlformats.org/drawingml/2006/main" xmlns:r="http://schemas.openxmlformats.org/officeDocument/2006/relationships" xmlns:p="http://schemas.openxmlformats.org/presentationml/2006/main">
   <p:tag name="KSO_WM_UNIT_ISCONTENTSTITLE" val="0"/>
   <p:tag name="KSO_WM_UNIT_PRESET_TEXT" val="单击此处添加标题"/>
@@ -21851,7 +21701,7 @@
 </p:tagLst>
 </file>
 
-<file path=ppt/tags/tag93.xml><?xml version="1.0" encoding="utf-8"?>
+<file path=ppt/tags/tag91.xml><?xml version="1.0" encoding="utf-8"?>
 <p:tagLst xmlns:a="http://schemas.openxmlformats.org/drawingml/2006/main" xmlns:r="http://schemas.openxmlformats.org/officeDocument/2006/relationships" xmlns:p="http://schemas.openxmlformats.org/presentationml/2006/main">
   <p:tag name="KSO_WM_UNIT_ISCONTENTSTITLE" val="0"/>
   <p:tag name="KSO_WM_UNIT_PRESET_TEXT" val="单击此处添加文本具体内容，简明扼要的阐述您的观点。"/>
@@ -21872,7 +21722,7 @@
 </p:tagLst>
 </file>
 
-<file path=ppt/tags/tag94.xml><?xml version="1.0" encoding="utf-8"?>
+<file path=ppt/tags/tag92.xml><?xml version="1.0" encoding="utf-8"?>
 <p:tagLst xmlns:a="http://schemas.openxmlformats.org/drawingml/2006/main" xmlns:r="http://schemas.openxmlformats.org/officeDocument/2006/relationships" xmlns:p="http://schemas.openxmlformats.org/presentationml/2006/main">
   <p:tag name="KSO_WM_UNIT_PRESET_TEXT" val="01"/>
   <p:tag name="KSO_WM_UNIT_NOCLEAR" val="0"/>
@@ -21892,7 +21742,7 @@
 </p:tagLst>
 </file>
 
-<file path=ppt/tags/tag95.xml><?xml version="1.0" encoding="utf-8"?>
+<file path=ppt/tags/tag93.xml><?xml version="1.0" encoding="utf-8"?>
 <p:tagLst xmlns:a="http://schemas.openxmlformats.org/drawingml/2006/main" xmlns:r="http://schemas.openxmlformats.org/officeDocument/2006/relationships" xmlns:p="http://schemas.openxmlformats.org/presentationml/2006/main">
   <p:tag name="KSO_WM_SLIDE_ID" val="custom20187308_3"/>
   <p:tag name="KSO_WM_TEMPLATE_SUBCATEGORY" val="0"/>
@@ -21909,7 +21759,7 @@
 </p:tagLst>
 </file>
 
-<file path=ppt/tags/tag96.xml><?xml version="1.0" encoding="utf-8"?>
+<file path=ppt/tags/tag94.xml><?xml version="1.0" encoding="utf-8"?>
 <p:tagLst xmlns:a="http://schemas.openxmlformats.org/drawingml/2006/main" xmlns:r="http://schemas.openxmlformats.org/officeDocument/2006/relationships" xmlns:p="http://schemas.openxmlformats.org/presentationml/2006/main">
   <p:tag name="KSO_WM_UNIT_ISCONTENTSTITLE" val="0"/>
   <p:tag name="KSO_WM_UNIT_PRESET_TEXT" val="单击此处添加标题"/>
@@ -21930,7 +21780,7 @@
 </p:tagLst>
 </file>
 
-<file path=ppt/tags/tag97.xml><?xml version="1.0" encoding="utf-8"?>
+<file path=ppt/tags/tag95.xml><?xml version="1.0" encoding="utf-8"?>
 <p:tagLst xmlns:a="http://schemas.openxmlformats.org/drawingml/2006/main" xmlns:r="http://schemas.openxmlformats.org/officeDocument/2006/relationships" xmlns:p="http://schemas.openxmlformats.org/presentationml/2006/main">
   <p:tag name="KSO_WM_UNIT_ISCONTENTSTITLE" val="0"/>
   <p:tag name="KSO_WM_UNIT_PRESET_TEXT" val="单击此处添加文本具体内容，简明扼要的阐述您的观点。"/>
@@ -21951,7 +21801,7 @@
 </p:tagLst>
 </file>
 
-<file path=ppt/tags/tag98.xml><?xml version="1.0" encoding="utf-8"?>
+<file path=ppt/tags/tag96.xml><?xml version="1.0" encoding="utf-8"?>
 <p:tagLst xmlns:a="http://schemas.openxmlformats.org/drawingml/2006/main" xmlns:r="http://schemas.openxmlformats.org/officeDocument/2006/relationships" xmlns:p="http://schemas.openxmlformats.org/presentationml/2006/main">
   <p:tag name="KSO_WM_UNIT_PRESET_TEXT" val="01"/>
   <p:tag name="KSO_WM_UNIT_NOCLEAR" val="0"/>
@@ -21963,6 +21813,35 @@
   <p:tag name="KSO_WM_UNIT_TYPE" val="e"/>
   <p:tag name="KSO_WM_UNIT_INDEX" val="1"/>
   <p:tag name="KSO_WM_UNIT_ID" val="custom20187308_3*e*1"/>
+  <p:tag name="KSO_WM_TEMPLATE_CATEGORY" val="custom"/>
+  <p:tag name="KSO_WM_TEMPLATE_INDEX" val="20187308"/>
+  <p:tag name="KSO_WM_UNIT_LAYERLEVEL" val="1"/>
+  <p:tag name="KSO_WM_TAG_VERSION" val="1.0"/>
+  <p:tag name="KSO_WM_BEAUTIFY_FLAG" val="#wm#"/>
+</p:tagLst>
+</file>
+
+<file path=ppt/tags/tag97.xml><?xml version="1.0" encoding="utf-8"?>
+<p:tagLst xmlns:a="http://schemas.openxmlformats.org/drawingml/2006/main" xmlns:r="http://schemas.openxmlformats.org/officeDocument/2006/relationships" xmlns:p="http://schemas.openxmlformats.org/presentationml/2006/main">
+  <p:tag name="KSO_WM_BEAUTIFY_FLAG" val="#wm#"/>
+  <p:tag name="KSO_WM_TEMPLATE_CATEGORY" val="custom"/>
+  <p:tag name="KSO_WM_TEMPLATE_INDEX" val="20187308"/>
+</p:tagLst>
+</file>
+
+<file path=ppt/tags/tag98.xml><?xml version="1.0" encoding="utf-8"?>
+<p:tagLst xmlns:a="http://schemas.openxmlformats.org/drawingml/2006/main" xmlns:r="http://schemas.openxmlformats.org/officeDocument/2006/relationships" xmlns:p="http://schemas.openxmlformats.org/presentationml/2006/main">
+  <p:tag name="KSO_WM_UNIT_ISCONTENTSTITLE" val="0"/>
+  <p:tag name="KSO_WM_UNIT_PRESET_TEXT" val="单击此处添加标题"/>
+  <p:tag name="KSO_WM_UNIT_NOCLEAR" val="0"/>
+  <p:tag name="KSO_WM_UNIT_VALUE" val="14"/>
+  <p:tag name="KSO_WM_UNIT_HIGHLIGHT" val="0"/>
+  <p:tag name="KSO_WM_UNIT_COMPATIBLE" val="0"/>
+  <p:tag name="KSO_WM_UNIT_DIAGRAM_ISNUMVISUAL" val="0"/>
+  <p:tag name="KSO_WM_UNIT_DIAGRAM_ISREFERUNIT" val="0"/>
+  <p:tag name="KSO_WM_UNIT_TYPE" val="a"/>
+  <p:tag name="KSO_WM_UNIT_INDEX" val="1"/>
+  <p:tag name="KSO_WM_UNIT_ID" val="custom20187308_9*a*1"/>
   <p:tag name="KSO_WM_TEMPLATE_CATEGORY" val="custom"/>
   <p:tag name="KSO_WM_TEMPLATE_INDEX" val="20187308"/>
   <p:tag name="KSO_WM_UNIT_LAYERLEVEL" val="1"/>

--- a/_doc/KFrame.pptx
+++ b/_doc/KFrame.pptx
@@ -12609,6 +12609,49 @@
                   <a:alpha val="42000"/>
                 </a:schemeClr>
               </a:solidFill>
+            </a:endParaRPr>
+          </a:p>
+        </p:txBody>
+      </p:sp>
+      <p:sp>
+        <p:nvSpPr>
+          <p:cNvPr id="21" name="文本框 20"/>
+          <p:cNvSpPr txBox="1"/>
+          <p:nvPr>
+            <p:custDataLst>
+              <p:tags r:id="rId17"/>
+            </p:custDataLst>
+          </p:nvPr>
+        </p:nvSpPr>
+        <p:spPr>
+          <a:xfrm>
+            <a:off x="4824329" y="4991749"/>
+            <a:ext cx="6443856" cy="452945"/>
+          </a:xfrm>
+          <a:prstGeom prst="rect">
+            <a:avLst/>
+          </a:prstGeom>
+          <a:noFill/>
+        </p:spPr>
+        <p:txBody>
+          <a:bodyPr wrap="square" rtlCol="0">
+            <a:spAutoFit/>
+          </a:bodyPr>
+          <a:lstStyle/>
+          <a:p>
+            <a:pPr>
+              <a:lnSpc>
+                <a:spcPct val="130000"/>
+              </a:lnSpc>
+            </a:pPr>
+            <a:r>
+              <a:rPr lang="zh-CN" altLang="en-US" sz="2000" dirty="0" smtClean="0">
+                <a:sym typeface="+mn-ea"/>
+              </a:rPr>
+              <a:t>运营日志</a:t>
+            </a:r>
+            <a:endParaRPr lang="zh-CN" altLang="en-US" sz="2000" spc="120" dirty="0">
+              <a:sym typeface="+mn-ea"/>
             </a:endParaRPr>
           </a:p>
         </p:txBody>
@@ -13305,6 +13348,41 @@
                                   </p:childTnLst>
                                 </p:cTn>
                               </p:par>
+                              <p:par>
+                                <p:cTn id="55" presetID="8" presetClass="entr" presetSubtype="16" fill="hold" grpId="0" nodeType="withEffect">
+                                  <p:stCondLst>
+                                    <p:cond delay="0"/>
+                                  </p:stCondLst>
+                                  <p:childTnLst>
+                                    <p:set>
+                                      <p:cBhvr>
+                                        <p:cTn id="56" dur="1" fill="hold">
+                                          <p:stCondLst>
+                                            <p:cond delay="0"/>
+                                          </p:stCondLst>
+                                        </p:cTn>
+                                        <p:tgtEl>
+                                          <p:spTgt spid="21"/>
+                                        </p:tgtEl>
+                                        <p:attrNameLst>
+                                          <p:attrName>style.visibility</p:attrName>
+                                        </p:attrNameLst>
+                                      </p:cBhvr>
+                                      <p:to>
+                                        <p:strVal val="visible"/>
+                                      </p:to>
+                                    </p:set>
+                                    <p:animEffect transition="in" filter="diamond(in)">
+                                      <p:cBhvr>
+                                        <p:cTn id="57" dur="2000"/>
+                                        <p:tgtEl>
+                                          <p:spTgt spid="21"/>
+                                        </p:tgtEl>
+                                      </p:cBhvr>
+                                    </p:animEffect>
+                                  </p:childTnLst>
+                                </p:cTn>
+                              </p:par>
                             </p:childTnLst>
                           </p:cTn>
                         </p:par>
@@ -13357,6 +13435,8 @@
       <p:bldP spid="18" grpId="1"/>
       <p:bldP spid="20" grpId="0"/>
       <p:bldP spid="20" grpId="1"/>
+      <p:bldP spid="21" grpId="0"/>
+      <p:bldP spid="21" grpId="1"/>
     </p:bldLst>
   </p:timing>
 </p:sld>
@@ -19486,6 +19566,14 @@
 
 <file path=ppt/tags/tag100.xml><?xml version="1.0" encoding="utf-8"?>
 <p:tagLst xmlns:a="http://schemas.openxmlformats.org/drawingml/2006/main" xmlns:r="http://schemas.openxmlformats.org/officeDocument/2006/relationships" xmlns:p="http://schemas.openxmlformats.org/presentationml/2006/main">
+  <p:tag name="KSO_WM_BEAUTIFY_FLAG" val="#wm#"/>
+  <p:tag name="KSO_WM_TEMPLATE_CATEGORY" val="custom"/>
+  <p:tag name="KSO_WM_TEMPLATE_INDEX" val="20187308"/>
+</p:tagLst>
+</file>
+
+<file path=ppt/tags/tag101.xml><?xml version="1.0" encoding="utf-8"?>
+<p:tagLst xmlns:a="http://schemas.openxmlformats.org/drawingml/2006/main" xmlns:r="http://schemas.openxmlformats.org/officeDocument/2006/relationships" xmlns:p="http://schemas.openxmlformats.org/presentationml/2006/main">
   <p:tag name="KSO_WM_UNIT_ISCONTENTSTITLE" val="0"/>
   <p:tag name="KSO_WM_UNIT_PRESET_TEXT" val="单击此处添加标题"/>
   <p:tag name="KSO_WM_UNIT_NOCLEAR" val="0"/>
@@ -19505,7 +19593,7 @@
 </p:tagLst>
 </file>
 
-<file path=ppt/tags/tag101.xml><?xml version="1.0" encoding="utf-8"?>
+<file path=ppt/tags/tag102.xml><?xml version="1.0" encoding="utf-8"?>
 <p:tagLst xmlns:a="http://schemas.openxmlformats.org/drawingml/2006/main" xmlns:r="http://schemas.openxmlformats.org/officeDocument/2006/relationships" xmlns:p="http://schemas.openxmlformats.org/presentationml/2006/main">
   <p:tag name="KSO_WM_SLIDE_ID" val="custom20187308_7"/>
   <p:tag name="KSO_WM_TEMPLATE_SUBCATEGORY" val="0"/>
@@ -19526,7 +19614,7 @@
 </p:tagLst>
 </file>
 
-<file path=ppt/tags/tag102.xml><?xml version="1.0" encoding="utf-8"?>
+<file path=ppt/tags/tag103.xml><?xml version="1.0" encoding="utf-8"?>
 <p:tagLst xmlns:a="http://schemas.openxmlformats.org/drawingml/2006/main" xmlns:r="http://schemas.openxmlformats.org/officeDocument/2006/relationships" xmlns:p="http://schemas.openxmlformats.org/presentationml/2006/main">
   <p:tag name="KSO_WM_UNIT_ISCONTENTSTITLE" val="0"/>
   <p:tag name="KSO_WM_UNIT_PRESET_TEXT" val="单击此处添加标题"/>
@@ -19548,27 +19636,6 @@
   <p:tag name="KSO_WM_UNIT_TEXT_FILL_FORE_SCHEMECOLOR_INDEX" val="13"/>
   <p:tag name="KSO_WM_UNIT_TEXT_FILL_TYPE" val="1"/>
   <p:tag name="KSO_WM_UNIT_USESOURCEFORMAT_APPLY" val="1"/>
-</p:tagLst>
-</file>
-
-<file path=ppt/tags/tag103.xml><?xml version="1.0" encoding="utf-8"?>
-<p:tagLst xmlns:a="http://schemas.openxmlformats.org/drawingml/2006/main" xmlns:r="http://schemas.openxmlformats.org/officeDocument/2006/relationships" xmlns:p="http://schemas.openxmlformats.org/presentationml/2006/main">
-  <p:tag name="KSO_WM_UNIT_ISCONTENTSTITLE" val="0"/>
-  <p:tag name="KSO_WM_UNIT_PRESET_TEXT" val="单击此处添加文本具体内容，简明扼要的阐述您的观点。"/>
-  <p:tag name="KSO_WM_UNIT_NOCLEAR" val="0"/>
-  <p:tag name="KSO_WM_UNIT_VALUE" val="156"/>
-  <p:tag name="KSO_WM_UNIT_HIGHLIGHT" val="0"/>
-  <p:tag name="KSO_WM_UNIT_COMPATIBLE" val="0"/>
-  <p:tag name="KSO_WM_UNIT_DIAGRAM_ISNUMVISUAL" val="0"/>
-  <p:tag name="KSO_WM_UNIT_DIAGRAM_ISREFERUNIT" val="0"/>
-  <p:tag name="KSO_WM_UNIT_TYPE" val="b"/>
-  <p:tag name="KSO_WM_UNIT_INDEX" val="1"/>
-  <p:tag name="KSO_WM_UNIT_ID" val="custom20187308_3*b*1"/>
-  <p:tag name="KSO_WM_TEMPLATE_CATEGORY" val="custom"/>
-  <p:tag name="KSO_WM_TEMPLATE_INDEX" val="20187308"/>
-  <p:tag name="KSO_WM_UNIT_LAYERLEVEL" val="1"/>
-  <p:tag name="KSO_WM_TAG_VERSION" val="1.0"/>
-  <p:tag name="KSO_WM_BEAUTIFY_FLAG" val="#wm#"/>
 </p:tagLst>
 </file>
 
@@ -19595,13 +19662,34 @@
 
 <file path=ppt/tags/tag105.xml><?xml version="1.0" encoding="utf-8"?>
 <p:tagLst xmlns:a="http://schemas.openxmlformats.org/drawingml/2006/main" xmlns:r="http://schemas.openxmlformats.org/officeDocument/2006/relationships" xmlns:p="http://schemas.openxmlformats.org/presentationml/2006/main">
+  <p:tag name="KSO_WM_UNIT_ISCONTENTSTITLE" val="0"/>
+  <p:tag name="KSO_WM_UNIT_PRESET_TEXT" val="单击此处添加文本具体内容，简明扼要的阐述您的观点。"/>
+  <p:tag name="KSO_WM_UNIT_NOCLEAR" val="0"/>
+  <p:tag name="KSO_WM_UNIT_VALUE" val="156"/>
+  <p:tag name="KSO_WM_UNIT_HIGHLIGHT" val="0"/>
+  <p:tag name="KSO_WM_UNIT_COMPATIBLE" val="0"/>
+  <p:tag name="KSO_WM_UNIT_DIAGRAM_ISNUMVISUAL" val="0"/>
+  <p:tag name="KSO_WM_UNIT_DIAGRAM_ISREFERUNIT" val="0"/>
+  <p:tag name="KSO_WM_UNIT_TYPE" val="b"/>
+  <p:tag name="KSO_WM_UNIT_INDEX" val="1"/>
+  <p:tag name="KSO_WM_UNIT_ID" val="custom20187308_3*b*1"/>
+  <p:tag name="KSO_WM_TEMPLATE_CATEGORY" val="custom"/>
+  <p:tag name="KSO_WM_TEMPLATE_INDEX" val="20187308"/>
+  <p:tag name="KSO_WM_UNIT_LAYERLEVEL" val="1"/>
+  <p:tag name="KSO_WM_TAG_VERSION" val="1.0"/>
+  <p:tag name="KSO_WM_BEAUTIFY_FLAG" val="#wm#"/>
+</p:tagLst>
+</file>
+
+<file path=ppt/tags/tag106.xml><?xml version="1.0" encoding="utf-8"?>
+<p:tagLst xmlns:a="http://schemas.openxmlformats.org/drawingml/2006/main" xmlns:r="http://schemas.openxmlformats.org/officeDocument/2006/relationships" xmlns:p="http://schemas.openxmlformats.org/presentationml/2006/main">
   <p:tag name="KSO_WM_BEAUTIFY_FLAG" val="#wm#"/>
   <p:tag name="KSO_WM_TEMPLATE_CATEGORY" val="custom"/>
   <p:tag name="KSO_WM_TEMPLATE_INDEX" val="20187308"/>
 </p:tagLst>
 </file>
 
-<file path=ppt/tags/tag106.xml><?xml version="1.0" encoding="utf-8"?>
+<file path=ppt/tags/tag107.xml><?xml version="1.0" encoding="utf-8"?>
 <p:tagLst xmlns:a="http://schemas.openxmlformats.org/drawingml/2006/main" xmlns:r="http://schemas.openxmlformats.org/officeDocument/2006/relationships" xmlns:p="http://schemas.openxmlformats.org/presentationml/2006/main">
   <p:tag name="KSO_WM_UNIT_ISCONTENTSTITLE" val="0"/>
   <p:tag name="KSO_WM_UNIT_PRESET_TEXT" val="单击此处添加标题"/>
@@ -19626,7 +19714,7 @@
 </p:tagLst>
 </file>
 
-<file path=ppt/tags/tag107.xml><?xml version="1.0" encoding="utf-8"?>
+<file path=ppt/tags/tag108.xml><?xml version="1.0" encoding="utf-8"?>
 <p:tagLst xmlns:a="http://schemas.openxmlformats.org/drawingml/2006/main" xmlns:r="http://schemas.openxmlformats.org/officeDocument/2006/relationships" xmlns:p="http://schemas.openxmlformats.org/presentationml/2006/main">
   <p:tag name="KSO_WM_BEAUTIFY_FLAG" val="#wm#"/>
   <p:tag name="KSO_WM_TEMPLATE_CATEGORY" val="custom"/>
@@ -19634,7 +19722,7 @@
 </p:tagLst>
 </file>
 
-<file path=ppt/tags/tag108.xml><?xml version="1.0" encoding="utf-8"?>
+<file path=ppt/tags/tag109.xml><?xml version="1.0" encoding="utf-8"?>
 <p:tagLst xmlns:a="http://schemas.openxmlformats.org/drawingml/2006/main" xmlns:r="http://schemas.openxmlformats.org/officeDocument/2006/relationships" xmlns:p="http://schemas.openxmlformats.org/presentationml/2006/main">
   <p:tag name="KSO_WM_UNIT_ISCONTENTSTITLE" val="0"/>
   <p:tag name="KSO_WM_UNIT_PRESET_TEXT" val="单击此处添加标题"/>
@@ -19659,7 +19747,20 @@
 </p:tagLst>
 </file>
 
-<file path=ppt/tags/tag109.xml><?xml version="1.0" encoding="utf-8"?>
+<file path=ppt/tags/tag11.xml><?xml version="1.0" encoding="utf-8"?>
+<p:tagLst xmlns:a="http://schemas.openxmlformats.org/drawingml/2006/main" xmlns:r="http://schemas.openxmlformats.org/officeDocument/2006/relationships" xmlns:p="http://schemas.openxmlformats.org/presentationml/2006/main">
+  <p:tag name="KSO_WM_UNIT_HIGHLIGHT" val="0"/>
+  <p:tag name="KSO_WM_UNIT_COMPATIBLE" val="0"/>
+  <p:tag name="KSO_WM_UNIT_DIAGRAM_ISNUMVISUAL" val="0"/>
+  <p:tag name="KSO_WM_UNIT_DIAGRAM_ISREFERUNIT" val="0"/>
+  <p:tag name="KSO_WM_UNIT_ID" val="_1**"/>
+  <p:tag name="KSO_WM_UNIT_LAYERLEVEL" val="1"/>
+  <p:tag name="KSO_WM_TAG_VERSION" val="1.0"/>
+  <p:tag name="KSO_WM_BEAUTIFY_FLAG" val="#wm#"/>
+</p:tagLst>
+</file>
+
+<file path=ppt/tags/tag110.xml><?xml version="1.0" encoding="utf-8"?>
 <p:tagLst xmlns:a="http://schemas.openxmlformats.org/drawingml/2006/main" xmlns:r="http://schemas.openxmlformats.org/officeDocument/2006/relationships" xmlns:p="http://schemas.openxmlformats.org/presentationml/2006/main">
   <p:tag name="KSO_WM_SLIDE_ID" val="custom20187308_9"/>
   <p:tag name="KSO_WM_TEMPLATE_SUBCATEGORY" val="0"/>
@@ -19678,20 +19779,7 @@
 </p:tagLst>
 </file>
 
-<file path=ppt/tags/tag11.xml><?xml version="1.0" encoding="utf-8"?>
-<p:tagLst xmlns:a="http://schemas.openxmlformats.org/drawingml/2006/main" xmlns:r="http://schemas.openxmlformats.org/officeDocument/2006/relationships" xmlns:p="http://schemas.openxmlformats.org/presentationml/2006/main">
-  <p:tag name="KSO_WM_UNIT_HIGHLIGHT" val="0"/>
-  <p:tag name="KSO_WM_UNIT_COMPATIBLE" val="0"/>
-  <p:tag name="KSO_WM_UNIT_DIAGRAM_ISNUMVISUAL" val="0"/>
-  <p:tag name="KSO_WM_UNIT_DIAGRAM_ISREFERUNIT" val="0"/>
-  <p:tag name="KSO_WM_UNIT_ID" val="_1**"/>
-  <p:tag name="KSO_WM_UNIT_LAYERLEVEL" val="1"/>
-  <p:tag name="KSO_WM_TAG_VERSION" val="1.0"/>
-  <p:tag name="KSO_WM_BEAUTIFY_FLAG" val="#wm#"/>
-</p:tagLst>
-</file>
-
-<file path=ppt/tags/tag110.xml><?xml version="1.0" encoding="utf-8"?>
+<file path=ppt/tags/tag111.xml><?xml version="1.0" encoding="utf-8"?>
 <p:tagLst xmlns:a="http://schemas.openxmlformats.org/drawingml/2006/main" xmlns:r="http://schemas.openxmlformats.org/officeDocument/2006/relationships" xmlns:p="http://schemas.openxmlformats.org/presentationml/2006/main">
   <p:tag name="KSO_WM_UNIT_PRESET_TEXT" val="单击此处添加文本具体内容，简明扼要的阐述您的观点。根据需要可酌情增减文字，以便观者准确的理解您传达的思想。&#10;单击此处添加文本具体内容，简明扼要的阐述您的观点。根据需要可酌情增减文字，以便观者准确的理解您传达的思想。&#10;单击此处添加文本具体内容，简明扼要的阐述您的观点。根据需要可酌情增减文字，以便观者准确的理解您传达的思想。"/>
   <p:tag name="KSO_WM_UNIT_NOCLEAR" val="0"/>
@@ -19711,7 +19799,7 @@
 </p:tagLst>
 </file>
 
-<file path=ppt/tags/tag111.xml><?xml version="1.0" encoding="utf-8"?>
+<file path=ppt/tags/tag112.xml><?xml version="1.0" encoding="utf-8"?>
 <p:tagLst xmlns:a="http://schemas.openxmlformats.org/drawingml/2006/main" xmlns:r="http://schemas.openxmlformats.org/officeDocument/2006/relationships" xmlns:p="http://schemas.openxmlformats.org/presentationml/2006/main">
   <p:tag name="KSO_WM_UNIT_ISCONTENTSTITLE" val="0"/>
   <p:tag name="KSO_WM_UNIT_PRESET_TEXT" val="单击此处添加标题"/>
@@ -19724,26 +19812,6 @@
   <p:tag name="KSO_WM_UNIT_TYPE" val="a"/>
   <p:tag name="KSO_WM_UNIT_INDEX" val="1"/>
   <p:tag name="KSO_WM_UNIT_ID" val="custom20187308_9*a*1"/>
-  <p:tag name="KSO_WM_TEMPLATE_CATEGORY" val="custom"/>
-  <p:tag name="KSO_WM_TEMPLATE_INDEX" val="20187308"/>
-  <p:tag name="KSO_WM_UNIT_LAYERLEVEL" val="1"/>
-  <p:tag name="KSO_WM_TAG_VERSION" val="1.0"/>
-  <p:tag name="KSO_WM_BEAUTIFY_FLAG" val="#wm#"/>
-</p:tagLst>
-</file>
-
-<file path=ppt/tags/tag112.xml><?xml version="1.0" encoding="utf-8"?>
-<p:tagLst xmlns:a="http://schemas.openxmlformats.org/drawingml/2006/main" xmlns:r="http://schemas.openxmlformats.org/officeDocument/2006/relationships" xmlns:p="http://schemas.openxmlformats.org/presentationml/2006/main">
-  <p:tag name="KSO_WM_UNIT_PRESET_TEXT" val="单击此处添加文本具体内容，简明扼要的阐述您的观点。根据需要可酌情增减文字，以便观者准确的理解您传达的思想。&#10;单击此处添加文本具体内容，简明扼要的阐述您的观点。根据需要可酌情增减文字，以便观者准确的理解您传达的思想。&#10;单击此处添加文本具体内容，简明扼要的阐述您的观点。根据需要可酌情增减文字，以便观者准确的理解您传达的思想。"/>
-  <p:tag name="KSO_WM_UNIT_NOCLEAR" val="0"/>
-  <p:tag name="KSO_WM_UNIT_VALUE" val="189"/>
-  <p:tag name="KSO_WM_UNIT_HIGHLIGHT" val="0"/>
-  <p:tag name="KSO_WM_UNIT_COMPATIBLE" val="0"/>
-  <p:tag name="KSO_WM_UNIT_DIAGRAM_ISNUMVISUAL" val="0"/>
-  <p:tag name="KSO_WM_UNIT_DIAGRAM_ISREFERUNIT" val="0"/>
-  <p:tag name="KSO_WM_UNIT_TYPE" val="f"/>
-  <p:tag name="KSO_WM_UNIT_INDEX" val="1"/>
-  <p:tag name="KSO_WM_UNIT_ID" val="custom20187308_9*f*1"/>
   <p:tag name="KSO_WM_TEMPLATE_CATEGORY" val="custom"/>
   <p:tag name="KSO_WM_TEMPLATE_INDEX" val="20187308"/>
   <p:tag name="KSO_WM_UNIT_LAYERLEVEL" val="1"/>
@@ -19794,6 +19862,26 @@
 
 <file path=ppt/tags/tag115.xml><?xml version="1.0" encoding="utf-8"?>
 <p:tagLst xmlns:a="http://schemas.openxmlformats.org/drawingml/2006/main" xmlns:r="http://schemas.openxmlformats.org/officeDocument/2006/relationships" xmlns:p="http://schemas.openxmlformats.org/presentationml/2006/main">
+  <p:tag name="KSO_WM_UNIT_PRESET_TEXT" val="单击此处添加文本具体内容，简明扼要的阐述您的观点。根据需要可酌情增减文字，以便观者准确的理解您传达的思想。&#10;单击此处添加文本具体内容，简明扼要的阐述您的观点。根据需要可酌情增减文字，以便观者准确的理解您传达的思想。&#10;单击此处添加文本具体内容，简明扼要的阐述您的观点。根据需要可酌情增减文字，以便观者准确的理解您传达的思想。"/>
+  <p:tag name="KSO_WM_UNIT_NOCLEAR" val="0"/>
+  <p:tag name="KSO_WM_UNIT_VALUE" val="189"/>
+  <p:tag name="KSO_WM_UNIT_HIGHLIGHT" val="0"/>
+  <p:tag name="KSO_WM_UNIT_COMPATIBLE" val="0"/>
+  <p:tag name="KSO_WM_UNIT_DIAGRAM_ISNUMVISUAL" val="0"/>
+  <p:tag name="KSO_WM_UNIT_DIAGRAM_ISREFERUNIT" val="0"/>
+  <p:tag name="KSO_WM_UNIT_TYPE" val="f"/>
+  <p:tag name="KSO_WM_UNIT_INDEX" val="1"/>
+  <p:tag name="KSO_WM_UNIT_ID" val="custom20187308_9*f*1"/>
+  <p:tag name="KSO_WM_TEMPLATE_CATEGORY" val="custom"/>
+  <p:tag name="KSO_WM_TEMPLATE_INDEX" val="20187308"/>
+  <p:tag name="KSO_WM_UNIT_LAYERLEVEL" val="1"/>
+  <p:tag name="KSO_WM_TAG_VERSION" val="1.0"/>
+  <p:tag name="KSO_WM_BEAUTIFY_FLAG" val="#wm#"/>
+</p:tagLst>
+</file>
+
+<file path=ppt/tags/tag116.xml><?xml version="1.0" encoding="utf-8"?>
+<p:tagLst xmlns:a="http://schemas.openxmlformats.org/drawingml/2006/main" xmlns:r="http://schemas.openxmlformats.org/officeDocument/2006/relationships" xmlns:p="http://schemas.openxmlformats.org/presentationml/2006/main">
   <p:tag name="KSO_WM_SLIDE_ID" val="custom20187308_9"/>
   <p:tag name="KSO_WM_TEMPLATE_SUBCATEGORY" val="0"/>
   <p:tag name="KSO_WM_SLIDE_TYPE" val="text"/>
@@ -19811,7 +19899,7 @@
 </p:tagLst>
 </file>
 
-<file path=ppt/tags/tag116.xml><?xml version="1.0" encoding="utf-8"?>
+<file path=ppt/tags/tag117.xml><?xml version="1.0" encoding="utf-8"?>
 <p:tagLst xmlns:a="http://schemas.openxmlformats.org/drawingml/2006/main" xmlns:r="http://schemas.openxmlformats.org/officeDocument/2006/relationships" xmlns:p="http://schemas.openxmlformats.org/presentationml/2006/main">
   <p:tag name="KSO_WM_UNIT_PRESET_TEXT" val="单击此处添加文本具体内容，简明扼要的阐述您的观点。根据需要可酌情增减文字，以便观者准确的理解您传达的思想。&#10;单击此处添加文本具体内容，简明扼要的阐述您的观点。根据需要可酌情增减文字，以便观者准确的理解您传达的思想。&#10;单击此处添加文本具体内容，简明扼要的阐述您的观点。根据需要可酌情增减文字，以便观者准确的理解您传达的思想。"/>
   <p:tag name="KSO_WM_UNIT_NOCLEAR" val="0"/>
@@ -19831,7 +19919,7 @@
 </p:tagLst>
 </file>
 
-<file path=ppt/tags/tag117.xml><?xml version="1.0" encoding="utf-8"?>
+<file path=ppt/tags/tag118.xml><?xml version="1.0" encoding="utf-8"?>
 <p:tagLst xmlns:a="http://schemas.openxmlformats.org/drawingml/2006/main" xmlns:r="http://schemas.openxmlformats.org/officeDocument/2006/relationships" xmlns:p="http://schemas.openxmlformats.org/presentationml/2006/main">
   <p:tag name="KSO_WM_UNIT_ISCONTENTSTITLE" val="0"/>
   <p:tag name="KSO_WM_UNIT_PRESET_TEXT" val="单击此处添加标题"/>
@@ -19852,7 +19940,7 @@
 </p:tagLst>
 </file>
 
-<file path=ppt/tags/tag118.xml><?xml version="1.0" encoding="utf-8"?>
+<file path=ppt/tags/tag119.xml><?xml version="1.0" encoding="utf-8"?>
 <p:tagLst xmlns:a="http://schemas.openxmlformats.org/drawingml/2006/main" xmlns:r="http://schemas.openxmlformats.org/officeDocument/2006/relationships" xmlns:p="http://schemas.openxmlformats.org/presentationml/2006/main">
   <p:tag name="KSO_WM_BEAUTIFY_FLAG" val="#wm#"/>
   <p:tag name="KSO_WM_TEMPLATE_CATEGORY" val="custom"/>
@@ -19860,7 +19948,20 @@
 </p:tagLst>
 </file>
 
-<file path=ppt/tags/tag119.xml><?xml version="1.0" encoding="utf-8"?>
+<file path=ppt/tags/tag12.xml><?xml version="1.0" encoding="utf-8"?>
+<p:tagLst xmlns:a="http://schemas.openxmlformats.org/drawingml/2006/main" xmlns:r="http://schemas.openxmlformats.org/officeDocument/2006/relationships" xmlns:p="http://schemas.openxmlformats.org/presentationml/2006/main">
+  <p:tag name="KSO_WM_UNIT_HIGHLIGHT" val="0"/>
+  <p:tag name="KSO_WM_UNIT_COMPATIBLE" val="0"/>
+  <p:tag name="KSO_WM_UNIT_DIAGRAM_ISNUMVISUAL" val="0"/>
+  <p:tag name="KSO_WM_UNIT_DIAGRAM_ISREFERUNIT" val="0"/>
+  <p:tag name="KSO_WM_UNIT_ID" val="_1**"/>
+  <p:tag name="KSO_WM_UNIT_LAYERLEVEL" val="1"/>
+  <p:tag name="KSO_WM_TAG_VERSION" val="1.0"/>
+  <p:tag name="KSO_WM_BEAUTIFY_FLAG" val="#wm#"/>
+</p:tagLst>
+</file>
+
+<file path=ppt/tags/tag120.xml><?xml version="1.0" encoding="utf-8"?>
 <p:tagLst xmlns:a="http://schemas.openxmlformats.org/drawingml/2006/main" xmlns:r="http://schemas.openxmlformats.org/officeDocument/2006/relationships" xmlns:p="http://schemas.openxmlformats.org/presentationml/2006/main">
   <p:tag name="KSO_WM_UNIT_ISCONTENTSTITLE" val="0"/>
   <p:tag name="KSO_WM_UNIT_PRESET_TEXT" val="单击此处添加标题"/>
@@ -19885,20 +19986,7 @@
 </p:tagLst>
 </file>
 
-<file path=ppt/tags/tag12.xml><?xml version="1.0" encoding="utf-8"?>
-<p:tagLst xmlns:a="http://schemas.openxmlformats.org/drawingml/2006/main" xmlns:r="http://schemas.openxmlformats.org/officeDocument/2006/relationships" xmlns:p="http://schemas.openxmlformats.org/presentationml/2006/main">
-  <p:tag name="KSO_WM_UNIT_HIGHLIGHT" val="0"/>
-  <p:tag name="KSO_WM_UNIT_COMPATIBLE" val="0"/>
-  <p:tag name="KSO_WM_UNIT_DIAGRAM_ISNUMVISUAL" val="0"/>
-  <p:tag name="KSO_WM_UNIT_DIAGRAM_ISREFERUNIT" val="0"/>
-  <p:tag name="KSO_WM_UNIT_ID" val="_1**"/>
-  <p:tag name="KSO_WM_UNIT_LAYERLEVEL" val="1"/>
-  <p:tag name="KSO_WM_TAG_VERSION" val="1.0"/>
-  <p:tag name="KSO_WM_BEAUTIFY_FLAG" val="#wm#"/>
-</p:tagLst>
-</file>
-
-<file path=ppt/tags/tag120.xml><?xml version="1.0" encoding="utf-8"?>
+<file path=ppt/tags/tag121.xml><?xml version="1.0" encoding="utf-8"?>
 <p:tagLst xmlns:a="http://schemas.openxmlformats.org/drawingml/2006/main" xmlns:r="http://schemas.openxmlformats.org/officeDocument/2006/relationships" xmlns:p="http://schemas.openxmlformats.org/presentationml/2006/main">
   <p:tag name="KSO_WM_SLIDE_ID" val="custom20187308_3"/>
   <p:tag name="KSO_WM_TEMPLATE_SUBCATEGORY" val="0"/>
@@ -19915,7 +20003,7 @@
 </p:tagLst>
 </file>
 
-<file path=ppt/tags/tag121.xml><?xml version="1.0" encoding="utf-8"?>
+<file path=ppt/tags/tag122.xml><?xml version="1.0" encoding="utf-8"?>
 <p:tagLst xmlns:a="http://schemas.openxmlformats.org/drawingml/2006/main" xmlns:r="http://schemas.openxmlformats.org/officeDocument/2006/relationships" xmlns:p="http://schemas.openxmlformats.org/presentationml/2006/main">
   <p:tag name="KSO_WM_UNIT_ISCONTENTSTITLE" val="0"/>
   <p:tag name="KSO_WM_UNIT_PRESET_TEXT" val="单击此处添加标题"/>
@@ -19936,7 +20024,7 @@
 </p:tagLst>
 </file>
 
-<file path=ppt/tags/tag122.xml><?xml version="1.0" encoding="utf-8"?>
+<file path=ppt/tags/tag123.xml><?xml version="1.0" encoding="utf-8"?>
 <p:tagLst xmlns:a="http://schemas.openxmlformats.org/drawingml/2006/main" xmlns:r="http://schemas.openxmlformats.org/officeDocument/2006/relationships" xmlns:p="http://schemas.openxmlformats.org/presentationml/2006/main">
   <p:tag name="KSO_WM_UNIT_ISCONTENTSTITLE" val="0"/>
   <p:tag name="KSO_WM_UNIT_PRESET_TEXT" val="单击此处添加文本具体内容，简明扼要的阐述您的观点。"/>
@@ -19957,7 +20045,7 @@
 </p:tagLst>
 </file>
 
-<file path=ppt/tags/tag123.xml><?xml version="1.0" encoding="utf-8"?>
+<file path=ppt/tags/tag124.xml><?xml version="1.0" encoding="utf-8"?>
 <p:tagLst xmlns:a="http://schemas.openxmlformats.org/drawingml/2006/main" xmlns:r="http://schemas.openxmlformats.org/officeDocument/2006/relationships" xmlns:p="http://schemas.openxmlformats.org/presentationml/2006/main">
   <p:tag name="KSO_WM_UNIT_PRESET_TEXT" val="01"/>
   <p:tag name="KSO_WM_UNIT_NOCLEAR" val="0"/>
@@ -19977,7 +20065,7 @@
 </p:tagLst>
 </file>
 
-<file path=ppt/tags/tag124.xml><?xml version="1.0" encoding="utf-8"?>
+<file path=ppt/tags/tag125.xml><?xml version="1.0" encoding="utf-8"?>
 <p:tagLst xmlns:a="http://schemas.openxmlformats.org/drawingml/2006/main" xmlns:r="http://schemas.openxmlformats.org/officeDocument/2006/relationships" xmlns:p="http://schemas.openxmlformats.org/presentationml/2006/main">
   <p:tag name="KSO_WM_SLIDE_ID" val="custom20187308_2"/>
   <p:tag name="KSO_WM_TEMPLATE_SUBCATEGORY" val="0"/>
@@ -19996,7 +20084,7 @@
 </p:tagLst>
 </file>
 
-<file path=ppt/tags/tag125.xml><?xml version="1.0" encoding="utf-8"?>
+<file path=ppt/tags/tag126.xml><?xml version="1.0" encoding="utf-8"?>
 <p:tagLst xmlns:a="http://schemas.openxmlformats.org/drawingml/2006/main" xmlns:r="http://schemas.openxmlformats.org/officeDocument/2006/relationships" xmlns:p="http://schemas.openxmlformats.org/presentationml/2006/main">
   <p:tag name="KSO_WM_BEAUTIFY_FLAG" val="#wm#"/>
   <p:tag name="KSO_WM_TEMPLATE_CATEGORY" val="custom"/>
@@ -20004,7 +20092,7 @@
 </p:tagLst>
 </file>
 
-<file path=ppt/tags/tag126.xml><?xml version="1.0" encoding="utf-8"?>
+<file path=ppt/tags/tag127.xml><?xml version="1.0" encoding="utf-8"?>
 <p:tagLst xmlns:a="http://schemas.openxmlformats.org/drawingml/2006/main" xmlns:r="http://schemas.openxmlformats.org/officeDocument/2006/relationships" xmlns:p="http://schemas.openxmlformats.org/presentationml/2006/main">
   <p:tag name="KSO_WM_UNIT_ISCONTENTSTITLE" val="0"/>
   <p:tag name="KSO_WM_UNIT_PRESET_TEXT" val="单击此处添加标题"/>
@@ -20029,7 +20117,7 @@
 </p:tagLst>
 </file>
 
-<file path=ppt/tags/tag127.xml><?xml version="1.0" encoding="utf-8"?>
+<file path=ppt/tags/tag128.xml><?xml version="1.0" encoding="utf-8"?>
 <p:tagLst xmlns:a="http://schemas.openxmlformats.org/drawingml/2006/main" xmlns:r="http://schemas.openxmlformats.org/officeDocument/2006/relationships" xmlns:p="http://schemas.openxmlformats.org/presentationml/2006/main">
   <p:tag name="KSO_WM_BEAUTIFY_FLAG" val="#wm#"/>
   <p:tag name="KSO_WM_TEMPLATE_CATEGORY" val="custom"/>
@@ -20037,7 +20125,7 @@
 </p:tagLst>
 </file>
 
-<file path=ppt/tags/tag128.xml><?xml version="1.0" encoding="utf-8"?>
+<file path=ppt/tags/tag129.xml><?xml version="1.0" encoding="utf-8"?>
 <p:tagLst xmlns:a="http://schemas.openxmlformats.org/drawingml/2006/main" xmlns:r="http://schemas.openxmlformats.org/officeDocument/2006/relationships" xmlns:p="http://schemas.openxmlformats.org/presentationml/2006/main">
   <p:tag name="KSO_WM_UNIT_ISCONTENTSTITLE" val="0"/>
   <p:tag name="KSO_WM_UNIT_PRESET_TEXT" val="单击此处添加标题"/>
@@ -20062,14 +20150,6 @@
 </p:tagLst>
 </file>
 
-<file path=ppt/tags/tag129.xml><?xml version="1.0" encoding="utf-8"?>
-<p:tagLst xmlns:a="http://schemas.openxmlformats.org/drawingml/2006/main" xmlns:r="http://schemas.openxmlformats.org/officeDocument/2006/relationships" xmlns:p="http://schemas.openxmlformats.org/presentationml/2006/main">
-  <p:tag name="KSO_WM_BEAUTIFY_FLAG" val="#wm#"/>
-  <p:tag name="KSO_WM_TEMPLATE_CATEGORY" val="custom"/>
-  <p:tag name="KSO_WM_TEMPLATE_INDEX" val="20187308"/>
-</p:tagLst>
-</file>
-
 <file path=ppt/tags/tag13.xml><?xml version="1.0" encoding="utf-8"?>
 <p:tagLst xmlns:a="http://schemas.openxmlformats.org/drawingml/2006/main" xmlns:r="http://schemas.openxmlformats.org/officeDocument/2006/relationships" xmlns:p="http://schemas.openxmlformats.org/presentationml/2006/main">
   <p:tag name="KSO_WM_UNIT_HIGHLIGHT" val="0"/>
@@ -20084,6 +20164,14 @@
 </file>
 
 <file path=ppt/tags/tag130.xml><?xml version="1.0" encoding="utf-8"?>
+<p:tagLst xmlns:a="http://schemas.openxmlformats.org/drawingml/2006/main" xmlns:r="http://schemas.openxmlformats.org/officeDocument/2006/relationships" xmlns:p="http://schemas.openxmlformats.org/presentationml/2006/main">
+  <p:tag name="KSO_WM_BEAUTIFY_FLAG" val="#wm#"/>
+  <p:tag name="KSO_WM_TEMPLATE_CATEGORY" val="custom"/>
+  <p:tag name="KSO_WM_TEMPLATE_INDEX" val="20187308"/>
+</p:tagLst>
+</file>
+
+<file path=ppt/tags/tag131.xml><?xml version="1.0" encoding="utf-8"?>
 <p:tagLst xmlns:a="http://schemas.openxmlformats.org/drawingml/2006/main" xmlns:r="http://schemas.openxmlformats.org/officeDocument/2006/relationships" xmlns:p="http://schemas.openxmlformats.org/presentationml/2006/main">
   <p:tag name="KSO_WM_UNIT_ISCONTENTSTITLE" val="0"/>
   <p:tag name="KSO_WM_UNIT_PRESET_TEXT" val="单击此处添加标题"/>
@@ -20108,14 +20196,6 @@
 </p:tagLst>
 </file>
 
-<file path=ppt/tags/tag131.xml><?xml version="1.0" encoding="utf-8"?>
-<p:tagLst xmlns:a="http://schemas.openxmlformats.org/drawingml/2006/main" xmlns:r="http://schemas.openxmlformats.org/officeDocument/2006/relationships" xmlns:p="http://schemas.openxmlformats.org/presentationml/2006/main">
-  <p:tag name="KSO_WM_BEAUTIFY_FLAG" val="#wm#"/>
-  <p:tag name="KSO_WM_TEMPLATE_CATEGORY" val="custom"/>
-  <p:tag name="KSO_WM_TEMPLATE_INDEX" val="20187308"/>
-</p:tagLst>
-</file>
-
 <file path=ppt/tags/tag132.xml><?xml version="1.0" encoding="utf-8"?>
 <p:tagLst xmlns:a="http://schemas.openxmlformats.org/drawingml/2006/main" xmlns:r="http://schemas.openxmlformats.org/officeDocument/2006/relationships" xmlns:p="http://schemas.openxmlformats.org/presentationml/2006/main">
   <p:tag name="KSO_WM_BEAUTIFY_FLAG" val="#wm#"/>
@@ -20125,6 +20205,14 @@
 </file>
 
 <file path=ppt/tags/tag133.xml><?xml version="1.0" encoding="utf-8"?>
+<p:tagLst xmlns:a="http://schemas.openxmlformats.org/drawingml/2006/main" xmlns:r="http://schemas.openxmlformats.org/officeDocument/2006/relationships" xmlns:p="http://schemas.openxmlformats.org/presentationml/2006/main">
+  <p:tag name="KSO_WM_BEAUTIFY_FLAG" val="#wm#"/>
+  <p:tag name="KSO_WM_TEMPLATE_CATEGORY" val="custom"/>
+  <p:tag name="KSO_WM_TEMPLATE_INDEX" val="20187308"/>
+</p:tagLst>
+</file>
+
+<file path=ppt/tags/tag134.xml><?xml version="1.0" encoding="utf-8"?>
 <p:tagLst xmlns:a="http://schemas.openxmlformats.org/drawingml/2006/main" xmlns:r="http://schemas.openxmlformats.org/officeDocument/2006/relationships" xmlns:p="http://schemas.openxmlformats.org/presentationml/2006/main">
   <p:tag name="KSO_WM_UNIT_ISCONTENTSTITLE" val="0"/>
   <p:tag name="KSO_WM_UNIT_PRESET_TEXT" val="单击此处添加标题"/>
@@ -20149,7 +20237,7 @@
 </p:tagLst>
 </file>
 
-<file path=ppt/tags/tag134.xml><?xml version="1.0" encoding="utf-8"?>
+<file path=ppt/tags/tag135.xml><?xml version="1.0" encoding="utf-8"?>
 <p:tagLst xmlns:a="http://schemas.openxmlformats.org/drawingml/2006/main" xmlns:r="http://schemas.openxmlformats.org/officeDocument/2006/relationships" xmlns:p="http://schemas.openxmlformats.org/presentationml/2006/main">
   <p:tag name="KSO_WM_BEAUTIFY_FLAG" val="#wm#"/>
   <p:tag name="KSO_WM_TEMPLATE_CATEGORY" val="custom"/>
@@ -20157,7 +20245,7 @@
 </p:tagLst>
 </file>
 
-<file path=ppt/tags/tag135.xml><?xml version="1.0" encoding="utf-8"?>
+<file path=ppt/tags/tag136.xml><?xml version="1.0" encoding="utf-8"?>
 <p:tagLst xmlns:a="http://schemas.openxmlformats.org/drawingml/2006/main" xmlns:r="http://schemas.openxmlformats.org/officeDocument/2006/relationships" xmlns:p="http://schemas.openxmlformats.org/presentationml/2006/main">
   <p:tag name="KSO_WM_UNIT_ISCONTENTSTITLE" val="0"/>
   <p:tag name="KSO_WM_UNIT_PRESET_TEXT" val="单击此处添加标题"/>
@@ -20182,14 +20270,6 @@
 </p:tagLst>
 </file>
 
-<file path=ppt/tags/tag136.xml><?xml version="1.0" encoding="utf-8"?>
-<p:tagLst xmlns:a="http://schemas.openxmlformats.org/drawingml/2006/main" xmlns:r="http://schemas.openxmlformats.org/officeDocument/2006/relationships" xmlns:p="http://schemas.openxmlformats.org/presentationml/2006/main">
-  <p:tag name="KSO_WM_BEAUTIFY_FLAG" val="#wm#"/>
-  <p:tag name="KSO_WM_TEMPLATE_CATEGORY" val="custom"/>
-  <p:tag name="KSO_WM_TEMPLATE_INDEX" val="20187308"/>
-</p:tagLst>
-</file>
-
 <file path=ppt/tags/tag137.xml><?xml version="1.0" encoding="utf-8"?>
 <p:tagLst xmlns:a="http://schemas.openxmlformats.org/drawingml/2006/main" xmlns:r="http://schemas.openxmlformats.org/officeDocument/2006/relationships" xmlns:p="http://schemas.openxmlformats.org/presentationml/2006/main">
   <p:tag name="KSO_WM_BEAUTIFY_FLAG" val="#wm#"/>
@@ -20199,6 +20279,14 @@
 </file>
 
 <file path=ppt/tags/tag138.xml><?xml version="1.0" encoding="utf-8"?>
+<p:tagLst xmlns:a="http://schemas.openxmlformats.org/drawingml/2006/main" xmlns:r="http://schemas.openxmlformats.org/officeDocument/2006/relationships" xmlns:p="http://schemas.openxmlformats.org/presentationml/2006/main">
+  <p:tag name="KSO_WM_BEAUTIFY_FLAG" val="#wm#"/>
+  <p:tag name="KSO_WM_TEMPLATE_CATEGORY" val="custom"/>
+  <p:tag name="KSO_WM_TEMPLATE_INDEX" val="20187308"/>
+</p:tagLst>
+</file>
+
+<file path=ppt/tags/tag139.xml><?xml version="1.0" encoding="utf-8"?>
 <p:tagLst xmlns:a="http://schemas.openxmlformats.org/drawingml/2006/main" xmlns:r="http://schemas.openxmlformats.org/officeDocument/2006/relationships" xmlns:p="http://schemas.openxmlformats.org/presentationml/2006/main">
   <p:tag name="KSO_WM_UNIT_ISCONTENTSTITLE" val="0"/>
   <p:tag name="KSO_WM_UNIT_PRESET_TEXT" val="单击此处添加标题"/>
@@ -20223,14 +20311,6 @@
 </p:tagLst>
 </file>
 
-<file path=ppt/tags/tag139.xml><?xml version="1.0" encoding="utf-8"?>
-<p:tagLst xmlns:a="http://schemas.openxmlformats.org/drawingml/2006/main" xmlns:r="http://schemas.openxmlformats.org/officeDocument/2006/relationships" xmlns:p="http://schemas.openxmlformats.org/presentationml/2006/main">
-  <p:tag name="KSO_WM_BEAUTIFY_FLAG" val="#wm#"/>
-  <p:tag name="KSO_WM_TEMPLATE_CATEGORY" val="custom"/>
-  <p:tag name="KSO_WM_TEMPLATE_INDEX" val="20187308"/>
-</p:tagLst>
-</file>
-
 <file path=ppt/tags/tag14.xml><?xml version="1.0" encoding="utf-8"?>
 <p:tagLst xmlns:a="http://schemas.openxmlformats.org/drawingml/2006/main" xmlns:r="http://schemas.openxmlformats.org/officeDocument/2006/relationships" xmlns:p="http://schemas.openxmlformats.org/presentationml/2006/main">
   <p:tag name="KSO_WM_UNIT_HIGHLIGHT" val="0"/>
@@ -20245,6 +20325,14 @@
 </file>
 
 <file path=ppt/tags/tag140.xml><?xml version="1.0" encoding="utf-8"?>
+<p:tagLst xmlns:a="http://schemas.openxmlformats.org/drawingml/2006/main" xmlns:r="http://schemas.openxmlformats.org/officeDocument/2006/relationships" xmlns:p="http://schemas.openxmlformats.org/presentationml/2006/main">
+  <p:tag name="KSO_WM_BEAUTIFY_FLAG" val="#wm#"/>
+  <p:tag name="KSO_WM_TEMPLATE_CATEGORY" val="custom"/>
+  <p:tag name="KSO_WM_TEMPLATE_INDEX" val="20187308"/>
+</p:tagLst>
+</file>
+
+<file path=ppt/tags/tag141.xml><?xml version="1.0" encoding="utf-8"?>
 <p:tagLst xmlns:a="http://schemas.openxmlformats.org/drawingml/2006/main" xmlns:r="http://schemas.openxmlformats.org/officeDocument/2006/relationships" xmlns:p="http://schemas.openxmlformats.org/presentationml/2006/main">
   <p:tag name="KSO_WM_UNIT_ISCONTENTSTITLE" val="0"/>
   <p:tag name="KSO_WM_UNIT_PRESET_TEXT" val="单击此处添加标题"/>
@@ -20269,7 +20357,7 @@
 </p:tagLst>
 </file>
 
-<file path=ppt/tags/tag141.xml><?xml version="1.0" encoding="utf-8"?>
+<file path=ppt/tags/tag142.xml><?xml version="1.0" encoding="utf-8"?>
 <p:tagLst xmlns:a="http://schemas.openxmlformats.org/drawingml/2006/main" xmlns:r="http://schemas.openxmlformats.org/officeDocument/2006/relationships" xmlns:p="http://schemas.openxmlformats.org/presentationml/2006/main">
   <p:tag name="KSO_WM_SLIDE_ID" val="custom20187308_3"/>
   <p:tag name="KSO_WM_TEMPLATE_SUBCATEGORY" val="0"/>
@@ -20286,7 +20374,7 @@
 </p:tagLst>
 </file>
 
-<file path=ppt/tags/tag142.xml><?xml version="1.0" encoding="utf-8"?>
+<file path=ppt/tags/tag143.xml><?xml version="1.0" encoding="utf-8"?>
 <p:tagLst xmlns:a="http://schemas.openxmlformats.org/drawingml/2006/main" xmlns:r="http://schemas.openxmlformats.org/officeDocument/2006/relationships" xmlns:p="http://schemas.openxmlformats.org/presentationml/2006/main">
   <p:tag name="KSO_WM_UNIT_ISCONTENTSTITLE" val="0"/>
   <p:tag name="KSO_WM_UNIT_PRESET_TEXT" val="单击此处添加标题"/>
@@ -20307,7 +20395,7 @@
 </p:tagLst>
 </file>
 
-<file path=ppt/tags/tag143.xml><?xml version="1.0" encoding="utf-8"?>
+<file path=ppt/tags/tag144.xml><?xml version="1.0" encoding="utf-8"?>
 <p:tagLst xmlns:a="http://schemas.openxmlformats.org/drawingml/2006/main" xmlns:r="http://schemas.openxmlformats.org/officeDocument/2006/relationships" xmlns:p="http://schemas.openxmlformats.org/presentationml/2006/main">
   <p:tag name="KSO_WM_UNIT_ISCONTENTSTITLE" val="0"/>
   <p:tag name="KSO_WM_UNIT_PRESET_TEXT" val="单击此处添加文本具体内容，简明扼要的阐述您的观点。"/>
@@ -20328,7 +20416,7 @@
 </p:tagLst>
 </file>
 
-<file path=ppt/tags/tag144.xml><?xml version="1.0" encoding="utf-8"?>
+<file path=ppt/tags/tag145.xml><?xml version="1.0" encoding="utf-8"?>
 <p:tagLst xmlns:a="http://schemas.openxmlformats.org/drawingml/2006/main" xmlns:r="http://schemas.openxmlformats.org/officeDocument/2006/relationships" xmlns:p="http://schemas.openxmlformats.org/presentationml/2006/main">
   <p:tag name="KSO_WM_UNIT_PRESET_TEXT" val="01"/>
   <p:tag name="KSO_WM_UNIT_NOCLEAR" val="0"/>
@@ -20348,7 +20436,7 @@
 </p:tagLst>
 </file>
 
-<file path=ppt/tags/tag145.xml><?xml version="1.0" encoding="utf-8"?>
+<file path=ppt/tags/tag146.xml><?xml version="1.0" encoding="utf-8"?>
 <p:tagLst xmlns:a="http://schemas.openxmlformats.org/drawingml/2006/main" xmlns:r="http://schemas.openxmlformats.org/officeDocument/2006/relationships" xmlns:p="http://schemas.openxmlformats.org/presentationml/2006/main">
   <p:tag name="KSO_WM_UNIT_ISCONTENTSTITLE" val="0"/>
   <p:tag name="KSO_WM_UNIT_PRESET_TEXT" val="单击此处添加标题"/>
@@ -20373,7 +20461,7 @@
 </p:tagLst>
 </file>
 
-<file path=ppt/tags/tag146.xml><?xml version="1.0" encoding="utf-8"?>
+<file path=ppt/tags/tag147.xml><?xml version="1.0" encoding="utf-8"?>
 <p:tagLst xmlns:a="http://schemas.openxmlformats.org/drawingml/2006/main" xmlns:r="http://schemas.openxmlformats.org/officeDocument/2006/relationships" xmlns:p="http://schemas.openxmlformats.org/presentationml/2006/main">
   <p:tag name="KSO_WM_SLIDE_ID" val="custom20187308_15"/>
   <p:tag name="KSO_WM_TEMPLATE_SUBCATEGORY" val="0"/>
@@ -20390,7 +20478,7 @@
 </p:tagLst>
 </file>
 
-<file path=ppt/tags/tag147.xml><?xml version="1.0" encoding="utf-8"?>
+<file path=ppt/tags/tag148.xml><?xml version="1.0" encoding="utf-8"?>
 <p:tagLst xmlns:a="http://schemas.openxmlformats.org/drawingml/2006/main" xmlns:r="http://schemas.openxmlformats.org/officeDocument/2006/relationships" xmlns:p="http://schemas.openxmlformats.org/presentationml/2006/main">
   <p:tag name="KSO_WM_UNIT_ISCONTENTSTITLE" val="0"/>
   <p:tag name="KSO_WM_UNIT_PRESET_TEXT" val="谢谢观看"/>
@@ -21573,6 +21661,30 @@
 
 <file path=ppt/tags/tag85.xml><?xml version="1.0" encoding="utf-8"?>
 <p:tagLst xmlns:a="http://schemas.openxmlformats.org/drawingml/2006/main" xmlns:r="http://schemas.openxmlformats.org/officeDocument/2006/relationships" xmlns:p="http://schemas.openxmlformats.org/presentationml/2006/main">
+  <p:tag name="KSO_WM_UNIT_PRESET_TEXT" val="在此输入节标题5"/>
+  <p:tag name="KSO_WM_UNIT_NOCLEAR" val="0"/>
+  <p:tag name="KSO_WM_UNIT_VALUE" val="15"/>
+  <p:tag name="KSO_WM_UNIT_HIGHLIGHT" val="0"/>
+  <p:tag name="KSO_WM_UNIT_COMPATIBLE" val="0"/>
+  <p:tag name="KSO_WM_UNIT_DIAGRAM_ISNUMVISUAL" val="0"/>
+  <p:tag name="KSO_WM_UNIT_DIAGRAM_ISREFERUNIT" val="0"/>
+  <p:tag name="KSO_WM_DIAGRAM_GROUP_CODE" val="l1-1"/>
+  <p:tag name="KSO_WM_UNIT_TYPE" val="l_h_f"/>
+  <p:tag name="KSO_WM_UNIT_INDEX" val="1_5_1"/>
+  <p:tag name="KSO_WM_UNIT_ID" val="custom20187308_2*l_h_f*1_5_1"/>
+  <p:tag name="KSO_WM_TEMPLATE_CATEGORY" val="custom"/>
+  <p:tag name="KSO_WM_TEMPLATE_INDEX" val="20187308"/>
+  <p:tag name="KSO_WM_UNIT_LAYERLEVEL" val="1_1_1"/>
+  <p:tag name="KSO_WM_TAG_VERSION" val="1.0"/>
+  <p:tag name="KSO_WM_BEAUTIFY_FLAG" val="#wm#"/>
+  <p:tag name="KSO_WM_UNIT_TEXT_FILL_FORE_SCHEMECOLOR_INDEX" val="13"/>
+  <p:tag name="KSO_WM_UNIT_TEXT_FILL_TYPE" val="1"/>
+  <p:tag name="KSO_WM_UNIT_USESOURCEFORMAT_APPLY" val="1"/>
+</p:tagLst>
+</file>
+
+<file path=ppt/tags/tag86.xml><?xml version="1.0" encoding="utf-8"?>
+<p:tagLst xmlns:a="http://schemas.openxmlformats.org/drawingml/2006/main" xmlns:r="http://schemas.openxmlformats.org/officeDocument/2006/relationships" xmlns:p="http://schemas.openxmlformats.org/presentationml/2006/main">
   <p:tag name="KSO_WM_SLIDE_ID" val="custom20187308_3"/>
   <p:tag name="KSO_WM_TEMPLATE_SUBCATEGORY" val="0"/>
   <p:tag name="KSO_WM_SLIDE_TYPE" val="sectionTitle"/>
@@ -21588,7 +21700,7 @@
 </p:tagLst>
 </file>
 
-<file path=ppt/tags/tag86.xml><?xml version="1.0" encoding="utf-8"?>
+<file path=ppt/tags/tag87.xml><?xml version="1.0" encoding="utf-8"?>
 <p:tagLst xmlns:a="http://schemas.openxmlformats.org/drawingml/2006/main" xmlns:r="http://schemas.openxmlformats.org/officeDocument/2006/relationships" xmlns:p="http://schemas.openxmlformats.org/presentationml/2006/main">
   <p:tag name="KSO_WM_UNIT_ISCONTENTSTITLE" val="0"/>
   <p:tag name="KSO_WM_UNIT_PRESET_TEXT" val="单击此处添加标题"/>
@@ -21609,7 +21721,7 @@
 </p:tagLst>
 </file>
 
-<file path=ppt/tags/tag87.xml><?xml version="1.0" encoding="utf-8"?>
+<file path=ppt/tags/tag88.xml><?xml version="1.0" encoding="utf-8"?>
 <p:tagLst xmlns:a="http://schemas.openxmlformats.org/drawingml/2006/main" xmlns:r="http://schemas.openxmlformats.org/officeDocument/2006/relationships" xmlns:p="http://schemas.openxmlformats.org/presentationml/2006/main">
   <p:tag name="KSO_WM_UNIT_ISCONTENTSTITLE" val="0"/>
   <p:tag name="KSO_WM_UNIT_PRESET_TEXT" val="单击此处添加文本具体内容，简明扼要的阐述您的观点。"/>
@@ -21630,7 +21742,7 @@
 </p:tagLst>
 </file>
 
-<file path=ppt/tags/tag88.xml><?xml version="1.0" encoding="utf-8"?>
+<file path=ppt/tags/tag89.xml><?xml version="1.0" encoding="utf-8"?>
 <p:tagLst xmlns:a="http://schemas.openxmlformats.org/drawingml/2006/main" xmlns:r="http://schemas.openxmlformats.org/officeDocument/2006/relationships" xmlns:p="http://schemas.openxmlformats.org/presentationml/2006/main">
   <p:tag name="KSO_WM_UNIT_PRESET_TEXT" val="01"/>
   <p:tag name="KSO_WM_UNIT_NOCLEAR" val="0"/>
@@ -21650,7 +21762,20 @@
 </p:tagLst>
 </file>
 
-<file path=ppt/tags/tag89.xml><?xml version="1.0" encoding="utf-8"?>
+<file path=ppt/tags/tag9.xml><?xml version="1.0" encoding="utf-8"?>
+<p:tagLst xmlns:a="http://schemas.openxmlformats.org/drawingml/2006/main" xmlns:r="http://schemas.openxmlformats.org/officeDocument/2006/relationships" xmlns:p="http://schemas.openxmlformats.org/presentationml/2006/main">
+  <p:tag name="KSO_WM_UNIT_HIGHLIGHT" val="0"/>
+  <p:tag name="KSO_WM_UNIT_COMPATIBLE" val="0"/>
+  <p:tag name="KSO_WM_UNIT_DIAGRAM_ISNUMVISUAL" val="0"/>
+  <p:tag name="KSO_WM_UNIT_DIAGRAM_ISREFERUNIT" val="0"/>
+  <p:tag name="KSO_WM_UNIT_ID" val="_0**"/>
+  <p:tag name="KSO_WM_UNIT_LAYERLEVEL" val="1"/>
+  <p:tag name="KSO_WM_TAG_VERSION" val="1.0"/>
+  <p:tag name="KSO_WM_BEAUTIFY_FLAG" val="#wm#"/>
+</p:tagLst>
+</file>
+
+<file path=ppt/tags/tag90.xml><?xml version="1.0" encoding="utf-8"?>
 <p:tagLst xmlns:a="http://schemas.openxmlformats.org/drawingml/2006/main" xmlns:r="http://schemas.openxmlformats.org/officeDocument/2006/relationships" xmlns:p="http://schemas.openxmlformats.org/presentationml/2006/main">
   <p:tag name="KSO_WM_SLIDE_ID" val="custom20187308_3"/>
   <p:tag name="KSO_WM_TEMPLATE_SUBCATEGORY" val="0"/>
@@ -21667,20 +21792,7 @@
 </p:tagLst>
 </file>
 
-<file path=ppt/tags/tag9.xml><?xml version="1.0" encoding="utf-8"?>
-<p:tagLst xmlns:a="http://schemas.openxmlformats.org/drawingml/2006/main" xmlns:r="http://schemas.openxmlformats.org/officeDocument/2006/relationships" xmlns:p="http://schemas.openxmlformats.org/presentationml/2006/main">
-  <p:tag name="KSO_WM_UNIT_HIGHLIGHT" val="0"/>
-  <p:tag name="KSO_WM_UNIT_COMPATIBLE" val="0"/>
-  <p:tag name="KSO_WM_UNIT_DIAGRAM_ISNUMVISUAL" val="0"/>
-  <p:tag name="KSO_WM_UNIT_DIAGRAM_ISREFERUNIT" val="0"/>
-  <p:tag name="KSO_WM_UNIT_ID" val="_0**"/>
-  <p:tag name="KSO_WM_UNIT_LAYERLEVEL" val="1"/>
-  <p:tag name="KSO_WM_TAG_VERSION" val="1.0"/>
-  <p:tag name="KSO_WM_BEAUTIFY_FLAG" val="#wm#"/>
-</p:tagLst>
-</file>
-
-<file path=ppt/tags/tag90.xml><?xml version="1.0" encoding="utf-8"?>
+<file path=ppt/tags/tag91.xml><?xml version="1.0" encoding="utf-8"?>
 <p:tagLst xmlns:a="http://schemas.openxmlformats.org/drawingml/2006/main" xmlns:r="http://schemas.openxmlformats.org/officeDocument/2006/relationships" xmlns:p="http://schemas.openxmlformats.org/presentationml/2006/main">
   <p:tag name="KSO_WM_UNIT_ISCONTENTSTITLE" val="0"/>
   <p:tag name="KSO_WM_UNIT_PRESET_TEXT" val="单击此处添加标题"/>
@@ -21701,7 +21813,7 @@
 </p:tagLst>
 </file>
 
-<file path=ppt/tags/tag91.xml><?xml version="1.0" encoding="utf-8"?>
+<file path=ppt/tags/tag92.xml><?xml version="1.0" encoding="utf-8"?>
 <p:tagLst xmlns:a="http://schemas.openxmlformats.org/drawingml/2006/main" xmlns:r="http://schemas.openxmlformats.org/officeDocument/2006/relationships" xmlns:p="http://schemas.openxmlformats.org/presentationml/2006/main">
   <p:tag name="KSO_WM_UNIT_ISCONTENTSTITLE" val="0"/>
   <p:tag name="KSO_WM_UNIT_PRESET_TEXT" val="单击此处添加文本具体内容，简明扼要的阐述您的观点。"/>
@@ -21722,7 +21834,7 @@
 </p:tagLst>
 </file>
 
-<file path=ppt/tags/tag92.xml><?xml version="1.0" encoding="utf-8"?>
+<file path=ppt/tags/tag93.xml><?xml version="1.0" encoding="utf-8"?>
 <p:tagLst xmlns:a="http://schemas.openxmlformats.org/drawingml/2006/main" xmlns:r="http://schemas.openxmlformats.org/officeDocument/2006/relationships" xmlns:p="http://schemas.openxmlformats.org/presentationml/2006/main">
   <p:tag name="KSO_WM_UNIT_PRESET_TEXT" val="01"/>
   <p:tag name="KSO_WM_UNIT_NOCLEAR" val="0"/>
@@ -21742,7 +21854,7 @@
 </p:tagLst>
 </file>
 
-<file path=ppt/tags/tag93.xml><?xml version="1.0" encoding="utf-8"?>
+<file path=ppt/tags/tag94.xml><?xml version="1.0" encoding="utf-8"?>
 <p:tagLst xmlns:a="http://schemas.openxmlformats.org/drawingml/2006/main" xmlns:r="http://schemas.openxmlformats.org/officeDocument/2006/relationships" xmlns:p="http://schemas.openxmlformats.org/presentationml/2006/main">
   <p:tag name="KSO_WM_SLIDE_ID" val="custom20187308_3"/>
   <p:tag name="KSO_WM_TEMPLATE_SUBCATEGORY" val="0"/>
@@ -21759,7 +21871,7 @@
 </p:tagLst>
 </file>
 
-<file path=ppt/tags/tag94.xml><?xml version="1.0" encoding="utf-8"?>
+<file path=ppt/tags/tag95.xml><?xml version="1.0" encoding="utf-8"?>
 <p:tagLst xmlns:a="http://schemas.openxmlformats.org/drawingml/2006/main" xmlns:r="http://schemas.openxmlformats.org/officeDocument/2006/relationships" xmlns:p="http://schemas.openxmlformats.org/presentationml/2006/main">
   <p:tag name="KSO_WM_UNIT_ISCONTENTSTITLE" val="0"/>
   <p:tag name="KSO_WM_UNIT_PRESET_TEXT" val="单击此处添加标题"/>
@@ -21780,7 +21892,7 @@
 </p:tagLst>
 </file>
 
-<file path=ppt/tags/tag95.xml><?xml version="1.0" encoding="utf-8"?>
+<file path=ppt/tags/tag96.xml><?xml version="1.0" encoding="utf-8"?>
 <p:tagLst xmlns:a="http://schemas.openxmlformats.org/drawingml/2006/main" xmlns:r="http://schemas.openxmlformats.org/officeDocument/2006/relationships" xmlns:p="http://schemas.openxmlformats.org/presentationml/2006/main">
   <p:tag name="KSO_WM_UNIT_ISCONTENTSTITLE" val="0"/>
   <p:tag name="KSO_WM_UNIT_PRESET_TEXT" val="单击此处添加文本具体内容，简明扼要的阐述您的观点。"/>
@@ -21801,7 +21913,7 @@
 </p:tagLst>
 </file>
 
-<file path=ppt/tags/tag96.xml><?xml version="1.0" encoding="utf-8"?>
+<file path=ppt/tags/tag97.xml><?xml version="1.0" encoding="utf-8"?>
 <p:tagLst xmlns:a="http://schemas.openxmlformats.org/drawingml/2006/main" xmlns:r="http://schemas.openxmlformats.org/officeDocument/2006/relationships" xmlns:p="http://schemas.openxmlformats.org/presentationml/2006/main">
   <p:tag name="KSO_WM_UNIT_PRESET_TEXT" val="01"/>
   <p:tag name="KSO_WM_UNIT_NOCLEAR" val="0"/>
@@ -21821,7 +21933,7 @@
 </p:tagLst>
 </file>
 
-<file path=ppt/tags/tag97.xml><?xml version="1.0" encoding="utf-8"?>
+<file path=ppt/tags/tag98.xml><?xml version="1.0" encoding="utf-8"?>
 <p:tagLst xmlns:a="http://schemas.openxmlformats.org/drawingml/2006/main" xmlns:r="http://schemas.openxmlformats.org/officeDocument/2006/relationships" xmlns:p="http://schemas.openxmlformats.org/presentationml/2006/main">
   <p:tag name="KSO_WM_BEAUTIFY_FLAG" val="#wm#"/>
   <p:tag name="KSO_WM_TEMPLATE_CATEGORY" val="custom"/>
@@ -21829,7 +21941,7 @@
 </p:tagLst>
 </file>
 
-<file path=ppt/tags/tag98.xml><?xml version="1.0" encoding="utf-8"?>
+<file path=ppt/tags/tag99.xml><?xml version="1.0" encoding="utf-8"?>
 <p:tagLst xmlns:a="http://schemas.openxmlformats.org/drawingml/2006/main" xmlns:r="http://schemas.openxmlformats.org/officeDocument/2006/relationships" xmlns:p="http://schemas.openxmlformats.org/presentationml/2006/main">
   <p:tag name="KSO_WM_UNIT_ISCONTENTSTITLE" val="0"/>
   <p:tag name="KSO_WM_UNIT_PRESET_TEXT" val="单击此处添加标题"/>
@@ -21847,14 +21959,6 @@
   <p:tag name="KSO_WM_UNIT_LAYERLEVEL" val="1"/>
   <p:tag name="KSO_WM_TAG_VERSION" val="1.0"/>
   <p:tag name="KSO_WM_BEAUTIFY_FLAG" val="#wm#"/>
-</p:tagLst>
-</file>
-
-<file path=ppt/tags/tag99.xml><?xml version="1.0" encoding="utf-8"?>
-<p:tagLst xmlns:a="http://schemas.openxmlformats.org/drawingml/2006/main" xmlns:r="http://schemas.openxmlformats.org/officeDocument/2006/relationships" xmlns:p="http://schemas.openxmlformats.org/presentationml/2006/main">
-  <p:tag name="KSO_WM_BEAUTIFY_FLAG" val="#wm#"/>
-  <p:tag name="KSO_WM_TEMPLATE_CATEGORY" val="custom"/>
-  <p:tag name="KSO_WM_TEMPLATE_INDEX" val="20187308"/>
 </p:tagLst>
 </file>
 

--- a/_doc/KFrame.pptx
+++ b/_doc/KFrame.pptx
@@ -6,10 +6,10 @@
     <p:sldMasterId id="2147483659" r:id="rId2"/>
   </p:sldMasterIdLst>
   <p:notesMasterIdLst>
-    <p:notesMasterId r:id="rId35"/>
+    <p:notesMasterId r:id="rId36"/>
   </p:notesMasterIdLst>
   <p:handoutMasterIdLst>
-    <p:handoutMasterId r:id="rId36"/>
+    <p:handoutMasterId r:id="rId37"/>
   </p:handoutMasterIdLst>
   <p:sldIdLst>
     <p:sldId id="640" r:id="rId3"/>
@@ -43,12 +43,13 @@
     <p:sldId id="661" r:id="rId31"/>
     <p:sldId id="662" r:id="rId32"/>
     <p:sldId id="663" r:id="rId33"/>
-    <p:sldId id="639" r:id="rId34"/>
+    <p:sldId id="666" r:id="rId34"/>
+    <p:sldId id="639" r:id="rId35"/>
   </p:sldIdLst>
   <p:sldSz cx="12192000" cy="6858000"/>
   <p:notesSz cx="7104063" cy="10234613"/>
   <p:custDataLst>
-    <p:tags r:id="rId37"/>
+    <p:tags r:id="rId38"/>
   </p:custDataLst>
   <p:defaultTextStyle>
     <a:defPPr>
@@ -998,6 +999,90 @@
             <a:fld id="{85D0DACE-38E0-42D2-9336-2B707D34BC6D}" type="slidenum">
               <a:rPr lang="zh-CN" altLang="en-US" smtClean="0"/>
               <a:t>32</a:t>
+            </a:fld>
+            <a:endParaRPr lang="zh-CN" altLang="en-US"/>
+          </a:p>
+        </p:txBody>
+      </p:sp>
+    </p:spTree>
+    <p:extLst>
+      <p:ext uri="{BB962C8B-B14F-4D97-AF65-F5344CB8AC3E}">
+        <p14:creationId xmlns:p14="http://schemas.microsoft.com/office/powerpoint/2010/main" val="2307418942"/>
+      </p:ext>
+    </p:extLst>
+  </p:cSld>
+  <p:clrMapOvr>
+    <a:masterClrMapping/>
+  </p:clrMapOvr>
+</p:notes>
+</file>
+
+<file path=ppt/notesSlides/notesSlide13.xml><?xml version="1.0" encoding="utf-8"?>
+<p:notes xmlns:a="http://schemas.openxmlformats.org/drawingml/2006/main" xmlns:r="http://schemas.openxmlformats.org/officeDocument/2006/relationships" xmlns:p="http://schemas.openxmlformats.org/presentationml/2006/main">
+  <p:cSld>
+    <p:spTree>
+      <p:nvGrpSpPr>
+        <p:cNvPr id="1" name=""/>
+        <p:cNvGrpSpPr/>
+        <p:nvPr/>
+      </p:nvGrpSpPr>
+      <p:grpSpPr>
+        <a:xfrm>
+          <a:off x="0" y="0"/>
+          <a:ext cx="0" cy="0"/>
+          <a:chOff x="0" y="0"/>
+          <a:chExt cx="0" cy="0"/>
+        </a:xfrm>
+      </p:grpSpPr>
+      <p:sp>
+        <p:nvSpPr>
+          <p:cNvPr id="2" name="幻灯片图像占位符 1"/>
+          <p:cNvSpPr>
+            <a:spLocks noGrp="1" noRot="1" noChangeAspect="1"/>
+          </p:cNvSpPr>
+          <p:nvPr>
+            <p:ph type="sldImg"/>
+          </p:nvPr>
+        </p:nvSpPr>
+        <p:spPr/>
+      </p:sp>
+      <p:sp>
+        <p:nvSpPr>
+          <p:cNvPr id="3" name="备注占位符 2"/>
+          <p:cNvSpPr>
+            <a:spLocks noGrp="1"/>
+          </p:cNvSpPr>
+          <p:nvPr>
+            <p:ph type="body" idx="1"/>
+          </p:nvPr>
+        </p:nvSpPr>
+        <p:spPr/>
+        <p:txBody>
+          <a:bodyPr/>
+          <a:lstStyle/>
+          <a:p>
+            <a:endParaRPr lang="zh-CN" altLang="en-US"/>
+          </a:p>
+        </p:txBody>
+      </p:sp>
+      <p:sp>
+        <p:nvSpPr>
+          <p:cNvPr id="4" name="灯片编号占位符 3"/>
+          <p:cNvSpPr>
+            <a:spLocks noGrp="1"/>
+          </p:cNvSpPr>
+          <p:nvPr>
+            <p:ph type="sldNum" sz="quarter" idx="10"/>
+          </p:nvPr>
+        </p:nvSpPr>
+        <p:spPr/>
+        <p:txBody>
+          <a:bodyPr/>
+          <a:lstStyle/>
+          <a:p>
+            <a:fld id="{85D0DACE-38E0-42D2-9336-2B707D34BC6D}" type="slidenum">
+              <a:rPr lang="zh-CN" altLang="en-US" smtClean="0"/>
+              <a:t>33</a:t>
             </a:fld>
             <a:endParaRPr lang="zh-CN" altLang="en-US"/>
           </a:p>
@@ -17630,6 +17715,355 @@
 </file>
 
 <file path=ppt/slides/slide32.xml><?xml version="1.0" encoding="utf-8"?>
+<p:sld xmlns:a="http://schemas.openxmlformats.org/drawingml/2006/main" xmlns:r="http://schemas.openxmlformats.org/officeDocument/2006/relationships" xmlns:p="http://schemas.openxmlformats.org/presentationml/2006/main">
+  <p:cSld>
+    <p:spTree>
+      <p:nvGrpSpPr>
+        <p:cNvPr id="1" name=""/>
+        <p:cNvGrpSpPr/>
+        <p:nvPr/>
+      </p:nvGrpSpPr>
+      <p:grpSpPr>
+        <a:xfrm>
+          <a:off x="0" y="0"/>
+          <a:ext cx="0" cy="0"/>
+          <a:chOff x="0" y="0"/>
+          <a:chExt cx="0" cy="0"/>
+        </a:xfrm>
+      </p:grpSpPr>
+      <p:sp>
+        <p:nvSpPr>
+          <p:cNvPr id="5" name="标题 4"/>
+          <p:cNvSpPr>
+            <a:spLocks noGrp="1"/>
+          </p:cNvSpPr>
+          <p:nvPr>
+            <p:ph type="title"/>
+            <p:custDataLst>
+              <p:tags r:id="rId2"/>
+            </p:custDataLst>
+          </p:nvPr>
+        </p:nvSpPr>
+        <p:spPr>
+          <a:xfrm>
+            <a:off x="669930" y="2724402"/>
+            <a:ext cx="10852237" cy="624845"/>
+          </a:xfrm>
+        </p:spPr>
+        <p:txBody>
+          <a:bodyPr/>
+          <a:lstStyle/>
+          <a:p>
+            <a:r>
+              <a:rPr lang="zh-CN" altLang="en-US" dirty="0" smtClean="0"/>
+              <a:t>运营日志</a:t>
+            </a:r>
+            <a:endParaRPr lang="zh-CN" altLang="en-US" dirty="0"/>
+          </a:p>
+        </p:txBody>
+      </p:sp>
+      <p:sp>
+        <p:nvSpPr>
+          <p:cNvPr id="3" name="文本占位符 2"/>
+          <p:cNvSpPr>
+            <a:spLocks noGrp="1"/>
+          </p:cNvSpPr>
+          <p:nvPr>
+            <p:ph type="body" idx="1"/>
+            <p:custDataLst>
+              <p:tags r:id="rId3"/>
+            </p:custDataLst>
+          </p:nvPr>
+        </p:nvSpPr>
+        <p:spPr>
+          <a:xfrm>
+            <a:off x="669925" y="3597279"/>
+            <a:ext cx="10852237" cy="3135294"/>
+          </a:xfrm>
+        </p:spPr>
+        <p:txBody>
+          <a:bodyPr/>
+          <a:lstStyle/>
+          <a:p>
+            <a:pPr marL="285750" indent="-285750">
+              <a:buFont typeface="Arial" panose="020B0604020202020204" pitchFamily="34" charset="0"/>
+              <a:buChar char="•"/>
+            </a:pPr>
+            <a:endParaRPr lang="en-US" altLang="zh-CN" dirty="0" smtClean="0"/>
+          </a:p>
+          <a:p>
+            <a:pPr marL="285750" indent="-285750">
+              <a:buFont typeface="Arial" panose="020B0604020202020204" pitchFamily="34" charset="0"/>
+              <a:buChar char="•"/>
+            </a:pPr>
+            <a:r>
+              <a:rPr lang="zh-CN" altLang="en-US" dirty="0" smtClean="0"/>
+              <a:t>接口统一</a:t>
+            </a:r>
+            <a:r>
+              <a:rPr lang="en-US" altLang="zh-CN" dirty="0" smtClean="0"/>
+              <a:t>, </a:t>
+            </a:r>
+            <a:r>
+              <a:rPr lang="zh-CN" altLang="en-US" dirty="0" smtClean="0"/>
+              <a:t>底层调用</a:t>
+            </a:r>
+            <a:endParaRPr lang="en-US" altLang="zh-CN" dirty="0" smtClean="0"/>
+          </a:p>
+          <a:p>
+            <a:pPr marL="285750" indent="-285750">
+              <a:buFont typeface="Arial" panose="020B0604020202020204" pitchFamily="34" charset="0"/>
+              <a:buChar char="•"/>
+            </a:pPr>
+            <a:endParaRPr lang="en-US" altLang="zh-CN" dirty="0"/>
+          </a:p>
+          <a:p>
+            <a:pPr marL="285750" indent="-285750">
+              <a:buFont typeface="Arial" panose="020B0604020202020204" pitchFamily="34" charset="0"/>
+              <a:buChar char="•"/>
+            </a:pPr>
+            <a:r>
+              <a:rPr lang="zh-CN" altLang="en-US" dirty="0" smtClean="0"/>
+              <a:t>数据格式统一</a:t>
+            </a:r>
+            <a:endParaRPr lang="en-US" altLang="zh-CN" dirty="0" smtClean="0"/>
+          </a:p>
+          <a:p>
+            <a:pPr marL="285750" indent="-285750">
+              <a:buFont typeface="Arial" panose="020B0604020202020204" pitchFamily="34" charset="0"/>
+              <a:buChar char="•"/>
+            </a:pPr>
+            <a:endParaRPr lang="en-US" altLang="zh-CN" dirty="0"/>
+          </a:p>
+          <a:p>
+            <a:pPr marL="285750" indent="-285750">
+              <a:buFont typeface="Arial" panose="020B0604020202020204" pitchFamily="34" charset="0"/>
+              <a:buChar char="•"/>
+            </a:pPr>
+            <a:r>
+              <a:rPr lang="zh-CN" altLang="en-US" dirty="0" smtClean="0"/>
+              <a:t>远程日志服务器集群</a:t>
+            </a:r>
+            <a:endParaRPr lang="zh-CN" altLang="en-US" dirty="0"/>
+          </a:p>
+        </p:txBody>
+      </p:sp>
+      <p:sp>
+        <p:nvSpPr>
+          <p:cNvPr id="2" name="文本框 1"/>
+          <p:cNvSpPr txBox="1"/>
+          <p:nvPr>
+            <p:custDataLst>
+              <p:tags r:id="rId4"/>
+            </p:custDataLst>
+          </p:nvPr>
+        </p:nvSpPr>
+        <p:spPr>
+          <a:xfrm>
+            <a:off x="669929" y="1003053"/>
+            <a:ext cx="1293625" cy="1308831"/>
+          </a:xfrm>
+          <a:prstGeom prst="rect">
+            <a:avLst/>
+          </a:prstGeom>
+        </p:spPr>
+        <p:txBody>
+          <a:bodyPr vert="horz" lIns="91440" tIns="45720" rIns="91440" bIns="45720" rtlCol="0" anchor="ctr">
+            <a:normAutofit fontScale="97500" lnSpcReduction="10000"/>
+          </a:bodyPr>
+          <a:lstStyle>
+            <a:lvl1pPr marL="228600" indent="-228600">
+              <a:lnSpc>
+                <a:spcPct val="120000"/>
+              </a:lnSpc>
+              <a:spcBef>
+                <a:spcPts val="1000"/>
+              </a:spcBef>
+              <a:buSzPct val="75000"/>
+              <a:buFont typeface="Arial" panose="020B0604020202020204" pitchFamily="34" charset="0"/>
+              <a:buChar char="•"/>
+              <a:defRPr sz="2000">
+                <a:solidFill>
+                  <a:schemeClr val="tx1">
+                    <a:lumMod val="85000"/>
+                    <a:lumOff val="15000"/>
+                  </a:schemeClr>
+                </a:solidFill>
+              </a:defRPr>
+            </a:lvl1pPr>
+            <a:lvl2pPr marL="575945" indent="-228600" fontAlgn="auto">
+              <a:lnSpc>
+                <a:spcPct val="120000"/>
+              </a:lnSpc>
+              <a:spcBef>
+                <a:spcPts val="500"/>
+              </a:spcBef>
+              <a:buSzPct val="75000"/>
+              <a:buFont typeface="Arial" panose="020B0604020202020204" pitchFamily="34" charset="0"/>
+              <a:buChar char="•"/>
+              <a:defRPr>
+                <a:solidFill>
+                  <a:schemeClr val="tx1">
+                    <a:lumMod val="75000"/>
+                    <a:lumOff val="25000"/>
+                  </a:schemeClr>
+                </a:solidFill>
+                <a:latin typeface="微软雅黑" panose="020B0503020204020204" charset="-122"/>
+                <a:ea typeface="微软雅黑" panose="020B0503020204020204" charset="-122"/>
+              </a:defRPr>
+            </a:lvl2pPr>
+            <a:lvl3pPr marL="1007745" indent="-228600" fontAlgn="auto">
+              <a:lnSpc>
+                <a:spcPct val="120000"/>
+              </a:lnSpc>
+              <a:spcBef>
+                <a:spcPts val="500"/>
+              </a:spcBef>
+              <a:buSzPct val="75000"/>
+              <a:buFont typeface="Arial" panose="020B0604020202020204" pitchFamily="34" charset="0"/>
+              <a:buChar char="‒"/>
+              <a:defRPr sz="1600">
+                <a:solidFill>
+                  <a:schemeClr val="tx1">
+                    <a:lumMod val="65000"/>
+                    <a:lumOff val="35000"/>
+                  </a:schemeClr>
+                </a:solidFill>
+                <a:latin typeface="微软雅黑" panose="020B0503020204020204" charset="-122"/>
+                <a:ea typeface="微软雅黑" panose="020B0503020204020204" charset="-122"/>
+              </a:defRPr>
+            </a:lvl3pPr>
+            <a:lvl4pPr marL="1511935" indent="-228600" fontAlgn="auto">
+              <a:lnSpc>
+                <a:spcPct val="100000"/>
+              </a:lnSpc>
+              <a:spcBef>
+                <a:spcPts val="500"/>
+              </a:spcBef>
+              <a:buSzPct val="75000"/>
+              <a:buFont typeface="Arial" panose="020B0604020202020204" pitchFamily="34" charset="0"/>
+              <a:buChar char="˃"/>
+              <a:defRPr sz="1400">
+                <a:solidFill>
+                  <a:schemeClr val="tx1">
+                    <a:lumMod val="50000"/>
+                    <a:lumOff val="50000"/>
+                  </a:schemeClr>
+                </a:solidFill>
+                <a:latin typeface="微软雅黑" panose="020B0503020204020204" charset="-122"/>
+                <a:ea typeface="微软雅黑" panose="020B0503020204020204" charset="-122"/>
+              </a:defRPr>
+            </a:lvl4pPr>
+            <a:lvl5pPr marL="1943735" indent="-228600" fontAlgn="auto">
+              <a:lnSpc>
+                <a:spcPct val="90000"/>
+              </a:lnSpc>
+              <a:spcBef>
+                <a:spcPts val="500"/>
+              </a:spcBef>
+              <a:buSzPct val="75000"/>
+              <a:buFont typeface="Arial" panose="020B0604020202020204" pitchFamily="34" charset="0"/>
+              <a:buChar char="˃"/>
+              <a:defRPr sz="1400">
+                <a:solidFill>
+                  <a:schemeClr val="tx1">
+                    <a:lumMod val="50000"/>
+                    <a:lumOff val="50000"/>
+                  </a:schemeClr>
+                </a:solidFill>
+                <a:latin typeface="微软雅黑" panose="020B0503020204020204" charset="-122"/>
+                <a:ea typeface="微软雅黑" panose="020B0503020204020204" charset="-122"/>
+              </a:defRPr>
+            </a:lvl5pPr>
+            <a:lvl6pPr marL="2514600" indent="-228600">
+              <a:lnSpc>
+                <a:spcPct val="90000"/>
+              </a:lnSpc>
+              <a:spcBef>
+                <a:spcPts val="500"/>
+              </a:spcBef>
+              <a:buFont typeface="Arial" panose="020B0604020202020204" pitchFamily="34" charset="0"/>
+              <a:buChar char="•"/>
+            </a:lvl6pPr>
+            <a:lvl7pPr marL="2971800" indent="-228600">
+              <a:lnSpc>
+                <a:spcPct val="90000"/>
+              </a:lnSpc>
+              <a:spcBef>
+                <a:spcPts val="500"/>
+              </a:spcBef>
+              <a:buFont typeface="Arial" panose="020B0604020202020204" pitchFamily="34" charset="0"/>
+              <a:buChar char="•"/>
+            </a:lvl7pPr>
+            <a:lvl8pPr marL="3429000" indent="-228600">
+              <a:lnSpc>
+                <a:spcPct val="90000"/>
+              </a:lnSpc>
+              <a:spcBef>
+                <a:spcPts val="500"/>
+              </a:spcBef>
+              <a:buFont typeface="Arial" panose="020B0604020202020204" pitchFamily="34" charset="0"/>
+              <a:buChar char="•"/>
+            </a:lvl8pPr>
+            <a:lvl9pPr marL="3886200" indent="-228600">
+              <a:lnSpc>
+                <a:spcPct val="90000"/>
+              </a:lnSpc>
+              <a:spcBef>
+                <a:spcPts val="500"/>
+              </a:spcBef>
+              <a:buFont typeface="Arial" panose="020B0604020202020204" pitchFamily="34" charset="0"/>
+              <a:buChar char="•"/>
+            </a:lvl9pPr>
+          </a:lstStyle>
+          <a:p>
+            <a:pPr marL="0" indent="0">
+              <a:buNone/>
+            </a:pPr>
+            <a:r>
+              <a:rPr lang="en-US" altLang="zh-CN" sz="7200" b="1" dirty="0" smtClean="0">
+                <a:solidFill>
+                  <a:schemeClr val="bg1">
+                    <a:lumMod val="85000"/>
+                  </a:schemeClr>
+                </a:solidFill>
+              </a:rPr>
+              <a:t>06</a:t>
+            </a:r>
+            <a:endParaRPr lang="en-US" altLang="zh-CN" sz="7200" b="1" dirty="0">
+              <a:solidFill>
+                <a:schemeClr val="bg1">
+                  <a:lumMod val="85000"/>
+                </a:schemeClr>
+              </a:solidFill>
+            </a:endParaRPr>
+          </a:p>
+        </p:txBody>
+      </p:sp>
+    </p:spTree>
+    <p:custDataLst>
+      <p:tags r:id="rId1"/>
+    </p:custDataLst>
+    <p:extLst>
+      <p:ext uri="{BB962C8B-B14F-4D97-AF65-F5344CB8AC3E}">
+        <p14:creationId xmlns:p14="http://schemas.microsoft.com/office/powerpoint/2010/main" val="74789715"/>
+      </p:ext>
+    </p:extLst>
+  </p:cSld>
+  <p:clrMapOvr>
+    <a:masterClrMapping/>
+  </p:clrMapOvr>
+  <p:timing>
+    <p:tnLst>
+      <p:par>
+        <p:cTn id="1" dur="indefinite" restart="never" nodeType="tmRoot"/>
+      </p:par>
+    </p:tnLst>
+  </p:timing>
+</p:sld>
+</file>
+
+<file path=ppt/slides/slide33.xml><?xml version="1.0" encoding="utf-8"?>
 <p:sld xmlns:a="http://schemas.openxmlformats.org/drawingml/2006/main" xmlns:r="http://schemas.openxmlformats.org/officeDocument/2006/relationships" xmlns:p="http://schemas.openxmlformats.org/presentationml/2006/main">
   <p:cSld>
     <p:spTree>
@@ -20463,6 +20897,98 @@
 
 <file path=ppt/tags/tag147.xml><?xml version="1.0" encoding="utf-8"?>
 <p:tagLst xmlns:a="http://schemas.openxmlformats.org/drawingml/2006/main" xmlns:r="http://schemas.openxmlformats.org/officeDocument/2006/relationships" xmlns:p="http://schemas.openxmlformats.org/presentationml/2006/main">
+  <p:tag name="KSO_WM_SLIDE_ID" val="custom20187308_3"/>
+  <p:tag name="KSO_WM_TEMPLATE_SUBCATEGORY" val="0"/>
+  <p:tag name="KSO_WM_SLIDE_TYPE" val="sectionTitle"/>
+  <p:tag name="KSO_WM_SLIDE_SUBTYPE" val="pureTxt"/>
+  <p:tag name="KSO_WM_SLIDE_ITEM_CNT" val="0"/>
+  <p:tag name="KSO_WM_SLIDE_INDEX" val="3"/>
+  <p:tag name="KSO_WM_TAG_VERSION" val="1.0"/>
+  <p:tag name="KSO_WM_BEAUTIFY_FLAG" val="#wm#"/>
+  <p:tag name="KSO_WM_TEMPLATE_CATEGORY" val="custom"/>
+  <p:tag name="KSO_WM_TEMPLATE_INDEX" val="20187308"/>
+  <p:tag name="KSO_WM_SLIDE_LAYOUT" val="a_b_e"/>
+  <p:tag name="KSO_WM_SLIDE_LAYOUT_CNT" val="1_1_1"/>
+</p:tagLst>
+</file>
+
+<file path=ppt/tags/tag148.xml><?xml version="1.0" encoding="utf-8"?>
+<p:tagLst xmlns:a="http://schemas.openxmlformats.org/drawingml/2006/main" xmlns:r="http://schemas.openxmlformats.org/officeDocument/2006/relationships" xmlns:p="http://schemas.openxmlformats.org/presentationml/2006/main">
+  <p:tag name="KSO_WM_UNIT_ISCONTENTSTITLE" val="0"/>
+  <p:tag name="KSO_WM_UNIT_PRESET_TEXT" val="单击此处添加标题"/>
+  <p:tag name="KSO_WM_UNIT_NOCLEAR" val="0"/>
+  <p:tag name="KSO_WM_UNIT_VALUE" val="60"/>
+  <p:tag name="KSO_WM_UNIT_HIGHLIGHT" val="0"/>
+  <p:tag name="KSO_WM_UNIT_COMPATIBLE" val="0"/>
+  <p:tag name="KSO_WM_UNIT_DIAGRAM_ISNUMVISUAL" val="0"/>
+  <p:tag name="KSO_WM_UNIT_DIAGRAM_ISREFERUNIT" val="0"/>
+  <p:tag name="KSO_WM_UNIT_TYPE" val="a"/>
+  <p:tag name="KSO_WM_UNIT_INDEX" val="1"/>
+  <p:tag name="KSO_WM_UNIT_ID" val="custom20187308_3*a*1"/>
+  <p:tag name="KSO_WM_TEMPLATE_CATEGORY" val="custom"/>
+  <p:tag name="KSO_WM_TEMPLATE_INDEX" val="20187308"/>
+  <p:tag name="KSO_WM_UNIT_LAYERLEVEL" val="1"/>
+  <p:tag name="KSO_WM_TAG_VERSION" val="1.0"/>
+  <p:tag name="KSO_WM_BEAUTIFY_FLAG" val="#wm#"/>
+</p:tagLst>
+</file>
+
+<file path=ppt/tags/tag149.xml><?xml version="1.0" encoding="utf-8"?>
+<p:tagLst xmlns:a="http://schemas.openxmlformats.org/drawingml/2006/main" xmlns:r="http://schemas.openxmlformats.org/officeDocument/2006/relationships" xmlns:p="http://schemas.openxmlformats.org/presentationml/2006/main">
+  <p:tag name="KSO_WM_UNIT_ISCONTENTSTITLE" val="0"/>
+  <p:tag name="KSO_WM_UNIT_PRESET_TEXT" val="单击此处添加文本具体内容，简明扼要的阐述您的观点。"/>
+  <p:tag name="KSO_WM_UNIT_NOCLEAR" val="0"/>
+  <p:tag name="KSO_WM_UNIT_VALUE" val="156"/>
+  <p:tag name="KSO_WM_UNIT_HIGHLIGHT" val="0"/>
+  <p:tag name="KSO_WM_UNIT_COMPATIBLE" val="0"/>
+  <p:tag name="KSO_WM_UNIT_DIAGRAM_ISNUMVISUAL" val="0"/>
+  <p:tag name="KSO_WM_UNIT_DIAGRAM_ISREFERUNIT" val="0"/>
+  <p:tag name="KSO_WM_UNIT_TYPE" val="b"/>
+  <p:tag name="KSO_WM_UNIT_INDEX" val="1"/>
+  <p:tag name="KSO_WM_UNIT_ID" val="custom20187308_3*b*1"/>
+  <p:tag name="KSO_WM_TEMPLATE_CATEGORY" val="custom"/>
+  <p:tag name="KSO_WM_TEMPLATE_INDEX" val="20187308"/>
+  <p:tag name="KSO_WM_UNIT_LAYERLEVEL" val="1"/>
+  <p:tag name="KSO_WM_TAG_VERSION" val="1.0"/>
+  <p:tag name="KSO_WM_BEAUTIFY_FLAG" val="#wm#"/>
+</p:tagLst>
+</file>
+
+<file path=ppt/tags/tag15.xml><?xml version="1.0" encoding="utf-8"?>
+<p:tagLst xmlns:a="http://schemas.openxmlformats.org/drawingml/2006/main" xmlns:r="http://schemas.openxmlformats.org/officeDocument/2006/relationships" xmlns:p="http://schemas.openxmlformats.org/presentationml/2006/main">
+  <p:tag name="KSO_WM_UNIT_HIGHLIGHT" val="0"/>
+  <p:tag name="KSO_WM_UNIT_COMPATIBLE" val="0"/>
+  <p:tag name="KSO_WM_UNIT_DIAGRAM_ISNUMVISUAL" val="0"/>
+  <p:tag name="KSO_WM_UNIT_DIAGRAM_ISREFERUNIT" val="0"/>
+  <p:tag name="KSO_WM_UNIT_ID" val="_1**"/>
+  <p:tag name="KSO_WM_UNIT_LAYERLEVEL" val="1"/>
+  <p:tag name="KSO_WM_TAG_VERSION" val="1.0"/>
+  <p:tag name="KSO_WM_BEAUTIFY_FLAG" val="#wm#"/>
+</p:tagLst>
+</file>
+
+<file path=ppt/tags/tag150.xml><?xml version="1.0" encoding="utf-8"?>
+<p:tagLst xmlns:a="http://schemas.openxmlformats.org/drawingml/2006/main" xmlns:r="http://schemas.openxmlformats.org/officeDocument/2006/relationships" xmlns:p="http://schemas.openxmlformats.org/presentationml/2006/main">
+  <p:tag name="KSO_WM_UNIT_PRESET_TEXT" val="01"/>
+  <p:tag name="KSO_WM_UNIT_NOCLEAR" val="0"/>
+  <p:tag name="KSO_WM_UNIT_VALUE" val="1"/>
+  <p:tag name="KSO_WM_UNIT_HIGHLIGHT" val="0"/>
+  <p:tag name="KSO_WM_UNIT_COMPATIBLE" val="1"/>
+  <p:tag name="KSO_WM_UNIT_DIAGRAM_ISNUMVISUAL" val="0"/>
+  <p:tag name="KSO_WM_UNIT_DIAGRAM_ISREFERUNIT" val="0"/>
+  <p:tag name="KSO_WM_UNIT_TYPE" val="e"/>
+  <p:tag name="KSO_WM_UNIT_INDEX" val="1"/>
+  <p:tag name="KSO_WM_UNIT_ID" val="custom20187308_3*e*1"/>
+  <p:tag name="KSO_WM_TEMPLATE_CATEGORY" val="custom"/>
+  <p:tag name="KSO_WM_TEMPLATE_INDEX" val="20187308"/>
+  <p:tag name="KSO_WM_UNIT_LAYERLEVEL" val="1"/>
+  <p:tag name="KSO_WM_TAG_VERSION" val="1.0"/>
+  <p:tag name="KSO_WM_BEAUTIFY_FLAG" val="#wm#"/>
+</p:tagLst>
+</file>
+
+<file path=ppt/tags/tag151.xml><?xml version="1.0" encoding="utf-8"?>
+<p:tagLst xmlns:a="http://schemas.openxmlformats.org/drawingml/2006/main" xmlns:r="http://schemas.openxmlformats.org/officeDocument/2006/relationships" xmlns:p="http://schemas.openxmlformats.org/presentationml/2006/main">
   <p:tag name="KSO_WM_SLIDE_ID" val="custom20187308_15"/>
   <p:tag name="KSO_WM_TEMPLATE_SUBCATEGORY" val="0"/>
   <p:tag name="KSO_WM_SLIDE_TYPE" val="endPage"/>
@@ -20478,7 +21004,7 @@
 </p:tagLst>
 </file>
 
-<file path=ppt/tags/tag148.xml><?xml version="1.0" encoding="utf-8"?>
+<file path=ppt/tags/tag152.xml><?xml version="1.0" encoding="utf-8"?>
 <p:tagLst xmlns:a="http://schemas.openxmlformats.org/drawingml/2006/main" xmlns:r="http://schemas.openxmlformats.org/officeDocument/2006/relationships" xmlns:p="http://schemas.openxmlformats.org/presentationml/2006/main">
   <p:tag name="KSO_WM_UNIT_ISCONTENTSTITLE" val="0"/>
   <p:tag name="KSO_WM_UNIT_PRESET_TEXT" val="谢谢观看"/>
@@ -20493,19 +21019,6 @@
   <p:tag name="KSO_WM_UNIT_ID" val="custom20187308_15*a*1"/>
   <p:tag name="KSO_WM_TEMPLATE_CATEGORY" val="custom"/>
   <p:tag name="KSO_WM_TEMPLATE_INDEX" val="20187308"/>
-  <p:tag name="KSO_WM_UNIT_LAYERLEVEL" val="1"/>
-  <p:tag name="KSO_WM_TAG_VERSION" val="1.0"/>
-  <p:tag name="KSO_WM_BEAUTIFY_FLAG" val="#wm#"/>
-</p:tagLst>
-</file>
-
-<file path=ppt/tags/tag15.xml><?xml version="1.0" encoding="utf-8"?>
-<p:tagLst xmlns:a="http://schemas.openxmlformats.org/drawingml/2006/main" xmlns:r="http://schemas.openxmlformats.org/officeDocument/2006/relationships" xmlns:p="http://schemas.openxmlformats.org/presentationml/2006/main">
-  <p:tag name="KSO_WM_UNIT_HIGHLIGHT" val="0"/>
-  <p:tag name="KSO_WM_UNIT_COMPATIBLE" val="0"/>
-  <p:tag name="KSO_WM_UNIT_DIAGRAM_ISNUMVISUAL" val="0"/>
-  <p:tag name="KSO_WM_UNIT_DIAGRAM_ISREFERUNIT" val="0"/>
-  <p:tag name="KSO_WM_UNIT_ID" val="_1**"/>
   <p:tag name="KSO_WM_UNIT_LAYERLEVEL" val="1"/>
   <p:tag name="KSO_WM_TAG_VERSION" val="1.0"/>
   <p:tag name="KSO_WM_BEAUTIFY_FLAG" val="#wm#"/>

--- a/_doc/KFrame.pptx
+++ b/_doc/KFrame.pptx
@@ -17475,7 +17475,7 @@
               <a:buChar char="•"/>
             </a:pPr>
             <a:r>
-              <a:rPr lang="zh-CN" altLang="en-US" dirty="0" smtClean="0">
+              <a:rPr lang="zh-CN" altLang="en-US" smtClean="0">
                 <a:solidFill>
                   <a:schemeClr val="tx1">
                     <a:lumMod val="65000"/>
@@ -17484,10 +17484,10 @@
                 </a:solidFill>
                 <a:latin typeface="+mn-ea"/>
               </a:rPr>
-              <a:t>省去</a:t>
-            </a:r>
-            <a:r>
-              <a:rPr lang="en-US" altLang="zh-CN" dirty="0" err="1" smtClean="0">
+              <a:t>去除</a:t>
+            </a:r>
+            <a:r>
+              <a:rPr lang="en-US" altLang="zh-CN" smtClean="0">
                 <a:solidFill>
                   <a:schemeClr val="tx1">
                     <a:lumMod val="65000"/>

--- a/_doc/KFrame.pptx
+++ b/_doc/KFrame.pptx
@@ -17475,7 +17475,7 @@
               <a:buChar char="•"/>
             </a:pPr>
             <a:r>
-              <a:rPr lang="zh-CN" altLang="en-US" smtClean="0">
+              <a:rPr lang="zh-CN" altLang="en-US" dirty="0" smtClean="0">
                 <a:solidFill>
                   <a:schemeClr val="tx1">
                     <a:lumMod val="65000"/>
@@ -17487,7 +17487,7 @@
               <a:t>去除</a:t>
             </a:r>
             <a:r>
-              <a:rPr lang="en-US" altLang="zh-CN" smtClean="0">
+              <a:rPr lang="en-US" altLang="zh-CN" dirty="0" err="1" smtClean="0">
                 <a:solidFill>
                   <a:schemeClr val="tx1">
                     <a:lumMod val="65000"/>

--- a/_doc/KFrame.pptx
+++ b/_doc/KFrame.pptx
@@ -6,10 +6,10 @@
     <p:sldMasterId id="2147483659" r:id="rId2"/>
   </p:sldMasterIdLst>
   <p:notesMasterIdLst>
-    <p:notesMasterId r:id="rId36"/>
+    <p:notesMasterId r:id="rId37"/>
   </p:notesMasterIdLst>
   <p:handoutMasterIdLst>
-    <p:handoutMasterId r:id="rId37"/>
+    <p:handoutMasterId r:id="rId38"/>
   </p:handoutMasterIdLst>
   <p:sldIdLst>
     <p:sldId id="640" r:id="rId3"/>
@@ -44,12 +44,13 @@
     <p:sldId id="662" r:id="rId32"/>
     <p:sldId id="663" r:id="rId33"/>
     <p:sldId id="666" r:id="rId34"/>
-    <p:sldId id="639" r:id="rId35"/>
+    <p:sldId id="667" r:id="rId35"/>
+    <p:sldId id="639" r:id="rId36"/>
   </p:sldIdLst>
   <p:sldSz cx="12192000" cy="6858000"/>
   <p:notesSz cx="7104063" cy="10234613"/>
   <p:custDataLst>
-    <p:tags r:id="rId38"/>
+    <p:tags r:id="rId39"/>
   </p:custDataLst>
   <p:defaultTextStyle>
     <a:defPPr>
@@ -247,7 +248,7 @@
           <a:p>
             <a:fld id="{0F9B84EA-7D68-4D60-9CB1-D50884785D1C}" type="datetimeFigureOut">
               <a:rPr lang="zh-CN" altLang="en-US" smtClean="0"/>
-              <a:t>2020/7/15</a:t>
+              <a:t>2020/7/20</a:t>
             </a:fld>
             <a:endParaRPr lang="zh-CN" altLang="en-US"/>
           </a:p>
@@ -418,7 +419,7 @@
           <a:p>
             <a:fld id="{D6C8D182-E4C8-4120-9249-FC9774456FFA}" type="datetimeFigureOut">
               <a:rPr lang="zh-CN" altLang="en-US" smtClean="0"/>
-              <a:t>2020/7/15</a:t>
+              <a:t>2020/7/20</a:t>
             </a:fld>
             <a:endParaRPr lang="zh-CN" altLang="en-US"/>
           </a:p>
@@ -1089,6 +1090,90 @@
         </p:txBody>
       </p:sp>
     </p:spTree>
+    <p:extLst>
+      <p:ext uri="{BB962C8B-B14F-4D97-AF65-F5344CB8AC3E}">
+        <p14:creationId xmlns:p14="http://schemas.microsoft.com/office/powerpoint/2010/main" val="3304847632"/>
+      </p:ext>
+    </p:extLst>
+  </p:cSld>
+  <p:clrMapOvr>
+    <a:masterClrMapping/>
+  </p:clrMapOvr>
+</p:notes>
+</file>
+
+<file path=ppt/notesSlides/notesSlide14.xml><?xml version="1.0" encoding="utf-8"?>
+<p:notes xmlns:a="http://schemas.openxmlformats.org/drawingml/2006/main" xmlns:r="http://schemas.openxmlformats.org/officeDocument/2006/relationships" xmlns:p="http://schemas.openxmlformats.org/presentationml/2006/main">
+  <p:cSld>
+    <p:spTree>
+      <p:nvGrpSpPr>
+        <p:cNvPr id="1" name=""/>
+        <p:cNvGrpSpPr/>
+        <p:nvPr/>
+      </p:nvGrpSpPr>
+      <p:grpSpPr>
+        <a:xfrm>
+          <a:off x="0" y="0"/>
+          <a:ext cx="0" cy="0"/>
+          <a:chOff x="0" y="0"/>
+          <a:chExt cx="0" cy="0"/>
+        </a:xfrm>
+      </p:grpSpPr>
+      <p:sp>
+        <p:nvSpPr>
+          <p:cNvPr id="2" name="幻灯片图像占位符 1"/>
+          <p:cNvSpPr>
+            <a:spLocks noGrp="1" noRot="1" noChangeAspect="1"/>
+          </p:cNvSpPr>
+          <p:nvPr>
+            <p:ph type="sldImg"/>
+          </p:nvPr>
+        </p:nvSpPr>
+        <p:spPr/>
+      </p:sp>
+      <p:sp>
+        <p:nvSpPr>
+          <p:cNvPr id="3" name="备注占位符 2"/>
+          <p:cNvSpPr>
+            <a:spLocks noGrp="1"/>
+          </p:cNvSpPr>
+          <p:nvPr>
+            <p:ph type="body" idx="1"/>
+          </p:nvPr>
+        </p:nvSpPr>
+        <p:spPr/>
+        <p:txBody>
+          <a:bodyPr/>
+          <a:lstStyle/>
+          <a:p>
+            <a:endParaRPr lang="zh-CN" altLang="en-US"/>
+          </a:p>
+        </p:txBody>
+      </p:sp>
+      <p:sp>
+        <p:nvSpPr>
+          <p:cNvPr id="4" name="灯片编号占位符 3"/>
+          <p:cNvSpPr>
+            <a:spLocks noGrp="1"/>
+          </p:cNvSpPr>
+          <p:nvPr>
+            <p:ph type="sldNum" sz="quarter" idx="10"/>
+          </p:nvPr>
+        </p:nvSpPr>
+        <p:spPr/>
+        <p:txBody>
+          <a:bodyPr/>
+          <a:lstStyle/>
+          <a:p>
+            <a:fld id="{85D0DACE-38E0-42D2-9336-2B707D34BC6D}" type="slidenum">
+              <a:rPr lang="zh-CN" altLang="en-US" smtClean="0"/>
+              <a:t>34</a:t>
+            </a:fld>
+            <a:endParaRPr lang="zh-CN" altLang="en-US"/>
+          </a:p>
+        </p:txBody>
+      </p:sp>
+    </p:spTree>
   </p:cSld>
   <p:clrMapOvr>
     <a:masterClrMapping/>
@@ -1884,7 +1969,7 @@
           <a:p>
             <a:fld id="{760FBDFE-C587-4B4C-A407-44438C67B59E}" type="datetimeFigureOut">
               <a:rPr lang="zh-CN" altLang="en-US" smtClean="0"/>
-              <a:t>2020/7/15</a:t>
+              <a:t>2020/7/20</a:t>
             </a:fld>
             <a:endParaRPr lang="zh-CN" altLang="en-US"/>
           </a:p>
@@ -1974,7 +2059,7 @@
           <a:p>
             <a:fld id="{760FBDFE-C587-4B4C-A407-44438C67B59E}" type="datetimeFigureOut">
               <a:rPr lang="zh-CN" altLang="en-US" smtClean="0"/>
-              <a:t>2020/7/15</a:t>
+              <a:t>2020/7/20</a:t>
             </a:fld>
             <a:endParaRPr lang="zh-CN" altLang="en-US"/>
           </a:p>
@@ -2244,7 +2329,7 @@
           <a:p>
             <a:fld id="{760FBDFE-C587-4B4C-A407-44438C67B59E}" type="datetimeFigureOut">
               <a:rPr lang="zh-CN" altLang="en-US" smtClean="0"/>
-              <a:t>2020/7/15</a:t>
+              <a:t>2020/7/20</a:t>
             </a:fld>
             <a:endParaRPr lang="zh-CN" altLang="en-US"/>
           </a:p>
@@ -2600,7 +2685,7 @@
           <a:p>
             <a:fld id="{760FBDFE-C587-4B4C-A407-44438C67B59E}" type="datetimeFigureOut">
               <a:rPr lang="zh-CN" altLang="en-US" smtClean="0"/>
-              <a:t>2020/7/15</a:t>
+              <a:t>2020/7/20</a:t>
             </a:fld>
             <a:endParaRPr lang="zh-CN" altLang="en-US"/>
           </a:p>
@@ -2874,7 +2959,7 @@
           <a:p>
             <a:fld id="{760FBDFE-C587-4B4C-A407-44438C67B59E}" type="datetimeFigureOut">
               <a:rPr lang="zh-CN" altLang="en-US" smtClean="0"/>
-              <a:t>2020/7/15</a:t>
+              <a:t>2020/7/20</a:t>
             </a:fld>
             <a:endParaRPr lang="zh-CN" altLang="en-US"/>
           </a:p>
@@ -3342,7 +3427,7 @@
           <a:p>
             <a:fld id="{760FBDFE-C587-4B4C-A407-44438C67B59E}" type="datetimeFigureOut">
               <a:rPr lang="zh-CN" altLang="en-US" smtClean="0"/>
-              <a:t>2020/7/15</a:t>
+              <a:t>2020/7/20</a:t>
             </a:fld>
             <a:endParaRPr lang="zh-CN" altLang="en-US"/>
           </a:p>
@@ -4075,7 +4160,7 @@
           <a:p>
             <a:fld id="{760FBDFE-C587-4B4C-A407-44438C67B59E}" type="datetimeFigureOut">
               <a:rPr lang="zh-CN" altLang="en-US" smtClean="0"/>
-              <a:t>2020/7/15</a:t>
+              <a:t>2020/7/20</a:t>
             </a:fld>
             <a:endParaRPr lang="zh-CN" altLang="en-US"/>
           </a:p>
@@ -4221,7 +4306,7 @@
           <a:p>
             <a:fld id="{760FBDFE-C587-4B4C-A407-44438C67B59E}" type="datetimeFigureOut">
               <a:rPr lang="zh-CN" altLang="en-US" smtClean="0"/>
-              <a:t>2020/7/15</a:t>
+              <a:t>2020/7/20</a:t>
             </a:fld>
             <a:endParaRPr lang="zh-CN" altLang="en-US"/>
           </a:p>
@@ -4320,7 +4405,7 @@
           <a:p>
             <a:fld id="{760FBDFE-C587-4B4C-A407-44438C67B59E}" type="datetimeFigureOut">
               <a:rPr lang="zh-CN" altLang="en-US" smtClean="0"/>
-              <a:t>2020/7/15</a:t>
+              <a:t>2020/7/20</a:t>
             </a:fld>
             <a:endParaRPr lang="zh-CN" altLang="en-US"/>
           </a:p>
@@ -4635,7 +4720,7 @@
           <a:p>
             <a:fld id="{9EFD9D74-47D9-4702-A33C-335B63B48DBF}" type="datetimeFigureOut">
               <a:rPr lang="zh-CN" altLang="en-US" smtClean="0"/>
-              <a:t>2020/7/15</a:t>
+              <a:t>2020/7/20</a:t>
             </a:fld>
             <a:endParaRPr lang="zh-CN" altLang="en-US" dirty="0"/>
           </a:p>
@@ -4924,7 +5009,7 @@
           <a:p>
             <a:fld id="{760FBDFE-C587-4B4C-A407-44438C67B59E}" type="datetimeFigureOut">
               <a:rPr lang="zh-CN" altLang="en-US" smtClean="0"/>
-              <a:t>2020/7/15</a:t>
+              <a:t>2020/7/20</a:t>
             </a:fld>
             <a:endParaRPr lang="zh-CN" altLang="en-US"/>
           </a:p>
@@ -5170,7 +5255,7 @@
           <a:p>
             <a:fld id="{760FBDFE-C587-4B4C-A407-44438C67B59E}" type="datetimeFigureOut">
               <a:rPr lang="zh-CN" altLang="en-US" smtClean="0"/>
-              <a:t>2020/7/15</a:t>
+              <a:t>2020/7/20</a:t>
             </a:fld>
             <a:endParaRPr lang="zh-CN" altLang="en-US"/>
           </a:p>
@@ -5263,7 +5348,7 @@
           <a:p>
             <a:fld id="{760FBDFE-C587-4B4C-A407-44438C67B59E}" type="datetimeFigureOut">
               <a:rPr lang="zh-CN" altLang="en-US" smtClean="0"/>
-              <a:t>2020/7/15</a:t>
+              <a:t>2020/7/20</a:t>
             </a:fld>
             <a:endParaRPr lang="zh-CN" altLang="en-US"/>
           </a:p>
@@ -5472,7 +5557,7 @@
           <a:p>
             <a:fld id="{760FBDFE-C587-4B4C-A407-44438C67B59E}" type="datetimeFigureOut">
               <a:rPr lang="zh-CN" altLang="en-US" smtClean="0"/>
-              <a:t>2020/7/15</a:t>
+              <a:t>2020/7/20</a:t>
             </a:fld>
             <a:endParaRPr lang="zh-CN" altLang="en-US"/>
           </a:p>
@@ -5787,7 +5872,7 @@
           <a:p>
             <a:fld id="{760FBDFE-C587-4B4C-A407-44438C67B59E}" type="datetimeFigureOut">
               <a:rPr lang="zh-CN" altLang="en-US" smtClean="0"/>
-              <a:t>2020/7/15</a:t>
+              <a:t>2020/7/20</a:t>
             </a:fld>
             <a:endParaRPr lang="zh-CN" altLang="en-US"/>
           </a:p>
@@ -6166,7 +6251,7 @@
           <a:p>
             <a:fld id="{760FBDFE-C587-4B4C-A407-44438C67B59E}" type="datetimeFigureOut">
               <a:rPr lang="zh-CN" altLang="en-US" smtClean="0"/>
-              <a:t>2020/7/15</a:t>
+              <a:t>2020/7/20</a:t>
             </a:fld>
             <a:endParaRPr lang="zh-CN" altLang="en-US"/>
           </a:p>
@@ -6525,7 +6610,7 @@
           <a:p>
             <a:fld id="{760FBDFE-C587-4B4C-A407-44438C67B59E}" type="datetimeFigureOut">
               <a:rPr lang="zh-CN" altLang="en-US" smtClean="0"/>
-              <a:t>2020/7/15</a:t>
+              <a:t>2020/7/20</a:t>
             </a:fld>
             <a:endParaRPr lang="zh-CN" altLang="en-US"/>
           </a:p>
@@ -6656,7 +6741,7 @@
           <a:p>
             <a:fld id="{760FBDFE-C587-4B4C-A407-44438C67B59E}" type="datetimeFigureOut">
               <a:rPr lang="zh-CN" altLang="en-US" smtClean="0"/>
-              <a:t>2020/7/15</a:t>
+              <a:t>2020/7/20</a:t>
             </a:fld>
             <a:endParaRPr lang="zh-CN" altLang="en-US"/>
           </a:p>
@@ -6746,7 +6831,7 @@
           <a:p>
             <a:fld id="{760FBDFE-C587-4B4C-A407-44438C67B59E}" type="datetimeFigureOut">
               <a:rPr lang="zh-CN" altLang="en-US" smtClean="0"/>
-              <a:t>2020/7/15</a:t>
+              <a:t>2020/7/20</a:t>
             </a:fld>
             <a:endParaRPr lang="zh-CN" altLang="en-US"/>
           </a:p>
@@ -7008,7 +7093,7 @@
           <a:p>
             <a:fld id="{9EFD9D74-47D9-4702-A33C-335B63B48DBF}" type="datetimeFigureOut">
               <a:rPr lang="zh-CN" altLang="en-US" smtClean="0"/>
-              <a:t>2020/7/15</a:t>
+              <a:t>2020/7/20</a:t>
             </a:fld>
             <a:endParaRPr lang="zh-CN" altLang="en-US" dirty="0"/>
           </a:p>
@@ -7217,7 +7302,7 @@
           <a:p>
             <a:fld id="{760FBDFE-C587-4B4C-A407-44438C67B59E}" type="datetimeFigureOut">
               <a:rPr lang="zh-CN" altLang="en-US" smtClean="0"/>
-              <a:t>2020/7/15</a:t>
+              <a:t>2020/7/20</a:t>
             </a:fld>
             <a:endParaRPr lang="zh-CN" altLang="en-US"/>
           </a:p>
@@ -7444,7 +7529,7 @@
           <a:p>
             <a:fld id="{760FBDFE-C587-4B4C-A407-44438C67B59E}" type="datetimeFigureOut">
               <a:rPr lang="zh-CN" altLang="en-US" smtClean="0"/>
-              <a:t>2020/7/15</a:t>
+              <a:t>2020/7/20</a:t>
             </a:fld>
             <a:endParaRPr lang="zh-CN" altLang="en-US"/>
           </a:p>
@@ -8046,7 +8131,7 @@
           <a:p>
             <a:fld id="{760FBDFE-C587-4B4C-A407-44438C67B59E}" type="datetimeFigureOut">
               <a:rPr lang="zh-CN" altLang="en-US" smtClean="0"/>
-              <a:t>2020/7/15</a:t>
+              <a:t>2020/7/20</a:t>
             </a:fld>
             <a:endParaRPr lang="zh-CN" altLang="en-US"/>
           </a:p>
@@ -12734,6 +12819,49 @@
                 <a:sym typeface="+mn-ea"/>
               </a:rPr>
               <a:t>运营日志</a:t>
+            </a:r>
+            <a:endParaRPr lang="zh-CN" altLang="en-US" sz="2000" spc="120" dirty="0">
+              <a:sym typeface="+mn-ea"/>
+            </a:endParaRPr>
+          </a:p>
+        </p:txBody>
+      </p:sp>
+      <p:sp>
+        <p:nvSpPr>
+          <p:cNvPr id="19" name="文本框 18"/>
+          <p:cNvSpPr txBox="1"/>
+          <p:nvPr>
+            <p:custDataLst>
+              <p:tags r:id="rId18"/>
+            </p:custDataLst>
+          </p:nvPr>
+        </p:nvSpPr>
+        <p:spPr>
+          <a:xfrm>
+            <a:off x="4750152" y="5787248"/>
+            <a:ext cx="6443856" cy="452945"/>
+          </a:xfrm>
+          <a:prstGeom prst="rect">
+            <a:avLst/>
+          </a:prstGeom>
+          <a:noFill/>
+        </p:spPr>
+        <p:txBody>
+          <a:bodyPr wrap="square" rtlCol="0">
+            <a:spAutoFit/>
+          </a:bodyPr>
+          <a:lstStyle/>
+          <a:p>
+            <a:pPr>
+              <a:lnSpc>
+                <a:spcPct val="130000"/>
+              </a:lnSpc>
+            </a:pPr>
+            <a:r>
+              <a:rPr lang="zh-CN" altLang="en-US" sz="2000" dirty="0" smtClean="0">
+                <a:sym typeface="+mn-ea"/>
+              </a:rPr>
+              <a:t>代码分享</a:t>
             </a:r>
             <a:endParaRPr lang="zh-CN" altLang="en-US" sz="2000" spc="120" dirty="0">
               <a:sym typeface="+mn-ea"/>
@@ -13468,6 +13596,41 @@
                                   </p:childTnLst>
                                 </p:cTn>
                               </p:par>
+                              <p:par>
+                                <p:cTn id="58" presetID="8" presetClass="entr" presetSubtype="16" fill="hold" grpId="0" nodeType="withEffect">
+                                  <p:stCondLst>
+                                    <p:cond delay="0"/>
+                                  </p:stCondLst>
+                                  <p:childTnLst>
+                                    <p:set>
+                                      <p:cBhvr>
+                                        <p:cTn id="59" dur="1" fill="hold">
+                                          <p:stCondLst>
+                                            <p:cond delay="0"/>
+                                          </p:stCondLst>
+                                        </p:cTn>
+                                        <p:tgtEl>
+                                          <p:spTgt spid="19"/>
+                                        </p:tgtEl>
+                                        <p:attrNameLst>
+                                          <p:attrName>style.visibility</p:attrName>
+                                        </p:attrNameLst>
+                                      </p:cBhvr>
+                                      <p:to>
+                                        <p:strVal val="visible"/>
+                                      </p:to>
+                                    </p:set>
+                                    <p:animEffect transition="in" filter="diamond(in)">
+                                      <p:cBhvr>
+                                        <p:cTn id="60" dur="2000"/>
+                                        <p:tgtEl>
+                                          <p:spTgt spid="19"/>
+                                        </p:tgtEl>
+                                      </p:cBhvr>
+                                    </p:animEffect>
+                                  </p:childTnLst>
+                                </p:cTn>
+                              </p:par>
                             </p:childTnLst>
                           </p:cTn>
                         </p:par>
@@ -13522,6 +13685,8 @@
       <p:bldP spid="20" grpId="1"/>
       <p:bldP spid="21" grpId="0"/>
       <p:bldP spid="21" grpId="1"/>
+      <p:bldP spid="19" grpId="0"/>
+      <p:bldP spid="19" grpId="1"/>
     </p:bldLst>
   </p:timing>
 </p:sld>
@@ -13602,7 +13767,6 @@
               <a:rPr lang="en-US" altLang="zh-CN" dirty="0" smtClean="0"/>
               <a:t>Int64</a:t>
             </a:r>
-            <a:endParaRPr lang="en-US" altLang="zh-CN" dirty="0" smtClean="0"/>
           </a:p>
           <a:p>
             <a:pPr marL="800100" lvl="1" indent="-342900">
@@ -13621,11 +13785,7 @@
             </a:pPr>
             <a:r>
               <a:rPr lang="en-US" altLang="zh-CN" dirty="0" smtClean="0"/>
-              <a:t>String </a:t>
-            </a:r>
-            <a:r>
-              <a:rPr lang="en-US" altLang="zh-CN" dirty="0" smtClean="0"/>
-              <a:t>( </a:t>
+              <a:t>String ( </a:t>
             </a:r>
             <a:r>
               <a:rPr lang="zh-CN" altLang="en-US" dirty="0" smtClean="0"/>
@@ -13635,7 +13795,6 @@
               <a:rPr lang="en-US" altLang="zh-CN" dirty="0" smtClean="0"/>
               <a:t>)</a:t>
             </a:r>
-            <a:endParaRPr lang="en-US" altLang="zh-CN" dirty="0" smtClean="0"/>
           </a:p>
           <a:p>
             <a:pPr marL="800100" lvl="1" indent="-342900">
@@ -16799,7 +16958,6 @@
               <a:rPr lang="zh-CN" altLang="en-US" sz="1200" dirty="0"/>
               <a:t>游戏进程</a:t>
             </a:r>
-            <a:endParaRPr lang="zh-CN" altLang="en-US" sz="1200" dirty="0"/>
           </a:p>
         </p:txBody>
       </p:sp>
@@ -16841,7 +16999,6 @@
               <a:rPr lang="zh-CN" altLang="en-US" sz="1200" dirty="0"/>
               <a:t>游戏进程</a:t>
             </a:r>
-            <a:endParaRPr lang="zh-CN" altLang="en-US" sz="1200" dirty="0"/>
           </a:p>
         </p:txBody>
       </p:sp>
@@ -16883,7 +17040,6 @@
               <a:rPr lang="zh-CN" altLang="en-US" sz="1200" dirty="0"/>
               <a:t>游戏进程</a:t>
             </a:r>
-            <a:endParaRPr lang="zh-CN" altLang="en-US" sz="1200" dirty="0"/>
           </a:p>
         </p:txBody>
       </p:sp>
@@ -18082,6 +18238,384 @@
       </p:grpSpPr>
       <p:sp>
         <p:nvSpPr>
+          <p:cNvPr id="5" name="标题 4"/>
+          <p:cNvSpPr>
+            <a:spLocks noGrp="1"/>
+          </p:cNvSpPr>
+          <p:nvPr>
+            <p:ph type="title"/>
+            <p:custDataLst>
+              <p:tags r:id="rId2"/>
+            </p:custDataLst>
+          </p:nvPr>
+        </p:nvSpPr>
+        <p:spPr>
+          <a:xfrm>
+            <a:off x="669930" y="2724402"/>
+            <a:ext cx="10852237" cy="624845"/>
+          </a:xfrm>
+        </p:spPr>
+        <p:txBody>
+          <a:bodyPr/>
+          <a:lstStyle/>
+          <a:p>
+            <a:r>
+              <a:rPr lang="zh-CN" altLang="en-US" dirty="0" smtClean="0"/>
+              <a:t>代码分享</a:t>
+            </a:r>
+            <a:endParaRPr lang="zh-CN" altLang="en-US" dirty="0"/>
+          </a:p>
+        </p:txBody>
+      </p:sp>
+      <p:sp>
+        <p:nvSpPr>
+          <p:cNvPr id="3" name="文本占位符 2"/>
+          <p:cNvSpPr>
+            <a:spLocks noGrp="1"/>
+          </p:cNvSpPr>
+          <p:nvPr>
+            <p:ph type="body" idx="1"/>
+            <p:custDataLst>
+              <p:tags r:id="rId3"/>
+            </p:custDataLst>
+          </p:nvPr>
+        </p:nvSpPr>
+        <p:spPr>
+          <a:xfrm>
+            <a:off x="669925" y="3597279"/>
+            <a:ext cx="10852237" cy="3135294"/>
+          </a:xfrm>
+        </p:spPr>
+        <p:txBody>
+          <a:bodyPr/>
+          <a:lstStyle/>
+          <a:p>
+            <a:pPr marL="285750" indent="-285750">
+              <a:buFont typeface="Arial" panose="020B0604020202020204" pitchFamily="34" charset="0"/>
+              <a:buChar char="•"/>
+            </a:pPr>
+            <a:endParaRPr lang="en-US" altLang="zh-CN" dirty="0" smtClean="0"/>
+          </a:p>
+          <a:p>
+            <a:pPr marL="285750" indent="-285750">
+              <a:buFont typeface="Arial" panose="020B0604020202020204" pitchFamily="34" charset="0"/>
+              <a:buChar char="•"/>
+            </a:pPr>
+            <a:r>
+              <a:rPr lang="zh-CN" altLang="en-US" dirty="0" smtClean="0"/>
+              <a:t>框架</a:t>
+            </a:r>
+            <a:r>
+              <a:rPr lang="en-US" altLang="zh-CN" dirty="0" smtClean="0"/>
+              <a:t>:</a:t>
+            </a:r>
+            <a:r>
+              <a:rPr lang="en-US" altLang="zh-CN" dirty="0"/>
+              <a:t>https://</a:t>
+            </a:r>
+            <a:r>
+              <a:rPr lang="en-US" altLang="zh-CN" dirty="0" smtClean="0"/>
+              <a:t>github.com/lori227/</a:t>
+            </a:r>
+            <a:r>
+              <a:rPr lang="en-US" altLang="zh-CN" dirty="0" err="1" smtClean="0"/>
+              <a:t>KFrame</a:t>
+            </a:r>
+            <a:endParaRPr lang="en-US" altLang="zh-CN" dirty="0" smtClean="0"/>
+          </a:p>
+          <a:p>
+            <a:pPr marL="285750" indent="-285750">
+              <a:buFont typeface="Arial" panose="020B0604020202020204" pitchFamily="34" charset="0"/>
+              <a:buChar char="•"/>
+            </a:pPr>
+            <a:endParaRPr lang="en-US" altLang="zh-CN" dirty="0"/>
+          </a:p>
+          <a:p>
+            <a:pPr marL="285750" indent="-285750">
+              <a:buFont typeface="Arial" panose="020B0604020202020204" pitchFamily="34" charset="0"/>
+              <a:buChar char="•"/>
+            </a:pPr>
+            <a:r>
+              <a:rPr lang="zh-CN" altLang="en-US" dirty="0" smtClean="0"/>
+              <a:t>示例项目</a:t>
+            </a:r>
+            <a:r>
+              <a:rPr lang="en-US" altLang="zh-CN" dirty="0" smtClean="0"/>
+              <a:t>:</a:t>
+            </a:r>
+            <a:r>
+              <a:rPr lang="en-US" altLang="zh-CN" dirty="0"/>
+              <a:t>https://</a:t>
+            </a:r>
+            <a:r>
+              <a:rPr lang="en-US" altLang="zh-CN" dirty="0" smtClean="0"/>
+              <a:t>github.com/lori227/Fighter</a:t>
+            </a:r>
+          </a:p>
+          <a:p>
+            <a:pPr marL="285750" indent="-285750">
+              <a:buFont typeface="Arial" panose="020B0604020202020204" pitchFamily="34" charset="0"/>
+              <a:buChar char="•"/>
+            </a:pPr>
+            <a:endParaRPr lang="en-US" altLang="zh-CN" dirty="0"/>
+          </a:p>
+          <a:p>
+            <a:pPr marL="285750" indent="-285750">
+              <a:buFont typeface="Arial" panose="020B0604020202020204" pitchFamily="34" charset="0"/>
+              <a:buChar char="•"/>
+            </a:pPr>
+            <a:r>
+              <a:rPr lang="zh-CN" altLang="en-US" dirty="0" smtClean="0"/>
+              <a:t>文档</a:t>
+            </a:r>
+            <a:r>
+              <a:rPr lang="en-US" altLang="zh-CN" dirty="0" smtClean="0"/>
+              <a:t>: </a:t>
+            </a:r>
+            <a:r>
+              <a:rPr lang="en-US" altLang="zh-CN" dirty="0">
+                <a:hlinkClick r:id="rId7"/>
+              </a:rPr>
+              <a:t>http://180.169.238.146:3000/#/docs/%E4%B8%8B%E8%BD%BD%E5%9C%B0%E5%9D%80</a:t>
+            </a:r>
+            <a:endParaRPr lang="en-US" altLang="zh-CN" dirty="0" smtClean="0"/>
+          </a:p>
+        </p:txBody>
+      </p:sp>
+      <p:sp>
+        <p:nvSpPr>
+          <p:cNvPr id="2" name="文本框 1"/>
+          <p:cNvSpPr txBox="1"/>
+          <p:nvPr>
+            <p:custDataLst>
+              <p:tags r:id="rId4"/>
+            </p:custDataLst>
+          </p:nvPr>
+        </p:nvSpPr>
+        <p:spPr>
+          <a:xfrm>
+            <a:off x="669929" y="1003053"/>
+            <a:ext cx="1293625" cy="1308831"/>
+          </a:xfrm>
+          <a:prstGeom prst="rect">
+            <a:avLst/>
+          </a:prstGeom>
+        </p:spPr>
+        <p:txBody>
+          <a:bodyPr vert="horz" lIns="91440" tIns="45720" rIns="91440" bIns="45720" rtlCol="0" anchor="ctr">
+            <a:normAutofit fontScale="97500" lnSpcReduction="10000"/>
+          </a:bodyPr>
+          <a:lstStyle>
+            <a:lvl1pPr marL="228600" indent="-228600">
+              <a:lnSpc>
+                <a:spcPct val="120000"/>
+              </a:lnSpc>
+              <a:spcBef>
+                <a:spcPts val="1000"/>
+              </a:spcBef>
+              <a:buSzPct val="75000"/>
+              <a:buFont typeface="Arial" panose="020B0604020202020204" pitchFamily="34" charset="0"/>
+              <a:buChar char="•"/>
+              <a:defRPr sz="2000">
+                <a:solidFill>
+                  <a:schemeClr val="tx1">
+                    <a:lumMod val="85000"/>
+                    <a:lumOff val="15000"/>
+                  </a:schemeClr>
+                </a:solidFill>
+              </a:defRPr>
+            </a:lvl1pPr>
+            <a:lvl2pPr marL="575945" indent="-228600" fontAlgn="auto">
+              <a:lnSpc>
+                <a:spcPct val="120000"/>
+              </a:lnSpc>
+              <a:spcBef>
+                <a:spcPts val="500"/>
+              </a:spcBef>
+              <a:buSzPct val="75000"/>
+              <a:buFont typeface="Arial" panose="020B0604020202020204" pitchFamily="34" charset="0"/>
+              <a:buChar char="•"/>
+              <a:defRPr>
+                <a:solidFill>
+                  <a:schemeClr val="tx1">
+                    <a:lumMod val="75000"/>
+                    <a:lumOff val="25000"/>
+                  </a:schemeClr>
+                </a:solidFill>
+                <a:latin typeface="微软雅黑" panose="020B0503020204020204" charset="-122"/>
+                <a:ea typeface="微软雅黑" panose="020B0503020204020204" charset="-122"/>
+              </a:defRPr>
+            </a:lvl2pPr>
+            <a:lvl3pPr marL="1007745" indent="-228600" fontAlgn="auto">
+              <a:lnSpc>
+                <a:spcPct val="120000"/>
+              </a:lnSpc>
+              <a:spcBef>
+                <a:spcPts val="500"/>
+              </a:spcBef>
+              <a:buSzPct val="75000"/>
+              <a:buFont typeface="Arial" panose="020B0604020202020204" pitchFamily="34" charset="0"/>
+              <a:buChar char="‒"/>
+              <a:defRPr sz="1600">
+                <a:solidFill>
+                  <a:schemeClr val="tx1">
+                    <a:lumMod val="65000"/>
+                    <a:lumOff val="35000"/>
+                  </a:schemeClr>
+                </a:solidFill>
+                <a:latin typeface="微软雅黑" panose="020B0503020204020204" charset="-122"/>
+                <a:ea typeface="微软雅黑" panose="020B0503020204020204" charset="-122"/>
+              </a:defRPr>
+            </a:lvl3pPr>
+            <a:lvl4pPr marL="1511935" indent="-228600" fontAlgn="auto">
+              <a:lnSpc>
+                <a:spcPct val="100000"/>
+              </a:lnSpc>
+              <a:spcBef>
+                <a:spcPts val="500"/>
+              </a:spcBef>
+              <a:buSzPct val="75000"/>
+              <a:buFont typeface="Arial" panose="020B0604020202020204" pitchFamily="34" charset="0"/>
+              <a:buChar char="˃"/>
+              <a:defRPr sz="1400">
+                <a:solidFill>
+                  <a:schemeClr val="tx1">
+                    <a:lumMod val="50000"/>
+                    <a:lumOff val="50000"/>
+                  </a:schemeClr>
+                </a:solidFill>
+                <a:latin typeface="微软雅黑" panose="020B0503020204020204" charset="-122"/>
+                <a:ea typeface="微软雅黑" panose="020B0503020204020204" charset="-122"/>
+              </a:defRPr>
+            </a:lvl4pPr>
+            <a:lvl5pPr marL="1943735" indent="-228600" fontAlgn="auto">
+              <a:lnSpc>
+                <a:spcPct val="90000"/>
+              </a:lnSpc>
+              <a:spcBef>
+                <a:spcPts val="500"/>
+              </a:spcBef>
+              <a:buSzPct val="75000"/>
+              <a:buFont typeface="Arial" panose="020B0604020202020204" pitchFamily="34" charset="0"/>
+              <a:buChar char="˃"/>
+              <a:defRPr sz="1400">
+                <a:solidFill>
+                  <a:schemeClr val="tx1">
+                    <a:lumMod val="50000"/>
+                    <a:lumOff val="50000"/>
+                  </a:schemeClr>
+                </a:solidFill>
+                <a:latin typeface="微软雅黑" panose="020B0503020204020204" charset="-122"/>
+                <a:ea typeface="微软雅黑" panose="020B0503020204020204" charset="-122"/>
+              </a:defRPr>
+            </a:lvl5pPr>
+            <a:lvl6pPr marL="2514600" indent="-228600">
+              <a:lnSpc>
+                <a:spcPct val="90000"/>
+              </a:lnSpc>
+              <a:spcBef>
+                <a:spcPts val="500"/>
+              </a:spcBef>
+              <a:buFont typeface="Arial" panose="020B0604020202020204" pitchFamily="34" charset="0"/>
+              <a:buChar char="•"/>
+            </a:lvl6pPr>
+            <a:lvl7pPr marL="2971800" indent="-228600">
+              <a:lnSpc>
+                <a:spcPct val="90000"/>
+              </a:lnSpc>
+              <a:spcBef>
+                <a:spcPts val="500"/>
+              </a:spcBef>
+              <a:buFont typeface="Arial" panose="020B0604020202020204" pitchFamily="34" charset="0"/>
+              <a:buChar char="•"/>
+            </a:lvl7pPr>
+            <a:lvl8pPr marL="3429000" indent="-228600">
+              <a:lnSpc>
+                <a:spcPct val="90000"/>
+              </a:lnSpc>
+              <a:spcBef>
+                <a:spcPts val="500"/>
+              </a:spcBef>
+              <a:buFont typeface="Arial" panose="020B0604020202020204" pitchFamily="34" charset="0"/>
+              <a:buChar char="•"/>
+            </a:lvl8pPr>
+            <a:lvl9pPr marL="3886200" indent="-228600">
+              <a:lnSpc>
+                <a:spcPct val="90000"/>
+              </a:lnSpc>
+              <a:spcBef>
+                <a:spcPts val="500"/>
+              </a:spcBef>
+              <a:buFont typeface="Arial" panose="020B0604020202020204" pitchFamily="34" charset="0"/>
+              <a:buChar char="•"/>
+            </a:lvl9pPr>
+          </a:lstStyle>
+          <a:p>
+            <a:pPr marL="0" indent="0">
+              <a:buNone/>
+            </a:pPr>
+            <a:r>
+              <a:rPr lang="en-US" altLang="zh-CN" sz="7200" b="1" dirty="0" smtClean="0">
+                <a:solidFill>
+                  <a:schemeClr val="bg1">
+                    <a:lumMod val="85000"/>
+                  </a:schemeClr>
+                </a:solidFill>
+              </a:rPr>
+              <a:t>07</a:t>
+            </a:r>
+            <a:endParaRPr lang="en-US" altLang="zh-CN" sz="7200" b="1" dirty="0">
+              <a:solidFill>
+                <a:schemeClr val="bg1">
+                  <a:lumMod val="85000"/>
+                </a:schemeClr>
+              </a:solidFill>
+            </a:endParaRPr>
+          </a:p>
+        </p:txBody>
+      </p:sp>
+    </p:spTree>
+    <p:custDataLst>
+      <p:tags r:id="rId1"/>
+    </p:custDataLst>
+    <p:extLst>
+      <p:ext uri="{BB962C8B-B14F-4D97-AF65-F5344CB8AC3E}">
+        <p14:creationId xmlns:p14="http://schemas.microsoft.com/office/powerpoint/2010/main" val="1445311478"/>
+      </p:ext>
+    </p:extLst>
+  </p:cSld>
+  <p:clrMapOvr>
+    <a:masterClrMapping/>
+  </p:clrMapOvr>
+  <p:timing>
+    <p:tnLst>
+      <p:par>
+        <p:cTn id="1" dur="indefinite" restart="never" nodeType="tmRoot"/>
+      </p:par>
+    </p:tnLst>
+  </p:timing>
+</p:sld>
+</file>
+
+<file path=ppt/slides/slide34.xml><?xml version="1.0" encoding="utf-8"?>
+<p:sld xmlns:a="http://schemas.openxmlformats.org/drawingml/2006/main" xmlns:r="http://schemas.openxmlformats.org/officeDocument/2006/relationships" xmlns:p="http://schemas.openxmlformats.org/presentationml/2006/main">
+  <p:cSld>
+    <p:spTree>
+      <p:nvGrpSpPr>
+        <p:cNvPr id="1" name=""/>
+        <p:cNvGrpSpPr/>
+        <p:nvPr/>
+      </p:nvGrpSpPr>
+      <p:grpSpPr>
+        <a:xfrm>
+          <a:off x="0" y="0"/>
+          <a:ext cx="0" cy="0"/>
+          <a:chOff x="0" y="0"/>
+          <a:chExt cx="0" cy="0"/>
+        </a:xfrm>
+      </p:grpSpPr>
+      <p:sp>
+        <p:nvSpPr>
           <p:cNvPr id="12" name="标题 11"/>
           <p:cNvSpPr>
             <a:spLocks noGrp="1"/>
@@ -18672,9 +19206,6 @@
               </a:rPr>
               <a:t>封装</a:t>
             </a:r>
-            <a:endParaRPr lang="zh-CN" altLang="en-US" spc="120" dirty="0">
-              <a:sym typeface="+mn-ea"/>
-            </a:endParaRPr>
           </a:p>
         </p:txBody>
       </p:sp>
@@ -20000,13 +20531,34 @@
 
 <file path=ppt/tags/tag100.xml><?xml version="1.0" encoding="utf-8"?>
 <p:tagLst xmlns:a="http://schemas.openxmlformats.org/drawingml/2006/main" xmlns:r="http://schemas.openxmlformats.org/officeDocument/2006/relationships" xmlns:p="http://schemas.openxmlformats.org/presentationml/2006/main">
+  <p:tag name="KSO_WM_UNIT_ISCONTENTSTITLE" val="0"/>
+  <p:tag name="KSO_WM_UNIT_PRESET_TEXT" val="单击此处添加标题"/>
+  <p:tag name="KSO_WM_UNIT_NOCLEAR" val="0"/>
+  <p:tag name="KSO_WM_UNIT_VALUE" val="14"/>
+  <p:tag name="KSO_WM_UNIT_HIGHLIGHT" val="0"/>
+  <p:tag name="KSO_WM_UNIT_COMPATIBLE" val="0"/>
+  <p:tag name="KSO_WM_UNIT_DIAGRAM_ISNUMVISUAL" val="0"/>
+  <p:tag name="KSO_WM_UNIT_DIAGRAM_ISREFERUNIT" val="0"/>
+  <p:tag name="KSO_WM_UNIT_TYPE" val="a"/>
+  <p:tag name="KSO_WM_UNIT_INDEX" val="1"/>
+  <p:tag name="KSO_WM_UNIT_ID" val="custom20187308_9*a*1"/>
+  <p:tag name="KSO_WM_TEMPLATE_CATEGORY" val="custom"/>
+  <p:tag name="KSO_WM_TEMPLATE_INDEX" val="20187308"/>
+  <p:tag name="KSO_WM_UNIT_LAYERLEVEL" val="1"/>
+  <p:tag name="KSO_WM_TAG_VERSION" val="1.0"/>
+  <p:tag name="KSO_WM_BEAUTIFY_FLAG" val="#wm#"/>
+</p:tagLst>
+</file>
+
+<file path=ppt/tags/tag101.xml><?xml version="1.0" encoding="utf-8"?>
+<p:tagLst xmlns:a="http://schemas.openxmlformats.org/drawingml/2006/main" xmlns:r="http://schemas.openxmlformats.org/officeDocument/2006/relationships" xmlns:p="http://schemas.openxmlformats.org/presentationml/2006/main">
   <p:tag name="KSO_WM_BEAUTIFY_FLAG" val="#wm#"/>
   <p:tag name="KSO_WM_TEMPLATE_CATEGORY" val="custom"/>
   <p:tag name="KSO_WM_TEMPLATE_INDEX" val="20187308"/>
 </p:tagLst>
 </file>
 
-<file path=ppt/tags/tag101.xml><?xml version="1.0" encoding="utf-8"?>
+<file path=ppt/tags/tag102.xml><?xml version="1.0" encoding="utf-8"?>
 <p:tagLst xmlns:a="http://schemas.openxmlformats.org/drawingml/2006/main" xmlns:r="http://schemas.openxmlformats.org/officeDocument/2006/relationships" xmlns:p="http://schemas.openxmlformats.org/presentationml/2006/main">
   <p:tag name="KSO_WM_UNIT_ISCONTENTSTITLE" val="0"/>
   <p:tag name="KSO_WM_UNIT_PRESET_TEXT" val="单击此处添加标题"/>
@@ -20027,7 +20579,7 @@
 </p:tagLst>
 </file>
 
-<file path=ppt/tags/tag102.xml><?xml version="1.0" encoding="utf-8"?>
+<file path=ppt/tags/tag103.xml><?xml version="1.0" encoding="utf-8"?>
 <p:tagLst xmlns:a="http://schemas.openxmlformats.org/drawingml/2006/main" xmlns:r="http://schemas.openxmlformats.org/officeDocument/2006/relationships" xmlns:p="http://schemas.openxmlformats.org/presentationml/2006/main">
   <p:tag name="KSO_WM_SLIDE_ID" val="custom20187308_7"/>
   <p:tag name="KSO_WM_TEMPLATE_SUBCATEGORY" val="0"/>
@@ -20048,7 +20600,7 @@
 </p:tagLst>
 </file>
 
-<file path=ppt/tags/tag103.xml><?xml version="1.0" encoding="utf-8"?>
+<file path=ppt/tags/tag104.xml><?xml version="1.0" encoding="utf-8"?>
 <p:tagLst xmlns:a="http://schemas.openxmlformats.org/drawingml/2006/main" xmlns:r="http://schemas.openxmlformats.org/officeDocument/2006/relationships" xmlns:p="http://schemas.openxmlformats.org/presentationml/2006/main">
   <p:tag name="KSO_WM_UNIT_ISCONTENTSTITLE" val="0"/>
   <p:tag name="KSO_WM_UNIT_PRESET_TEXT" val="单击此处添加标题"/>
@@ -20070,27 +20622,6 @@
   <p:tag name="KSO_WM_UNIT_TEXT_FILL_FORE_SCHEMECOLOR_INDEX" val="13"/>
   <p:tag name="KSO_WM_UNIT_TEXT_FILL_TYPE" val="1"/>
   <p:tag name="KSO_WM_UNIT_USESOURCEFORMAT_APPLY" val="1"/>
-</p:tagLst>
-</file>
-
-<file path=ppt/tags/tag104.xml><?xml version="1.0" encoding="utf-8"?>
-<p:tagLst xmlns:a="http://schemas.openxmlformats.org/drawingml/2006/main" xmlns:r="http://schemas.openxmlformats.org/officeDocument/2006/relationships" xmlns:p="http://schemas.openxmlformats.org/presentationml/2006/main">
-  <p:tag name="KSO_WM_UNIT_ISCONTENTSTITLE" val="0"/>
-  <p:tag name="KSO_WM_UNIT_PRESET_TEXT" val="单击此处添加文本具体内容，简明扼要的阐述您的观点。"/>
-  <p:tag name="KSO_WM_UNIT_NOCLEAR" val="0"/>
-  <p:tag name="KSO_WM_UNIT_VALUE" val="156"/>
-  <p:tag name="KSO_WM_UNIT_HIGHLIGHT" val="0"/>
-  <p:tag name="KSO_WM_UNIT_COMPATIBLE" val="0"/>
-  <p:tag name="KSO_WM_UNIT_DIAGRAM_ISNUMVISUAL" val="0"/>
-  <p:tag name="KSO_WM_UNIT_DIAGRAM_ISREFERUNIT" val="0"/>
-  <p:tag name="KSO_WM_UNIT_TYPE" val="b"/>
-  <p:tag name="KSO_WM_UNIT_INDEX" val="1"/>
-  <p:tag name="KSO_WM_UNIT_ID" val="custom20187308_3*b*1"/>
-  <p:tag name="KSO_WM_TEMPLATE_CATEGORY" val="custom"/>
-  <p:tag name="KSO_WM_TEMPLATE_INDEX" val="20187308"/>
-  <p:tag name="KSO_WM_UNIT_LAYERLEVEL" val="1"/>
-  <p:tag name="KSO_WM_TAG_VERSION" val="1.0"/>
-  <p:tag name="KSO_WM_BEAUTIFY_FLAG" val="#wm#"/>
 </p:tagLst>
 </file>
 
@@ -20117,13 +20648,34 @@
 
 <file path=ppt/tags/tag106.xml><?xml version="1.0" encoding="utf-8"?>
 <p:tagLst xmlns:a="http://schemas.openxmlformats.org/drawingml/2006/main" xmlns:r="http://schemas.openxmlformats.org/officeDocument/2006/relationships" xmlns:p="http://schemas.openxmlformats.org/presentationml/2006/main">
+  <p:tag name="KSO_WM_UNIT_ISCONTENTSTITLE" val="0"/>
+  <p:tag name="KSO_WM_UNIT_PRESET_TEXT" val="单击此处添加文本具体内容，简明扼要的阐述您的观点。"/>
+  <p:tag name="KSO_WM_UNIT_NOCLEAR" val="0"/>
+  <p:tag name="KSO_WM_UNIT_VALUE" val="156"/>
+  <p:tag name="KSO_WM_UNIT_HIGHLIGHT" val="0"/>
+  <p:tag name="KSO_WM_UNIT_COMPATIBLE" val="0"/>
+  <p:tag name="KSO_WM_UNIT_DIAGRAM_ISNUMVISUAL" val="0"/>
+  <p:tag name="KSO_WM_UNIT_DIAGRAM_ISREFERUNIT" val="0"/>
+  <p:tag name="KSO_WM_UNIT_TYPE" val="b"/>
+  <p:tag name="KSO_WM_UNIT_INDEX" val="1"/>
+  <p:tag name="KSO_WM_UNIT_ID" val="custom20187308_3*b*1"/>
+  <p:tag name="KSO_WM_TEMPLATE_CATEGORY" val="custom"/>
+  <p:tag name="KSO_WM_TEMPLATE_INDEX" val="20187308"/>
+  <p:tag name="KSO_WM_UNIT_LAYERLEVEL" val="1"/>
+  <p:tag name="KSO_WM_TAG_VERSION" val="1.0"/>
+  <p:tag name="KSO_WM_BEAUTIFY_FLAG" val="#wm#"/>
+</p:tagLst>
+</file>
+
+<file path=ppt/tags/tag107.xml><?xml version="1.0" encoding="utf-8"?>
+<p:tagLst xmlns:a="http://schemas.openxmlformats.org/drawingml/2006/main" xmlns:r="http://schemas.openxmlformats.org/officeDocument/2006/relationships" xmlns:p="http://schemas.openxmlformats.org/presentationml/2006/main">
   <p:tag name="KSO_WM_BEAUTIFY_FLAG" val="#wm#"/>
   <p:tag name="KSO_WM_TEMPLATE_CATEGORY" val="custom"/>
   <p:tag name="KSO_WM_TEMPLATE_INDEX" val="20187308"/>
 </p:tagLst>
 </file>
 
-<file path=ppt/tags/tag107.xml><?xml version="1.0" encoding="utf-8"?>
+<file path=ppt/tags/tag108.xml><?xml version="1.0" encoding="utf-8"?>
 <p:tagLst xmlns:a="http://schemas.openxmlformats.org/drawingml/2006/main" xmlns:r="http://schemas.openxmlformats.org/officeDocument/2006/relationships" xmlns:p="http://schemas.openxmlformats.org/presentationml/2006/main">
   <p:tag name="KSO_WM_UNIT_ISCONTENTSTITLE" val="0"/>
   <p:tag name="KSO_WM_UNIT_PRESET_TEXT" val="单击此处添加标题"/>
@@ -20148,7 +20700,7 @@
 </p:tagLst>
 </file>
 
-<file path=ppt/tags/tag108.xml><?xml version="1.0" encoding="utf-8"?>
+<file path=ppt/tags/tag109.xml><?xml version="1.0" encoding="utf-8"?>
 <p:tagLst xmlns:a="http://schemas.openxmlformats.org/drawingml/2006/main" xmlns:r="http://schemas.openxmlformats.org/officeDocument/2006/relationships" xmlns:p="http://schemas.openxmlformats.org/presentationml/2006/main">
   <p:tag name="KSO_WM_BEAUTIFY_FLAG" val="#wm#"/>
   <p:tag name="KSO_WM_TEMPLATE_CATEGORY" val="custom"/>
@@ -20156,7 +20708,20 @@
 </p:tagLst>
 </file>
 
-<file path=ppt/tags/tag109.xml><?xml version="1.0" encoding="utf-8"?>
+<file path=ppt/tags/tag11.xml><?xml version="1.0" encoding="utf-8"?>
+<p:tagLst xmlns:a="http://schemas.openxmlformats.org/drawingml/2006/main" xmlns:r="http://schemas.openxmlformats.org/officeDocument/2006/relationships" xmlns:p="http://schemas.openxmlformats.org/presentationml/2006/main">
+  <p:tag name="KSO_WM_UNIT_HIGHLIGHT" val="0"/>
+  <p:tag name="KSO_WM_UNIT_COMPATIBLE" val="0"/>
+  <p:tag name="KSO_WM_UNIT_DIAGRAM_ISNUMVISUAL" val="0"/>
+  <p:tag name="KSO_WM_UNIT_DIAGRAM_ISREFERUNIT" val="0"/>
+  <p:tag name="KSO_WM_UNIT_ID" val="_1**"/>
+  <p:tag name="KSO_WM_UNIT_LAYERLEVEL" val="1"/>
+  <p:tag name="KSO_WM_TAG_VERSION" val="1.0"/>
+  <p:tag name="KSO_WM_BEAUTIFY_FLAG" val="#wm#"/>
+</p:tagLst>
+</file>
+
+<file path=ppt/tags/tag110.xml><?xml version="1.0" encoding="utf-8"?>
 <p:tagLst xmlns:a="http://schemas.openxmlformats.org/drawingml/2006/main" xmlns:r="http://schemas.openxmlformats.org/officeDocument/2006/relationships" xmlns:p="http://schemas.openxmlformats.org/presentationml/2006/main">
   <p:tag name="KSO_WM_UNIT_ISCONTENTSTITLE" val="0"/>
   <p:tag name="KSO_WM_UNIT_PRESET_TEXT" val="单击此处添加标题"/>
@@ -20181,20 +20746,7 @@
 </p:tagLst>
 </file>
 
-<file path=ppt/tags/tag11.xml><?xml version="1.0" encoding="utf-8"?>
-<p:tagLst xmlns:a="http://schemas.openxmlformats.org/drawingml/2006/main" xmlns:r="http://schemas.openxmlformats.org/officeDocument/2006/relationships" xmlns:p="http://schemas.openxmlformats.org/presentationml/2006/main">
-  <p:tag name="KSO_WM_UNIT_HIGHLIGHT" val="0"/>
-  <p:tag name="KSO_WM_UNIT_COMPATIBLE" val="0"/>
-  <p:tag name="KSO_WM_UNIT_DIAGRAM_ISNUMVISUAL" val="0"/>
-  <p:tag name="KSO_WM_UNIT_DIAGRAM_ISREFERUNIT" val="0"/>
-  <p:tag name="KSO_WM_UNIT_ID" val="_1**"/>
-  <p:tag name="KSO_WM_UNIT_LAYERLEVEL" val="1"/>
-  <p:tag name="KSO_WM_TAG_VERSION" val="1.0"/>
-  <p:tag name="KSO_WM_BEAUTIFY_FLAG" val="#wm#"/>
-</p:tagLst>
-</file>
-
-<file path=ppt/tags/tag110.xml><?xml version="1.0" encoding="utf-8"?>
+<file path=ppt/tags/tag111.xml><?xml version="1.0" encoding="utf-8"?>
 <p:tagLst xmlns:a="http://schemas.openxmlformats.org/drawingml/2006/main" xmlns:r="http://schemas.openxmlformats.org/officeDocument/2006/relationships" xmlns:p="http://schemas.openxmlformats.org/presentationml/2006/main">
   <p:tag name="KSO_WM_SLIDE_ID" val="custom20187308_9"/>
   <p:tag name="KSO_WM_TEMPLATE_SUBCATEGORY" val="0"/>
@@ -20213,7 +20765,7 @@
 </p:tagLst>
 </file>
 
-<file path=ppt/tags/tag111.xml><?xml version="1.0" encoding="utf-8"?>
+<file path=ppt/tags/tag112.xml><?xml version="1.0" encoding="utf-8"?>
 <p:tagLst xmlns:a="http://schemas.openxmlformats.org/drawingml/2006/main" xmlns:r="http://schemas.openxmlformats.org/officeDocument/2006/relationships" xmlns:p="http://schemas.openxmlformats.org/presentationml/2006/main">
   <p:tag name="KSO_WM_UNIT_PRESET_TEXT" val="单击此处添加文本具体内容，简明扼要的阐述您的观点。根据需要可酌情增减文字，以便观者准确的理解您传达的思想。&#10;单击此处添加文本具体内容，简明扼要的阐述您的观点。根据需要可酌情增减文字，以便观者准确的理解您传达的思想。&#10;单击此处添加文本具体内容，简明扼要的阐述您的观点。根据需要可酌情增减文字，以便观者准确的理解您传达的思想。"/>
   <p:tag name="KSO_WM_UNIT_NOCLEAR" val="0"/>
@@ -20233,7 +20785,7 @@
 </p:tagLst>
 </file>
 
-<file path=ppt/tags/tag112.xml><?xml version="1.0" encoding="utf-8"?>
+<file path=ppt/tags/tag113.xml><?xml version="1.0" encoding="utf-8"?>
 <p:tagLst xmlns:a="http://schemas.openxmlformats.org/drawingml/2006/main" xmlns:r="http://schemas.openxmlformats.org/officeDocument/2006/relationships" xmlns:p="http://schemas.openxmlformats.org/presentationml/2006/main">
   <p:tag name="KSO_WM_UNIT_ISCONTENTSTITLE" val="0"/>
   <p:tag name="KSO_WM_UNIT_PRESET_TEXT" val="单击此处添加标题"/>
@@ -20246,26 +20798,6 @@
   <p:tag name="KSO_WM_UNIT_TYPE" val="a"/>
   <p:tag name="KSO_WM_UNIT_INDEX" val="1"/>
   <p:tag name="KSO_WM_UNIT_ID" val="custom20187308_9*a*1"/>
-  <p:tag name="KSO_WM_TEMPLATE_CATEGORY" val="custom"/>
-  <p:tag name="KSO_WM_TEMPLATE_INDEX" val="20187308"/>
-  <p:tag name="KSO_WM_UNIT_LAYERLEVEL" val="1"/>
-  <p:tag name="KSO_WM_TAG_VERSION" val="1.0"/>
-  <p:tag name="KSO_WM_BEAUTIFY_FLAG" val="#wm#"/>
-</p:tagLst>
-</file>
-
-<file path=ppt/tags/tag113.xml><?xml version="1.0" encoding="utf-8"?>
-<p:tagLst xmlns:a="http://schemas.openxmlformats.org/drawingml/2006/main" xmlns:r="http://schemas.openxmlformats.org/officeDocument/2006/relationships" xmlns:p="http://schemas.openxmlformats.org/presentationml/2006/main">
-  <p:tag name="KSO_WM_UNIT_PRESET_TEXT" val="单击此处添加文本具体内容，简明扼要的阐述您的观点。根据需要可酌情增减文字，以便观者准确的理解您传达的思想。&#10;单击此处添加文本具体内容，简明扼要的阐述您的观点。根据需要可酌情增减文字，以便观者准确的理解您传达的思想。&#10;单击此处添加文本具体内容，简明扼要的阐述您的观点。根据需要可酌情增减文字，以便观者准确的理解您传达的思想。"/>
-  <p:tag name="KSO_WM_UNIT_NOCLEAR" val="0"/>
-  <p:tag name="KSO_WM_UNIT_VALUE" val="189"/>
-  <p:tag name="KSO_WM_UNIT_HIGHLIGHT" val="0"/>
-  <p:tag name="KSO_WM_UNIT_COMPATIBLE" val="0"/>
-  <p:tag name="KSO_WM_UNIT_DIAGRAM_ISNUMVISUAL" val="0"/>
-  <p:tag name="KSO_WM_UNIT_DIAGRAM_ISREFERUNIT" val="0"/>
-  <p:tag name="KSO_WM_UNIT_TYPE" val="f"/>
-  <p:tag name="KSO_WM_UNIT_INDEX" val="1"/>
-  <p:tag name="KSO_WM_UNIT_ID" val="custom20187308_9*f*1"/>
   <p:tag name="KSO_WM_TEMPLATE_CATEGORY" val="custom"/>
   <p:tag name="KSO_WM_TEMPLATE_INDEX" val="20187308"/>
   <p:tag name="KSO_WM_UNIT_LAYERLEVEL" val="1"/>
@@ -20316,6 +20848,26 @@
 
 <file path=ppt/tags/tag116.xml><?xml version="1.0" encoding="utf-8"?>
 <p:tagLst xmlns:a="http://schemas.openxmlformats.org/drawingml/2006/main" xmlns:r="http://schemas.openxmlformats.org/officeDocument/2006/relationships" xmlns:p="http://schemas.openxmlformats.org/presentationml/2006/main">
+  <p:tag name="KSO_WM_UNIT_PRESET_TEXT" val="单击此处添加文本具体内容，简明扼要的阐述您的观点。根据需要可酌情增减文字，以便观者准确的理解您传达的思想。&#10;单击此处添加文本具体内容，简明扼要的阐述您的观点。根据需要可酌情增减文字，以便观者准确的理解您传达的思想。&#10;单击此处添加文本具体内容，简明扼要的阐述您的观点。根据需要可酌情增减文字，以便观者准确的理解您传达的思想。"/>
+  <p:tag name="KSO_WM_UNIT_NOCLEAR" val="0"/>
+  <p:tag name="KSO_WM_UNIT_VALUE" val="189"/>
+  <p:tag name="KSO_WM_UNIT_HIGHLIGHT" val="0"/>
+  <p:tag name="KSO_WM_UNIT_COMPATIBLE" val="0"/>
+  <p:tag name="KSO_WM_UNIT_DIAGRAM_ISNUMVISUAL" val="0"/>
+  <p:tag name="KSO_WM_UNIT_DIAGRAM_ISREFERUNIT" val="0"/>
+  <p:tag name="KSO_WM_UNIT_TYPE" val="f"/>
+  <p:tag name="KSO_WM_UNIT_INDEX" val="1"/>
+  <p:tag name="KSO_WM_UNIT_ID" val="custom20187308_9*f*1"/>
+  <p:tag name="KSO_WM_TEMPLATE_CATEGORY" val="custom"/>
+  <p:tag name="KSO_WM_TEMPLATE_INDEX" val="20187308"/>
+  <p:tag name="KSO_WM_UNIT_LAYERLEVEL" val="1"/>
+  <p:tag name="KSO_WM_TAG_VERSION" val="1.0"/>
+  <p:tag name="KSO_WM_BEAUTIFY_FLAG" val="#wm#"/>
+</p:tagLst>
+</file>
+
+<file path=ppt/tags/tag117.xml><?xml version="1.0" encoding="utf-8"?>
+<p:tagLst xmlns:a="http://schemas.openxmlformats.org/drawingml/2006/main" xmlns:r="http://schemas.openxmlformats.org/officeDocument/2006/relationships" xmlns:p="http://schemas.openxmlformats.org/presentationml/2006/main">
   <p:tag name="KSO_WM_SLIDE_ID" val="custom20187308_9"/>
   <p:tag name="KSO_WM_TEMPLATE_SUBCATEGORY" val="0"/>
   <p:tag name="KSO_WM_SLIDE_TYPE" val="text"/>
@@ -20333,7 +20885,7 @@
 </p:tagLst>
 </file>
 
-<file path=ppt/tags/tag117.xml><?xml version="1.0" encoding="utf-8"?>
+<file path=ppt/tags/tag118.xml><?xml version="1.0" encoding="utf-8"?>
 <p:tagLst xmlns:a="http://schemas.openxmlformats.org/drawingml/2006/main" xmlns:r="http://schemas.openxmlformats.org/officeDocument/2006/relationships" xmlns:p="http://schemas.openxmlformats.org/presentationml/2006/main">
   <p:tag name="KSO_WM_UNIT_PRESET_TEXT" val="单击此处添加文本具体内容，简明扼要的阐述您的观点。根据需要可酌情增减文字，以便观者准确的理解您传达的思想。&#10;单击此处添加文本具体内容，简明扼要的阐述您的观点。根据需要可酌情增减文字，以便观者准确的理解您传达的思想。&#10;单击此处添加文本具体内容，简明扼要的阐述您的观点。根据需要可酌情增减文字，以便观者准确的理解您传达的思想。"/>
   <p:tag name="KSO_WM_UNIT_NOCLEAR" val="0"/>
@@ -20353,7 +20905,7 @@
 </p:tagLst>
 </file>
 
-<file path=ppt/tags/tag118.xml><?xml version="1.0" encoding="utf-8"?>
+<file path=ppt/tags/tag119.xml><?xml version="1.0" encoding="utf-8"?>
 <p:tagLst xmlns:a="http://schemas.openxmlformats.org/drawingml/2006/main" xmlns:r="http://schemas.openxmlformats.org/officeDocument/2006/relationships" xmlns:p="http://schemas.openxmlformats.org/presentationml/2006/main">
   <p:tag name="KSO_WM_UNIT_ISCONTENTSTITLE" val="0"/>
   <p:tag name="KSO_WM_UNIT_PRESET_TEXT" val="单击此处添加标题"/>
@@ -20374,14 +20926,6 @@
 </p:tagLst>
 </file>
 
-<file path=ppt/tags/tag119.xml><?xml version="1.0" encoding="utf-8"?>
-<p:tagLst xmlns:a="http://schemas.openxmlformats.org/drawingml/2006/main" xmlns:r="http://schemas.openxmlformats.org/officeDocument/2006/relationships" xmlns:p="http://schemas.openxmlformats.org/presentationml/2006/main">
-  <p:tag name="KSO_WM_BEAUTIFY_FLAG" val="#wm#"/>
-  <p:tag name="KSO_WM_TEMPLATE_CATEGORY" val="custom"/>
-  <p:tag name="KSO_WM_TEMPLATE_INDEX" val="20187308"/>
-</p:tagLst>
-</file>
-
 <file path=ppt/tags/tag12.xml><?xml version="1.0" encoding="utf-8"?>
 <p:tagLst xmlns:a="http://schemas.openxmlformats.org/drawingml/2006/main" xmlns:r="http://schemas.openxmlformats.org/officeDocument/2006/relationships" xmlns:p="http://schemas.openxmlformats.org/presentationml/2006/main">
   <p:tag name="KSO_WM_UNIT_HIGHLIGHT" val="0"/>
@@ -20396,6 +20940,14 @@
 </file>
 
 <file path=ppt/tags/tag120.xml><?xml version="1.0" encoding="utf-8"?>
+<p:tagLst xmlns:a="http://schemas.openxmlformats.org/drawingml/2006/main" xmlns:r="http://schemas.openxmlformats.org/officeDocument/2006/relationships" xmlns:p="http://schemas.openxmlformats.org/presentationml/2006/main">
+  <p:tag name="KSO_WM_BEAUTIFY_FLAG" val="#wm#"/>
+  <p:tag name="KSO_WM_TEMPLATE_CATEGORY" val="custom"/>
+  <p:tag name="KSO_WM_TEMPLATE_INDEX" val="20187308"/>
+</p:tagLst>
+</file>
+
+<file path=ppt/tags/tag121.xml><?xml version="1.0" encoding="utf-8"?>
 <p:tagLst xmlns:a="http://schemas.openxmlformats.org/drawingml/2006/main" xmlns:r="http://schemas.openxmlformats.org/officeDocument/2006/relationships" xmlns:p="http://schemas.openxmlformats.org/presentationml/2006/main">
   <p:tag name="KSO_WM_UNIT_ISCONTENTSTITLE" val="0"/>
   <p:tag name="KSO_WM_UNIT_PRESET_TEXT" val="单击此处添加标题"/>
@@ -20420,7 +20972,7 @@
 </p:tagLst>
 </file>
 
-<file path=ppt/tags/tag121.xml><?xml version="1.0" encoding="utf-8"?>
+<file path=ppt/tags/tag122.xml><?xml version="1.0" encoding="utf-8"?>
 <p:tagLst xmlns:a="http://schemas.openxmlformats.org/drawingml/2006/main" xmlns:r="http://schemas.openxmlformats.org/officeDocument/2006/relationships" xmlns:p="http://schemas.openxmlformats.org/presentationml/2006/main">
   <p:tag name="KSO_WM_SLIDE_ID" val="custom20187308_3"/>
   <p:tag name="KSO_WM_TEMPLATE_SUBCATEGORY" val="0"/>
@@ -20437,7 +20989,7 @@
 </p:tagLst>
 </file>
 
-<file path=ppt/tags/tag122.xml><?xml version="1.0" encoding="utf-8"?>
+<file path=ppt/tags/tag123.xml><?xml version="1.0" encoding="utf-8"?>
 <p:tagLst xmlns:a="http://schemas.openxmlformats.org/drawingml/2006/main" xmlns:r="http://schemas.openxmlformats.org/officeDocument/2006/relationships" xmlns:p="http://schemas.openxmlformats.org/presentationml/2006/main">
   <p:tag name="KSO_WM_UNIT_ISCONTENTSTITLE" val="0"/>
   <p:tag name="KSO_WM_UNIT_PRESET_TEXT" val="单击此处添加标题"/>
@@ -20458,7 +21010,7 @@
 </p:tagLst>
 </file>
 
-<file path=ppt/tags/tag123.xml><?xml version="1.0" encoding="utf-8"?>
+<file path=ppt/tags/tag124.xml><?xml version="1.0" encoding="utf-8"?>
 <p:tagLst xmlns:a="http://schemas.openxmlformats.org/drawingml/2006/main" xmlns:r="http://schemas.openxmlformats.org/officeDocument/2006/relationships" xmlns:p="http://schemas.openxmlformats.org/presentationml/2006/main">
   <p:tag name="KSO_WM_UNIT_ISCONTENTSTITLE" val="0"/>
   <p:tag name="KSO_WM_UNIT_PRESET_TEXT" val="单击此处添加文本具体内容，简明扼要的阐述您的观点。"/>
@@ -20479,7 +21031,7 @@
 </p:tagLst>
 </file>
 
-<file path=ppt/tags/tag124.xml><?xml version="1.0" encoding="utf-8"?>
+<file path=ppt/tags/tag125.xml><?xml version="1.0" encoding="utf-8"?>
 <p:tagLst xmlns:a="http://schemas.openxmlformats.org/drawingml/2006/main" xmlns:r="http://schemas.openxmlformats.org/officeDocument/2006/relationships" xmlns:p="http://schemas.openxmlformats.org/presentationml/2006/main">
   <p:tag name="KSO_WM_UNIT_PRESET_TEXT" val="01"/>
   <p:tag name="KSO_WM_UNIT_NOCLEAR" val="0"/>
@@ -20499,7 +21051,7 @@
 </p:tagLst>
 </file>
 
-<file path=ppt/tags/tag125.xml><?xml version="1.0" encoding="utf-8"?>
+<file path=ppt/tags/tag126.xml><?xml version="1.0" encoding="utf-8"?>
 <p:tagLst xmlns:a="http://schemas.openxmlformats.org/drawingml/2006/main" xmlns:r="http://schemas.openxmlformats.org/officeDocument/2006/relationships" xmlns:p="http://schemas.openxmlformats.org/presentationml/2006/main">
   <p:tag name="KSO_WM_SLIDE_ID" val="custom20187308_2"/>
   <p:tag name="KSO_WM_TEMPLATE_SUBCATEGORY" val="0"/>
@@ -20518,7 +21070,7 @@
 </p:tagLst>
 </file>
 
-<file path=ppt/tags/tag126.xml><?xml version="1.0" encoding="utf-8"?>
+<file path=ppt/tags/tag127.xml><?xml version="1.0" encoding="utf-8"?>
 <p:tagLst xmlns:a="http://schemas.openxmlformats.org/drawingml/2006/main" xmlns:r="http://schemas.openxmlformats.org/officeDocument/2006/relationships" xmlns:p="http://schemas.openxmlformats.org/presentationml/2006/main">
   <p:tag name="KSO_WM_BEAUTIFY_FLAG" val="#wm#"/>
   <p:tag name="KSO_WM_TEMPLATE_CATEGORY" val="custom"/>
@@ -20526,7 +21078,7 @@
 </p:tagLst>
 </file>
 
-<file path=ppt/tags/tag127.xml><?xml version="1.0" encoding="utf-8"?>
+<file path=ppt/tags/tag128.xml><?xml version="1.0" encoding="utf-8"?>
 <p:tagLst xmlns:a="http://schemas.openxmlformats.org/drawingml/2006/main" xmlns:r="http://schemas.openxmlformats.org/officeDocument/2006/relationships" xmlns:p="http://schemas.openxmlformats.org/presentationml/2006/main">
   <p:tag name="KSO_WM_UNIT_ISCONTENTSTITLE" val="0"/>
   <p:tag name="KSO_WM_UNIT_PRESET_TEXT" val="单击此处添加标题"/>
@@ -20551,7 +21103,7 @@
 </p:tagLst>
 </file>
 
-<file path=ppt/tags/tag128.xml><?xml version="1.0" encoding="utf-8"?>
+<file path=ppt/tags/tag129.xml><?xml version="1.0" encoding="utf-8"?>
 <p:tagLst xmlns:a="http://schemas.openxmlformats.org/drawingml/2006/main" xmlns:r="http://schemas.openxmlformats.org/officeDocument/2006/relationships" xmlns:p="http://schemas.openxmlformats.org/presentationml/2006/main">
   <p:tag name="KSO_WM_BEAUTIFY_FLAG" val="#wm#"/>
   <p:tag name="KSO_WM_TEMPLATE_CATEGORY" val="custom"/>
@@ -20559,7 +21111,20 @@
 </p:tagLst>
 </file>
 
-<file path=ppt/tags/tag129.xml><?xml version="1.0" encoding="utf-8"?>
+<file path=ppt/tags/tag13.xml><?xml version="1.0" encoding="utf-8"?>
+<p:tagLst xmlns:a="http://schemas.openxmlformats.org/drawingml/2006/main" xmlns:r="http://schemas.openxmlformats.org/officeDocument/2006/relationships" xmlns:p="http://schemas.openxmlformats.org/presentationml/2006/main">
+  <p:tag name="KSO_WM_UNIT_HIGHLIGHT" val="0"/>
+  <p:tag name="KSO_WM_UNIT_COMPATIBLE" val="0"/>
+  <p:tag name="KSO_WM_UNIT_DIAGRAM_ISNUMVISUAL" val="0"/>
+  <p:tag name="KSO_WM_UNIT_DIAGRAM_ISREFERUNIT" val="0"/>
+  <p:tag name="KSO_WM_UNIT_ID" val="_1**"/>
+  <p:tag name="KSO_WM_UNIT_LAYERLEVEL" val="1"/>
+  <p:tag name="KSO_WM_TAG_VERSION" val="1.0"/>
+  <p:tag name="KSO_WM_BEAUTIFY_FLAG" val="#wm#"/>
+</p:tagLst>
+</file>
+
+<file path=ppt/tags/tag130.xml><?xml version="1.0" encoding="utf-8"?>
 <p:tagLst xmlns:a="http://schemas.openxmlformats.org/drawingml/2006/main" xmlns:r="http://schemas.openxmlformats.org/officeDocument/2006/relationships" xmlns:p="http://schemas.openxmlformats.org/presentationml/2006/main">
   <p:tag name="KSO_WM_UNIT_ISCONTENTSTITLE" val="0"/>
   <p:tag name="KSO_WM_UNIT_PRESET_TEXT" val="单击此处添加标题"/>
@@ -20584,20 +21149,7 @@
 </p:tagLst>
 </file>
 
-<file path=ppt/tags/tag13.xml><?xml version="1.0" encoding="utf-8"?>
-<p:tagLst xmlns:a="http://schemas.openxmlformats.org/drawingml/2006/main" xmlns:r="http://schemas.openxmlformats.org/officeDocument/2006/relationships" xmlns:p="http://schemas.openxmlformats.org/presentationml/2006/main">
-  <p:tag name="KSO_WM_UNIT_HIGHLIGHT" val="0"/>
-  <p:tag name="KSO_WM_UNIT_COMPATIBLE" val="0"/>
-  <p:tag name="KSO_WM_UNIT_DIAGRAM_ISNUMVISUAL" val="0"/>
-  <p:tag name="KSO_WM_UNIT_DIAGRAM_ISREFERUNIT" val="0"/>
-  <p:tag name="KSO_WM_UNIT_ID" val="_1**"/>
-  <p:tag name="KSO_WM_UNIT_LAYERLEVEL" val="1"/>
-  <p:tag name="KSO_WM_TAG_VERSION" val="1.0"/>
-  <p:tag name="KSO_WM_BEAUTIFY_FLAG" val="#wm#"/>
-</p:tagLst>
-</file>
-
-<file path=ppt/tags/tag130.xml><?xml version="1.0" encoding="utf-8"?>
+<file path=ppt/tags/tag131.xml><?xml version="1.0" encoding="utf-8"?>
 <p:tagLst xmlns:a="http://schemas.openxmlformats.org/drawingml/2006/main" xmlns:r="http://schemas.openxmlformats.org/officeDocument/2006/relationships" xmlns:p="http://schemas.openxmlformats.org/presentationml/2006/main">
   <p:tag name="KSO_WM_BEAUTIFY_FLAG" val="#wm#"/>
   <p:tag name="KSO_WM_TEMPLATE_CATEGORY" val="custom"/>
@@ -20605,7 +21157,7 @@
 </p:tagLst>
 </file>
 
-<file path=ppt/tags/tag131.xml><?xml version="1.0" encoding="utf-8"?>
+<file path=ppt/tags/tag132.xml><?xml version="1.0" encoding="utf-8"?>
 <p:tagLst xmlns:a="http://schemas.openxmlformats.org/drawingml/2006/main" xmlns:r="http://schemas.openxmlformats.org/officeDocument/2006/relationships" xmlns:p="http://schemas.openxmlformats.org/presentationml/2006/main">
   <p:tag name="KSO_WM_UNIT_ISCONTENTSTITLE" val="0"/>
   <p:tag name="KSO_WM_UNIT_PRESET_TEXT" val="单击此处添加标题"/>
@@ -20630,14 +21182,6 @@
 </p:tagLst>
 </file>
 
-<file path=ppt/tags/tag132.xml><?xml version="1.0" encoding="utf-8"?>
-<p:tagLst xmlns:a="http://schemas.openxmlformats.org/drawingml/2006/main" xmlns:r="http://schemas.openxmlformats.org/officeDocument/2006/relationships" xmlns:p="http://schemas.openxmlformats.org/presentationml/2006/main">
-  <p:tag name="KSO_WM_BEAUTIFY_FLAG" val="#wm#"/>
-  <p:tag name="KSO_WM_TEMPLATE_CATEGORY" val="custom"/>
-  <p:tag name="KSO_WM_TEMPLATE_INDEX" val="20187308"/>
-</p:tagLst>
-</file>
-
 <file path=ppt/tags/tag133.xml><?xml version="1.0" encoding="utf-8"?>
 <p:tagLst xmlns:a="http://schemas.openxmlformats.org/drawingml/2006/main" xmlns:r="http://schemas.openxmlformats.org/officeDocument/2006/relationships" xmlns:p="http://schemas.openxmlformats.org/presentationml/2006/main">
   <p:tag name="KSO_WM_BEAUTIFY_FLAG" val="#wm#"/>
@@ -20647,6 +21191,14 @@
 </file>
 
 <file path=ppt/tags/tag134.xml><?xml version="1.0" encoding="utf-8"?>
+<p:tagLst xmlns:a="http://schemas.openxmlformats.org/drawingml/2006/main" xmlns:r="http://schemas.openxmlformats.org/officeDocument/2006/relationships" xmlns:p="http://schemas.openxmlformats.org/presentationml/2006/main">
+  <p:tag name="KSO_WM_BEAUTIFY_FLAG" val="#wm#"/>
+  <p:tag name="KSO_WM_TEMPLATE_CATEGORY" val="custom"/>
+  <p:tag name="KSO_WM_TEMPLATE_INDEX" val="20187308"/>
+</p:tagLst>
+</file>
+
+<file path=ppt/tags/tag135.xml><?xml version="1.0" encoding="utf-8"?>
 <p:tagLst xmlns:a="http://schemas.openxmlformats.org/drawingml/2006/main" xmlns:r="http://schemas.openxmlformats.org/officeDocument/2006/relationships" xmlns:p="http://schemas.openxmlformats.org/presentationml/2006/main">
   <p:tag name="KSO_WM_UNIT_ISCONTENTSTITLE" val="0"/>
   <p:tag name="KSO_WM_UNIT_PRESET_TEXT" val="单击此处添加标题"/>
@@ -20671,7 +21223,7 @@
 </p:tagLst>
 </file>
 
-<file path=ppt/tags/tag135.xml><?xml version="1.0" encoding="utf-8"?>
+<file path=ppt/tags/tag136.xml><?xml version="1.0" encoding="utf-8"?>
 <p:tagLst xmlns:a="http://schemas.openxmlformats.org/drawingml/2006/main" xmlns:r="http://schemas.openxmlformats.org/officeDocument/2006/relationships" xmlns:p="http://schemas.openxmlformats.org/presentationml/2006/main">
   <p:tag name="KSO_WM_BEAUTIFY_FLAG" val="#wm#"/>
   <p:tag name="KSO_WM_TEMPLATE_CATEGORY" val="custom"/>
@@ -20679,7 +21231,7 @@
 </p:tagLst>
 </file>
 
-<file path=ppt/tags/tag136.xml><?xml version="1.0" encoding="utf-8"?>
+<file path=ppt/tags/tag137.xml><?xml version="1.0" encoding="utf-8"?>
 <p:tagLst xmlns:a="http://schemas.openxmlformats.org/drawingml/2006/main" xmlns:r="http://schemas.openxmlformats.org/officeDocument/2006/relationships" xmlns:p="http://schemas.openxmlformats.org/presentationml/2006/main">
   <p:tag name="KSO_WM_UNIT_ISCONTENTSTITLE" val="0"/>
   <p:tag name="KSO_WM_UNIT_PRESET_TEXT" val="单击此处添加标题"/>
@@ -20704,14 +21256,6 @@
 </p:tagLst>
 </file>
 
-<file path=ppt/tags/tag137.xml><?xml version="1.0" encoding="utf-8"?>
-<p:tagLst xmlns:a="http://schemas.openxmlformats.org/drawingml/2006/main" xmlns:r="http://schemas.openxmlformats.org/officeDocument/2006/relationships" xmlns:p="http://schemas.openxmlformats.org/presentationml/2006/main">
-  <p:tag name="KSO_WM_BEAUTIFY_FLAG" val="#wm#"/>
-  <p:tag name="KSO_WM_TEMPLATE_CATEGORY" val="custom"/>
-  <p:tag name="KSO_WM_TEMPLATE_INDEX" val="20187308"/>
-</p:tagLst>
-</file>
-
 <file path=ppt/tags/tag138.xml><?xml version="1.0" encoding="utf-8"?>
 <p:tagLst xmlns:a="http://schemas.openxmlformats.org/drawingml/2006/main" xmlns:r="http://schemas.openxmlformats.org/officeDocument/2006/relationships" xmlns:p="http://schemas.openxmlformats.org/presentationml/2006/main">
   <p:tag name="KSO_WM_BEAUTIFY_FLAG" val="#wm#"/>
@@ -20721,6 +21265,27 @@
 </file>
 
 <file path=ppt/tags/tag139.xml><?xml version="1.0" encoding="utf-8"?>
+<p:tagLst xmlns:a="http://schemas.openxmlformats.org/drawingml/2006/main" xmlns:r="http://schemas.openxmlformats.org/officeDocument/2006/relationships" xmlns:p="http://schemas.openxmlformats.org/presentationml/2006/main">
+  <p:tag name="KSO_WM_BEAUTIFY_FLAG" val="#wm#"/>
+  <p:tag name="KSO_WM_TEMPLATE_CATEGORY" val="custom"/>
+  <p:tag name="KSO_WM_TEMPLATE_INDEX" val="20187308"/>
+</p:tagLst>
+</file>
+
+<file path=ppt/tags/tag14.xml><?xml version="1.0" encoding="utf-8"?>
+<p:tagLst xmlns:a="http://schemas.openxmlformats.org/drawingml/2006/main" xmlns:r="http://schemas.openxmlformats.org/officeDocument/2006/relationships" xmlns:p="http://schemas.openxmlformats.org/presentationml/2006/main">
+  <p:tag name="KSO_WM_UNIT_HIGHLIGHT" val="0"/>
+  <p:tag name="KSO_WM_UNIT_COMPATIBLE" val="0"/>
+  <p:tag name="KSO_WM_UNIT_DIAGRAM_ISNUMVISUAL" val="0"/>
+  <p:tag name="KSO_WM_UNIT_DIAGRAM_ISREFERUNIT" val="0"/>
+  <p:tag name="KSO_WM_UNIT_ID" val="_1**"/>
+  <p:tag name="KSO_WM_UNIT_LAYERLEVEL" val="1"/>
+  <p:tag name="KSO_WM_TAG_VERSION" val="1.0"/>
+  <p:tag name="KSO_WM_BEAUTIFY_FLAG" val="#wm#"/>
+</p:tagLst>
+</file>
+
+<file path=ppt/tags/tag140.xml><?xml version="1.0" encoding="utf-8"?>
 <p:tagLst xmlns:a="http://schemas.openxmlformats.org/drawingml/2006/main" xmlns:r="http://schemas.openxmlformats.org/officeDocument/2006/relationships" xmlns:p="http://schemas.openxmlformats.org/presentationml/2006/main">
   <p:tag name="KSO_WM_UNIT_ISCONTENTSTITLE" val="0"/>
   <p:tag name="KSO_WM_UNIT_PRESET_TEXT" val="单击此处添加标题"/>
@@ -20745,20 +21310,7 @@
 </p:tagLst>
 </file>
 
-<file path=ppt/tags/tag14.xml><?xml version="1.0" encoding="utf-8"?>
-<p:tagLst xmlns:a="http://schemas.openxmlformats.org/drawingml/2006/main" xmlns:r="http://schemas.openxmlformats.org/officeDocument/2006/relationships" xmlns:p="http://schemas.openxmlformats.org/presentationml/2006/main">
-  <p:tag name="KSO_WM_UNIT_HIGHLIGHT" val="0"/>
-  <p:tag name="KSO_WM_UNIT_COMPATIBLE" val="0"/>
-  <p:tag name="KSO_WM_UNIT_DIAGRAM_ISNUMVISUAL" val="0"/>
-  <p:tag name="KSO_WM_UNIT_DIAGRAM_ISREFERUNIT" val="0"/>
-  <p:tag name="KSO_WM_UNIT_ID" val="_1**"/>
-  <p:tag name="KSO_WM_UNIT_LAYERLEVEL" val="1"/>
-  <p:tag name="KSO_WM_TAG_VERSION" val="1.0"/>
-  <p:tag name="KSO_WM_BEAUTIFY_FLAG" val="#wm#"/>
-</p:tagLst>
-</file>
-
-<file path=ppt/tags/tag140.xml><?xml version="1.0" encoding="utf-8"?>
+<file path=ppt/tags/tag141.xml><?xml version="1.0" encoding="utf-8"?>
 <p:tagLst xmlns:a="http://schemas.openxmlformats.org/drawingml/2006/main" xmlns:r="http://schemas.openxmlformats.org/officeDocument/2006/relationships" xmlns:p="http://schemas.openxmlformats.org/presentationml/2006/main">
   <p:tag name="KSO_WM_BEAUTIFY_FLAG" val="#wm#"/>
   <p:tag name="KSO_WM_TEMPLATE_CATEGORY" val="custom"/>
@@ -20766,7 +21318,7 @@
 </p:tagLst>
 </file>
 
-<file path=ppt/tags/tag141.xml><?xml version="1.0" encoding="utf-8"?>
+<file path=ppt/tags/tag142.xml><?xml version="1.0" encoding="utf-8"?>
 <p:tagLst xmlns:a="http://schemas.openxmlformats.org/drawingml/2006/main" xmlns:r="http://schemas.openxmlformats.org/officeDocument/2006/relationships" xmlns:p="http://schemas.openxmlformats.org/presentationml/2006/main">
   <p:tag name="KSO_WM_UNIT_ISCONTENTSTITLE" val="0"/>
   <p:tag name="KSO_WM_UNIT_PRESET_TEXT" val="单击此处添加标题"/>
@@ -20791,7 +21343,7 @@
 </p:tagLst>
 </file>
 
-<file path=ppt/tags/tag142.xml><?xml version="1.0" encoding="utf-8"?>
+<file path=ppt/tags/tag143.xml><?xml version="1.0" encoding="utf-8"?>
 <p:tagLst xmlns:a="http://schemas.openxmlformats.org/drawingml/2006/main" xmlns:r="http://schemas.openxmlformats.org/officeDocument/2006/relationships" xmlns:p="http://schemas.openxmlformats.org/presentationml/2006/main">
   <p:tag name="KSO_WM_SLIDE_ID" val="custom20187308_3"/>
   <p:tag name="KSO_WM_TEMPLATE_SUBCATEGORY" val="0"/>
@@ -20808,7 +21360,7 @@
 </p:tagLst>
 </file>
 
-<file path=ppt/tags/tag143.xml><?xml version="1.0" encoding="utf-8"?>
+<file path=ppt/tags/tag144.xml><?xml version="1.0" encoding="utf-8"?>
 <p:tagLst xmlns:a="http://schemas.openxmlformats.org/drawingml/2006/main" xmlns:r="http://schemas.openxmlformats.org/officeDocument/2006/relationships" xmlns:p="http://schemas.openxmlformats.org/presentationml/2006/main">
   <p:tag name="KSO_WM_UNIT_ISCONTENTSTITLE" val="0"/>
   <p:tag name="KSO_WM_UNIT_PRESET_TEXT" val="单击此处添加标题"/>
@@ -20829,7 +21381,7 @@
 </p:tagLst>
 </file>
 
-<file path=ppt/tags/tag144.xml><?xml version="1.0" encoding="utf-8"?>
+<file path=ppt/tags/tag145.xml><?xml version="1.0" encoding="utf-8"?>
 <p:tagLst xmlns:a="http://schemas.openxmlformats.org/drawingml/2006/main" xmlns:r="http://schemas.openxmlformats.org/officeDocument/2006/relationships" xmlns:p="http://schemas.openxmlformats.org/presentationml/2006/main">
   <p:tag name="KSO_WM_UNIT_ISCONTENTSTITLE" val="0"/>
   <p:tag name="KSO_WM_UNIT_PRESET_TEXT" val="单击此处添加文本具体内容，简明扼要的阐述您的观点。"/>
@@ -20850,7 +21402,7 @@
 </p:tagLst>
 </file>
 
-<file path=ppt/tags/tag145.xml><?xml version="1.0" encoding="utf-8"?>
+<file path=ppt/tags/tag146.xml><?xml version="1.0" encoding="utf-8"?>
 <p:tagLst xmlns:a="http://schemas.openxmlformats.org/drawingml/2006/main" xmlns:r="http://schemas.openxmlformats.org/officeDocument/2006/relationships" xmlns:p="http://schemas.openxmlformats.org/presentationml/2006/main">
   <p:tag name="KSO_WM_UNIT_PRESET_TEXT" val="01"/>
   <p:tag name="KSO_WM_UNIT_NOCLEAR" val="0"/>
@@ -20870,7 +21422,7 @@
 </p:tagLst>
 </file>
 
-<file path=ppt/tags/tag146.xml><?xml version="1.0" encoding="utf-8"?>
+<file path=ppt/tags/tag147.xml><?xml version="1.0" encoding="utf-8"?>
 <p:tagLst xmlns:a="http://schemas.openxmlformats.org/drawingml/2006/main" xmlns:r="http://schemas.openxmlformats.org/officeDocument/2006/relationships" xmlns:p="http://schemas.openxmlformats.org/presentationml/2006/main">
   <p:tag name="KSO_WM_UNIT_ISCONTENTSTITLE" val="0"/>
   <p:tag name="KSO_WM_UNIT_PRESET_TEXT" val="单击此处添加标题"/>
@@ -20895,7 +21447,7 @@
 </p:tagLst>
 </file>
 
-<file path=ppt/tags/tag147.xml><?xml version="1.0" encoding="utf-8"?>
+<file path=ppt/tags/tag148.xml><?xml version="1.0" encoding="utf-8"?>
 <p:tagLst xmlns:a="http://schemas.openxmlformats.org/drawingml/2006/main" xmlns:r="http://schemas.openxmlformats.org/officeDocument/2006/relationships" xmlns:p="http://schemas.openxmlformats.org/presentationml/2006/main">
   <p:tag name="KSO_WM_SLIDE_ID" val="custom20187308_3"/>
   <p:tag name="KSO_WM_TEMPLATE_SUBCATEGORY" val="0"/>
@@ -20912,7 +21464,7 @@
 </p:tagLst>
 </file>
 
-<file path=ppt/tags/tag148.xml><?xml version="1.0" encoding="utf-8"?>
+<file path=ppt/tags/tag149.xml><?xml version="1.0" encoding="utf-8"?>
 <p:tagLst xmlns:a="http://schemas.openxmlformats.org/drawingml/2006/main" xmlns:r="http://schemas.openxmlformats.org/officeDocument/2006/relationships" xmlns:p="http://schemas.openxmlformats.org/presentationml/2006/main">
   <p:tag name="KSO_WM_UNIT_ISCONTENTSTITLE" val="0"/>
   <p:tag name="KSO_WM_UNIT_PRESET_TEXT" val="单击此处添加标题"/>
@@ -20925,27 +21477,6 @@
   <p:tag name="KSO_WM_UNIT_TYPE" val="a"/>
   <p:tag name="KSO_WM_UNIT_INDEX" val="1"/>
   <p:tag name="KSO_WM_UNIT_ID" val="custom20187308_3*a*1"/>
-  <p:tag name="KSO_WM_TEMPLATE_CATEGORY" val="custom"/>
-  <p:tag name="KSO_WM_TEMPLATE_INDEX" val="20187308"/>
-  <p:tag name="KSO_WM_UNIT_LAYERLEVEL" val="1"/>
-  <p:tag name="KSO_WM_TAG_VERSION" val="1.0"/>
-  <p:tag name="KSO_WM_BEAUTIFY_FLAG" val="#wm#"/>
-</p:tagLst>
-</file>
-
-<file path=ppt/tags/tag149.xml><?xml version="1.0" encoding="utf-8"?>
-<p:tagLst xmlns:a="http://schemas.openxmlformats.org/drawingml/2006/main" xmlns:r="http://schemas.openxmlformats.org/officeDocument/2006/relationships" xmlns:p="http://schemas.openxmlformats.org/presentationml/2006/main">
-  <p:tag name="KSO_WM_UNIT_ISCONTENTSTITLE" val="0"/>
-  <p:tag name="KSO_WM_UNIT_PRESET_TEXT" val="单击此处添加文本具体内容，简明扼要的阐述您的观点。"/>
-  <p:tag name="KSO_WM_UNIT_NOCLEAR" val="0"/>
-  <p:tag name="KSO_WM_UNIT_VALUE" val="156"/>
-  <p:tag name="KSO_WM_UNIT_HIGHLIGHT" val="0"/>
-  <p:tag name="KSO_WM_UNIT_COMPATIBLE" val="0"/>
-  <p:tag name="KSO_WM_UNIT_DIAGRAM_ISNUMVISUAL" val="0"/>
-  <p:tag name="KSO_WM_UNIT_DIAGRAM_ISREFERUNIT" val="0"/>
-  <p:tag name="KSO_WM_UNIT_TYPE" val="b"/>
-  <p:tag name="KSO_WM_UNIT_INDEX" val="1"/>
-  <p:tag name="KSO_WM_UNIT_ID" val="custom20187308_3*b*1"/>
   <p:tag name="KSO_WM_TEMPLATE_CATEGORY" val="custom"/>
   <p:tag name="KSO_WM_TEMPLATE_INDEX" val="20187308"/>
   <p:tag name="KSO_WM_UNIT_LAYERLEVEL" val="1"/>
@@ -20969,6 +21500,27 @@
 
 <file path=ppt/tags/tag150.xml><?xml version="1.0" encoding="utf-8"?>
 <p:tagLst xmlns:a="http://schemas.openxmlformats.org/drawingml/2006/main" xmlns:r="http://schemas.openxmlformats.org/officeDocument/2006/relationships" xmlns:p="http://schemas.openxmlformats.org/presentationml/2006/main">
+  <p:tag name="KSO_WM_UNIT_ISCONTENTSTITLE" val="0"/>
+  <p:tag name="KSO_WM_UNIT_PRESET_TEXT" val="单击此处添加文本具体内容，简明扼要的阐述您的观点。"/>
+  <p:tag name="KSO_WM_UNIT_NOCLEAR" val="0"/>
+  <p:tag name="KSO_WM_UNIT_VALUE" val="156"/>
+  <p:tag name="KSO_WM_UNIT_HIGHLIGHT" val="0"/>
+  <p:tag name="KSO_WM_UNIT_COMPATIBLE" val="0"/>
+  <p:tag name="KSO_WM_UNIT_DIAGRAM_ISNUMVISUAL" val="0"/>
+  <p:tag name="KSO_WM_UNIT_DIAGRAM_ISREFERUNIT" val="0"/>
+  <p:tag name="KSO_WM_UNIT_TYPE" val="b"/>
+  <p:tag name="KSO_WM_UNIT_INDEX" val="1"/>
+  <p:tag name="KSO_WM_UNIT_ID" val="custom20187308_3*b*1"/>
+  <p:tag name="KSO_WM_TEMPLATE_CATEGORY" val="custom"/>
+  <p:tag name="KSO_WM_TEMPLATE_INDEX" val="20187308"/>
+  <p:tag name="KSO_WM_UNIT_LAYERLEVEL" val="1"/>
+  <p:tag name="KSO_WM_TAG_VERSION" val="1.0"/>
+  <p:tag name="KSO_WM_BEAUTIFY_FLAG" val="#wm#"/>
+</p:tagLst>
+</file>
+
+<file path=ppt/tags/tag151.xml><?xml version="1.0" encoding="utf-8"?>
+<p:tagLst xmlns:a="http://schemas.openxmlformats.org/drawingml/2006/main" xmlns:r="http://schemas.openxmlformats.org/officeDocument/2006/relationships" xmlns:p="http://schemas.openxmlformats.org/presentationml/2006/main">
   <p:tag name="KSO_WM_UNIT_PRESET_TEXT" val="01"/>
   <p:tag name="KSO_WM_UNIT_NOCLEAR" val="0"/>
   <p:tag name="KSO_WM_UNIT_VALUE" val="1"/>
@@ -20987,7 +21539,86 @@
 </p:tagLst>
 </file>
 
-<file path=ppt/tags/tag151.xml><?xml version="1.0" encoding="utf-8"?>
+<file path=ppt/tags/tag152.xml><?xml version="1.0" encoding="utf-8"?>
+<p:tagLst xmlns:a="http://schemas.openxmlformats.org/drawingml/2006/main" xmlns:r="http://schemas.openxmlformats.org/officeDocument/2006/relationships" xmlns:p="http://schemas.openxmlformats.org/presentationml/2006/main">
+  <p:tag name="KSO_WM_SLIDE_ID" val="custom20187308_3"/>
+  <p:tag name="KSO_WM_TEMPLATE_SUBCATEGORY" val="0"/>
+  <p:tag name="KSO_WM_SLIDE_TYPE" val="sectionTitle"/>
+  <p:tag name="KSO_WM_SLIDE_SUBTYPE" val="pureTxt"/>
+  <p:tag name="KSO_WM_SLIDE_ITEM_CNT" val="0"/>
+  <p:tag name="KSO_WM_SLIDE_INDEX" val="3"/>
+  <p:tag name="KSO_WM_TAG_VERSION" val="1.0"/>
+  <p:tag name="KSO_WM_BEAUTIFY_FLAG" val="#wm#"/>
+  <p:tag name="KSO_WM_TEMPLATE_CATEGORY" val="custom"/>
+  <p:tag name="KSO_WM_TEMPLATE_INDEX" val="20187308"/>
+  <p:tag name="KSO_WM_SLIDE_LAYOUT" val="a_b_e"/>
+  <p:tag name="KSO_WM_SLIDE_LAYOUT_CNT" val="1_1_1"/>
+</p:tagLst>
+</file>
+
+<file path=ppt/tags/tag153.xml><?xml version="1.0" encoding="utf-8"?>
+<p:tagLst xmlns:a="http://schemas.openxmlformats.org/drawingml/2006/main" xmlns:r="http://schemas.openxmlformats.org/officeDocument/2006/relationships" xmlns:p="http://schemas.openxmlformats.org/presentationml/2006/main">
+  <p:tag name="KSO_WM_UNIT_ISCONTENTSTITLE" val="0"/>
+  <p:tag name="KSO_WM_UNIT_PRESET_TEXT" val="单击此处添加标题"/>
+  <p:tag name="KSO_WM_UNIT_NOCLEAR" val="0"/>
+  <p:tag name="KSO_WM_UNIT_VALUE" val="60"/>
+  <p:tag name="KSO_WM_UNIT_HIGHLIGHT" val="0"/>
+  <p:tag name="KSO_WM_UNIT_COMPATIBLE" val="0"/>
+  <p:tag name="KSO_WM_UNIT_DIAGRAM_ISNUMVISUAL" val="0"/>
+  <p:tag name="KSO_WM_UNIT_DIAGRAM_ISREFERUNIT" val="0"/>
+  <p:tag name="KSO_WM_UNIT_TYPE" val="a"/>
+  <p:tag name="KSO_WM_UNIT_INDEX" val="1"/>
+  <p:tag name="KSO_WM_UNIT_ID" val="custom20187308_3*a*1"/>
+  <p:tag name="KSO_WM_TEMPLATE_CATEGORY" val="custom"/>
+  <p:tag name="KSO_WM_TEMPLATE_INDEX" val="20187308"/>
+  <p:tag name="KSO_WM_UNIT_LAYERLEVEL" val="1"/>
+  <p:tag name="KSO_WM_TAG_VERSION" val="1.0"/>
+  <p:tag name="KSO_WM_BEAUTIFY_FLAG" val="#wm#"/>
+</p:tagLst>
+</file>
+
+<file path=ppt/tags/tag154.xml><?xml version="1.0" encoding="utf-8"?>
+<p:tagLst xmlns:a="http://schemas.openxmlformats.org/drawingml/2006/main" xmlns:r="http://schemas.openxmlformats.org/officeDocument/2006/relationships" xmlns:p="http://schemas.openxmlformats.org/presentationml/2006/main">
+  <p:tag name="KSO_WM_UNIT_ISCONTENTSTITLE" val="0"/>
+  <p:tag name="KSO_WM_UNIT_PRESET_TEXT" val="单击此处添加文本具体内容，简明扼要的阐述您的观点。"/>
+  <p:tag name="KSO_WM_UNIT_NOCLEAR" val="0"/>
+  <p:tag name="KSO_WM_UNIT_VALUE" val="156"/>
+  <p:tag name="KSO_WM_UNIT_HIGHLIGHT" val="0"/>
+  <p:tag name="KSO_WM_UNIT_COMPATIBLE" val="0"/>
+  <p:tag name="KSO_WM_UNIT_DIAGRAM_ISNUMVISUAL" val="0"/>
+  <p:tag name="KSO_WM_UNIT_DIAGRAM_ISREFERUNIT" val="0"/>
+  <p:tag name="KSO_WM_UNIT_TYPE" val="b"/>
+  <p:tag name="KSO_WM_UNIT_INDEX" val="1"/>
+  <p:tag name="KSO_WM_UNIT_ID" val="custom20187308_3*b*1"/>
+  <p:tag name="KSO_WM_TEMPLATE_CATEGORY" val="custom"/>
+  <p:tag name="KSO_WM_TEMPLATE_INDEX" val="20187308"/>
+  <p:tag name="KSO_WM_UNIT_LAYERLEVEL" val="1"/>
+  <p:tag name="KSO_WM_TAG_VERSION" val="1.0"/>
+  <p:tag name="KSO_WM_BEAUTIFY_FLAG" val="#wm#"/>
+</p:tagLst>
+</file>
+
+<file path=ppt/tags/tag155.xml><?xml version="1.0" encoding="utf-8"?>
+<p:tagLst xmlns:a="http://schemas.openxmlformats.org/drawingml/2006/main" xmlns:r="http://schemas.openxmlformats.org/officeDocument/2006/relationships" xmlns:p="http://schemas.openxmlformats.org/presentationml/2006/main">
+  <p:tag name="KSO_WM_UNIT_PRESET_TEXT" val="01"/>
+  <p:tag name="KSO_WM_UNIT_NOCLEAR" val="0"/>
+  <p:tag name="KSO_WM_UNIT_VALUE" val="1"/>
+  <p:tag name="KSO_WM_UNIT_HIGHLIGHT" val="0"/>
+  <p:tag name="KSO_WM_UNIT_COMPATIBLE" val="1"/>
+  <p:tag name="KSO_WM_UNIT_DIAGRAM_ISNUMVISUAL" val="0"/>
+  <p:tag name="KSO_WM_UNIT_DIAGRAM_ISREFERUNIT" val="0"/>
+  <p:tag name="KSO_WM_UNIT_TYPE" val="e"/>
+  <p:tag name="KSO_WM_UNIT_INDEX" val="1"/>
+  <p:tag name="KSO_WM_UNIT_ID" val="custom20187308_3*e*1"/>
+  <p:tag name="KSO_WM_TEMPLATE_CATEGORY" val="custom"/>
+  <p:tag name="KSO_WM_TEMPLATE_INDEX" val="20187308"/>
+  <p:tag name="KSO_WM_UNIT_LAYERLEVEL" val="1"/>
+  <p:tag name="KSO_WM_TAG_VERSION" val="1.0"/>
+  <p:tag name="KSO_WM_BEAUTIFY_FLAG" val="#wm#"/>
+</p:tagLst>
+</file>
+
+<file path=ppt/tags/tag156.xml><?xml version="1.0" encoding="utf-8"?>
 <p:tagLst xmlns:a="http://schemas.openxmlformats.org/drawingml/2006/main" xmlns:r="http://schemas.openxmlformats.org/officeDocument/2006/relationships" xmlns:p="http://schemas.openxmlformats.org/presentationml/2006/main">
   <p:tag name="KSO_WM_SLIDE_ID" val="custom20187308_15"/>
   <p:tag name="KSO_WM_TEMPLATE_SUBCATEGORY" val="0"/>
@@ -21004,7 +21635,7 @@
 </p:tagLst>
 </file>
 
-<file path=ppt/tags/tag152.xml><?xml version="1.0" encoding="utf-8"?>
+<file path=ppt/tags/tag157.xml><?xml version="1.0" encoding="utf-8"?>
 <p:tagLst xmlns:a="http://schemas.openxmlformats.org/drawingml/2006/main" xmlns:r="http://schemas.openxmlformats.org/officeDocument/2006/relationships" xmlns:p="http://schemas.openxmlformats.org/presentationml/2006/main">
   <p:tag name="KSO_WM_UNIT_ISCONTENTSTITLE" val="0"/>
   <p:tag name="KSO_WM_UNIT_PRESET_TEXT" val="谢谢观看"/>
@@ -22198,6 +22829,30 @@
 
 <file path=ppt/tags/tag86.xml><?xml version="1.0" encoding="utf-8"?>
 <p:tagLst xmlns:a="http://schemas.openxmlformats.org/drawingml/2006/main" xmlns:r="http://schemas.openxmlformats.org/officeDocument/2006/relationships" xmlns:p="http://schemas.openxmlformats.org/presentationml/2006/main">
+  <p:tag name="KSO_WM_UNIT_PRESET_TEXT" val="在此输入节标题5"/>
+  <p:tag name="KSO_WM_UNIT_NOCLEAR" val="0"/>
+  <p:tag name="KSO_WM_UNIT_VALUE" val="15"/>
+  <p:tag name="KSO_WM_UNIT_HIGHLIGHT" val="0"/>
+  <p:tag name="KSO_WM_UNIT_COMPATIBLE" val="0"/>
+  <p:tag name="KSO_WM_UNIT_DIAGRAM_ISNUMVISUAL" val="0"/>
+  <p:tag name="KSO_WM_UNIT_DIAGRAM_ISREFERUNIT" val="0"/>
+  <p:tag name="KSO_WM_DIAGRAM_GROUP_CODE" val="l1-1"/>
+  <p:tag name="KSO_WM_UNIT_TYPE" val="l_h_f"/>
+  <p:tag name="KSO_WM_UNIT_INDEX" val="1_5_1"/>
+  <p:tag name="KSO_WM_UNIT_ID" val="custom20187308_2*l_h_f*1_5_1"/>
+  <p:tag name="KSO_WM_TEMPLATE_CATEGORY" val="custom"/>
+  <p:tag name="KSO_WM_TEMPLATE_INDEX" val="20187308"/>
+  <p:tag name="KSO_WM_UNIT_LAYERLEVEL" val="1_1_1"/>
+  <p:tag name="KSO_WM_TAG_VERSION" val="1.0"/>
+  <p:tag name="KSO_WM_BEAUTIFY_FLAG" val="#wm#"/>
+  <p:tag name="KSO_WM_UNIT_TEXT_FILL_FORE_SCHEMECOLOR_INDEX" val="13"/>
+  <p:tag name="KSO_WM_UNIT_TEXT_FILL_TYPE" val="1"/>
+  <p:tag name="KSO_WM_UNIT_USESOURCEFORMAT_APPLY" val="1"/>
+</p:tagLst>
+</file>
+
+<file path=ppt/tags/tag87.xml><?xml version="1.0" encoding="utf-8"?>
+<p:tagLst xmlns:a="http://schemas.openxmlformats.org/drawingml/2006/main" xmlns:r="http://schemas.openxmlformats.org/officeDocument/2006/relationships" xmlns:p="http://schemas.openxmlformats.org/presentationml/2006/main">
   <p:tag name="KSO_WM_SLIDE_ID" val="custom20187308_3"/>
   <p:tag name="KSO_WM_TEMPLATE_SUBCATEGORY" val="0"/>
   <p:tag name="KSO_WM_SLIDE_TYPE" val="sectionTitle"/>
@@ -22213,7 +22868,7 @@
 </p:tagLst>
 </file>
 
-<file path=ppt/tags/tag87.xml><?xml version="1.0" encoding="utf-8"?>
+<file path=ppt/tags/tag88.xml><?xml version="1.0" encoding="utf-8"?>
 <p:tagLst xmlns:a="http://schemas.openxmlformats.org/drawingml/2006/main" xmlns:r="http://schemas.openxmlformats.org/officeDocument/2006/relationships" xmlns:p="http://schemas.openxmlformats.org/presentationml/2006/main">
   <p:tag name="KSO_WM_UNIT_ISCONTENTSTITLE" val="0"/>
   <p:tag name="KSO_WM_UNIT_PRESET_TEXT" val="单击此处添加标题"/>
@@ -22234,7 +22889,7 @@
 </p:tagLst>
 </file>
 
-<file path=ppt/tags/tag88.xml><?xml version="1.0" encoding="utf-8"?>
+<file path=ppt/tags/tag89.xml><?xml version="1.0" encoding="utf-8"?>
 <p:tagLst xmlns:a="http://schemas.openxmlformats.org/drawingml/2006/main" xmlns:r="http://schemas.openxmlformats.org/officeDocument/2006/relationships" xmlns:p="http://schemas.openxmlformats.org/presentationml/2006/main">
   <p:tag name="KSO_WM_UNIT_ISCONTENTSTITLE" val="0"/>
   <p:tag name="KSO_WM_UNIT_PRESET_TEXT" val="单击此处添加文本具体内容，简明扼要的阐述您的观点。"/>
@@ -22247,26 +22902,6 @@
   <p:tag name="KSO_WM_UNIT_TYPE" val="b"/>
   <p:tag name="KSO_WM_UNIT_INDEX" val="1"/>
   <p:tag name="KSO_WM_UNIT_ID" val="custom20187308_3*b*1"/>
-  <p:tag name="KSO_WM_TEMPLATE_CATEGORY" val="custom"/>
-  <p:tag name="KSO_WM_TEMPLATE_INDEX" val="20187308"/>
-  <p:tag name="KSO_WM_UNIT_LAYERLEVEL" val="1"/>
-  <p:tag name="KSO_WM_TAG_VERSION" val="1.0"/>
-  <p:tag name="KSO_WM_BEAUTIFY_FLAG" val="#wm#"/>
-</p:tagLst>
-</file>
-
-<file path=ppt/tags/tag89.xml><?xml version="1.0" encoding="utf-8"?>
-<p:tagLst xmlns:a="http://schemas.openxmlformats.org/drawingml/2006/main" xmlns:r="http://schemas.openxmlformats.org/officeDocument/2006/relationships" xmlns:p="http://schemas.openxmlformats.org/presentationml/2006/main">
-  <p:tag name="KSO_WM_UNIT_PRESET_TEXT" val="01"/>
-  <p:tag name="KSO_WM_UNIT_NOCLEAR" val="0"/>
-  <p:tag name="KSO_WM_UNIT_VALUE" val="1"/>
-  <p:tag name="KSO_WM_UNIT_HIGHLIGHT" val="0"/>
-  <p:tag name="KSO_WM_UNIT_COMPATIBLE" val="1"/>
-  <p:tag name="KSO_WM_UNIT_DIAGRAM_ISNUMVISUAL" val="0"/>
-  <p:tag name="KSO_WM_UNIT_DIAGRAM_ISREFERUNIT" val="0"/>
-  <p:tag name="KSO_WM_UNIT_TYPE" val="e"/>
-  <p:tag name="KSO_WM_UNIT_INDEX" val="1"/>
-  <p:tag name="KSO_WM_UNIT_ID" val="custom20187308_3*e*1"/>
   <p:tag name="KSO_WM_TEMPLATE_CATEGORY" val="custom"/>
   <p:tag name="KSO_WM_TEMPLATE_INDEX" val="20187308"/>
   <p:tag name="KSO_WM_UNIT_LAYERLEVEL" val="1"/>
@@ -22290,6 +22925,26 @@
 
 <file path=ppt/tags/tag90.xml><?xml version="1.0" encoding="utf-8"?>
 <p:tagLst xmlns:a="http://schemas.openxmlformats.org/drawingml/2006/main" xmlns:r="http://schemas.openxmlformats.org/officeDocument/2006/relationships" xmlns:p="http://schemas.openxmlformats.org/presentationml/2006/main">
+  <p:tag name="KSO_WM_UNIT_PRESET_TEXT" val="01"/>
+  <p:tag name="KSO_WM_UNIT_NOCLEAR" val="0"/>
+  <p:tag name="KSO_WM_UNIT_VALUE" val="1"/>
+  <p:tag name="KSO_WM_UNIT_HIGHLIGHT" val="0"/>
+  <p:tag name="KSO_WM_UNIT_COMPATIBLE" val="1"/>
+  <p:tag name="KSO_WM_UNIT_DIAGRAM_ISNUMVISUAL" val="0"/>
+  <p:tag name="KSO_WM_UNIT_DIAGRAM_ISREFERUNIT" val="0"/>
+  <p:tag name="KSO_WM_UNIT_TYPE" val="e"/>
+  <p:tag name="KSO_WM_UNIT_INDEX" val="1"/>
+  <p:tag name="KSO_WM_UNIT_ID" val="custom20187308_3*e*1"/>
+  <p:tag name="KSO_WM_TEMPLATE_CATEGORY" val="custom"/>
+  <p:tag name="KSO_WM_TEMPLATE_INDEX" val="20187308"/>
+  <p:tag name="KSO_WM_UNIT_LAYERLEVEL" val="1"/>
+  <p:tag name="KSO_WM_TAG_VERSION" val="1.0"/>
+  <p:tag name="KSO_WM_BEAUTIFY_FLAG" val="#wm#"/>
+</p:tagLst>
+</file>
+
+<file path=ppt/tags/tag91.xml><?xml version="1.0" encoding="utf-8"?>
+<p:tagLst xmlns:a="http://schemas.openxmlformats.org/drawingml/2006/main" xmlns:r="http://schemas.openxmlformats.org/officeDocument/2006/relationships" xmlns:p="http://schemas.openxmlformats.org/presentationml/2006/main">
   <p:tag name="KSO_WM_SLIDE_ID" val="custom20187308_3"/>
   <p:tag name="KSO_WM_TEMPLATE_SUBCATEGORY" val="0"/>
   <p:tag name="KSO_WM_SLIDE_TYPE" val="sectionTitle"/>
@@ -22305,7 +22960,7 @@
 </p:tagLst>
 </file>
 
-<file path=ppt/tags/tag91.xml><?xml version="1.0" encoding="utf-8"?>
+<file path=ppt/tags/tag92.xml><?xml version="1.0" encoding="utf-8"?>
 <p:tagLst xmlns:a="http://schemas.openxmlformats.org/drawingml/2006/main" xmlns:r="http://schemas.openxmlformats.org/officeDocument/2006/relationships" xmlns:p="http://schemas.openxmlformats.org/presentationml/2006/main">
   <p:tag name="KSO_WM_UNIT_ISCONTENTSTITLE" val="0"/>
   <p:tag name="KSO_WM_UNIT_PRESET_TEXT" val="单击此处添加标题"/>
@@ -22326,7 +22981,7 @@
 </p:tagLst>
 </file>
 
-<file path=ppt/tags/tag92.xml><?xml version="1.0" encoding="utf-8"?>
+<file path=ppt/tags/tag93.xml><?xml version="1.0" encoding="utf-8"?>
 <p:tagLst xmlns:a="http://schemas.openxmlformats.org/drawingml/2006/main" xmlns:r="http://schemas.openxmlformats.org/officeDocument/2006/relationships" xmlns:p="http://schemas.openxmlformats.org/presentationml/2006/main">
   <p:tag name="KSO_WM_UNIT_ISCONTENTSTITLE" val="0"/>
   <p:tag name="KSO_WM_UNIT_PRESET_TEXT" val="单击此处添加文本具体内容，简明扼要的阐述您的观点。"/>
@@ -22347,7 +23002,7 @@
 </p:tagLst>
 </file>
 
-<file path=ppt/tags/tag93.xml><?xml version="1.0" encoding="utf-8"?>
+<file path=ppt/tags/tag94.xml><?xml version="1.0" encoding="utf-8"?>
 <p:tagLst xmlns:a="http://schemas.openxmlformats.org/drawingml/2006/main" xmlns:r="http://schemas.openxmlformats.org/officeDocument/2006/relationships" xmlns:p="http://schemas.openxmlformats.org/presentationml/2006/main">
   <p:tag name="KSO_WM_UNIT_PRESET_TEXT" val="01"/>
   <p:tag name="KSO_WM_UNIT_NOCLEAR" val="0"/>
@@ -22367,7 +23022,7 @@
 </p:tagLst>
 </file>
 
-<file path=ppt/tags/tag94.xml><?xml version="1.0" encoding="utf-8"?>
+<file path=ppt/tags/tag95.xml><?xml version="1.0" encoding="utf-8"?>
 <p:tagLst xmlns:a="http://schemas.openxmlformats.org/drawingml/2006/main" xmlns:r="http://schemas.openxmlformats.org/officeDocument/2006/relationships" xmlns:p="http://schemas.openxmlformats.org/presentationml/2006/main">
   <p:tag name="KSO_WM_SLIDE_ID" val="custom20187308_3"/>
   <p:tag name="KSO_WM_TEMPLATE_SUBCATEGORY" val="0"/>
@@ -22384,7 +23039,7 @@
 </p:tagLst>
 </file>
 
-<file path=ppt/tags/tag95.xml><?xml version="1.0" encoding="utf-8"?>
+<file path=ppt/tags/tag96.xml><?xml version="1.0" encoding="utf-8"?>
 <p:tagLst xmlns:a="http://schemas.openxmlformats.org/drawingml/2006/main" xmlns:r="http://schemas.openxmlformats.org/officeDocument/2006/relationships" xmlns:p="http://schemas.openxmlformats.org/presentationml/2006/main">
   <p:tag name="KSO_WM_UNIT_ISCONTENTSTITLE" val="0"/>
   <p:tag name="KSO_WM_UNIT_PRESET_TEXT" val="单击此处添加标题"/>
@@ -22405,7 +23060,7 @@
 </p:tagLst>
 </file>
 
-<file path=ppt/tags/tag96.xml><?xml version="1.0" encoding="utf-8"?>
+<file path=ppt/tags/tag97.xml><?xml version="1.0" encoding="utf-8"?>
 <p:tagLst xmlns:a="http://schemas.openxmlformats.org/drawingml/2006/main" xmlns:r="http://schemas.openxmlformats.org/officeDocument/2006/relationships" xmlns:p="http://schemas.openxmlformats.org/presentationml/2006/main">
   <p:tag name="KSO_WM_UNIT_ISCONTENTSTITLE" val="0"/>
   <p:tag name="KSO_WM_UNIT_PRESET_TEXT" val="单击此处添加文本具体内容，简明扼要的阐述您的观点。"/>
@@ -22426,7 +23081,7 @@
 </p:tagLst>
 </file>
 
-<file path=ppt/tags/tag97.xml><?xml version="1.0" encoding="utf-8"?>
+<file path=ppt/tags/tag98.xml><?xml version="1.0" encoding="utf-8"?>
 <p:tagLst xmlns:a="http://schemas.openxmlformats.org/drawingml/2006/main" xmlns:r="http://schemas.openxmlformats.org/officeDocument/2006/relationships" xmlns:p="http://schemas.openxmlformats.org/presentationml/2006/main">
   <p:tag name="KSO_WM_UNIT_PRESET_TEXT" val="01"/>
   <p:tag name="KSO_WM_UNIT_NOCLEAR" val="0"/>
@@ -22446,32 +23101,11 @@
 </p:tagLst>
 </file>
 
-<file path=ppt/tags/tag98.xml><?xml version="1.0" encoding="utf-8"?>
+<file path=ppt/tags/tag99.xml><?xml version="1.0" encoding="utf-8"?>
 <p:tagLst xmlns:a="http://schemas.openxmlformats.org/drawingml/2006/main" xmlns:r="http://schemas.openxmlformats.org/officeDocument/2006/relationships" xmlns:p="http://schemas.openxmlformats.org/presentationml/2006/main">
   <p:tag name="KSO_WM_BEAUTIFY_FLAG" val="#wm#"/>
   <p:tag name="KSO_WM_TEMPLATE_CATEGORY" val="custom"/>
   <p:tag name="KSO_WM_TEMPLATE_INDEX" val="20187308"/>
-</p:tagLst>
-</file>
-
-<file path=ppt/tags/tag99.xml><?xml version="1.0" encoding="utf-8"?>
-<p:tagLst xmlns:a="http://schemas.openxmlformats.org/drawingml/2006/main" xmlns:r="http://schemas.openxmlformats.org/officeDocument/2006/relationships" xmlns:p="http://schemas.openxmlformats.org/presentationml/2006/main">
-  <p:tag name="KSO_WM_UNIT_ISCONTENTSTITLE" val="0"/>
-  <p:tag name="KSO_WM_UNIT_PRESET_TEXT" val="单击此处添加标题"/>
-  <p:tag name="KSO_WM_UNIT_NOCLEAR" val="0"/>
-  <p:tag name="KSO_WM_UNIT_VALUE" val="14"/>
-  <p:tag name="KSO_WM_UNIT_HIGHLIGHT" val="0"/>
-  <p:tag name="KSO_WM_UNIT_COMPATIBLE" val="0"/>
-  <p:tag name="KSO_WM_UNIT_DIAGRAM_ISNUMVISUAL" val="0"/>
-  <p:tag name="KSO_WM_UNIT_DIAGRAM_ISREFERUNIT" val="0"/>
-  <p:tag name="KSO_WM_UNIT_TYPE" val="a"/>
-  <p:tag name="KSO_WM_UNIT_INDEX" val="1"/>
-  <p:tag name="KSO_WM_UNIT_ID" val="custom20187308_9*a*1"/>
-  <p:tag name="KSO_WM_TEMPLATE_CATEGORY" val="custom"/>
-  <p:tag name="KSO_WM_TEMPLATE_INDEX" val="20187308"/>
-  <p:tag name="KSO_WM_UNIT_LAYERLEVEL" val="1"/>
-  <p:tag name="KSO_WM_TAG_VERSION" val="1.0"/>
-  <p:tag name="KSO_WM_BEAUTIFY_FLAG" val="#wm#"/>
 </p:tagLst>
 </file>
 

--- a/_doc/KFrame.pptx
+++ b/_doc/KFrame.pptx
@@ -6,10 +6,10 @@
     <p:sldMasterId id="2147483659" r:id="rId2"/>
   </p:sldMasterIdLst>
   <p:notesMasterIdLst>
-    <p:notesMasterId r:id="rId37"/>
+    <p:notesMasterId r:id="rId39"/>
   </p:notesMasterIdLst>
   <p:handoutMasterIdLst>
-    <p:handoutMasterId r:id="rId38"/>
+    <p:handoutMasterId r:id="rId40"/>
   </p:handoutMasterIdLst>
   <p:sldIdLst>
     <p:sldId id="640" r:id="rId3"/>
@@ -20,37 +20,39 @@
     <p:sldId id="548" r:id="rId8"/>
     <p:sldId id="258" r:id="rId9"/>
     <p:sldId id="646" r:id="rId10"/>
-    <p:sldId id="539" r:id="rId11"/>
-    <p:sldId id="299" r:id="rId12"/>
-    <p:sldId id="647" r:id="rId13"/>
-    <p:sldId id="540" r:id="rId14"/>
-    <p:sldId id="649" r:id="rId15"/>
-    <p:sldId id="651" r:id="rId16"/>
-    <p:sldId id="650" r:id="rId17"/>
-    <p:sldId id="648" r:id="rId18"/>
-    <p:sldId id="298" r:id="rId19"/>
-    <p:sldId id="557" r:id="rId20"/>
-    <p:sldId id="558" r:id="rId21"/>
-    <p:sldId id="652" r:id="rId22"/>
-    <p:sldId id="655" r:id="rId23"/>
-    <p:sldId id="656" r:id="rId24"/>
-    <p:sldId id="653" r:id="rId25"/>
-    <p:sldId id="657" r:id="rId26"/>
-    <p:sldId id="272" r:id="rId27"/>
-    <p:sldId id="359" r:id="rId28"/>
-    <p:sldId id="659" r:id="rId29"/>
-    <p:sldId id="660" r:id="rId30"/>
-    <p:sldId id="661" r:id="rId31"/>
-    <p:sldId id="662" r:id="rId32"/>
-    <p:sldId id="663" r:id="rId33"/>
-    <p:sldId id="666" r:id="rId34"/>
-    <p:sldId id="667" r:id="rId35"/>
-    <p:sldId id="639" r:id="rId36"/>
+    <p:sldId id="668" r:id="rId11"/>
+    <p:sldId id="669" r:id="rId12"/>
+    <p:sldId id="539" r:id="rId13"/>
+    <p:sldId id="299" r:id="rId14"/>
+    <p:sldId id="647" r:id="rId15"/>
+    <p:sldId id="540" r:id="rId16"/>
+    <p:sldId id="649" r:id="rId17"/>
+    <p:sldId id="651" r:id="rId18"/>
+    <p:sldId id="650" r:id="rId19"/>
+    <p:sldId id="648" r:id="rId20"/>
+    <p:sldId id="298" r:id="rId21"/>
+    <p:sldId id="557" r:id="rId22"/>
+    <p:sldId id="558" r:id="rId23"/>
+    <p:sldId id="652" r:id="rId24"/>
+    <p:sldId id="655" r:id="rId25"/>
+    <p:sldId id="656" r:id="rId26"/>
+    <p:sldId id="653" r:id="rId27"/>
+    <p:sldId id="657" r:id="rId28"/>
+    <p:sldId id="272" r:id="rId29"/>
+    <p:sldId id="359" r:id="rId30"/>
+    <p:sldId id="659" r:id="rId31"/>
+    <p:sldId id="660" r:id="rId32"/>
+    <p:sldId id="661" r:id="rId33"/>
+    <p:sldId id="662" r:id="rId34"/>
+    <p:sldId id="663" r:id="rId35"/>
+    <p:sldId id="666" r:id="rId36"/>
+    <p:sldId id="667" r:id="rId37"/>
+    <p:sldId id="639" r:id="rId38"/>
   </p:sldIdLst>
   <p:sldSz cx="12192000" cy="6858000"/>
   <p:notesSz cx="7104063" cy="10234613"/>
   <p:custDataLst>
-    <p:tags r:id="rId39"/>
+    <p:tags r:id="rId41"/>
   </p:custDataLst>
   <p:defaultTextStyle>
     <a:defPPr>
@@ -248,7 +250,7 @@
           <a:p>
             <a:fld id="{0F9B84EA-7D68-4D60-9CB1-D50884785D1C}" type="datetimeFigureOut">
               <a:rPr lang="zh-CN" altLang="en-US" smtClean="0"/>
-              <a:t>2020/7/20</a:t>
+              <a:t>2020/7/22</a:t>
             </a:fld>
             <a:endParaRPr lang="zh-CN" altLang="en-US"/>
           </a:p>
@@ -419,7 +421,7 @@
           <a:p>
             <a:fld id="{D6C8D182-E4C8-4120-9249-FC9774456FFA}" type="datetimeFigureOut">
               <a:rPr lang="zh-CN" altLang="en-US" smtClean="0"/>
-              <a:t>2020/7/20</a:t>
+              <a:t>2020/7/22</a:t>
             </a:fld>
             <a:endParaRPr lang="zh-CN" altLang="en-US"/>
           </a:p>
@@ -836,7 +838,7 @@
           <a:p>
             <a:fld id="{85D0DACE-38E0-42D2-9336-2B707D34BC6D}" type="slidenum">
               <a:rPr lang="zh-CN" altLang="en-US" smtClean="0"/>
-              <a:t>19</a:t>
+              <a:t>21</a:t>
             </a:fld>
             <a:endParaRPr lang="zh-CN" altLang="en-US"/>
           </a:p>
@@ -915,7 +917,7 @@
           <a:p>
             <a:fld id="{85D0DACE-38E0-42D2-9336-2B707D34BC6D}" type="slidenum">
               <a:rPr lang="zh-CN" altLang="en-US" smtClean="0"/>
-              <a:t>29</a:t>
+              <a:t>31</a:t>
             </a:fld>
             <a:endParaRPr lang="zh-CN" altLang="en-US"/>
           </a:p>
@@ -999,7 +1001,7 @@
           <a:p>
             <a:fld id="{85D0DACE-38E0-42D2-9336-2B707D34BC6D}" type="slidenum">
               <a:rPr lang="zh-CN" altLang="en-US" smtClean="0"/>
-              <a:t>32</a:t>
+              <a:t>34</a:t>
             </a:fld>
             <a:endParaRPr lang="zh-CN" altLang="en-US"/>
           </a:p>
@@ -1083,7 +1085,7 @@
           <a:p>
             <a:fld id="{85D0DACE-38E0-42D2-9336-2B707D34BC6D}" type="slidenum">
               <a:rPr lang="zh-CN" altLang="en-US" smtClean="0"/>
-              <a:t>33</a:t>
+              <a:t>35</a:t>
             </a:fld>
             <a:endParaRPr lang="zh-CN" altLang="en-US"/>
           </a:p>
@@ -1167,7 +1169,7 @@
           <a:p>
             <a:fld id="{85D0DACE-38E0-42D2-9336-2B707D34BC6D}" type="slidenum">
               <a:rPr lang="zh-CN" altLang="en-US" smtClean="0"/>
-              <a:t>34</a:t>
+              <a:t>36</a:t>
             </a:fld>
             <a:endParaRPr lang="zh-CN" altLang="en-US"/>
           </a:p>
@@ -1562,7 +1564,7 @@
           <a:p>
             <a:fld id="{85D0DACE-38E0-42D2-9336-2B707D34BC6D}" type="slidenum">
               <a:rPr lang="zh-CN" altLang="en-US" smtClean="0"/>
-              <a:t>9</a:t>
+              <a:t>11</a:t>
             </a:fld>
             <a:endParaRPr lang="zh-CN" altLang="en-US"/>
           </a:p>
@@ -1641,7 +1643,7 @@
           <a:p>
             <a:fld id="{85D0DACE-38E0-42D2-9336-2B707D34BC6D}" type="slidenum">
               <a:rPr lang="zh-CN" altLang="en-US" smtClean="0"/>
-              <a:t>12</a:t>
+              <a:t>14</a:t>
             </a:fld>
             <a:endParaRPr lang="zh-CN" altLang="en-US"/>
           </a:p>
@@ -1720,7 +1722,7 @@
           <a:p>
             <a:fld id="{85D0DACE-38E0-42D2-9336-2B707D34BC6D}" type="slidenum">
               <a:rPr lang="zh-CN" altLang="en-US" smtClean="0"/>
-              <a:t>16</a:t>
+              <a:t>18</a:t>
             </a:fld>
             <a:endParaRPr lang="zh-CN" altLang="en-US"/>
           </a:p>
@@ -1804,7 +1806,7 @@
           <a:p>
             <a:fld id="{85D0DACE-38E0-42D2-9336-2B707D34BC6D}" type="slidenum">
               <a:rPr lang="zh-CN" altLang="en-US" smtClean="0"/>
-              <a:t>18</a:t>
+              <a:t>20</a:t>
             </a:fld>
             <a:endParaRPr lang="zh-CN" altLang="en-US"/>
           </a:p>
@@ -1969,7 +1971,7 @@
           <a:p>
             <a:fld id="{760FBDFE-C587-4B4C-A407-44438C67B59E}" type="datetimeFigureOut">
               <a:rPr lang="zh-CN" altLang="en-US" smtClean="0"/>
-              <a:t>2020/7/20</a:t>
+              <a:t>2020/7/22</a:t>
             </a:fld>
             <a:endParaRPr lang="zh-CN" altLang="en-US"/>
           </a:p>
@@ -2059,7 +2061,7 @@
           <a:p>
             <a:fld id="{760FBDFE-C587-4B4C-A407-44438C67B59E}" type="datetimeFigureOut">
               <a:rPr lang="zh-CN" altLang="en-US" smtClean="0"/>
-              <a:t>2020/7/20</a:t>
+              <a:t>2020/7/22</a:t>
             </a:fld>
             <a:endParaRPr lang="zh-CN" altLang="en-US"/>
           </a:p>
@@ -2329,7 +2331,7 @@
           <a:p>
             <a:fld id="{760FBDFE-C587-4B4C-A407-44438C67B59E}" type="datetimeFigureOut">
               <a:rPr lang="zh-CN" altLang="en-US" smtClean="0"/>
-              <a:t>2020/7/20</a:t>
+              <a:t>2020/7/22</a:t>
             </a:fld>
             <a:endParaRPr lang="zh-CN" altLang="en-US"/>
           </a:p>
@@ -2685,7 +2687,7 @@
           <a:p>
             <a:fld id="{760FBDFE-C587-4B4C-A407-44438C67B59E}" type="datetimeFigureOut">
               <a:rPr lang="zh-CN" altLang="en-US" smtClean="0"/>
-              <a:t>2020/7/20</a:t>
+              <a:t>2020/7/22</a:t>
             </a:fld>
             <a:endParaRPr lang="zh-CN" altLang="en-US"/>
           </a:p>
@@ -2959,7 +2961,7 @@
           <a:p>
             <a:fld id="{760FBDFE-C587-4B4C-A407-44438C67B59E}" type="datetimeFigureOut">
               <a:rPr lang="zh-CN" altLang="en-US" smtClean="0"/>
-              <a:t>2020/7/20</a:t>
+              <a:t>2020/7/22</a:t>
             </a:fld>
             <a:endParaRPr lang="zh-CN" altLang="en-US"/>
           </a:p>
@@ -3427,7 +3429,7 @@
           <a:p>
             <a:fld id="{760FBDFE-C587-4B4C-A407-44438C67B59E}" type="datetimeFigureOut">
               <a:rPr lang="zh-CN" altLang="en-US" smtClean="0"/>
-              <a:t>2020/7/20</a:t>
+              <a:t>2020/7/22</a:t>
             </a:fld>
             <a:endParaRPr lang="zh-CN" altLang="en-US"/>
           </a:p>
@@ -4160,7 +4162,7 @@
           <a:p>
             <a:fld id="{760FBDFE-C587-4B4C-A407-44438C67B59E}" type="datetimeFigureOut">
               <a:rPr lang="zh-CN" altLang="en-US" smtClean="0"/>
-              <a:t>2020/7/20</a:t>
+              <a:t>2020/7/22</a:t>
             </a:fld>
             <a:endParaRPr lang="zh-CN" altLang="en-US"/>
           </a:p>
@@ -4306,7 +4308,7 @@
           <a:p>
             <a:fld id="{760FBDFE-C587-4B4C-A407-44438C67B59E}" type="datetimeFigureOut">
               <a:rPr lang="zh-CN" altLang="en-US" smtClean="0"/>
-              <a:t>2020/7/20</a:t>
+              <a:t>2020/7/22</a:t>
             </a:fld>
             <a:endParaRPr lang="zh-CN" altLang="en-US"/>
           </a:p>
@@ -4405,7 +4407,7 @@
           <a:p>
             <a:fld id="{760FBDFE-C587-4B4C-A407-44438C67B59E}" type="datetimeFigureOut">
               <a:rPr lang="zh-CN" altLang="en-US" smtClean="0"/>
-              <a:t>2020/7/20</a:t>
+              <a:t>2020/7/22</a:t>
             </a:fld>
             <a:endParaRPr lang="zh-CN" altLang="en-US"/>
           </a:p>
@@ -4720,7 +4722,7 @@
           <a:p>
             <a:fld id="{9EFD9D74-47D9-4702-A33C-335B63B48DBF}" type="datetimeFigureOut">
               <a:rPr lang="zh-CN" altLang="en-US" smtClean="0"/>
-              <a:t>2020/7/20</a:t>
+              <a:t>2020/7/22</a:t>
             </a:fld>
             <a:endParaRPr lang="zh-CN" altLang="en-US" dirty="0"/>
           </a:p>
@@ -5009,7 +5011,7 @@
           <a:p>
             <a:fld id="{760FBDFE-C587-4B4C-A407-44438C67B59E}" type="datetimeFigureOut">
               <a:rPr lang="zh-CN" altLang="en-US" smtClean="0"/>
-              <a:t>2020/7/20</a:t>
+              <a:t>2020/7/22</a:t>
             </a:fld>
             <a:endParaRPr lang="zh-CN" altLang="en-US"/>
           </a:p>
@@ -5255,7 +5257,7 @@
           <a:p>
             <a:fld id="{760FBDFE-C587-4B4C-A407-44438C67B59E}" type="datetimeFigureOut">
               <a:rPr lang="zh-CN" altLang="en-US" smtClean="0"/>
-              <a:t>2020/7/20</a:t>
+              <a:t>2020/7/22</a:t>
             </a:fld>
             <a:endParaRPr lang="zh-CN" altLang="en-US"/>
           </a:p>
@@ -5348,7 +5350,7 @@
           <a:p>
             <a:fld id="{760FBDFE-C587-4B4C-A407-44438C67B59E}" type="datetimeFigureOut">
               <a:rPr lang="zh-CN" altLang="en-US" smtClean="0"/>
-              <a:t>2020/7/20</a:t>
+              <a:t>2020/7/22</a:t>
             </a:fld>
             <a:endParaRPr lang="zh-CN" altLang="en-US"/>
           </a:p>
@@ -5557,7 +5559,7 @@
           <a:p>
             <a:fld id="{760FBDFE-C587-4B4C-A407-44438C67B59E}" type="datetimeFigureOut">
               <a:rPr lang="zh-CN" altLang="en-US" smtClean="0"/>
-              <a:t>2020/7/20</a:t>
+              <a:t>2020/7/22</a:t>
             </a:fld>
             <a:endParaRPr lang="zh-CN" altLang="en-US"/>
           </a:p>
@@ -5872,7 +5874,7 @@
           <a:p>
             <a:fld id="{760FBDFE-C587-4B4C-A407-44438C67B59E}" type="datetimeFigureOut">
               <a:rPr lang="zh-CN" altLang="en-US" smtClean="0"/>
-              <a:t>2020/7/20</a:t>
+              <a:t>2020/7/22</a:t>
             </a:fld>
             <a:endParaRPr lang="zh-CN" altLang="en-US"/>
           </a:p>
@@ -6251,7 +6253,7 @@
           <a:p>
             <a:fld id="{760FBDFE-C587-4B4C-A407-44438C67B59E}" type="datetimeFigureOut">
               <a:rPr lang="zh-CN" altLang="en-US" smtClean="0"/>
-              <a:t>2020/7/20</a:t>
+              <a:t>2020/7/22</a:t>
             </a:fld>
             <a:endParaRPr lang="zh-CN" altLang="en-US"/>
           </a:p>
@@ -6610,7 +6612,7 @@
           <a:p>
             <a:fld id="{760FBDFE-C587-4B4C-A407-44438C67B59E}" type="datetimeFigureOut">
               <a:rPr lang="zh-CN" altLang="en-US" smtClean="0"/>
-              <a:t>2020/7/20</a:t>
+              <a:t>2020/7/22</a:t>
             </a:fld>
             <a:endParaRPr lang="zh-CN" altLang="en-US"/>
           </a:p>
@@ -6741,7 +6743,7 @@
           <a:p>
             <a:fld id="{760FBDFE-C587-4B4C-A407-44438C67B59E}" type="datetimeFigureOut">
               <a:rPr lang="zh-CN" altLang="en-US" smtClean="0"/>
-              <a:t>2020/7/20</a:t>
+              <a:t>2020/7/22</a:t>
             </a:fld>
             <a:endParaRPr lang="zh-CN" altLang="en-US"/>
           </a:p>
@@ -6831,7 +6833,7 @@
           <a:p>
             <a:fld id="{760FBDFE-C587-4B4C-A407-44438C67B59E}" type="datetimeFigureOut">
               <a:rPr lang="zh-CN" altLang="en-US" smtClean="0"/>
-              <a:t>2020/7/20</a:t>
+              <a:t>2020/7/22</a:t>
             </a:fld>
             <a:endParaRPr lang="zh-CN" altLang="en-US"/>
           </a:p>
@@ -7093,7 +7095,7 @@
           <a:p>
             <a:fld id="{9EFD9D74-47D9-4702-A33C-335B63B48DBF}" type="datetimeFigureOut">
               <a:rPr lang="zh-CN" altLang="en-US" smtClean="0"/>
-              <a:t>2020/7/20</a:t>
+              <a:t>2020/7/22</a:t>
             </a:fld>
             <a:endParaRPr lang="zh-CN" altLang="en-US" dirty="0"/>
           </a:p>
@@ -7302,7 +7304,7 @@
           <a:p>
             <a:fld id="{760FBDFE-C587-4B4C-A407-44438C67B59E}" type="datetimeFigureOut">
               <a:rPr lang="zh-CN" altLang="en-US" smtClean="0"/>
-              <a:t>2020/7/20</a:t>
+              <a:t>2020/7/22</a:t>
             </a:fld>
             <a:endParaRPr lang="zh-CN" altLang="en-US"/>
           </a:p>
@@ -7529,7 +7531,7 @@
           <a:p>
             <a:fld id="{760FBDFE-C587-4B4C-A407-44438C67B59E}" type="datetimeFigureOut">
               <a:rPr lang="zh-CN" altLang="en-US" smtClean="0"/>
-              <a:t>2020/7/20</a:t>
+              <a:t>2020/7/22</a:t>
             </a:fld>
             <a:endParaRPr lang="zh-CN" altLang="en-US"/>
           </a:p>
@@ -8131,7 +8133,7 @@
           <a:p>
             <a:fld id="{760FBDFE-C587-4B4C-A407-44438C67B59E}" type="datetimeFigureOut">
               <a:rPr lang="zh-CN" altLang="en-US" smtClean="0"/>
-              <a:t>2020/7/20</a:t>
+              <a:t>2020/7/22</a:t>
             </a:fld>
             <a:endParaRPr lang="zh-CN" altLang="en-US"/>
           </a:p>
@@ -8899,6 +8901,737 @@
           <a:chExt cx="0" cy="0"/>
         </a:xfrm>
       </p:grpSpPr>
+      <p:sp>
+        <p:nvSpPr>
+          <p:cNvPr id="6" name="文本框 5"/>
+          <p:cNvSpPr txBox="1"/>
+          <p:nvPr>
+            <p:custDataLst>
+              <p:tags r:id="rId2"/>
+            </p:custDataLst>
+          </p:nvPr>
+        </p:nvSpPr>
+        <p:spPr>
+          <a:xfrm>
+            <a:off x="669600" y="432000"/>
+            <a:ext cx="10854000" cy="648000"/>
+          </a:xfrm>
+          <a:prstGeom prst="rect">
+            <a:avLst/>
+          </a:prstGeom>
+        </p:spPr>
+        <p:txBody>
+          <a:bodyPr vert="horz" lIns="101600" tIns="38100" rIns="76200" bIns="38100" rtlCol="0" anchor="ctr" anchorCtr="0">
+            <a:noAutofit/>
+          </a:bodyPr>
+          <a:lstStyle>
+            <a:defPPr>
+              <a:defRPr lang="zh-CN"/>
+            </a:defPPr>
+            <a:lvl1pPr marR="0" fontAlgn="auto">
+              <a:lnSpc>
+                <a:spcPct val="100000"/>
+              </a:lnSpc>
+              <a:spcBef>
+                <a:spcPct val="0"/>
+              </a:spcBef>
+              <a:buNone/>
+              <a:defRPr kumimoji="0" lang="zh-CN" altLang="en-US" sz="2800" b="1" i="0" u="none" strike="noStrike" cap="none" spc="200" normalizeH="0" baseline="0" noProof="1" dirty="0">
+                <a:uFillTx/>
+                <a:latin typeface="+mj-lt"/>
+                <a:ea typeface="+mj-ea"/>
+                <a:cs typeface="+mj-cs"/>
+                <a:sym typeface="+mn-ea"/>
+              </a:defRPr>
+            </a:lvl1pPr>
+          </a:lstStyle>
+          <a:p>
+            <a:r>
+              <a:rPr lang="zh-CN" altLang="en-US" dirty="0" smtClean="0"/>
+              <a:t>一个例子</a:t>
+            </a:r>
+            <a:r>
+              <a:rPr lang="en-US" altLang="zh-CN" dirty="0" smtClean="0"/>
+              <a:t>:</a:t>
+            </a:r>
+            <a:r>
+              <a:rPr lang="zh-CN" altLang="en-US" dirty="0" smtClean="0"/>
+              <a:t>成就模块</a:t>
+            </a:r>
+            <a:endParaRPr lang="zh-CN" altLang="en-US" dirty="0"/>
+          </a:p>
+        </p:txBody>
+      </p:sp>
+      <p:pic>
+        <p:nvPicPr>
+          <p:cNvPr id="3" name="图片 2"/>
+          <p:cNvPicPr>
+            <a:picLocks noChangeAspect="1"/>
+          </p:cNvPicPr>
+          <p:nvPr/>
+        </p:nvPicPr>
+        <p:blipFill>
+          <a:blip r:embed="rId4"/>
+          <a:stretch>
+            <a:fillRect/>
+          </a:stretch>
+        </p:blipFill>
+        <p:spPr>
+          <a:xfrm>
+            <a:off x="751936" y="1801265"/>
+            <a:ext cx="9571428" cy="3838095"/>
+          </a:xfrm>
+          <a:prstGeom prst="rect">
+            <a:avLst/>
+          </a:prstGeom>
+        </p:spPr>
+      </p:pic>
+    </p:spTree>
+    <p:custDataLst>
+      <p:tags r:id="rId1"/>
+    </p:custDataLst>
+    <p:extLst>
+      <p:ext uri="{BB962C8B-B14F-4D97-AF65-F5344CB8AC3E}">
+        <p14:creationId xmlns:p14="http://schemas.microsoft.com/office/powerpoint/2010/main" val="3606475200"/>
+      </p:ext>
+    </p:extLst>
+  </p:cSld>
+  <p:clrMapOvr>
+    <a:masterClrMapping/>
+  </p:clrMapOvr>
+  <p:timing>
+    <p:tnLst>
+      <p:par>
+        <p:cTn id="1" dur="indefinite" restart="never" nodeType="tmRoot"/>
+      </p:par>
+    </p:tnLst>
+  </p:timing>
+</p:sld>
+</file>
+
+<file path=ppt/slides/slide11.xml><?xml version="1.0" encoding="utf-8"?>
+<p:sld xmlns:a="http://schemas.openxmlformats.org/drawingml/2006/main" xmlns:r="http://schemas.openxmlformats.org/officeDocument/2006/relationships" xmlns:p="http://schemas.openxmlformats.org/presentationml/2006/main">
+  <p:cSld>
+    <p:spTree>
+      <p:nvGrpSpPr>
+        <p:cNvPr id="1" name=""/>
+        <p:cNvGrpSpPr/>
+        <p:nvPr/>
+      </p:nvGrpSpPr>
+      <p:grpSpPr>
+        <a:xfrm>
+          <a:off x="0" y="0"/>
+          <a:ext cx="0" cy="0"/>
+          <a:chOff x="0" y="0"/>
+          <a:chExt cx="0" cy="0"/>
+        </a:xfrm>
+      </p:grpSpPr>
+      <p:sp>
+        <p:nvSpPr>
+          <p:cNvPr id="27" name="文本框 26"/>
+          <p:cNvSpPr txBox="1"/>
+          <p:nvPr>
+            <p:custDataLst>
+              <p:tags r:id="rId2"/>
+            </p:custDataLst>
+          </p:nvPr>
+        </p:nvSpPr>
+        <p:spPr>
+          <a:xfrm>
+            <a:off x="669600" y="432000"/>
+            <a:ext cx="10854000" cy="648000"/>
+          </a:xfrm>
+          <a:prstGeom prst="rect">
+            <a:avLst/>
+          </a:prstGeom>
+        </p:spPr>
+        <p:txBody>
+          <a:bodyPr vert="horz" lIns="101600" tIns="38100" rIns="76200" bIns="38100" rtlCol="0" anchor="ctr" anchorCtr="0">
+            <a:noAutofit/>
+          </a:bodyPr>
+          <a:lstStyle>
+            <a:defPPr>
+              <a:defRPr lang="zh-CN"/>
+            </a:defPPr>
+            <a:lvl1pPr marR="0" fontAlgn="auto">
+              <a:lnSpc>
+                <a:spcPct val="100000"/>
+              </a:lnSpc>
+              <a:spcBef>
+                <a:spcPct val="0"/>
+              </a:spcBef>
+              <a:buNone/>
+              <a:defRPr kumimoji="0" lang="zh-CN" altLang="en-US" sz="2800" b="1" i="0" u="none" strike="noStrike" cap="none" spc="200" normalizeH="0" baseline="0" noProof="1" dirty="0">
+                <a:uFillTx/>
+                <a:latin typeface="+mj-lt"/>
+                <a:ea typeface="+mj-ea"/>
+                <a:cs typeface="+mj-cs"/>
+                <a:sym typeface="+mn-ea"/>
+              </a:defRPr>
+            </a:lvl1pPr>
+          </a:lstStyle>
+          <a:p>
+            <a:r>
+              <a:rPr lang="zh-CN" altLang="en-US" dirty="0" smtClean="0">
+                <a:sym typeface="+mn-ea"/>
+              </a:rPr>
+              <a:t>游戏进程如何配置</a:t>
+            </a:r>
+            <a:endParaRPr lang="zh-CN" altLang="en-US" dirty="0"/>
+          </a:p>
+        </p:txBody>
+      </p:sp>
+      <p:sp>
+        <p:nvSpPr>
+          <p:cNvPr id="29" name="文本占位符 2"/>
+          <p:cNvSpPr txBox="1">
+            <a:spLocks/>
+          </p:cNvSpPr>
+          <p:nvPr>
+            <p:custDataLst>
+              <p:tags r:id="rId3"/>
+            </p:custDataLst>
+          </p:nvPr>
+        </p:nvSpPr>
+        <p:spPr>
+          <a:xfrm>
+            <a:off x="734661" y="1080000"/>
+            <a:ext cx="10852237" cy="441303"/>
+          </a:xfrm>
+          <a:prstGeom prst="rect">
+            <a:avLst/>
+          </a:prstGeom>
+        </p:spPr>
+        <p:txBody>
+          <a:bodyPr/>
+          <a:lstStyle>
+            <a:lvl1pPr marL="228600" indent="-228600" algn="l" defTabSz="914400" rtl="0" eaLnBrk="1" fontAlgn="auto" latinLnBrk="0" hangingPunct="1">
+              <a:lnSpc>
+                <a:spcPct val="130000"/>
+              </a:lnSpc>
+              <a:spcBef>
+                <a:spcPts val="0"/>
+              </a:spcBef>
+              <a:spcAft>
+                <a:spcPts val="1000"/>
+              </a:spcAft>
+              <a:buFont typeface="Arial" panose="020B0604020202020204" pitchFamily="34" charset="0"/>
+              <a:buChar char="•"/>
+              <a:defRPr sz="1600" u="none" strike="noStrike" kern="1200" cap="none" spc="150" normalizeH="0" baseline="0">
+                <a:solidFill>
+                  <a:schemeClr val="tx1"/>
+                </a:solidFill>
+                <a:uFillTx/>
+                <a:latin typeface="+mn-lt"/>
+                <a:ea typeface="+mn-ea"/>
+                <a:cs typeface="+mn-cs"/>
+              </a:defRPr>
+            </a:lvl1pPr>
+            <a:lvl2pPr marL="685800" indent="-228600" algn="l" defTabSz="914400" rtl="0" eaLnBrk="1" fontAlgn="auto" latinLnBrk="0" hangingPunct="1">
+              <a:lnSpc>
+                <a:spcPct val="130000"/>
+              </a:lnSpc>
+              <a:spcBef>
+                <a:spcPts val="0"/>
+              </a:spcBef>
+              <a:spcAft>
+                <a:spcPts val="1000"/>
+              </a:spcAft>
+              <a:buFont typeface="Arial" panose="020B0604020202020204" pitchFamily="34" charset="0"/>
+              <a:buChar char="•"/>
+              <a:tabLst>
+                <a:tab pos="1609725" algn="l"/>
+              </a:tabLst>
+              <a:defRPr sz="1600" u="none" strike="noStrike" kern="1200" cap="none" spc="150" normalizeH="0" baseline="0">
+                <a:solidFill>
+                  <a:schemeClr val="tx1"/>
+                </a:solidFill>
+                <a:uFillTx/>
+                <a:latin typeface="+mn-lt"/>
+                <a:ea typeface="+mn-ea"/>
+                <a:cs typeface="+mn-cs"/>
+              </a:defRPr>
+            </a:lvl2pPr>
+            <a:lvl3pPr marL="1143000" indent="-228600" algn="l" defTabSz="914400" rtl="0" eaLnBrk="1" fontAlgn="auto" latinLnBrk="0" hangingPunct="1">
+              <a:lnSpc>
+                <a:spcPct val="130000"/>
+              </a:lnSpc>
+              <a:spcBef>
+                <a:spcPts val="0"/>
+              </a:spcBef>
+              <a:spcAft>
+                <a:spcPts val="1000"/>
+              </a:spcAft>
+              <a:buFont typeface="Arial" panose="020B0604020202020204" pitchFamily="34" charset="0"/>
+              <a:buChar char="•"/>
+              <a:defRPr sz="1600" u="none" strike="noStrike" kern="1200" cap="none" spc="150" normalizeH="0" baseline="0">
+                <a:solidFill>
+                  <a:schemeClr val="tx1"/>
+                </a:solidFill>
+                <a:uFillTx/>
+                <a:latin typeface="+mn-lt"/>
+                <a:ea typeface="+mn-ea"/>
+                <a:cs typeface="+mn-cs"/>
+              </a:defRPr>
+            </a:lvl3pPr>
+            <a:lvl4pPr marL="1600200" indent="-228600" algn="l" defTabSz="914400" rtl="0" eaLnBrk="1" fontAlgn="auto" latinLnBrk="0" hangingPunct="1">
+              <a:lnSpc>
+                <a:spcPct val="130000"/>
+              </a:lnSpc>
+              <a:spcBef>
+                <a:spcPts val="0"/>
+              </a:spcBef>
+              <a:spcAft>
+                <a:spcPts val="1000"/>
+              </a:spcAft>
+              <a:buFont typeface="Arial" panose="020B0604020202020204" pitchFamily="34" charset="0"/>
+              <a:buChar char="•"/>
+              <a:defRPr sz="1600" u="none" strike="noStrike" kern="1200" cap="none" spc="150" normalizeH="0" baseline="0">
+                <a:solidFill>
+                  <a:schemeClr val="tx1"/>
+                </a:solidFill>
+                <a:uFillTx/>
+                <a:latin typeface="+mn-lt"/>
+                <a:ea typeface="+mn-ea"/>
+                <a:cs typeface="+mn-cs"/>
+              </a:defRPr>
+            </a:lvl4pPr>
+            <a:lvl5pPr marL="2057400" indent="-228600" algn="l" defTabSz="914400" rtl="0" eaLnBrk="1" fontAlgn="auto" latinLnBrk="0" hangingPunct="1">
+              <a:lnSpc>
+                <a:spcPct val="130000"/>
+              </a:lnSpc>
+              <a:spcBef>
+                <a:spcPts val="0"/>
+              </a:spcBef>
+              <a:spcAft>
+                <a:spcPts val="1000"/>
+              </a:spcAft>
+              <a:buFont typeface="Arial" panose="020B0604020202020204" pitchFamily="34" charset="0"/>
+              <a:buChar char="•"/>
+              <a:defRPr sz="1600" u="none" strike="noStrike" kern="1200" cap="none" spc="150" normalizeH="0" baseline="0">
+                <a:solidFill>
+                  <a:schemeClr val="tx1"/>
+                </a:solidFill>
+                <a:uFillTx/>
+                <a:latin typeface="+mn-lt"/>
+                <a:ea typeface="+mn-ea"/>
+                <a:cs typeface="+mn-cs"/>
+              </a:defRPr>
+            </a:lvl5pPr>
+            <a:lvl6pPr marL="2514600" indent="-228600" algn="l" defTabSz="914400" rtl="0" eaLnBrk="1" latinLnBrk="0" hangingPunct="1">
+              <a:lnSpc>
+                <a:spcPct val="90000"/>
+              </a:lnSpc>
+              <a:spcBef>
+                <a:spcPts val="500"/>
+              </a:spcBef>
+              <a:buFont typeface="Arial" panose="020B0604020202020204" pitchFamily="34" charset="0"/>
+              <a:buChar char="•"/>
+              <a:defRPr sz="1800" kern="1200">
+                <a:solidFill>
+                  <a:schemeClr val="tx1"/>
+                </a:solidFill>
+                <a:latin typeface="+mn-lt"/>
+                <a:ea typeface="+mn-ea"/>
+                <a:cs typeface="+mn-cs"/>
+              </a:defRPr>
+            </a:lvl6pPr>
+            <a:lvl7pPr marL="2971800" indent="-228600" algn="l" defTabSz="914400" rtl="0" eaLnBrk="1" latinLnBrk="0" hangingPunct="1">
+              <a:lnSpc>
+                <a:spcPct val="90000"/>
+              </a:lnSpc>
+              <a:spcBef>
+                <a:spcPts val="500"/>
+              </a:spcBef>
+              <a:buFont typeface="Arial" panose="020B0604020202020204" pitchFamily="34" charset="0"/>
+              <a:buChar char="•"/>
+              <a:defRPr sz="1800" kern="1200">
+                <a:solidFill>
+                  <a:schemeClr val="tx1"/>
+                </a:solidFill>
+                <a:latin typeface="+mn-lt"/>
+                <a:ea typeface="+mn-ea"/>
+                <a:cs typeface="+mn-cs"/>
+              </a:defRPr>
+            </a:lvl7pPr>
+            <a:lvl8pPr marL="3429000" indent="-228600" algn="l" defTabSz="914400" rtl="0" eaLnBrk="1" latinLnBrk="0" hangingPunct="1">
+              <a:lnSpc>
+                <a:spcPct val="90000"/>
+              </a:lnSpc>
+              <a:spcBef>
+                <a:spcPts val="500"/>
+              </a:spcBef>
+              <a:buFont typeface="Arial" panose="020B0604020202020204" pitchFamily="34" charset="0"/>
+              <a:buChar char="•"/>
+              <a:defRPr sz="1800" kern="1200">
+                <a:solidFill>
+                  <a:schemeClr val="tx1"/>
+                </a:solidFill>
+                <a:latin typeface="+mn-lt"/>
+                <a:ea typeface="+mn-ea"/>
+                <a:cs typeface="+mn-cs"/>
+              </a:defRPr>
+            </a:lvl8pPr>
+            <a:lvl9pPr marL="3886200" indent="-228600" algn="l" defTabSz="914400" rtl="0" eaLnBrk="1" latinLnBrk="0" hangingPunct="1">
+              <a:lnSpc>
+                <a:spcPct val="90000"/>
+              </a:lnSpc>
+              <a:spcBef>
+                <a:spcPts val="500"/>
+              </a:spcBef>
+              <a:buFont typeface="Arial" panose="020B0604020202020204" pitchFamily="34" charset="0"/>
+              <a:buChar char="•"/>
+              <a:defRPr sz="1800" kern="1200">
+                <a:solidFill>
+                  <a:schemeClr val="tx1"/>
+                </a:solidFill>
+                <a:latin typeface="+mn-lt"/>
+                <a:ea typeface="+mn-ea"/>
+                <a:cs typeface="+mn-cs"/>
+              </a:defRPr>
+            </a:lvl9pPr>
+          </a:lstStyle>
+          <a:p>
+            <a:pPr marL="0" indent="0">
+              <a:buNone/>
+            </a:pPr>
+            <a:r>
+              <a:rPr lang="zh-CN" altLang="en-US" dirty="0" smtClean="0"/>
+              <a:t>游戏进程</a:t>
+            </a:r>
+            <a:r>
+              <a:rPr lang="en-US" altLang="zh-CN" dirty="0" smtClean="0"/>
+              <a:t>: (</a:t>
+            </a:r>
+            <a:r>
+              <a:rPr lang="zh-CN" altLang="en-US" dirty="0" smtClean="0"/>
+              <a:t>启动器</a:t>
+            </a:r>
+            <a:r>
+              <a:rPr lang="en-US" altLang="zh-CN" dirty="0" smtClean="0"/>
+              <a:t>Startup)+(</a:t>
+            </a:r>
+            <a:r>
+              <a:rPr lang="en-US" altLang="zh-CN" dirty="0" err="1" smtClean="0"/>
+              <a:t>name.type.startup</a:t>
+            </a:r>
+            <a:r>
+              <a:rPr lang="en-US" altLang="zh-CN" dirty="0" smtClean="0"/>
+              <a:t>)+(so/</a:t>
+            </a:r>
+            <a:r>
+              <a:rPr lang="en-US" altLang="zh-CN" dirty="0" err="1" smtClean="0"/>
+              <a:t>dll</a:t>
+            </a:r>
+            <a:r>
+              <a:rPr lang="en-US" altLang="zh-CN" dirty="0" smtClean="0"/>
+              <a:t>)</a:t>
+            </a:r>
+            <a:endParaRPr lang="zh-CN" altLang="en-US" dirty="0"/>
+          </a:p>
+        </p:txBody>
+      </p:sp>
+      <p:sp>
+        <p:nvSpPr>
+          <p:cNvPr id="31" name="文本占位符 2"/>
+          <p:cNvSpPr txBox="1">
+            <a:spLocks/>
+          </p:cNvSpPr>
+          <p:nvPr>
+            <p:custDataLst>
+              <p:tags r:id="rId4"/>
+            </p:custDataLst>
+          </p:nvPr>
+        </p:nvSpPr>
+        <p:spPr>
+          <a:xfrm>
+            <a:off x="734661" y="1728000"/>
+            <a:ext cx="10852237" cy="3936425"/>
+          </a:xfrm>
+          <a:prstGeom prst="rect">
+            <a:avLst/>
+          </a:prstGeom>
+        </p:spPr>
+        <p:txBody>
+          <a:bodyPr/>
+          <a:lstStyle>
+            <a:lvl1pPr marL="228600" indent="-228600" algn="l" defTabSz="914400" rtl="0" eaLnBrk="1" fontAlgn="auto" latinLnBrk="0" hangingPunct="1">
+              <a:lnSpc>
+                <a:spcPct val="130000"/>
+              </a:lnSpc>
+              <a:spcBef>
+                <a:spcPts val="0"/>
+              </a:spcBef>
+              <a:spcAft>
+                <a:spcPts val="1000"/>
+              </a:spcAft>
+              <a:buFont typeface="Arial" panose="020B0604020202020204" pitchFamily="34" charset="0"/>
+              <a:buChar char="•"/>
+              <a:defRPr sz="1600" u="none" strike="noStrike" kern="1200" cap="none" spc="150" normalizeH="0" baseline="0">
+                <a:solidFill>
+                  <a:schemeClr val="tx1"/>
+                </a:solidFill>
+                <a:uFillTx/>
+                <a:latin typeface="+mn-lt"/>
+                <a:ea typeface="+mn-ea"/>
+                <a:cs typeface="+mn-cs"/>
+              </a:defRPr>
+            </a:lvl1pPr>
+            <a:lvl2pPr marL="685800" indent="-228600" algn="l" defTabSz="914400" rtl="0" eaLnBrk="1" fontAlgn="auto" latinLnBrk="0" hangingPunct="1">
+              <a:lnSpc>
+                <a:spcPct val="130000"/>
+              </a:lnSpc>
+              <a:spcBef>
+                <a:spcPts val="0"/>
+              </a:spcBef>
+              <a:spcAft>
+                <a:spcPts val="1000"/>
+              </a:spcAft>
+              <a:buFont typeface="Arial" panose="020B0604020202020204" pitchFamily="34" charset="0"/>
+              <a:buChar char="•"/>
+              <a:tabLst>
+                <a:tab pos="1609725" algn="l"/>
+              </a:tabLst>
+              <a:defRPr sz="1600" u="none" strike="noStrike" kern="1200" cap="none" spc="150" normalizeH="0" baseline="0">
+                <a:solidFill>
+                  <a:schemeClr val="tx1"/>
+                </a:solidFill>
+                <a:uFillTx/>
+                <a:latin typeface="+mn-lt"/>
+                <a:ea typeface="+mn-ea"/>
+                <a:cs typeface="+mn-cs"/>
+              </a:defRPr>
+            </a:lvl2pPr>
+            <a:lvl3pPr marL="1143000" indent="-228600" algn="l" defTabSz="914400" rtl="0" eaLnBrk="1" fontAlgn="auto" latinLnBrk="0" hangingPunct="1">
+              <a:lnSpc>
+                <a:spcPct val="130000"/>
+              </a:lnSpc>
+              <a:spcBef>
+                <a:spcPts val="0"/>
+              </a:spcBef>
+              <a:spcAft>
+                <a:spcPts val="1000"/>
+              </a:spcAft>
+              <a:buFont typeface="Arial" panose="020B0604020202020204" pitchFamily="34" charset="0"/>
+              <a:buChar char="•"/>
+              <a:defRPr sz="1600" u="none" strike="noStrike" kern="1200" cap="none" spc="150" normalizeH="0" baseline="0">
+                <a:solidFill>
+                  <a:schemeClr val="tx1"/>
+                </a:solidFill>
+                <a:uFillTx/>
+                <a:latin typeface="+mn-lt"/>
+                <a:ea typeface="+mn-ea"/>
+                <a:cs typeface="+mn-cs"/>
+              </a:defRPr>
+            </a:lvl3pPr>
+            <a:lvl4pPr marL="1600200" indent="-228600" algn="l" defTabSz="914400" rtl="0" eaLnBrk="1" fontAlgn="auto" latinLnBrk="0" hangingPunct="1">
+              <a:lnSpc>
+                <a:spcPct val="130000"/>
+              </a:lnSpc>
+              <a:spcBef>
+                <a:spcPts val="0"/>
+              </a:spcBef>
+              <a:spcAft>
+                <a:spcPts val="1000"/>
+              </a:spcAft>
+              <a:buFont typeface="Arial" panose="020B0604020202020204" pitchFamily="34" charset="0"/>
+              <a:buChar char="•"/>
+              <a:defRPr sz="1600" u="none" strike="noStrike" kern="1200" cap="none" spc="150" normalizeH="0" baseline="0">
+                <a:solidFill>
+                  <a:schemeClr val="tx1"/>
+                </a:solidFill>
+                <a:uFillTx/>
+                <a:latin typeface="+mn-lt"/>
+                <a:ea typeface="+mn-ea"/>
+                <a:cs typeface="+mn-cs"/>
+              </a:defRPr>
+            </a:lvl4pPr>
+            <a:lvl5pPr marL="2057400" indent="-228600" algn="l" defTabSz="914400" rtl="0" eaLnBrk="1" fontAlgn="auto" latinLnBrk="0" hangingPunct="1">
+              <a:lnSpc>
+                <a:spcPct val="130000"/>
+              </a:lnSpc>
+              <a:spcBef>
+                <a:spcPts val="0"/>
+              </a:spcBef>
+              <a:spcAft>
+                <a:spcPts val="1000"/>
+              </a:spcAft>
+              <a:buFont typeface="Arial" panose="020B0604020202020204" pitchFamily="34" charset="0"/>
+              <a:buChar char="•"/>
+              <a:defRPr sz="1600" u="none" strike="noStrike" kern="1200" cap="none" spc="150" normalizeH="0" baseline="0">
+                <a:solidFill>
+                  <a:schemeClr val="tx1"/>
+                </a:solidFill>
+                <a:uFillTx/>
+                <a:latin typeface="+mn-lt"/>
+                <a:ea typeface="+mn-ea"/>
+                <a:cs typeface="+mn-cs"/>
+              </a:defRPr>
+            </a:lvl5pPr>
+            <a:lvl6pPr marL="2514600" indent="-228600" algn="l" defTabSz="914400" rtl="0" eaLnBrk="1" latinLnBrk="0" hangingPunct="1">
+              <a:lnSpc>
+                <a:spcPct val="90000"/>
+              </a:lnSpc>
+              <a:spcBef>
+                <a:spcPts val="500"/>
+              </a:spcBef>
+              <a:buFont typeface="Arial" panose="020B0604020202020204" pitchFamily="34" charset="0"/>
+              <a:buChar char="•"/>
+              <a:defRPr sz="1800" kern="1200">
+                <a:solidFill>
+                  <a:schemeClr val="tx1"/>
+                </a:solidFill>
+                <a:latin typeface="+mn-lt"/>
+                <a:ea typeface="+mn-ea"/>
+                <a:cs typeface="+mn-cs"/>
+              </a:defRPr>
+            </a:lvl6pPr>
+            <a:lvl7pPr marL="2971800" indent="-228600" algn="l" defTabSz="914400" rtl="0" eaLnBrk="1" latinLnBrk="0" hangingPunct="1">
+              <a:lnSpc>
+                <a:spcPct val="90000"/>
+              </a:lnSpc>
+              <a:spcBef>
+                <a:spcPts val="500"/>
+              </a:spcBef>
+              <a:buFont typeface="Arial" panose="020B0604020202020204" pitchFamily="34" charset="0"/>
+              <a:buChar char="•"/>
+              <a:defRPr sz="1800" kern="1200">
+                <a:solidFill>
+                  <a:schemeClr val="tx1"/>
+                </a:solidFill>
+                <a:latin typeface="+mn-lt"/>
+                <a:ea typeface="+mn-ea"/>
+                <a:cs typeface="+mn-cs"/>
+              </a:defRPr>
+            </a:lvl7pPr>
+            <a:lvl8pPr marL="3429000" indent="-228600" algn="l" defTabSz="914400" rtl="0" eaLnBrk="1" latinLnBrk="0" hangingPunct="1">
+              <a:lnSpc>
+                <a:spcPct val="90000"/>
+              </a:lnSpc>
+              <a:spcBef>
+                <a:spcPts val="500"/>
+              </a:spcBef>
+              <a:buFont typeface="Arial" panose="020B0604020202020204" pitchFamily="34" charset="0"/>
+              <a:buChar char="•"/>
+              <a:defRPr sz="1800" kern="1200">
+                <a:solidFill>
+                  <a:schemeClr val="tx1"/>
+                </a:solidFill>
+                <a:latin typeface="+mn-lt"/>
+                <a:ea typeface="+mn-ea"/>
+                <a:cs typeface="+mn-cs"/>
+              </a:defRPr>
+            </a:lvl8pPr>
+            <a:lvl9pPr marL="3886200" indent="-228600" algn="l" defTabSz="914400" rtl="0" eaLnBrk="1" latinLnBrk="0" hangingPunct="1">
+              <a:lnSpc>
+                <a:spcPct val="90000"/>
+              </a:lnSpc>
+              <a:spcBef>
+                <a:spcPts val="500"/>
+              </a:spcBef>
+              <a:buFont typeface="Arial" panose="020B0604020202020204" pitchFamily="34" charset="0"/>
+              <a:buChar char="•"/>
+              <a:defRPr sz="1800" kern="1200">
+                <a:solidFill>
+                  <a:schemeClr val="tx1"/>
+                </a:solidFill>
+                <a:latin typeface="+mn-lt"/>
+                <a:ea typeface="+mn-ea"/>
+                <a:cs typeface="+mn-cs"/>
+              </a:defRPr>
+            </a:lvl9pPr>
+          </a:lstStyle>
+          <a:p>
+            <a:endParaRPr lang="en-US" altLang="zh-CN" dirty="0" smtClean="0"/>
+          </a:p>
+          <a:p>
+            <a:r>
+              <a:rPr lang="zh-CN" altLang="en-US" sz="1800" dirty="0" smtClean="0"/>
+              <a:t>启动器  负责读取启动配置</a:t>
+            </a:r>
+            <a:r>
+              <a:rPr lang="en-US" altLang="zh-CN" sz="1800" dirty="0" smtClean="0"/>
+              <a:t>, </a:t>
+            </a:r>
+            <a:r>
+              <a:rPr lang="zh-CN" altLang="en-US" sz="1800" dirty="0" smtClean="0"/>
+              <a:t>并装载模块插件</a:t>
+            </a:r>
+            <a:endParaRPr lang="en-US" altLang="zh-CN" sz="1800" dirty="0" smtClean="0"/>
+          </a:p>
+          <a:p>
+            <a:endParaRPr lang="en-US" altLang="zh-CN" sz="1800" dirty="0"/>
+          </a:p>
+          <a:p>
+            <a:r>
+              <a:rPr lang="en-US" altLang="zh-CN" sz="1800" dirty="0" smtClean="0"/>
+              <a:t>.startup </a:t>
+            </a:r>
+            <a:r>
+              <a:rPr lang="zh-CN" altLang="en-US" sz="1800" dirty="0" smtClean="0"/>
+              <a:t>启动配置文件</a:t>
+            </a:r>
+            <a:endParaRPr lang="en-US" altLang="zh-CN" sz="1800" dirty="0" smtClean="0"/>
+          </a:p>
+          <a:p>
+            <a:endParaRPr lang="en-US" altLang="zh-CN" sz="1800" dirty="0"/>
+          </a:p>
+          <a:p>
+            <a:r>
+              <a:rPr lang="en-US" altLang="zh-CN" sz="1800" dirty="0" smtClean="0"/>
+              <a:t>(so/</a:t>
+            </a:r>
+            <a:r>
+              <a:rPr lang="en-US" altLang="zh-CN" sz="1800" dirty="0" err="1" smtClean="0"/>
+              <a:t>dll</a:t>
+            </a:r>
+            <a:r>
+              <a:rPr lang="en-US" altLang="zh-CN" sz="1800" dirty="0" smtClean="0"/>
+              <a:t>) </a:t>
+            </a:r>
+            <a:r>
+              <a:rPr lang="zh-CN" altLang="en-US" sz="1800" dirty="0" smtClean="0"/>
+              <a:t>功能模块插件</a:t>
+            </a:r>
+            <a:endParaRPr lang="zh-CN" altLang="en-US" sz="1800" dirty="0"/>
+          </a:p>
+        </p:txBody>
+      </p:sp>
+    </p:spTree>
+    <p:custDataLst>
+      <p:tags r:id="rId1"/>
+    </p:custDataLst>
+  </p:cSld>
+  <p:clrMapOvr>
+    <a:masterClrMapping/>
+  </p:clrMapOvr>
+  <p:timing>
+    <p:tnLst>
+      <p:par>
+        <p:cTn id="1" dur="indefinite" restart="never" nodeType="tmRoot"/>
+      </p:par>
+    </p:tnLst>
+  </p:timing>
+</p:sld>
+</file>
+
+<file path=ppt/slides/slide12.xml><?xml version="1.0" encoding="utf-8"?>
+<p:sld xmlns:a="http://schemas.openxmlformats.org/drawingml/2006/main" xmlns:r="http://schemas.openxmlformats.org/officeDocument/2006/relationships" xmlns:p="http://schemas.openxmlformats.org/presentationml/2006/main">
+  <p:cSld>
+    <p:spTree>
+      <p:nvGrpSpPr>
+        <p:cNvPr id="1" name=""/>
+        <p:cNvGrpSpPr/>
+        <p:nvPr/>
+      </p:nvGrpSpPr>
+      <p:grpSpPr>
+        <a:xfrm>
+          <a:off x="0" y="0"/>
+          <a:ext cx="0" cy="0"/>
+          <a:chOff x="0" y="0"/>
+          <a:chExt cx="0" cy="0"/>
+        </a:xfrm>
+      </p:grpSpPr>
       <p:pic>
         <p:nvPicPr>
           <p:cNvPr id="2" name="内容占位符 1"/>
@@ -8985,663 +9718,6 @@
             <a:endParaRPr dirty="0">
               <a:sym typeface="+mn-ea"/>
             </a:endParaRPr>
-          </a:p>
-        </p:txBody>
-      </p:sp>
-    </p:spTree>
-    <p:custDataLst>
-      <p:tags r:id="rId1"/>
-    </p:custDataLst>
-  </p:cSld>
-  <p:clrMapOvr>
-    <a:masterClrMapping/>
-  </p:clrMapOvr>
-  <p:timing>
-    <p:tnLst>
-      <p:par>
-        <p:cTn id="1" dur="indefinite" restart="never" nodeType="tmRoot"/>
-      </p:par>
-    </p:tnLst>
-  </p:timing>
-</p:sld>
-</file>
-
-<file path=ppt/slides/slide11.xml><?xml version="1.0" encoding="utf-8"?>
-<p:sld xmlns:a="http://schemas.openxmlformats.org/drawingml/2006/main" xmlns:r="http://schemas.openxmlformats.org/officeDocument/2006/relationships" xmlns:p="http://schemas.openxmlformats.org/presentationml/2006/main">
-  <p:cSld>
-    <p:spTree>
-      <p:nvGrpSpPr>
-        <p:cNvPr id="1" name=""/>
-        <p:cNvGrpSpPr/>
-        <p:nvPr/>
-      </p:nvGrpSpPr>
-      <p:grpSpPr>
-        <a:xfrm>
-          <a:off x="0" y="0"/>
-          <a:ext cx="0" cy="0"/>
-          <a:chOff x="0" y="0"/>
-          <a:chExt cx="0" cy="0"/>
-        </a:xfrm>
-      </p:grpSpPr>
-      <p:pic>
-        <p:nvPicPr>
-          <p:cNvPr id="2" name="内容占位符 1"/>
-          <p:cNvPicPr>
-            <a:picLocks noGrp="1" noChangeAspect="1"/>
-          </p:cNvPicPr>
-          <p:nvPr>
-            <p:ph idx="1"/>
-          </p:nvPr>
-        </p:nvPicPr>
-        <p:blipFill>
-          <a:blip r:embed="rId4"/>
-          <a:stretch>
-            <a:fillRect/>
-          </a:stretch>
-        </p:blipFill>
-        <p:spPr>
-          <a:xfrm>
-            <a:off x="836420" y="1703590"/>
-            <a:ext cx="9619048" cy="3238095"/>
-          </a:xfrm>
-          <a:prstGeom prst="rect">
-            <a:avLst/>
-          </a:prstGeom>
-        </p:spPr>
-      </p:pic>
-      <p:sp>
-        <p:nvSpPr>
-          <p:cNvPr id="27" name="文本框 26"/>
-          <p:cNvSpPr txBox="1"/>
-          <p:nvPr>
-            <p:custDataLst>
-              <p:tags r:id="rId2"/>
-            </p:custDataLst>
-          </p:nvPr>
-        </p:nvSpPr>
-        <p:spPr>
-          <a:xfrm>
-            <a:off x="669600" y="462480"/>
-            <a:ext cx="10854000" cy="924360"/>
-          </a:xfrm>
-          <a:prstGeom prst="rect">
-            <a:avLst/>
-          </a:prstGeom>
-        </p:spPr>
-        <p:txBody>
-          <a:bodyPr vert="horz" lIns="101600" tIns="38100" rIns="76200" bIns="38100" rtlCol="0" anchor="ctr" anchorCtr="0">
-            <a:noAutofit/>
-          </a:bodyPr>
-          <a:lstStyle>
-            <a:defPPr>
-              <a:defRPr lang="zh-CN"/>
-            </a:defPPr>
-            <a:lvl1pPr marR="0" fontAlgn="auto">
-              <a:lnSpc>
-                <a:spcPct val="100000"/>
-              </a:lnSpc>
-              <a:spcBef>
-                <a:spcPct val="0"/>
-              </a:spcBef>
-              <a:buNone/>
-              <a:defRPr kumimoji="0" lang="zh-CN" altLang="en-US" sz="2800" b="1" i="0" u="none" strike="noStrike" cap="none" spc="200" normalizeH="0" baseline="0" noProof="1" dirty="0">
-                <a:uFillTx/>
-                <a:latin typeface="+mj-lt"/>
-                <a:ea typeface="+mj-ea"/>
-                <a:cs typeface="+mj-cs"/>
-                <a:sym typeface="+mn-ea"/>
-              </a:defRPr>
-            </a:lvl1pPr>
-          </a:lstStyle>
-          <a:p>
-            <a:r>
-              <a:rPr lang="zh-CN" altLang="en-US" dirty="0" smtClean="0"/>
-              <a:t>公共启动配置</a:t>
-            </a:r>
-            <a:r>
-              <a:rPr lang="en-US" altLang="zh-CN" dirty="0" smtClean="0"/>
-              <a:t>:</a:t>
-            </a:r>
-            <a:r>
-              <a:rPr lang="en-US" altLang="zh-CN" dirty="0" err="1" smtClean="0"/>
-              <a:t>tcpclient.startup</a:t>
-            </a:r>
-            <a:endParaRPr dirty="0">
-              <a:sym typeface="+mn-ea"/>
-            </a:endParaRPr>
-          </a:p>
-        </p:txBody>
-      </p:sp>
-    </p:spTree>
-    <p:custDataLst>
-      <p:tags r:id="rId1"/>
-    </p:custDataLst>
-    <p:extLst>
-      <p:ext uri="{BB962C8B-B14F-4D97-AF65-F5344CB8AC3E}">
-        <p14:creationId xmlns:p14="http://schemas.microsoft.com/office/powerpoint/2010/main" val="2381097431"/>
-      </p:ext>
-    </p:extLst>
-  </p:cSld>
-  <p:clrMapOvr>
-    <a:masterClrMapping/>
-  </p:clrMapOvr>
-  <p:timing>
-    <p:tnLst>
-      <p:par>
-        <p:cTn id="1" dur="indefinite" restart="never" nodeType="tmRoot"/>
-      </p:par>
-    </p:tnLst>
-  </p:timing>
-</p:sld>
-</file>
-
-<file path=ppt/slides/slide12.xml><?xml version="1.0" encoding="utf-8"?>
-<p:sld xmlns:a="http://schemas.openxmlformats.org/drawingml/2006/main" xmlns:r="http://schemas.openxmlformats.org/officeDocument/2006/relationships" xmlns:p="http://schemas.openxmlformats.org/presentationml/2006/main">
-  <p:cSld>
-    <p:spTree>
-      <p:nvGrpSpPr>
-        <p:cNvPr id="1" name=""/>
-        <p:cNvGrpSpPr/>
-        <p:nvPr/>
-      </p:nvGrpSpPr>
-      <p:grpSpPr>
-        <a:xfrm>
-          <a:off x="0" y="0"/>
-          <a:ext cx="0" cy="0"/>
-          <a:chOff x="0" y="0"/>
-          <a:chExt cx="0" cy="0"/>
-        </a:xfrm>
-      </p:grpSpPr>
-      <p:sp>
-        <p:nvSpPr>
-          <p:cNvPr id="9" name="文本框 4"/>
-          <p:cNvSpPr txBox="1"/>
-          <p:nvPr>
-            <p:custDataLst>
-              <p:tags r:id="rId2"/>
-            </p:custDataLst>
-          </p:nvPr>
-        </p:nvSpPr>
-        <p:spPr>
-          <a:xfrm>
-            <a:off x="669600" y="1343278"/>
-            <a:ext cx="10074168" cy="4415422"/>
-          </a:xfrm>
-          <a:prstGeom prst="rect">
-            <a:avLst/>
-          </a:prstGeom>
-          <a:noFill/>
-        </p:spPr>
-        <p:txBody>
-          <a:bodyPr wrap="square" lIns="90000" tIns="46800" rIns="90000" bIns="46800" rtlCol="0">
-            <a:normAutofit/>
-          </a:bodyPr>
-          <a:lstStyle>
-            <a:defPPr>
-              <a:defRPr lang="zh-CN"/>
-            </a:defPPr>
-            <a:lvl1pPr marL="0" algn="l" defTabSz="913765" rtl="0" eaLnBrk="1" latinLnBrk="0" hangingPunct="1">
-              <a:defRPr sz="1800" kern="1200">
-                <a:solidFill>
-                  <a:schemeClr val="tx1"/>
-                </a:solidFill>
-                <a:latin typeface="+mn-lt"/>
-                <a:ea typeface="+mn-ea"/>
-                <a:cs typeface="+mn-cs"/>
-              </a:defRPr>
-            </a:lvl1pPr>
-            <a:lvl2pPr marL="457200" algn="l" defTabSz="913765" rtl="0" eaLnBrk="1" latinLnBrk="0" hangingPunct="1">
-              <a:defRPr sz="1800" kern="1200">
-                <a:solidFill>
-                  <a:schemeClr val="tx1"/>
-                </a:solidFill>
-                <a:latin typeface="+mn-lt"/>
-                <a:ea typeface="+mn-ea"/>
-                <a:cs typeface="+mn-cs"/>
-              </a:defRPr>
-            </a:lvl2pPr>
-            <a:lvl3pPr marL="914400" algn="l" defTabSz="913765" rtl="0" eaLnBrk="1" latinLnBrk="0" hangingPunct="1">
-              <a:defRPr sz="1800" kern="1200">
-                <a:solidFill>
-                  <a:schemeClr val="tx1"/>
-                </a:solidFill>
-                <a:latin typeface="+mn-lt"/>
-                <a:ea typeface="+mn-ea"/>
-                <a:cs typeface="+mn-cs"/>
-              </a:defRPr>
-            </a:lvl3pPr>
-            <a:lvl4pPr marL="1371600" algn="l" defTabSz="913765" rtl="0" eaLnBrk="1" latinLnBrk="0" hangingPunct="1">
-              <a:defRPr sz="1800" kern="1200">
-                <a:solidFill>
-                  <a:schemeClr val="tx1"/>
-                </a:solidFill>
-                <a:latin typeface="+mn-lt"/>
-                <a:ea typeface="+mn-ea"/>
-                <a:cs typeface="+mn-cs"/>
-              </a:defRPr>
-            </a:lvl4pPr>
-            <a:lvl5pPr marL="1828800" algn="l" defTabSz="913765" rtl="0" eaLnBrk="1" latinLnBrk="0" hangingPunct="1">
-              <a:defRPr sz="1800" kern="1200">
-                <a:solidFill>
-                  <a:schemeClr val="tx1"/>
-                </a:solidFill>
-                <a:latin typeface="+mn-lt"/>
-                <a:ea typeface="+mn-ea"/>
-                <a:cs typeface="+mn-cs"/>
-              </a:defRPr>
-            </a:lvl5pPr>
-            <a:lvl6pPr marL="2286000" algn="l" defTabSz="913765" rtl="0" eaLnBrk="1" latinLnBrk="0" hangingPunct="1">
-              <a:defRPr sz="1800" kern="1200">
-                <a:solidFill>
-                  <a:schemeClr val="tx1"/>
-                </a:solidFill>
-                <a:latin typeface="+mn-lt"/>
-                <a:ea typeface="+mn-ea"/>
-                <a:cs typeface="+mn-cs"/>
-              </a:defRPr>
-            </a:lvl6pPr>
-            <a:lvl7pPr marL="2743200" algn="l" defTabSz="913765" rtl="0" eaLnBrk="1" latinLnBrk="0" hangingPunct="1">
-              <a:defRPr sz="1800" kern="1200">
-                <a:solidFill>
-                  <a:schemeClr val="tx1"/>
-                </a:solidFill>
-                <a:latin typeface="+mn-lt"/>
-                <a:ea typeface="+mn-ea"/>
-                <a:cs typeface="+mn-cs"/>
-              </a:defRPr>
-            </a:lvl7pPr>
-            <a:lvl8pPr marL="3200400" algn="l" defTabSz="913765" rtl="0" eaLnBrk="1" latinLnBrk="0" hangingPunct="1">
-              <a:defRPr sz="1800" kern="1200">
-                <a:solidFill>
-                  <a:schemeClr val="tx1"/>
-                </a:solidFill>
-                <a:latin typeface="+mn-lt"/>
-                <a:ea typeface="+mn-ea"/>
-                <a:cs typeface="+mn-cs"/>
-              </a:defRPr>
-            </a:lvl8pPr>
-            <a:lvl9pPr marL="3657600" algn="l" defTabSz="913765" rtl="0" eaLnBrk="1" latinLnBrk="0" hangingPunct="1">
-              <a:defRPr sz="1800" kern="1200">
-                <a:solidFill>
-                  <a:schemeClr val="tx1"/>
-                </a:solidFill>
-                <a:latin typeface="+mn-lt"/>
-                <a:ea typeface="+mn-ea"/>
-                <a:cs typeface="+mn-cs"/>
-              </a:defRPr>
-            </a:lvl9pPr>
-          </a:lstStyle>
-          <a:p>
-            <a:pPr marL="285750" indent="-285750">
-              <a:lnSpc>
-                <a:spcPct val="200000"/>
-              </a:lnSpc>
-              <a:buFont typeface="Arial" panose="020B0604020202020204" pitchFamily="34" charset="0"/>
-              <a:buChar char="•"/>
-            </a:pPr>
-            <a:r>
-              <a:rPr lang="zh-CN" altLang="en-US" dirty="0" smtClean="0">
-                <a:solidFill>
-                  <a:srgbClr val="000000"/>
-                </a:solidFill>
-                <a:sym typeface="+mn-ea"/>
-              </a:rPr>
-              <a:t>网络</a:t>
-            </a:r>
-            <a:endParaRPr lang="en-US" altLang="zh-CN" dirty="0" smtClean="0">
-              <a:solidFill>
-                <a:srgbClr val="000000"/>
-              </a:solidFill>
-              <a:sym typeface="+mn-ea"/>
-            </a:endParaRPr>
-          </a:p>
-          <a:p>
-            <a:pPr marL="800100" lvl="1" indent="-342900">
-              <a:lnSpc>
-                <a:spcPct val="200000"/>
-              </a:lnSpc>
-              <a:buFont typeface="+mj-lt"/>
-              <a:buAutoNum type="arabicPeriod"/>
-            </a:pPr>
-            <a:r>
-              <a:rPr lang="zh-CN" altLang="en-US" sz="1600" dirty="0" smtClean="0">
-                <a:solidFill>
-                  <a:srgbClr val="000000"/>
-                </a:solidFill>
-                <a:sym typeface="+mn-ea"/>
-              </a:rPr>
-              <a:t>网络</a:t>
-            </a:r>
-            <a:r>
-              <a:rPr lang="en-US" altLang="zh-CN" sz="1600" dirty="0" smtClean="0">
-                <a:solidFill>
-                  <a:srgbClr val="000000"/>
-                </a:solidFill>
-                <a:sym typeface="+mn-ea"/>
-              </a:rPr>
-              <a:t>TCP</a:t>
-            </a:r>
-            <a:r>
-              <a:rPr lang="zh-CN" altLang="en-US" sz="1600" dirty="0" smtClean="0">
-                <a:solidFill>
-                  <a:srgbClr val="000000"/>
-                </a:solidFill>
-                <a:sym typeface="+mn-ea"/>
-              </a:rPr>
-              <a:t>客户端</a:t>
-            </a:r>
-            <a:r>
-              <a:rPr lang="en-US" altLang="zh-CN" sz="1600" dirty="0" err="1" smtClean="0">
-                <a:solidFill>
-                  <a:srgbClr val="000000"/>
-                </a:solidFill>
-                <a:sym typeface="+mn-ea"/>
-              </a:rPr>
-              <a:t>TcpClient</a:t>
-            </a:r>
-            <a:endParaRPr lang="en-US" altLang="zh-CN" sz="1600" dirty="0">
-              <a:solidFill>
-                <a:srgbClr val="000000"/>
-              </a:solidFill>
-              <a:sym typeface="+mn-ea"/>
-            </a:endParaRPr>
-          </a:p>
-          <a:p>
-            <a:pPr marL="800100" lvl="1" indent="-342900">
-              <a:lnSpc>
-                <a:spcPct val="200000"/>
-              </a:lnSpc>
-              <a:buFont typeface="+mj-lt"/>
-              <a:buAutoNum type="arabicPeriod"/>
-            </a:pPr>
-            <a:r>
-              <a:rPr lang="zh-CN" altLang="en-US" sz="1600" dirty="0" smtClean="0">
-                <a:solidFill>
-                  <a:srgbClr val="000000"/>
-                </a:solidFill>
-                <a:sym typeface="+mn-ea"/>
-              </a:rPr>
-              <a:t>网络</a:t>
-            </a:r>
-            <a:r>
-              <a:rPr lang="en-US" altLang="zh-CN" sz="1600" dirty="0" smtClean="0">
-                <a:solidFill>
-                  <a:srgbClr val="000000"/>
-                </a:solidFill>
-                <a:sym typeface="+mn-ea"/>
-              </a:rPr>
-              <a:t>TCP</a:t>
-            </a:r>
-            <a:r>
-              <a:rPr lang="zh-CN" altLang="en-US" sz="1600" dirty="0" smtClean="0">
-                <a:solidFill>
-                  <a:srgbClr val="000000"/>
-                </a:solidFill>
-                <a:sym typeface="+mn-ea"/>
-              </a:rPr>
-              <a:t>服务器</a:t>
-            </a:r>
-            <a:r>
-              <a:rPr lang="en-US" altLang="zh-CN" sz="1600" dirty="0" err="1" smtClean="0">
-                <a:solidFill>
-                  <a:srgbClr val="000000"/>
-                </a:solidFill>
-                <a:sym typeface="+mn-ea"/>
-              </a:rPr>
-              <a:t>TcpServer</a:t>
-            </a:r>
-            <a:endParaRPr lang="en-US" altLang="zh-CN" sz="1600" dirty="0" smtClean="0">
-              <a:solidFill>
-                <a:srgbClr val="000000"/>
-              </a:solidFill>
-              <a:sym typeface="+mn-ea"/>
-            </a:endParaRPr>
-          </a:p>
-          <a:p>
-            <a:pPr marL="800100" lvl="1" indent="-342900">
-              <a:lnSpc>
-                <a:spcPct val="200000"/>
-              </a:lnSpc>
-              <a:buFont typeface="+mj-lt"/>
-              <a:buAutoNum type="arabicPeriod"/>
-            </a:pPr>
-            <a:r>
-              <a:rPr lang="zh-CN" altLang="en-US" sz="1600" dirty="0" smtClean="0">
-                <a:solidFill>
-                  <a:srgbClr val="000000"/>
-                </a:solidFill>
-                <a:sym typeface="+mn-ea"/>
-              </a:rPr>
-              <a:t>网络消息处理器</a:t>
-            </a:r>
-            <a:r>
-              <a:rPr lang="en-US" altLang="zh-CN" sz="1600" dirty="0" smtClean="0">
-                <a:solidFill>
-                  <a:srgbClr val="000000"/>
-                </a:solidFill>
-                <a:sym typeface="+mn-ea"/>
-              </a:rPr>
-              <a:t>Message</a:t>
-            </a:r>
-          </a:p>
-          <a:p>
-            <a:pPr marL="800100" lvl="1" indent="-342900">
-              <a:lnSpc>
-                <a:spcPct val="200000"/>
-              </a:lnSpc>
-              <a:buFont typeface="+mj-lt"/>
-              <a:buAutoNum type="arabicPeriod"/>
-            </a:pPr>
-            <a:r>
-              <a:rPr lang="zh-CN" altLang="en-US" sz="1600" dirty="0" smtClean="0">
-                <a:solidFill>
-                  <a:srgbClr val="000000"/>
-                </a:solidFill>
-                <a:sym typeface="+mn-ea"/>
-              </a:rPr>
-              <a:t>网络连接关系</a:t>
-            </a:r>
-            <a:r>
-              <a:rPr lang="en-US" altLang="zh-CN" sz="1600" dirty="0" smtClean="0">
-                <a:solidFill>
-                  <a:srgbClr val="000000"/>
-                </a:solidFill>
-                <a:sym typeface="+mn-ea"/>
-              </a:rPr>
-              <a:t>Bus</a:t>
-            </a:r>
-          </a:p>
-          <a:p>
-            <a:pPr marL="800100" lvl="1" indent="-342900">
-              <a:lnSpc>
-                <a:spcPct val="200000"/>
-              </a:lnSpc>
-              <a:buFont typeface="+mj-lt"/>
-              <a:buAutoNum type="arabicPeriod"/>
-            </a:pPr>
-            <a:r>
-              <a:rPr lang="zh-CN" altLang="en-US" sz="1600" dirty="0" smtClean="0">
-                <a:solidFill>
-                  <a:srgbClr val="000000"/>
-                </a:solidFill>
-                <a:sym typeface="+mn-ea"/>
-              </a:rPr>
-              <a:t>网络</a:t>
-            </a:r>
-            <a:r>
-              <a:rPr lang="en-US" altLang="zh-CN" sz="1600" dirty="0" smtClean="0">
-                <a:solidFill>
-                  <a:srgbClr val="000000"/>
-                </a:solidFill>
-                <a:sym typeface="+mn-ea"/>
-              </a:rPr>
-              <a:t>HTTP</a:t>
-            </a:r>
-            <a:r>
-              <a:rPr lang="zh-CN" altLang="en-US" sz="1600" dirty="0" smtClean="0">
-                <a:solidFill>
-                  <a:srgbClr val="000000"/>
-                </a:solidFill>
-                <a:sym typeface="+mn-ea"/>
-              </a:rPr>
-              <a:t>客户端</a:t>
-            </a:r>
-            <a:r>
-              <a:rPr lang="en-US" altLang="zh-CN" sz="1600" dirty="0" err="1" smtClean="0">
-                <a:solidFill>
-                  <a:srgbClr val="000000"/>
-                </a:solidFill>
-                <a:sym typeface="+mn-ea"/>
-              </a:rPr>
-              <a:t>HttpClient</a:t>
-            </a:r>
-            <a:endParaRPr lang="en-US" altLang="zh-CN" sz="1600" dirty="0" smtClean="0">
-              <a:solidFill>
-                <a:srgbClr val="000000"/>
-              </a:solidFill>
-              <a:sym typeface="+mn-ea"/>
-            </a:endParaRPr>
-          </a:p>
-          <a:p>
-            <a:pPr marL="800100" lvl="1" indent="-342900">
-              <a:lnSpc>
-                <a:spcPct val="200000"/>
-              </a:lnSpc>
-              <a:buFont typeface="+mj-lt"/>
-              <a:buAutoNum type="arabicPeriod"/>
-            </a:pPr>
-            <a:r>
-              <a:rPr lang="zh-CN" altLang="en-US" sz="1600" dirty="0" smtClean="0">
-                <a:solidFill>
-                  <a:srgbClr val="000000"/>
-                </a:solidFill>
-                <a:sym typeface="+mn-ea"/>
-              </a:rPr>
-              <a:t>网络</a:t>
-            </a:r>
-            <a:r>
-              <a:rPr lang="en-US" altLang="zh-CN" sz="1600" dirty="0" smtClean="0">
-                <a:solidFill>
-                  <a:srgbClr val="000000"/>
-                </a:solidFill>
-                <a:sym typeface="+mn-ea"/>
-              </a:rPr>
-              <a:t>HTTP</a:t>
-            </a:r>
-            <a:r>
-              <a:rPr lang="zh-CN" altLang="en-US" sz="1600" dirty="0" smtClean="0">
-                <a:solidFill>
-                  <a:srgbClr val="000000"/>
-                </a:solidFill>
-                <a:sym typeface="+mn-ea"/>
-              </a:rPr>
-              <a:t>服务器</a:t>
-            </a:r>
-            <a:r>
-              <a:rPr lang="en-US" altLang="zh-CN" sz="1600" dirty="0" err="1" smtClean="0">
-                <a:solidFill>
-                  <a:srgbClr val="000000"/>
-                </a:solidFill>
-                <a:sym typeface="+mn-ea"/>
-              </a:rPr>
-              <a:t>HttpServer</a:t>
-            </a:r>
-            <a:endParaRPr lang="en-US" altLang="zh-CN" sz="1600" dirty="0" smtClean="0">
-              <a:solidFill>
-                <a:srgbClr val="000000"/>
-              </a:solidFill>
-              <a:sym typeface="+mn-ea"/>
-            </a:endParaRPr>
-          </a:p>
-          <a:p>
-            <a:pPr marL="800100" lvl="1" indent="-342900">
-              <a:lnSpc>
-                <a:spcPct val="200000"/>
-              </a:lnSpc>
-              <a:buFont typeface="+mj-lt"/>
-              <a:buAutoNum type="arabicPeriod"/>
-            </a:pPr>
-            <a:r>
-              <a:rPr lang="zh-CN" altLang="en-US" sz="1600" dirty="0" smtClean="0">
-                <a:solidFill>
-                  <a:srgbClr val="000000"/>
-                </a:solidFill>
-                <a:sym typeface="+mn-ea"/>
-              </a:rPr>
-              <a:t>网络消息路由</a:t>
-            </a:r>
-            <a:r>
-              <a:rPr lang="en-US" altLang="zh-CN" sz="1600" dirty="0" smtClean="0">
-                <a:solidFill>
-                  <a:srgbClr val="000000"/>
-                </a:solidFill>
-                <a:sym typeface="+mn-ea"/>
-              </a:rPr>
-              <a:t>Route</a:t>
-            </a:r>
-            <a:endParaRPr lang="en-US" altLang="zh-CN" sz="1600" dirty="0">
-              <a:solidFill>
-                <a:srgbClr val="000000"/>
-              </a:solidFill>
-              <a:sym typeface="+mn-ea"/>
-            </a:endParaRPr>
-          </a:p>
-        </p:txBody>
-      </p:sp>
-      <p:sp>
-        <p:nvSpPr>
-          <p:cNvPr id="5" name="文本框 4"/>
-          <p:cNvSpPr txBox="1"/>
-          <p:nvPr>
-            <p:custDataLst>
-              <p:tags r:id="rId3"/>
-            </p:custDataLst>
-          </p:nvPr>
-        </p:nvSpPr>
-        <p:spPr>
-          <a:xfrm>
-            <a:off x="669600" y="432000"/>
-            <a:ext cx="10854000" cy="648000"/>
-          </a:xfrm>
-          <a:prstGeom prst="rect">
-            <a:avLst/>
-          </a:prstGeom>
-        </p:spPr>
-        <p:txBody>
-          <a:bodyPr vert="horz" lIns="101600" tIns="38100" rIns="76200" bIns="38100" rtlCol="0" anchor="ctr" anchorCtr="0">
-            <a:noAutofit/>
-          </a:bodyPr>
-          <a:lstStyle>
-            <a:defPPr>
-              <a:defRPr lang="zh-CN"/>
-            </a:defPPr>
-            <a:lvl1pPr marR="0" fontAlgn="auto">
-              <a:lnSpc>
-                <a:spcPct val="100000"/>
-              </a:lnSpc>
-              <a:spcBef>
-                <a:spcPct val="0"/>
-              </a:spcBef>
-              <a:buNone/>
-              <a:defRPr kumimoji="0" lang="zh-CN" altLang="en-US" sz="2800" b="1" i="0" u="none" strike="noStrike" cap="none" spc="200" normalizeH="0" baseline="0" noProof="1" dirty="0">
-                <a:uFillTx/>
-                <a:latin typeface="+mj-lt"/>
-                <a:ea typeface="+mj-ea"/>
-                <a:cs typeface="+mj-cs"/>
-                <a:sym typeface="+mn-ea"/>
-              </a:defRPr>
-            </a:lvl1pPr>
-          </a:lstStyle>
-          <a:p>
-            <a:r>
-              <a:rPr lang="zh-CN" altLang="en-US" dirty="0"/>
-              <a:t>已</a:t>
-            </a:r>
-            <a:r>
-              <a:rPr lang="zh-CN" altLang="en-US" dirty="0" smtClean="0"/>
-              <a:t>有的基础模块插件</a:t>
-            </a:r>
-            <a:endParaRPr lang="zh-CN" altLang="en-US" dirty="0"/>
           </a:p>
         </p:txBody>
       </p:sp>
@@ -9680,13 +9756,142 @@
           <a:chExt cx="0" cy="0"/>
         </a:xfrm>
       </p:grpSpPr>
-      <p:sp>
-        <p:nvSpPr>
-          <p:cNvPr id="2" name="文本框 4"/>
+      <p:pic>
+        <p:nvPicPr>
+          <p:cNvPr id="2" name="内容占位符 1"/>
+          <p:cNvPicPr>
+            <a:picLocks noGrp="1" noChangeAspect="1"/>
+          </p:cNvPicPr>
+          <p:nvPr>
+            <p:ph idx="1"/>
+          </p:nvPr>
+        </p:nvPicPr>
+        <p:blipFill>
+          <a:blip r:embed="rId4"/>
+          <a:stretch>
+            <a:fillRect/>
+          </a:stretch>
+        </p:blipFill>
+        <p:spPr>
+          <a:xfrm>
+            <a:off x="836420" y="1703590"/>
+            <a:ext cx="9619048" cy="3238095"/>
+          </a:xfrm>
+          <a:prstGeom prst="rect">
+            <a:avLst/>
+          </a:prstGeom>
+        </p:spPr>
+      </p:pic>
+      <p:sp>
+        <p:nvSpPr>
+          <p:cNvPr id="27" name="文本框 26"/>
           <p:cNvSpPr txBox="1"/>
           <p:nvPr>
             <p:custDataLst>
-              <p:tags r:id="rId1"/>
+              <p:tags r:id="rId2"/>
+            </p:custDataLst>
+          </p:nvPr>
+        </p:nvSpPr>
+        <p:spPr>
+          <a:xfrm>
+            <a:off x="669600" y="462480"/>
+            <a:ext cx="10854000" cy="924360"/>
+          </a:xfrm>
+          <a:prstGeom prst="rect">
+            <a:avLst/>
+          </a:prstGeom>
+        </p:spPr>
+        <p:txBody>
+          <a:bodyPr vert="horz" lIns="101600" tIns="38100" rIns="76200" bIns="38100" rtlCol="0" anchor="ctr" anchorCtr="0">
+            <a:noAutofit/>
+          </a:bodyPr>
+          <a:lstStyle>
+            <a:defPPr>
+              <a:defRPr lang="zh-CN"/>
+            </a:defPPr>
+            <a:lvl1pPr marR="0" fontAlgn="auto">
+              <a:lnSpc>
+                <a:spcPct val="100000"/>
+              </a:lnSpc>
+              <a:spcBef>
+                <a:spcPct val="0"/>
+              </a:spcBef>
+              <a:buNone/>
+              <a:defRPr kumimoji="0" lang="zh-CN" altLang="en-US" sz="2800" b="1" i="0" u="none" strike="noStrike" cap="none" spc="200" normalizeH="0" baseline="0" noProof="1" dirty="0">
+                <a:uFillTx/>
+                <a:latin typeface="+mj-lt"/>
+                <a:ea typeface="+mj-ea"/>
+                <a:cs typeface="+mj-cs"/>
+                <a:sym typeface="+mn-ea"/>
+              </a:defRPr>
+            </a:lvl1pPr>
+          </a:lstStyle>
+          <a:p>
+            <a:r>
+              <a:rPr lang="zh-CN" altLang="en-US" dirty="0" smtClean="0"/>
+              <a:t>公共启动配置</a:t>
+            </a:r>
+            <a:r>
+              <a:rPr lang="en-US" altLang="zh-CN" dirty="0" smtClean="0"/>
+              <a:t>:</a:t>
+            </a:r>
+            <a:r>
+              <a:rPr lang="en-US" altLang="zh-CN" dirty="0" err="1" smtClean="0"/>
+              <a:t>tcpclient.startup</a:t>
+            </a:r>
+            <a:endParaRPr dirty="0">
+              <a:sym typeface="+mn-ea"/>
+            </a:endParaRPr>
+          </a:p>
+        </p:txBody>
+      </p:sp>
+    </p:spTree>
+    <p:custDataLst>
+      <p:tags r:id="rId1"/>
+    </p:custDataLst>
+    <p:extLst>
+      <p:ext uri="{BB962C8B-B14F-4D97-AF65-F5344CB8AC3E}">
+        <p14:creationId xmlns:p14="http://schemas.microsoft.com/office/powerpoint/2010/main" val="2381097431"/>
+      </p:ext>
+    </p:extLst>
+  </p:cSld>
+  <p:clrMapOvr>
+    <a:masterClrMapping/>
+  </p:clrMapOvr>
+  <p:timing>
+    <p:tnLst>
+      <p:par>
+        <p:cTn id="1" dur="indefinite" restart="never" nodeType="tmRoot"/>
+      </p:par>
+    </p:tnLst>
+  </p:timing>
+</p:sld>
+</file>
+
+<file path=ppt/slides/slide14.xml><?xml version="1.0" encoding="utf-8"?>
+<p:sld xmlns:a="http://schemas.openxmlformats.org/drawingml/2006/main" xmlns:r="http://schemas.openxmlformats.org/officeDocument/2006/relationships" xmlns:p="http://schemas.openxmlformats.org/presentationml/2006/main">
+  <p:cSld>
+    <p:spTree>
+      <p:nvGrpSpPr>
+        <p:cNvPr id="1" name=""/>
+        <p:cNvGrpSpPr/>
+        <p:nvPr/>
+      </p:nvGrpSpPr>
+      <p:grpSpPr>
+        <a:xfrm>
+          <a:off x="0" y="0"/>
+          <a:ext cx="0" cy="0"/>
+          <a:chOff x="0" y="0"/>
+          <a:chExt cx="0" cy="0"/>
+        </a:xfrm>
+      </p:grpSpPr>
+      <p:sp>
+        <p:nvSpPr>
+          <p:cNvPr id="9" name="文本框 4"/>
+          <p:cNvSpPr txBox="1"/>
+          <p:nvPr>
+            <p:custDataLst>
+              <p:tags r:id="rId2"/>
             </p:custDataLst>
           </p:nvPr>
         </p:nvSpPr>
@@ -9814,9 +10019,9 @@
                 </a:solidFill>
                 <a:sym typeface="+mn-ea"/>
               </a:rPr>
-              <a:t>数据库操作</a:t>
-            </a:r>
-            <a:endParaRPr lang="en-US" altLang="zh-CN" dirty="0">
+              <a:t>网络</a:t>
+            </a:r>
+            <a:endParaRPr lang="en-US" altLang="zh-CN" dirty="0" smtClean="0">
               <a:solidFill>
                 <a:srgbClr val="000000"/>
               </a:solidFill>
@@ -9832,15 +10037,42 @@
               <a:buAutoNum type="arabicPeriod"/>
             </a:pPr>
             <a:r>
-              <a:rPr lang="en-US" altLang="zh-CN" dirty="0" err="1" smtClean="0">
+              <a:rPr lang="zh-CN" altLang="en-US" sz="1600" dirty="0" smtClean="0">
                 <a:solidFill>
                   <a:srgbClr val="000000"/>
                 </a:solidFill>
                 <a:sym typeface="+mn-ea"/>
               </a:rPr>
-              <a:t>Redis</a:t>
-            </a:r>
-            <a:endParaRPr lang="en-US" altLang="zh-CN" dirty="0" smtClean="0">
+              <a:t>网络</a:t>
+            </a:r>
+            <a:r>
+              <a:rPr lang="en-US" altLang="zh-CN" sz="1600" dirty="0" smtClean="0">
+                <a:solidFill>
+                  <a:srgbClr val="000000"/>
+                </a:solidFill>
+                <a:sym typeface="+mn-ea"/>
+              </a:rPr>
+              <a:t>TCP</a:t>
+            </a:r>
+            <a:r>
+              <a:rPr lang="zh-CN" altLang="en-US" sz="1600" dirty="0" smtClean="0">
+                <a:solidFill>
+                  <a:srgbClr val="000000"/>
+                </a:solidFill>
+                <a:sym typeface="+mn-ea"/>
+              </a:rPr>
+              <a:t>客户端</a:t>
+            </a:r>
+            <a:r>
+              <a:rPr lang="en-US" altLang="zh-CN" sz="1600" dirty="0" err="1" smtClean="0">
+                <a:solidFill>
+                  <a:srgbClr val="000000"/>
+                </a:solidFill>
+                <a:sym typeface="+mn-ea"/>
+              </a:rPr>
+              <a:t>TcpClient</a:t>
+            </a:r>
+            <a:endParaRPr lang="en-US" altLang="zh-CN" sz="1600" dirty="0">
               <a:solidFill>
                 <a:srgbClr val="000000"/>
               </a:solidFill>
@@ -9856,14 +10088,47 @@
               <a:buAutoNum type="arabicPeriod"/>
             </a:pPr>
             <a:r>
-              <a:rPr lang="en-US" altLang="zh-CN" dirty="0" smtClean="0">
+              <a:rPr lang="zh-CN" altLang="en-US" sz="1600" dirty="0" smtClean="0">
                 <a:solidFill>
                   <a:srgbClr val="000000"/>
                 </a:solidFill>
                 <a:sym typeface="+mn-ea"/>
               </a:rPr>
-              <a:t>Mongo</a:t>
-            </a:r>
+              <a:t>网络</a:t>
+            </a:r>
+            <a:r>
+              <a:rPr lang="en-US" altLang="zh-CN" sz="1600" dirty="0" smtClean="0">
+                <a:solidFill>
+                  <a:srgbClr val="000000"/>
+                </a:solidFill>
+                <a:sym typeface="+mn-ea"/>
+              </a:rPr>
+              <a:t>TCP</a:t>
+            </a:r>
+            <a:r>
+              <a:rPr lang="zh-CN" altLang="en-US" sz="1600" dirty="0" smtClean="0">
+                <a:solidFill>
+                  <a:srgbClr val="000000"/>
+                </a:solidFill>
+                <a:sym typeface="+mn-ea"/>
+              </a:rPr>
+              <a:t>服务器</a:t>
+            </a:r>
+            <a:r>
+              <a:rPr lang="en-US" altLang="zh-CN" sz="1600" dirty="0" err="1" smtClean="0">
+                <a:solidFill>
+                  <a:srgbClr val="000000"/>
+                </a:solidFill>
+                <a:sym typeface="+mn-ea"/>
+              </a:rPr>
+              <a:t>TcpServer</a:t>
+            </a:r>
+            <a:endParaRPr lang="en-US" altLang="zh-CN" sz="1600" dirty="0" smtClean="0">
+              <a:solidFill>
+                <a:srgbClr val="000000"/>
+              </a:solidFill>
+              <a:sym typeface="+mn-ea"/>
+            </a:endParaRPr>
           </a:p>
           <a:p>
             <a:pPr marL="800100" lvl="1" indent="-342900">
@@ -9874,204 +10139,23 @@
               <a:buAutoNum type="arabicPeriod"/>
             </a:pPr>
             <a:r>
-              <a:rPr lang="en-US" altLang="zh-CN" dirty="0">
+              <a:rPr lang="zh-CN" altLang="en-US" sz="1600" dirty="0" smtClean="0">
                 <a:solidFill>
                   <a:srgbClr val="000000"/>
                 </a:solidFill>
                 <a:sym typeface="+mn-ea"/>
               </a:rPr>
-              <a:t>MySQL</a:t>
-            </a:r>
-            <a:r>
-              <a:rPr lang="en-US" altLang="zh-CN" dirty="0" smtClean="0">
+              <a:t>网络消息处理器</a:t>
+            </a:r>
+            <a:r>
+              <a:rPr lang="en-US" altLang="zh-CN" sz="1600" dirty="0" smtClean="0">
                 <a:solidFill>
                   <a:srgbClr val="000000"/>
                 </a:solidFill>
                 <a:sym typeface="+mn-ea"/>
               </a:rPr>
-              <a:t> </a:t>
-            </a:r>
-            <a:endParaRPr lang="en-US" altLang="zh-CN" dirty="0">
-              <a:solidFill>
-                <a:srgbClr val="000000"/>
-              </a:solidFill>
-              <a:sym typeface="+mn-ea"/>
-            </a:endParaRPr>
-          </a:p>
-        </p:txBody>
-      </p:sp>
-    </p:spTree>
-    <p:extLst>
-      <p:ext uri="{BB962C8B-B14F-4D97-AF65-F5344CB8AC3E}">
-        <p14:creationId xmlns:p14="http://schemas.microsoft.com/office/powerpoint/2010/main" val="2545858269"/>
-      </p:ext>
-    </p:extLst>
-  </p:cSld>
-  <p:clrMapOvr>
-    <a:masterClrMapping/>
-  </p:clrMapOvr>
-</p:sld>
-</file>
-
-<file path=ppt/slides/slide14.xml><?xml version="1.0" encoding="utf-8"?>
-<p:sld xmlns:a="http://schemas.openxmlformats.org/drawingml/2006/main" xmlns:r="http://schemas.openxmlformats.org/officeDocument/2006/relationships" xmlns:p="http://schemas.openxmlformats.org/presentationml/2006/main">
-  <p:cSld>
-    <p:spTree>
-      <p:nvGrpSpPr>
-        <p:cNvPr id="1" name=""/>
-        <p:cNvGrpSpPr/>
-        <p:nvPr/>
-      </p:nvGrpSpPr>
-      <p:grpSpPr>
-        <a:xfrm>
-          <a:off x="0" y="0"/>
-          <a:ext cx="0" cy="0"/>
-          <a:chOff x="0" y="0"/>
-          <a:chExt cx="0" cy="0"/>
-        </a:xfrm>
-      </p:grpSpPr>
-      <p:sp>
-        <p:nvSpPr>
-          <p:cNvPr id="2" name="文本框 4"/>
-          <p:cNvSpPr txBox="1"/>
-          <p:nvPr>
-            <p:custDataLst>
-              <p:tags r:id="rId1"/>
-            </p:custDataLst>
-          </p:nvPr>
-        </p:nvSpPr>
-        <p:spPr>
-          <a:xfrm>
-            <a:off x="669600" y="1343278"/>
-            <a:ext cx="10074168" cy="4415422"/>
-          </a:xfrm>
-          <a:prstGeom prst="rect">
-            <a:avLst/>
-          </a:prstGeom>
-          <a:noFill/>
-        </p:spPr>
-        <p:txBody>
-          <a:bodyPr wrap="square" lIns="90000" tIns="46800" rIns="90000" bIns="46800" rtlCol="0">
-            <a:normAutofit lnSpcReduction="10000"/>
-          </a:bodyPr>
-          <a:lstStyle>
-            <a:defPPr>
-              <a:defRPr lang="zh-CN"/>
-            </a:defPPr>
-            <a:lvl1pPr marL="0" algn="l" defTabSz="913765" rtl="0" eaLnBrk="1" latinLnBrk="0" hangingPunct="1">
-              <a:defRPr sz="1800" kern="1200">
-                <a:solidFill>
-                  <a:schemeClr val="tx1"/>
-                </a:solidFill>
-                <a:latin typeface="+mn-lt"/>
-                <a:ea typeface="+mn-ea"/>
-                <a:cs typeface="+mn-cs"/>
-              </a:defRPr>
-            </a:lvl1pPr>
-            <a:lvl2pPr marL="457200" algn="l" defTabSz="913765" rtl="0" eaLnBrk="1" latinLnBrk="0" hangingPunct="1">
-              <a:defRPr sz="1800" kern="1200">
-                <a:solidFill>
-                  <a:schemeClr val="tx1"/>
-                </a:solidFill>
-                <a:latin typeface="+mn-lt"/>
-                <a:ea typeface="+mn-ea"/>
-                <a:cs typeface="+mn-cs"/>
-              </a:defRPr>
-            </a:lvl2pPr>
-            <a:lvl3pPr marL="914400" algn="l" defTabSz="913765" rtl="0" eaLnBrk="1" latinLnBrk="0" hangingPunct="1">
-              <a:defRPr sz="1800" kern="1200">
-                <a:solidFill>
-                  <a:schemeClr val="tx1"/>
-                </a:solidFill>
-                <a:latin typeface="+mn-lt"/>
-                <a:ea typeface="+mn-ea"/>
-                <a:cs typeface="+mn-cs"/>
-              </a:defRPr>
-            </a:lvl3pPr>
-            <a:lvl4pPr marL="1371600" algn="l" defTabSz="913765" rtl="0" eaLnBrk="1" latinLnBrk="0" hangingPunct="1">
-              <a:defRPr sz="1800" kern="1200">
-                <a:solidFill>
-                  <a:schemeClr val="tx1"/>
-                </a:solidFill>
-                <a:latin typeface="+mn-lt"/>
-                <a:ea typeface="+mn-ea"/>
-                <a:cs typeface="+mn-cs"/>
-              </a:defRPr>
-            </a:lvl4pPr>
-            <a:lvl5pPr marL="1828800" algn="l" defTabSz="913765" rtl="0" eaLnBrk="1" latinLnBrk="0" hangingPunct="1">
-              <a:defRPr sz="1800" kern="1200">
-                <a:solidFill>
-                  <a:schemeClr val="tx1"/>
-                </a:solidFill>
-                <a:latin typeface="+mn-lt"/>
-                <a:ea typeface="+mn-ea"/>
-                <a:cs typeface="+mn-cs"/>
-              </a:defRPr>
-            </a:lvl5pPr>
-            <a:lvl6pPr marL="2286000" algn="l" defTabSz="913765" rtl="0" eaLnBrk="1" latinLnBrk="0" hangingPunct="1">
-              <a:defRPr sz="1800" kern="1200">
-                <a:solidFill>
-                  <a:schemeClr val="tx1"/>
-                </a:solidFill>
-                <a:latin typeface="+mn-lt"/>
-                <a:ea typeface="+mn-ea"/>
-                <a:cs typeface="+mn-cs"/>
-              </a:defRPr>
-            </a:lvl6pPr>
-            <a:lvl7pPr marL="2743200" algn="l" defTabSz="913765" rtl="0" eaLnBrk="1" latinLnBrk="0" hangingPunct="1">
-              <a:defRPr sz="1800" kern="1200">
-                <a:solidFill>
-                  <a:schemeClr val="tx1"/>
-                </a:solidFill>
-                <a:latin typeface="+mn-lt"/>
-                <a:ea typeface="+mn-ea"/>
-                <a:cs typeface="+mn-cs"/>
-              </a:defRPr>
-            </a:lvl7pPr>
-            <a:lvl8pPr marL="3200400" algn="l" defTabSz="913765" rtl="0" eaLnBrk="1" latinLnBrk="0" hangingPunct="1">
-              <a:defRPr sz="1800" kern="1200">
-                <a:solidFill>
-                  <a:schemeClr val="tx1"/>
-                </a:solidFill>
-                <a:latin typeface="+mn-lt"/>
-                <a:ea typeface="+mn-ea"/>
-                <a:cs typeface="+mn-cs"/>
-              </a:defRPr>
-            </a:lvl8pPr>
-            <a:lvl9pPr marL="3657600" algn="l" defTabSz="913765" rtl="0" eaLnBrk="1" latinLnBrk="0" hangingPunct="1">
-              <a:defRPr sz="1800" kern="1200">
-                <a:solidFill>
-                  <a:schemeClr val="tx1"/>
-                </a:solidFill>
-                <a:latin typeface="+mn-lt"/>
-                <a:ea typeface="+mn-ea"/>
-                <a:cs typeface="+mn-cs"/>
-              </a:defRPr>
-            </a:lvl9pPr>
-          </a:lstStyle>
-          <a:p>
-            <a:pPr marL="285750" indent="-285750">
-              <a:lnSpc>
-                <a:spcPct val="200000"/>
-              </a:lnSpc>
-              <a:buFont typeface="Arial" panose="020B0604020202020204" pitchFamily="34" charset="0"/>
-              <a:buChar char="•"/>
-            </a:pPr>
-            <a:r>
-              <a:rPr lang="zh-CN" altLang="en-US" dirty="0" smtClean="0">
-                <a:solidFill>
-                  <a:srgbClr val="000000"/>
-                </a:solidFill>
-                <a:sym typeface="+mn-ea"/>
-              </a:rPr>
-              <a:t>基础功能</a:t>
-            </a:r>
-            <a:endParaRPr lang="en-US" altLang="zh-CN" dirty="0" smtClean="0">
-              <a:solidFill>
-                <a:srgbClr val="000000"/>
-              </a:solidFill>
-              <a:sym typeface="+mn-ea"/>
-            </a:endParaRPr>
+              <a:t>Message</a:t>
+            </a:r>
           </a:p>
           <a:p>
             <a:pPr marL="800100" lvl="1" indent="-342900">
@@ -10082,22 +10166,22 @@
               <a:buAutoNum type="arabicPeriod"/>
             </a:pPr>
             <a:r>
-              <a:rPr lang="zh-CN" altLang="en-US" dirty="0" smtClean="0">
+              <a:rPr lang="zh-CN" altLang="en-US" sz="1600" dirty="0" smtClean="0">
                 <a:solidFill>
                   <a:srgbClr val="000000"/>
                 </a:solidFill>
                 <a:sym typeface="+mn-ea"/>
               </a:rPr>
-              <a:t>定时器</a:t>
-            </a:r>
-            <a:r>
-              <a:rPr lang="en-US" altLang="zh-CN" dirty="0" smtClean="0">
+              <a:t>网络连接关系</a:t>
+            </a:r>
+            <a:r>
+              <a:rPr lang="en-US" altLang="zh-CN" sz="1600" dirty="0" smtClean="0">
                 <a:solidFill>
                   <a:srgbClr val="000000"/>
                 </a:solidFill>
                 <a:sym typeface="+mn-ea"/>
               </a:rPr>
-              <a:t>Timer</a:t>
+              <a:t>Bus</a:t>
             </a:r>
           </a:p>
           <a:p>
@@ -10109,23 +10193,47 @@
               <a:buAutoNum type="arabicPeriod"/>
             </a:pPr>
             <a:r>
-              <a:rPr lang="zh-CN" altLang="en-US" dirty="0" smtClean="0">
+              <a:rPr lang="zh-CN" altLang="en-US" sz="1600" dirty="0" smtClean="0">
                 <a:solidFill>
                   <a:srgbClr val="000000"/>
                 </a:solidFill>
                 <a:sym typeface="+mn-ea"/>
               </a:rPr>
-              <a:t>计划任务</a:t>
-            </a:r>
-            <a:r>
-              <a:rPr lang="en-US" altLang="zh-CN" dirty="0" smtClean="0">
+              <a:t>网络</a:t>
+            </a:r>
+            <a:r>
+              <a:rPr lang="en-US" altLang="zh-CN" sz="1600" dirty="0" smtClean="0">
                 <a:solidFill>
                   <a:srgbClr val="000000"/>
                 </a:solidFill>
                 <a:sym typeface="+mn-ea"/>
               </a:rPr>
-              <a:t>Schedule</a:t>
-            </a:r>
+              <a:t>HTTP</a:t>
+            </a:r>
+            <a:r>
+              <a:rPr lang="zh-CN" altLang="en-US" sz="1600" dirty="0" smtClean="0">
+                <a:solidFill>
+                  <a:srgbClr val="000000"/>
+                </a:solidFill>
+                <a:sym typeface="+mn-ea"/>
+              </a:rPr>
+              <a:t>客户端</a:t>
+            </a:r>
+            <a:r>
+              <a:rPr lang="en-US" altLang="zh-CN" sz="1600" dirty="0" err="1" smtClean="0">
+                <a:solidFill>
+                  <a:srgbClr val="000000"/>
+                </a:solidFill>
+                <a:sym typeface="+mn-ea"/>
+              </a:rPr>
+              <a:t>HttpClient</a:t>
+            </a:r>
+            <a:endParaRPr lang="en-US" altLang="zh-CN" sz="1600" dirty="0" smtClean="0">
+              <a:solidFill>
+                <a:srgbClr val="000000"/>
+              </a:solidFill>
+              <a:sym typeface="+mn-ea"/>
+            </a:endParaRPr>
           </a:p>
           <a:p>
             <a:pPr marL="800100" lvl="1" indent="-342900">
@@ -10136,33 +10244,42 @@
               <a:buAutoNum type="arabicPeriod"/>
             </a:pPr>
             <a:r>
-              <a:rPr lang="zh-CN" altLang="en-US" dirty="0">
+              <a:rPr lang="zh-CN" altLang="en-US" sz="1600" dirty="0" smtClean="0">
                 <a:solidFill>
                   <a:srgbClr val="000000"/>
                 </a:solidFill>
                 <a:sym typeface="+mn-ea"/>
               </a:rPr>
-              <a:t>配置</a:t>
-            </a:r>
-            <a:r>
-              <a:rPr lang="zh-CN" altLang="en-US" dirty="0" smtClean="0">
+              <a:t>网络</a:t>
+            </a:r>
+            <a:r>
+              <a:rPr lang="en-US" altLang="zh-CN" sz="1600" dirty="0" smtClean="0">
                 <a:solidFill>
                   <a:srgbClr val="000000"/>
                 </a:solidFill>
                 <a:sym typeface="+mn-ea"/>
               </a:rPr>
-              <a:t>表管理</a:t>
-            </a:r>
-            <a:r>
-              <a:rPr lang="en-US" altLang="zh-CN" dirty="0" err="1" smtClean="0">
+              <a:t>HTTP</a:t>
+            </a:r>
+            <a:r>
+              <a:rPr lang="zh-CN" altLang="en-US" sz="1600" dirty="0" smtClean="0">
                 <a:solidFill>
                   <a:srgbClr val="000000"/>
                 </a:solidFill>
                 <a:sym typeface="+mn-ea"/>
               </a:rPr>
-              <a:t>Config</a:t>
-            </a:r>
-            <a:endParaRPr lang="en-US" altLang="zh-CN" dirty="0" smtClean="0">
+              <a:t>服务器</a:t>
+            </a:r>
+            <a:r>
+              <a:rPr lang="en-US" altLang="zh-CN" sz="1600" dirty="0" err="1" smtClean="0">
+                <a:solidFill>
+                  <a:srgbClr val="000000"/>
+                </a:solidFill>
+                <a:sym typeface="+mn-ea"/>
+              </a:rPr>
+              <a:t>HttpServer</a:t>
+            </a:r>
+            <a:endParaRPr lang="en-US" altLang="zh-CN" sz="1600" dirty="0" smtClean="0">
               <a:solidFill>
                 <a:srgbClr val="000000"/>
               </a:solidFill>
@@ -10178,1076 +10295,24 @@
               <a:buAutoNum type="arabicPeriod"/>
             </a:pPr>
             <a:r>
-              <a:rPr lang="zh-CN" altLang="en-US" dirty="0" smtClean="0">
+              <a:rPr lang="zh-CN" altLang="en-US" sz="1600" dirty="0" smtClean="0">
                 <a:solidFill>
                   <a:srgbClr val="000000"/>
                 </a:solidFill>
                 <a:sym typeface="+mn-ea"/>
               </a:rPr>
-              <a:t>条件管理</a:t>
-            </a:r>
-            <a:r>
-              <a:rPr lang="en-US" altLang="zh-CN" dirty="0" smtClean="0">
+              <a:t>网络消息路由</a:t>
+            </a:r>
+            <a:r>
+              <a:rPr lang="en-US" altLang="zh-CN" sz="1600" dirty="0" smtClean="0">
                 <a:solidFill>
                   <a:srgbClr val="000000"/>
                 </a:solidFill>
                 <a:sym typeface="+mn-ea"/>
               </a:rPr>
-              <a:t>Condition</a:t>
-            </a:r>
-          </a:p>
-          <a:p>
-            <a:pPr marL="800100" lvl="1" indent="-342900">
-              <a:lnSpc>
-                <a:spcPct val="200000"/>
-              </a:lnSpc>
-              <a:buFont typeface="+mj-lt"/>
-              <a:buAutoNum type="arabicPeriod"/>
-            </a:pPr>
-            <a:r>
-              <a:rPr lang="zh-CN" altLang="en-US" dirty="0" smtClean="0">
-                <a:solidFill>
-                  <a:srgbClr val="000000"/>
-                </a:solidFill>
-                <a:sym typeface="+mn-ea"/>
-              </a:rPr>
-              <a:t>属性管理</a:t>
-            </a:r>
-            <a:r>
-              <a:rPr lang="en-US" altLang="zh-CN" dirty="0" smtClean="0">
-                <a:solidFill>
-                  <a:srgbClr val="000000"/>
-                </a:solidFill>
-                <a:sym typeface="+mn-ea"/>
-              </a:rPr>
-              <a:t>Kernel</a:t>
-            </a:r>
-          </a:p>
-          <a:p>
-            <a:pPr marL="800100" lvl="1" indent="-342900">
-              <a:lnSpc>
-                <a:spcPct val="200000"/>
-              </a:lnSpc>
-              <a:buFont typeface="+mj-lt"/>
-              <a:buAutoNum type="arabicPeriod"/>
-            </a:pPr>
-            <a:r>
-              <a:rPr lang="zh-CN" altLang="en-US" dirty="0" smtClean="0">
-                <a:solidFill>
-                  <a:srgbClr val="000000"/>
-                </a:solidFill>
-                <a:sym typeface="+mn-ea"/>
-              </a:rPr>
-              <a:t>功能输出</a:t>
-            </a:r>
-            <a:r>
-              <a:rPr lang="en-US" altLang="zh-CN" dirty="0" smtClean="0">
-                <a:solidFill>
-                  <a:srgbClr val="000000"/>
-                </a:solidFill>
-                <a:sym typeface="+mn-ea"/>
-              </a:rPr>
-              <a:t>Execute</a:t>
-            </a:r>
-          </a:p>
-          <a:p>
-            <a:pPr marL="800100" lvl="1" indent="-342900">
-              <a:lnSpc>
-                <a:spcPct val="200000"/>
-              </a:lnSpc>
-              <a:buFont typeface="+mj-lt"/>
-              <a:buAutoNum type="arabicPeriod"/>
-            </a:pPr>
-            <a:r>
-              <a:rPr lang="en-US" altLang="zh-CN" dirty="0" err="1" smtClean="0">
-                <a:solidFill>
-                  <a:srgbClr val="000000"/>
-                </a:solidFill>
-                <a:sym typeface="+mn-ea"/>
-              </a:rPr>
-              <a:t>Lua</a:t>
-            </a:r>
-            <a:endParaRPr lang="en-US" altLang="zh-CN" dirty="0" smtClean="0">
-              <a:solidFill>
-                <a:srgbClr val="000000"/>
-              </a:solidFill>
-              <a:sym typeface="+mn-ea"/>
-            </a:endParaRPr>
-          </a:p>
-        </p:txBody>
-      </p:sp>
-    </p:spTree>
-    <p:extLst>
-      <p:ext uri="{BB962C8B-B14F-4D97-AF65-F5344CB8AC3E}">
-        <p14:creationId xmlns:p14="http://schemas.microsoft.com/office/powerpoint/2010/main" val="2164219795"/>
-      </p:ext>
-    </p:extLst>
-  </p:cSld>
-  <p:clrMapOvr>
-    <a:masterClrMapping/>
-  </p:clrMapOvr>
-</p:sld>
-</file>
-
-<file path=ppt/slides/slide15.xml><?xml version="1.0" encoding="utf-8"?>
-<p:sld xmlns:a="http://schemas.openxmlformats.org/drawingml/2006/main" xmlns:r="http://schemas.openxmlformats.org/officeDocument/2006/relationships" xmlns:p="http://schemas.openxmlformats.org/presentationml/2006/main">
-  <p:cSld>
-    <p:spTree>
-      <p:nvGrpSpPr>
-        <p:cNvPr id="1" name=""/>
-        <p:cNvGrpSpPr/>
-        <p:nvPr/>
-      </p:nvGrpSpPr>
-      <p:grpSpPr>
-        <a:xfrm>
-          <a:off x="0" y="0"/>
-          <a:ext cx="0" cy="0"/>
-          <a:chOff x="0" y="0"/>
-          <a:chExt cx="0" cy="0"/>
-        </a:xfrm>
-      </p:grpSpPr>
-      <p:sp>
-        <p:nvSpPr>
-          <p:cNvPr id="2" name="文本框 4"/>
-          <p:cNvSpPr txBox="1"/>
-          <p:nvPr>
-            <p:custDataLst>
-              <p:tags r:id="rId1"/>
-            </p:custDataLst>
-          </p:nvPr>
-        </p:nvSpPr>
-        <p:spPr>
-          <a:xfrm>
-            <a:off x="669600" y="194209"/>
-            <a:ext cx="10074168" cy="6663791"/>
-          </a:xfrm>
-          <a:prstGeom prst="rect">
-            <a:avLst/>
-          </a:prstGeom>
-          <a:noFill/>
-        </p:spPr>
-        <p:txBody>
-          <a:bodyPr wrap="square" lIns="90000" tIns="46800" rIns="90000" bIns="46800" rtlCol="0">
-            <a:normAutofit lnSpcReduction="10000"/>
-          </a:bodyPr>
-          <a:lstStyle>
-            <a:defPPr>
-              <a:defRPr lang="zh-CN"/>
-            </a:defPPr>
-            <a:lvl1pPr marL="0" algn="l" defTabSz="913765" rtl="0" eaLnBrk="1" latinLnBrk="0" hangingPunct="1">
-              <a:defRPr sz="1800" kern="1200">
-                <a:solidFill>
-                  <a:schemeClr val="tx1"/>
-                </a:solidFill>
-                <a:latin typeface="+mn-lt"/>
-                <a:ea typeface="+mn-ea"/>
-                <a:cs typeface="+mn-cs"/>
-              </a:defRPr>
-            </a:lvl1pPr>
-            <a:lvl2pPr marL="457200" algn="l" defTabSz="913765" rtl="0" eaLnBrk="1" latinLnBrk="0" hangingPunct="1">
-              <a:defRPr sz="1800" kern="1200">
-                <a:solidFill>
-                  <a:schemeClr val="tx1"/>
-                </a:solidFill>
-                <a:latin typeface="+mn-lt"/>
-                <a:ea typeface="+mn-ea"/>
-                <a:cs typeface="+mn-cs"/>
-              </a:defRPr>
-            </a:lvl2pPr>
-            <a:lvl3pPr marL="914400" algn="l" defTabSz="913765" rtl="0" eaLnBrk="1" latinLnBrk="0" hangingPunct="1">
-              <a:defRPr sz="1800" kern="1200">
-                <a:solidFill>
-                  <a:schemeClr val="tx1"/>
-                </a:solidFill>
-                <a:latin typeface="+mn-lt"/>
-                <a:ea typeface="+mn-ea"/>
-                <a:cs typeface="+mn-cs"/>
-              </a:defRPr>
-            </a:lvl3pPr>
-            <a:lvl4pPr marL="1371600" algn="l" defTabSz="913765" rtl="0" eaLnBrk="1" latinLnBrk="0" hangingPunct="1">
-              <a:defRPr sz="1800" kern="1200">
-                <a:solidFill>
-                  <a:schemeClr val="tx1"/>
-                </a:solidFill>
-                <a:latin typeface="+mn-lt"/>
-                <a:ea typeface="+mn-ea"/>
-                <a:cs typeface="+mn-cs"/>
-              </a:defRPr>
-            </a:lvl4pPr>
-            <a:lvl5pPr marL="1828800" algn="l" defTabSz="913765" rtl="0" eaLnBrk="1" latinLnBrk="0" hangingPunct="1">
-              <a:defRPr sz="1800" kern="1200">
-                <a:solidFill>
-                  <a:schemeClr val="tx1"/>
-                </a:solidFill>
-                <a:latin typeface="+mn-lt"/>
-                <a:ea typeface="+mn-ea"/>
-                <a:cs typeface="+mn-cs"/>
-              </a:defRPr>
-            </a:lvl5pPr>
-            <a:lvl6pPr marL="2286000" algn="l" defTabSz="913765" rtl="0" eaLnBrk="1" latinLnBrk="0" hangingPunct="1">
-              <a:defRPr sz="1800" kern="1200">
-                <a:solidFill>
-                  <a:schemeClr val="tx1"/>
-                </a:solidFill>
-                <a:latin typeface="+mn-lt"/>
-                <a:ea typeface="+mn-ea"/>
-                <a:cs typeface="+mn-cs"/>
-              </a:defRPr>
-            </a:lvl6pPr>
-            <a:lvl7pPr marL="2743200" algn="l" defTabSz="913765" rtl="0" eaLnBrk="1" latinLnBrk="0" hangingPunct="1">
-              <a:defRPr sz="1800" kern="1200">
-                <a:solidFill>
-                  <a:schemeClr val="tx1"/>
-                </a:solidFill>
-                <a:latin typeface="+mn-lt"/>
-                <a:ea typeface="+mn-ea"/>
-                <a:cs typeface="+mn-cs"/>
-              </a:defRPr>
-            </a:lvl7pPr>
-            <a:lvl8pPr marL="3200400" algn="l" defTabSz="913765" rtl="0" eaLnBrk="1" latinLnBrk="0" hangingPunct="1">
-              <a:defRPr sz="1800" kern="1200">
-                <a:solidFill>
-                  <a:schemeClr val="tx1"/>
-                </a:solidFill>
-                <a:latin typeface="+mn-lt"/>
-                <a:ea typeface="+mn-ea"/>
-                <a:cs typeface="+mn-cs"/>
-              </a:defRPr>
-            </a:lvl8pPr>
-            <a:lvl9pPr marL="3657600" algn="l" defTabSz="913765" rtl="0" eaLnBrk="1" latinLnBrk="0" hangingPunct="1">
-              <a:defRPr sz="1800" kern="1200">
-                <a:solidFill>
-                  <a:schemeClr val="tx1"/>
-                </a:solidFill>
-                <a:latin typeface="+mn-lt"/>
-                <a:ea typeface="+mn-ea"/>
-                <a:cs typeface="+mn-cs"/>
-              </a:defRPr>
-            </a:lvl9pPr>
-          </a:lstStyle>
-          <a:p>
-            <a:pPr marL="285750" indent="-285750">
-              <a:lnSpc>
-                <a:spcPct val="200000"/>
-              </a:lnSpc>
-              <a:buFont typeface="Arial" panose="020B0604020202020204" pitchFamily="34" charset="0"/>
-              <a:buChar char="•"/>
-            </a:pPr>
-            <a:r>
-              <a:rPr lang="zh-CN" altLang="en-US" dirty="0" smtClean="0">
-                <a:solidFill>
-                  <a:srgbClr val="000000"/>
-                </a:solidFill>
-                <a:sym typeface="+mn-ea"/>
-              </a:rPr>
-              <a:t>游戏结构相关</a:t>
-            </a:r>
-            <a:endParaRPr lang="en-US" altLang="zh-CN" dirty="0" smtClean="0">
-              <a:solidFill>
-                <a:srgbClr val="000000"/>
-              </a:solidFill>
-              <a:sym typeface="+mn-ea"/>
-            </a:endParaRPr>
-          </a:p>
-          <a:p>
-            <a:pPr marL="800100" lvl="1" indent="-342900">
-              <a:lnSpc>
-                <a:spcPct val="200000"/>
-              </a:lnSpc>
-              <a:buFont typeface="+mj-lt"/>
-              <a:buAutoNum type="arabicPeriod"/>
-            </a:pPr>
-            <a:r>
-              <a:rPr lang="zh-CN" altLang="en-US" dirty="0" smtClean="0">
-                <a:solidFill>
-                  <a:srgbClr val="000000"/>
-                </a:solidFill>
-                <a:sym typeface="+mn-ea"/>
-              </a:rPr>
-              <a:t>网关服务</a:t>
-            </a:r>
-            <a:r>
-              <a:rPr lang="en-US" altLang="zh-CN" dirty="0" smtClean="0">
-                <a:solidFill>
-                  <a:srgbClr val="000000"/>
-                </a:solidFill>
-                <a:sym typeface="+mn-ea"/>
-              </a:rPr>
-              <a:t>Gate</a:t>
-            </a:r>
-            <a:endParaRPr lang="en-US" altLang="zh-CN" dirty="0">
-              <a:solidFill>
-                <a:srgbClr val="000000"/>
-              </a:solidFill>
-              <a:sym typeface="+mn-ea"/>
-            </a:endParaRPr>
-          </a:p>
-          <a:p>
-            <a:pPr marL="800100" lvl="1" indent="-342900">
-              <a:lnSpc>
-                <a:spcPct val="200000"/>
-              </a:lnSpc>
-              <a:buFont typeface="+mj-lt"/>
-              <a:buAutoNum type="arabicPeriod"/>
-            </a:pPr>
-            <a:r>
-              <a:rPr lang="zh-CN" altLang="en-US" dirty="0" smtClean="0">
-                <a:solidFill>
-                  <a:srgbClr val="000000"/>
-                </a:solidFill>
-                <a:sym typeface="+mn-ea"/>
-              </a:rPr>
-              <a:t>登录服务</a:t>
-            </a:r>
-            <a:r>
-              <a:rPr lang="en-US" altLang="zh-CN" dirty="0" smtClean="0">
-                <a:solidFill>
-                  <a:srgbClr val="000000"/>
-                </a:solidFill>
-                <a:sym typeface="+mn-ea"/>
-              </a:rPr>
-              <a:t>Login</a:t>
-            </a:r>
-          </a:p>
-          <a:p>
-            <a:pPr marL="800100" lvl="1" indent="-342900">
-              <a:lnSpc>
-                <a:spcPct val="200000"/>
-              </a:lnSpc>
-              <a:buFont typeface="+mj-lt"/>
-              <a:buAutoNum type="arabicPeriod"/>
-            </a:pPr>
-            <a:r>
-              <a:rPr lang="zh-CN" altLang="en-US" dirty="0">
-                <a:solidFill>
-                  <a:srgbClr val="000000"/>
-                </a:solidFill>
-                <a:sym typeface="+mn-ea"/>
-              </a:rPr>
-              <a:t>游戏</a:t>
-            </a:r>
-            <a:r>
-              <a:rPr lang="zh-CN" altLang="en-US" dirty="0" smtClean="0">
-                <a:solidFill>
-                  <a:srgbClr val="000000"/>
-                </a:solidFill>
-                <a:sym typeface="+mn-ea"/>
-              </a:rPr>
-              <a:t>服务</a:t>
-            </a:r>
-            <a:r>
-              <a:rPr lang="en-US" altLang="zh-CN" dirty="0" smtClean="0">
-                <a:solidFill>
-                  <a:srgbClr val="000000"/>
-                </a:solidFill>
-                <a:sym typeface="+mn-ea"/>
-              </a:rPr>
-              <a:t>Game</a:t>
-            </a:r>
-          </a:p>
-          <a:p>
-            <a:pPr marL="800100" lvl="1" indent="-342900">
-              <a:lnSpc>
-                <a:spcPct val="200000"/>
-              </a:lnSpc>
-              <a:buFont typeface="+mj-lt"/>
-              <a:buAutoNum type="arabicPeriod"/>
-            </a:pPr>
-            <a:r>
-              <a:rPr lang="zh-CN" altLang="en-US" dirty="0" smtClean="0">
-                <a:solidFill>
-                  <a:srgbClr val="000000"/>
-                </a:solidFill>
-                <a:sym typeface="+mn-ea"/>
-              </a:rPr>
-              <a:t>世界服务</a:t>
-            </a:r>
-            <a:r>
-              <a:rPr lang="en-US" altLang="zh-CN" dirty="0" smtClean="0">
-                <a:solidFill>
-                  <a:srgbClr val="000000"/>
-                </a:solidFill>
-                <a:sym typeface="+mn-ea"/>
-              </a:rPr>
-              <a:t>World</a:t>
-            </a:r>
-          </a:p>
-          <a:p>
-            <a:pPr marL="800100" lvl="1" indent="-342900">
-              <a:lnSpc>
-                <a:spcPct val="200000"/>
-              </a:lnSpc>
-              <a:buFont typeface="+mj-lt"/>
-              <a:buAutoNum type="arabicPeriod"/>
-            </a:pPr>
-            <a:r>
-              <a:rPr lang="zh-CN" altLang="en-US" dirty="0" smtClean="0">
-                <a:solidFill>
-                  <a:srgbClr val="000000"/>
-                </a:solidFill>
-                <a:sym typeface="+mn-ea"/>
-              </a:rPr>
-              <a:t>发现服务</a:t>
-            </a:r>
-            <a:r>
-              <a:rPr lang="en-US" altLang="zh-CN" dirty="0" smtClean="0">
-                <a:solidFill>
-                  <a:srgbClr val="000000"/>
-                </a:solidFill>
-                <a:sym typeface="+mn-ea"/>
-              </a:rPr>
-              <a:t>Master</a:t>
-            </a:r>
-          </a:p>
-          <a:p>
-            <a:pPr marL="800100" lvl="1" indent="-342900">
-              <a:lnSpc>
-                <a:spcPct val="200000"/>
-              </a:lnSpc>
-              <a:buFont typeface="+mj-lt"/>
-              <a:buAutoNum type="arabicPeriod"/>
-            </a:pPr>
-            <a:r>
-              <a:rPr lang="zh-CN" altLang="en-US" dirty="0" smtClean="0">
-                <a:solidFill>
-                  <a:srgbClr val="000000"/>
-                </a:solidFill>
-                <a:sym typeface="+mn-ea"/>
-              </a:rPr>
-              <a:t>认证服务</a:t>
-            </a:r>
-            <a:r>
-              <a:rPr lang="en-US" altLang="zh-CN" dirty="0" err="1" smtClean="0">
-                <a:solidFill>
-                  <a:srgbClr val="000000"/>
-                </a:solidFill>
-                <a:sym typeface="+mn-ea"/>
-              </a:rPr>
-              <a:t>Auth</a:t>
-            </a:r>
-            <a:endParaRPr lang="en-US" altLang="zh-CN" dirty="0" smtClean="0">
-              <a:solidFill>
-                <a:srgbClr val="000000"/>
-              </a:solidFill>
-              <a:sym typeface="+mn-ea"/>
-            </a:endParaRPr>
-          </a:p>
-          <a:p>
-            <a:pPr marL="800100" lvl="1" indent="-342900">
-              <a:lnSpc>
-                <a:spcPct val="200000"/>
-              </a:lnSpc>
-              <a:buFont typeface="+mj-lt"/>
-              <a:buAutoNum type="arabicPeriod"/>
-            </a:pPr>
-            <a:r>
-              <a:rPr lang="zh-CN" altLang="en-US" dirty="0" smtClean="0">
-                <a:solidFill>
-                  <a:srgbClr val="000000"/>
-                </a:solidFill>
-                <a:sym typeface="+mn-ea"/>
-              </a:rPr>
-              <a:t>数据保存服务</a:t>
-            </a:r>
-            <a:r>
-              <a:rPr lang="en-US" altLang="zh-CN" dirty="0" smtClean="0">
-                <a:solidFill>
-                  <a:srgbClr val="000000"/>
-                </a:solidFill>
-                <a:sym typeface="+mn-ea"/>
-              </a:rPr>
-              <a:t>Data</a:t>
-            </a:r>
-          </a:p>
-          <a:p>
-            <a:pPr marL="800100" lvl="1" indent="-342900">
-              <a:lnSpc>
-                <a:spcPct val="200000"/>
-              </a:lnSpc>
-              <a:buFont typeface="+mj-lt"/>
-              <a:buAutoNum type="arabicPeriod"/>
-            </a:pPr>
-            <a:r>
-              <a:rPr lang="zh-CN" altLang="en-US" dirty="0" smtClean="0">
-                <a:solidFill>
-                  <a:srgbClr val="000000"/>
-                </a:solidFill>
-                <a:sym typeface="+mn-ea"/>
-              </a:rPr>
-              <a:t>邮件服务</a:t>
-            </a:r>
-            <a:r>
-              <a:rPr lang="en-US" altLang="zh-CN" dirty="0" smtClean="0">
-                <a:solidFill>
-                  <a:srgbClr val="000000"/>
-                </a:solidFill>
-                <a:sym typeface="+mn-ea"/>
-              </a:rPr>
-              <a:t>Mail</a:t>
-            </a:r>
-          </a:p>
-          <a:p>
-            <a:pPr marL="800100" lvl="1" indent="-342900">
-              <a:lnSpc>
-                <a:spcPct val="200000"/>
-              </a:lnSpc>
-              <a:buFont typeface="+mj-lt"/>
-              <a:buAutoNum type="arabicPeriod"/>
-            </a:pPr>
-            <a:r>
-              <a:rPr lang="zh-CN" altLang="en-US" dirty="0" smtClean="0">
-                <a:solidFill>
-                  <a:srgbClr val="000000"/>
-                </a:solidFill>
-                <a:sym typeface="+mn-ea"/>
-              </a:rPr>
-              <a:t>关系服务</a:t>
-            </a:r>
-            <a:r>
-              <a:rPr lang="en-US" altLang="zh-CN" dirty="0" smtClean="0">
-                <a:solidFill>
-                  <a:srgbClr val="000000"/>
-                </a:solidFill>
-                <a:sym typeface="+mn-ea"/>
-              </a:rPr>
-              <a:t>Relation</a:t>
-            </a:r>
-          </a:p>
-          <a:p>
-            <a:pPr marL="800100" lvl="1" indent="-342900">
-              <a:lnSpc>
-                <a:spcPct val="200000"/>
-              </a:lnSpc>
-              <a:buFont typeface="+mj-lt"/>
-              <a:buAutoNum type="arabicPeriod"/>
-            </a:pPr>
-            <a:r>
-              <a:rPr lang="zh-CN" altLang="en-US" dirty="0">
-                <a:solidFill>
-                  <a:srgbClr val="000000"/>
-                </a:solidFill>
-                <a:sym typeface="+mn-ea"/>
-              </a:rPr>
-              <a:t>排行</a:t>
-            </a:r>
-            <a:r>
-              <a:rPr lang="zh-CN" altLang="en-US" dirty="0" smtClean="0">
-                <a:solidFill>
-                  <a:srgbClr val="000000"/>
-                </a:solidFill>
-                <a:sym typeface="+mn-ea"/>
-              </a:rPr>
-              <a:t>榜服务</a:t>
-            </a:r>
-            <a:r>
-              <a:rPr lang="en-US" altLang="zh-CN" dirty="0" smtClean="0">
-                <a:solidFill>
-                  <a:srgbClr val="000000"/>
-                </a:solidFill>
-                <a:sym typeface="+mn-ea"/>
-              </a:rPr>
-              <a:t>Rank</a:t>
-            </a:r>
-          </a:p>
-          <a:p>
-            <a:pPr marL="800100" lvl="1" indent="-342900">
-              <a:lnSpc>
-                <a:spcPct val="200000"/>
-              </a:lnSpc>
-              <a:buFont typeface="+mj-lt"/>
-              <a:buAutoNum type="arabicPeriod"/>
-            </a:pPr>
-            <a:r>
-              <a:rPr lang="zh-CN" altLang="en-US" dirty="0">
-                <a:solidFill>
-                  <a:srgbClr val="000000"/>
-                </a:solidFill>
-                <a:sym typeface="+mn-ea"/>
-              </a:rPr>
-              <a:t>充</a:t>
-            </a:r>
-            <a:r>
-              <a:rPr lang="zh-CN" altLang="en-US" dirty="0" smtClean="0">
-                <a:solidFill>
-                  <a:srgbClr val="000000"/>
-                </a:solidFill>
-                <a:sym typeface="+mn-ea"/>
-              </a:rPr>
-              <a:t>值服务</a:t>
-            </a:r>
-            <a:r>
-              <a:rPr lang="en-US" altLang="zh-CN" dirty="0" smtClean="0">
-                <a:solidFill>
-                  <a:srgbClr val="000000"/>
-                </a:solidFill>
-                <a:sym typeface="+mn-ea"/>
-              </a:rPr>
-              <a:t>Pay</a:t>
-            </a:r>
-          </a:p>
-        </p:txBody>
-      </p:sp>
-    </p:spTree>
-    <p:extLst>
-      <p:ext uri="{BB962C8B-B14F-4D97-AF65-F5344CB8AC3E}">
-        <p14:creationId xmlns:p14="http://schemas.microsoft.com/office/powerpoint/2010/main" val="2920075445"/>
-      </p:ext>
-    </p:extLst>
-  </p:cSld>
-  <p:clrMapOvr>
-    <a:masterClrMapping/>
-  </p:clrMapOvr>
-</p:sld>
-</file>
-
-<file path=ppt/slides/slide16.xml><?xml version="1.0" encoding="utf-8"?>
-<p:sld xmlns:a="http://schemas.openxmlformats.org/drawingml/2006/main" xmlns:r="http://schemas.openxmlformats.org/officeDocument/2006/relationships" xmlns:p="http://schemas.openxmlformats.org/presentationml/2006/main">
-  <p:cSld>
-    <p:spTree>
-      <p:nvGrpSpPr>
-        <p:cNvPr id="1" name=""/>
-        <p:cNvGrpSpPr/>
-        <p:nvPr/>
-      </p:nvGrpSpPr>
-      <p:grpSpPr>
-        <a:xfrm>
-          <a:off x="0" y="0"/>
-          <a:ext cx="0" cy="0"/>
-          <a:chOff x="0" y="0"/>
-          <a:chExt cx="0" cy="0"/>
-        </a:xfrm>
-      </p:grpSpPr>
-      <p:sp>
-        <p:nvSpPr>
-          <p:cNvPr id="9" name="文本框 4"/>
-          <p:cNvSpPr txBox="1"/>
-          <p:nvPr>
-            <p:custDataLst>
-              <p:tags r:id="rId2"/>
-            </p:custDataLst>
-          </p:nvPr>
-        </p:nvSpPr>
-        <p:spPr>
-          <a:xfrm>
-            <a:off x="669600" y="1335185"/>
-            <a:ext cx="10074168" cy="5365020"/>
-          </a:xfrm>
-          <a:prstGeom prst="rect">
-            <a:avLst/>
-          </a:prstGeom>
-          <a:noFill/>
-        </p:spPr>
-        <p:txBody>
-          <a:bodyPr wrap="square" lIns="90000" tIns="46800" rIns="90000" bIns="46800" rtlCol="0">
-            <a:normAutofit/>
-          </a:bodyPr>
-          <a:lstStyle>
-            <a:defPPr>
-              <a:defRPr lang="zh-CN"/>
-            </a:defPPr>
-            <a:lvl1pPr marL="0" algn="l" defTabSz="913765" rtl="0" eaLnBrk="1" latinLnBrk="0" hangingPunct="1">
-              <a:defRPr sz="1800" kern="1200">
-                <a:solidFill>
-                  <a:schemeClr val="tx1"/>
-                </a:solidFill>
-                <a:latin typeface="+mn-lt"/>
-                <a:ea typeface="+mn-ea"/>
-                <a:cs typeface="+mn-cs"/>
-              </a:defRPr>
-            </a:lvl1pPr>
-            <a:lvl2pPr marL="457200" algn="l" defTabSz="913765" rtl="0" eaLnBrk="1" latinLnBrk="0" hangingPunct="1">
-              <a:defRPr sz="1800" kern="1200">
-                <a:solidFill>
-                  <a:schemeClr val="tx1"/>
-                </a:solidFill>
-                <a:latin typeface="+mn-lt"/>
-                <a:ea typeface="+mn-ea"/>
-                <a:cs typeface="+mn-cs"/>
-              </a:defRPr>
-            </a:lvl2pPr>
-            <a:lvl3pPr marL="914400" algn="l" defTabSz="913765" rtl="0" eaLnBrk="1" latinLnBrk="0" hangingPunct="1">
-              <a:defRPr sz="1800" kern="1200">
-                <a:solidFill>
-                  <a:schemeClr val="tx1"/>
-                </a:solidFill>
-                <a:latin typeface="+mn-lt"/>
-                <a:ea typeface="+mn-ea"/>
-                <a:cs typeface="+mn-cs"/>
-              </a:defRPr>
-            </a:lvl3pPr>
-            <a:lvl4pPr marL="1371600" algn="l" defTabSz="913765" rtl="0" eaLnBrk="1" latinLnBrk="0" hangingPunct="1">
-              <a:defRPr sz="1800" kern="1200">
-                <a:solidFill>
-                  <a:schemeClr val="tx1"/>
-                </a:solidFill>
-                <a:latin typeface="+mn-lt"/>
-                <a:ea typeface="+mn-ea"/>
-                <a:cs typeface="+mn-cs"/>
-              </a:defRPr>
-            </a:lvl4pPr>
-            <a:lvl5pPr marL="1828800" algn="l" defTabSz="913765" rtl="0" eaLnBrk="1" latinLnBrk="0" hangingPunct="1">
-              <a:defRPr sz="1800" kern="1200">
-                <a:solidFill>
-                  <a:schemeClr val="tx1"/>
-                </a:solidFill>
-                <a:latin typeface="+mn-lt"/>
-                <a:ea typeface="+mn-ea"/>
-                <a:cs typeface="+mn-cs"/>
-              </a:defRPr>
-            </a:lvl5pPr>
-            <a:lvl6pPr marL="2286000" algn="l" defTabSz="913765" rtl="0" eaLnBrk="1" latinLnBrk="0" hangingPunct="1">
-              <a:defRPr sz="1800" kern="1200">
-                <a:solidFill>
-                  <a:schemeClr val="tx1"/>
-                </a:solidFill>
-                <a:latin typeface="+mn-lt"/>
-                <a:ea typeface="+mn-ea"/>
-                <a:cs typeface="+mn-cs"/>
-              </a:defRPr>
-            </a:lvl6pPr>
-            <a:lvl7pPr marL="2743200" algn="l" defTabSz="913765" rtl="0" eaLnBrk="1" latinLnBrk="0" hangingPunct="1">
-              <a:defRPr sz="1800" kern="1200">
-                <a:solidFill>
-                  <a:schemeClr val="tx1"/>
-                </a:solidFill>
-                <a:latin typeface="+mn-lt"/>
-                <a:ea typeface="+mn-ea"/>
-                <a:cs typeface="+mn-cs"/>
-              </a:defRPr>
-            </a:lvl7pPr>
-            <a:lvl8pPr marL="3200400" algn="l" defTabSz="913765" rtl="0" eaLnBrk="1" latinLnBrk="0" hangingPunct="1">
-              <a:defRPr sz="1800" kern="1200">
-                <a:solidFill>
-                  <a:schemeClr val="tx1"/>
-                </a:solidFill>
-                <a:latin typeface="+mn-lt"/>
-                <a:ea typeface="+mn-ea"/>
-                <a:cs typeface="+mn-cs"/>
-              </a:defRPr>
-            </a:lvl8pPr>
-            <a:lvl9pPr marL="3657600" algn="l" defTabSz="913765" rtl="0" eaLnBrk="1" latinLnBrk="0" hangingPunct="1">
-              <a:defRPr sz="1800" kern="1200">
-                <a:solidFill>
-                  <a:schemeClr val="tx1"/>
-                </a:solidFill>
-                <a:latin typeface="+mn-lt"/>
-                <a:ea typeface="+mn-ea"/>
-                <a:cs typeface="+mn-cs"/>
-              </a:defRPr>
-            </a:lvl9pPr>
-          </a:lstStyle>
-          <a:p>
-            <a:pPr marL="285750" indent="-285750">
-              <a:lnSpc>
-                <a:spcPct val="200000"/>
-              </a:lnSpc>
-              <a:buFont typeface="Arial" panose="020B0604020202020204" pitchFamily="34" charset="0"/>
-              <a:buChar char="•"/>
-            </a:pPr>
-            <a:r>
-              <a:rPr lang="zh-CN" altLang="en-US" dirty="0" smtClean="0">
-                <a:solidFill>
-                  <a:srgbClr val="000000"/>
-                </a:solidFill>
-                <a:sym typeface="+mn-ea"/>
-              </a:rPr>
-              <a:t>玩家逻辑相关</a:t>
-            </a:r>
-            <a:endParaRPr lang="en-US" altLang="zh-CN" dirty="0" smtClean="0">
-              <a:solidFill>
-                <a:srgbClr val="000000"/>
-              </a:solidFill>
-              <a:sym typeface="+mn-ea"/>
-            </a:endParaRPr>
-          </a:p>
-          <a:p>
-            <a:pPr marL="800100" lvl="1" indent="-342900">
-              <a:lnSpc>
-                <a:spcPct val="200000"/>
-              </a:lnSpc>
-              <a:buFont typeface="+mj-lt"/>
-              <a:buAutoNum type="arabicPeriod"/>
-            </a:pPr>
-            <a:r>
-              <a:rPr lang="zh-CN" altLang="en-US" sz="1600" dirty="0" smtClean="0">
-                <a:solidFill>
-                  <a:srgbClr val="000000"/>
-                </a:solidFill>
-                <a:sym typeface="+mn-ea"/>
-              </a:rPr>
-              <a:t>属性重置</a:t>
-            </a:r>
-            <a:r>
-              <a:rPr lang="en-US" altLang="zh-CN" sz="1600" dirty="0" smtClean="0">
-                <a:solidFill>
-                  <a:srgbClr val="000000"/>
-                </a:solidFill>
-                <a:sym typeface="+mn-ea"/>
-              </a:rPr>
-              <a:t>(Reset)</a:t>
-            </a:r>
-          </a:p>
-          <a:p>
-            <a:pPr marL="800100" lvl="1" indent="-342900">
-              <a:lnSpc>
-                <a:spcPct val="200000"/>
-              </a:lnSpc>
-              <a:buFont typeface="+mj-lt"/>
-              <a:buAutoNum type="arabicPeriod"/>
-            </a:pPr>
-            <a:r>
-              <a:rPr lang="zh-CN" altLang="en-US" sz="1600" dirty="0" smtClean="0">
-                <a:solidFill>
-                  <a:srgbClr val="000000"/>
-                </a:solidFill>
-                <a:sym typeface="+mn-ea"/>
-              </a:rPr>
-              <a:t>进入离开游戏</a:t>
-            </a:r>
-            <a:r>
-              <a:rPr lang="en-US" altLang="zh-CN" sz="1600" dirty="0" smtClean="0">
-                <a:solidFill>
-                  <a:srgbClr val="000000"/>
-                </a:solidFill>
-                <a:sym typeface="+mn-ea"/>
-              </a:rPr>
-              <a:t>(</a:t>
-            </a:r>
-            <a:r>
-              <a:rPr lang="en-US" altLang="zh-CN" sz="1600" dirty="0" err="1" smtClean="0">
-                <a:solidFill>
-                  <a:srgbClr val="000000"/>
-                </a:solidFill>
-                <a:sym typeface="+mn-ea"/>
-              </a:rPr>
-              <a:t>Enter,Leave</a:t>
-            </a:r>
-            <a:r>
-              <a:rPr lang="en-US" altLang="zh-CN" sz="1600" dirty="0" smtClean="0">
-                <a:solidFill>
-                  <a:srgbClr val="000000"/>
-                </a:solidFill>
-                <a:sym typeface="+mn-ea"/>
-              </a:rPr>
-              <a:t>)</a:t>
-            </a:r>
-          </a:p>
-          <a:p>
-            <a:pPr marL="800100" lvl="1" indent="-342900">
-              <a:lnSpc>
-                <a:spcPct val="200000"/>
-              </a:lnSpc>
-              <a:buFont typeface="+mj-lt"/>
-              <a:buAutoNum type="arabicPeriod"/>
-            </a:pPr>
-            <a:r>
-              <a:rPr lang="zh-CN" altLang="en-US" sz="1600" dirty="0" smtClean="0">
-                <a:solidFill>
-                  <a:srgbClr val="000000"/>
-                </a:solidFill>
-                <a:sym typeface="+mn-ea"/>
-              </a:rPr>
-              <a:t>成就</a:t>
-            </a:r>
-            <a:r>
-              <a:rPr lang="en-US" altLang="zh-CN" sz="1600" dirty="0" smtClean="0">
-                <a:solidFill>
-                  <a:srgbClr val="000000"/>
-                </a:solidFill>
-                <a:sym typeface="+mn-ea"/>
-              </a:rPr>
-              <a:t>(Achieve)</a:t>
-            </a:r>
-          </a:p>
-          <a:p>
-            <a:pPr marL="800100" lvl="1" indent="-342900">
-              <a:lnSpc>
-                <a:spcPct val="200000"/>
-              </a:lnSpc>
-              <a:buFont typeface="+mj-lt"/>
-              <a:buAutoNum type="arabicPeriod"/>
-            </a:pPr>
-            <a:r>
-              <a:rPr lang="zh-CN" altLang="en-US" sz="1600" dirty="0" smtClean="0">
-                <a:solidFill>
-                  <a:srgbClr val="000000"/>
-                </a:solidFill>
-                <a:sym typeface="+mn-ea"/>
-              </a:rPr>
-              <a:t>任务</a:t>
-            </a:r>
-            <a:r>
-              <a:rPr lang="en-US" altLang="zh-CN" sz="1600" dirty="0" smtClean="0">
-                <a:solidFill>
-                  <a:srgbClr val="000000"/>
-                </a:solidFill>
-                <a:sym typeface="+mn-ea"/>
-              </a:rPr>
-              <a:t>(Task)</a:t>
-            </a:r>
-          </a:p>
-          <a:p>
-            <a:pPr marL="800100" lvl="1" indent="-342900">
-              <a:lnSpc>
-                <a:spcPct val="200000"/>
-              </a:lnSpc>
-              <a:buFont typeface="+mj-lt"/>
-              <a:buAutoNum type="arabicPeriod"/>
-            </a:pPr>
-            <a:r>
-              <a:rPr lang="zh-CN" altLang="en-US" sz="1600" dirty="0">
-                <a:solidFill>
-                  <a:srgbClr val="000000"/>
-                </a:solidFill>
-                <a:sym typeface="+mn-ea"/>
-              </a:rPr>
-              <a:t>商</a:t>
-            </a:r>
-            <a:r>
-              <a:rPr lang="zh-CN" altLang="en-US" sz="1600" dirty="0" smtClean="0">
-                <a:solidFill>
-                  <a:srgbClr val="000000"/>
-                </a:solidFill>
-                <a:sym typeface="+mn-ea"/>
-              </a:rPr>
-              <a:t>城</a:t>
-            </a:r>
-            <a:r>
-              <a:rPr lang="en-US" altLang="zh-CN" sz="1600" dirty="0" smtClean="0">
-                <a:solidFill>
-                  <a:srgbClr val="000000"/>
-                </a:solidFill>
-                <a:sym typeface="+mn-ea"/>
-              </a:rPr>
-              <a:t>(Store)</a:t>
-            </a:r>
-          </a:p>
-          <a:p>
-            <a:pPr marL="800100" lvl="1" indent="-342900">
-              <a:lnSpc>
-                <a:spcPct val="200000"/>
-              </a:lnSpc>
-              <a:buFont typeface="+mj-lt"/>
-              <a:buAutoNum type="arabicPeriod"/>
-            </a:pPr>
-            <a:r>
-              <a:rPr lang="zh-CN" altLang="en-US" sz="1600" dirty="0" smtClean="0">
-                <a:solidFill>
-                  <a:srgbClr val="000000"/>
-                </a:solidFill>
-                <a:sym typeface="+mn-ea"/>
-              </a:rPr>
-              <a:t>合成</a:t>
-            </a:r>
-            <a:r>
-              <a:rPr lang="en-US" altLang="zh-CN" sz="1600" dirty="0" smtClean="0">
-                <a:solidFill>
-                  <a:srgbClr val="000000"/>
-                </a:solidFill>
-                <a:sym typeface="+mn-ea"/>
-              </a:rPr>
-              <a:t>(Compound)	</a:t>
-            </a:r>
-          </a:p>
-          <a:p>
-            <a:pPr marL="800100" lvl="1" indent="-342900">
-              <a:lnSpc>
-                <a:spcPct val="200000"/>
-              </a:lnSpc>
-              <a:buFont typeface="+mj-lt"/>
-              <a:buAutoNum type="arabicPeriod"/>
-            </a:pPr>
-            <a:r>
-              <a:rPr lang="zh-CN" altLang="en-US" sz="1600" dirty="0" smtClean="0">
-                <a:solidFill>
-                  <a:srgbClr val="000000"/>
-                </a:solidFill>
-                <a:sym typeface="+mn-ea"/>
-              </a:rPr>
-              <a:t>签到</a:t>
-            </a:r>
-            <a:r>
-              <a:rPr lang="en-US" altLang="zh-CN" sz="1600" dirty="0" smtClean="0">
-                <a:solidFill>
-                  <a:srgbClr val="000000"/>
-                </a:solidFill>
-                <a:sym typeface="+mn-ea"/>
-              </a:rPr>
-              <a:t>(</a:t>
-            </a:r>
-            <a:r>
-              <a:rPr lang="en-US" altLang="zh-CN" sz="1600" dirty="0" err="1" smtClean="0">
-                <a:solidFill>
-                  <a:srgbClr val="000000"/>
-                </a:solidFill>
-                <a:sym typeface="+mn-ea"/>
-              </a:rPr>
-              <a:t>Signin</a:t>
-            </a:r>
-            <a:r>
-              <a:rPr lang="en-US" altLang="zh-CN" sz="1600" dirty="0" smtClean="0">
-                <a:solidFill>
-                  <a:srgbClr val="000000"/>
-                </a:solidFill>
-                <a:sym typeface="+mn-ea"/>
-              </a:rPr>
-              <a:t>)</a:t>
-            </a:r>
-          </a:p>
-          <a:p>
-            <a:pPr marL="800100" lvl="1" indent="-342900">
-              <a:lnSpc>
-                <a:spcPct val="200000"/>
-              </a:lnSpc>
-              <a:buFont typeface="+mj-lt"/>
-              <a:buAutoNum type="arabicPeriod"/>
-            </a:pPr>
-            <a:r>
-              <a:rPr lang="zh-CN" altLang="en-US" sz="1600" dirty="0" smtClean="0">
-                <a:solidFill>
-                  <a:srgbClr val="000000"/>
-                </a:solidFill>
-                <a:sym typeface="+mn-ea"/>
-              </a:rPr>
-              <a:t>道具</a:t>
-            </a:r>
-            <a:r>
-              <a:rPr lang="en-US" altLang="zh-CN" sz="1600" dirty="0" smtClean="0">
-                <a:solidFill>
-                  <a:srgbClr val="000000"/>
-                </a:solidFill>
-                <a:sym typeface="+mn-ea"/>
-              </a:rPr>
-              <a:t>(Item)</a:t>
-            </a:r>
-          </a:p>
-          <a:p>
-            <a:pPr marL="800100" lvl="1" indent="-342900">
-              <a:lnSpc>
-                <a:spcPct val="200000"/>
-              </a:lnSpc>
-              <a:buFont typeface="+mj-lt"/>
-              <a:buAutoNum type="arabicPeriod"/>
-            </a:pPr>
-            <a:r>
-              <a:rPr lang="zh-CN" altLang="en-US" sz="1600" dirty="0" smtClean="0">
-                <a:solidFill>
-                  <a:srgbClr val="000000"/>
-                </a:solidFill>
-                <a:sym typeface="+mn-ea"/>
-              </a:rPr>
-              <a:t>掉落</a:t>
-            </a:r>
-            <a:r>
-              <a:rPr lang="en-US" altLang="zh-CN" sz="1600" dirty="0" smtClean="0">
-                <a:solidFill>
-                  <a:srgbClr val="000000"/>
-                </a:solidFill>
-                <a:sym typeface="+mn-ea"/>
-              </a:rPr>
-              <a:t>(Drop)</a:t>
-            </a:r>
-            <a:endParaRPr lang="en-US" altLang="zh-CN" dirty="0" smtClean="0">
+              <a:t>Route</a:t>
+            </a:r>
+            <a:endParaRPr lang="en-US" altLang="zh-CN" sz="1600" dirty="0">
               <a:solidFill>
                 <a:srgbClr val="000000"/>
               </a:solidFill>
@@ -11307,6 +10372,1674 @@
             </a:r>
             <a:r>
               <a:rPr lang="zh-CN" altLang="en-US" dirty="0" smtClean="0"/>
+              <a:t>有的基础模块插件</a:t>
+            </a:r>
+            <a:endParaRPr lang="zh-CN" altLang="en-US" dirty="0"/>
+          </a:p>
+        </p:txBody>
+      </p:sp>
+    </p:spTree>
+    <p:custDataLst>
+      <p:tags r:id="rId1"/>
+    </p:custDataLst>
+  </p:cSld>
+  <p:clrMapOvr>
+    <a:masterClrMapping/>
+  </p:clrMapOvr>
+  <p:timing>
+    <p:tnLst>
+      <p:par>
+        <p:cTn id="1" dur="indefinite" restart="never" nodeType="tmRoot"/>
+      </p:par>
+    </p:tnLst>
+  </p:timing>
+</p:sld>
+</file>
+
+<file path=ppt/slides/slide15.xml><?xml version="1.0" encoding="utf-8"?>
+<p:sld xmlns:a="http://schemas.openxmlformats.org/drawingml/2006/main" xmlns:r="http://schemas.openxmlformats.org/officeDocument/2006/relationships" xmlns:p="http://schemas.openxmlformats.org/presentationml/2006/main">
+  <p:cSld>
+    <p:spTree>
+      <p:nvGrpSpPr>
+        <p:cNvPr id="1" name=""/>
+        <p:cNvGrpSpPr/>
+        <p:nvPr/>
+      </p:nvGrpSpPr>
+      <p:grpSpPr>
+        <a:xfrm>
+          <a:off x="0" y="0"/>
+          <a:ext cx="0" cy="0"/>
+          <a:chOff x="0" y="0"/>
+          <a:chExt cx="0" cy="0"/>
+        </a:xfrm>
+      </p:grpSpPr>
+      <p:sp>
+        <p:nvSpPr>
+          <p:cNvPr id="2" name="文本框 4"/>
+          <p:cNvSpPr txBox="1"/>
+          <p:nvPr>
+            <p:custDataLst>
+              <p:tags r:id="rId1"/>
+            </p:custDataLst>
+          </p:nvPr>
+        </p:nvSpPr>
+        <p:spPr>
+          <a:xfrm>
+            <a:off x="669600" y="1343278"/>
+            <a:ext cx="10074168" cy="4415422"/>
+          </a:xfrm>
+          <a:prstGeom prst="rect">
+            <a:avLst/>
+          </a:prstGeom>
+          <a:noFill/>
+        </p:spPr>
+        <p:txBody>
+          <a:bodyPr wrap="square" lIns="90000" tIns="46800" rIns="90000" bIns="46800" rtlCol="0">
+            <a:normAutofit/>
+          </a:bodyPr>
+          <a:lstStyle>
+            <a:defPPr>
+              <a:defRPr lang="zh-CN"/>
+            </a:defPPr>
+            <a:lvl1pPr marL="0" algn="l" defTabSz="913765" rtl="0" eaLnBrk="1" latinLnBrk="0" hangingPunct="1">
+              <a:defRPr sz="1800" kern="1200">
+                <a:solidFill>
+                  <a:schemeClr val="tx1"/>
+                </a:solidFill>
+                <a:latin typeface="+mn-lt"/>
+                <a:ea typeface="+mn-ea"/>
+                <a:cs typeface="+mn-cs"/>
+              </a:defRPr>
+            </a:lvl1pPr>
+            <a:lvl2pPr marL="457200" algn="l" defTabSz="913765" rtl="0" eaLnBrk="1" latinLnBrk="0" hangingPunct="1">
+              <a:defRPr sz="1800" kern="1200">
+                <a:solidFill>
+                  <a:schemeClr val="tx1"/>
+                </a:solidFill>
+                <a:latin typeface="+mn-lt"/>
+                <a:ea typeface="+mn-ea"/>
+                <a:cs typeface="+mn-cs"/>
+              </a:defRPr>
+            </a:lvl2pPr>
+            <a:lvl3pPr marL="914400" algn="l" defTabSz="913765" rtl="0" eaLnBrk="1" latinLnBrk="0" hangingPunct="1">
+              <a:defRPr sz="1800" kern="1200">
+                <a:solidFill>
+                  <a:schemeClr val="tx1"/>
+                </a:solidFill>
+                <a:latin typeface="+mn-lt"/>
+                <a:ea typeface="+mn-ea"/>
+                <a:cs typeface="+mn-cs"/>
+              </a:defRPr>
+            </a:lvl3pPr>
+            <a:lvl4pPr marL="1371600" algn="l" defTabSz="913765" rtl="0" eaLnBrk="1" latinLnBrk="0" hangingPunct="1">
+              <a:defRPr sz="1800" kern="1200">
+                <a:solidFill>
+                  <a:schemeClr val="tx1"/>
+                </a:solidFill>
+                <a:latin typeface="+mn-lt"/>
+                <a:ea typeface="+mn-ea"/>
+                <a:cs typeface="+mn-cs"/>
+              </a:defRPr>
+            </a:lvl4pPr>
+            <a:lvl5pPr marL="1828800" algn="l" defTabSz="913765" rtl="0" eaLnBrk="1" latinLnBrk="0" hangingPunct="1">
+              <a:defRPr sz="1800" kern="1200">
+                <a:solidFill>
+                  <a:schemeClr val="tx1"/>
+                </a:solidFill>
+                <a:latin typeface="+mn-lt"/>
+                <a:ea typeface="+mn-ea"/>
+                <a:cs typeface="+mn-cs"/>
+              </a:defRPr>
+            </a:lvl5pPr>
+            <a:lvl6pPr marL="2286000" algn="l" defTabSz="913765" rtl="0" eaLnBrk="1" latinLnBrk="0" hangingPunct="1">
+              <a:defRPr sz="1800" kern="1200">
+                <a:solidFill>
+                  <a:schemeClr val="tx1"/>
+                </a:solidFill>
+                <a:latin typeface="+mn-lt"/>
+                <a:ea typeface="+mn-ea"/>
+                <a:cs typeface="+mn-cs"/>
+              </a:defRPr>
+            </a:lvl6pPr>
+            <a:lvl7pPr marL="2743200" algn="l" defTabSz="913765" rtl="0" eaLnBrk="1" latinLnBrk="0" hangingPunct="1">
+              <a:defRPr sz="1800" kern="1200">
+                <a:solidFill>
+                  <a:schemeClr val="tx1"/>
+                </a:solidFill>
+                <a:latin typeface="+mn-lt"/>
+                <a:ea typeface="+mn-ea"/>
+                <a:cs typeface="+mn-cs"/>
+              </a:defRPr>
+            </a:lvl7pPr>
+            <a:lvl8pPr marL="3200400" algn="l" defTabSz="913765" rtl="0" eaLnBrk="1" latinLnBrk="0" hangingPunct="1">
+              <a:defRPr sz="1800" kern="1200">
+                <a:solidFill>
+                  <a:schemeClr val="tx1"/>
+                </a:solidFill>
+                <a:latin typeface="+mn-lt"/>
+                <a:ea typeface="+mn-ea"/>
+                <a:cs typeface="+mn-cs"/>
+              </a:defRPr>
+            </a:lvl8pPr>
+            <a:lvl9pPr marL="3657600" algn="l" defTabSz="913765" rtl="0" eaLnBrk="1" latinLnBrk="0" hangingPunct="1">
+              <a:defRPr sz="1800" kern="1200">
+                <a:solidFill>
+                  <a:schemeClr val="tx1"/>
+                </a:solidFill>
+                <a:latin typeface="+mn-lt"/>
+                <a:ea typeface="+mn-ea"/>
+                <a:cs typeface="+mn-cs"/>
+              </a:defRPr>
+            </a:lvl9pPr>
+          </a:lstStyle>
+          <a:p>
+            <a:pPr marL="285750" indent="-285750">
+              <a:lnSpc>
+                <a:spcPct val="200000"/>
+              </a:lnSpc>
+              <a:buFont typeface="Arial" panose="020B0604020202020204" pitchFamily="34" charset="0"/>
+              <a:buChar char="•"/>
+            </a:pPr>
+            <a:r>
+              <a:rPr lang="zh-CN" altLang="en-US" dirty="0" smtClean="0">
+                <a:solidFill>
+                  <a:srgbClr val="000000"/>
+                </a:solidFill>
+                <a:sym typeface="+mn-ea"/>
+              </a:rPr>
+              <a:t>数据库操作</a:t>
+            </a:r>
+            <a:endParaRPr lang="en-US" altLang="zh-CN" dirty="0">
+              <a:solidFill>
+                <a:srgbClr val="000000"/>
+              </a:solidFill>
+              <a:sym typeface="+mn-ea"/>
+            </a:endParaRPr>
+          </a:p>
+          <a:p>
+            <a:pPr marL="800100" lvl="1" indent="-342900">
+              <a:lnSpc>
+                <a:spcPct val="200000"/>
+              </a:lnSpc>
+              <a:buFont typeface="+mj-lt"/>
+              <a:buAutoNum type="arabicPeriod"/>
+            </a:pPr>
+            <a:r>
+              <a:rPr lang="en-US" altLang="zh-CN" dirty="0" err="1" smtClean="0">
+                <a:solidFill>
+                  <a:srgbClr val="000000"/>
+                </a:solidFill>
+                <a:sym typeface="+mn-ea"/>
+              </a:rPr>
+              <a:t>Redis</a:t>
+            </a:r>
+            <a:endParaRPr lang="en-US" altLang="zh-CN" dirty="0" smtClean="0">
+              <a:solidFill>
+                <a:srgbClr val="000000"/>
+              </a:solidFill>
+              <a:sym typeface="+mn-ea"/>
+            </a:endParaRPr>
+          </a:p>
+          <a:p>
+            <a:pPr marL="800100" lvl="1" indent="-342900">
+              <a:lnSpc>
+                <a:spcPct val="200000"/>
+              </a:lnSpc>
+              <a:buFont typeface="+mj-lt"/>
+              <a:buAutoNum type="arabicPeriod"/>
+            </a:pPr>
+            <a:r>
+              <a:rPr lang="en-US" altLang="zh-CN" dirty="0" smtClean="0">
+                <a:solidFill>
+                  <a:srgbClr val="000000"/>
+                </a:solidFill>
+                <a:sym typeface="+mn-ea"/>
+              </a:rPr>
+              <a:t>Mongo</a:t>
+            </a:r>
+          </a:p>
+          <a:p>
+            <a:pPr marL="800100" lvl="1" indent="-342900">
+              <a:lnSpc>
+                <a:spcPct val="200000"/>
+              </a:lnSpc>
+              <a:buFont typeface="+mj-lt"/>
+              <a:buAutoNum type="arabicPeriod"/>
+            </a:pPr>
+            <a:r>
+              <a:rPr lang="en-US" altLang="zh-CN" dirty="0">
+                <a:solidFill>
+                  <a:srgbClr val="000000"/>
+                </a:solidFill>
+                <a:sym typeface="+mn-ea"/>
+              </a:rPr>
+              <a:t>MySQL</a:t>
+            </a:r>
+            <a:r>
+              <a:rPr lang="en-US" altLang="zh-CN" dirty="0" smtClean="0">
+                <a:solidFill>
+                  <a:srgbClr val="000000"/>
+                </a:solidFill>
+                <a:sym typeface="+mn-ea"/>
+              </a:rPr>
+              <a:t> </a:t>
+            </a:r>
+            <a:endParaRPr lang="en-US" altLang="zh-CN" dirty="0">
+              <a:solidFill>
+                <a:srgbClr val="000000"/>
+              </a:solidFill>
+              <a:sym typeface="+mn-ea"/>
+            </a:endParaRPr>
+          </a:p>
+        </p:txBody>
+      </p:sp>
+    </p:spTree>
+    <p:extLst>
+      <p:ext uri="{BB962C8B-B14F-4D97-AF65-F5344CB8AC3E}">
+        <p14:creationId xmlns:p14="http://schemas.microsoft.com/office/powerpoint/2010/main" val="2545858269"/>
+      </p:ext>
+    </p:extLst>
+  </p:cSld>
+  <p:clrMapOvr>
+    <a:masterClrMapping/>
+  </p:clrMapOvr>
+</p:sld>
+</file>
+
+<file path=ppt/slides/slide16.xml><?xml version="1.0" encoding="utf-8"?>
+<p:sld xmlns:a="http://schemas.openxmlformats.org/drawingml/2006/main" xmlns:r="http://schemas.openxmlformats.org/officeDocument/2006/relationships" xmlns:p="http://schemas.openxmlformats.org/presentationml/2006/main">
+  <p:cSld>
+    <p:spTree>
+      <p:nvGrpSpPr>
+        <p:cNvPr id="1" name=""/>
+        <p:cNvGrpSpPr/>
+        <p:nvPr/>
+      </p:nvGrpSpPr>
+      <p:grpSpPr>
+        <a:xfrm>
+          <a:off x="0" y="0"/>
+          <a:ext cx="0" cy="0"/>
+          <a:chOff x="0" y="0"/>
+          <a:chExt cx="0" cy="0"/>
+        </a:xfrm>
+      </p:grpSpPr>
+      <p:sp>
+        <p:nvSpPr>
+          <p:cNvPr id="2" name="文本框 4"/>
+          <p:cNvSpPr txBox="1"/>
+          <p:nvPr>
+            <p:custDataLst>
+              <p:tags r:id="rId1"/>
+            </p:custDataLst>
+          </p:nvPr>
+        </p:nvSpPr>
+        <p:spPr>
+          <a:xfrm>
+            <a:off x="669600" y="1343278"/>
+            <a:ext cx="10074168" cy="4415422"/>
+          </a:xfrm>
+          <a:prstGeom prst="rect">
+            <a:avLst/>
+          </a:prstGeom>
+          <a:noFill/>
+        </p:spPr>
+        <p:txBody>
+          <a:bodyPr wrap="square" lIns="90000" tIns="46800" rIns="90000" bIns="46800" rtlCol="0">
+            <a:normAutofit lnSpcReduction="10000"/>
+          </a:bodyPr>
+          <a:lstStyle>
+            <a:defPPr>
+              <a:defRPr lang="zh-CN"/>
+            </a:defPPr>
+            <a:lvl1pPr marL="0" algn="l" defTabSz="913765" rtl="0" eaLnBrk="1" latinLnBrk="0" hangingPunct="1">
+              <a:defRPr sz="1800" kern="1200">
+                <a:solidFill>
+                  <a:schemeClr val="tx1"/>
+                </a:solidFill>
+                <a:latin typeface="+mn-lt"/>
+                <a:ea typeface="+mn-ea"/>
+                <a:cs typeface="+mn-cs"/>
+              </a:defRPr>
+            </a:lvl1pPr>
+            <a:lvl2pPr marL="457200" algn="l" defTabSz="913765" rtl="0" eaLnBrk="1" latinLnBrk="0" hangingPunct="1">
+              <a:defRPr sz="1800" kern="1200">
+                <a:solidFill>
+                  <a:schemeClr val="tx1"/>
+                </a:solidFill>
+                <a:latin typeface="+mn-lt"/>
+                <a:ea typeface="+mn-ea"/>
+                <a:cs typeface="+mn-cs"/>
+              </a:defRPr>
+            </a:lvl2pPr>
+            <a:lvl3pPr marL="914400" algn="l" defTabSz="913765" rtl="0" eaLnBrk="1" latinLnBrk="0" hangingPunct="1">
+              <a:defRPr sz="1800" kern="1200">
+                <a:solidFill>
+                  <a:schemeClr val="tx1"/>
+                </a:solidFill>
+                <a:latin typeface="+mn-lt"/>
+                <a:ea typeface="+mn-ea"/>
+                <a:cs typeface="+mn-cs"/>
+              </a:defRPr>
+            </a:lvl3pPr>
+            <a:lvl4pPr marL="1371600" algn="l" defTabSz="913765" rtl="0" eaLnBrk="1" latinLnBrk="0" hangingPunct="1">
+              <a:defRPr sz="1800" kern="1200">
+                <a:solidFill>
+                  <a:schemeClr val="tx1"/>
+                </a:solidFill>
+                <a:latin typeface="+mn-lt"/>
+                <a:ea typeface="+mn-ea"/>
+                <a:cs typeface="+mn-cs"/>
+              </a:defRPr>
+            </a:lvl4pPr>
+            <a:lvl5pPr marL="1828800" algn="l" defTabSz="913765" rtl="0" eaLnBrk="1" latinLnBrk="0" hangingPunct="1">
+              <a:defRPr sz="1800" kern="1200">
+                <a:solidFill>
+                  <a:schemeClr val="tx1"/>
+                </a:solidFill>
+                <a:latin typeface="+mn-lt"/>
+                <a:ea typeface="+mn-ea"/>
+                <a:cs typeface="+mn-cs"/>
+              </a:defRPr>
+            </a:lvl5pPr>
+            <a:lvl6pPr marL="2286000" algn="l" defTabSz="913765" rtl="0" eaLnBrk="1" latinLnBrk="0" hangingPunct="1">
+              <a:defRPr sz="1800" kern="1200">
+                <a:solidFill>
+                  <a:schemeClr val="tx1"/>
+                </a:solidFill>
+                <a:latin typeface="+mn-lt"/>
+                <a:ea typeface="+mn-ea"/>
+                <a:cs typeface="+mn-cs"/>
+              </a:defRPr>
+            </a:lvl6pPr>
+            <a:lvl7pPr marL="2743200" algn="l" defTabSz="913765" rtl="0" eaLnBrk="1" latinLnBrk="0" hangingPunct="1">
+              <a:defRPr sz="1800" kern="1200">
+                <a:solidFill>
+                  <a:schemeClr val="tx1"/>
+                </a:solidFill>
+                <a:latin typeface="+mn-lt"/>
+                <a:ea typeface="+mn-ea"/>
+                <a:cs typeface="+mn-cs"/>
+              </a:defRPr>
+            </a:lvl7pPr>
+            <a:lvl8pPr marL="3200400" algn="l" defTabSz="913765" rtl="0" eaLnBrk="1" latinLnBrk="0" hangingPunct="1">
+              <a:defRPr sz="1800" kern="1200">
+                <a:solidFill>
+                  <a:schemeClr val="tx1"/>
+                </a:solidFill>
+                <a:latin typeface="+mn-lt"/>
+                <a:ea typeface="+mn-ea"/>
+                <a:cs typeface="+mn-cs"/>
+              </a:defRPr>
+            </a:lvl8pPr>
+            <a:lvl9pPr marL="3657600" algn="l" defTabSz="913765" rtl="0" eaLnBrk="1" latinLnBrk="0" hangingPunct="1">
+              <a:defRPr sz="1800" kern="1200">
+                <a:solidFill>
+                  <a:schemeClr val="tx1"/>
+                </a:solidFill>
+                <a:latin typeface="+mn-lt"/>
+                <a:ea typeface="+mn-ea"/>
+                <a:cs typeface="+mn-cs"/>
+              </a:defRPr>
+            </a:lvl9pPr>
+          </a:lstStyle>
+          <a:p>
+            <a:pPr marL="285750" indent="-285750">
+              <a:lnSpc>
+                <a:spcPct val="200000"/>
+              </a:lnSpc>
+              <a:buFont typeface="Arial" panose="020B0604020202020204" pitchFamily="34" charset="0"/>
+              <a:buChar char="•"/>
+            </a:pPr>
+            <a:r>
+              <a:rPr lang="zh-CN" altLang="en-US" dirty="0" smtClean="0">
+                <a:solidFill>
+                  <a:srgbClr val="000000"/>
+                </a:solidFill>
+                <a:sym typeface="+mn-ea"/>
+              </a:rPr>
+              <a:t>基础功能</a:t>
+            </a:r>
+            <a:endParaRPr lang="en-US" altLang="zh-CN" dirty="0" smtClean="0">
+              <a:solidFill>
+                <a:srgbClr val="000000"/>
+              </a:solidFill>
+              <a:sym typeface="+mn-ea"/>
+            </a:endParaRPr>
+          </a:p>
+          <a:p>
+            <a:pPr marL="800100" lvl="1" indent="-342900">
+              <a:lnSpc>
+                <a:spcPct val="200000"/>
+              </a:lnSpc>
+              <a:buFont typeface="+mj-lt"/>
+              <a:buAutoNum type="arabicPeriod"/>
+            </a:pPr>
+            <a:r>
+              <a:rPr lang="zh-CN" altLang="en-US" dirty="0" smtClean="0">
+                <a:solidFill>
+                  <a:srgbClr val="000000"/>
+                </a:solidFill>
+                <a:sym typeface="+mn-ea"/>
+              </a:rPr>
+              <a:t>定时器</a:t>
+            </a:r>
+            <a:r>
+              <a:rPr lang="en-US" altLang="zh-CN" dirty="0" smtClean="0">
+                <a:solidFill>
+                  <a:srgbClr val="000000"/>
+                </a:solidFill>
+                <a:sym typeface="+mn-ea"/>
+              </a:rPr>
+              <a:t>Timer</a:t>
+            </a:r>
+          </a:p>
+          <a:p>
+            <a:pPr marL="800100" lvl="1" indent="-342900">
+              <a:lnSpc>
+                <a:spcPct val="200000"/>
+              </a:lnSpc>
+              <a:buFont typeface="+mj-lt"/>
+              <a:buAutoNum type="arabicPeriod"/>
+            </a:pPr>
+            <a:r>
+              <a:rPr lang="zh-CN" altLang="en-US" dirty="0" smtClean="0">
+                <a:solidFill>
+                  <a:srgbClr val="000000"/>
+                </a:solidFill>
+                <a:sym typeface="+mn-ea"/>
+              </a:rPr>
+              <a:t>计划任务</a:t>
+            </a:r>
+            <a:r>
+              <a:rPr lang="en-US" altLang="zh-CN" dirty="0" smtClean="0">
+                <a:solidFill>
+                  <a:srgbClr val="000000"/>
+                </a:solidFill>
+                <a:sym typeface="+mn-ea"/>
+              </a:rPr>
+              <a:t>Schedule</a:t>
+            </a:r>
+          </a:p>
+          <a:p>
+            <a:pPr marL="800100" lvl="1" indent="-342900">
+              <a:lnSpc>
+                <a:spcPct val="200000"/>
+              </a:lnSpc>
+              <a:buFont typeface="+mj-lt"/>
+              <a:buAutoNum type="arabicPeriod"/>
+            </a:pPr>
+            <a:r>
+              <a:rPr lang="zh-CN" altLang="en-US" dirty="0">
+                <a:solidFill>
+                  <a:srgbClr val="000000"/>
+                </a:solidFill>
+                <a:sym typeface="+mn-ea"/>
+              </a:rPr>
+              <a:t>配置</a:t>
+            </a:r>
+            <a:r>
+              <a:rPr lang="zh-CN" altLang="en-US" dirty="0" smtClean="0">
+                <a:solidFill>
+                  <a:srgbClr val="000000"/>
+                </a:solidFill>
+                <a:sym typeface="+mn-ea"/>
+              </a:rPr>
+              <a:t>表管理</a:t>
+            </a:r>
+            <a:r>
+              <a:rPr lang="en-US" altLang="zh-CN" dirty="0" err="1" smtClean="0">
+                <a:solidFill>
+                  <a:srgbClr val="000000"/>
+                </a:solidFill>
+                <a:sym typeface="+mn-ea"/>
+              </a:rPr>
+              <a:t>Config</a:t>
+            </a:r>
+            <a:endParaRPr lang="en-US" altLang="zh-CN" dirty="0" smtClean="0">
+              <a:solidFill>
+                <a:srgbClr val="000000"/>
+              </a:solidFill>
+              <a:sym typeface="+mn-ea"/>
+            </a:endParaRPr>
+          </a:p>
+          <a:p>
+            <a:pPr marL="800100" lvl="1" indent="-342900">
+              <a:lnSpc>
+                <a:spcPct val="200000"/>
+              </a:lnSpc>
+              <a:buFont typeface="+mj-lt"/>
+              <a:buAutoNum type="arabicPeriod"/>
+            </a:pPr>
+            <a:r>
+              <a:rPr lang="zh-CN" altLang="en-US" dirty="0" smtClean="0">
+                <a:solidFill>
+                  <a:srgbClr val="000000"/>
+                </a:solidFill>
+                <a:sym typeface="+mn-ea"/>
+              </a:rPr>
+              <a:t>条件管理</a:t>
+            </a:r>
+            <a:r>
+              <a:rPr lang="en-US" altLang="zh-CN" dirty="0" smtClean="0">
+                <a:solidFill>
+                  <a:srgbClr val="000000"/>
+                </a:solidFill>
+                <a:sym typeface="+mn-ea"/>
+              </a:rPr>
+              <a:t>Condition</a:t>
+            </a:r>
+          </a:p>
+          <a:p>
+            <a:pPr marL="800100" lvl="1" indent="-342900">
+              <a:lnSpc>
+                <a:spcPct val="200000"/>
+              </a:lnSpc>
+              <a:buFont typeface="+mj-lt"/>
+              <a:buAutoNum type="arabicPeriod"/>
+            </a:pPr>
+            <a:r>
+              <a:rPr lang="zh-CN" altLang="en-US" dirty="0" smtClean="0">
+                <a:solidFill>
+                  <a:srgbClr val="000000"/>
+                </a:solidFill>
+                <a:sym typeface="+mn-ea"/>
+              </a:rPr>
+              <a:t>属性管理</a:t>
+            </a:r>
+            <a:r>
+              <a:rPr lang="en-US" altLang="zh-CN" dirty="0" smtClean="0">
+                <a:solidFill>
+                  <a:srgbClr val="000000"/>
+                </a:solidFill>
+                <a:sym typeface="+mn-ea"/>
+              </a:rPr>
+              <a:t>Kernel</a:t>
+            </a:r>
+          </a:p>
+          <a:p>
+            <a:pPr marL="800100" lvl="1" indent="-342900">
+              <a:lnSpc>
+                <a:spcPct val="200000"/>
+              </a:lnSpc>
+              <a:buFont typeface="+mj-lt"/>
+              <a:buAutoNum type="arabicPeriod"/>
+            </a:pPr>
+            <a:r>
+              <a:rPr lang="zh-CN" altLang="en-US" dirty="0" smtClean="0">
+                <a:solidFill>
+                  <a:srgbClr val="000000"/>
+                </a:solidFill>
+                <a:sym typeface="+mn-ea"/>
+              </a:rPr>
+              <a:t>功能输出</a:t>
+            </a:r>
+            <a:r>
+              <a:rPr lang="en-US" altLang="zh-CN" dirty="0" smtClean="0">
+                <a:solidFill>
+                  <a:srgbClr val="000000"/>
+                </a:solidFill>
+                <a:sym typeface="+mn-ea"/>
+              </a:rPr>
+              <a:t>Execute</a:t>
+            </a:r>
+          </a:p>
+          <a:p>
+            <a:pPr marL="800100" lvl="1" indent="-342900">
+              <a:lnSpc>
+                <a:spcPct val="200000"/>
+              </a:lnSpc>
+              <a:buFont typeface="+mj-lt"/>
+              <a:buAutoNum type="arabicPeriod"/>
+            </a:pPr>
+            <a:r>
+              <a:rPr lang="en-US" altLang="zh-CN" dirty="0" err="1" smtClean="0">
+                <a:solidFill>
+                  <a:srgbClr val="000000"/>
+                </a:solidFill>
+                <a:sym typeface="+mn-ea"/>
+              </a:rPr>
+              <a:t>Lua</a:t>
+            </a:r>
+            <a:endParaRPr lang="en-US" altLang="zh-CN" dirty="0" smtClean="0">
+              <a:solidFill>
+                <a:srgbClr val="000000"/>
+              </a:solidFill>
+              <a:sym typeface="+mn-ea"/>
+            </a:endParaRPr>
+          </a:p>
+        </p:txBody>
+      </p:sp>
+    </p:spTree>
+    <p:extLst>
+      <p:ext uri="{BB962C8B-B14F-4D97-AF65-F5344CB8AC3E}">
+        <p14:creationId xmlns:p14="http://schemas.microsoft.com/office/powerpoint/2010/main" val="2164219795"/>
+      </p:ext>
+    </p:extLst>
+  </p:cSld>
+  <p:clrMapOvr>
+    <a:masterClrMapping/>
+  </p:clrMapOvr>
+</p:sld>
+</file>
+
+<file path=ppt/slides/slide17.xml><?xml version="1.0" encoding="utf-8"?>
+<p:sld xmlns:a="http://schemas.openxmlformats.org/drawingml/2006/main" xmlns:r="http://schemas.openxmlformats.org/officeDocument/2006/relationships" xmlns:p="http://schemas.openxmlformats.org/presentationml/2006/main">
+  <p:cSld>
+    <p:spTree>
+      <p:nvGrpSpPr>
+        <p:cNvPr id="1" name=""/>
+        <p:cNvGrpSpPr/>
+        <p:nvPr/>
+      </p:nvGrpSpPr>
+      <p:grpSpPr>
+        <a:xfrm>
+          <a:off x="0" y="0"/>
+          <a:ext cx="0" cy="0"/>
+          <a:chOff x="0" y="0"/>
+          <a:chExt cx="0" cy="0"/>
+        </a:xfrm>
+      </p:grpSpPr>
+      <p:sp>
+        <p:nvSpPr>
+          <p:cNvPr id="2" name="文本框 4"/>
+          <p:cNvSpPr txBox="1"/>
+          <p:nvPr>
+            <p:custDataLst>
+              <p:tags r:id="rId1"/>
+            </p:custDataLst>
+          </p:nvPr>
+        </p:nvSpPr>
+        <p:spPr>
+          <a:xfrm>
+            <a:off x="669600" y="194209"/>
+            <a:ext cx="10074168" cy="6663791"/>
+          </a:xfrm>
+          <a:prstGeom prst="rect">
+            <a:avLst/>
+          </a:prstGeom>
+          <a:noFill/>
+        </p:spPr>
+        <p:txBody>
+          <a:bodyPr wrap="square" lIns="90000" tIns="46800" rIns="90000" bIns="46800" rtlCol="0">
+            <a:normAutofit lnSpcReduction="10000"/>
+          </a:bodyPr>
+          <a:lstStyle>
+            <a:defPPr>
+              <a:defRPr lang="zh-CN"/>
+            </a:defPPr>
+            <a:lvl1pPr marL="0" algn="l" defTabSz="913765" rtl="0" eaLnBrk="1" latinLnBrk="0" hangingPunct="1">
+              <a:defRPr sz="1800" kern="1200">
+                <a:solidFill>
+                  <a:schemeClr val="tx1"/>
+                </a:solidFill>
+                <a:latin typeface="+mn-lt"/>
+                <a:ea typeface="+mn-ea"/>
+                <a:cs typeface="+mn-cs"/>
+              </a:defRPr>
+            </a:lvl1pPr>
+            <a:lvl2pPr marL="457200" algn="l" defTabSz="913765" rtl="0" eaLnBrk="1" latinLnBrk="0" hangingPunct="1">
+              <a:defRPr sz="1800" kern="1200">
+                <a:solidFill>
+                  <a:schemeClr val="tx1"/>
+                </a:solidFill>
+                <a:latin typeface="+mn-lt"/>
+                <a:ea typeface="+mn-ea"/>
+                <a:cs typeface="+mn-cs"/>
+              </a:defRPr>
+            </a:lvl2pPr>
+            <a:lvl3pPr marL="914400" algn="l" defTabSz="913765" rtl="0" eaLnBrk="1" latinLnBrk="0" hangingPunct="1">
+              <a:defRPr sz="1800" kern="1200">
+                <a:solidFill>
+                  <a:schemeClr val="tx1"/>
+                </a:solidFill>
+                <a:latin typeface="+mn-lt"/>
+                <a:ea typeface="+mn-ea"/>
+                <a:cs typeface="+mn-cs"/>
+              </a:defRPr>
+            </a:lvl3pPr>
+            <a:lvl4pPr marL="1371600" algn="l" defTabSz="913765" rtl="0" eaLnBrk="1" latinLnBrk="0" hangingPunct="1">
+              <a:defRPr sz="1800" kern="1200">
+                <a:solidFill>
+                  <a:schemeClr val="tx1"/>
+                </a:solidFill>
+                <a:latin typeface="+mn-lt"/>
+                <a:ea typeface="+mn-ea"/>
+                <a:cs typeface="+mn-cs"/>
+              </a:defRPr>
+            </a:lvl4pPr>
+            <a:lvl5pPr marL="1828800" algn="l" defTabSz="913765" rtl="0" eaLnBrk="1" latinLnBrk="0" hangingPunct="1">
+              <a:defRPr sz="1800" kern="1200">
+                <a:solidFill>
+                  <a:schemeClr val="tx1"/>
+                </a:solidFill>
+                <a:latin typeface="+mn-lt"/>
+                <a:ea typeface="+mn-ea"/>
+                <a:cs typeface="+mn-cs"/>
+              </a:defRPr>
+            </a:lvl5pPr>
+            <a:lvl6pPr marL="2286000" algn="l" defTabSz="913765" rtl="0" eaLnBrk="1" latinLnBrk="0" hangingPunct="1">
+              <a:defRPr sz="1800" kern="1200">
+                <a:solidFill>
+                  <a:schemeClr val="tx1"/>
+                </a:solidFill>
+                <a:latin typeface="+mn-lt"/>
+                <a:ea typeface="+mn-ea"/>
+                <a:cs typeface="+mn-cs"/>
+              </a:defRPr>
+            </a:lvl6pPr>
+            <a:lvl7pPr marL="2743200" algn="l" defTabSz="913765" rtl="0" eaLnBrk="1" latinLnBrk="0" hangingPunct="1">
+              <a:defRPr sz="1800" kern="1200">
+                <a:solidFill>
+                  <a:schemeClr val="tx1"/>
+                </a:solidFill>
+                <a:latin typeface="+mn-lt"/>
+                <a:ea typeface="+mn-ea"/>
+                <a:cs typeface="+mn-cs"/>
+              </a:defRPr>
+            </a:lvl7pPr>
+            <a:lvl8pPr marL="3200400" algn="l" defTabSz="913765" rtl="0" eaLnBrk="1" latinLnBrk="0" hangingPunct="1">
+              <a:defRPr sz="1800" kern="1200">
+                <a:solidFill>
+                  <a:schemeClr val="tx1"/>
+                </a:solidFill>
+                <a:latin typeface="+mn-lt"/>
+                <a:ea typeface="+mn-ea"/>
+                <a:cs typeface="+mn-cs"/>
+              </a:defRPr>
+            </a:lvl8pPr>
+            <a:lvl9pPr marL="3657600" algn="l" defTabSz="913765" rtl="0" eaLnBrk="1" latinLnBrk="0" hangingPunct="1">
+              <a:defRPr sz="1800" kern="1200">
+                <a:solidFill>
+                  <a:schemeClr val="tx1"/>
+                </a:solidFill>
+                <a:latin typeface="+mn-lt"/>
+                <a:ea typeface="+mn-ea"/>
+                <a:cs typeface="+mn-cs"/>
+              </a:defRPr>
+            </a:lvl9pPr>
+          </a:lstStyle>
+          <a:p>
+            <a:pPr marL="285750" indent="-285750">
+              <a:lnSpc>
+                <a:spcPct val="200000"/>
+              </a:lnSpc>
+              <a:buFont typeface="Arial" panose="020B0604020202020204" pitchFamily="34" charset="0"/>
+              <a:buChar char="•"/>
+            </a:pPr>
+            <a:r>
+              <a:rPr lang="zh-CN" altLang="en-US" dirty="0" smtClean="0">
+                <a:solidFill>
+                  <a:srgbClr val="000000"/>
+                </a:solidFill>
+                <a:sym typeface="+mn-ea"/>
+              </a:rPr>
+              <a:t>游戏结构相关</a:t>
+            </a:r>
+            <a:endParaRPr lang="en-US" altLang="zh-CN" dirty="0" smtClean="0">
+              <a:solidFill>
+                <a:srgbClr val="000000"/>
+              </a:solidFill>
+              <a:sym typeface="+mn-ea"/>
+            </a:endParaRPr>
+          </a:p>
+          <a:p>
+            <a:pPr marL="800100" lvl="1" indent="-342900">
+              <a:lnSpc>
+                <a:spcPct val="200000"/>
+              </a:lnSpc>
+              <a:buFont typeface="+mj-lt"/>
+              <a:buAutoNum type="arabicPeriod"/>
+            </a:pPr>
+            <a:r>
+              <a:rPr lang="zh-CN" altLang="en-US" dirty="0" smtClean="0">
+                <a:solidFill>
+                  <a:srgbClr val="000000"/>
+                </a:solidFill>
+                <a:sym typeface="+mn-ea"/>
+              </a:rPr>
+              <a:t>网关服务</a:t>
+            </a:r>
+            <a:r>
+              <a:rPr lang="en-US" altLang="zh-CN" dirty="0" smtClean="0">
+                <a:solidFill>
+                  <a:srgbClr val="000000"/>
+                </a:solidFill>
+                <a:sym typeface="+mn-ea"/>
+              </a:rPr>
+              <a:t>Gate</a:t>
+            </a:r>
+            <a:endParaRPr lang="en-US" altLang="zh-CN" dirty="0">
+              <a:solidFill>
+                <a:srgbClr val="000000"/>
+              </a:solidFill>
+              <a:sym typeface="+mn-ea"/>
+            </a:endParaRPr>
+          </a:p>
+          <a:p>
+            <a:pPr marL="800100" lvl="1" indent="-342900">
+              <a:lnSpc>
+                <a:spcPct val="200000"/>
+              </a:lnSpc>
+              <a:buFont typeface="+mj-lt"/>
+              <a:buAutoNum type="arabicPeriod"/>
+            </a:pPr>
+            <a:r>
+              <a:rPr lang="zh-CN" altLang="en-US" dirty="0" smtClean="0">
+                <a:solidFill>
+                  <a:srgbClr val="000000"/>
+                </a:solidFill>
+                <a:sym typeface="+mn-ea"/>
+              </a:rPr>
+              <a:t>登录服务</a:t>
+            </a:r>
+            <a:r>
+              <a:rPr lang="en-US" altLang="zh-CN" dirty="0" smtClean="0">
+                <a:solidFill>
+                  <a:srgbClr val="000000"/>
+                </a:solidFill>
+                <a:sym typeface="+mn-ea"/>
+              </a:rPr>
+              <a:t>Login</a:t>
+            </a:r>
+          </a:p>
+          <a:p>
+            <a:pPr marL="800100" lvl="1" indent="-342900">
+              <a:lnSpc>
+                <a:spcPct val="200000"/>
+              </a:lnSpc>
+              <a:buFont typeface="+mj-lt"/>
+              <a:buAutoNum type="arabicPeriod"/>
+            </a:pPr>
+            <a:r>
+              <a:rPr lang="zh-CN" altLang="en-US" dirty="0">
+                <a:solidFill>
+                  <a:srgbClr val="000000"/>
+                </a:solidFill>
+                <a:sym typeface="+mn-ea"/>
+              </a:rPr>
+              <a:t>游戏</a:t>
+            </a:r>
+            <a:r>
+              <a:rPr lang="zh-CN" altLang="en-US" dirty="0" smtClean="0">
+                <a:solidFill>
+                  <a:srgbClr val="000000"/>
+                </a:solidFill>
+                <a:sym typeface="+mn-ea"/>
+              </a:rPr>
+              <a:t>服务</a:t>
+            </a:r>
+            <a:r>
+              <a:rPr lang="en-US" altLang="zh-CN" dirty="0" smtClean="0">
+                <a:solidFill>
+                  <a:srgbClr val="000000"/>
+                </a:solidFill>
+                <a:sym typeface="+mn-ea"/>
+              </a:rPr>
+              <a:t>Game</a:t>
+            </a:r>
+          </a:p>
+          <a:p>
+            <a:pPr marL="800100" lvl="1" indent="-342900">
+              <a:lnSpc>
+                <a:spcPct val="200000"/>
+              </a:lnSpc>
+              <a:buFont typeface="+mj-lt"/>
+              <a:buAutoNum type="arabicPeriod"/>
+            </a:pPr>
+            <a:r>
+              <a:rPr lang="zh-CN" altLang="en-US" dirty="0" smtClean="0">
+                <a:solidFill>
+                  <a:srgbClr val="000000"/>
+                </a:solidFill>
+                <a:sym typeface="+mn-ea"/>
+              </a:rPr>
+              <a:t>世界服务</a:t>
+            </a:r>
+            <a:r>
+              <a:rPr lang="en-US" altLang="zh-CN" dirty="0" smtClean="0">
+                <a:solidFill>
+                  <a:srgbClr val="000000"/>
+                </a:solidFill>
+                <a:sym typeface="+mn-ea"/>
+              </a:rPr>
+              <a:t>World</a:t>
+            </a:r>
+          </a:p>
+          <a:p>
+            <a:pPr marL="800100" lvl="1" indent="-342900">
+              <a:lnSpc>
+                <a:spcPct val="200000"/>
+              </a:lnSpc>
+              <a:buFont typeface="+mj-lt"/>
+              <a:buAutoNum type="arabicPeriod"/>
+            </a:pPr>
+            <a:r>
+              <a:rPr lang="zh-CN" altLang="en-US" dirty="0" smtClean="0">
+                <a:solidFill>
+                  <a:srgbClr val="000000"/>
+                </a:solidFill>
+                <a:sym typeface="+mn-ea"/>
+              </a:rPr>
+              <a:t>发现服务</a:t>
+            </a:r>
+            <a:r>
+              <a:rPr lang="en-US" altLang="zh-CN" dirty="0" smtClean="0">
+                <a:solidFill>
+                  <a:srgbClr val="000000"/>
+                </a:solidFill>
+                <a:sym typeface="+mn-ea"/>
+              </a:rPr>
+              <a:t>Master</a:t>
+            </a:r>
+          </a:p>
+          <a:p>
+            <a:pPr marL="800100" lvl="1" indent="-342900">
+              <a:lnSpc>
+                <a:spcPct val="200000"/>
+              </a:lnSpc>
+              <a:buFont typeface="+mj-lt"/>
+              <a:buAutoNum type="arabicPeriod"/>
+            </a:pPr>
+            <a:r>
+              <a:rPr lang="zh-CN" altLang="en-US" dirty="0" smtClean="0">
+                <a:solidFill>
+                  <a:srgbClr val="000000"/>
+                </a:solidFill>
+                <a:sym typeface="+mn-ea"/>
+              </a:rPr>
+              <a:t>认证服务</a:t>
+            </a:r>
+            <a:r>
+              <a:rPr lang="en-US" altLang="zh-CN" dirty="0" err="1" smtClean="0">
+                <a:solidFill>
+                  <a:srgbClr val="000000"/>
+                </a:solidFill>
+                <a:sym typeface="+mn-ea"/>
+              </a:rPr>
+              <a:t>Auth</a:t>
+            </a:r>
+            <a:endParaRPr lang="en-US" altLang="zh-CN" dirty="0" smtClean="0">
+              <a:solidFill>
+                <a:srgbClr val="000000"/>
+              </a:solidFill>
+              <a:sym typeface="+mn-ea"/>
+            </a:endParaRPr>
+          </a:p>
+          <a:p>
+            <a:pPr marL="800100" lvl="1" indent="-342900">
+              <a:lnSpc>
+                <a:spcPct val="200000"/>
+              </a:lnSpc>
+              <a:buFont typeface="+mj-lt"/>
+              <a:buAutoNum type="arabicPeriod"/>
+            </a:pPr>
+            <a:r>
+              <a:rPr lang="zh-CN" altLang="en-US" dirty="0" smtClean="0">
+                <a:solidFill>
+                  <a:srgbClr val="000000"/>
+                </a:solidFill>
+                <a:sym typeface="+mn-ea"/>
+              </a:rPr>
+              <a:t>数据保存服务</a:t>
+            </a:r>
+            <a:r>
+              <a:rPr lang="en-US" altLang="zh-CN" dirty="0" smtClean="0">
+                <a:solidFill>
+                  <a:srgbClr val="000000"/>
+                </a:solidFill>
+                <a:sym typeface="+mn-ea"/>
+              </a:rPr>
+              <a:t>Data</a:t>
+            </a:r>
+          </a:p>
+          <a:p>
+            <a:pPr marL="800100" lvl="1" indent="-342900">
+              <a:lnSpc>
+                <a:spcPct val="200000"/>
+              </a:lnSpc>
+              <a:buFont typeface="+mj-lt"/>
+              <a:buAutoNum type="arabicPeriod"/>
+            </a:pPr>
+            <a:r>
+              <a:rPr lang="zh-CN" altLang="en-US" dirty="0" smtClean="0">
+                <a:solidFill>
+                  <a:srgbClr val="000000"/>
+                </a:solidFill>
+                <a:sym typeface="+mn-ea"/>
+              </a:rPr>
+              <a:t>邮件服务</a:t>
+            </a:r>
+            <a:r>
+              <a:rPr lang="en-US" altLang="zh-CN" dirty="0" smtClean="0">
+                <a:solidFill>
+                  <a:srgbClr val="000000"/>
+                </a:solidFill>
+                <a:sym typeface="+mn-ea"/>
+              </a:rPr>
+              <a:t>Mail</a:t>
+            </a:r>
+          </a:p>
+          <a:p>
+            <a:pPr marL="800100" lvl="1" indent="-342900">
+              <a:lnSpc>
+                <a:spcPct val="200000"/>
+              </a:lnSpc>
+              <a:buFont typeface="+mj-lt"/>
+              <a:buAutoNum type="arabicPeriod"/>
+            </a:pPr>
+            <a:r>
+              <a:rPr lang="zh-CN" altLang="en-US" dirty="0" smtClean="0">
+                <a:solidFill>
+                  <a:srgbClr val="000000"/>
+                </a:solidFill>
+                <a:sym typeface="+mn-ea"/>
+              </a:rPr>
+              <a:t>关系服务</a:t>
+            </a:r>
+            <a:r>
+              <a:rPr lang="en-US" altLang="zh-CN" dirty="0" smtClean="0">
+                <a:solidFill>
+                  <a:srgbClr val="000000"/>
+                </a:solidFill>
+                <a:sym typeface="+mn-ea"/>
+              </a:rPr>
+              <a:t>Relation</a:t>
+            </a:r>
+          </a:p>
+          <a:p>
+            <a:pPr marL="800100" lvl="1" indent="-342900">
+              <a:lnSpc>
+                <a:spcPct val="200000"/>
+              </a:lnSpc>
+              <a:buFont typeface="+mj-lt"/>
+              <a:buAutoNum type="arabicPeriod"/>
+            </a:pPr>
+            <a:r>
+              <a:rPr lang="zh-CN" altLang="en-US" dirty="0">
+                <a:solidFill>
+                  <a:srgbClr val="000000"/>
+                </a:solidFill>
+                <a:sym typeface="+mn-ea"/>
+              </a:rPr>
+              <a:t>排行</a:t>
+            </a:r>
+            <a:r>
+              <a:rPr lang="zh-CN" altLang="en-US" dirty="0" smtClean="0">
+                <a:solidFill>
+                  <a:srgbClr val="000000"/>
+                </a:solidFill>
+                <a:sym typeface="+mn-ea"/>
+              </a:rPr>
+              <a:t>榜服务</a:t>
+            </a:r>
+            <a:r>
+              <a:rPr lang="en-US" altLang="zh-CN" dirty="0" smtClean="0">
+                <a:solidFill>
+                  <a:srgbClr val="000000"/>
+                </a:solidFill>
+                <a:sym typeface="+mn-ea"/>
+              </a:rPr>
+              <a:t>Rank</a:t>
+            </a:r>
+          </a:p>
+          <a:p>
+            <a:pPr marL="800100" lvl="1" indent="-342900">
+              <a:lnSpc>
+                <a:spcPct val="200000"/>
+              </a:lnSpc>
+              <a:buFont typeface="+mj-lt"/>
+              <a:buAutoNum type="arabicPeriod"/>
+            </a:pPr>
+            <a:r>
+              <a:rPr lang="zh-CN" altLang="en-US" dirty="0">
+                <a:solidFill>
+                  <a:srgbClr val="000000"/>
+                </a:solidFill>
+                <a:sym typeface="+mn-ea"/>
+              </a:rPr>
+              <a:t>充</a:t>
+            </a:r>
+            <a:r>
+              <a:rPr lang="zh-CN" altLang="en-US" dirty="0" smtClean="0">
+                <a:solidFill>
+                  <a:srgbClr val="000000"/>
+                </a:solidFill>
+                <a:sym typeface="+mn-ea"/>
+              </a:rPr>
+              <a:t>值服务</a:t>
+            </a:r>
+            <a:r>
+              <a:rPr lang="en-US" altLang="zh-CN" dirty="0" smtClean="0">
+                <a:solidFill>
+                  <a:srgbClr val="000000"/>
+                </a:solidFill>
+                <a:sym typeface="+mn-ea"/>
+              </a:rPr>
+              <a:t>Pay</a:t>
+            </a:r>
+          </a:p>
+        </p:txBody>
+      </p:sp>
+    </p:spTree>
+    <p:extLst>
+      <p:ext uri="{BB962C8B-B14F-4D97-AF65-F5344CB8AC3E}">
+        <p14:creationId xmlns:p14="http://schemas.microsoft.com/office/powerpoint/2010/main" val="2920075445"/>
+      </p:ext>
+    </p:extLst>
+  </p:cSld>
+  <p:clrMapOvr>
+    <a:masterClrMapping/>
+  </p:clrMapOvr>
+</p:sld>
+</file>
+
+<file path=ppt/slides/slide18.xml><?xml version="1.0" encoding="utf-8"?>
+<p:sld xmlns:a="http://schemas.openxmlformats.org/drawingml/2006/main" xmlns:r="http://schemas.openxmlformats.org/officeDocument/2006/relationships" xmlns:p="http://schemas.openxmlformats.org/presentationml/2006/main">
+  <p:cSld>
+    <p:spTree>
+      <p:nvGrpSpPr>
+        <p:cNvPr id="1" name=""/>
+        <p:cNvGrpSpPr/>
+        <p:nvPr/>
+      </p:nvGrpSpPr>
+      <p:grpSpPr>
+        <a:xfrm>
+          <a:off x="0" y="0"/>
+          <a:ext cx="0" cy="0"/>
+          <a:chOff x="0" y="0"/>
+          <a:chExt cx="0" cy="0"/>
+        </a:xfrm>
+      </p:grpSpPr>
+      <p:sp>
+        <p:nvSpPr>
+          <p:cNvPr id="9" name="文本框 4"/>
+          <p:cNvSpPr txBox="1"/>
+          <p:nvPr>
+            <p:custDataLst>
+              <p:tags r:id="rId2"/>
+            </p:custDataLst>
+          </p:nvPr>
+        </p:nvSpPr>
+        <p:spPr>
+          <a:xfrm>
+            <a:off x="669600" y="1335185"/>
+            <a:ext cx="10074168" cy="5365020"/>
+          </a:xfrm>
+          <a:prstGeom prst="rect">
+            <a:avLst/>
+          </a:prstGeom>
+          <a:noFill/>
+        </p:spPr>
+        <p:txBody>
+          <a:bodyPr wrap="square" lIns="90000" tIns="46800" rIns="90000" bIns="46800" rtlCol="0">
+            <a:normAutofit/>
+          </a:bodyPr>
+          <a:lstStyle>
+            <a:defPPr>
+              <a:defRPr lang="zh-CN"/>
+            </a:defPPr>
+            <a:lvl1pPr marL="0" algn="l" defTabSz="913765" rtl="0" eaLnBrk="1" latinLnBrk="0" hangingPunct="1">
+              <a:defRPr sz="1800" kern="1200">
+                <a:solidFill>
+                  <a:schemeClr val="tx1"/>
+                </a:solidFill>
+                <a:latin typeface="+mn-lt"/>
+                <a:ea typeface="+mn-ea"/>
+                <a:cs typeface="+mn-cs"/>
+              </a:defRPr>
+            </a:lvl1pPr>
+            <a:lvl2pPr marL="457200" algn="l" defTabSz="913765" rtl="0" eaLnBrk="1" latinLnBrk="0" hangingPunct="1">
+              <a:defRPr sz="1800" kern="1200">
+                <a:solidFill>
+                  <a:schemeClr val="tx1"/>
+                </a:solidFill>
+                <a:latin typeface="+mn-lt"/>
+                <a:ea typeface="+mn-ea"/>
+                <a:cs typeface="+mn-cs"/>
+              </a:defRPr>
+            </a:lvl2pPr>
+            <a:lvl3pPr marL="914400" algn="l" defTabSz="913765" rtl="0" eaLnBrk="1" latinLnBrk="0" hangingPunct="1">
+              <a:defRPr sz="1800" kern="1200">
+                <a:solidFill>
+                  <a:schemeClr val="tx1"/>
+                </a:solidFill>
+                <a:latin typeface="+mn-lt"/>
+                <a:ea typeface="+mn-ea"/>
+                <a:cs typeface="+mn-cs"/>
+              </a:defRPr>
+            </a:lvl3pPr>
+            <a:lvl4pPr marL="1371600" algn="l" defTabSz="913765" rtl="0" eaLnBrk="1" latinLnBrk="0" hangingPunct="1">
+              <a:defRPr sz="1800" kern="1200">
+                <a:solidFill>
+                  <a:schemeClr val="tx1"/>
+                </a:solidFill>
+                <a:latin typeface="+mn-lt"/>
+                <a:ea typeface="+mn-ea"/>
+                <a:cs typeface="+mn-cs"/>
+              </a:defRPr>
+            </a:lvl4pPr>
+            <a:lvl5pPr marL="1828800" algn="l" defTabSz="913765" rtl="0" eaLnBrk="1" latinLnBrk="0" hangingPunct="1">
+              <a:defRPr sz="1800" kern="1200">
+                <a:solidFill>
+                  <a:schemeClr val="tx1"/>
+                </a:solidFill>
+                <a:latin typeface="+mn-lt"/>
+                <a:ea typeface="+mn-ea"/>
+                <a:cs typeface="+mn-cs"/>
+              </a:defRPr>
+            </a:lvl5pPr>
+            <a:lvl6pPr marL="2286000" algn="l" defTabSz="913765" rtl="0" eaLnBrk="1" latinLnBrk="0" hangingPunct="1">
+              <a:defRPr sz="1800" kern="1200">
+                <a:solidFill>
+                  <a:schemeClr val="tx1"/>
+                </a:solidFill>
+                <a:latin typeface="+mn-lt"/>
+                <a:ea typeface="+mn-ea"/>
+                <a:cs typeface="+mn-cs"/>
+              </a:defRPr>
+            </a:lvl6pPr>
+            <a:lvl7pPr marL="2743200" algn="l" defTabSz="913765" rtl="0" eaLnBrk="1" latinLnBrk="0" hangingPunct="1">
+              <a:defRPr sz="1800" kern="1200">
+                <a:solidFill>
+                  <a:schemeClr val="tx1"/>
+                </a:solidFill>
+                <a:latin typeface="+mn-lt"/>
+                <a:ea typeface="+mn-ea"/>
+                <a:cs typeface="+mn-cs"/>
+              </a:defRPr>
+            </a:lvl7pPr>
+            <a:lvl8pPr marL="3200400" algn="l" defTabSz="913765" rtl="0" eaLnBrk="1" latinLnBrk="0" hangingPunct="1">
+              <a:defRPr sz="1800" kern="1200">
+                <a:solidFill>
+                  <a:schemeClr val="tx1"/>
+                </a:solidFill>
+                <a:latin typeface="+mn-lt"/>
+                <a:ea typeface="+mn-ea"/>
+                <a:cs typeface="+mn-cs"/>
+              </a:defRPr>
+            </a:lvl8pPr>
+            <a:lvl9pPr marL="3657600" algn="l" defTabSz="913765" rtl="0" eaLnBrk="1" latinLnBrk="0" hangingPunct="1">
+              <a:defRPr sz="1800" kern="1200">
+                <a:solidFill>
+                  <a:schemeClr val="tx1"/>
+                </a:solidFill>
+                <a:latin typeface="+mn-lt"/>
+                <a:ea typeface="+mn-ea"/>
+                <a:cs typeface="+mn-cs"/>
+              </a:defRPr>
+            </a:lvl9pPr>
+          </a:lstStyle>
+          <a:p>
+            <a:pPr marL="285750" indent="-285750">
+              <a:lnSpc>
+                <a:spcPct val="200000"/>
+              </a:lnSpc>
+              <a:buFont typeface="Arial" panose="020B0604020202020204" pitchFamily="34" charset="0"/>
+              <a:buChar char="•"/>
+            </a:pPr>
+            <a:r>
+              <a:rPr lang="zh-CN" altLang="en-US" dirty="0" smtClean="0">
+                <a:solidFill>
+                  <a:srgbClr val="000000"/>
+                </a:solidFill>
+                <a:sym typeface="+mn-ea"/>
+              </a:rPr>
+              <a:t>玩家逻辑相关</a:t>
+            </a:r>
+            <a:endParaRPr lang="en-US" altLang="zh-CN" dirty="0" smtClean="0">
+              <a:solidFill>
+                <a:srgbClr val="000000"/>
+              </a:solidFill>
+              <a:sym typeface="+mn-ea"/>
+            </a:endParaRPr>
+          </a:p>
+          <a:p>
+            <a:pPr marL="800100" lvl="1" indent="-342900">
+              <a:lnSpc>
+                <a:spcPct val="200000"/>
+              </a:lnSpc>
+              <a:buFont typeface="+mj-lt"/>
+              <a:buAutoNum type="arabicPeriod"/>
+            </a:pPr>
+            <a:r>
+              <a:rPr lang="zh-CN" altLang="en-US" sz="1600" dirty="0" smtClean="0">
+                <a:solidFill>
+                  <a:srgbClr val="000000"/>
+                </a:solidFill>
+                <a:sym typeface="+mn-ea"/>
+              </a:rPr>
+              <a:t>属性重置</a:t>
+            </a:r>
+            <a:r>
+              <a:rPr lang="en-US" altLang="zh-CN" sz="1600" dirty="0" smtClean="0">
+                <a:solidFill>
+                  <a:srgbClr val="000000"/>
+                </a:solidFill>
+                <a:sym typeface="+mn-ea"/>
+              </a:rPr>
+              <a:t>(Reset)</a:t>
+            </a:r>
+          </a:p>
+          <a:p>
+            <a:pPr marL="800100" lvl="1" indent="-342900">
+              <a:lnSpc>
+                <a:spcPct val="200000"/>
+              </a:lnSpc>
+              <a:buFont typeface="+mj-lt"/>
+              <a:buAutoNum type="arabicPeriod"/>
+            </a:pPr>
+            <a:r>
+              <a:rPr lang="zh-CN" altLang="en-US" sz="1600" dirty="0" smtClean="0">
+                <a:solidFill>
+                  <a:srgbClr val="000000"/>
+                </a:solidFill>
+                <a:sym typeface="+mn-ea"/>
+              </a:rPr>
+              <a:t>进入离开游戏</a:t>
+            </a:r>
+            <a:r>
+              <a:rPr lang="en-US" altLang="zh-CN" sz="1600" dirty="0" smtClean="0">
+                <a:solidFill>
+                  <a:srgbClr val="000000"/>
+                </a:solidFill>
+                <a:sym typeface="+mn-ea"/>
+              </a:rPr>
+              <a:t>(</a:t>
+            </a:r>
+            <a:r>
+              <a:rPr lang="en-US" altLang="zh-CN" sz="1600" dirty="0" err="1" smtClean="0">
+                <a:solidFill>
+                  <a:srgbClr val="000000"/>
+                </a:solidFill>
+                <a:sym typeface="+mn-ea"/>
+              </a:rPr>
+              <a:t>Enter,Leave</a:t>
+            </a:r>
+            <a:r>
+              <a:rPr lang="en-US" altLang="zh-CN" sz="1600" dirty="0" smtClean="0">
+                <a:solidFill>
+                  <a:srgbClr val="000000"/>
+                </a:solidFill>
+                <a:sym typeface="+mn-ea"/>
+              </a:rPr>
+              <a:t>)</a:t>
+            </a:r>
+          </a:p>
+          <a:p>
+            <a:pPr marL="800100" lvl="1" indent="-342900">
+              <a:lnSpc>
+                <a:spcPct val="200000"/>
+              </a:lnSpc>
+              <a:buFont typeface="+mj-lt"/>
+              <a:buAutoNum type="arabicPeriod"/>
+            </a:pPr>
+            <a:r>
+              <a:rPr lang="zh-CN" altLang="en-US" sz="1600" dirty="0" smtClean="0">
+                <a:solidFill>
+                  <a:srgbClr val="000000"/>
+                </a:solidFill>
+                <a:sym typeface="+mn-ea"/>
+              </a:rPr>
+              <a:t>成就</a:t>
+            </a:r>
+            <a:r>
+              <a:rPr lang="en-US" altLang="zh-CN" sz="1600" dirty="0" smtClean="0">
+                <a:solidFill>
+                  <a:srgbClr val="000000"/>
+                </a:solidFill>
+                <a:sym typeface="+mn-ea"/>
+              </a:rPr>
+              <a:t>(Achieve)</a:t>
+            </a:r>
+          </a:p>
+          <a:p>
+            <a:pPr marL="800100" lvl="1" indent="-342900">
+              <a:lnSpc>
+                <a:spcPct val="200000"/>
+              </a:lnSpc>
+              <a:buFont typeface="+mj-lt"/>
+              <a:buAutoNum type="arabicPeriod"/>
+            </a:pPr>
+            <a:r>
+              <a:rPr lang="zh-CN" altLang="en-US" sz="1600" dirty="0" smtClean="0">
+                <a:solidFill>
+                  <a:srgbClr val="000000"/>
+                </a:solidFill>
+                <a:sym typeface="+mn-ea"/>
+              </a:rPr>
+              <a:t>任务</a:t>
+            </a:r>
+            <a:r>
+              <a:rPr lang="en-US" altLang="zh-CN" sz="1600" dirty="0" smtClean="0">
+                <a:solidFill>
+                  <a:srgbClr val="000000"/>
+                </a:solidFill>
+                <a:sym typeface="+mn-ea"/>
+              </a:rPr>
+              <a:t>(Task)</a:t>
+            </a:r>
+          </a:p>
+          <a:p>
+            <a:pPr marL="800100" lvl="1" indent="-342900">
+              <a:lnSpc>
+                <a:spcPct val="200000"/>
+              </a:lnSpc>
+              <a:buFont typeface="+mj-lt"/>
+              <a:buAutoNum type="arabicPeriod"/>
+            </a:pPr>
+            <a:r>
+              <a:rPr lang="zh-CN" altLang="en-US" sz="1600" dirty="0">
+                <a:solidFill>
+                  <a:srgbClr val="000000"/>
+                </a:solidFill>
+                <a:sym typeface="+mn-ea"/>
+              </a:rPr>
+              <a:t>商</a:t>
+            </a:r>
+            <a:r>
+              <a:rPr lang="zh-CN" altLang="en-US" sz="1600" dirty="0" smtClean="0">
+                <a:solidFill>
+                  <a:srgbClr val="000000"/>
+                </a:solidFill>
+                <a:sym typeface="+mn-ea"/>
+              </a:rPr>
+              <a:t>城</a:t>
+            </a:r>
+            <a:r>
+              <a:rPr lang="en-US" altLang="zh-CN" sz="1600" dirty="0" smtClean="0">
+                <a:solidFill>
+                  <a:srgbClr val="000000"/>
+                </a:solidFill>
+                <a:sym typeface="+mn-ea"/>
+              </a:rPr>
+              <a:t>(Store)</a:t>
+            </a:r>
+          </a:p>
+          <a:p>
+            <a:pPr marL="800100" lvl="1" indent="-342900">
+              <a:lnSpc>
+                <a:spcPct val="200000"/>
+              </a:lnSpc>
+              <a:buFont typeface="+mj-lt"/>
+              <a:buAutoNum type="arabicPeriod"/>
+            </a:pPr>
+            <a:r>
+              <a:rPr lang="zh-CN" altLang="en-US" sz="1600" dirty="0" smtClean="0">
+                <a:solidFill>
+                  <a:srgbClr val="000000"/>
+                </a:solidFill>
+                <a:sym typeface="+mn-ea"/>
+              </a:rPr>
+              <a:t>合成</a:t>
+            </a:r>
+            <a:r>
+              <a:rPr lang="en-US" altLang="zh-CN" sz="1600" dirty="0" smtClean="0">
+                <a:solidFill>
+                  <a:srgbClr val="000000"/>
+                </a:solidFill>
+                <a:sym typeface="+mn-ea"/>
+              </a:rPr>
+              <a:t>(Compound)	</a:t>
+            </a:r>
+          </a:p>
+          <a:p>
+            <a:pPr marL="800100" lvl="1" indent="-342900">
+              <a:lnSpc>
+                <a:spcPct val="200000"/>
+              </a:lnSpc>
+              <a:buFont typeface="+mj-lt"/>
+              <a:buAutoNum type="arabicPeriod"/>
+            </a:pPr>
+            <a:r>
+              <a:rPr lang="zh-CN" altLang="en-US" sz="1600" dirty="0" smtClean="0">
+                <a:solidFill>
+                  <a:srgbClr val="000000"/>
+                </a:solidFill>
+                <a:sym typeface="+mn-ea"/>
+              </a:rPr>
+              <a:t>签到</a:t>
+            </a:r>
+            <a:r>
+              <a:rPr lang="en-US" altLang="zh-CN" sz="1600" dirty="0" smtClean="0">
+                <a:solidFill>
+                  <a:srgbClr val="000000"/>
+                </a:solidFill>
+                <a:sym typeface="+mn-ea"/>
+              </a:rPr>
+              <a:t>(</a:t>
+            </a:r>
+            <a:r>
+              <a:rPr lang="en-US" altLang="zh-CN" sz="1600" dirty="0" err="1" smtClean="0">
+                <a:solidFill>
+                  <a:srgbClr val="000000"/>
+                </a:solidFill>
+                <a:sym typeface="+mn-ea"/>
+              </a:rPr>
+              <a:t>Signin</a:t>
+            </a:r>
+            <a:r>
+              <a:rPr lang="en-US" altLang="zh-CN" sz="1600" dirty="0" smtClean="0">
+                <a:solidFill>
+                  <a:srgbClr val="000000"/>
+                </a:solidFill>
+                <a:sym typeface="+mn-ea"/>
+              </a:rPr>
+              <a:t>)</a:t>
+            </a:r>
+          </a:p>
+          <a:p>
+            <a:pPr marL="800100" lvl="1" indent="-342900">
+              <a:lnSpc>
+                <a:spcPct val="200000"/>
+              </a:lnSpc>
+              <a:buFont typeface="+mj-lt"/>
+              <a:buAutoNum type="arabicPeriod"/>
+            </a:pPr>
+            <a:r>
+              <a:rPr lang="zh-CN" altLang="en-US" sz="1600" dirty="0" smtClean="0">
+                <a:solidFill>
+                  <a:srgbClr val="000000"/>
+                </a:solidFill>
+                <a:sym typeface="+mn-ea"/>
+              </a:rPr>
+              <a:t>道具</a:t>
+            </a:r>
+            <a:r>
+              <a:rPr lang="en-US" altLang="zh-CN" sz="1600" dirty="0" smtClean="0">
+                <a:solidFill>
+                  <a:srgbClr val="000000"/>
+                </a:solidFill>
+                <a:sym typeface="+mn-ea"/>
+              </a:rPr>
+              <a:t>(Item)</a:t>
+            </a:r>
+          </a:p>
+          <a:p>
+            <a:pPr marL="800100" lvl="1" indent="-342900">
+              <a:lnSpc>
+                <a:spcPct val="200000"/>
+              </a:lnSpc>
+              <a:buFont typeface="+mj-lt"/>
+              <a:buAutoNum type="arabicPeriod"/>
+            </a:pPr>
+            <a:r>
+              <a:rPr lang="zh-CN" altLang="en-US" sz="1600" dirty="0" smtClean="0">
+                <a:solidFill>
+                  <a:srgbClr val="000000"/>
+                </a:solidFill>
+                <a:sym typeface="+mn-ea"/>
+              </a:rPr>
+              <a:t>掉落</a:t>
+            </a:r>
+            <a:r>
+              <a:rPr lang="en-US" altLang="zh-CN" sz="1600" dirty="0" smtClean="0">
+                <a:solidFill>
+                  <a:srgbClr val="000000"/>
+                </a:solidFill>
+                <a:sym typeface="+mn-ea"/>
+              </a:rPr>
+              <a:t>(Drop)</a:t>
+            </a:r>
+            <a:endParaRPr lang="en-US" altLang="zh-CN" dirty="0" smtClean="0">
+              <a:solidFill>
+                <a:srgbClr val="000000"/>
+              </a:solidFill>
+              <a:sym typeface="+mn-ea"/>
+            </a:endParaRPr>
+          </a:p>
+        </p:txBody>
+      </p:sp>
+      <p:sp>
+        <p:nvSpPr>
+          <p:cNvPr id="5" name="文本框 4"/>
+          <p:cNvSpPr txBox="1"/>
+          <p:nvPr>
+            <p:custDataLst>
+              <p:tags r:id="rId3"/>
+            </p:custDataLst>
+          </p:nvPr>
+        </p:nvSpPr>
+        <p:spPr>
+          <a:xfrm>
+            <a:off x="669600" y="432000"/>
+            <a:ext cx="10854000" cy="648000"/>
+          </a:xfrm>
+          <a:prstGeom prst="rect">
+            <a:avLst/>
+          </a:prstGeom>
+        </p:spPr>
+        <p:txBody>
+          <a:bodyPr vert="horz" lIns="101600" tIns="38100" rIns="76200" bIns="38100" rtlCol="0" anchor="ctr" anchorCtr="0">
+            <a:noAutofit/>
+          </a:bodyPr>
+          <a:lstStyle>
+            <a:defPPr>
+              <a:defRPr lang="zh-CN"/>
+            </a:defPPr>
+            <a:lvl1pPr marR="0" fontAlgn="auto">
+              <a:lnSpc>
+                <a:spcPct val="100000"/>
+              </a:lnSpc>
+              <a:spcBef>
+                <a:spcPct val="0"/>
+              </a:spcBef>
+              <a:buNone/>
+              <a:defRPr kumimoji="0" lang="zh-CN" altLang="en-US" sz="2800" b="1" i="0" u="none" strike="noStrike" cap="none" spc="200" normalizeH="0" baseline="0" noProof="1" dirty="0">
+                <a:uFillTx/>
+                <a:latin typeface="+mj-lt"/>
+                <a:ea typeface="+mj-ea"/>
+                <a:cs typeface="+mj-cs"/>
+                <a:sym typeface="+mn-ea"/>
+              </a:defRPr>
+            </a:lvl1pPr>
+          </a:lstStyle>
+          <a:p>
+            <a:r>
+              <a:rPr lang="zh-CN" altLang="en-US" dirty="0"/>
+              <a:t>已</a:t>
+            </a:r>
+            <a:r>
+              <a:rPr lang="zh-CN" altLang="en-US" dirty="0" smtClean="0"/>
               <a:t>有的游戏通用模块插件</a:t>
             </a:r>
             <a:endParaRPr lang="zh-CN" altLang="en-US" dirty="0"/>
@@ -11336,7 +12069,7 @@
 </p:sld>
 </file>
 
-<file path=ppt/slides/slide17.xml><?xml version="1.0" encoding="utf-8"?>
+<file path=ppt/slides/slide19.xml><?xml version="1.0" encoding="utf-8"?>
 <p:sld xmlns:a="http://schemas.openxmlformats.org/drawingml/2006/main" xmlns:r="http://schemas.openxmlformats.org/officeDocument/2006/relationships" xmlns:p="http://schemas.openxmlformats.org/presentationml/2006/main">
   <p:cSld>
     <p:spTree>
@@ -11554,498 +12287,6 @@
           </a:p>
         </p:txBody>
       </p:sp>
-    </p:spTree>
-    <p:custDataLst>
-      <p:tags r:id="rId1"/>
-    </p:custDataLst>
-  </p:cSld>
-  <p:clrMapOvr>
-    <a:masterClrMapping/>
-  </p:clrMapOvr>
-  <p:timing>
-    <p:tnLst>
-      <p:par>
-        <p:cTn id="1" dur="indefinite" restart="never" nodeType="tmRoot"/>
-      </p:par>
-    </p:tnLst>
-  </p:timing>
-</p:sld>
-</file>
-
-<file path=ppt/slides/slide18.xml><?xml version="1.0" encoding="utf-8"?>
-<p:sld xmlns:a="http://schemas.openxmlformats.org/drawingml/2006/main" xmlns:r="http://schemas.openxmlformats.org/officeDocument/2006/relationships" xmlns:p="http://schemas.openxmlformats.org/presentationml/2006/main">
-  <p:cSld>
-    <p:spTree>
-      <p:nvGrpSpPr>
-        <p:cNvPr id="1" name=""/>
-        <p:cNvGrpSpPr/>
-        <p:nvPr/>
-      </p:nvGrpSpPr>
-      <p:grpSpPr>
-        <a:xfrm>
-          <a:off x="0" y="0"/>
-          <a:ext cx="0" cy="0"/>
-          <a:chOff x="0" y="0"/>
-          <a:chExt cx="0" cy="0"/>
-        </a:xfrm>
-      </p:grpSpPr>
-      <p:sp>
-        <p:nvSpPr>
-          <p:cNvPr id="5" name="标题 4"/>
-          <p:cNvSpPr>
-            <a:spLocks noGrp="1"/>
-          </p:cNvSpPr>
-          <p:nvPr>
-            <p:ph type="title"/>
-            <p:custDataLst>
-              <p:tags r:id="rId2"/>
-            </p:custDataLst>
-          </p:nvPr>
-        </p:nvSpPr>
-        <p:spPr>
-          <a:xfrm>
-            <a:off x="669930" y="2627298"/>
-            <a:ext cx="10852237" cy="624845"/>
-          </a:xfrm>
-        </p:spPr>
-        <p:txBody>
-          <a:bodyPr/>
-          <a:lstStyle/>
-          <a:p>
-            <a:r>
-              <a:rPr lang="zh-CN" altLang="en-US" spc="120" dirty="0" smtClean="0">
-                <a:sym typeface="+mn-ea"/>
-              </a:rPr>
-              <a:t>游戏属性的配置化</a:t>
-            </a:r>
-            <a:endParaRPr lang="zh-CN" altLang="en-US" dirty="0"/>
-          </a:p>
-        </p:txBody>
-      </p:sp>
-      <p:sp>
-        <p:nvSpPr>
-          <p:cNvPr id="3" name="文本占位符 2"/>
-          <p:cNvSpPr>
-            <a:spLocks noGrp="1"/>
-          </p:cNvSpPr>
-          <p:nvPr>
-            <p:ph type="body" idx="1"/>
-            <p:custDataLst>
-              <p:tags r:id="rId3"/>
-            </p:custDataLst>
-          </p:nvPr>
-        </p:nvSpPr>
-        <p:spPr>
-          <a:xfrm>
-            <a:off x="669925" y="3467807"/>
-            <a:ext cx="10852237" cy="3297135"/>
-          </a:xfrm>
-        </p:spPr>
-        <p:txBody>
-          <a:bodyPr/>
-          <a:lstStyle/>
-          <a:p>
-            <a:r>
-              <a:rPr lang="zh-CN" altLang="en-US" spc="120" dirty="0" smtClean="0">
-                <a:sym typeface="+mn-ea"/>
-              </a:rPr>
-              <a:t>通过对游戏内的常用数据的改造</a:t>
-            </a:r>
-            <a:r>
-              <a:rPr lang="en-US" altLang="zh-CN" spc="120" dirty="0" smtClean="0">
-                <a:sym typeface="+mn-ea"/>
-              </a:rPr>
-              <a:t>,</a:t>
-            </a:r>
-            <a:r>
-              <a:rPr lang="zh-CN" altLang="en-US" spc="120" dirty="0" smtClean="0"/>
-              <a:t>我们可以通过配置表来定义游戏内的所有属性</a:t>
-            </a:r>
-            <a:r>
-              <a:rPr lang="en-US" altLang="zh-CN" spc="120" dirty="0" smtClean="0"/>
-              <a:t>.</a:t>
-            </a:r>
-          </a:p>
-          <a:p>
-            <a:pPr marL="285750" indent="-285750">
-              <a:buFont typeface="Arial" panose="020B0604020202020204" pitchFamily="34" charset="0"/>
-              <a:buChar char="•"/>
-            </a:pPr>
-            <a:r>
-              <a:rPr lang="zh-CN" altLang="en-US" spc="120" dirty="0" smtClean="0"/>
-              <a:t>反射</a:t>
-            </a:r>
-            <a:endParaRPr lang="en-US" altLang="zh-CN" spc="120" dirty="0" smtClean="0"/>
-          </a:p>
-          <a:p>
-            <a:pPr marL="285750" indent="-285750">
-              <a:buFont typeface="Arial" panose="020B0604020202020204" pitchFamily="34" charset="0"/>
-              <a:buChar char="•"/>
-            </a:pPr>
-            <a:r>
-              <a:rPr lang="zh-CN" altLang="en-US" spc="120" dirty="0" smtClean="0">
-                <a:sym typeface="+mn-ea"/>
-              </a:rPr>
-              <a:t>遍历</a:t>
-            </a:r>
-            <a:endParaRPr lang="en-US" altLang="zh-CN" spc="120" dirty="0" smtClean="0">
-              <a:sym typeface="+mn-ea"/>
-            </a:endParaRPr>
-          </a:p>
-          <a:p>
-            <a:pPr marL="285750" indent="-285750">
-              <a:buFont typeface="Arial" panose="020B0604020202020204" pitchFamily="34" charset="0"/>
-              <a:buChar char="•"/>
-            </a:pPr>
-            <a:r>
-              <a:rPr lang="zh-CN" altLang="en-US" spc="120" dirty="0" smtClean="0"/>
-              <a:t>自动同步</a:t>
-            </a:r>
-            <a:r>
-              <a:rPr lang="en-US" altLang="zh-CN" spc="120" dirty="0" smtClean="0"/>
-              <a:t>(</a:t>
-            </a:r>
-            <a:r>
-              <a:rPr lang="zh-CN" altLang="en-US" spc="120" dirty="0" smtClean="0"/>
-              <a:t>客户端</a:t>
-            </a:r>
-            <a:r>
-              <a:rPr lang="en-US" altLang="zh-CN" spc="120" dirty="0" smtClean="0"/>
-              <a:t>, </a:t>
-            </a:r>
-            <a:r>
-              <a:rPr lang="zh-CN" altLang="en-US" spc="120" dirty="0" smtClean="0"/>
-              <a:t>好友</a:t>
-            </a:r>
-            <a:r>
-              <a:rPr lang="en-US" altLang="zh-CN" spc="120" dirty="0" smtClean="0"/>
-              <a:t>, </a:t>
-            </a:r>
-            <a:r>
-              <a:rPr lang="zh-CN" altLang="en-US" spc="120" dirty="0"/>
-              <a:t>公会</a:t>
-            </a:r>
-            <a:r>
-              <a:rPr lang="en-US" altLang="zh-CN" spc="120" dirty="0" smtClean="0"/>
-              <a:t>, </a:t>
-            </a:r>
-            <a:r>
-              <a:rPr lang="zh-CN" altLang="en-US" spc="120" dirty="0" smtClean="0"/>
-              <a:t>队伍等</a:t>
-            </a:r>
-            <a:r>
-              <a:rPr lang="en-US" altLang="zh-CN" spc="120" dirty="0" smtClean="0"/>
-              <a:t>)</a:t>
-            </a:r>
-          </a:p>
-          <a:p>
-            <a:pPr marL="285750" indent="-285750">
-              <a:buFont typeface="Arial" panose="020B0604020202020204" pitchFamily="34" charset="0"/>
-              <a:buChar char="•"/>
-            </a:pPr>
-            <a:r>
-              <a:rPr lang="zh-CN" altLang="en-US" spc="120" dirty="0"/>
-              <a:t>自动</a:t>
-            </a:r>
-            <a:r>
-              <a:rPr lang="zh-CN" altLang="en-US" spc="120" dirty="0" smtClean="0"/>
-              <a:t>保存</a:t>
-            </a:r>
-            <a:endParaRPr lang="en-US" altLang="zh-CN" spc="120" dirty="0" smtClean="0"/>
-          </a:p>
-          <a:p>
-            <a:pPr marL="285750" indent="-285750">
-              <a:buFont typeface="Arial" panose="020B0604020202020204" pitchFamily="34" charset="0"/>
-              <a:buChar char="•"/>
-            </a:pPr>
-            <a:r>
-              <a:rPr lang="zh-CN" altLang="en-US" spc="120" dirty="0" smtClean="0">
-                <a:sym typeface="+mn-ea"/>
-              </a:rPr>
-              <a:t>回收和复用</a:t>
-            </a:r>
-            <a:endParaRPr lang="en-US" altLang="zh-CN" spc="120" dirty="0" smtClean="0">
-              <a:sym typeface="+mn-ea"/>
-            </a:endParaRPr>
-          </a:p>
-          <a:p>
-            <a:pPr marL="285750" indent="-285750">
-              <a:buFont typeface="Arial" panose="020B0604020202020204" pitchFamily="34" charset="0"/>
-              <a:buChar char="•"/>
-            </a:pPr>
-            <a:r>
-              <a:rPr lang="zh-CN" altLang="en-US" spc="120" dirty="0" smtClean="0"/>
-              <a:t>逻辑接口统一</a:t>
-            </a:r>
-            <a:r>
-              <a:rPr lang="en-US" altLang="zh-CN" spc="120" dirty="0" smtClean="0"/>
-              <a:t>(</a:t>
-            </a:r>
-            <a:r>
-              <a:rPr lang="en-US" altLang="zh-CN" spc="120" dirty="0" err="1" smtClean="0"/>
-              <a:t>AddData,RemoveData,UpdateData</a:t>
-            </a:r>
-            <a:r>
-              <a:rPr lang="en-US" altLang="zh-CN" spc="120" dirty="0" smtClean="0"/>
-              <a:t>)</a:t>
-            </a:r>
-            <a:endParaRPr spc="120" dirty="0">
-              <a:sym typeface="+mn-ea"/>
-            </a:endParaRPr>
-          </a:p>
-        </p:txBody>
-      </p:sp>
-      <p:sp>
-        <p:nvSpPr>
-          <p:cNvPr id="2" name="文本框 1"/>
-          <p:cNvSpPr txBox="1"/>
-          <p:nvPr>
-            <p:custDataLst>
-              <p:tags r:id="rId4"/>
-            </p:custDataLst>
-          </p:nvPr>
-        </p:nvSpPr>
-        <p:spPr>
-          <a:xfrm>
-            <a:off x="669929" y="1124433"/>
-            <a:ext cx="1293625" cy="1308831"/>
-          </a:xfrm>
-          <a:prstGeom prst="rect">
-            <a:avLst/>
-          </a:prstGeom>
-        </p:spPr>
-        <p:txBody>
-          <a:bodyPr vert="horz" lIns="91440" tIns="45720" rIns="91440" bIns="45720" rtlCol="0" anchor="ctr">
-            <a:normAutofit lnSpcReduction="10000"/>
-          </a:bodyPr>
-          <a:lstStyle>
-            <a:lvl1pPr marL="228600" indent="-228600">
-              <a:lnSpc>
-                <a:spcPct val="120000"/>
-              </a:lnSpc>
-              <a:spcBef>
-                <a:spcPts val="1000"/>
-              </a:spcBef>
-              <a:buSzPct val="75000"/>
-              <a:buFont typeface="Arial" panose="020B0604020202020204" pitchFamily="34" charset="0"/>
-              <a:buChar char="•"/>
-              <a:defRPr sz="2000">
-                <a:solidFill>
-                  <a:schemeClr val="tx1">
-                    <a:lumMod val="85000"/>
-                    <a:lumOff val="15000"/>
-                  </a:schemeClr>
-                </a:solidFill>
-              </a:defRPr>
-            </a:lvl1pPr>
-            <a:lvl2pPr marL="575945" indent="-228600" fontAlgn="auto">
-              <a:lnSpc>
-                <a:spcPct val="120000"/>
-              </a:lnSpc>
-              <a:spcBef>
-                <a:spcPts val="500"/>
-              </a:spcBef>
-              <a:buSzPct val="75000"/>
-              <a:buFont typeface="Arial" panose="020B0604020202020204" pitchFamily="34" charset="0"/>
-              <a:buChar char="•"/>
-              <a:defRPr>
-                <a:solidFill>
-                  <a:schemeClr val="tx1">
-                    <a:lumMod val="75000"/>
-                    <a:lumOff val="25000"/>
-                  </a:schemeClr>
-                </a:solidFill>
-                <a:latin typeface="微软雅黑" panose="020B0503020204020204" charset="-122"/>
-                <a:ea typeface="微软雅黑" panose="020B0503020204020204" charset="-122"/>
-              </a:defRPr>
-            </a:lvl2pPr>
-            <a:lvl3pPr marL="1007745" indent="-228600" fontAlgn="auto">
-              <a:lnSpc>
-                <a:spcPct val="120000"/>
-              </a:lnSpc>
-              <a:spcBef>
-                <a:spcPts val="500"/>
-              </a:spcBef>
-              <a:buSzPct val="75000"/>
-              <a:buFont typeface="Arial" panose="020B0604020202020204" pitchFamily="34" charset="0"/>
-              <a:buChar char="‒"/>
-              <a:defRPr sz="1600">
-                <a:solidFill>
-                  <a:schemeClr val="tx1">
-                    <a:lumMod val="65000"/>
-                    <a:lumOff val="35000"/>
-                  </a:schemeClr>
-                </a:solidFill>
-                <a:latin typeface="微软雅黑" panose="020B0503020204020204" charset="-122"/>
-                <a:ea typeface="微软雅黑" panose="020B0503020204020204" charset="-122"/>
-              </a:defRPr>
-            </a:lvl3pPr>
-            <a:lvl4pPr marL="1511935" indent="-228600" fontAlgn="auto">
-              <a:lnSpc>
-                <a:spcPct val="100000"/>
-              </a:lnSpc>
-              <a:spcBef>
-                <a:spcPts val="500"/>
-              </a:spcBef>
-              <a:buSzPct val="75000"/>
-              <a:buFont typeface="Arial" panose="020B0604020202020204" pitchFamily="34" charset="0"/>
-              <a:buChar char="˃"/>
-              <a:defRPr sz="1400">
-                <a:solidFill>
-                  <a:schemeClr val="tx1">
-                    <a:lumMod val="50000"/>
-                    <a:lumOff val="50000"/>
-                  </a:schemeClr>
-                </a:solidFill>
-                <a:latin typeface="微软雅黑" panose="020B0503020204020204" charset="-122"/>
-                <a:ea typeface="微软雅黑" panose="020B0503020204020204" charset="-122"/>
-              </a:defRPr>
-            </a:lvl4pPr>
-            <a:lvl5pPr marL="1943735" indent="-228600" fontAlgn="auto">
-              <a:lnSpc>
-                <a:spcPct val="90000"/>
-              </a:lnSpc>
-              <a:spcBef>
-                <a:spcPts val="500"/>
-              </a:spcBef>
-              <a:buSzPct val="75000"/>
-              <a:buFont typeface="Arial" panose="020B0604020202020204" pitchFamily="34" charset="0"/>
-              <a:buChar char="˃"/>
-              <a:defRPr sz="1400">
-                <a:solidFill>
-                  <a:schemeClr val="tx1">
-                    <a:lumMod val="50000"/>
-                    <a:lumOff val="50000"/>
-                  </a:schemeClr>
-                </a:solidFill>
-                <a:latin typeface="微软雅黑" panose="020B0503020204020204" charset="-122"/>
-                <a:ea typeface="微软雅黑" panose="020B0503020204020204" charset="-122"/>
-              </a:defRPr>
-            </a:lvl5pPr>
-            <a:lvl6pPr marL="2514600" indent="-228600">
-              <a:lnSpc>
-                <a:spcPct val="90000"/>
-              </a:lnSpc>
-              <a:spcBef>
-                <a:spcPts val="500"/>
-              </a:spcBef>
-              <a:buFont typeface="Arial" panose="020B0604020202020204" pitchFamily="34" charset="0"/>
-              <a:buChar char="•"/>
-            </a:lvl6pPr>
-            <a:lvl7pPr marL="2971800" indent="-228600">
-              <a:lnSpc>
-                <a:spcPct val="90000"/>
-              </a:lnSpc>
-              <a:spcBef>
-                <a:spcPts val="500"/>
-              </a:spcBef>
-              <a:buFont typeface="Arial" panose="020B0604020202020204" pitchFamily="34" charset="0"/>
-              <a:buChar char="•"/>
-            </a:lvl7pPr>
-            <a:lvl8pPr marL="3429000" indent="-228600">
-              <a:lnSpc>
-                <a:spcPct val="90000"/>
-              </a:lnSpc>
-              <a:spcBef>
-                <a:spcPts val="500"/>
-              </a:spcBef>
-              <a:buFont typeface="Arial" panose="020B0604020202020204" pitchFamily="34" charset="0"/>
-              <a:buChar char="•"/>
-            </a:lvl8pPr>
-            <a:lvl9pPr marL="3886200" indent="-228600">
-              <a:lnSpc>
-                <a:spcPct val="90000"/>
-              </a:lnSpc>
-              <a:spcBef>
-                <a:spcPts val="500"/>
-              </a:spcBef>
-              <a:buFont typeface="Arial" panose="020B0604020202020204" pitchFamily="34" charset="0"/>
-              <a:buChar char="•"/>
-            </a:lvl9pPr>
-          </a:lstStyle>
-          <a:p>
-            <a:pPr marL="0" indent="0">
-              <a:buNone/>
-            </a:pPr>
-            <a:r>
-              <a:rPr lang="en-US" altLang="zh-CN" sz="7200" b="1" dirty="0" smtClean="0">
-                <a:solidFill>
-                  <a:schemeClr val="bg1">
-                    <a:lumMod val="85000"/>
-                  </a:schemeClr>
-                </a:solidFill>
-              </a:rPr>
-              <a:t>04</a:t>
-            </a:r>
-            <a:endParaRPr lang="en-US" altLang="zh-CN" sz="7200" b="1" dirty="0">
-              <a:solidFill>
-                <a:schemeClr val="bg1">
-                  <a:lumMod val="85000"/>
-                </a:schemeClr>
-              </a:solidFill>
-            </a:endParaRPr>
-          </a:p>
-        </p:txBody>
-      </p:sp>
-    </p:spTree>
-    <p:custDataLst>
-      <p:tags r:id="rId1"/>
-    </p:custDataLst>
-  </p:cSld>
-  <p:clrMapOvr>
-    <a:masterClrMapping/>
-  </p:clrMapOvr>
-  <p:timing>
-    <p:tnLst>
-      <p:par>
-        <p:cTn id="1" dur="indefinite" restart="never" nodeType="tmRoot"/>
-      </p:par>
-    </p:tnLst>
-  </p:timing>
-</p:sld>
-</file>
-
-<file path=ppt/slides/slide19.xml><?xml version="1.0" encoding="utf-8"?>
-<p:sld xmlns:a="http://schemas.openxmlformats.org/drawingml/2006/main" xmlns:r="http://schemas.openxmlformats.org/officeDocument/2006/relationships" xmlns:p="http://schemas.openxmlformats.org/presentationml/2006/main">
-  <p:cSld>
-    <p:spTree>
-      <p:nvGrpSpPr>
-        <p:cNvPr id="1" name=""/>
-        <p:cNvGrpSpPr/>
-        <p:nvPr/>
-      </p:nvGrpSpPr>
-      <p:grpSpPr>
-        <a:xfrm>
-          <a:off x="0" y="0"/>
-          <a:ext cx="0" cy="0"/>
-          <a:chOff x="0" y="0"/>
-          <a:chExt cx="0" cy="0"/>
-        </a:xfrm>
-      </p:grpSpPr>
-      <p:pic>
-        <p:nvPicPr>
-          <p:cNvPr id="25" name="图片 24"/>
-          <p:cNvPicPr>
-            <a:picLocks noChangeAspect="1"/>
-          </p:cNvPicPr>
-          <p:nvPr/>
-        </p:nvPicPr>
-        <p:blipFill>
-          <a:blip r:embed="rId4"/>
-          <a:stretch>
-            <a:fillRect/>
-          </a:stretch>
-        </p:blipFill>
-        <p:spPr>
-          <a:xfrm>
-            <a:off x="62666" y="76199"/>
-            <a:ext cx="12066667" cy="6809943"/>
-          </a:xfrm>
-          <a:prstGeom prst="rect">
-            <a:avLst/>
-          </a:prstGeom>
-        </p:spPr>
-      </p:pic>
     </p:spTree>
     <p:custDataLst>
       <p:tags r:id="rId1"/>
@@ -13711,6 +13952,498 @@
       </p:grpSpPr>
       <p:sp>
         <p:nvSpPr>
+          <p:cNvPr id="5" name="标题 4"/>
+          <p:cNvSpPr>
+            <a:spLocks noGrp="1"/>
+          </p:cNvSpPr>
+          <p:nvPr>
+            <p:ph type="title"/>
+            <p:custDataLst>
+              <p:tags r:id="rId2"/>
+            </p:custDataLst>
+          </p:nvPr>
+        </p:nvSpPr>
+        <p:spPr>
+          <a:xfrm>
+            <a:off x="669930" y="2627298"/>
+            <a:ext cx="10852237" cy="624845"/>
+          </a:xfrm>
+        </p:spPr>
+        <p:txBody>
+          <a:bodyPr/>
+          <a:lstStyle/>
+          <a:p>
+            <a:r>
+              <a:rPr lang="zh-CN" altLang="en-US" spc="120" dirty="0" smtClean="0">
+                <a:sym typeface="+mn-ea"/>
+              </a:rPr>
+              <a:t>游戏属性的配置化</a:t>
+            </a:r>
+            <a:endParaRPr lang="zh-CN" altLang="en-US" dirty="0"/>
+          </a:p>
+        </p:txBody>
+      </p:sp>
+      <p:sp>
+        <p:nvSpPr>
+          <p:cNvPr id="3" name="文本占位符 2"/>
+          <p:cNvSpPr>
+            <a:spLocks noGrp="1"/>
+          </p:cNvSpPr>
+          <p:nvPr>
+            <p:ph type="body" idx="1"/>
+            <p:custDataLst>
+              <p:tags r:id="rId3"/>
+            </p:custDataLst>
+          </p:nvPr>
+        </p:nvSpPr>
+        <p:spPr>
+          <a:xfrm>
+            <a:off x="669925" y="3467807"/>
+            <a:ext cx="10852237" cy="3297135"/>
+          </a:xfrm>
+        </p:spPr>
+        <p:txBody>
+          <a:bodyPr/>
+          <a:lstStyle/>
+          <a:p>
+            <a:r>
+              <a:rPr lang="zh-CN" altLang="en-US" spc="120" dirty="0" smtClean="0">
+                <a:sym typeface="+mn-ea"/>
+              </a:rPr>
+              <a:t>通过对游戏内的常用数据的改造</a:t>
+            </a:r>
+            <a:r>
+              <a:rPr lang="en-US" altLang="zh-CN" spc="120" dirty="0" smtClean="0">
+                <a:sym typeface="+mn-ea"/>
+              </a:rPr>
+              <a:t>,</a:t>
+            </a:r>
+            <a:r>
+              <a:rPr lang="zh-CN" altLang="en-US" spc="120" dirty="0" smtClean="0"/>
+              <a:t>我们可以通过配置表来定义游戏内的所有属性</a:t>
+            </a:r>
+            <a:r>
+              <a:rPr lang="en-US" altLang="zh-CN" spc="120" dirty="0" smtClean="0"/>
+              <a:t>.</a:t>
+            </a:r>
+          </a:p>
+          <a:p>
+            <a:pPr marL="285750" indent="-285750">
+              <a:buFont typeface="Arial" panose="020B0604020202020204" pitchFamily="34" charset="0"/>
+              <a:buChar char="•"/>
+            </a:pPr>
+            <a:r>
+              <a:rPr lang="zh-CN" altLang="en-US" spc="120" dirty="0" smtClean="0"/>
+              <a:t>反射</a:t>
+            </a:r>
+            <a:endParaRPr lang="en-US" altLang="zh-CN" spc="120" dirty="0" smtClean="0"/>
+          </a:p>
+          <a:p>
+            <a:pPr marL="285750" indent="-285750">
+              <a:buFont typeface="Arial" panose="020B0604020202020204" pitchFamily="34" charset="0"/>
+              <a:buChar char="•"/>
+            </a:pPr>
+            <a:r>
+              <a:rPr lang="zh-CN" altLang="en-US" spc="120" dirty="0" smtClean="0">
+                <a:sym typeface="+mn-ea"/>
+              </a:rPr>
+              <a:t>遍历</a:t>
+            </a:r>
+            <a:endParaRPr lang="en-US" altLang="zh-CN" spc="120" dirty="0" smtClean="0">
+              <a:sym typeface="+mn-ea"/>
+            </a:endParaRPr>
+          </a:p>
+          <a:p>
+            <a:pPr marL="285750" indent="-285750">
+              <a:buFont typeface="Arial" panose="020B0604020202020204" pitchFamily="34" charset="0"/>
+              <a:buChar char="•"/>
+            </a:pPr>
+            <a:r>
+              <a:rPr lang="zh-CN" altLang="en-US" spc="120" dirty="0" smtClean="0"/>
+              <a:t>自动同步</a:t>
+            </a:r>
+            <a:r>
+              <a:rPr lang="en-US" altLang="zh-CN" spc="120" dirty="0" smtClean="0"/>
+              <a:t>(</a:t>
+            </a:r>
+            <a:r>
+              <a:rPr lang="zh-CN" altLang="en-US" spc="120" dirty="0" smtClean="0"/>
+              <a:t>客户端</a:t>
+            </a:r>
+            <a:r>
+              <a:rPr lang="en-US" altLang="zh-CN" spc="120" dirty="0" smtClean="0"/>
+              <a:t>, </a:t>
+            </a:r>
+            <a:r>
+              <a:rPr lang="zh-CN" altLang="en-US" spc="120" dirty="0" smtClean="0"/>
+              <a:t>好友</a:t>
+            </a:r>
+            <a:r>
+              <a:rPr lang="en-US" altLang="zh-CN" spc="120" dirty="0" smtClean="0"/>
+              <a:t>, </a:t>
+            </a:r>
+            <a:r>
+              <a:rPr lang="zh-CN" altLang="en-US" spc="120" dirty="0"/>
+              <a:t>公会</a:t>
+            </a:r>
+            <a:r>
+              <a:rPr lang="en-US" altLang="zh-CN" spc="120" dirty="0" smtClean="0"/>
+              <a:t>, </a:t>
+            </a:r>
+            <a:r>
+              <a:rPr lang="zh-CN" altLang="en-US" spc="120" dirty="0" smtClean="0"/>
+              <a:t>队伍等</a:t>
+            </a:r>
+            <a:r>
+              <a:rPr lang="en-US" altLang="zh-CN" spc="120" dirty="0" smtClean="0"/>
+              <a:t>)</a:t>
+            </a:r>
+          </a:p>
+          <a:p>
+            <a:pPr marL="285750" indent="-285750">
+              <a:buFont typeface="Arial" panose="020B0604020202020204" pitchFamily="34" charset="0"/>
+              <a:buChar char="•"/>
+            </a:pPr>
+            <a:r>
+              <a:rPr lang="zh-CN" altLang="en-US" spc="120" dirty="0"/>
+              <a:t>自动</a:t>
+            </a:r>
+            <a:r>
+              <a:rPr lang="zh-CN" altLang="en-US" spc="120" dirty="0" smtClean="0"/>
+              <a:t>保存</a:t>
+            </a:r>
+            <a:endParaRPr lang="en-US" altLang="zh-CN" spc="120" dirty="0" smtClean="0"/>
+          </a:p>
+          <a:p>
+            <a:pPr marL="285750" indent="-285750">
+              <a:buFont typeface="Arial" panose="020B0604020202020204" pitchFamily="34" charset="0"/>
+              <a:buChar char="•"/>
+            </a:pPr>
+            <a:r>
+              <a:rPr lang="zh-CN" altLang="en-US" spc="120" dirty="0" smtClean="0">
+                <a:sym typeface="+mn-ea"/>
+              </a:rPr>
+              <a:t>回收和复用</a:t>
+            </a:r>
+            <a:endParaRPr lang="en-US" altLang="zh-CN" spc="120" dirty="0" smtClean="0">
+              <a:sym typeface="+mn-ea"/>
+            </a:endParaRPr>
+          </a:p>
+          <a:p>
+            <a:pPr marL="285750" indent="-285750">
+              <a:buFont typeface="Arial" panose="020B0604020202020204" pitchFamily="34" charset="0"/>
+              <a:buChar char="•"/>
+            </a:pPr>
+            <a:r>
+              <a:rPr lang="zh-CN" altLang="en-US" spc="120" dirty="0" smtClean="0"/>
+              <a:t>逻辑接口统一</a:t>
+            </a:r>
+            <a:r>
+              <a:rPr lang="en-US" altLang="zh-CN" spc="120" dirty="0" smtClean="0"/>
+              <a:t>(</a:t>
+            </a:r>
+            <a:r>
+              <a:rPr lang="en-US" altLang="zh-CN" spc="120" dirty="0" err="1" smtClean="0"/>
+              <a:t>AddData,RemoveData,UpdateData</a:t>
+            </a:r>
+            <a:r>
+              <a:rPr lang="en-US" altLang="zh-CN" spc="120" dirty="0" smtClean="0"/>
+              <a:t>)</a:t>
+            </a:r>
+            <a:endParaRPr spc="120" dirty="0">
+              <a:sym typeface="+mn-ea"/>
+            </a:endParaRPr>
+          </a:p>
+        </p:txBody>
+      </p:sp>
+      <p:sp>
+        <p:nvSpPr>
+          <p:cNvPr id="2" name="文本框 1"/>
+          <p:cNvSpPr txBox="1"/>
+          <p:nvPr>
+            <p:custDataLst>
+              <p:tags r:id="rId4"/>
+            </p:custDataLst>
+          </p:nvPr>
+        </p:nvSpPr>
+        <p:spPr>
+          <a:xfrm>
+            <a:off x="669929" y="1124433"/>
+            <a:ext cx="1293625" cy="1308831"/>
+          </a:xfrm>
+          <a:prstGeom prst="rect">
+            <a:avLst/>
+          </a:prstGeom>
+        </p:spPr>
+        <p:txBody>
+          <a:bodyPr vert="horz" lIns="91440" tIns="45720" rIns="91440" bIns="45720" rtlCol="0" anchor="ctr">
+            <a:normAutofit lnSpcReduction="10000"/>
+          </a:bodyPr>
+          <a:lstStyle>
+            <a:lvl1pPr marL="228600" indent="-228600">
+              <a:lnSpc>
+                <a:spcPct val="120000"/>
+              </a:lnSpc>
+              <a:spcBef>
+                <a:spcPts val="1000"/>
+              </a:spcBef>
+              <a:buSzPct val="75000"/>
+              <a:buFont typeface="Arial" panose="020B0604020202020204" pitchFamily="34" charset="0"/>
+              <a:buChar char="•"/>
+              <a:defRPr sz="2000">
+                <a:solidFill>
+                  <a:schemeClr val="tx1">
+                    <a:lumMod val="85000"/>
+                    <a:lumOff val="15000"/>
+                  </a:schemeClr>
+                </a:solidFill>
+              </a:defRPr>
+            </a:lvl1pPr>
+            <a:lvl2pPr marL="575945" indent="-228600" fontAlgn="auto">
+              <a:lnSpc>
+                <a:spcPct val="120000"/>
+              </a:lnSpc>
+              <a:spcBef>
+                <a:spcPts val="500"/>
+              </a:spcBef>
+              <a:buSzPct val="75000"/>
+              <a:buFont typeface="Arial" panose="020B0604020202020204" pitchFamily="34" charset="0"/>
+              <a:buChar char="•"/>
+              <a:defRPr>
+                <a:solidFill>
+                  <a:schemeClr val="tx1">
+                    <a:lumMod val="75000"/>
+                    <a:lumOff val="25000"/>
+                  </a:schemeClr>
+                </a:solidFill>
+                <a:latin typeface="微软雅黑" panose="020B0503020204020204" charset="-122"/>
+                <a:ea typeface="微软雅黑" panose="020B0503020204020204" charset="-122"/>
+              </a:defRPr>
+            </a:lvl2pPr>
+            <a:lvl3pPr marL="1007745" indent="-228600" fontAlgn="auto">
+              <a:lnSpc>
+                <a:spcPct val="120000"/>
+              </a:lnSpc>
+              <a:spcBef>
+                <a:spcPts val="500"/>
+              </a:spcBef>
+              <a:buSzPct val="75000"/>
+              <a:buFont typeface="Arial" panose="020B0604020202020204" pitchFamily="34" charset="0"/>
+              <a:buChar char="‒"/>
+              <a:defRPr sz="1600">
+                <a:solidFill>
+                  <a:schemeClr val="tx1">
+                    <a:lumMod val="65000"/>
+                    <a:lumOff val="35000"/>
+                  </a:schemeClr>
+                </a:solidFill>
+                <a:latin typeface="微软雅黑" panose="020B0503020204020204" charset="-122"/>
+                <a:ea typeface="微软雅黑" panose="020B0503020204020204" charset="-122"/>
+              </a:defRPr>
+            </a:lvl3pPr>
+            <a:lvl4pPr marL="1511935" indent="-228600" fontAlgn="auto">
+              <a:lnSpc>
+                <a:spcPct val="100000"/>
+              </a:lnSpc>
+              <a:spcBef>
+                <a:spcPts val="500"/>
+              </a:spcBef>
+              <a:buSzPct val="75000"/>
+              <a:buFont typeface="Arial" panose="020B0604020202020204" pitchFamily="34" charset="0"/>
+              <a:buChar char="˃"/>
+              <a:defRPr sz="1400">
+                <a:solidFill>
+                  <a:schemeClr val="tx1">
+                    <a:lumMod val="50000"/>
+                    <a:lumOff val="50000"/>
+                  </a:schemeClr>
+                </a:solidFill>
+                <a:latin typeface="微软雅黑" panose="020B0503020204020204" charset="-122"/>
+                <a:ea typeface="微软雅黑" panose="020B0503020204020204" charset="-122"/>
+              </a:defRPr>
+            </a:lvl4pPr>
+            <a:lvl5pPr marL="1943735" indent="-228600" fontAlgn="auto">
+              <a:lnSpc>
+                <a:spcPct val="90000"/>
+              </a:lnSpc>
+              <a:spcBef>
+                <a:spcPts val="500"/>
+              </a:spcBef>
+              <a:buSzPct val="75000"/>
+              <a:buFont typeface="Arial" panose="020B0604020202020204" pitchFamily="34" charset="0"/>
+              <a:buChar char="˃"/>
+              <a:defRPr sz="1400">
+                <a:solidFill>
+                  <a:schemeClr val="tx1">
+                    <a:lumMod val="50000"/>
+                    <a:lumOff val="50000"/>
+                  </a:schemeClr>
+                </a:solidFill>
+                <a:latin typeface="微软雅黑" panose="020B0503020204020204" charset="-122"/>
+                <a:ea typeface="微软雅黑" panose="020B0503020204020204" charset="-122"/>
+              </a:defRPr>
+            </a:lvl5pPr>
+            <a:lvl6pPr marL="2514600" indent="-228600">
+              <a:lnSpc>
+                <a:spcPct val="90000"/>
+              </a:lnSpc>
+              <a:spcBef>
+                <a:spcPts val="500"/>
+              </a:spcBef>
+              <a:buFont typeface="Arial" panose="020B0604020202020204" pitchFamily="34" charset="0"/>
+              <a:buChar char="•"/>
+            </a:lvl6pPr>
+            <a:lvl7pPr marL="2971800" indent="-228600">
+              <a:lnSpc>
+                <a:spcPct val="90000"/>
+              </a:lnSpc>
+              <a:spcBef>
+                <a:spcPts val="500"/>
+              </a:spcBef>
+              <a:buFont typeface="Arial" panose="020B0604020202020204" pitchFamily="34" charset="0"/>
+              <a:buChar char="•"/>
+            </a:lvl7pPr>
+            <a:lvl8pPr marL="3429000" indent="-228600">
+              <a:lnSpc>
+                <a:spcPct val="90000"/>
+              </a:lnSpc>
+              <a:spcBef>
+                <a:spcPts val="500"/>
+              </a:spcBef>
+              <a:buFont typeface="Arial" panose="020B0604020202020204" pitchFamily="34" charset="0"/>
+              <a:buChar char="•"/>
+            </a:lvl8pPr>
+            <a:lvl9pPr marL="3886200" indent="-228600">
+              <a:lnSpc>
+                <a:spcPct val="90000"/>
+              </a:lnSpc>
+              <a:spcBef>
+                <a:spcPts val="500"/>
+              </a:spcBef>
+              <a:buFont typeface="Arial" panose="020B0604020202020204" pitchFamily="34" charset="0"/>
+              <a:buChar char="•"/>
+            </a:lvl9pPr>
+          </a:lstStyle>
+          <a:p>
+            <a:pPr marL="0" indent="0">
+              <a:buNone/>
+            </a:pPr>
+            <a:r>
+              <a:rPr lang="en-US" altLang="zh-CN" sz="7200" b="1" dirty="0" smtClean="0">
+                <a:solidFill>
+                  <a:schemeClr val="bg1">
+                    <a:lumMod val="85000"/>
+                  </a:schemeClr>
+                </a:solidFill>
+              </a:rPr>
+              <a:t>04</a:t>
+            </a:r>
+            <a:endParaRPr lang="en-US" altLang="zh-CN" sz="7200" b="1" dirty="0">
+              <a:solidFill>
+                <a:schemeClr val="bg1">
+                  <a:lumMod val="85000"/>
+                </a:schemeClr>
+              </a:solidFill>
+            </a:endParaRPr>
+          </a:p>
+        </p:txBody>
+      </p:sp>
+    </p:spTree>
+    <p:custDataLst>
+      <p:tags r:id="rId1"/>
+    </p:custDataLst>
+  </p:cSld>
+  <p:clrMapOvr>
+    <a:masterClrMapping/>
+  </p:clrMapOvr>
+  <p:timing>
+    <p:tnLst>
+      <p:par>
+        <p:cTn id="1" dur="indefinite" restart="never" nodeType="tmRoot"/>
+      </p:par>
+    </p:tnLst>
+  </p:timing>
+</p:sld>
+</file>
+
+<file path=ppt/slides/slide21.xml><?xml version="1.0" encoding="utf-8"?>
+<p:sld xmlns:a="http://schemas.openxmlformats.org/drawingml/2006/main" xmlns:r="http://schemas.openxmlformats.org/officeDocument/2006/relationships" xmlns:p="http://schemas.openxmlformats.org/presentationml/2006/main">
+  <p:cSld>
+    <p:spTree>
+      <p:nvGrpSpPr>
+        <p:cNvPr id="1" name=""/>
+        <p:cNvGrpSpPr/>
+        <p:nvPr/>
+      </p:nvGrpSpPr>
+      <p:grpSpPr>
+        <a:xfrm>
+          <a:off x="0" y="0"/>
+          <a:ext cx="0" cy="0"/>
+          <a:chOff x="0" y="0"/>
+          <a:chExt cx="0" cy="0"/>
+        </a:xfrm>
+      </p:grpSpPr>
+      <p:pic>
+        <p:nvPicPr>
+          <p:cNvPr id="25" name="图片 24"/>
+          <p:cNvPicPr>
+            <a:picLocks noChangeAspect="1"/>
+          </p:cNvPicPr>
+          <p:nvPr/>
+        </p:nvPicPr>
+        <p:blipFill>
+          <a:blip r:embed="rId4"/>
+          <a:stretch>
+            <a:fillRect/>
+          </a:stretch>
+        </p:blipFill>
+        <p:spPr>
+          <a:xfrm>
+            <a:off x="62666" y="76199"/>
+            <a:ext cx="12066667" cy="6809943"/>
+          </a:xfrm>
+          <a:prstGeom prst="rect">
+            <a:avLst/>
+          </a:prstGeom>
+        </p:spPr>
+      </p:pic>
+    </p:spTree>
+    <p:custDataLst>
+      <p:tags r:id="rId1"/>
+    </p:custDataLst>
+  </p:cSld>
+  <p:clrMapOvr>
+    <a:masterClrMapping/>
+  </p:clrMapOvr>
+  <p:timing>
+    <p:tnLst>
+      <p:par>
+        <p:cTn id="1" dur="indefinite" restart="never" nodeType="tmRoot"/>
+      </p:par>
+    </p:tnLst>
+  </p:timing>
+</p:sld>
+</file>
+
+<file path=ppt/slides/slide22.xml><?xml version="1.0" encoding="utf-8"?>
+<p:sld xmlns:a="http://schemas.openxmlformats.org/drawingml/2006/main" xmlns:r="http://schemas.openxmlformats.org/officeDocument/2006/relationships" xmlns:p="http://schemas.openxmlformats.org/presentationml/2006/main">
+  <p:cSld>
+    <p:spTree>
+      <p:nvGrpSpPr>
+        <p:cNvPr id="1" name=""/>
+        <p:cNvGrpSpPr/>
+        <p:nvPr/>
+      </p:nvGrpSpPr>
+      <p:grpSpPr>
+        <a:xfrm>
+          <a:off x="0" y="0"/>
+          <a:ext cx="0" cy="0"/>
+          <a:chOff x="0" y="0"/>
+          <a:chExt cx="0" cy="0"/>
+        </a:xfrm>
+      </p:grpSpPr>
+      <p:sp>
+        <p:nvSpPr>
           <p:cNvPr id="3" name="内容占位符 2"/>
           <p:cNvSpPr>
             <a:spLocks noGrp="1"/>
@@ -13931,7 +14664,7 @@
 </p:sld>
 </file>
 
-<file path=ppt/slides/slide21.xml><?xml version="1.0" encoding="utf-8"?>
+<file path=ppt/slides/slide23.xml><?xml version="1.0" encoding="utf-8"?>
 <p:sld xmlns:a="http://schemas.openxmlformats.org/drawingml/2006/main" xmlns:r="http://schemas.openxmlformats.org/officeDocument/2006/relationships" xmlns:p="http://schemas.openxmlformats.org/presentationml/2006/main">
   <p:cSld>
     <p:spTree>
@@ -14255,7 +14988,7 @@
 </p:sld>
 </file>
 
-<file path=ppt/slides/slide22.xml><?xml version="1.0" encoding="utf-8"?>
+<file path=ppt/slides/slide24.xml><?xml version="1.0" encoding="utf-8"?>
 <p:sld xmlns:a="http://schemas.openxmlformats.org/drawingml/2006/main" xmlns:r="http://schemas.openxmlformats.org/officeDocument/2006/relationships" xmlns:p="http://schemas.openxmlformats.org/presentationml/2006/main">
   <p:cSld>
     <p:spTree>
@@ -14461,7 +15194,7 @@
 </p:sld>
 </file>
 
-<file path=ppt/slides/slide23.xml><?xml version="1.0" encoding="utf-8"?>
+<file path=ppt/slides/slide25.xml><?xml version="1.0" encoding="utf-8"?>
 <p:sld xmlns:a="http://schemas.openxmlformats.org/drawingml/2006/main" xmlns:r="http://schemas.openxmlformats.org/officeDocument/2006/relationships" xmlns:p="http://schemas.openxmlformats.org/presentationml/2006/main">
   <p:cSld>
     <p:spTree>
@@ -14887,7 +15620,7 @@
 </p:sld>
 </file>
 
-<file path=ppt/slides/slide24.xml><?xml version="1.0" encoding="utf-8"?>
+<file path=ppt/slides/slide26.xml><?xml version="1.0" encoding="utf-8"?>
 <p:sld xmlns:a="http://schemas.openxmlformats.org/drawingml/2006/main" xmlns:r="http://schemas.openxmlformats.org/officeDocument/2006/relationships" xmlns:p="http://schemas.openxmlformats.org/presentationml/2006/main">
   <p:cSld>
     <p:spTree>
@@ -15053,7 +15786,7 @@
 </p:sld>
 </file>
 
-<file path=ppt/slides/slide25.xml><?xml version="1.0" encoding="utf-8"?>
+<file path=ppt/slides/slide27.xml><?xml version="1.0" encoding="utf-8"?>
 <p:sld xmlns:a="http://schemas.openxmlformats.org/drawingml/2006/main" xmlns:r="http://schemas.openxmlformats.org/officeDocument/2006/relationships" xmlns:p="http://schemas.openxmlformats.org/presentationml/2006/main">
   <p:cSld>
     <p:spTree>
@@ -15293,7 +16026,7 @@
 </p:sld>
 </file>
 
-<file path=ppt/slides/slide26.xml><?xml version="1.0" encoding="utf-8"?>
+<file path=ppt/slides/slide28.xml><?xml version="1.0" encoding="utf-8"?>
 <p:sld xmlns:a="http://schemas.openxmlformats.org/drawingml/2006/main" xmlns:r="http://schemas.openxmlformats.org/officeDocument/2006/relationships" xmlns:p="http://schemas.openxmlformats.org/presentationml/2006/main">
   <p:cSld>
     <p:spTree>
@@ -15405,7 +16138,7 @@
 </p:sld>
 </file>
 
-<file path=ppt/slides/slide27.xml><?xml version="1.0" encoding="utf-8"?>
+<file path=ppt/slides/slide29.xml><?xml version="1.0" encoding="utf-8"?>
 <p:sld xmlns:a="http://schemas.openxmlformats.org/drawingml/2006/main" xmlns:r="http://schemas.openxmlformats.org/officeDocument/2006/relationships" xmlns:p="http://schemas.openxmlformats.org/presentationml/2006/main">
   <p:cSld>
     <p:spTree>
@@ -15585,7 +16318,7 @@
 </p:sld>
 </file>
 
-<file path=ppt/slides/slide28.xml><?xml version="1.0" encoding="utf-8"?>
+<file path=ppt/slides/slide3.xml><?xml version="1.0" encoding="utf-8"?>
 <p:sld xmlns:a="http://schemas.openxmlformats.org/drawingml/2006/main" xmlns:r="http://schemas.openxmlformats.org/officeDocument/2006/relationships" xmlns:p="http://schemas.openxmlformats.org/presentationml/2006/main">
   <p:cSld>
     <p:spTree>
@@ -15604,207 +16337,6 @@
       </p:grpSpPr>
       <p:sp>
         <p:nvSpPr>
-          <p:cNvPr id="3" name="内容占位符 2"/>
-          <p:cNvSpPr>
-            <a:spLocks noGrp="1"/>
-          </p:cNvSpPr>
-          <p:nvPr>
-            <p:ph idx="1"/>
-          </p:nvPr>
-        </p:nvSpPr>
-        <p:spPr>
-          <a:xfrm>
-            <a:off x="647700" y="1110481"/>
-            <a:ext cx="10515600" cy="5747519"/>
-          </a:xfrm>
-        </p:spPr>
-        <p:txBody>
-          <a:bodyPr>
-            <a:normAutofit/>
-          </a:bodyPr>
-          <a:lstStyle/>
-          <a:p>
-            <a:pPr lvl="1"/>
-            <a:endParaRPr lang="en-US" altLang="zh-CN" sz="2000" dirty="0" smtClean="0"/>
-          </a:p>
-          <a:p>
-            <a:pPr lvl="1"/>
-            <a:r>
-              <a:rPr lang="zh-CN" altLang="en-US" sz="2000" dirty="0" smtClean="0"/>
-              <a:t>需要理解</a:t>
-            </a:r>
-            <a:r>
-              <a:rPr lang="zh-CN" altLang="en-US" sz="2000" dirty="0"/>
-              <a:t>成本</a:t>
-            </a:r>
-            <a:endParaRPr lang="en-US" altLang="zh-CN" sz="2000" dirty="0"/>
-          </a:p>
-          <a:p>
-            <a:pPr lvl="1"/>
-            <a:endParaRPr lang="en-US" altLang="zh-CN" sz="2000" dirty="0" smtClean="0"/>
-          </a:p>
-          <a:p>
-            <a:pPr lvl="1"/>
-            <a:r>
-              <a:rPr lang="zh-CN" altLang="en-US" sz="2000" dirty="0" smtClean="0"/>
-              <a:t>消耗多一点内存</a:t>
-            </a:r>
-            <a:endParaRPr lang="en-US" altLang="zh-CN" sz="2000" dirty="0" smtClean="0"/>
-          </a:p>
-          <a:p>
-            <a:pPr marL="457200" lvl="1" indent="0">
-              <a:buNone/>
-            </a:pPr>
-            <a:endParaRPr lang="en-US" altLang="zh-CN" sz="2000" dirty="0"/>
-          </a:p>
-          <a:p>
-            <a:pPr lvl="1"/>
-            <a:r>
-              <a:rPr lang="zh-CN" altLang="en-US" sz="2000" dirty="0" smtClean="0"/>
-              <a:t>查找损失</a:t>
-            </a:r>
-            <a:r>
-              <a:rPr lang="zh-CN" altLang="en-US" sz="2000" dirty="0"/>
-              <a:t>少许</a:t>
-            </a:r>
-            <a:r>
-              <a:rPr lang="zh-CN" altLang="en-US" sz="2000" dirty="0" smtClean="0"/>
-              <a:t>性能</a:t>
-            </a:r>
-            <a:endParaRPr lang="en-US" altLang="zh-CN" sz="2000" dirty="0" smtClean="0"/>
-          </a:p>
-          <a:p>
-            <a:pPr lvl="1"/>
-            <a:endParaRPr lang="en-US" altLang="zh-CN" sz="2000" dirty="0"/>
-          </a:p>
-          <a:p>
-            <a:pPr lvl="1"/>
-            <a:r>
-              <a:rPr lang="zh-CN" altLang="en-US" sz="2000" dirty="0" smtClean="0"/>
-              <a:t>特定场景可能有性能隐患 </a:t>
-            </a:r>
-            <a:r>
-              <a:rPr lang="en-US" altLang="zh-CN" sz="2000" dirty="0" smtClean="0"/>
-              <a:t>( </a:t>
-            </a:r>
-            <a:r>
-              <a:rPr lang="zh-CN" altLang="en-US" sz="2000" dirty="0" smtClean="0"/>
-              <a:t>如</a:t>
-            </a:r>
-            <a:r>
-              <a:rPr lang="en-US" altLang="zh-CN" sz="2000" dirty="0" err="1" smtClean="0"/>
-              <a:t>mmo</a:t>
-            </a:r>
-            <a:r>
-              <a:rPr lang="zh-CN" altLang="en-US" sz="2000" dirty="0" smtClean="0"/>
-              <a:t>的战斗 </a:t>
-            </a:r>
-            <a:r>
-              <a:rPr lang="en-US" altLang="zh-CN" sz="2000" dirty="0" smtClean="0"/>
-              <a:t>)</a:t>
-            </a:r>
-          </a:p>
-        </p:txBody>
-      </p:sp>
-      <p:sp>
-        <p:nvSpPr>
-          <p:cNvPr id="27" name="文本框 26"/>
-          <p:cNvSpPr txBox="1"/>
-          <p:nvPr>
-            <p:custDataLst>
-              <p:tags r:id="rId2"/>
-            </p:custDataLst>
-          </p:nvPr>
-        </p:nvSpPr>
-        <p:spPr>
-          <a:xfrm>
-            <a:off x="669600" y="462480"/>
-            <a:ext cx="10854000" cy="648000"/>
-          </a:xfrm>
-          <a:prstGeom prst="rect">
-            <a:avLst/>
-          </a:prstGeom>
-        </p:spPr>
-        <p:txBody>
-          <a:bodyPr vert="horz" lIns="101600" tIns="38100" rIns="76200" bIns="38100" rtlCol="0" anchor="ctr" anchorCtr="0">
-            <a:noAutofit/>
-          </a:bodyPr>
-          <a:lstStyle>
-            <a:defPPr>
-              <a:defRPr lang="zh-CN"/>
-            </a:defPPr>
-            <a:lvl1pPr marR="0" fontAlgn="auto">
-              <a:lnSpc>
-                <a:spcPct val="100000"/>
-              </a:lnSpc>
-              <a:spcBef>
-                <a:spcPct val="0"/>
-              </a:spcBef>
-              <a:buNone/>
-              <a:defRPr kumimoji="0" lang="zh-CN" altLang="en-US" sz="2800" b="1" i="0" u="none" strike="noStrike" cap="none" spc="200" normalizeH="0" baseline="0" noProof="1" dirty="0">
-                <a:uFillTx/>
-                <a:latin typeface="+mj-lt"/>
-                <a:ea typeface="+mj-ea"/>
-                <a:cs typeface="+mj-cs"/>
-                <a:sym typeface="+mn-ea"/>
-              </a:defRPr>
-            </a:lvl1pPr>
-          </a:lstStyle>
-          <a:p>
-            <a:r>
-              <a:rPr lang="zh-CN" altLang="en-US" dirty="0" smtClean="0">
-                <a:sym typeface="+mn-ea"/>
-              </a:rPr>
-              <a:t>一些不足的地方</a:t>
-            </a:r>
-            <a:endParaRPr dirty="0">
-              <a:sym typeface="+mn-ea"/>
-            </a:endParaRPr>
-          </a:p>
-        </p:txBody>
-      </p:sp>
-    </p:spTree>
-    <p:custDataLst>
-      <p:tags r:id="rId1"/>
-    </p:custDataLst>
-    <p:extLst>
-      <p:ext uri="{BB962C8B-B14F-4D97-AF65-F5344CB8AC3E}">
-        <p14:creationId xmlns:p14="http://schemas.microsoft.com/office/powerpoint/2010/main" val="889715116"/>
-      </p:ext>
-    </p:extLst>
-  </p:cSld>
-  <p:clrMapOvr>
-    <a:masterClrMapping/>
-  </p:clrMapOvr>
-  <p:timing>
-    <p:tnLst>
-      <p:par>
-        <p:cTn id="1" dur="indefinite" restart="never" nodeType="tmRoot"/>
-      </p:par>
-    </p:tnLst>
-  </p:timing>
-</p:sld>
-</file>
-
-<file path=ppt/slides/slide29.xml><?xml version="1.0" encoding="utf-8"?>
-<p:sld xmlns:a="http://schemas.openxmlformats.org/drawingml/2006/main" xmlns:r="http://schemas.openxmlformats.org/officeDocument/2006/relationships" xmlns:p="http://schemas.openxmlformats.org/presentationml/2006/main">
-  <p:cSld>
-    <p:spTree>
-      <p:nvGrpSpPr>
-        <p:cNvPr id="1" name=""/>
-        <p:cNvGrpSpPr/>
-        <p:nvPr/>
-      </p:nvGrpSpPr>
-      <p:grpSpPr>
-        <a:xfrm>
-          <a:off x="0" y="0"/>
-          <a:ext cx="0" cy="0"/>
-          <a:chOff x="0" y="0"/>
-          <a:chExt cx="0" cy="0"/>
-        </a:xfrm>
-      </p:grpSpPr>
-      <p:sp>
-        <p:nvSpPr>
           <p:cNvPr id="5" name="标题 4"/>
           <p:cNvSpPr>
             <a:spLocks noGrp="1"/>
@@ -15818,7 +16350,7 @@
         </p:nvSpPr>
         <p:spPr>
           <a:xfrm>
-            <a:off x="669930" y="2239639"/>
+            <a:off x="669930" y="2627298"/>
             <a:ext cx="10852237" cy="624845"/>
           </a:xfrm>
         </p:spPr>
@@ -15826,32 +16358,31 @@
           <a:bodyPr/>
           <a:lstStyle/>
           <a:p>
-            <a:pPr>
-              <a:lnSpc>
-                <a:spcPct val="130000"/>
-              </a:lnSpc>
-            </a:pPr>
-            <a:r>
-              <a:rPr lang="zh-CN" altLang="en-US" spc="120" dirty="0" smtClean="0">
-                <a:sym typeface="+mn-ea"/>
-              </a:rPr>
-              <a:t>一键</a:t>
-            </a:r>
             <a:r>
               <a:rPr lang="zh-CN" altLang="en-US" spc="120" dirty="0">
                 <a:sym typeface="+mn-ea"/>
               </a:rPr>
-              <a:t>配置</a:t>
-            </a:r>
-            <a:r>
-              <a:rPr lang="zh-CN" altLang="en-US" spc="120" dirty="0" smtClean="0">
+              <a:t>设计目标</a:t>
+            </a:r>
+            <a:r>
+              <a:rPr lang="en-US" altLang="zh-CN" spc="120" dirty="0">
                 <a:sym typeface="+mn-ea"/>
               </a:rPr>
-              <a:t>开服</a:t>
-            </a:r>
-            <a:endParaRPr lang="zh-CN" altLang="en-US" spc="120" dirty="0">
-              <a:sym typeface="+mn-ea"/>
-            </a:endParaRPr>
+              <a:t/>
+            </a:r>
+            <a:br>
+              <a:rPr lang="en-US" altLang="zh-CN" spc="120" dirty="0">
+                <a:sym typeface="+mn-ea"/>
+              </a:rPr>
+            </a:br>
+            <a:r>
+              <a:rPr lang="en-US" altLang="zh-CN" dirty="0"/>
+              <a:t/>
+            </a:r>
+            <a:br>
+              <a:rPr lang="en-US" altLang="zh-CN" dirty="0"/>
+            </a:br>
+            <a:endParaRPr lang="zh-CN" altLang="en-US" dirty="0"/>
           </a:p>
         </p:txBody>
       </p:sp>
@@ -15870,25 +16401,86 @@
         </p:nvSpPr>
         <p:spPr>
           <a:xfrm>
-            <a:off x="727128" y="3086101"/>
-            <a:ext cx="10852237" cy="3390900"/>
+            <a:off x="669925" y="3524451"/>
+            <a:ext cx="10852237" cy="3054374"/>
           </a:xfrm>
         </p:spPr>
         <p:txBody>
           <a:bodyPr/>
           <a:lstStyle/>
           <a:p>
+            <a:r>
+              <a:rPr lang="zh-CN" altLang="en-US" dirty="0" smtClean="0">
+                <a:sym typeface="+mn-ea"/>
+              </a:rPr>
+              <a:t>开发一套各类型项目通用的游戏服务器终极解决方案</a:t>
+            </a:r>
+            <a:r>
+              <a:rPr lang="en-US" altLang="zh-CN" dirty="0" smtClean="0">
+                <a:sym typeface="+mn-ea"/>
+              </a:rPr>
+              <a:t>,</a:t>
+            </a:r>
+            <a:r>
+              <a:rPr lang="zh-CN" altLang="en-US" dirty="0" smtClean="0">
+                <a:sym typeface="+mn-ea"/>
+              </a:rPr>
+              <a:t>将游戏内的基础逻辑按模块划分封装成插件</a:t>
+            </a:r>
+            <a:r>
+              <a:rPr lang="en-US" altLang="zh-CN" dirty="0" smtClean="0">
+                <a:sym typeface="+mn-ea"/>
+              </a:rPr>
+              <a:t>(so/</a:t>
+            </a:r>
+            <a:r>
+              <a:rPr lang="en-US" altLang="zh-CN" dirty="0" err="1" smtClean="0">
+                <a:sym typeface="+mn-ea"/>
+              </a:rPr>
+              <a:t>dll</a:t>
+            </a:r>
+            <a:r>
+              <a:rPr lang="en-US" altLang="zh-CN" dirty="0" smtClean="0">
+                <a:sym typeface="+mn-ea"/>
+              </a:rPr>
+              <a:t>),</a:t>
+            </a:r>
+            <a:r>
+              <a:rPr lang="zh-CN" altLang="en-US" dirty="0" smtClean="0">
+                <a:sym typeface="+mn-ea"/>
+              </a:rPr>
+              <a:t>让后端只需专注项目特色的玩法逻辑设计</a:t>
+            </a:r>
+            <a:r>
+              <a:rPr lang="en-US" altLang="zh-CN" dirty="0" smtClean="0">
+                <a:sym typeface="+mn-ea"/>
+              </a:rPr>
+              <a:t>,</a:t>
+            </a:r>
+            <a:r>
+              <a:rPr lang="zh-CN" altLang="en-US" dirty="0" smtClean="0"/>
+              <a:t>达到快速开发的效果</a:t>
+            </a:r>
+            <a:r>
+              <a:rPr lang="en-US" altLang="zh-CN" dirty="0" smtClean="0"/>
+              <a:t>.</a:t>
+            </a:r>
+            <a:endParaRPr lang="en-US" altLang="zh-CN" dirty="0" smtClean="0">
+              <a:sym typeface="+mn-ea"/>
+            </a:endParaRPr>
+          </a:p>
+          <a:p>
             <a:pPr marL="285750" indent="-285750">
               <a:buFont typeface="Arial" panose="020B0604020202020204" pitchFamily="34" charset="0"/>
               <a:buChar char="•"/>
             </a:pPr>
             <a:r>
+              <a:rPr lang="zh-CN" altLang="en-US" dirty="0"/>
+              <a:t>高</a:t>
+            </a:r>
+            <a:r>
               <a:rPr lang="zh-CN" altLang="en-US" dirty="0" smtClean="0"/>
-              <a:t>运维后台</a:t>
-            </a:r>
-            <a:r>
-              <a:rPr lang="en-US" altLang="zh-CN" dirty="0" err="1" smtClean="0"/>
-              <a:t>DeployAdmin</a:t>
+              <a:t>可用</a:t>
             </a:r>
             <a:endParaRPr lang="en-US" altLang="zh-CN" dirty="0" smtClean="0"/>
           </a:p>
@@ -15897,6 +16489,10 @@
               <a:buFont typeface="Arial" panose="020B0604020202020204" pitchFamily="34" charset="0"/>
               <a:buChar char="•"/>
             </a:pPr>
+            <a:r>
+              <a:rPr lang="zh-CN" altLang="en-US" dirty="0" smtClean="0"/>
+              <a:t>高性能</a:t>
+            </a:r>
             <a:endParaRPr lang="en-US" altLang="zh-CN" dirty="0" smtClean="0"/>
           </a:p>
           <a:p>
@@ -15906,11 +16502,7 @@
             </a:pPr>
             <a:r>
               <a:rPr lang="zh-CN" altLang="en-US" dirty="0" smtClean="0"/>
-              <a:t>部署中控</a:t>
-            </a:r>
-            <a:r>
-              <a:rPr lang="en-US" altLang="zh-CN" dirty="0" err="1" smtClean="0"/>
-              <a:t>DeployServer</a:t>
+              <a:t>水平扩展</a:t>
             </a:r>
             <a:endParaRPr lang="en-US" altLang="zh-CN" dirty="0" smtClean="0"/>
           </a:p>
@@ -15919,6 +16511,14 @@
               <a:buFont typeface="Arial" panose="020B0604020202020204" pitchFamily="34" charset="0"/>
               <a:buChar char="•"/>
             </a:pPr>
+            <a:r>
+              <a:rPr lang="zh-CN" altLang="en-US" dirty="0"/>
+              <a:t>高</a:t>
+            </a:r>
+            <a:r>
+              <a:rPr lang="zh-CN" altLang="en-US" dirty="0" smtClean="0"/>
+              <a:t>开发效率</a:t>
+            </a:r>
             <a:endParaRPr lang="en-US" altLang="zh-CN" dirty="0" smtClean="0"/>
           </a:p>
           <a:p>
@@ -15928,11 +16528,7 @@
             </a:pPr>
             <a:r>
               <a:rPr lang="zh-CN" altLang="en-US" dirty="0" smtClean="0"/>
-              <a:t>部署终端</a:t>
-            </a:r>
-            <a:r>
-              <a:rPr lang="en-US" altLang="zh-CN" dirty="0" err="1" smtClean="0"/>
-              <a:t>DeployAgent</a:t>
+              <a:t>模块可灵活搭配组合成功能型服务器进程</a:t>
             </a:r>
             <a:endParaRPr lang="en-US" altLang="zh-CN" dirty="0" smtClean="0"/>
           </a:p>
@@ -15941,22 +16537,7 @@
               <a:buFont typeface="Arial" panose="020B0604020202020204" pitchFamily="34" charset="0"/>
               <a:buChar char="•"/>
             </a:pPr>
-            <a:endParaRPr lang="en-US" altLang="zh-CN" dirty="0" smtClean="0"/>
-          </a:p>
-          <a:p>
-            <a:pPr marL="285750" indent="-285750">
-              <a:buFont typeface="Arial" panose="020B0604020202020204" pitchFamily="34" charset="0"/>
-              <a:buChar char="•"/>
-            </a:pPr>
-            <a:r>
-              <a:rPr lang="zh-CN" altLang="en-US" dirty="0" smtClean="0"/>
-              <a:t>游戏进程</a:t>
-            </a:r>
-            <a:r>
-              <a:rPr lang="en-US" altLang="zh-CN" dirty="0" err="1" smtClean="0"/>
-              <a:t>DeployClient</a:t>
-            </a:r>
-            <a:endParaRPr lang="en-US" dirty="0"/>
+            <a:endParaRPr lang="zh-CN" altLang="en-US" dirty="0"/>
           </a:p>
         </p:txBody>
       </p:sp>
@@ -15972,7 +16553,7 @@
         </p:nvSpPr>
         <p:spPr>
           <a:xfrm>
-            <a:off x="669929" y="986869"/>
+            <a:off x="669929" y="1003053"/>
             <a:ext cx="1293625" cy="1308831"/>
           </a:xfrm>
           <a:prstGeom prst="rect">
@@ -16133,21 +16714,210 @@
               <a:buNone/>
             </a:pPr>
             <a:r>
-              <a:rPr lang="en-US" altLang="zh-CN" sz="7200" b="1" dirty="0" smtClean="0">
+              <a:rPr lang="en-US" altLang="zh-CN" sz="7200" b="1" dirty="0">
                 <a:solidFill>
                   <a:schemeClr val="bg1">
                     <a:lumMod val="85000"/>
                   </a:schemeClr>
                 </a:solidFill>
               </a:rPr>
-              <a:t>05</a:t>
-            </a:r>
-            <a:endParaRPr lang="en-US" altLang="zh-CN" sz="7200" b="1" dirty="0">
-              <a:solidFill>
-                <a:schemeClr val="bg1">
-                  <a:lumMod val="85000"/>
-                </a:schemeClr>
-              </a:solidFill>
+              <a:t>01</a:t>
+            </a:r>
+          </a:p>
+        </p:txBody>
+      </p:sp>
+    </p:spTree>
+    <p:custDataLst>
+      <p:tags r:id="rId1"/>
+    </p:custDataLst>
+  </p:cSld>
+  <p:clrMapOvr>
+    <a:masterClrMapping/>
+  </p:clrMapOvr>
+  <p:timing>
+    <p:tnLst>
+      <p:par>
+        <p:cTn id="1" dur="indefinite" restart="never" nodeType="tmRoot"/>
+      </p:par>
+    </p:tnLst>
+  </p:timing>
+</p:sld>
+</file>
+
+<file path=ppt/slides/slide30.xml><?xml version="1.0" encoding="utf-8"?>
+<p:sld xmlns:a="http://schemas.openxmlformats.org/drawingml/2006/main" xmlns:r="http://schemas.openxmlformats.org/officeDocument/2006/relationships" xmlns:p="http://schemas.openxmlformats.org/presentationml/2006/main">
+  <p:cSld>
+    <p:spTree>
+      <p:nvGrpSpPr>
+        <p:cNvPr id="1" name=""/>
+        <p:cNvGrpSpPr/>
+        <p:nvPr/>
+      </p:nvGrpSpPr>
+      <p:grpSpPr>
+        <a:xfrm>
+          <a:off x="0" y="0"/>
+          <a:ext cx="0" cy="0"/>
+          <a:chOff x="0" y="0"/>
+          <a:chExt cx="0" cy="0"/>
+        </a:xfrm>
+      </p:grpSpPr>
+      <p:sp>
+        <p:nvSpPr>
+          <p:cNvPr id="3" name="内容占位符 2"/>
+          <p:cNvSpPr>
+            <a:spLocks noGrp="1"/>
+          </p:cNvSpPr>
+          <p:nvPr>
+            <p:ph idx="1"/>
+          </p:nvPr>
+        </p:nvSpPr>
+        <p:spPr>
+          <a:xfrm>
+            <a:off x="647700" y="1110481"/>
+            <a:ext cx="10515600" cy="5747519"/>
+          </a:xfrm>
+        </p:spPr>
+        <p:txBody>
+          <a:bodyPr>
+            <a:normAutofit/>
+          </a:bodyPr>
+          <a:lstStyle/>
+          <a:p>
+            <a:pPr lvl="1"/>
+            <a:endParaRPr lang="en-US" altLang="zh-CN" sz="2000" dirty="0" smtClean="0"/>
+          </a:p>
+          <a:p>
+            <a:pPr lvl="1"/>
+            <a:r>
+              <a:rPr lang="zh-CN" altLang="en-US" sz="2000" dirty="0" smtClean="0"/>
+              <a:t>需要理解</a:t>
+            </a:r>
+            <a:r>
+              <a:rPr lang="zh-CN" altLang="en-US" sz="2000" dirty="0"/>
+              <a:t>成本</a:t>
+            </a:r>
+            <a:endParaRPr lang="en-US" altLang="zh-CN" sz="2000" dirty="0"/>
+          </a:p>
+          <a:p>
+            <a:pPr lvl="1"/>
+            <a:endParaRPr lang="en-US" altLang="zh-CN" sz="2000" dirty="0" smtClean="0"/>
+          </a:p>
+          <a:p>
+            <a:pPr lvl="1"/>
+            <a:r>
+              <a:rPr lang="zh-CN" altLang="en-US" sz="2000" dirty="0" smtClean="0"/>
+              <a:t>消耗多一点内存</a:t>
+            </a:r>
+            <a:endParaRPr lang="en-US" altLang="zh-CN" sz="2000" dirty="0" smtClean="0"/>
+          </a:p>
+          <a:p>
+            <a:pPr marL="457200" lvl="1" indent="0">
+              <a:buNone/>
+            </a:pPr>
+            <a:endParaRPr lang="en-US" altLang="zh-CN" sz="2000" dirty="0"/>
+          </a:p>
+          <a:p>
+            <a:pPr lvl="1"/>
+            <a:r>
+              <a:rPr lang="zh-CN" altLang="en-US" sz="2000" dirty="0" smtClean="0"/>
+              <a:t>查找损失</a:t>
+            </a:r>
+            <a:r>
+              <a:rPr lang="zh-CN" altLang="en-US" sz="2000" dirty="0"/>
+              <a:t>少许</a:t>
+            </a:r>
+            <a:r>
+              <a:rPr lang="zh-CN" altLang="en-US" sz="2000" dirty="0" smtClean="0"/>
+              <a:t>性能</a:t>
+            </a:r>
+            <a:endParaRPr lang="en-US" altLang="zh-CN" sz="2000" dirty="0" smtClean="0"/>
+          </a:p>
+          <a:p>
+            <a:pPr lvl="1"/>
+            <a:endParaRPr lang="en-US" altLang="zh-CN" sz="2000" dirty="0"/>
+          </a:p>
+          <a:p>
+            <a:pPr lvl="1"/>
+            <a:r>
+              <a:rPr lang="zh-CN" altLang="en-US" sz="2000" dirty="0" smtClean="0"/>
+              <a:t>特定场景可能有性能隐患 </a:t>
+            </a:r>
+            <a:r>
+              <a:rPr lang="en-US" altLang="zh-CN" sz="2000" dirty="0" smtClean="0"/>
+              <a:t>( </a:t>
+            </a:r>
+            <a:r>
+              <a:rPr lang="zh-CN" altLang="en-US" sz="2000" dirty="0" smtClean="0"/>
+              <a:t>如</a:t>
+            </a:r>
+            <a:r>
+              <a:rPr lang="en-US" altLang="zh-CN" sz="2000" dirty="0" err="1" smtClean="0"/>
+              <a:t>mmo</a:t>
+            </a:r>
+            <a:r>
+              <a:rPr lang="zh-CN" altLang="en-US" sz="2000" dirty="0" smtClean="0"/>
+              <a:t>的战斗 </a:t>
+            </a:r>
+            <a:r>
+              <a:rPr lang="en-US" altLang="zh-CN" sz="2000" dirty="0" smtClean="0"/>
+              <a:t>)</a:t>
+            </a:r>
+          </a:p>
+        </p:txBody>
+      </p:sp>
+      <p:sp>
+        <p:nvSpPr>
+          <p:cNvPr id="27" name="文本框 26"/>
+          <p:cNvSpPr txBox="1"/>
+          <p:nvPr>
+            <p:custDataLst>
+              <p:tags r:id="rId2"/>
+            </p:custDataLst>
+          </p:nvPr>
+        </p:nvSpPr>
+        <p:spPr>
+          <a:xfrm>
+            <a:off x="669600" y="462480"/>
+            <a:ext cx="10854000" cy="648000"/>
+          </a:xfrm>
+          <a:prstGeom prst="rect">
+            <a:avLst/>
+          </a:prstGeom>
+        </p:spPr>
+        <p:txBody>
+          <a:bodyPr vert="horz" lIns="101600" tIns="38100" rIns="76200" bIns="38100" rtlCol="0" anchor="ctr" anchorCtr="0">
+            <a:noAutofit/>
+          </a:bodyPr>
+          <a:lstStyle>
+            <a:defPPr>
+              <a:defRPr lang="zh-CN"/>
+            </a:defPPr>
+            <a:lvl1pPr marR="0" fontAlgn="auto">
+              <a:lnSpc>
+                <a:spcPct val="100000"/>
+              </a:lnSpc>
+              <a:spcBef>
+                <a:spcPct val="0"/>
+              </a:spcBef>
+              <a:buNone/>
+              <a:defRPr kumimoji="0" lang="zh-CN" altLang="en-US" sz="2800" b="1" i="0" u="none" strike="noStrike" cap="none" spc="200" normalizeH="0" baseline="0" noProof="1" dirty="0">
+                <a:uFillTx/>
+                <a:latin typeface="+mj-lt"/>
+                <a:ea typeface="+mj-ea"/>
+                <a:cs typeface="+mj-cs"/>
+                <a:sym typeface="+mn-ea"/>
+              </a:defRPr>
+            </a:lvl1pPr>
+          </a:lstStyle>
+          <a:p>
+            <a:r>
+              <a:rPr lang="zh-CN" altLang="en-US" dirty="0" smtClean="0">
+                <a:sym typeface="+mn-ea"/>
+              </a:rPr>
+              <a:t>一些不足的地方</a:t>
+            </a:r>
+            <a:endParaRPr dirty="0">
+              <a:sym typeface="+mn-ea"/>
             </a:endParaRPr>
           </a:p>
         </p:txBody>
@@ -16158,7 +16928,7 @@
     </p:custDataLst>
     <p:extLst>
       <p:ext uri="{BB962C8B-B14F-4D97-AF65-F5344CB8AC3E}">
-        <p14:creationId xmlns:p14="http://schemas.microsoft.com/office/powerpoint/2010/main" val="3865350846"/>
+        <p14:creationId xmlns:p14="http://schemas.microsoft.com/office/powerpoint/2010/main" val="889715116"/>
       </p:ext>
     </p:extLst>
   </p:cSld>
@@ -16175,7 +16945,7 @@
 </p:sld>
 </file>
 
-<file path=ppt/slides/slide3.xml><?xml version="1.0" encoding="utf-8"?>
+<file path=ppt/slides/slide31.xml><?xml version="1.0" encoding="utf-8"?>
 <p:sld xmlns:a="http://schemas.openxmlformats.org/drawingml/2006/main" xmlns:r="http://schemas.openxmlformats.org/officeDocument/2006/relationships" xmlns:p="http://schemas.openxmlformats.org/presentationml/2006/main">
   <p:cSld>
     <p:spTree>
@@ -16207,7 +16977,7 @@
         </p:nvSpPr>
         <p:spPr>
           <a:xfrm>
-            <a:off x="669930" y="2627298"/>
+            <a:off x="669930" y="2239639"/>
             <a:ext cx="10852237" cy="624845"/>
           </a:xfrm>
         </p:spPr>
@@ -16215,31 +16985,32 @@
           <a:bodyPr/>
           <a:lstStyle/>
           <a:p>
+            <a:pPr>
+              <a:lnSpc>
+                <a:spcPct val="130000"/>
+              </a:lnSpc>
+            </a:pPr>
+            <a:r>
+              <a:rPr lang="zh-CN" altLang="en-US" spc="120" dirty="0" smtClean="0">
+                <a:sym typeface="+mn-ea"/>
+              </a:rPr>
+              <a:t>一键</a:t>
+            </a:r>
             <a:r>
               <a:rPr lang="zh-CN" altLang="en-US" spc="120" dirty="0">
                 <a:sym typeface="+mn-ea"/>
               </a:rPr>
-              <a:t>设计目标</a:t>
-            </a:r>
-            <a:r>
-              <a:rPr lang="en-US" altLang="zh-CN" spc="120" dirty="0">
+              <a:t>配置</a:t>
+            </a:r>
+            <a:r>
+              <a:rPr lang="zh-CN" altLang="en-US" spc="120" dirty="0" smtClean="0">
                 <a:sym typeface="+mn-ea"/>
               </a:rPr>
-              <a:t/>
-            </a:r>
-            <a:br>
-              <a:rPr lang="en-US" altLang="zh-CN" spc="120" dirty="0">
-                <a:sym typeface="+mn-ea"/>
-              </a:rPr>
-            </a:br>
-            <a:r>
-              <a:rPr lang="en-US" altLang="zh-CN" dirty="0"/>
-              <a:t/>
-            </a:r>
-            <a:br>
-              <a:rPr lang="en-US" altLang="zh-CN" dirty="0"/>
-            </a:br>
-            <a:endParaRPr lang="zh-CN" altLang="en-US" dirty="0"/>
+              <a:t>开服</a:t>
+            </a:r>
+            <a:endParaRPr lang="zh-CN" altLang="en-US" spc="120" dirty="0">
+              <a:sym typeface="+mn-ea"/>
+            </a:endParaRPr>
           </a:p>
         </p:txBody>
       </p:sp>
@@ -16258,86 +17029,25 @@
         </p:nvSpPr>
         <p:spPr>
           <a:xfrm>
-            <a:off x="669925" y="3524451"/>
-            <a:ext cx="10852237" cy="3054374"/>
+            <a:off x="727128" y="3086101"/>
+            <a:ext cx="10852237" cy="3390900"/>
           </a:xfrm>
         </p:spPr>
         <p:txBody>
           <a:bodyPr/>
           <a:lstStyle/>
           <a:p>
-            <a:r>
-              <a:rPr lang="zh-CN" altLang="en-US" dirty="0" smtClean="0">
-                <a:sym typeface="+mn-ea"/>
-              </a:rPr>
-              <a:t>开发一套各类型项目通用的游戏服务器终极解决方案</a:t>
-            </a:r>
-            <a:r>
-              <a:rPr lang="en-US" altLang="zh-CN" dirty="0" smtClean="0">
-                <a:sym typeface="+mn-ea"/>
-              </a:rPr>
-              <a:t>,</a:t>
-            </a:r>
-            <a:r>
-              <a:rPr lang="zh-CN" altLang="en-US" dirty="0" smtClean="0">
-                <a:sym typeface="+mn-ea"/>
-              </a:rPr>
-              <a:t>将游戏内的基础逻辑按模块划分封装成插件</a:t>
-            </a:r>
-            <a:r>
-              <a:rPr lang="en-US" altLang="zh-CN" dirty="0" smtClean="0">
-                <a:sym typeface="+mn-ea"/>
-              </a:rPr>
-              <a:t>(so/</a:t>
-            </a:r>
-            <a:r>
-              <a:rPr lang="en-US" altLang="zh-CN" dirty="0" err="1" smtClean="0">
-                <a:sym typeface="+mn-ea"/>
-              </a:rPr>
-              <a:t>dll</a:t>
-            </a:r>
-            <a:r>
-              <a:rPr lang="en-US" altLang="zh-CN" dirty="0" smtClean="0">
-                <a:sym typeface="+mn-ea"/>
-              </a:rPr>
-              <a:t>),</a:t>
-            </a:r>
-            <a:r>
-              <a:rPr lang="zh-CN" altLang="en-US" dirty="0" smtClean="0">
-                <a:sym typeface="+mn-ea"/>
-              </a:rPr>
-              <a:t>让后端只需专注项目特色的玩法逻辑设计</a:t>
-            </a:r>
-            <a:r>
-              <a:rPr lang="en-US" altLang="zh-CN" dirty="0" smtClean="0">
-                <a:sym typeface="+mn-ea"/>
-              </a:rPr>
-              <a:t>,</a:t>
-            </a:r>
-            <a:r>
-              <a:rPr lang="zh-CN" altLang="en-US" dirty="0" smtClean="0"/>
-              <a:t>达到快速开发的效果</a:t>
-            </a:r>
-            <a:r>
-              <a:rPr lang="en-US" altLang="zh-CN" dirty="0" smtClean="0"/>
-              <a:t>.</a:t>
-            </a:r>
-            <a:endParaRPr lang="en-US" altLang="zh-CN" dirty="0" smtClean="0">
-              <a:sym typeface="+mn-ea"/>
-            </a:endParaRPr>
-          </a:p>
-          <a:p>
             <a:pPr marL="285750" indent="-285750">
               <a:buFont typeface="Arial" panose="020B0604020202020204" pitchFamily="34" charset="0"/>
               <a:buChar char="•"/>
             </a:pPr>
             <a:r>
-              <a:rPr lang="zh-CN" altLang="en-US" dirty="0"/>
-              <a:t>高</a:t>
-            </a:r>
-            <a:r>
               <a:rPr lang="zh-CN" altLang="en-US" dirty="0" smtClean="0"/>
-              <a:t>可用</a:t>
+              <a:t>运维后台</a:t>
+            </a:r>
+            <a:r>
+              <a:rPr lang="en-US" altLang="zh-CN" dirty="0" err="1" smtClean="0"/>
+              <a:t>DeployAdmin</a:t>
             </a:r>
             <a:endParaRPr lang="en-US" altLang="zh-CN" dirty="0" smtClean="0"/>
           </a:p>
@@ -16346,10 +17056,6 @@
               <a:buFont typeface="Arial" panose="020B0604020202020204" pitchFamily="34" charset="0"/>
               <a:buChar char="•"/>
             </a:pPr>
-            <a:r>
-              <a:rPr lang="zh-CN" altLang="en-US" dirty="0" smtClean="0"/>
-              <a:t>高性能</a:t>
-            </a:r>
             <a:endParaRPr lang="en-US" altLang="zh-CN" dirty="0" smtClean="0"/>
           </a:p>
           <a:p>
@@ -16359,7 +17065,11 @@
             </a:pPr>
             <a:r>
               <a:rPr lang="zh-CN" altLang="en-US" dirty="0" smtClean="0"/>
-              <a:t>水平扩展</a:t>
+              <a:t>部署中控</a:t>
+            </a:r>
+            <a:r>
+              <a:rPr lang="en-US" altLang="zh-CN" dirty="0" err="1" smtClean="0"/>
+              <a:t>DeployServer</a:t>
             </a:r>
             <a:endParaRPr lang="en-US" altLang="zh-CN" dirty="0" smtClean="0"/>
           </a:p>
@@ -16368,14 +17078,6 @@
               <a:buFont typeface="Arial" panose="020B0604020202020204" pitchFamily="34" charset="0"/>
               <a:buChar char="•"/>
             </a:pPr>
-            <a:r>
-              <a:rPr lang="zh-CN" altLang="en-US" dirty="0"/>
-              <a:t>高</a:t>
-            </a:r>
-            <a:r>
-              <a:rPr lang="zh-CN" altLang="en-US" dirty="0" smtClean="0"/>
-              <a:t>开发效率</a:t>
-            </a:r>
             <a:endParaRPr lang="en-US" altLang="zh-CN" dirty="0" smtClean="0"/>
           </a:p>
           <a:p>
@@ -16385,7 +17087,11 @@
             </a:pPr>
             <a:r>
               <a:rPr lang="zh-CN" altLang="en-US" dirty="0" smtClean="0"/>
-              <a:t>模块可灵活搭配组合成功能型服务器进程</a:t>
+              <a:t>部署终端</a:t>
+            </a:r>
+            <a:r>
+              <a:rPr lang="en-US" altLang="zh-CN" dirty="0" err="1" smtClean="0"/>
+              <a:t>DeployAgent</a:t>
             </a:r>
             <a:endParaRPr lang="en-US" altLang="zh-CN" dirty="0" smtClean="0"/>
           </a:p>
@@ -16394,7 +17100,22 @@
               <a:buFont typeface="Arial" panose="020B0604020202020204" pitchFamily="34" charset="0"/>
               <a:buChar char="•"/>
             </a:pPr>
-            <a:endParaRPr lang="zh-CN" altLang="en-US" dirty="0"/>
+            <a:endParaRPr lang="en-US" altLang="zh-CN" dirty="0" smtClean="0"/>
+          </a:p>
+          <a:p>
+            <a:pPr marL="285750" indent="-285750">
+              <a:buFont typeface="Arial" panose="020B0604020202020204" pitchFamily="34" charset="0"/>
+              <a:buChar char="•"/>
+            </a:pPr>
+            <a:r>
+              <a:rPr lang="zh-CN" altLang="en-US" dirty="0" smtClean="0"/>
+              <a:t>游戏进程</a:t>
+            </a:r>
+            <a:r>
+              <a:rPr lang="en-US" altLang="zh-CN" dirty="0" err="1" smtClean="0"/>
+              <a:t>DeployClient</a:t>
+            </a:r>
+            <a:endParaRPr lang="en-US" dirty="0"/>
           </a:p>
         </p:txBody>
       </p:sp>
@@ -16410,7 +17131,7 @@
         </p:nvSpPr>
         <p:spPr>
           <a:xfrm>
-            <a:off x="669929" y="1003053"/>
+            <a:off x="669929" y="986869"/>
             <a:ext cx="1293625" cy="1308831"/>
           </a:xfrm>
           <a:prstGeom prst="rect">
@@ -16571,15 +17292,22 @@
               <a:buNone/>
             </a:pPr>
             <a:r>
-              <a:rPr lang="en-US" altLang="zh-CN" sz="7200" b="1" dirty="0">
+              <a:rPr lang="en-US" altLang="zh-CN" sz="7200" b="1" dirty="0" smtClean="0">
                 <a:solidFill>
                   <a:schemeClr val="bg1">
                     <a:lumMod val="85000"/>
                   </a:schemeClr>
                 </a:solidFill>
               </a:rPr>
-              <a:t>01</a:t>
-            </a:r>
+              <a:t>05</a:t>
+            </a:r>
+            <a:endParaRPr lang="en-US" altLang="zh-CN" sz="7200" b="1" dirty="0">
+              <a:solidFill>
+                <a:schemeClr val="bg1">
+                  <a:lumMod val="85000"/>
+                </a:schemeClr>
+              </a:solidFill>
+            </a:endParaRPr>
           </a:p>
         </p:txBody>
       </p:sp>
@@ -16587,6 +17315,11 @@
     <p:custDataLst>
       <p:tags r:id="rId1"/>
     </p:custDataLst>
+    <p:extLst>
+      <p:ext uri="{BB962C8B-B14F-4D97-AF65-F5344CB8AC3E}">
+        <p14:creationId xmlns:p14="http://schemas.microsoft.com/office/powerpoint/2010/main" val="3865350846"/>
+      </p:ext>
+    </p:extLst>
   </p:cSld>
   <p:clrMapOvr>
     <a:masterClrMapping/>
@@ -16601,7 +17334,7 @@
 </p:sld>
 </file>
 
-<file path=ppt/slides/slide30.xml><?xml version="1.0" encoding="utf-8"?>
+<file path=ppt/slides/slide32.xml><?xml version="1.0" encoding="utf-8"?>
 <p:sld xmlns:a="http://schemas.openxmlformats.org/drawingml/2006/main" xmlns:r="http://schemas.openxmlformats.org/officeDocument/2006/relationships" xmlns:p="http://schemas.openxmlformats.org/presentationml/2006/main">
   <p:cSld>
     <p:spTree>
@@ -17379,7 +18112,7 @@
 </p:sld>
 </file>
 
-<file path=ppt/slides/slide31.xml><?xml version="1.0" encoding="utf-8"?>
+<file path=ppt/slides/slide33.xml><?xml version="1.0" encoding="utf-8"?>
 <p:sld xmlns:a="http://schemas.openxmlformats.org/drawingml/2006/main" xmlns:r="http://schemas.openxmlformats.org/officeDocument/2006/relationships" xmlns:p="http://schemas.openxmlformats.org/presentationml/2006/main">
   <p:cSld>
     <p:spTree>
@@ -17870,7 +18603,7 @@
 </p:sld>
 </file>
 
-<file path=ppt/slides/slide32.xml><?xml version="1.0" encoding="utf-8"?>
+<file path=ppt/slides/slide34.xml><?xml version="1.0" encoding="utf-8"?>
 <p:sld xmlns:a="http://schemas.openxmlformats.org/drawingml/2006/main" xmlns:r="http://schemas.openxmlformats.org/officeDocument/2006/relationships" xmlns:p="http://schemas.openxmlformats.org/presentationml/2006/main">
   <p:cSld>
     <p:spTree>
@@ -18219,7 +18952,7 @@
 </p:sld>
 </file>
 
-<file path=ppt/slides/slide33.xml><?xml version="1.0" encoding="utf-8"?>
+<file path=ppt/slides/slide35.xml><?xml version="1.0" encoding="utf-8"?>
 <p:sld xmlns:a="http://schemas.openxmlformats.org/drawingml/2006/main" xmlns:r="http://schemas.openxmlformats.org/officeDocument/2006/relationships" xmlns:p="http://schemas.openxmlformats.org/presentationml/2006/main">
   <p:cSld>
     <p:spTree>
@@ -18597,7 +19330,7 @@
 </p:sld>
 </file>
 
-<file path=ppt/slides/slide34.xml><?xml version="1.0" encoding="utf-8"?>
+<file path=ppt/slides/slide36.xml><?xml version="1.0" encoding="utf-8"?>
 <p:sld xmlns:a="http://schemas.openxmlformats.org/drawingml/2006/main" xmlns:r="http://schemas.openxmlformats.org/officeDocument/2006/relationships" xmlns:p="http://schemas.openxmlformats.org/presentationml/2006/main">
   <p:cSld>
     <p:spTree>
@@ -19925,7 +20658,7 @@
       </p:grpSpPr>
       <p:sp>
         <p:nvSpPr>
-          <p:cNvPr id="27" name="文本框 26"/>
+          <p:cNvPr id="6" name="文本框 5"/>
           <p:cNvSpPr txBox="1"/>
           <p:nvPr>
             <p:custDataLst>
@@ -19969,535 +20702,46 @@
           </a:lstStyle>
           <a:p>
             <a:r>
-              <a:rPr lang="zh-CN" altLang="en-US" dirty="0" smtClean="0">
-                <a:sym typeface="+mn-ea"/>
-              </a:rPr>
-              <a:t>游戏进程如何配置</a:t>
+              <a:rPr lang="zh-CN" altLang="en-US" dirty="0" smtClean="0"/>
+              <a:t>插件接口实现</a:t>
             </a:r>
             <a:endParaRPr lang="zh-CN" altLang="en-US" dirty="0"/>
           </a:p>
         </p:txBody>
       </p:sp>
-      <p:sp>
-        <p:nvSpPr>
-          <p:cNvPr id="29" name="文本占位符 2"/>
-          <p:cNvSpPr txBox="1">
-            <a:spLocks/>
-          </p:cNvSpPr>
-          <p:nvPr>
-            <p:custDataLst>
-              <p:tags r:id="rId3"/>
-            </p:custDataLst>
-          </p:nvPr>
-        </p:nvSpPr>
+      <p:pic>
+        <p:nvPicPr>
+          <p:cNvPr id="2" name="图片 1"/>
+          <p:cNvPicPr>
+            <a:picLocks noChangeAspect="1"/>
+          </p:cNvPicPr>
+          <p:nvPr/>
+        </p:nvPicPr>
+        <p:blipFill>
+          <a:blip r:embed="rId4"/>
+          <a:stretch>
+            <a:fillRect/>
+          </a:stretch>
+        </p:blipFill>
         <p:spPr>
           <a:xfrm>
-            <a:off x="734661" y="1080000"/>
-            <a:ext cx="10852237" cy="441303"/>
+            <a:off x="669600" y="1534503"/>
+            <a:ext cx="9104762" cy="4857143"/>
           </a:xfrm>
           <a:prstGeom prst="rect">
             <a:avLst/>
           </a:prstGeom>
         </p:spPr>
-        <p:txBody>
-          <a:bodyPr/>
-          <a:lstStyle>
-            <a:lvl1pPr marL="228600" indent="-228600" algn="l" defTabSz="914400" rtl="0" eaLnBrk="1" fontAlgn="auto" latinLnBrk="0" hangingPunct="1">
-              <a:lnSpc>
-                <a:spcPct val="130000"/>
-              </a:lnSpc>
-              <a:spcBef>
-                <a:spcPts val="0"/>
-              </a:spcBef>
-              <a:spcAft>
-                <a:spcPts val="1000"/>
-              </a:spcAft>
-              <a:buFont typeface="Arial" panose="020B0604020202020204" pitchFamily="34" charset="0"/>
-              <a:buChar char="•"/>
-              <a:defRPr sz="1600" u="none" strike="noStrike" kern="1200" cap="none" spc="150" normalizeH="0" baseline="0">
-                <a:solidFill>
-                  <a:schemeClr val="tx1"/>
-                </a:solidFill>
-                <a:uFillTx/>
-                <a:latin typeface="+mn-lt"/>
-                <a:ea typeface="+mn-ea"/>
-                <a:cs typeface="+mn-cs"/>
-              </a:defRPr>
-            </a:lvl1pPr>
-            <a:lvl2pPr marL="685800" indent="-228600" algn="l" defTabSz="914400" rtl="0" eaLnBrk="1" fontAlgn="auto" latinLnBrk="0" hangingPunct="1">
-              <a:lnSpc>
-                <a:spcPct val="130000"/>
-              </a:lnSpc>
-              <a:spcBef>
-                <a:spcPts val="0"/>
-              </a:spcBef>
-              <a:spcAft>
-                <a:spcPts val="1000"/>
-              </a:spcAft>
-              <a:buFont typeface="Arial" panose="020B0604020202020204" pitchFamily="34" charset="0"/>
-              <a:buChar char="•"/>
-              <a:tabLst>
-                <a:tab pos="1609725" algn="l"/>
-              </a:tabLst>
-              <a:defRPr sz="1600" u="none" strike="noStrike" kern="1200" cap="none" spc="150" normalizeH="0" baseline="0">
-                <a:solidFill>
-                  <a:schemeClr val="tx1"/>
-                </a:solidFill>
-                <a:uFillTx/>
-                <a:latin typeface="+mn-lt"/>
-                <a:ea typeface="+mn-ea"/>
-                <a:cs typeface="+mn-cs"/>
-              </a:defRPr>
-            </a:lvl2pPr>
-            <a:lvl3pPr marL="1143000" indent="-228600" algn="l" defTabSz="914400" rtl="0" eaLnBrk="1" fontAlgn="auto" latinLnBrk="0" hangingPunct="1">
-              <a:lnSpc>
-                <a:spcPct val="130000"/>
-              </a:lnSpc>
-              <a:spcBef>
-                <a:spcPts val="0"/>
-              </a:spcBef>
-              <a:spcAft>
-                <a:spcPts val="1000"/>
-              </a:spcAft>
-              <a:buFont typeface="Arial" panose="020B0604020202020204" pitchFamily="34" charset="0"/>
-              <a:buChar char="•"/>
-              <a:defRPr sz="1600" u="none" strike="noStrike" kern="1200" cap="none" spc="150" normalizeH="0" baseline="0">
-                <a:solidFill>
-                  <a:schemeClr val="tx1"/>
-                </a:solidFill>
-                <a:uFillTx/>
-                <a:latin typeface="+mn-lt"/>
-                <a:ea typeface="+mn-ea"/>
-                <a:cs typeface="+mn-cs"/>
-              </a:defRPr>
-            </a:lvl3pPr>
-            <a:lvl4pPr marL="1600200" indent="-228600" algn="l" defTabSz="914400" rtl="0" eaLnBrk="1" fontAlgn="auto" latinLnBrk="0" hangingPunct="1">
-              <a:lnSpc>
-                <a:spcPct val="130000"/>
-              </a:lnSpc>
-              <a:spcBef>
-                <a:spcPts val="0"/>
-              </a:spcBef>
-              <a:spcAft>
-                <a:spcPts val="1000"/>
-              </a:spcAft>
-              <a:buFont typeface="Arial" panose="020B0604020202020204" pitchFamily="34" charset="0"/>
-              <a:buChar char="•"/>
-              <a:defRPr sz="1600" u="none" strike="noStrike" kern="1200" cap="none" spc="150" normalizeH="0" baseline="0">
-                <a:solidFill>
-                  <a:schemeClr val="tx1"/>
-                </a:solidFill>
-                <a:uFillTx/>
-                <a:latin typeface="+mn-lt"/>
-                <a:ea typeface="+mn-ea"/>
-                <a:cs typeface="+mn-cs"/>
-              </a:defRPr>
-            </a:lvl4pPr>
-            <a:lvl5pPr marL="2057400" indent="-228600" algn="l" defTabSz="914400" rtl="0" eaLnBrk="1" fontAlgn="auto" latinLnBrk="0" hangingPunct="1">
-              <a:lnSpc>
-                <a:spcPct val="130000"/>
-              </a:lnSpc>
-              <a:spcBef>
-                <a:spcPts val="0"/>
-              </a:spcBef>
-              <a:spcAft>
-                <a:spcPts val="1000"/>
-              </a:spcAft>
-              <a:buFont typeface="Arial" panose="020B0604020202020204" pitchFamily="34" charset="0"/>
-              <a:buChar char="•"/>
-              <a:defRPr sz="1600" u="none" strike="noStrike" kern="1200" cap="none" spc="150" normalizeH="0" baseline="0">
-                <a:solidFill>
-                  <a:schemeClr val="tx1"/>
-                </a:solidFill>
-                <a:uFillTx/>
-                <a:latin typeface="+mn-lt"/>
-                <a:ea typeface="+mn-ea"/>
-                <a:cs typeface="+mn-cs"/>
-              </a:defRPr>
-            </a:lvl5pPr>
-            <a:lvl6pPr marL="2514600" indent="-228600" algn="l" defTabSz="914400" rtl="0" eaLnBrk="1" latinLnBrk="0" hangingPunct="1">
-              <a:lnSpc>
-                <a:spcPct val="90000"/>
-              </a:lnSpc>
-              <a:spcBef>
-                <a:spcPts val="500"/>
-              </a:spcBef>
-              <a:buFont typeface="Arial" panose="020B0604020202020204" pitchFamily="34" charset="0"/>
-              <a:buChar char="•"/>
-              <a:defRPr sz="1800" kern="1200">
-                <a:solidFill>
-                  <a:schemeClr val="tx1"/>
-                </a:solidFill>
-                <a:latin typeface="+mn-lt"/>
-                <a:ea typeface="+mn-ea"/>
-                <a:cs typeface="+mn-cs"/>
-              </a:defRPr>
-            </a:lvl6pPr>
-            <a:lvl7pPr marL="2971800" indent="-228600" algn="l" defTabSz="914400" rtl="0" eaLnBrk="1" latinLnBrk="0" hangingPunct="1">
-              <a:lnSpc>
-                <a:spcPct val="90000"/>
-              </a:lnSpc>
-              <a:spcBef>
-                <a:spcPts val="500"/>
-              </a:spcBef>
-              <a:buFont typeface="Arial" panose="020B0604020202020204" pitchFamily="34" charset="0"/>
-              <a:buChar char="•"/>
-              <a:defRPr sz="1800" kern="1200">
-                <a:solidFill>
-                  <a:schemeClr val="tx1"/>
-                </a:solidFill>
-                <a:latin typeface="+mn-lt"/>
-                <a:ea typeface="+mn-ea"/>
-                <a:cs typeface="+mn-cs"/>
-              </a:defRPr>
-            </a:lvl7pPr>
-            <a:lvl8pPr marL="3429000" indent="-228600" algn="l" defTabSz="914400" rtl="0" eaLnBrk="1" latinLnBrk="0" hangingPunct="1">
-              <a:lnSpc>
-                <a:spcPct val="90000"/>
-              </a:lnSpc>
-              <a:spcBef>
-                <a:spcPts val="500"/>
-              </a:spcBef>
-              <a:buFont typeface="Arial" panose="020B0604020202020204" pitchFamily="34" charset="0"/>
-              <a:buChar char="•"/>
-              <a:defRPr sz="1800" kern="1200">
-                <a:solidFill>
-                  <a:schemeClr val="tx1"/>
-                </a:solidFill>
-                <a:latin typeface="+mn-lt"/>
-                <a:ea typeface="+mn-ea"/>
-                <a:cs typeface="+mn-cs"/>
-              </a:defRPr>
-            </a:lvl8pPr>
-            <a:lvl9pPr marL="3886200" indent="-228600" algn="l" defTabSz="914400" rtl="0" eaLnBrk="1" latinLnBrk="0" hangingPunct="1">
-              <a:lnSpc>
-                <a:spcPct val="90000"/>
-              </a:lnSpc>
-              <a:spcBef>
-                <a:spcPts val="500"/>
-              </a:spcBef>
-              <a:buFont typeface="Arial" panose="020B0604020202020204" pitchFamily="34" charset="0"/>
-              <a:buChar char="•"/>
-              <a:defRPr sz="1800" kern="1200">
-                <a:solidFill>
-                  <a:schemeClr val="tx1"/>
-                </a:solidFill>
-                <a:latin typeface="+mn-lt"/>
-                <a:ea typeface="+mn-ea"/>
-                <a:cs typeface="+mn-cs"/>
-              </a:defRPr>
-            </a:lvl9pPr>
-          </a:lstStyle>
-          <a:p>
-            <a:pPr marL="0" indent="0">
-              <a:buNone/>
-            </a:pPr>
-            <a:r>
-              <a:rPr lang="zh-CN" altLang="en-US" dirty="0" smtClean="0"/>
-              <a:t>游戏进程</a:t>
-            </a:r>
-            <a:r>
-              <a:rPr lang="en-US" altLang="zh-CN" dirty="0" smtClean="0"/>
-              <a:t>: (</a:t>
-            </a:r>
-            <a:r>
-              <a:rPr lang="zh-CN" altLang="en-US" dirty="0" smtClean="0"/>
-              <a:t>启动器</a:t>
-            </a:r>
-            <a:r>
-              <a:rPr lang="en-US" altLang="zh-CN" dirty="0" smtClean="0"/>
-              <a:t>Startup)+(</a:t>
-            </a:r>
-            <a:r>
-              <a:rPr lang="en-US" altLang="zh-CN" dirty="0" err="1" smtClean="0"/>
-              <a:t>name.type.startup</a:t>
-            </a:r>
-            <a:r>
-              <a:rPr lang="en-US" altLang="zh-CN" dirty="0" smtClean="0"/>
-              <a:t>)+(so/</a:t>
-            </a:r>
-            <a:r>
-              <a:rPr lang="en-US" altLang="zh-CN" dirty="0" err="1" smtClean="0"/>
-              <a:t>dll</a:t>
-            </a:r>
-            <a:r>
-              <a:rPr lang="en-US" altLang="zh-CN" dirty="0" smtClean="0"/>
-              <a:t>)</a:t>
-            </a:r>
-            <a:endParaRPr lang="zh-CN" altLang="en-US" dirty="0"/>
-          </a:p>
-        </p:txBody>
-      </p:sp>
-      <p:sp>
-        <p:nvSpPr>
-          <p:cNvPr id="31" name="文本占位符 2"/>
-          <p:cNvSpPr txBox="1">
-            <a:spLocks/>
-          </p:cNvSpPr>
-          <p:nvPr>
-            <p:custDataLst>
-              <p:tags r:id="rId4"/>
-            </p:custDataLst>
-          </p:nvPr>
-        </p:nvSpPr>
-        <p:spPr>
-          <a:xfrm>
-            <a:off x="734661" y="1728000"/>
-            <a:ext cx="10852237" cy="3936425"/>
-          </a:xfrm>
-          <a:prstGeom prst="rect">
-            <a:avLst/>
-          </a:prstGeom>
-        </p:spPr>
-        <p:txBody>
-          <a:bodyPr/>
-          <a:lstStyle>
-            <a:lvl1pPr marL="228600" indent="-228600" algn="l" defTabSz="914400" rtl="0" eaLnBrk="1" fontAlgn="auto" latinLnBrk="0" hangingPunct="1">
-              <a:lnSpc>
-                <a:spcPct val="130000"/>
-              </a:lnSpc>
-              <a:spcBef>
-                <a:spcPts val="0"/>
-              </a:spcBef>
-              <a:spcAft>
-                <a:spcPts val="1000"/>
-              </a:spcAft>
-              <a:buFont typeface="Arial" panose="020B0604020202020204" pitchFamily="34" charset="0"/>
-              <a:buChar char="•"/>
-              <a:defRPr sz="1600" u="none" strike="noStrike" kern="1200" cap="none" spc="150" normalizeH="0" baseline="0">
-                <a:solidFill>
-                  <a:schemeClr val="tx1"/>
-                </a:solidFill>
-                <a:uFillTx/>
-                <a:latin typeface="+mn-lt"/>
-                <a:ea typeface="+mn-ea"/>
-                <a:cs typeface="+mn-cs"/>
-              </a:defRPr>
-            </a:lvl1pPr>
-            <a:lvl2pPr marL="685800" indent="-228600" algn="l" defTabSz="914400" rtl="0" eaLnBrk="1" fontAlgn="auto" latinLnBrk="0" hangingPunct="1">
-              <a:lnSpc>
-                <a:spcPct val="130000"/>
-              </a:lnSpc>
-              <a:spcBef>
-                <a:spcPts val="0"/>
-              </a:spcBef>
-              <a:spcAft>
-                <a:spcPts val="1000"/>
-              </a:spcAft>
-              <a:buFont typeface="Arial" panose="020B0604020202020204" pitchFamily="34" charset="0"/>
-              <a:buChar char="•"/>
-              <a:tabLst>
-                <a:tab pos="1609725" algn="l"/>
-              </a:tabLst>
-              <a:defRPr sz="1600" u="none" strike="noStrike" kern="1200" cap="none" spc="150" normalizeH="0" baseline="0">
-                <a:solidFill>
-                  <a:schemeClr val="tx1"/>
-                </a:solidFill>
-                <a:uFillTx/>
-                <a:latin typeface="+mn-lt"/>
-                <a:ea typeface="+mn-ea"/>
-                <a:cs typeface="+mn-cs"/>
-              </a:defRPr>
-            </a:lvl2pPr>
-            <a:lvl3pPr marL="1143000" indent="-228600" algn="l" defTabSz="914400" rtl="0" eaLnBrk="1" fontAlgn="auto" latinLnBrk="0" hangingPunct="1">
-              <a:lnSpc>
-                <a:spcPct val="130000"/>
-              </a:lnSpc>
-              <a:spcBef>
-                <a:spcPts val="0"/>
-              </a:spcBef>
-              <a:spcAft>
-                <a:spcPts val="1000"/>
-              </a:spcAft>
-              <a:buFont typeface="Arial" panose="020B0604020202020204" pitchFamily="34" charset="0"/>
-              <a:buChar char="•"/>
-              <a:defRPr sz="1600" u="none" strike="noStrike" kern="1200" cap="none" spc="150" normalizeH="0" baseline="0">
-                <a:solidFill>
-                  <a:schemeClr val="tx1"/>
-                </a:solidFill>
-                <a:uFillTx/>
-                <a:latin typeface="+mn-lt"/>
-                <a:ea typeface="+mn-ea"/>
-                <a:cs typeface="+mn-cs"/>
-              </a:defRPr>
-            </a:lvl3pPr>
-            <a:lvl4pPr marL="1600200" indent="-228600" algn="l" defTabSz="914400" rtl="0" eaLnBrk="1" fontAlgn="auto" latinLnBrk="0" hangingPunct="1">
-              <a:lnSpc>
-                <a:spcPct val="130000"/>
-              </a:lnSpc>
-              <a:spcBef>
-                <a:spcPts val="0"/>
-              </a:spcBef>
-              <a:spcAft>
-                <a:spcPts val="1000"/>
-              </a:spcAft>
-              <a:buFont typeface="Arial" panose="020B0604020202020204" pitchFamily="34" charset="0"/>
-              <a:buChar char="•"/>
-              <a:defRPr sz="1600" u="none" strike="noStrike" kern="1200" cap="none" spc="150" normalizeH="0" baseline="0">
-                <a:solidFill>
-                  <a:schemeClr val="tx1"/>
-                </a:solidFill>
-                <a:uFillTx/>
-                <a:latin typeface="+mn-lt"/>
-                <a:ea typeface="+mn-ea"/>
-                <a:cs typeface="+mn-cs"/>
-              </a:defRPr>
-            </a:lvl4pPr>
-            <a:lvl5pPr marL="2057400" indent="-228600" algn="l" defTabSz="914400" rtl="0" eaLnBrk="1" fontAlgn="auto" latinLnBrk="0" hangingPunct="1">
-              <a:lnSpc>
-                <a:spcPct val="130000"/>
-              </a:lnSpc>
-              <a:spcBef>
-                <a:spcPts val="0"/>
-              </a:spcBef>
-              <a:spcAft>
-                <a:spcPts val="1000"/>
-              </a:spcAft>
-              <a:buFont typeface="Arial" panose="020B0604020202020204" pitchFamily="34" charset="0"/>
-              <a:buChar char="•"/>
-              <a:defRPr sz="1600" u="none" strike="noStrike" kern="1200" cap="none" spc="150" normalizeH="0" baseline="0">
-                <a:solidFill>
-                  <a:schemeClr val="tx1"/>
-                </a:solidFill>
-                <a:uFillTx/>
-                <a:latin typeface="+mn-lt"/>
-                <a:ea typeface="+mn-ea"/>
-                <a:cs typeface="+mn-cs"/>
-              </a:defRPr>
-            </a:lvl5pPr>
-            <a:lvl6pPr marL="2514600" indent="-228600" algn="l" defTabSz="914400" rtl="0" eaLnBrk="1" latinLnBrk="0" hangingPunct="1">
-              <a:lnSpc>
-                <a:spcPct val="90000"/>
-              </a:lnSpc>
-              <a:spcBef>
-                <a:spcPts val="500"/>
-              </a:spcBef>
-              <a:buFont typeface="Arial" panose="020B0604020202020204" pitchFamily="34" charset="0"/>
-              <a:buChar char="•"/>
-              <a:defRPr sz="1800" kern="1200">
-                <a:solidFill>
-                  <a:schemeClr val="tx1"/>
-                </a:solidFill>
-                <a:latin typeface="+mn-lt"/>
-                <a:ea typeface="+mn-ea"/>
-                <a:cs typeface="+mn-cs"/>
-              </a:defRPr>
-            </a:lvl6pPr>
-            <a:lvl7pPr marL="2971800" indent="-228600" algn="l" defTabSz="914400" rtl="0" eaLnBrk="1" latinLnBrk="0" hangingPunct="1">
-              <a:lnSpc>
-                <a:spcPct val="90000"/>
-              </a:lnSpc>
-              <a:spcBef>
-                <a:spcPts val="500"/>
-              </a:spcBef>
-              <a:buFont typeface="Arial" panose="020B0604020202020204" pitchFamily="34" charset="0"/>
-              <a:buChar char="•"/>
-              <a:defRPr sz="1800" kern="1200">
-                <a:solidFill>
-                  <a:schemeClr val="tx1"/>
-                </a:solidFill>
-                <a:latin typeface="+mn-lt"/>
-                <a:ea typeface="+mn-ea"/>
-                <a:cs typeface="+mn-cs"/>
-              </a:defRPr>
-            </a:lvl7pPr>
-            <a:lvl8pPr marL="3429000" indent="-228600" algn="l" defTabSz="914400" rtl="0" eaLnBrk="1" latinLnBrk="0" hangingPunct="1">
-              <a:lnSpc>
-                <a:spcPct val="90000"/>
-              </a:lnSpc>
-              <a:spcBef>
-                <a:spcPts val="500"/>
-              </a:spcBef>
-              <a:buFont typeface="Arial" panose="020B0604020202020204" pitchFamily="34" charset="0"/>
-              <a:buChar char="•"/>
-              <a:defRPr sz="1800" kern="1200">
-                <a:solidFill>
-                  <a:schemeClr val="tx1"/>
-                </a:solidFill>
-                <a:latin typeface="+mn-lt"/>
-                <a:ea typeface="+mn-ea"/>
-                <a:cs typeface="+mn-cs"/>
-              </a:defRPr>
-            </a:lvl8pPr>
-            <a:lvl9pPr marL="3886200" indent="-228600" algn="l" defTabSz="914400" rtl="0" eaLnBrk="1" latinLnBrk="0" hangingPunct="1">
-              <a:lnSpc>
-                <a:spcPct val="90000"/>
-              </a:lnSpc>
-              <a:spcBef>
-                <a:spcPts val="500"/>
-              </a:spcBef>
-              <a:buFont typeface="Arial" panose="020B0604020202020204" pitchFamily="34" charset="0"/>
-              <a:buChar char="•"/>
-              <a:defRPr sz="1800" kern="1200">
-                <a:solidFill>
-                  <a:schemeClr val="tx1"/>
-                </a:solidFill>
-                <a:latin typeface="+mn-lt"/>
-                <a:ea typeface="+mn-ea"/>
-                <a:cs typeface="+mn-cs"/>
-              </a:defRPr>
-            </a:lvl9pPr>
-          </a:lstStyle>
-          <a:p>
-            <a:endParaRPr lang="en-US" altLang="zh-CN" dirty="0" smtClean="0"/>
-          </a:p>
-          <a:p>
-            <a:r>
-              <a:rPr lang="zh-CN" altLang="en-US" sz="1800" dirty="0" smtClean="0"/>
-              <a:t>启动器  负责读取启动配置</a:t>
-            </a:r>
-            <a:r>
-              <a:rPr lang="en-US" altLang="zh-CN" sz="1800" dirty="0" smtClean="0"/>
-              <a:t>, </a:t>
-            </a:r>
-            <a:r>
-              <a:rPr lang="zh-CN" altLang="en-US" sz="1800" dirty="0" smtClean="0"/>
-              <a:t>并装载模块插件</a:t>
-            </a:r>
-            <a:endParaRPr lang="en-US" altLang="zh-CN" sz="1800" dirty="0" smtClean="0"/>
-          </a:p>
-          <a:p>
-            <a:endParaRPr lang="en-US" altLang="zh-CN" sz="1800" dirty="0"/>
-          </a:p>
-          <a:p>
-            <a:r>
-              <a:rPr lang="en-US" altLang="zh-CN" sz="1800" dirty="0" smtClean="0"/>
-              <a:t>.startup </a:t>
-            </a:r>
-            <a:r>
-              <a:rPr lang="zh-CN" altLang="en-US" sz="1800" dirty="0" smtClean="0"/>
-              <a:t>启动配置文件</a:t>
-            </a:r>
-            <a:endParaRPr lang="en-US" altLang="zh-CN" sz="1800" dirty="0" smtClean="0"/>
-          </a:p>
-          <a:p>
-            <a:endParaRPr lang="en-US" altLang="zh-CN" sz="1800" dirty="0"/>
-          </a:p>
-          <a:p>
-            <a:r>
-              <a:rPr lang="en-US" altLang="zh-CN" sz="1800" dirty="0" smtClean="0"/>
-              <a:t>(so/</a:t>
-            </a:r>
-            <a:r>
-              <a:rPr lang="en-US" altLang="zh-CN" sz="1800" dirty="0" err="1" smtClean="0"/>
-              <a:t>dll</a:t>
-            </a:r>
-            <a:r>
-              <a:rPr lang="en-US" altLang="zh-CN" sz="1800" dirty="0" smtClean="0"/>
-              <a:t>) </a:t>
-            </a:r>
-            <a:r>
-              <a:rPr lang="zh-CN" altLang="en-US" sz="1800" dirty="0" smtClean="0"/>
-              <a:t>功能模块插件</a:t>
-            </a:r>
-            <a:endParaRPr lang="zh-CN" altLang="en-US" sz="1800" dirty="0"/>
-          </a:p>
-        </p:txBody>
-      </p:sp>
+      </p:pic>
     </p:spTree>
     <p:custDataLst>
       <p:tags r:id="rId1"/>
     </p:custDataLst>
+    <p:extLst>
+      <p:ext uri="{BB962C8B-B14F-4D97-AF65-F5344CB8AC3E}">
+        <p14:creationId xmlns:p14="http://schemas.microsoft.com/office/powerpoint/2010/main" val="1303696154"/>
+      </p:ext>
+    </p:extLst>
   </p:cSld>
   <p:clrMapOvr>
     <a:masterClrMapping/>
@@ -20581,6 +20825,64 @@
 
 <file path=ppt/tags/tag103.xml><?xml version="1.0" encoding="utf-8"?>
 <p:tagLst xmlns:a="http://schemas.openxmlformats.org/drawingml/2006/main" xmlns:r="http://schemas.openxmlformats.org/officeDocument/2006/relationships" xmlns:p="http://schemas.openxmlformats.org/presentationml/2006/main">
+  <p:tag name="KSO_WM_BEAUTIFY_FLAG" val="#wm#"/>
+  <p:tag name="KSO_WM_TEMPLATE_CATEGORY" val="custom"/>
+  <p:tag name="KSO_WM_TEMPLATE_INDEX" val="20187308"/>
+</p:tagLst>
+</file>
+
+<file path=ppt/tags/tag104.xml><?xml version="1.0" encoding="utf-8"?>
+<p:tagLst xmlns:a="http://schemas.openxmlformats.org/drawingml/2006/main" xmlns:r="http://schemas.openxmlformats.org/officeDocument/2006/relationships" xmlns:p="http://schemas.openxmlformats.org/presentationml/2006/main">
+  <p:tag name="KSO_WM_UNIT_ISCONTENTSTITLE" val="0"/>
+  <p:tag name="KSO_WM_UNIT_PRESET_TEXT" val="单击此处添加标题"/>
+  <p:tag name="KSO_WM_UNIT_NOCLEAR" val="0"/>
+  <p:tag name="KSO_WM_UNIT_VALUE" val="14"/>
+  <p:tag name="KSO_WM_UNIT_HIGHLIGHT" val="0"/>
+  <p:tag name="KSO_WM_UNIT_COMPATIBLE" val="0"/>
+  <p:tag name="KSO_WM_UNIT_DIAGRAM_ISNUMVISUAL" val="0"/>
+  <p:tag name="KSO_WM_UNIT_DIAGRAM_ISREFERUNIT" val="0"/>
+  <p:tag name="KSO_WM_UNIT_TYPE" val="a"/>
+  <p:tag name="KSO_WM_UNIT_INDEX" val="1"/>
+  <p:tag name="KSO_WM_UNIT_ID" val="custom20187308_9*a*1"/>
+  <p:tag name="KSO_WM_TEMPLATE_CATEGORY" val="custom"/>
+  <p:tag name="KSO_WM_TEMPLATE_INDEX" val="20187308"/>
+  <p:tag name="KSO_WM_UNIT_LAYERLEVEL" val="1"/>
+  <p:tag name="KSO_WM_TAG_VERSION" val="1.0"/>
+  <p:tag name="KSO_WM_BEAUTIFY_FLAG" val="#wm#"/>
+</p:tagLst>
+</file>
+
+<file path=ppt/tags/tag105.xml><?xml version="1.0" encoding="utf-8"?>
+<p:tagLst xmlns:a="http://schemas.openxmlformats.org/drawingml/2006/main" xmlns:r="http://schemas.openxmlformats.org/officeDocument/2006/relationships" xmlns:p="http://schemas.openxmlformats.org/presentationml/2006/main">
+  <p:tag name="KSO_WM_BEAUTIFY_FLAG" val="#wm#"/>
+  <p:tag name="KSO_WM_TEMPLATE_CATEGORY" val="custom"/>
+  <p:tag name="KSO_WM_TEMPLATE_INDEX" val="20187308"/>
+</p:tagLst>
+</file>
+
+<file path=ppt/tags/tag106.xml><?xml version="1.0" encoding="utf-8"?>
+<p:tagLst xmlns:a="http://schemas.openxmlformats.org/drawingml/2006/main" xmlns:r="http://schemas.openxmlformats.org/officeDocument/2006/relationships" xmlns:p="http://schemas.openxmlformats.org/presentationml/2006/main">
+  <p:tag name="KSO_WM_UNIT_ISCONTENTSTITLE" val="0"/>
+  <p:tag name="KSO_WM_UNIT_PRESET_TEXT" val="单击此处添加标题"/>
+  <p:tag name="KSO_WM_UNIT_NOCLEAR" val="0"/>
+  <p:tag name="KSO_WM_UNIT_VALUE" val="14"/>
+  <p:tag name="KSO_WM_UNIT_HIGHLIGHT" val="0"/>
+  <p:tag name="KSO_WM_UNIT_COMPATIBLE" val="0"/>
+  <p:tag name="KSO_WM_UNIT_DIAGRAM_ISNUMVISUAL" val="0"/>
+  <p:tag name="KSO_WM_UNIT_DIAGRAM_ISREFERUNIT" val="0"/>
+  <p:tag name="KSO_WM_UNIT_TYPE" val="a"/>
+  <p:tag name="KSO_WM_UNIT_INDEX" val="1"/>
+  <p:tag name="KSO_WM_UNIT_ID" val="custom20187308_9*a*1"/>
+  <p:tag name="KSO_WM_TEMPLATE_CATEGORY" val="custom"/>
+  <p:tag name="KSO_WM_TEMPLATE_INDEX" val="20187308"/>
+  <p:tag name="KSO_WM_UNIT_LAYERLEVEL" val="1"/>
+  <p:tag name="KSO_WM_TAG_VERSION" val="1.0"/>
+  <p:tag name="KSO_WM_BEAUTIFY_FLAG" val="#wm#"/>
+</p:tagLst>
+</file>
+
+<file path=ppt/tags/tag107.xml><?xml version="1.0" encoding="utf-8"?>
+<p:tagLst xmlns:a="http://schemas.openxmlformats.org/drawingml/2006/main" xmlns:r="http://schemas.openxmlformats.org/officeDocument/2006/relationships" xmlns:p="http://schemas.openxmlformats.org/presentationml/2006/main">
   <p:tag name="KSO_WM_SLIDE_ID" val="custom20187308_7"/>
   <p:tag name="KSO_WM_TEMPLATE_SUBCATEGORY" val="0"/>
   <p:tag name="KSO_WM_SLIDE_TYPE" val="text"/>
@@ -20597,81 +20899,6 @@
   <p:tag name="KSO_WM_TEMPLATE_INDEX" val="20187308"/>
   <p:tag name="KSO_WM_SLIDE_LAYOUT" val="a_m"/>
   <p:tag name="KSO_WM_SLIDE_LAYOUT_CNT" val="1_1"/>
-</p:tagLst>
-</file>
-
-<file path=ppt/tags/tag104.xml><?xml version="1.0" encoding="utf-8"?>
-<p:tagLst xmlns:a="http://schemas.openxmlformats.org/drawingml/2006/main" xmlns:r="http://schemas.openxmlformats.org/officeDocument/2006/relationships" xmlns:p="http://schemas.openxmlformats.org/presentationml/2006/main">
-  <p:tag name="KSO_WM_UNIT_ISCONTENTSTITLE" val="0"/>
-  <p:tag name="KSO_WM_UNIT_PRESET_TEXT" val="单击此处添加标题"/>
-  <p:tag name="KSO_WM_UNIT_NOCLEAR" val="0"/>
-  <p:tag name="KSO_WM_UNIT_VALUE" val="14"/>
-  <p:tag name="KSO_WM_UNIT_HIGHLIGHT" val="0"/>
-  <p:tag name="KSO_WM_UNIT_COMPATIBLE" val="0"/>
-  <p:tag name="KSO_WM_UNIT_DIAGRAM_ISNUMVISUAL" val="0"/>
-  <p:tag name="KSO_WM_UNIT_DIAGRAM_ISREFERUNIT" val="0"/>
-  <p:tag name="KSO_WM_DIAGRAM_GROUP_CODE" val="m1-2"/>
-  <p:tag name="KSO_WM_UNIT_TYPE" val="a"/>
-  <p:tag name="KSO_WM_UNIT_INDEX" val="1"/>
-  <p:tag name="KSO_WM_UNIT_ID" val="custom20187308_7*a*1"/>
-  <p:tag name="KSO_WM_TEMPLATE_CATEGORY" val="custom"/>
-  <p:tag name="KSO_WM_TEMPLATE_INDEX" val="20187308"/>
-  <p:tag name="KSO_WM_UNIT_LAYERLEVEL" val="1"/>
-  <p:tag name="KSO_WM_TAG_VERSION" val="1.0"/>
-  <p:tag name="KSO_WM_BEAUTIFY_FLAG" val="#wm#"/>
-  <p:tag name="KSO_WM_UNIT_TEXT_FILL_FORE_SCHEMECOLOR_INDEX" val="13"/>
-  <p:tag name="KSO_WM_UNIT_TEXT_FILL_TYPE" val="1"/>
-  <p:tag name="KSO_WM_UNIT_USESOURCEFORMAT_APPLY" val="1"/>
-</p:tagLst>
-</file>
-
-<file path=ppt/tags/tag105.xml><?xml version="1.0" encoding="utf-8"?>
-<p:tagLst xmlns:a="http://schemas.openxmlformats.org/drawingml/2006/main" xmlns:r="http://schemas.openxmlformats.org/officeDocument/2006/relationships" xmlns:p="http://schemas.openxmlformats.org/presentationml/2006/main">
-  <p:tag name="KSO_WM_UNIT_ISCONTENTSTITLE" val="0"/>
-  <p:tag name="KSO_WM_UNIT_PRESET_TEXT" val="单击此处添加文本具体内容，简明扼要的阐述您的观点。"/>
-  <p:tag name="KSO_WM_UNIT_NOCLEAR" val="0"/>
-  <p:tag name="KSO_WM_UNIT_VALUE" val="156"/>
-  <p:tag name="KSO_WM_UNIT_HIGHLIGHT" val="0"/>
-  <p:tag name="KSO_WM_UNIT_COMPATIBLE" val="0"/>
-  <p:tag name="KSO_WM_UNIT_DIAGRAM_ISNUMVISUAL" val="0"/>
-  <p:tag name="KSO_WM_UNIT_DIAGRAM_ISREFERUNIT" val="0"/>
-  <p:tag name="KSO_WM_UNIT_TYPE" val="b"/>
-  <p:tag name="KSO_WM_UNIT_INDEX" val="1"/>
-  <p:tag name="KSO_WM_UNIT_ID" val="custom20187308_3*b*1"/>
-  <p:tag name="KSO_WM_TEMPLATE_CATEGORY" val="custom"/>
-  <p:tag name="KSO_WM_TEMPLATE_INDEX" val="20187308"/>
-  <p:tag name="KSO_WM_UNIT_LAYERLEVEL" val="1"/>
-  <p:tag name="KSO_WM_TAG_VERSION" val="1.0"/>
-  <p:tag name="KSO_WM_BEAUTIFY_FLAG" val="#wm#"/>
-</p:tagLst>
-</file>
-
-<file path=ppt/tags/tag106.xml><?xml version="1.0" encoding="utf-8"?>
-<p:tagLst xmlns:a="http://schemas.openxmlformats.org/drawingml/2006/main" xmlns:r="http://schemas.openxmlformats.org/officeDocument/2006/relationships" xmlns:p="http://schemas.openxmlformats.org/presentationml/2006/main">
-  <p:tag name="KSO_WM_UNIT_ISCONTENTSTITLE" val="0"/>
-  <p:tag name="KSO_WM_UNIT_PRESET_TEXT" val="单击此处添加文本具体内容，简明扼要的阐述您的观点。"/>
-  <p:tag name="KSO_WM_UNIT_NOCLEAR" val="0"/>
-  <p:tag name="KSO_WM_UNIT_VALUE" val="156"/>
-  <p:tag name="KSO_WM_UNIT_HIGHLIGHT" val="0"/>
-  <p:tag name="KSO_WM_UNIT_COMPATIBLE" val="0"/>
-  <p:tag name="KSO_WM_UNIT_DIAGRAM_ISNUMVISUAL" val="0"/>
-  <p:tag name="KSO_WM_UNIT_DIAGRAM_ISREFERUNIT" val="0"/>
-  <p:tag name="KSO_WM_UNIT_TYPE" val="b"/>
-  <p:tag name="KSO_WM_UNIT_INDEX" val="1"/>
-  <p:tag name="KSO_WM_UNIT_ID" val="custom20187308_3*b*1"/>
-  <p:tag name="KSO_WM_TEMPLATE_CATEGORY" val="custom"/>
-  <p:tag name="KSO_WM_TEMPLATE_INDEX" val="20187308"/>
-  <p:tag name="KSO_WM_UNIT_LAYERLEVEL" val="1"/>
-  <p:tag name="KSO_WM_TAG_VERSION" val="1.0"/>
-  <p:tag name="KSO_WM_BEAUTIFY_FLAG" val="#wm#"/>
-</p:tagLst>
-</file>
-
-<file path=ppt/tags/tag107.xml><?xml version="1.0" encoding="utf-8"?>
-<p:tagLst xmlns:a="http://schemas.openxmlformats.org/drawingml/2006/main" xmlns:r="http://schemas.openxmlformats.org/officeDocument/2006/relationships" xmlns:p="http://schemas.openxmlformats.org/presentationml/2006/main">
-  <p:tag name="KSO_WM_BEAUTIFY_FLAG" val="#wm#"/>
-  <p:tag name="KSO_WM_TEMPLATE_CATEGORY" val="custom"/>
-  <p:tag name="KSO_WM_TEMPLATE_INDEX" val="20187308"/>
 </p:tagLst>
 </file>
 
@@ -20702,9 +20929,22 @@
 
 <file path=ppt/tags/tag109.xml><?xml version="1.0" encoding="utf-8"?>
 <p:tagLst xmlns:a="http://schemas.openxmlformats.org/drawingml/2006/main" xmlns:r="http://schemas.openxmlformats.org/officeDocument/2006/relationships" xmlns:p="http://schemas.openxmlformats.org/presentationml/2006/main">
-  <p:tag name="KSO_WM_BEAUTIFY_FLAG" val="#wm#"/>
+  <p:tag name="KSO_WM_UNIT_ISCONTENTSTITLE" val="0"/>
+  <p:tag name="KSO_WM_UNIT_PRESET_TEXT" val="单击此处添加文本具体内容，简明扼要的阐述您的观点。"/>
+  <p:tag name="KSO_WM_UNIT_NOCLEAR" val="0"/>
+  <p:tag name="KSO_WM_UNIT_VALUE" val="156"/>
+  <p:tag name="KSO_WM_UNIT_HIGHLIGHT" val="0"/>
+  <p:tag name="KSO_WM_UNIT_COMPATIBLE" val="0"/>
+  <p:tag name="KSO_WM_UNIT_DIAGRAM_ISNUMVISUAL" val="0"/>
+  <p:tag name="KSO_WM_UNIT_DIAGRAM_ISREFERUNIT" val="0"/>
+  <p:tag name="KSO_WM_UNIT_TYPE" val="b"/>
+  <p:tag name="KSO_WM_UNIT_INDEX" val="1"/>
+  <p:tag name="KSO_WM_UNIT_ID" val="custom20187308_3*b*1"/>
   <p:tag name="KSO_WM_TEMPLATE_CATEGORY" val="custom"/>
   <p:tag name="KSO_WM_TEMPLATE_INDEX" val="20187308"/>
+  <p:tag name="KSO_WM_UNIT_LAYERLEVEL" val="1"/>
+  <p:tag name="KSO_WM_TAG_VERSION" val="1.0"/>
+  <p:tag name="KSO_WM_BEAUTIFY_FLAG" val="#wm#"/>
 </p:tagLst>
 </file>
 
@@ -20722,6 +20962,35 @@
 </file>
 
 <file path=ppt/tags/tag110.xml><?xml version="1.0" encoding="utf-8"?>
+<p:tagLst xmlns:a="http://schemas.openxmlformats.org/drawingml/2006/main" xmlns:r="http://schemas.openxmlformats.org/officeDocument/2006/relationships" xmlns:p="http://schemas.openxmlformats.org/presentationml/2006/main">
+  <p:tag name="KSO_WM_UNIT_ISCONTENTSTITLE" val="0"/>
+  <p:tag name="KSO_WM_UNIT_PRESET_TEXT" val="单击此处添加文本具体内容，简明扼要的阐述您的观点。"/>
+  <p:tag name="KSO_WM_UNIT_NOCLEAR" val="0"/>
+  <p:tag name="KSO_WM_UNIT_VALUE" val="156"/>
+  <p:tag name="KSO_WM_UNIT_HIGHLIGHT" val="0"/>
+  <p:tag name="KSO_WM_UNIT_COMPATIBLE" val="0"/>
+  <p:tag name="KSO_WM_UNIT_DIAGRAM_ISNUMVISUAL" val="0"/>
+  <p:tag name="KSO_WM_UNIT_DIAGRAM_ISREFERUNIT" val="0"/>
+  <p:tag name="KSO_WM_UNIT_TYPE" val="b"/>
+  <p:tag name="KSO_WM_UNIT_INDEX" val="1"/>
+  <p:tag name="KSO_WM_UNIT_ID" val="custom20187308_3*b*1"/>
+  <p:tag name="KSO_WM_TEMPLATE_CATEGORY" val="custom"/>
+  <p:tag name="KSO_WM_TEMPLATE_INDEX" val="20187308"/>
+  <p:tag name="KSO_WM_UNIT_LAYERLEVEL" val="1"/>
+  <p:tag name="KSO_WM_TAG_VERSION" val="1.0"/>
+  <p:tag name="KSO_WM_BEAUTIFY_FLAG" val="#wm#"/>
+</p:tagLst>
+</file>
+
+<file path=ppt/tags/tag111.xml><?xml version="1.0" encoding="utf-8"?>
+<p:tagLst xmlns:a="http://schemas.openxmlformats.org/drawingml/2006/main" xmlns:r="http://schemas.openxmlformats.org/officeDocument/2006/relationships" xmlns:p="http://schemas.openxmlformats.org/presentationml/2006/main">
+  <p:tag name="KSO_WM_BEAUTIFY_FLAG" val="#wm#"/>
+  <p:tag name="KSO_WM_TEMPLATE_CATEGORY" val="custom"/>
+  <p:tag name="KSO_WM_TEMPLATE_INDEX" val="20187308"/>
+</p:tagLst>
+</file>
+
+<file path=ppt/tags/tag112.xml><?xml version="1.0" encoding="utf-8"?>
 <p:tagLst xmlns:a="http://schemas.openxmlformats.org/drawingml/2006/main" xmlns:r="http://schemas.openxmlformats.org/officeDocument/2006/relationships" xmlns:p="http://schemas.openxmlformats.org/presentationml/2006/main">
   <p:tag name="KSO_WM_UNIT_ISCONTENTSTITLE" val="0"/>
   <p:tag name="KSO_WM_UNIT_PRESET_TEXT" val="单击此处添加标题"/>
@@ -20746,7 +21015,40 @@
 </p:tagLst>
 </file>
 
-<file path=ppt/tags/tag111.xml><?xml version="1.0" encoding="utf-8"?>
+<file path=ppt/tags/tag113.xml><?xml version="1.0" encoding="utf-8"?>
+<p:tagLst xmlns:a="http://schemas.openxmlformats.org/drawingml/2006/main" xmlns:r="http://schemas.openxmlformats.org/officeDocument/2006/relationships" xmlns:p="http://schemas.openxmlformats.org/presentationml/2006/main">
+  <p:tag name="KSO_WM_BEAUTIFY_FLAG" val="#wm#"/>
+  <p:tag name="KSO_WM_TEMPLATE_CATEGORY" val="custom"/>
+  <p:tag name="KSO_WM_TEMPLATE_INDEX" val="20187308"/>
+</p:tagLst>
+</file>
+
+<file path=ppt/tags/tag114.xml><?xml version="1.0" encoding="utf-8"?>
+<p:tagLst xmlns:a="http://schemas.openxmlformats.org/drawingml/2006/main" xmlns:r="http://schemas.openxmlformats.org/officeDocument/2006/relationships" xmlns:p="http://schemas.openxmlformats.org/presentationml/2006/main">
+  <p:tag name="KSO_WM_UNIT_ISCONTENTSTITLE" val="0"/>
+  <p:tag name="KSO_WM_UNIT_PRESET_TEXT" val="单击此处添加标题"/>
+  <p:tag name="KSO_WM_UNIT_NOCLEAR" val="0"/>
+  <p:tag name="KSO_WM_UNIT_VALUE" val="14"/>
+  <p:tag name="KSO_WM_UNIT_HIGHLIGHT" val="0"/>
+  <p:tag name="KSO_WM_UNIT_COMPATIBLE" val="0"/>
+  <p:tag name="KSO_WM_UNIT_DIAGRAM_ISNUMVISUAL" val="0"/>
+  <p:tag name="KSO_WM_UNIT_DIAGRAM_ISREFERUNIT" val="0"/>
+  <p:tag name="KSO_WM_DIAGRAM_GROUP_CODE" val="m1-2"/>
+  <p:tag name="KSO_WM_UNIT_TYPE" val="a"/>
+  <p:tag name="KSO_WM_UNIT_INDEX" val="1"/>
+  <p:tag name="KSO_WM_UNIT_ID" val="custom20187308_7*a*1"/>
+  <p:tag name="KSO_WM_TEMPLATE_CATEGORY" val="custom"/>
+  <p:tag name="KSO_WM_TEMPLATE_INDEX" val="20187308"/>
+  <p:tag name="KSO_WM_UNIT_LAYERLEVEL" val="1"/>
+  <p:tag name="KSO_WM_TAG_VERSION" val="1.0"/>
+  <p:tag name="KSO_WM_BEAUTIFY_FLAG" val="#wm#"/>
+  <p:tag name="KSO_WM_UNIT_TEXT_FILL_FORE_SCHEMECOLOR_INDEX" val="13"/>
+  <p:tag name="KSO_WM_UNIT_TEXT_FILL_TYPE" val="1"/>
+  <p:tag name="KSO_WM_UNIT_USESOURCEFORMAT_APPLY" val="1"/>
+</p:tagLst>
+</file>
+
+<file path=ppt/tags/tag115.xml><?xml version="1.0" encoding="utf-8"?>
 <p:tagLst xmlns:a="http://schemas.openxmlformats.org/drawingml/2006/main" xmlns:r="http://schemas.openxmlformats.org/officeDocument/2006/relationships" xmlns:p="http://schemas.openxmlformats.org/presentationml/2006/main">
   <p:tag name="KSO_WM_SLIDE_ID" val="custom20187308_9"/>
   <p:tag name="KSO_WM_TEMPLATE_SUBCATEGORY" val="0"/>
@@ -20762,87 +21064,6 @@
   <p:tag name="KSO_WM_TEMPLATE_INDEX" val="20187308"/>
   <p:tag name="KSO_WM_SLIDE_LAYOUT" val="a_f"/>
   <p:tag name="KSO_WM_SLIDE_LAYOUT_CNT" val="1_1"/>
-</p:tagLst>
-</file>
-
-<file path=ppt/tags/tag112.xml><?xml version="1.0" encoding="utf-8"?>
-<p:tagLst xmlns:a="http://schemas.openxmlformats.org/drawingml/2006/main" xmlns:r="http://schemas.openxmlformats.org/officeDocument/2006/relationships" xmlns:p="http://schemas.openxmlformats.org/presentationml/2006/main">
-  <p:tag name="KSO_WM_UNIT_PRESET_TEXT" val="单击此处添加文本具体内容，简明扼要的阐述您的观点。根据需要可酌情增减文字，以便观者准确的理解您传达的思想。&#10;单击此处添加文本具体内容，简明扼要的阐述您的观点。根据需要可酌情增减文字，以便观者准确的理解您传达的思想。&#10;单击此处添加文本具体内容，简明扼要的阐述您的观点。根据需要可酌情增减文字，以便观者准确的理解您传达的思想。"/>
-  <p:tag name="KSO_WM_UNIT_NOCLEAR" val="0"/>
-  <p:tag name="KSO_WM_UNIT_VALUE" val="189"/>
-  <p:tag name="KSO_WM_UNIT_HIGHLIGHT" val="0"/>
-  <p:tag name="KSO_WM_UNIT_COMPATIBLE" val="0"/>
-  <p:tag name="KSO_WM_UNIT_DIAGRAM_ISNUMVISUAL" val="0"/>
-  <p:tag name="KSO_WM_UNIT_DIAGRAM_ISREFERUNIT" val="0"/>
-  <p:tag name="KSO_WM_UNIT_TYPE" val="f"/>
-  <p:tag name="KSO_WM_UNIT_INDEX" val="1"/>
-  <p:tag name="KSO_WM_UNIT_ID" val="custom20187308_9*f*1"/>
-  <p:tag name="KSO_WM_TEMPLATE_CATEGORY" val="custom"/>
-  <p:tag name="KSO_WM_TEMPLATE_INDEX" val="20187308"/>
-  <p:tag name="KSO_WM_UNIT_LAYERLEVEL" val="1"/>
-  <p:tag name="KSO_WM_TAG_VERSION" val="1.0"/>
-  <p:tag name="KSO_WM_BEAUTIFY_FLAG" val="#wm#"/>
-</p:tagLst>
-</file>
-
-<file path=ppt/tags/tag113.xml><?xml version="1.0" encoding="utf-8"?>
-<p:tagLst xmlns:a="http://schemas.openxmlformats.org/drawingml/2006/main" xmlns:r="http://schemas.openxmlformats.org/officeDocument/2006/relationships" xmlns:p="http://schemas.openxmlformats.org/presentationml/2006/main">
-  <p:tag name="KSO_WM_UNIT_ISCONTENTSTITLE" val="0"/>
-  <p:tag name="KSO_WM_UNIT_PRESET_TEXT" val="单击此处添加标题"/>
-  <p:tag name="KSO_WM_UNIT_NOCLEAR" val="0"/>
-  <p:tag name="KSO_WM_UNIT_VALUE" val="14"/>
-  <p:tag name="KSO_WM_UNIT_HIGHLIGHT" val="0"/>
-  <p:tag name="KSO_WM_UNIT_COMPATIBLE" val="0"/>
-  <p:tag name="KSO_WM_UNIT_DIAGRAM_ISNUMVISUAL" val="0"/>
-  <p:tag name="KSO_WM_UNIT_DIAGRAM_ISREFERUNIT" val="0"/>
-  <p:tag name="KSO_WM_UNIT_TYPE" val="a"/>
-  <p:tag name="KSO_WM_UNIT_INDEX" val="1"/>
-  <p:tag name="KSO_WM_UNIT_ID" val="custom20187308_9*a*1"/>
-  <p:tag name="KSO_WM_TEMPLATE_CATEGORY" val="custom"/>
-  <p:tag name="KSO_WM_TEMPLATE_INDEX" val="20187308"/>
-  <p:tag name="KSO_WM_UNIT_LAYERLEVEL" val="1"/>
-  <p:tag name="KSO_WM_TAG_VERSION" val="1.0"/>
-  <p:tag name="KSO_WM_BEAUTIFY_FLAG" val="#wm#"/>
-</p:tagLst>
-</file>
-
-<file path=ppt/tags/tag114.xml><?xml version="1.0" encoding="utf-8"?>
-<p:tagLst xmlns:a="http://schemas.openxmlformats.org/drawingml/2006/main" xmlns:r="http://schemas.openxmlformats.org/officeDocument/2006/relationships" xmlns:p="http://schemas.openxmlformats.org/presentationml/2006/main">
-  <p:tag name="KSO_WM_UNIT_PRESET_TEXT" val="单击此处添加文本具体内容，简明扼要的阐述您的观点。根据需要可酌情增减文字，以便观者准确的理解您传达的思想。&#10;单击此处添加文本具体内容，简明扼要的阐述您的观点。根据需要可酌情增减文字，以便观者准确的理解您传达的思想。&#10;单击此处添加文本具体内容，简明扼要的阐述您的观点。根据需要可酌情增减文字，以便观者准确的理解您传达的思想。"/>
-  <p:tag name="KSO_WM_UNIT_NOCLEAR" val="0"/>
-  <p:tag name="KSO_WM_UNIT_VALUE" val="189"/>
-  <p:tag name="KSO_WM_UNIT_HIGHLIGHT" val="0"/>
-  <p:tag name="KSO_WM_UNIT_COMPATIBLE" val="0"/>
-  <p:tag name="KSO_WM_UNIT_DIAGRAM_ISNUMVISUAL" val="0"/>
-  <p:tag name="KSO_WM_UNIT_DIAGRAM_ISREFERUNIT" val="0"/>
-  <p:tag name="KSO_WM_UNIT_TYPE" val="f"/>
-  <p:tag name="KSO_WM_UNIT_INDEX" val="1"/>
-  <p:tag name="KSO_WM_UNIT_ID" val="custom20187308_9*f*1"/>
-  <p:tag name="KSO_WM_TEMPLATE_CATEGORY" val="custom"/>
-  <p:tag name="KSO_WM_TEMPLATE_INDEX" val="20187308"/>
-  <p:tag name="KSO_WM_UNIT_LAYERLEVEL" val="1"/>
-  <p:tag name="KSO_WM_TAG_VERSION" val="1.0"/>
-  <p:tag name="KSO_WM_BEAUTIFY_FLAG" val="#wm#"/>
-</p:tagLst>
-</file>
-
-<file path=ppt/tags/tag115.xml><?xml version="1.0" encoding="utf-8"?>
-<p:tagLst xmlns:a="http://schemas.openxmlformats.org/drawingml/2006/main" xmlns:r="http://schemas.openxmlformats.org/officeDocument/2006/relationships" xmlns:p="http://schemas.openxmlformats.org/presentationml/2006/main">
-  <p:tag name="KSO_WM_UNIT_PRESET_TEXT" val="单击此处添加文本具体内容，简明扼要的阐述您的观点。根据需要可酌情增减文字，以便观者准确的理解您传达的思想。&#10;单击此处添加文本具体内容，简明扼要的阐述您的观点。根据需要可酌情增减文字，以便观者准确的理解您传达的思想。&#10;单击此处添加文本具体内容，简明扼要的阐述您的观点。根据需要可酌情增减文字，以便观者准确的理解您传达的思想。"/>
-  <p:tag name="KSO_WM_UNIT_NOCLEAR" val="0"/>
-  <p:tag name="KSO_WM_UNIT_VALUE" val="189"/>
-  <p:tag name="KSO_WM_UNIT_HIGHLIGHT" val="0"/>
-  <p:tag name="KSO_WM_UNIT_COMPATIBLE" val="0"/>
-  <p:tag name="KSO_WM_UNIT_DIAGRAM_ISNUMVISUAL" val="0"/>
-  <p:tag name="KSO_WM_UNIT_DIAGRAM_ISREFERUNIT" val="0"/>
-  <p:tag name="KSO_WM_UNIT_TYPE" val="f"/>
-  <p:tag name="KSO_WM_UNIT_INDEX" val="1"/>
-  <p:tag name="KSO_WM_UNIT_ID" val="custom20187308_9*f*1"/>
-  <p:tag name="KSO_WM_TEMPLATE_CATEGORY" val="custom"/>
-  <p:tag name="KSO_WM_TEMPLATE_INDEX" val="20187308"/>
-  <p:tag name="KSO_WM_UNIT_LAYERLEVEL" val="1"/>
-  <p:tag name="KSO_WM_TAG_VERSION" val="1.0"/>
-  <p:tag name="KSO_WM_BEAUTIFY_FLAG" val="#wm#"/>
 </p:tagLst>
 </file>
 
@@ -20868,20 +21089,22 @@
 
 <file path=ppt/tags/tag117.xml><?xml version="1.0" encoding="utf-8"?>
 <p:tagLst xmlns:a="http://schemas.openxmlformats.org/drawingml/2006/main" xmlns:r="http://schemas.openxmlformats.org/officeDocument/2006/relationships" xmlns:p="http://schemas.openxmlformats.org/presentationml/2006/main">
-  <p:tag name="KSO_WM_SLIDE_ID" val="custom20187308_9"/>
-  <p:tag name="KSO_WM_TEMPLATE_SUBCATEGORY" val="0"/>
-  <p:tag name="KSO_WM_SLIDE_TYPE" val="text"/>
-  <p:tag name="KSO_WM_SLIDE_SUBTYPE" val="pureTxt"/>
-  <p:tag name="KSO_WM_SLIDE_ITEM_CNT" val="0"/>
-  <p:tag name="KSO_WM_SLIDE_INDEX" val="9"/>
-  <p:tag name="KSO_WM_SLIDE_SIZE" val="854*361"/>
-  <p:tag name="KSO_WM_SLIDE_POSITION" val="52*34"/>
+  <p:tag name="KSO_WM_UNIT_ISCONTENTSTITLE" val="0"/>
+  <p:tag name="KSO_WM_UNIT_PRESET_TEXT" val="单击此处添加标题"/>
+  <p:tag name="KSO_WM_UNIT_NOCLEAR" val="0"/>
+  <p:tag name="KSO_WM_UNIT_VALUE" val="14"/>
+  <p:tag name="KSO_WM_UNIT_HIGHLIGHT" val="0"/>
+  <p:tag name="KSO_WM_UNIT_COMPATIBLE" val="0"/>
+  <p:tag name="KSO_WM_UNIT_DIAGRAM_ISNUMVISUAL" val="0"/>
+  <p:tag name="KSO_WM_UNIT_DIAGRAM_ISREFERUNIT" val="0"/>
+  <p:tag name="KSO_WM_UNIT_TYPE" val="a"/>
+  <p:tag name="KSO_WM_UNIT_INDEX" val="1"/>
+  <p:tag name="KSO_WM_UNIT_ID" val="custom20187308_9*a*1"/>
+  <p:tag name="KSO_WM_TEMPLATE_CATEGORY" val="custom"/>
+  <p:tag name="KSO_WM_TEMPLATE_INDEX" val="20187308"/>
+  <p:tag name="KSO_WM_UNIT_LAYERLEVEL" val="1"/>
   <p:tag name="KSO_WM_TAG_VERSION" val="1.0"/>
   <p:tag name="KSO_WM_BEAUTIFY_FLAG" val="#wm#"/>
-  <p:tag name="KSO_WM_TEMPLATE_CATEGORY" val="custom"/>
-  <p:tag name="KSO_WM_TEMPLATE_INDEX" val="20187308"/>
-  <p:tag name="KSO_WM_SLIDE_LAYOUT" val="a_f"/>
-  <p:tag name="KSO_WM_SLIDE_LAYOUT_CNT" val="1_1"/>
 </p:tagLst>
 </file>
 
@@ -20907,17 +21130,16 @@
 
 <file path=ppt/tags/tag119.xml><?xml version="1.0" encoding="utf-8"?>
 <p:tagLst xmlns:a="http://schemas.openxmlformats.org/drawingml/2006/main" xmlns:r="http://schemas.openxmlformats.org/officeDocument/2006/relationships" xmlns:p="http://schemas.openxmlformats.org/presentationml/2006/main">
-  <p:tag name="KSO_WM_UNIT_ISCONTENTSTITLE" val="0"/>
-  <p:tag name="KSO_WM_UNIT_PRESET_TEXT" val="单击此处添加标题"/>
+  <p:tag name="KSO_WM_UNIT_PRESET_TEXT" val="单击此处添加文本具体内容，简明扼要的阐述您的观点。根据需要可酌情增减文字，以便观者准确的理解您传达的思想。&#10;单击此处添加文本具体内容，简明扼要的阐述您的观点。根据需要可酌情增减文字，以便观者准确的理解您传达的思想。&#10;单击此处添加文本具体内容，简明扼要的阐述您的观点。根据需要可酌情增减文字，以便观者准确的理解您传达的思想。"/>
   <p:tag name="KSO_WM_UNIT_NOCLEAR" val="0"/>
-  <p:tag name="KSO_WM_UNIT_VALUE" val="14"/>
+  <p:tag name="KSO_WM_UNIT_VALUE" val="189"/>
   <p:tag name="KSO_WM_UNIT_HIGHLIGHT" val="0"/>
   <p:tag name="KSO_WM_UNIT_COMPATIBLE" val="0"/>
   <p:tag name="KSO_WM_UNIT_DIAGRAM_ISNUMVISUAL" val="0"/>
   <p:tag name="KSO_WM_UNIT_DIAGRAM_ISREFERUNIT" val="0"/>
-  <p:tag name="KSO_WM_UNIT_TYPE" val="a"/>
+  <p:tag name="KSO_WM_UNIT_TYPE" val="f"/>
   <p:tag name="KSO_WM_UNIT_INDEX" val="1"/>
-  <p:tag name="KSO_WM_UNIT_ID" val="custom20187308_9*a*1"/>
+  <p:tag name="KSO_WM_UNIT_ID" val="custom20187308_9*f*1"/>
   <p:tag name="KSO_WM_TEMPLATE_CATEGORY" val="custom"/>
   <p:tag name="KSO_WM_TEMPLATE_INDEX" val="20187308"/>
   <p:tag name="KSO_WM_UNIT_LAYERLEVEL" val="1"/>
@@ -20941,13 +21163,93 @@
 
 <file path=ppt/tags/tag120.xml><?xml version="1.0" encoding="utf-8"?>
 <p:tagLst xmlns:a="http://schemas.openxmlformats.org/drawingml/2006/main" xmlns:r="http://schemas.openxmlformats.org/officeDocument/2006/relationships" xmlns:p="http://schemas.openxmlformats.org/presentationml/2006/main">
+  <p:tag name="KSO_WM_UNIT_PRESET_TEXT" val="单击此处添加文本具体内容，简明扼要的阐述您的观点。根据需要可酌情增减文字，以便观者准确的理解您传达的思想。&#10;单击此处添加文本具体内容，简明扼要的阐述您的观点。根据需要可酌情增减文字，以便观者准确的理解您传达的思想。&#10;单击此处添加文本具体内容，简明扼要的阐述您的观点。根据需要可酌情增减文字，以便观者准确的理解您传达的思想。"/>
+  <p:tag name="KSO_WM_UNIT_NOCLEAR" val="0"/>
+  <p:tag name="KSO_WM_UNIT_VALUE" val="189"/>
+  <p:tag name="KSO_WM_UNIT_HIGHLIGHT" val="0"/>
+  <p:tag name="KSO_WM_UNIT_COMPATIBLE" val="0"/>
+  <p:tag name="KSO_WM_UNIT_DIAGRAM_ISNUMVISUAL" val="0"/>
+  <p:tag name="KSO_WM_UNIT_DIAGRAM_ISREFERUNIT" val="0"/>
+  <p:tag name="KSO_WM_UNIT_TYPE" val="f"/>
+  <p:tag name="KSO_WM_UNIT_INDEX" val="1"/>
+  <p:tag name="KSO_WM_UNIT_ID" val="custom20187308_9*f*1"/>
+  <p:tag name="KSO_WM_TEMPLATE_CATEGORY" val="custom"/>
+  <p:tag name="KSO_WM_TEMPLATE_INDEX" val="20187308"/>
+  <p:tag name="KSO_WM_UNIT_LAYERLEVEL" val="1"/>
+  <p:tag name="KSO_WM_TAG_VERSION" val="1.0"/>
+  <p:tag name="KSO_WM_BEAUTIFY_FLAG" val="#wm#"/>
+</p:tagLst>
+</file>
+
+<file path=ppt/tags/tag121.xml><?xml version="1.0" encoding="utf-8"?>
+<p:tagLst xmlns:a="http://schemas.openxmlformats.org/drawingml/2006/main" xmlns:r="http://schemas.openxmlformats.org/officeDocument/2006/relationships" xmlns:p="http://schemas.openxmlformats.org/presentationml/2006/main">
+  <p:tag name="KSO_WM_SLIDE_ID" val="custom20187308_9"/>
+  <p:tag name="KSO_WM_TEMPLATE_SUBCATEGORY" val="0"/>
+  <p:tag name="KSO_WM_SLIDE_TYPE" val="text"/>
+  <p:tag name="KSO_WM_SLIDE_SUBTYPE" val="pureTxt"/>
+  <p:tag name="KSO_WM_SLIDE_ITEM_CNT" val="0"/>
+  <p:tag name="KSO_WM_SLIDE_INDEX" val="9"/>
+  <p:tag name="KSO_WM_SLIDE_SIZE" val="854*361"/>
+  <p:tag name="KSO_WM_SLIDE_POSITION" val="52*34"/>
+  <p:tag name="KSO_WM_TAG_VERSION" val="1.0"/>
+  <p:tag name="KSO_WM_BEAUTIFY_FLAG" val="#wm#"/>
+  <p:tag name="KSO_WM_TEMPLATE_CATEGORY" val="custom"/>
+  <p:tag name="KSO_WM_TEMPLATE_INDEX" val="20187308"/>
+  <p:tag name="KSO_WM_SLIDE_LAYOUT" val="a_f"/>
+  <p:tag name="KSO_WM_SLIDE_LAYOUT_CNT" val="1_1"/>
+</p:tagLst>
+</file>
+
+<file path=ppt/tags/tag122.xml><?xml version="1.0" encoding="utf-8"?>
+<p:tagLst xmlns:a="http://schemas.openxmlformats.org/drawingml/2006/main" xmlns:r="http://schemas.openxmlformats.org/officeDocument/2006/relationships" xmlns:p="http://schemas.openxmlformats.org/presentationml/2006/main">
+  <p:tag name="KSO_WM_UNIT_PRESET_TEXT" val="单击此处添加文本具体内容，简明扼要的阐述您的观点。根据需要可酌情增减文字，以便观者准确的理解您传达的思想。&#10;单击此处添加文本具体内容，简明扼要的阐述您的观点。根据需要可酌情增减文字，以便观者准确的理解您传达的思想。&#10;单击此处添加文本具体内容，简明扼要的阐述您的观点。根据需要可酌情增减文字，以便观者准确的理解您传达的思想。"/>
+  <p:tag name="KSO_WM_UNIT_NOCLEAR" val="0"/>
+  <p:tag name="KSO_WM_UNIT_VALUE" val="189"/>
+  <p:tag name="KSO_WM_UNIT_HIGHLIGHT" val="0"/>
+  <p:tag name="KSO_WM_UNIT_COMPATIBLE" val="0"/>
+  <p:tag name="KSO_WM_UNIT_DIAGRAM_ISNUMVISUAL" val="0"/>
+  <p:tag name="KSO_WM_UNIT_DIAGRAM_ISREFERUNIT" val="0"/>
+  <p:tag name="KSO_WM_UNIT_TYPE" val="f"/>
+  <p:tag name="KSO_WM_UNIT_INDEX" val="1"/>
+  <p:tag name="KSO_WM_UNIT_ID" val="custom20187308_9*f*1"/>
+  <p:tag name="KSO_WM_TEMPLATE_CATEGORY" val="custom"/>
+  <p:tag name="KSO_WM_TEMPLATE_INDEX" val="20187308"/>
+  <p:tag name="KSO_WM_UNIT_LAYERLEVEL" val="1"/>
+  <p:tag name="KSO_WM_TAG_VERSION" val="1.0"/>
+  <p:tag name="KSO_WM_BEAUTIFY_FLAG" val="#wm#"/>
+</p:tagLst>
+</file>
+
+<file path=ppt/tags/tag123.xml><?xml version="1.0" encoding="utf-8"?>
+<p:tagLst xmlns:a="http://schemas.openxmlformats.org/drawingml/2006/main" xmlns:r="http://schemas.openxmlformats.org/officeDocument/2006/relationships" xmlns:p="http://schemas.openxmlformats.org/presentationml/2006/main">
+  <p:tag name="KSO_WM_UNIT_ISCONTENTSTITLE" val="0"/>
+  <p:tag name="KSO_WM_UNIT_PRESET_TEXT" val="单击此处添加标题"/>
+  <p:tag name="KSO_WM_UNIT_NOCLEAR" val="0"/>
+  <p:tag name="KSO_WM_UNIT_VALUE" val="14"/>
+  <p:tag name="KSO_WM_UNIT_HIGHLIGHT" val="0"/>
+  <p:tag name="KSO_WM_UNIT_COMPATIBLE" val="0"/>
+  <p:tag name="KSO_WM_UNIT_DIAGRAM_ISNUMVISUAL" val="0"/>
+  <p:tag name="KSO_WM_UNIT_DIAGRAM_ISREFERUNIT" val="0"/>
+  <p:tag name="KSO_WM_UNIT_TYPE" val="a"/>
+  <p:tag name="KSO_WM_UNIT_INDEX" val="1"/>
+  <p:tag name="KSO_WM_UNIT_ID" val="custom20187308_9*a*1"/>
+  <p:tag name="KSO_WM_TEMPLATE_CATEGORY" val="custom"/>
+  <p:tag name="KSO_WM_TEMPLATE_INDEX" val="20187308"/>
+  <p:tag name="KSO_WM_UNIT_LAYERLEVEL" val="1"/>
+  <p:tag name="KSO_WM_TAG_VERSION" val="1.0"/>
+  <p:tag name="KSO_WM_BEAUTIFY_FLAG" val="#wm#"/>
+</p:tagLst>
+</file>
+
+<file path=ppt/tags/tag124.xml><?xml version="1.0" encoding="utf-8"?>
+<p:tagLst xmlns:a="http://schemas.openxmlformats.org/drawingml/2006/main" xmlns:r="http://schemas.openxmlformats.org/officeDocument/2006/relationships" xmlns:p="http://schemas.openxmlformats.org/presentationml/2006/main">
   <p:tag name="KSO_WM_BEAUTIFY_FLAG" val="#wm#"/>
   <p:tag name="KSO_WM_TEMPLATE_CATEGORY" val="custom"/>
   <p:tag name="KSO_WM_TEMPLATE_INDEX" val="20187308"/>
 </p:tagLst>
 </file>
 
-<file path=ppt/tags/tag121.xml><?xml version="1.0" encoding="utf-8"?>
+<file path=ppt/tags/tag125.xml><?xml version="1.0" encoding="utf-8"?>
 <p:tagLst xmlns:a="http://schemas.openxmlformats.org/drawingml/2006/main" xmlns:r="http://schemas.openxmlformats.org/officeDocument/2006/relationships" xmlns:p="http://schemas.openxmlformats.org/presentationml/2006/main">
   <p:tag name="KSO_WM_UNIT_ISCONTENTSTITLE" val="0"/>
   <p:tag name="KSO_WM_UNIT_PRESET_TEXT" val="单击此处添加标题"/>
@@ -20972,7 +21274,7 @@
 </p:tagLst>
 </file>
 
-<file path=ppt/tags/tag122.xml><?xml version="1.0" encoding="utf-8"?>
+<file path=ppt/tags/tag126.xml><?xml version="1.0" encoding="utf-8"?>
 <p:tagLst xmlns:a="http://schemas.openxmlformats.org/drawingml/2006/main" xmlns:r="http://schemas.openxmlformats.org/officeDocument/2006/relationships" xmlns:p="http://schemas.openxmlformats.org/presentationml/2006/main">
   <p:tag name="KSO_WM_SLIDE_ID" val="custom20187308_3"/>
   <p:tag name="KSO_WM_TEMPLATE_SUBCATEGORY" val="0"/>
@@ -20989,7 +21291,7 @@
 </p:tagLst>
 </file>
 
-<file path=ppt/tags/tag123.xml><?xml version="1.0" encoding="utf-8"?>
+<file path=ppt/tags/tag127.xml><?xml version="1.0" encoding="utf-8"?>
 <p:tagLst xmlns:a="http://schemas.openxmlformats.org/drawingml/2006/main" xmlns:r="http://schemas.openxmlformats.org/officeDocument/2006/relationships" xmlns:p="http://schemas.openxmlformats.org/presentationml/2006/main">
   <p:tag name="KSO_WM_UNIT_ISCONTENTSTITLE" val="0"/>
   <p:tag name="KSO_WM_UNIT_PRESET_TEXT" val="单击此处添加标题"/>
@@ -21010,7 +21312,7 @@
 </p:tagLst>
 </file>
 
-<file path=ppt/tags/tag124.xml><?xml version="1.0" encoding="utf-8"?>
+<file path=ppt/tags/tag128.xml><?xml version="1.0" encoding="utf-8"?>
 <p:tagLst xmlns:a="http://schemas.openxmlformats.org/drawingml/2006/main" xmlns:r="http://schemas.openxmlformats.org/officeDocument/2006/relationships" xmlns:p="http://schemas.openxmlformats.org/presentationml/2006/main">
   <p:tag name="KSO_WM_UNIT_ISCONTENTSTITLE" val="0"/>
   <p:tag name="KSO_WM_UNIT_PRESET_TEXT" val="单击此处添加文本具体内容，简明扼要的阐述您的观点。"/>
@@ -21031,7 +21333,7 @@
 </p:tagLst>
 </file>
 
-<file path=ppt/tags/tag125.xml><?xml version="1.0" encoding="utf-8"?>
+<file path=ppt/tags/tag129.xml><?xml version="1.0" encoding="utf-8"?>
 <p:tagLst xmlns:a="http://schemas.openxmlformats.org/drawingml/2006/main" xmlns:r="http://schemas.openxmlformats.org/officeDocument/2006/relationships" xmlns:p="http://schemas.openxmlformats.org/presentationml/2006/main">
   <p:tag name="KSO_WM_UNIT_PRESET_TEXT" val="01"/>
   <p:tag name="KSO_WM_UNIT_NOCLEAR" val="0"/>
@@ -21051,7 +21353,20 @@
 </p:tagLst>
 </file>
 
-<file path=ppt/tags/tag126.xml><?xml version="1.0" encoding="utf-8"?>
+<file path=ppt/tags/tag13.xml><?xml version="1.0" encoding="utf-8"?>
+<p:tagLst xmlns:a="http://schemas.openxmlformats.org/drawingml/2006/main" xmlns:r="http://schemas.openxmlformats.org/officeDocument/2006/relationships" xmlns:p="http://schemas.openxmlformats.org/presentationml/2006/main">
+  <p:tag name="KSO_WM_UNIT_HIGHLIGHT" val="0"/>
+  <p:tag name="KSO_WM_UNIT_COMPATIBLE" val="0"/>
+  <p:tag name="KSO_WM_UNIT_DIAGRAM_ISNUMVISUAL" val="0"/>
+  <p:tag name="KSO_WM_UNIT_DIAGRAM_ISREFERUNIT" val="0"/>
+  <p:tag name="KSO_WM_UNIT_ID" val="_1**"/>
+  <p:tag name="KSO_WM_UNIT_LAYERLEVEL" val="1"/>
+  <p:tag name="KSO_WM_TAG_VERSION" val="1.0"/>
+  <p:tag name="KSO_WM_BEAUTIFY_FLAG" val="#wm#"/>
+</p:tagLst>
+</file>
+
+<file path=ppt/tags/tag130.xml><?xml version="1.0" encoding="utf-8"?>
 <p:tagLst xmlns:a="http://schemas.openxmlformats.org/drawingml/2006/main" xmlns:r="http://schemas.openxmlformats.org/officeDocument/2006/relationships" xmlns:p="http://schemas.openxmlformats.org/presentationml/2006/main">
   <p:tag name="KSO_WM_SLIDE_ID" val="custom20187308_2"/>
   <p:tag name="KSO_WM_TEMPLATE_SUBCATEGORY" val="0"/>
@@ -21067,85 +21382,6 @@
   <p:tag name="KSO_WM_TEMPLATE_INDEX" val="20187308"/>
   <p:tag name="KSO_WM_SLIDE_LAYOUT" val="a_b_l"/>
   <p:tag name="KSO_WM_SLIDE_LAYOUT_CNT" val="1_1_1"/>
-</p:tagLst>
-</file>
-
-<file path=ppt/tags/tag127.xml><?xml version="1.0" encoding="utf-8"?>
-<p:tagLst xmlns:a="http://schemas.openxmlformats.org/drawingml/2006/main" xmlns:r="http://schemas.openxmlformats.org/officeDocument/2006/relationships" xmlns:p="http://schemas.openxmlformats.org/presentationml/2006/main">
-  <p:tag name="KSO_WM_BEAUTIFY_FLAG" val="#wm#"/>
-  <p:tag name="KSO_WM_TEMPLATE_CATEGORY" val="custom"/>
-  <p:tag name="KSO_WM_TEMPLATE_INDEX" val="20187308"/>
-</p:tagLst>
-</file>
-
-<file path=ppt/tags/tag128.xml><?xml version="1.0" encoding="utf-8"?>
-<p:tagLst xmlns:a="http://schemas.openxmlformats.org/drawingml/2006/main" xmlns:r="http://schemas.openxmlformats.org/officeDocument/2006/relationships" xmlns:p="http://schemas.openxmlformats.org/presentationml/2006/main">
-  <p:tag name="KSO_WM_UNIT_ISCONTENTSTITLE" val="0"/>
-  <p:tag name="KSO_WM_UNIT_PRESET_TEXT" val="单击此处添加标题"/>
-  <p:tag name="KSO_WM_UNIT_NOCLEAR" val="0"/>
-  <p:tag name="KSO_WM_UNIT_VALUE" val="14"/>
-  <p:tag name="KSO_WM_UNIT_HIGHLIGHT" val="0"/>
-  <p:tag name="KSO_WM_UNIT_COMPATIBLE" val="0"/>
-  <p:tag name="KSO_WM_UNIT_DIAGRAM_ISNUMVISUAL" val="0"/>
-  <p:tag name="KSO_WM_UNIT_DIAGRAM_ISREFERUNIT" val="0"/>
-  <p:tag name="KSO_WM_DIAGRAM_GROUP_CODE" val="m1-2"/>
-  <p:tag name="KSO_WM_UNIT_TYPE" val="a"/>
-  <p:tag name="KSO_WM_UNIT_INDEX" val="1"/>
-  <p:tag name="KSO_WM_UNIT_ID" val="custom20187308_7*a*1"/>
-  <p:tag name="KSO_WM_TEMPLATE_CATEGORY" val="custom"/>
-  <p:tag name="KSO_WM_TEMPLATE_INDEX" val="20187308"/>
-  <p:tag name="KSO_WM_UNIT_LAYERLEVEL" val="1"/>
-  <p:tag name="KSO_WM_TAG_VERSION" val="1.0"/>
-  <p:tag name="KSO_WM_BEAUTIFY_FLAG" val="#wm#"/>
-  <p:tag name="KSO_WM_UNIT_TEXT_FILL_FORE_SCHEMECOLOR_INDEX" val="13"/>
-  <p:tag name="KSO_WM_UNIT_TEXT_FILL_TYPE" val="1"/>
-  <p:tag name="KSO_WM_UNIT_USESOURCEFORMAT_APPLY" val="1"/>
-</p:tagLst>
-</file>
-
-<file path=ppt/tags/tag129.xml><?xml version="1.0" encoding="utf-8"?>
-<p:tagLst xmlns:a="http://schemas.openxmlformats.org/drawingml/2006/main" xmlns:r="http://schemas.openxmlformats.org/officeDocument/2006/relationships" xmlns:p="http://schemas.openxmlformats.org/presentationml/2006/main">
-  <p:tag name="KSO_WM_BEAUTIFY_FLAG" val="#wm#"/>
-  <p:tag name="KSO_WM_TEMPLATE_CATEGORY" val="custom"/>
-  <p:tag name="KSO_WM_TEMPLATE_INDEX" val="20187308"/>
-</p:tagLst>
-</file>
-
-<file path=ppt/tags/tag13.xml><?xml version="1.0" encoding="utf-8"?>
-<p:tagLst xmlns:a="http://schemas.openxmlformats.org/drawingml/2006/main" xmlns:r="http://schemas.openxmlformats.org/officeDocument/2006/relationships" xmlns:p="http://schemas.openxmlformats.org/presentationml/2006/main">
-  <p:tag name="KSO_WM_UNIT_HIGHLIGHT" val="0"/>
-  <p:tag name="KSO_WM_UNIT_COMPATIBLE" val="0"/>
-  <p:tag name="KSO_WM_UNIT_DIAGRAM_ISNUMVISUAL" val="0"/>
-  <p:tag name="KSO_WM_UNIT_DIAGRAM_ISREFERUNIT" val="0"/>
-  <p:tag name="KSO_WM_UNIT_ID" val="_1**"/>
-  <p:tag name="KSO_WM_UNIT_LAYERLEVEL" val="1"/>
-  <p:tag name="KSO_WM_TAG_VERSION" val="1.0"/>
-  <p:tag name="KSO_WM_BEAUTIFY_FLAG" val="#wm#"/>
-</p:tagLst>
-</file>
-
-<file path=ppt/tags/tag130.xml><?xml version="1.0" encoding="utf-8"?>
-<p:tagLst xmlns:a="http://schemas.openxmlformats.org/drawingml/2006/main" xmlns:r="http://schemas.openxmlformats.org/officeDocument/2006/relationships" xmlns:p="http://schemas.openxmlformats.org/presentationml/2006/main">
-  <p:tag name="KSO_WM_UNIT_ISCONTENTSTITLE" val="0"/>
-  <p:tag name="KSO_WM_UNIT_PRESET_TEXT" val="单击此处添加标题"/>
-  <p:tag name="KSO_WM_UNIT_NOCLEAR" val="0"/>
-  <p:tag name="KSO_WM_UNIT_VALUE" val="14"/>
-  <p:tag name="KSO_WM_UNIT_HIGHLIGHT" val="0"/>
-  <p:tag name="KSO_WM_UNIT_COMPATIBLE" val="0"/>
-  <p:tag name="KSO_WM_UNIT_DIAGRAM_ISNUMVISUAL" val="0"/>
-  <p:tag name="KSO_WM_UNIT_DIAGRAM_ISREFERUNIT" val="0"/>
-  <p:tag name="KSO_WM_DIAGRAM_GROUP_CODE" val="m1-2"/>
-  <p:tag name="KSO_WM_UNIT_TYPE" val="a"/>
-  <p:tag name="KSO_WM_UNIT_INDEX" val="1"/>
-  <p:tag name="KSO_WM_UNIT_ID" val="custom20187308_7*a*1"/>
-  <p:tag name="KSO_WM_TEMPLATE_CATEGORY" val="custom"/>
-  <p:tag name="KSO_WM_TEMPLATE_INDEX" val="20187308"/>
-  <p:tag name="KSO_WM_UNIT_LAYERLEVEL" val="1"/>
-  <p:tag name="KSO_WM_TAG_VERSION" val="1.0"/>
-  <p:tag name="KSO_WM_BEAUTIFY_FLAG" val="#wm#"/>
-  <p:tag name="KSO_WM_UNIT_TEXT_FILL_FORE_SCHEMECOLOR_INDEX" val="13"/>
-  <p:tag name="KSO_WM_UNIT_TEXT_FILL_TYPE" val="1"/>
-  <p:tag name="KSO_WM_UNIT_USESOURCEFORMAT_APPLY" val="1"/>
 </p:tagLst>
 </file>
 
@@ -21192,13 +21428,38 @@
 
 <file path=ppt/tags/tag134.xml><?xml version="1.0" encoding="utf-8"?>
 <p:tagLst xmlns:a="http://schemas.openxmlformats.org/drawingml/2006/main" xmlns:r="http://schemas.openxmlformats.org/officeDocument/2006/relationships" xmlns:p="http://schemas.openxmlformats.org/presentationml/2006/main">
+  <p:tag name="KSO_WM_UNIT_ISCONTENTSTITLE" val="0"/>
+  <p:tag name="KSO_WM_UNIT_PRESET_TEXT" val="单击此处添加标题"/>
+  <p:tag name="KSO_WM_UNIT_NOCLEAR" val="0"/>
+  <p:tag name="KSO_WM_UNIT_VALUE" val="14"/>
+  <p:tag name="KSO_WM_UNIT_HIGHLIGHT" val="0"/>
+  <p:tag name="KSO_WM_UNIT_COMPATIBLE" val="0"/>
+  <p:tag name="KSO_WM_UNIT_DIAGRAM_ISNUMVISUAL" val="0"/>
+  <p:tag name="KSO_WM_UNIT_DIAGRAM_ISREFERUNIT" val="0"/>
+  <p:tag name="KSO_WM_DIAGRAM_GROUP_CODE" val="m1-2"/>
+  <p:tag name="KSO_WM_UNIT_TYPE" val="a"/>
+  <p:tag name="KSO_WM_UNIT_INDEX" val="1"/>
+  <p:tag name="KSO_WM_UNIT_ID" val="custom20187308_7*a*1"/>
+  <p:tag name="KSO_WM_TEMPLATE_CATEGORY" val="custom"/>
+  <p:tag name="KSO_WM_TEMPLATE_INDEX" val="20187308"/>
+  <p:tag name="KSO_WM_UNIT_LAYERLEVEL" val="1"/>
+  <p:tag name="KSO_WM_TAG_VERSION" val="1.0"/>
+  <p:tag name="KSO_WM_BEAUTIFY_FLAG" val="#wm#"/>
+  <p:tag name="KSO_WM_UNIT_TEXT_FILL_FORE_SCHEMECOLOR_INDEX" val="13"/>
+  <p:tag name="KSO_WM_UNIT_TEXT_FILL_TYPE" val="1"/>
+  <p:tag name="KSO_WM_UNIT_USESOURCEFORMAT_APPLY" val="1"/>
+</p:tagLst>
+</file>
+
+<file path=ppt/tags/tag135.xml><?xml version="1.0" encoding="utf-8"?>
+<p:tagLst xmlns:a="http://schemas.openxmlformats.org/drawingml/2006/main" xmlns:r="http://schemas.openxmlformats.org/officeDocument/2006/relationships" xmlns:p="http://schemas.openxmlformats.org/presentationml/2006/main">
   <p:tag name="KSO_WM_BEAUTIFY_FLAG" val="#wm#"/>
   <p:tag name="KSO_WM_TEMPLATE_CATEGORY" val="custom"/>
   <p:tag name="KSO_WM_TEMPLATE_INDEX" val="20187308"/>
 </p:tagLst>
 </file>
 
-<file path=ppt/tags/tag135.xml><?xml version="1.0" encoding="utf-8"?>
+<file path=ppt/tags/tag136.xml><?xml version="1.0" encoding="utf-8"?>
 <p:tagLst xmlns:a="http://schemas.openxmlformats.org/drawingml/2006/main" xmlns:r="http://schemas.openxmlformats.org/officeDocument/2006/relationships" xmlns:p="http://schemas.openxmlformats.org/presentationml/2006/main">
   <p:tag name="KSO_WM_UNIT_ISCONTENTSTITLE" val="0"/>
   <p:tag name="KSO_WM_UNIT_PRESET_TEXT" val="单击此处添加标题"/>
@@ -21223,7 +21484,7 @@
 </p:tagLst>
 </file>
 
-<file path=ppt/tags/tag136.xml><?xml version="1.0" encoding="utf-8"?>
+<file path=ppt/tags/tag137.xml><?xml version="1.0" encoding="utf-8"?>
 <p:tagLst xmlns:a="http://schemas.openxmlformats.org/drawingml/2006/main" xmlns:r="http://schemas.openxmlformats.org/officeDocument/2006/relationships" xmlns:p="http://schemas.openxmlformats.org/presentationml/2006/main">
   <p:tag name="KSO_WM_BEAUTIFY_FLAG" val="#wm#"/>
   <p:tag name="KSO_WM_TEMPLATE_CATEGORY" val="custom"/>
@@ -21231,7 +21492,61 @@
 </p:tagLst>
 </file>
 
-<file path=ppt/tags/tag137.xml><?xml version="1.0" encoding="utf-8"?>
+<file path=ppt/tags/tag138.xml><?xml version="1.0" encoding="utf-8"?>
+<p:tagLst xmlns:a="http://schemas.openxmlformats.org/drawingml/2006/main" xmlns:r="http://schemas.openxmlformats.org/officeDocument/2006/relationships" xmlns:p="http://schemas.openxmlformats.org/presentationml/2006/main">
+  <p:tag name="KSO_WM_BEAUTIFY_FLAG" val="#wm#"/>
+  <p:tag name="KSO_WM_TEMPLATE_CATEGORY" val="custom"/>
+  <p:tag name="KSO_WM_TEMPLATE_INDEX" val="20187308"/>
+</p:tagLst>
+</file>
+
+<file path=ppt/tags/tag139.xml><?xml version="1.0" encoding="utf-8"?>
+<p:tagLst xmlns:a="http://schemas.openxmlformats.org/drawingml/2006/main" xmlns:r="http://schemas.openxmlformats.org/officeDocument/2006/relationships" xmlns:p="http://schemas.openxmlformats.org/presentationml/2006/main">
+  <p:tag name="KSO_WM_UNIT_ISCONTENTSTITLE" val="0"/>
+  <p:tag name="KSO_WM_UNIT_PRESET_TEXT" val="单击此处添加标题"/>
+  <p:tag name="KSO_WM_UNIT_NOCLEAR" val="0"/>
+  <p:tag name="KSO_WM_UNIT_VALUE" val="14"/>
+  <p:tag name="KSO_WM_UNIT_HIGHLIGHT" val="0"/>
+  <p:tag name="KSO_WM_UNIT_COMPATIBLE" val="0"/>
+  <p:tag name="KSO_WM_UNIT_DIAGRAM_ISNUMVISUAL" val="0"/>
+  <p:tag name="KSO_WM_UNIT_DIAGRAM_ISREFERUNIT" val="0"/>
+  <p:tag name="KSO_WM_DIAGRAM_GROUP_CODE" val="m1-2"/>
+  <p:tag name="KSO_WM_UNIT_TYPE" val="a"/>
+  <p:tag name="KSO_WM_UNIT_INDEX" val="1"/>
+  <p:tag name="KSO_WM_UNIT_ID" val="custom20187308_7*a*1"/>
+  <p:tag name="KSO_WM_TEMPLATE_CATEGORY" val="custom"/>
+  <p:tag name="KSO_WM_TEMPLATE_INDEX" val="20187308"/>
+  <p:tag name="KSO_WM_UNIT_LAYERLEVEL" val="1"/>
+  <p:tag name="KSO_WM_TAG_VERSION" val="1.0"/>
+  <p:tag name="KSO_WM_BEAUTIFY_FLAG" val="#wm#"/>
+  <p:tag name="KSO_WM_UNIT_TEXT_FILL_FORE_SCHEMECOLOR_INDEX" val="13"/>
+  <p:tag name="KSO_WM_UNIT_TEXT_FILL_TYPE" val="1"/>
+  <p:tag name="KSO_WM_UNIT_USESOURCEFORMAT_APPLY" val="1"/>
+</p:tagLst>
+</file>
+
+<file path=ppt/tags/tag14.xml><?xml version="1.0" encoding="utf-8"?>
+<p:tagLst xmlns:a="http://schemas.openxmlformats.org/drawingml/2006/main" xmlns:r="http://schemas.openxmlformats.org/officeDocument/2006/relationships" xmlns:p="http://schemas.openxmlformats.org/presentationml/2006/main">
+  <p:tag name="KSO_WM_UNIT_HIGHLIGHT" val="0"/>
+  <p:tag name="KSO_WM_UNIT_COMPATIBLE" val="0"/>
+  <p:tag name="KSO_WM_UNIT_DIAGRAM_ISNUMVISUAL" val="0"/>
+  <p:tag name="KSO_WM_UNIT_DIAGRAM_ISREFERUNIT" val="0"/>
+  <p:tag name="KSO_WM_UNIT_ID" val="_1**"/>
+  <p:tag name="KSO_WM_UNIT_LAYERLEVEL" val="1"/>
+  <p:tag name="KSO_WM_TAG_VERSION" val="1.0"/>
+  <p:tag name="KSO_WM_BEAUTIFY_FLAG" val="#wm#"/>
+</p:tagLst>
+</file>
+
+<file path=ppt/tags/tag140.xml><?xml version="1.0" encoding="utf-8"?>
+<p:tagLst xmlns:a="http://schemas.openxmlformats.org/drawingml/2006/main" xmlns:r="http://schemas.openxmlformats.org/officeDocument/2006/relationships" xmlns:p="http://schemas.openxmlformats.org/presentationml/2006/main">
+  <p:tag name="KSO_WM_BEAUTIFY_FLAG" val="#wm#"/>
+  <p:tag name="KSO_WM_TEMPLATE_CATEGORY" val="custom"/>
+  <p:tag name="KSO_WM_TEMPLATE_INDEX" val="20187308"/>
+</p:tagLst>
+</file>
+
+<file path=ppt/tags/tag141.xml><?xml version="1.0" encoding="utf-8"?>
 <p:tagLst xmlns:a="http://schemas.openxmlformats.org/drawingml/2006/main" xmlns:r="http://schemas.openxmlformats.org/officeDocument/2006/relationships" xmlns:p="http://schemas.openxmlformats.org/presentationml/2006/main">
   <p:tag name="KSO_WM_UNIT_ISCONTENTSTITLE" val="0"/>
   <p:tag name="KSO_WM_UNIT_PRESET_TEXT" val="单击此处添加标题"/>
@@ -21256,7 +21571,7 @@
 </p:tagLst>
 </file>
 
-<file path=ppt/tags/tag138.xml><?xml version="1.0" encoding="utf-8"?>
+<file path=ppt/tags/tag142.xml><?xml version="1.0" encoding="utf-8"?>
 <p:tagLst xmlns:a="http://schemas.openxmlformats.org/drawingml/2006/main" xmlns:r="http://schemas.openxmlformats.org/officeDocument/2006/relationships" xmlns:p="http://schemas.openxmlformats.org/presentationml/2006/main">
   <p:tag name="KSO_WM_BEAUTIFY_FLAG" val="#wm#"/>
   <p:tag name="KSO_WM_TEMPLATE_CATEGORY" val="custom"/>
@@ -21264,7 +21579,7 @@
 </p:tagLst>
 </file>
 
-<file path=ppt/tags/tag139.xml><?xml version="1.0" encoding="utf-8"?>
+<file path=ppt/tags/tag143.xml><?xml version="1.0" encoding="utf-8"?>
 <p:tagLst xmlns:a="http://schemas.openxmlformats.org/drawingml/2006/main" xmlns:r="http://schemas.openxmlformats.org/officeDocument/2006/relationships" xmlns:p="http://schemas.openxmlformats.org/presentationml/2006/main">
   <p:tag name="KSO_WM_BEAUTIFY_FLAG" val="#wm#"/>
   <p:tag name="KSO_WM_TEMPLATE_CATEGORY" val="custom"/>
@@ -21272,20 +21587,7 @@
 </p:tagLst>
 </file>
 
-<file path=ppt/tags/tag14.xml><?xml version="1.0" encoding="utf-8"?>
-<p:tagLst xmlns:a="http://schemas.openxmlformats.org/drawingml/2006/main" xmlns:r="http://schemas.openxmlformats.org/officeDocument/2006/relationships" xmlns:p="http://schemas.openxmlformats.org/presentationml/2006/main">
-  <p:tag name="KSO_WM_UNIT_HIGHLIGHT" val="0"/>
-  <p:tag name="KSO_WM_UNIT_COMPATIBLE" val="0"/>
-  <p:tag name="KSO_WM_UNIT_DIAGRAM_ISNUMVISUAL" val="0"/>
-  <p:tag name="KSO_WM_UNIT_DIAGRAM_ISREFERUNIT" val="0"/>
-  <p:tag name="KSO_WM_UNIT_ID" val="_1**"/>
-  <p:tag name="KSO_WM_UNIT_LAYERLEVEL" val="1"/>
-  <p:tag name="KSO_WM_TAG_VERSION" val="1.0"/>
-  <p:tag name="KSO_WM_BEAUTIFY_FLAG" val="#wm#"/>
-</p:tagLst>
-</file>
-
-<file path=ppt/tags/tag140.xml><?xml version="1.0" encoding="utf-8"?>
+<file path=ppt/tags/tag144.xml><?xml version="1.0" encoding="utf-8"?>
 <p:tagLst xmlns:a="http://schemas.openxmlformats.org/drawingml/2006/main" xmlns:r="http://schemas.openxmlformats.org/officeDocument/2006/relationships" xmlns:p="http://schemas.openxmlformats.org/presentationml/2006/main">
   <p:tag name="KSO_WM_UNIT_ISCONTENTSTITLE" val="0"/>
   <p:tag name="KSO_WM_UNIT_PRESET_TEXT" val="单击此处添加标题"/>
@@ -21310,7 +21612,7 @@
 </p:tagLst>
 </file>
 
-<file path=ppt/tags/tag141.xml><?xml version="1.0" encoding="utf-8"?>
+<file path=ppt/tags/tag145.xml><?xml version="1.0" encoding="utf-8"?>
 <p:tagLst xmlns:a="http://schemas.openxmlformats.org/drawingml/2006/main" xmlns:r="http://schemas.openxmlformats.org/officeDocument/2006/relationships" xmlns:p="http://schemas.openxmlformats.org/presentationml/2006/main">
   <p:tag name="KSO_WM_BEAUTIFY_FLAG" val="#wm#"/>
   <p:tag name="KSO_WM_TEMPLATE_CATEGORY" val="custom"/>
@@ -21318,7 +21620,7 @@
 </p:tagLst>
 </file>
 
-<file path=ppt/tags/tag142.xml><?xml version="1.0" encoding="utf-8"?>
+<file path=ppt/tags/tag146.xml><?xml version="1.0" encoding="utf-8"?>
 <p:tagLst xmlns:a="http://schemas.openxmlformats.org/drawingml/2006/main" xmlns:r="http://schemas.openxmlformats.org/officeDocument/2006/relationships" xmlns:p="http://schemas.openxmlformats.org/presentationml/2006/main">
   <p:tag name="KSO_WM_UNIT_ISCONTENTSTITLE" val="0"/>
   <p:tag name="KSO_WM_UNIT_PRESET_TEXT" val="单击此处添加标题"/>
@@ -21343,7 +21645,7 @@
 </p:tagLst>
 </file>
 
-<file path=ppt/tags/tag143.xml><?xml version="1.0" encoding="utf-8"?>
+<file path=ppt/tags/tag147.xml><?xml version="1.0" encoding="utf-8"?>
 <p:tagLst xmlns:a="http://schemas.openxmlformats.org/drawingml/2006/main" xmlns:r="http://schemas.openxmlformats.org/officeDocument/2006/relationships" xmlns:p="http://schemas.openxmlformats.org/presentationml/2006/main">
   <p:tag name="KSO_WM_SLIDE_ID" val="custom20187308_3"/>
   <p:tag name="KSO_WM_TEMPLATE_SUBCATEGORY" val="0"/>
@@ -21360,7 +21662,7 @@
 </p:tagLst>
 </file>
 
-<file path=ppt/tags/tag144.xml><?xml version="1.0" encoding="utf-8"?>
+<file path=ppt/tags/tag148.xml><?xml version="1.0" encoding="utf-8"?>
 <p:tagLst xmlns:a="http://schemas.openxmlformats.org/drawingml/2006/main" xmlns:r="http://schemas.openxmlformats.org/officeDocument/2006/relationships" xmlns:p="http://schemas.openxmlformats.org/presentationml/2006/main">
   <p:tag name="KSO_WM_UNIT_ISCONTENTSTITLE" val="0"/>
   <p:tag name="KSO_WM_UNIT_PRESET_TEXT" val="单击此处添加标题"/>
@@ -21381,7 +21683,7 @@
 </p:tagLst>
 </file>
 
-<file path=ppt/tags/tag145.xml><?xml version="1.0" encoding="utf-8"?>
+<file path=ppt/tags/tag149.xml><?xml version="1.0" encoding="utf-8"?>
 <p:tagLst xmlns:a="http://schemas.openxmlformats.org/drawingml/2006/main" xmlns:r="http://schemas.openxmlformats.org/officeDocument/2006/relationships" xmlns:p="http://schemas.openxmlformats.org/presentationml/2006/main">
   <p:tag name="KSO_WM_UNIT_ISCONTENTSTITLE" val="0"/>
   <p:tag name="KSO_WM_UNIT_PRESET_TEXT" val="单击此处添加文本具体内容，简明扼要的阐述您的观点。"/>
@@ -21394,89 +21696,6 @@
   <p:tag name="KSO_WM_UNIT_TYPE" val="b"/>
   <p:tag name="KSO_WM_UNIT_INDEX" val="1"/>
   <p:tag name="KSO_WM_UNIT_ID" val="custom20187308_3*b*1"/>
-  <p:tag name="KSO_WM_TEMPLATE_CATEGORY" val="custom"/>
-  <p:tag name="KSO_WM_TEMPLATE_INDEX" val="20187308"/>
-  <p:tag name="KSO_WM_UNIT_LAYERLEVEL" val="1"/>
-  <p:tag name="KSO_WM_TAG_VERSION" val="1.0"/>
-  <p:tag name="KSO_WM_BEAUTIFY_FLAG" val="#wm#"/>
-</p:tagLst>
-</file>
-
-<file path=ppt/tags/tag146.xml><?xml version="1.0" encoding="utf-8"?>
-<p:tagLst xmlns:a="http://schemas.openxmlformats.org/drawingml/2006/main" xmlns:r="http://schemas.openxmlformats.org/officeDocument/2006/relationships" xmlns:p="http://schemas.openxmlformats.org/presentationml/2006/main">
-  <p:tag name="KSO_WM_UNIT_PRESET_TEXT" val="01"/>
-  <p:tag name="KSO_WM_UNIT_NOCLEAR" val="0"/>
-  <p:tag name="KSO_WM_UNIT_VALUE" val="1"/>
-  <p:tag name="KSO_WM_UNIT_HIGHLIGHT" val="0"/>
-  <p:tag name="KSO_WM_UNIT_COMPATIBLE" val="1"/>
-  <p:tag name="KSO_WM_UNIT_DIAGRAM_ISNUMVISUAL" val="0"/>
-  <p:tag name="KSO_WM_UNIT_DIAGRAM_ISREFERUNIT" val="0"/>
-  <p:tag name="KSO_WM_UNIT_TYPE" val="e"/>
-  <p:tag name="KSO_WM_UNIT_INDEX" val="1"/>
-  <p:tag name="KSO_WM_UNIT_ID" val="custom20187308_3*e*1"/>
-  <p:tag name="KSO_WM_TEMPLATE_CATEGORY" val="custom"/>
-  <p:tag name="KSO_WM_TEMPLATE_INDEX" val="20187308"/>
-  <p:tag name="KSO_WM_UNIT_LAYERLEVEL" val="1"/>
-  <p:tag name="KSO_WM_TAG_VERSION" val="1.0"/>
-  <p:tag name="KSO_WM_BEAUTIFY_FLAG" val="#wm#"/>
-</p:tagLst>
-</file>
-
-<file path=ppt/tags/tag147.xml><?xml version="1.0" encoding="utf-8"?>
-<p:tagLst xmlns:a="http://schemas.openxmlformats.org/drawingml/2006/main" xmlns:r="http://schemas.openxmlformats.org/officeDocument/2006/relationships" xmlns:p="http://schemas.openxmlformats.org/presentationml/2006/main">
-  <p:tag name="KSO_WM_UNIT_ISCONTENTSTITLE" val="0"/>
-  <p:tag name="KSO_WM_UNIT_PRESET_TEXT" val="单击此处添加标题"/>
-  <p:tag name="KSO_WM_UNIT_NOCLEAR" val="0"/>
-  <p:tag name="KSO_WM_UNIT_VALUE" val="14"/>
-  <p:tag name="KSO_WM_UNIT_HIGHLIGHT" val="0"/>
-  <p:tag name="KSO_WM_UNIT_COMPATIBLE" val="0"/>
-  <p:tag name="KSO_WM_UNIT_DIAGRAM_ISNUMVISUAL" val="0"/>
-  <p:tag name="KSO_WM_UNIT_DIAGRAM_ISREFERUNIT" val="0"/>
-  <p:tag name="KSO_WM_DIAGRAM_GROUP_CODE" val="m1-2"/>
-  <p:tag name="KSO_WM_UNIT_TYPE" val="a"/>
-  <p:tag name="KSO_WM_UNIT_INDEX" val="1"/>
-  <p:tag name="KSO_WM_UNIT_ID" val="custom20187308_7*a*1"/>
-  <p:tag name="KSO_WM_TEMPLATE_CATEGORY" val="custom"/>
-  <p:tag name="KSO_WM_TEMPLATE_INDEX" val="20187308"/>
-  <p:tag name="KSO_WM_UNIT_LAYERLEVEL" val="1"/>
-  <p:tag name="KSO_WM_TAG_VERSION" val="1.0"/>
-  <p:tag name="KSO_WM_BEAUTIFY_FLAG" val="#wm#"/>
-  <p:tag name="KSO_WM_UNIT_TEXT_FILL_FORE_SCHEMECOLOR_INDEX" val="13"/>
-  <p:tag name="KSO_WM_UNIT_TEXT_FILL_TYPE" val="1"/>
-  <p:tag name="KSO_WM_UNIT_USESOURCEFORMAT_APPLY" val="1"/>
-</p:tagLst>
-</file>
-
-<file path=ppt/tags/tag148.xml><?xml version="1.0" encoding="utf-8"?>
-<p:tagLst xmlns:a="http://schemas.openxmlformats.org/drawingml/2006/main" xmlns:r="http://schemas.openxmlformats.org/officeDocument/2006/relationships" xmlns:p="http://schemas.openxmlformats.org/presentationml/2006/main">
-  <p:tag name="KSO_WM_SLIDE_ID" val="custom20187308_3"/>
-  <p:tag name="KSO_WM_TEMPLATE_SUBCATEGORY" val="0"/>
-  <p:tag name="KSO_WM_SLIDE_TYPE" val="sectionTitle"/>
-  <p:tag name="KSO_WM_SLIDE_SUBTYPE" val="pureTxt"/>
-  <p:tag name="KSO_WM_SLIDE_ITEM_CNT" val="0"/>
-  <p:tag name="KSO_WM_SLIDE_INDEX" val="3"/>
-  <p:tag name="KSO_WM_TAG_VERSION" val="1.0"/>
-  <p:tag name="KSO_WM_BEAUTIFY_FLAG" val="#wm#"/>
-  <p:tag name="KSO_WM_TEMPLATE_CATEGORY" val="custom"/>
-  <p:tag name="KSO_WM_TEMPLATE_INDEX" val="20187308"/>
-  <p:tag name="KSO_WM_SLIDE_LAYOUT" val="a_b_e"/>
-  <p:tag name="KSO_WM_SLIDE_LAYOUT_CNT" val="1_1_1"/>
-</p:tagLst>
-</file>
-
-<file path=ppt/tags/tag149.xml><?xml version="1.0" encoding="utf-8"?>
-<p:tagLst xmlns:a="http://schemas.openxmlformats.org/drawingml/2006/main" xmlns:r="http://schemas.openxmlformats.org/officeDocument/2006/relationships" xmlns:p="http://schemas.openxmlformats.org/presentationml/2006/main">
-  <p:tag name="KSO_WM_UNIT_ISCONTENTSTITLE" val="0"/>
-  <p:tag name="KSO_WM_UNIT_PRESET_TEXT" val="单击此处添加标题"/>
-  <p:tag name="KSO_WM_UNIT_NOCLEAR" val="0"/>
-  <p:tag name="KSO_WM_UNIT_VALUE" val="60"/>
-  <p:tag name="KSO_WM_UNIT_HIGHLIGHT" val="0"/>
-  <p:tag name="KSO_WM_UNIT_COMPATIBLE" val="0"/>
-  <p:tag name="KSO_WM_UNIT_DIAGRAM_ISNUMVISUAL" val="0"/>
-  <p:tag name="KSO_WM_UNIT_DIAGRAM_ISREFERUNIT" val="0"/>
-  <p:tag name="KSO_WM_UNIT_TYPE" val="a"/>
-  <p:tag name="KSO_WM_UNIT_INDEX" val="1"/>
-  <p:tag name="KSO_WM_UNIT_ID" val="custom20187308_3*a*1"/>
   <p:tag name="KSO_WM_TEMPLATE_CATEGORY" val="custom"/>
   <p:tag name="KSO_WM_TEMPLATE_INDEX" val="20187308"/>
   <p:tag name="KSO_WM_UNIT_LAYERLEVEL" val="1"/>
@@ -21500,27 +21719,6 @@
 
 <file path=ppt/tags/tag150.xml><?xml version="1.0" encoding="utf-8"?>
 <p:tagLst xmlns:a="http://schemas.openxmlformats.org/drawingml/2006/main" xmlns:r="http://schemas.openxmlformats.org/officeDocument/2006/relationships" xmlns:p="http://schemas.openxmlformats.org/presentationml/2006/main">
-  <p:tag name="KSO_WM_UNIT_ISCONTENTSTITLE" val="0"/>
-  <p:tag name="KSO_WM_UNIT_PRESET_TEXT" val="单击此处添加文本具体内容，简明扼要的阐述您的观点。"/>
-  <p:tag name="KSO_WM_UNIT_NOCLEAR" val="0"/>
-  <p:tag name="KSO_WM_UNIT_VALUE" val="156"/>
-  <p:tag name="KSO_WM_UNIT_HIGHLIGHT" val="0"/>
-  <p:tag name="KSO_WM_UNIT_COMPATIBLE" val="0"/>
-  <p:tag name="KSO_WM_UNIT_DIAGRAM_ISNUMVISUAL" val="0"/>
-  <p:tag name="KSO_WM_UNIT_DIAGRAM_ISREFERUNIT" val="0"/>
-  <p:tag name="KSO_WM_UNIT_TYPE" val="b"/>
-  <p:tag name="KSO_WM_UNIT_INDEX" val="1"/>
-  <p:tag name="KSO_WM_UNIT_ID" val="custom20187308_3*b*1"/>
-  <p:tag name="KSO_WM_TEMPLATE_CATEGORY" val="custom"/>
-  <p:tag name="KSO_WM_TEMPLATE_INDEX" val="20187308"/>
-  <p:tag name="KSO_WM_UNIT_LAYERLEVEL" val="1"/>
-  <p:tag name="KSO_WM_TAG_VERSION" val="1.0"/>
-  <p:tag name="KSO_WM_BEAUTIFY_FLAG" val="#wm#"/>
-</p:tagLst>
-</file>
-
-<file path=ppt/tags/tag151.xml><?xml version="1.0" encoding="utf-8"?>
-<p:tagLst xmlns:a="http://schemas.openxmlformats.org/drawingml/2006/main" xmlns:r="http://schemas.openxmlformats.org/officeDocument/2006/relationships" xmlns:p="http://schemas.openxmlformats.org/presentationml/2006/main">
   <p:tag name="KSO_WM_UNIT_PRESET_TEXT" val="01"/>
   <p:tag name="KSO_WM_UNIT_NOCLEAR" val="0"/>
   <p:tag name="KSO_WM_UNIT_VALUE" val="1"/>
@@ -21536,6 +21734,31 @@
   <p:tag name="KSO_WM_UNIT_LAYERLEVEL" val="1"/>
   <p:tag name="KSO_WM_TAG_VERSION" val="1.0"/>
   <p:tag name="KSO_WM_BEAUTIFY_FLAG" val="#wm#"/>
+</p:tagLst>
+</file>
+
+<file path=ppt/tags/tag151.xml><?xml version="1.0" encoding="utf-8"?>
+<p:tagLst xmlns:a="http://schemas.openxmlformats.org/drawingml/2006/main" xmlns:r="http://schemas.openxmlformats.org/officeDocument/2006/relationships" xmlns:p="http://schemas.openxmlformats.org/presentationml/2006/main">
+  <p:tag name="KSO_WM_UNIT_ISCONTENTSTITLE" val="0"/>
+  <p:tag name="KSO_WM_UNIT_PRESET_TEXT" val="单击此处添加标题"/>
+  <p:tag name="KSO_WM_UNIT_NOCLEAR" val="0"/>
+  <p:tag name="KSO_WM_UNIT_VALUE" val="14"/>
+  <p:tag name="KSO_WM_UNIT_HIGHLIGHT" val="0"/>
+  <p:tag name="KSO_WM_UNIT_COMPATIBLE" val="0"/>
+  <p:tag name="KSO_WM_UNIT_DIAGRAM_ISNUMVISUAL" val="0"/>
+  <p:tag name="KSO_WM_UNIT_DIAGRAM_ISREFERUNIT" val="0"/>
+  <p:tag name="KSO_WM_DIAGRAM_GROUP_CODE" val="m1-2"/>
+  <p:tag name="KSO_WM_UNIT_TYPE" val="a"/>
+  <p:tag name="KSO_WM_UNIT_INDEX" val="1"/>
+  <p:tag name="KSO_WM_UNIT_ID" val="custom20187308_7*a*1"/>
+  <p:tag name="KSO_WM_TEMPLATE_CATEGORY" val="custom"/>
+  <p:tag name="KSO_WM_TEMPLATE_INDEX" val="20187308"/>
+  <p:tag name="KSO_WM_UNIT_LAYERLEVEL" val="1"/>
+  <p:tag name="KSO_WM_TAG_VERSION" val="1.0"/>
+  <p:tag name="KSO_WM_BEAUTIFY_FLAG" val="#wm#"/>
+  <p:tag name="KSO_WM_UNIT_TEXT_FILL_FORE_SCHEMECOLOR_INDEX" val="13"/>
+  <p:tag name="KSO_WM_UNIT_TEXT_FILL_TYPE" val="1"/>
+  <p:tag name="KSO_WM_UNIT_USESOURCEFORMAT_APPLY" val="1"/>
 </p:tagLst>
 </file>
 
@@ -21620,6 +21843,98 @@
 
 <file path=ppt/tags/tag156.xml><?xml version="1.0" encoding="utf-8"?>
 <p:tagLst xmlns:a="http://schemas.openxmlformats.org/drawingml/2006/main" xmlns:r="http://schemas.openxmlformats.org/officeDocument/2006/relationships" xmlns:p="http://schemas.openxmlformats.org/presentationml/2006/main">
+  <p:tag name="KSO_WM_SLIDE_ID" val="custom20187308_3"/>
+  <p:tag name="KSO_WM_TEMPLATE_SUBCATEGORY" val="0"/>
+  <p:tag name="KSO_WM_SLIDE_TYPE" val="sectionTitle"/>
+  <p:tag name="KSO_WM_SLIDE_SUBTYPE" val="pureTxt"/>
+  <p:tag name="KSO_WM_SLIDE_ITEM_CNT" val="0"/>
+  <p:tag name="KSO_WM_SLIDE_INDEX" val="3"/>
+  <p:tag name="KSO_WM_TAG_VERSION" val="1.0"/>
+  <p:tag name="KSO_WM_BEAUTIFY_FLAG" val="#wm#"/>
+  <p:tag name="KSO_WM_TEMPLATE_CATEGORY" val="custom"/>
+  <p:tag name="KSO_WM_TEMPLATE_INDEX" val="20187308"/>
+  <p:tag name="KSO_WM_SLIDE_LAYOUT" val="a_b_e"/>
+  <p:tag name="KSO_WM_SLIDE_LAYOUT_CNT" val="1_1_1"/>
+</p:tagLst>
+</file>
+
+<file path=ppt/tags/tag157.xml><?xml version="1.0" encoding="utf-8"?>
+<p:tagLst xmlns:a="http://schemas.openxmlformats.org/drawingml/2006/main" xmlns:r="http://schemas.openxmlformats.org/officeDocument/2006/relationships" xmlns:p="http://schemas.openxmlformats.org/presentationml/2006/main">
+  <p:tag name="KSO_WM_UNIT_ISCONTENTSTITLE" val="0"/>
+  <p:tag name="KSO_WM_UNIT_PRESET_TEXT" val="单击此处添加标题"/>
+  <p:tag name="KSO_WM_UNIT_NOCLEAR" val="0"/>
+  <p:tag name="KSO_WM_UNIT_VALUE" val="60"/>
+  <p:tag name="KSO_WM_UNIT_HIGHLIGHT" val="0"/>
+  <p:tag name="KSO_WM_UNIT_COMPATIBLE" val="0"/>
+  <p:tag name="KSO_WM_UNIT_DIAGRAM_ISNUMVISUAL" val="0"/>
+  <p:tag name="KSO_WM_UNIT_DIAGRAM_ISREFERUNIT" val="0"/>
+  <p:tag name="KSO_WM_UNIT_TYPE" val="a"/>
+  <p:tag name="KSO_WM_UNIT_INDEX" val="1"/>
+  <p:tag name="KSO_WM_UNIT_ID" val="custom20187308_3*a*1"/>
+  <p:tag name="KSO_WM_TEMPLATE_CATEGORY" val="custom"/>
+  <p:tag name="KSO_WM_TEMPLATE_INDEX" val="20187308"/>
+  <p:tag name="KSO_WM_UNIT_LAYERLEVEL" val="1"/>
+  <p:tag name="KSO_WM_TAG_VERSION" val="1.0"/>
+  <p:tag name="KSO_WM_BEAUTIFY_FLAG" val="#wm#"/>
+</p:tagLst>
+</file>
+
+<file path=ppt/tags/tag158.xml><?xml version="1.0" encoding="utf-8"?>
+<p:tagLst xmlns:a="http://schemas.openxmlformats.org/drawingml/2006/main" xmlns:r="http://schemas.openxmlformats.org/officeDocument/2006/relationships" xmlns:p="http://schemas.openxmlformats.org/presentationml/2006/main">
+  <p:tag name="KSO_WM_UNIT_ISCONTENTSTITLE" val="0"/>
+  <p:tag name="KSO_WM_UNIT_PRESET_TEXT" val="单击此处添加文本具体内容，简明扼要的阐述您的观点。"/>
+  <p:tag name="KSO_WM_UNIT_NOCLEAR" val="0"/>
+  <p:tag name="KSO_WM_UNIT_VALUE" val="156"/>
+  <p:tag name="KSO_WM_UNIT_HIGHLIGHT" val="0"/>
+  <p:tag name="KSO_WM_UNIT_COMPATIBLE" val="0"/>
+  <p:tag name="KSO_WM_UNIT_DIAGRAM_ISNUMVISUAL" val="0"/>
+  <p:tag name="KSO_WM_UNIT_DIAGRAM_ISREFERUNIT" val="0"/>
+  <p:tag name="KSO_WM_UNIT_TYPE" val="b"/>
+  <p:tag name="KSO_WM_UNIT_INDEX" val="1"/>
+  <p:tag name="KSO_WM_UNIT_ID" val="custom20187308_3*b*1"/>
+  <p:tag name="KSO_WM_TEMPLATE_CATEGORY" val="custom"/>
+  <p:tag name="KSO_WM_TEMPLATE_INDEX" val="20187308"/>
+  <p:tag name="KSO_WM_UNIT_LAYERLEVEL" val="1"/>
+  <p:tag name="KSO_WM_TAG_VERSION" val="1.0"/>
+  <p:tag name="KSO_WM_BEAUTIFY_FLAG" val="#wm#"/>
+</p:tagLst>
+</file>
+
+<file path=ppt/tags/tag159.xml><?xml version="1.0" encoding="utf-8"?>
+<p:tagLst xmlns:a="http://schemas.openxmlformats.org/drawingml/2006/main" xmlns:r="http://schemas.openxmlformats.org/officeDocument/2006/relationships" xmlns:p="http://schemas.openxmlformats.org/presentationml/2006/main">
+  <p:tag name="KSO_WM_UNIT_PRESET_TEXT" val="01"/>
+  <p:tag name="KSO_WM_UNIT_NOCLEAR" val="0"/>
+  <p:tag name="KSO_WM_UNIT_VALUE" val="1"/>
+  <p:tag name="KSO_WM_UNIT_HIGHLIGHT" val="0"/>
+  <p:tag name="KSO_WM_UNIT_COMPATIBLE" val="1"/>
+  <p:tag name="KSO_WM_UNIT_DIAGRAM_ISNUMVISUAL" val="0"/>
+  <p:tag name="KSO_WM_UNIT_DIAGRAM_ISREFERUNIT" val="0"/>
+  <p:tag name="KSO_WM_UNIT_TYPE" val="e"/>
+  <p:tag name="KSO_WM_UNIT_INDEX" val="1"/>
+  <p:tag name="KSO_WM_UNIT_ID" val="custom20187308_3*e*1"/>
+  <p:tag name="KSO_WM_TEMPLATE_CATEGORY" val="custom"/>
+  <p:tag name="KSO_WM_TEMPLATE_INDEX" val="20187308"/>
+  <p:tag name="KSO_WM_UNIT_LAYERLEVEL" val="1"/>
+  <p:tag name="KSO_WM_TAG_VERSION" val="1.0"/>
+  <p:tag name="KSO_WM_BEAUTIFY_FLAG" val="#wm#"/>
+</p:tagLst>
+</file>
+
+<file path=ppt/tags/tag16.xml><?xml version="1.0" encoding="utf-8"?>
+<p:tagLst xmlns:a="http://schemas.openxmlformats.org/drawingml/2006/main" xmlns:r="http://schemas.openxmlformats.org/officeDocument/2006/relationships" xmlns:p="http://schemas.openxmlformats.org/presentationml/2006/main">
+  <p:tag name="KSO_WM_UNIT_HIGHLIGHT" val="0"/>
+  <p:tag name="KSO_WM_UNIT_COMPATIBLE" val="0"/>
+  <p:tag name="KSO_WM_UNIT_DIAGRAM_ISNUMVISUAL" val="0"/>
+  <p:tag name="KSO_WM_UNIT_DIAGRAM_ISREFERUNIT" val="0"/>
+  <p:tag name="KSO_WM_UNIT_ID" val="_2**"/>
+  <p:tag name="KSO_WM_UNIT_LAYERLEVEL" val="1"/>
+  <p:tag name="KSO_WM_TAG_VERSION" val="1.0"/>
+  <p:tag name="KSO_WM_BEAUTIFY_FLAG" val="#wm#"/>
+</p:tagLst>
+</file>
+
+<file path=ppt/tags/tag160.xml><?xml version="1.0" encoding="utf-8"?>
+<p:tagLst xmlns:a="http://schemas.openxmlformats.org/drawingml/2006/main" xmlns:r="http://schemas.openxmlformats.org/officeDocument/2006/relationships" xmlns:p="http://schemas.openxmlformats.org/presentationml/2006/main">
   <p:tag name="KSO_WM_SLIDE_ID" val="custom20187308_15"/>
   <p:tag name="KSO_WM_TEMPLATE_SUBCATEGORY" val="0"/>
   <p:tag name="KSO_WM_SLIDE_TYPE" val="endPage"/>
@@ -21635,7 +21950,7 @@
 </p:tagLst>
 </file>
 
-<file path=ppt/tags/tag157.xml><?xml version="1.0" encoding="utf-8"?>
+<file path=ppt/tags/tag161.xml><?xml version="1.0" encoding="utf-8"?>
 <p:tagLst xmlns:a="http://schemas.openxmlformats.org/drawingml/2006/main" xmlns:r="http://schemas.openxmlformats.org/officeDocument/2006/relationships" xmlns:p="http://schemas.openxmlformats.org/presentationml/2006/main">
   <p:tag name="KSO_WM_UNIT_ISCONTENTSTITLE" val="0"/>
   <p:tag name="KSO_WM_UNIT_PRESET_TEXT" val="谢谢观看"/>
@@ -21650,19 +21965,6 @@
   <p:tag name="KSO_WM_UNIT_ID" val="custom20187308_15*a*1"/>
   <p:tag name="KSO_WM_TEMPLATE_CATEGORY" val="custom"/>
   <p:tag name="KSO_WM_TEMPLATE_INDEX" val="20187308"/>
-  <p:tag name="KSO_WM_UNIT_LAYERLEVEL" val="1"/>
-  <p:tag name="KSO_WM_TAG_VERSION" val="1.0"/>
-  <p:tag name="KSO_WM_BEAUTIFY_FLAG" val="#wm#"/>
-</p:tagLst>
-</file>
-
-<file path=ppt/tags/tag16.xml><?xml version="1.0" encoding="utf-8"?>
-<p:tagLst xmlns:a="http://schemas.openxmlformats.org/drawingml/2006/main" xmlns:r="http://schemas.openxmlformats.org/officeDocument/2006/relationships" xmlns:p="http://schemas.openxmlformats.org/presentationml/2006/main">
-  <p:tag name="KSO_WM_UNIT_HIGHLIGHT" val="0"/>
-  <p:tag name="KSO_WM_UNIT_COMPATIBLE" val="0"/>
-  <p:tag name="KSO_WM_UNIT_DIAGRAM_ISNUMVISUAL" val="0"/>
-  <p:tag name="KSO_WM_UNIT_DIAGRAM_ISREFERUNIT" val="0"/>
-  <p:tag name="KSO_WM_UNIT_ID" val="_2**"/>
   <p:tag name="KSO_WM_UNIT_LAYERLEVEL" val="1"/>
   <p:tag name="KSO_WM_TAG_VERSION" val="1.0"/>
   <p:tag name="KSO_WM_BEAUTIFY_FLAG" val="#wm#"/>

--- a/_doc/KFrame.pptx
+++ b/_doc/KFrame.pptx
@@ -8651,8 +8651,12 @@
               <a:t>的游戏</a:t>
             </a:r>
             <a:r>
+              <a:rPr lang="zh-CN" altLang="en-US" dirty="0" smtClean="0"/>
+              <a:t>服务器终极解决</a:t>
+            </a:r>
+            <a:r>
               <a:rPr lang="zh-CN" altLang="en-US" dirty="0"/>
-              <a:t>服务器解决方案</a:t>
+              <a:t>方案</a:t>
             </a:r>
             <a:br>
               <a:rPr lang="zh-CN" altLang="en-US" dirty="0"/>

--- a/_doc/KFrame.pptx
+++ b/_doc/KFrame.pptx
@@ -6,10 +6,10 @@
     <p:sldMasterId id="2147483659" r:id="rId2"/>
   </p:sldMasterIdLst>
   <p:notesMasterIdLst>
-    <p:notesMasterId r:id="rId39"/>
+    <p:notesMasterId r:id="rId41"/>
   </p:notesMasterIdLst>
   <p:handoutMasterIdLst>
-    <p:handoutMasterId r:id="rId40"/>
+    <p:handoutMasterId r:id="rId42"/>
   </p:handoutMasterIdLst>
   <p:sldIdLst>
     <p:sldId id="640" r:id="rId3"/>
@@ -22,37 +22,39 @@
     <p:sldId id="646" r:id="rId10"/>
     <p:sldId id="668" r:id="rId11"/>
     <p:sldId id="669" r:id="rId12"/>
-    <p:sldId id="539" r:id="rId13"/>
-    <p:sldId id="299" r:id="rId14"/>
-    <p:sldId id="647" r:id="rId15"/>
-    <p:sldId id="540" r:id="rId16"/>
-    <p:sldId id="649" r:id="rId17"/>
-    <p:sldId id="651" r:id="rId18"/>
-    <p:sldId id="650" r:id="rId19"/>
-    <p:sldId id="648" r:id="rId20"/>
-    <p:sldId id="298" r:id="rId21"/>
-    <p:sldId id="557" r:id="rId22"/>
-    <p:sldId id="558" r:id="rId23"/>
-    <p:sldId id="652" r:id="rId24"/>
-    <p:sldId id="655" r:id="rId25"/>
-    <p:sldId id="656" r:id="rId26"/>
-    <p:sldId id="653" r:id="rId27"/>
-    <p:sldId id="657" r:id="rId28"/>
-    <p:sldId id="272" r:id="rId29"/>
-    <p:sldId id="359" r:id="rId30"/>
-    <p:sldId id="659" r:id="rId31"/>
-    <p:sldId id="660" r:id="rId32"/>
-    <p:sldId id="661" r:id="rId33"/>
-    <p:sldId id="662" r:id="rId34"/>
-    <p:sldId id="663" r:id="rId35"/>
-    <p:sldId id="666" r:id="rId36"/>
-    <p:sldId id="667" r:id="rId37"/>
-    <p:sldId id="639" r:id="rId38"/>
+    <p:sldId id="670" r:id="rId13"/>
+    <p:sldId id="539" r:id="rId14"/>
+    <p:sldId id="299" r:id="rId15"/>
+    <p:sldId id="647" r:id="rId16"/>
+    <p:sldId id="671" r:id="rId17"/>
+    <p:sldId id="540" r:id="rId18"/>
+    <p:sldId id="649" r:id="rId19"/>
+    <p:sldId id="651" r:id="rId20"/>
+    <p:sldId id="650" r:id="rId21"/>
+    <p:sldId id="648" r:id="rId22"/>
+    <p:sldId id="298" r:id="rId23"/>
+    <p:sldId id="557" r:id="rId24"/>
+    <p:sldId id="558" r:id="rId25"/>
+    <p:sldId id="652" r:id="rId26"/>
+    <p:sldId id="655" r:id="rId27"/>
+    <p:sldId id="656" r:id="rId28"/>
+    <p:sldId id="653" r:id="rId29"/>
+    <p:sldId id="657" r:id="rId30"/>
+    <p:sldId id="272" r:id="rId31"/>
+    <p:sldId id="359" r:id="rId32"/>
+    <p:sldId id="659" r:id="rId33"/>
+    <p:sldId id="660" r:id="rId34"/>
+    <p:sldId id="661" r:id="rId35"/>
+    <p:sldId id="662" r:id="rId36"/>
+    <p:sldId id="663" r:id="rId37"/>
+    <p:sldId id="666" r:id="rId38"/>
+    <p:sldId id="667" r:id="rId39"/>
+    <p:sldId id="639" r:id="rId40"/>
   </p:sldIdLst>
   <p:sldSz cx="12192000" cy="6858000"/>
   <p:notesSz cx="7104063" cy="10234613"/>
   <p:custDataLst>
-    <p:tags r:id="rId41"/>
+    <p:tags r:id="rId43"/>
   </p:custDataLst>
   <p:defaultTextStyle>
     <a:defPPr>
@@ -250,7 +252,7 @@
           <a:p>
             <a:fld id="{0F9B84EA-7D68-4D60-9CB1-D50884785D1C}" type="datetimeFigureOut">
               <a:rPr lang="zh-CN" altLang="en-US" smtClean="0"/>
-              <a:t>2020/7/22</a:t>
+              <a:t>2020/7/23</a:t>
             </a:fld>
             <a:endParaRPr lang="zh-CN" altLang="en-US"/>
           </a:p>
@@ -421,7 +423,7 @@
           <a:p>
             <a:fld id="{D6C8D182-E4C8-4120-9249-FC9774456FFA}" type="datetimeFigureOut">
               <a:rPr lang="zh-CN" altLang="en-US" smtClean="0"/>
-              <a:t>2020/7/22</a:t>
+              <a:t>2020/7/23</a:t>
             </a:fld>
             <a:endParaRPr lang="zh-CN" altLang="en-US"/>
           </a:p>
@@ -838,7 +840,7 @@
           <a:p>
             <a:fld id="{85D0DACE-38E0-42D2-9336-2B707D34BC6D}" type="slidenum">
               <a:rPr lang="zh-CN" altLang="en-US" smtClean="0"/>
-              <a:t>21</a:t>
+              <a:t>23</a:t>
             </a:fld>
             <a:endParaRPr lang="zh-CN" altLang="en-US"/>
           </a:p>
@@ -917,7 +919,7 @@
           <a:p>
             <a:fld id="{85D0DACE-38E0-42D2-9336-2B707D34BC6D}" type="slidenum">
               <a:rPr lang="zh-CN" altLang="en-US" smtClean="0"/>
-              <a:t>31</a:t>
+              <a:t>33</a:t>
             </a:fld>
             <a:endParaRPr lang="zh-CN" altLang="en-US"/>
           </a:p>
@@ -1001,7 +1003,7 @@
           <a:p>
             <a:fld id="{85D0DACE-38E0-42D2-9336-2B707D34BC6D}" type="slidenum">
               <a:rPr lang="zh-CN" altLang="en-US" smtClean="0"/>
-              <a:t>34</a:t>
+              <a:t>36</a:t>
             </a:fld>
             <a:endParaRPr lang="zh-CN" altLang="en-US"/>
           </a:p>
@@ -1085,7 +1087,7 @@
           <a:p>
             <a:fld id="{85D0DACE-38E0-42D2-9336-2B707D34BC6D}" type="slidenum">
               <a:rPr lang="zh-CN" altLang="en-US" smtClean="0"/>
-              <a:t>35</a:t>
+              <a:t>37</a:t>
             </a:fld>
             <a:endParaRPr lang="zh-CN" altLang="en-US"/>
           </a:p>
@@ -1169,7 +1171,7 @@
           <a:p>
             <a:fld id="{85D0DACE-38E0-42D2-9336-2B707D34BC6D}" type="slidenum">
               <a:rPr lang="zh-CN" altLang="en-US" smtClean="0"/>
-              <a:t>36</a:t>
+              <a:t>38</a:t>
             </a:fld>
             <a:endParaRPr lang="zh-CN" altLang="en-US"/>
           </a:p>
@@ -1564,7 +1566,7 @@
           <a:p>
             <a:fld id="{85D0DACE-38E0-42D2-9336-2B707D34BC6D}" type="slidenum">
               <a:rPr lang="zh-CN" altLang="en-US" smtClean="0"/>
-              <a:t>11</a:t>
+              <a:t>12</a:t>
             </a:fld>
             <a:endParaRPr lang="zh-CN" altLang="en-US"/>
           </a:p>
@@ -1643,7 +1645,7 @@
           <a:p>
             <a:fld id="{85D0DACE-38E0-42D2-9336-2B707D34BC6D}" type="slidenum">
               <a:rPr lang="zh-CN" altLang="en-US" smtClean="0"/>
-              <a:t>14</a:t>
+              <a:t>16</a:t>
             </a:fld>
             <a:endParaRPr lang="zh-CN" altLang="en-US"/>
           </a:p>
@@ -1722,7 +1724,7 @@
           <a:p>
             <a:fld id="{85D0DACE-38E0-42D2-9336-2B707D34BC6D}" type="slidenum">
               <a:rPr lang="zh-CN" altLang="en-US" smtClean="0"/>
-              <a:t>18</a:t>
+              <a:t>20</a:t>
             </a:fld>
             <a:endParaRPr lang="zh-CN" altLang="en-US"/>
           </a:p>
@@ -1806,7 +1808,7 @@
           <a:p>
             <a:fld id="{85D0DACE-38E0-42D2-9336-2B707D34BC6D}" type="slidenum">
               <a:rPr lang="zh-CN" altLang="en-US" smtClean="0"/>
-              <a:t>20</a:t>
+              <a:t>22</a:t>
             </a:fld>
             <a:endParaRPr lang="zh-CN" altLang="en-US"/>
           </a:p>
@@ -1971,7 +1973,7 @@
           <a:p>
             <a:fld id="{760FBDFE-C587-4B4C-A407-44438C67B59E}" type="datetimeFigureOut">
               <a:rPr lang="zh-CN" altLang="en-US" smtClean="0"/>
-              <a:t>2020/7/22</a:t>
+              <a:t>2020/7/23</a:t>
             </a:fld>
             <a:endParaRPr lang="zh-CN" altLang="en-US"/>
           </a:p>
@@ -2061,7 +2063,7 @@
           <a:p>
             <a:fld id="{760FBDFE-C587-4B4C-A407-44438C67B59E}" type="datetimeFigureOut">
               <a:rPr lang="zh-CN" altLang="en-US" smtClean="0"/>
-              <a:t>2020/7/22</a:t>
+              <a:t>2020/7/23</a:t>
             </a:fld>
             <a:endParaRPr lang="zh-CN" altLang="en-US"/>
           </a:p>
@@ -2331,7 +2333,7 @@
           <a:p>
             <a:fld id="{760FBDFE-C587-4B4C-A407-44438C67B59E}" type="datetimeFigureOut">
               <a:rPr lang="zh-CN" altLang="en-US" smtClean="0"/>
-              <a:t>2020/7/22</a:t>
+              <a:t>2020/7/23</a:t>
             </a:fld>
             <a:endParaRPr lang="zh-CN" altLang="en-US"/>
           </a:p>
@@ -2687,7 +2689,7 @@
           <a:p>
             <a:fld id="{760FBDFE-C587-4B4C-A407-44438C67B59E}" type="datetimeFigureOut">
               <a:rPr lang="zh-CN" altLang="en-US" smtClean="0"/>
-              <a:t>2020/7/22</a:t>
+              <a:t>2020/7/23</a:t>
             </a:fld>
             <a:endParaRPr lang="zh-CN" altLang="en-US"/>
           </a:p>
@@ -2961,7 +2963,7 @@
           <a:p>
             <a:fld id="{760FBDFE-C587-4B4C-A407-44438C67B59E}" type="datetimeFigureOut">
               <a:rPr lang="zh-CN" altLang="en-US" smtClean="0"/>
-              <a:t>2020/7/22</a:t>
+              <a:t>2020/7/23</a:t>
             </a:fld>
             <a:endParaRPr lang="zh-CN" altLang="en-US"/>
           </a:p>
@@ -3429,7 +3431,7 @@
           <a:p>
             <a:fld id="{760FBDFE-C587-4B4C-A407-44438C67B59E}" type="datetimeFigureOut">
               <a:rPr lang="zh-CN" altLang="en-US" smtClean="0"/>
-              <a:t>2020/7/22</a:t>
+              <a:t>2020/7/23</a:t>
             </a:fld>
             <a:endParaRPr lang="zh-CN" altLang="en-US"/>
           </a:p>
@@ -4162,7 +4164,7 @@
           <a:p>
             <a:fld id="{760FBDFE-C587-4B4C-A407-44438C67B59E}" type="datetimeFigureOut">
               <a:rPr lang="zh-CN" altLang="en-US" smtClean="0"/>
-              <a:t>2020/7/22</a:t>
+              <a:t>2020/7/23</a:t>
             </a:fld>
             <a:endParaRPr lang="zh-CN" altLang="en-US"/>
           </a:p>
@@ -4308,7 +4310,7 @@
           <a:p>
             <a:fld id="{760FBDFE-C587-4B4C-A407-44438C67B59E}" type="datetimeFigureOut">
               <a:rPr lang="zh-CN" altLang="en-US" smtClean="0"/>
-              <a:t>2020/7/22</a:t>
+              <a:t>2020/7/23</a:t>
             </a:fld>
             <a:endParaRPr lang="zh-CN" altLang="en-US"/>
           </a:p>
@@ -4407,7 +4409,7 @@
           <a:p>
             <a:fld id="{760FBDFE-C587-4B4C-A407-44438C67B59E}" type="datetimeFigureOut">
               <a:rPr lang="zh-CN" altLang="en-US" smtClean="0"/>
-              <a:t>2020/7/22</a:t>
+              <a:t>2020/7/23</a:t>
             </a:fld>
             <a:endParaRPr lang="zh-CN" altLang="en-US"/>
           </a:p>
@@ -4722,7 +4724,7 @@
           <a:p>
             <a:fld id="{9EFD9D74-47D9-4702-A33C-335B63B48DBF}" type="datetimeFigureOut">
               <a:rPr lang="zh-CN" altLang="en-US" smtClean="0"/>
-              <a:t>2020/7/22</a:t>
+              <a:t>2020/7/23</a:t>
             </a:fld>
             <a:endParaRPr lang="zh-CN" altLang="en-US" dirty="0"/>
           </a:p>
@@ -5011,7 +5013,7 @@
           <a:p>
             <a:fld id="{760FBDFE-C587-4B4C-A407-44438C67B59E}" type="datetimeFigureOut">
               <a:rPr lang="zh-CN" altLang="en-US" smtClean="0"/>
-              <a:t>2020/7/22</a:t>
+              <a:t>2020/7/23</a:t>
             </a:fld>
             <a:endParaRPr lang="zh-CN" altLang="en-US"/>
           </a:p>
@@ -5257,7 +5259,7 @@
           <a:p>
             <a:fld id="{760FBDFE-C587-4B4C-A407-44438C67B59E}" type="datetimeFigureOut">
               <a:rPr lang="zh-CN" altLang="en-US" smtClean="0"/>
-              <a:t>2020/7/22</a:t>
+              <a:t>2020/7/23</a:t>
             </a:fld>
             <a:endParaRPr lang="zh-CN" altLang="en-US"/>
           </a:p>
@@ -5350,7 +5352,7 @@
           <a:p>
             <a:fld id="{760FBDFE-C587-4B4C-A407-44438C67B59E}" type="datetimeFigureOut">
               <a:rPr lang="zh-CN" altLang="en-US" smtClean="0"/>
-              <a:t>2020/7/22</a:t>
+              <a:t>2020/7/23</a:t>
             </a:fld>
             <a:endParaRPr lang="zh-CN" altLang="en-US"/>
           </a:p>
@@ -5559,7 +5561,7 @@
           <a:p>
             <a:fld id="{760FBDFE-C587-4B4C-A407-44438C67B59E}" type="datetimeFigureOut">
               <a:rPr lang="zh-CN" altLang="en-US" smtClean="0"/>
-              <a:t>2020/7/22</a:t>
+              <a:t>2020/7/23</a:t>
             </a:fld>
             <a:endParaRPr lang="zh-CN" altLang="en-US"/>
           </a:p>
@@ -5874,7 +5876,7 @@
           <a:p>
             <a:fld id="{760FBDFE-C587-4B4C-A407-44438C67B59E}" type="datetimeFigureOut">
               <a:rPr lang="zh-CN" altLang="en-US" smtClean="0"/>
-              <a:t>2020/7/22</a:t>
+              <a:t>2020/7/23</a:t>
             </a:fld>
             <a:endParaRPr lang="zh-CN" altLang="en-US"/>
           </a:p>
@@ -6253,7 +6255,7 @@
           <a:p>
             <a:fld id="{760FBDFE-C587-4B4C-A407-44438C67B59E}" type="datetimeFigureOut">
               <a:rPr lang="zh-CN" altLang="en-US" smtClean="0"/>
-              <a:t>2020/7/22</a:t>
+              <a:t>2020/7/23</a:t>
             </a:fld>
             <a:endParaRPr lang="zh-CN" altLang="en-US"/>
           </a:p>
@@ -6612,7 +6614,7 @@
           <a:p>
             <a:fld id="{760FBDFE-C587-4B4C-A407-44438C67B59E}" type="datetimeFigureOut">
               <a:rPr lang="zh-CN" altLang="en-US" smtClean="0"/>
-              <a:t>2020/7/22</a:t>
+              <a:t>2020/7/23</a:t>
             </a:fld>
             <a:endParaRPr lang="zh-CN" altLang="en-US"/>
           </a:p>
@@ -6743,7 +6745,7 @@
           <a:p>
             <a:fld id="{760FBDFE-C587-4B4C-A407-44438C67B59E}" type="datetimeFigureOut">
               <a:rPr lang="zh-CN" altLang="en-US" smtClean="0"/>
-              <a:t>2020/7/22</a:t>
+              <a:t>2020/7/23</a:t>
             </a:fld>
             <a:endParaRPr lang="zh-CN" altLang="en-US"/>
           </a:p>
@@ -6833,7 +6835,7 @@
           <a:p>
             <a:fld id="{760FBDFE-C587-4B4C-A407-44438C67B59E}" type="datetimeFigureOut">
               <a:rPr lang="zh-CN" altLang="en-US" smtClean="0"/>
-              <a:t>2020/7/22</a:t>
+              <a:t>2020/7/23</a:t>
             </a:fld>
             <a:endParaRPr lang="zh-CN" altLang="en-US"/>
           </a:p>
@@ -7095,7 +7097,7 @@
           <a:p>
             <a:fld id="{9EFD9D74-47D9-4702-A33C-335B63B48DBF}" type="datetimeFigureOut">
               <a:rPr lang="zh-CN" altLang="en-US" smtClean="0"/>
-              <a:t>2020/7/22</a:t>
+              <a:t>2020/7/23</a:t>
             </a:fld>
             <a:endParaRPr lang="zh-CN" altLang="en-US" dirty="0"/>
           </a:p>
@@ -7304,7 +7306,7 @@
           <a:p>
             <a:fld id="{760FBDFE-C587-4B4C-A407-44438C67B59E}" type="datetimeFigureOut">
               <a:rPr lang="zh-CN" altLang="en-US" smtClean="0"/>
-              <a:t>2020/7/22</a:t>
+              <a:t>2020/7/23</a:t>
             </a:fld>
             <a:endParaRPr lang="zh-CN" altLang="en-US"/>
           </a:p>
@@ -7531,7 +7533,7 @@
           <a:p>
             <a:fld id="{760FBDFE-C587-4B4C-A407-44438C67B59E}" type="datetimeFigureOut">
               <a:rPr lang="zh-CN" altLang="en-US" smtClean="0"/>
-              <a:t>2020/7/22</a:t>
+              <a:t>2020/7/23</a:t>
             </a:fld>
             <a:endParaRPr lang="zh-CN" altLang="en-US"/>
           </a:p>
@@ -8133,7 +8135,7 @@
           <a:p>
             <a:fld id="{760FBDFE-C587-4B4C-A407-44438C67B59E}" type="datetimeFigureOut">
               <a:rPr lang="zh-CN" altLang="en-US" smtClean="0"/>
-              <a:t>2020/7/22</a:t>
+              <a:t>2020/7/23</a:t>
             </a:fld>
             <a:endParaRPr lang="zh-CN" altLang="en-US"/>
           </a:p>
@@ -8648,11 +8650,7 @@
             </a:r>
             <a:r>
               <a:rPr lang="zh-CN" altLang="en-US" dirty="0" smtClean="0"/>
-              <a:t>的游戏</a:t>
-            </a:r>
-            <a:r>
-              <a:rPr lang="zh-CN" altLang="en-US" dirty="0" smtClean="0"/>
-              <a:t>服务器终极解决</a:t>
+              <a:t>的游戏服务器终极解决</a:t>
             </a:r>
             <a:r>
               <a:rPr lang="zh-CN" altLang="en-US" dirty="0"/>
@@ -8959,8 +8957,12 @@
               <a:t>:</a:t>
             </a:r>
             <a:r>
+              <a:rPr lang="zh-CN" altLang="en-US" dirty="0"/>
+              <a:t>任务</a:t>
+            </a:r>
+            <a:r>
               <a:rPr lang="zh-CN" altLang="en-US" dirty="0" smtClean="0"/>
-              <a:t>成就模块</a:t>
+              <a:t>模块</a:t>
             </a:r>
             <a:endParaRPr lang="zh-CN" altLang="en-US" dirty="0"/>
           </a:p>
@@ -8968,7 +8970,7 @@
       </p:sp>
       <p:pic>
         <p:nvPicPr>
-          <p:cNvPr id="3" name="图片 2"/>
+          <p:cNvPr id="4" name="图片 3"/>
           <p:cNvPicPr>
             <a:picLocks noChangeAspect="1"/>
           </p:cNvPicPr>
@@ -8982,8 +8984,8 @@
         </p:blipFill>
         <p:spPr>
           <a:xfrm>
-            <a:off x="751936" y="1801265"/>
-            <a:ext cx="9571428" cy="3838095"/>
+            <a:off x="669600" y="1185515"/>
+            <a:ext cx="8714286" cy="5247619"/>
           </a:xfrm>
           <a:prstGeom prst="rect">
             <a:avLst/>
@@ -9030,6 +9032,60 @@
           <a:chExt cx="0" cy="0"/>
         </a:xfrm>
       </p:grpSpPr>
+      <p:pic>
+        <p:nvPicPr>
+          <p:cNvPr id="4" name="图片 3"/>
+          <p:cNvPicPr>
+            <a:picLocks noChangeAspect="1"/>
+          </p:cNvPicPr>
+          <p:nvPr/>
+        </p:nvPicPr>
+        <p:blipFill>
+          <a:blip r:embed="rId2"/>
+          <a:stretch>
+            <a:fillRect/>
+          </a:stretch>
+        </p:blipFill>
+        <p:spPr>
+          <a:xfrm>
+            <a:off x="775149" y="303758"/>
+            <a:ext cx="10123809" cy="6266667"/>
+          </a:xfrm>
+          <a:prstGeom prst="rect">
+            <a:avLst/>
+          </a:prstGeom>
+        </p:spPr>
+      </p:pic>
+    </p:spTree>
+    <p:extLst>
+      <p:ext uri="{BB962C8B-B14F-4D97-AF65-F5344CB8AC3E}">
+        <p14:creationId xmlns:p14="http://schemas.microsoft.com/office/powerpoint/2010/main" val="3592230589"/>
+      </p:ext>
+    </p:extLst>
+  </p:cSld>
+  <p:clrMapOvr>
+    <a:masterClrMapping/>
+  </p:clrMapOvr>
+</p:sld>
+</file>
+
+<file path=ppt/slides/slide12.xml><?xml version="1.0" encoding="utf-8"?>
+<p:sld xmlns:a="http://schemas.openxmlformats.org/drawingml/2006/main" xmlns:r="http://schemas.openxmlformats.org/officeDocument/2006/relationships" xmlns:p="http://schemas.openxmlformats.org/presentationml/2006/main">
+  <p:cSld>
+    <p:spTree>
+      <p:nvGrpSpPr>
+        <p:cNvPr id="1" name=""/>
+        <p:cNvGrpSpPr/>
+        <p:nvPr/>
+      </p:nvGrpSpPr>
+      <p:grpSpPr>
+        <a:xfrm>
+          <a:off x="0" y="0"/>
+          <a:ext cx="0" cy="0"/>
+          <a:chOff x="0" y="0"/>
+          <a:chExt cx="0" cy="0"/>
+        </a:xfrm>
+      </p:grpSpPr>
       <p:sp>
         <p:nvSpPr>
           <p:cNvPr id="27" name="文本框 26"/>
@@ -9598,130 +9654,6 @@
               <a:t>功能模块插件</a:t>
             </a:r>
             <a:endParaRPr lang="zh-CN" altLang="en-US" sz="1800" dirty="0"/>
-          </a:p>
-        </p:txBody>
-      </p:sp>
-    </p:spTree>
-    <p:custDataLst>
-      <p:tags r:id="rId1"/>
-    </p:custDataLst>
-  </p:cSld>
-  <p:clrMapOvr>
-    <a:masterClrMapping/>
-  </p:clrMapOvr>
-  <p:timing>
-    <p:tnLst>
-      <p:par>
-        <p:cTn id="1" dur="indefinite" restart="never" nodeType="tmRoot"/>
-      </p:par>
-    </p:tnLst>
-  </p:timing>
-</p:sld>
-</file>
-
-<file path=ppt/slides/slide12.xml><?xml version="1.0" encoding="utf-8"?>
-<p:sld xmlns:a="http://schemas.openxmlformats.org/drawingml/2006/main" xmlns:r="http://schemas.openxmlformats.org/officeDocument/2006/relationships" xmlns:p="http://schemas.openxmlformats.org/presentationml/2006/main">
-  <p:cSld>
-    <p:spTree>
-      <p:nvGrpSpPr>
-        <p:cNvPr id="1" name=""/>
-        <p:cNvGrpSpPr/>
-        <p:nvPr/>
-      </p:nvGrpSpPr>
-      <p:grpSpPr>
-        <a:xfrm>
-          <a:off x="0" y="0"/>
-          <a:ext cx="0" cy="0"/>
-          <a:chOff x="0" y="0"/>
-          <a:chExt cx="0" cy="0"/>
-        </a:xfrm>
-      </p:grpSpPr>
-      <p:pic>
-        <p:nvPicPr>
-          <p:cNvPr id="2" name="内容占位符 1"/>
-          <p:cNvPicPr>
-            <a:picLocks noGrp="1" noChangeAspect="1"/>
-          </p:cNvPicPr>
-          <p:nvPr>
-            <p:ph idx="1"/>
-          </p:nvPr>
-        </p:nvPicPr>
-        <p:blipFill>
-          <a:blip r:embed="rId4"/>
-          <a:stretch>
-            <a:fillRect/>
-          </a:stretch>
-        </p:blipFill>
-        <p:spPr>
-          <a:xfrm>
-            <a:off x="983926" y="1913165"/>
-            <a:ext cx="7514286" cy="3638095"/>
-          </a:xfrm>
-          <a:prstGeom prst="rect">
-            <a:avLst/>
-          </a:prstGeom>
-        </p:spPr>
-      </p:pic>
-      <p:sp>
-        <p:nvSpPr>
-          <p:cNvPr id="27" name="文本框 26"/>
-          <p:cNvSpPr txBox="1"/>
-          <p:nvPr>
-            <p:custDataLst>
-              <p:tags r:id="rId2"/>
-            </p:custDataLst>
-          </p:nvPr>
-        </p:nvSpPr>
-        <p:spPr>
-          <a:xfrm>
-            <a:off x="669600" y="462480"/>
-            <a:ext cx="10854000" cy="924360"/>
-          </a:xfrm>
-          <a:prstGeom prst="rect">
-            <a:avLst/>
-          </a:prstGeom>
-        </p:spPr>
-        <p:txBody>
-          <a:bodyPr vert="horz" lIns="101600" tIns="38100" rIns="76200" bIns="38100" rtlCol="0" anchor="ctr" anchorCtr="0">
-            <a:noAutofit/>
-          </a:bodyPr>
-          <a:lstStyle>
-            <a:defPPr>
-              <a:defRPr lang="zh-CN"/>
-            </a:defPPr>
-            <a:lvl1pPr marR="0" fontAlgn="auto">
-              <a:lnSpc>
-                <a:spcPct val="100000"/>
-              </a:lnSpc>
-              <a:spcBef>
-                <a:spcPct val="0"/>
-              </a:spcBef>
-              <a:buNone/>
-              <a:defRPr kumimoji="0" lang="zh-CN" altLang="en-US" sz="2800" b="1" i="0" u="none" strike="noStrike" cap="none" spc="200" normalizeH="0" baseline="0" noProof="1" dirty="0">
-                <a:uFillTx/>
-                <a:latin typeface="+mj-lt"/>
-                <a:ea typeface="+mj-ea"/>
-                <a:cs typeface="+mj-cs"/>
-                <a:sym typeface="+mn-ea"/>
-              </a:defRPr>
-            </a:lvl1pPr>
-          </a:lstStyle>
-          <a:p>
-            <a:r>
-              <a:rPr lang="zh-CN" altLang="en-US" dirty="0" smtClean="0"/>
-              <a:t>下面是数据保存分片进程的启动配置</a:t>
-            </a:r>
-            <a:r>
-              <a:rPr lang="en-US" altLang="zh-CN" dirty="0"/>
-              <a:t>:</a:t>
-            </a:r>
-            <a:r>
-              <a:rPr lang="en-US" altLang="zh-CN" dirty="0" err="1" smtClean="0"/>
-              <a:t>data.shard.startup</a:t>
-            </a:r>
-            <a:endParaRPr dirty="0">
-              <a:sym typeface="+mn-ea"/>
-            </a:endParaRPr>
           </a:p>
         </p:txBody>
       </p:sp>
@@ -9778,8 +9710,8 @@
         </p:blipFill>
         <p:spPr>
           <a:xfrm>
-            <a:off x="836420" y="1703590"/>
-            <a:ext cx="9619048" cy="3238095"/>
+            <a:off x="983926" y="1913165"/>
+            <a:ext cx="7514286" cy="3638095"/>
           </a:xfrm>
           <a:prstGeom prst="rect">
             <a:avLst/>
@@ -9833,15 +9765,15 @@
           <a:p>
             <a:r>
               <a:rPr lang="zh-CN" altLang="en-US" dirty="0" smtClean="0"/>
-              <a:t>公共启动配置</a:t>
-            </a:r>
-            <a:r>
-              <a:rPr lang="en-US" altLang="zh-CN" dirty="0" smtClean="0"/>
+              <a:t>下面是数据保存分片进程的启动配置</a:t>
+            </a:r>
+            <a:r>
+              <a:rPr lang="en-US" altLang="zh-CN" dirty="0"/>
               <a:t>:</a:t>
             </a:r>
             <a:r>
               <a:rPr lang="en-US" altLang="zh-CN" dirty="0" err="1" smtClean="0"/>
-              <a:t>tcpclient.startup</a:t>
+              <a:t>data.shard.startup</a:t>
             </a:r>
             <a:endParaRPr dirty="0">
               <a:sym typeface="+mn-ea"/>
@@ -9853,11 +9785,6 @@
     <p:custDataLst>
       <p:tags r:id="rId1"/>
     </p:custDataLst>
-    <p:extLst>
-      <p:ext uri="{BB962C8B-B14F-4D97-AF65-F5344CB8AC3E}">
-        <p14:creationId xmlns:p14="http://schemas.microsoft.com/office/powerpoint/2010/main" val="2381097431"/>
-      </p:ext>
-    </p:extLst>
   </p:cSld>
   <p:clrMapOvr>
     <a:masterClrMapping/>
@@ -9889,9 +9816,35 @@
           <a:chExt cx="0" cy="0"/>
         </a:xfrm>
       </p:grpSpPr>
-      <p:sp>
-        <p:nvSpPr>
-          <p:cNvPr id="9" name="文本框 4"/>
+      <p:pic>
+        <p:nvPicPr>
+          <p:cNvPr id="2" name="内容占位符 1"/>
+          <p:cNvPicPr>
+            <a:picLocks noGrp="1" noChangeAspect="1"/>
+          </p:cNvPicPr>
+          <p:nvPr>
+            <p:ph idx="1"/>
+          </p:nvPr>
+        </p:nvPicPr>
+        <p:blipFill>
+          <a:blip r:embed="rId4"/>
+          <a:stretch>
+            <a:fillRect/>
+          </a:stretch>
+        </p:blipFill>
+        <p:spPr>
+          <a:xfrm>
+            <a:off x="836420" y="1703590"/>
+            <a:ext cx="9619048" cy="3238095"/>
+          </a:xfrm>
+          <a:prstGeom prst="rect">
+            <a:avLst/>
+          </a:prstGeom>
+        </p:spPr>
+      </p:pic>
+      <p:sp>
+        <p:nvSpPr>
+          <p:cNvPr id="27" name="文本框 26"/>
           <p:cNvSpPr txBox="1"/>
           <p:nvPr>
             <p:custDataLst>
@@ -9901,444 +9854,8 @@
         </p:nvSpPr>
         <p:spPr>
           <a:xfrm>
-            <a:off x="669600" y="1343278"/>
-            <a:ext cx="10074168" cy="4415422"/>
-          </a:xfrm>
-          <a:prstGeom prst="rect">
-            <a:avLst/>
-          </a:prstGeom>
-          <a:noFill/>
-        </p:spPr>
-        <p:txBody>
-          <a:bodyPr wrap="square" lIns="90000" tIns="46800" rIns="90000" bIns="46800" rtlCol="0">
-            <a:normAutofit/>
-          </a:bodyPr>
-          <a:lstStyle>
-            <a:defPPr>
-              <a:defRPr lang="zh-CN"/>
-            </a:defPPr>
-            <a:lvl1pPr marL="0" algn="l" defTabSz="913765" rtl="0" eaLnBrk="1" latinLnBrk="0" hangingPunct="1">
-              <a:defRPr sz="1800" kern="1200">
-                <a:solidFill>
-                  <a:schemeClr val="tx1"/>
-                </a:solidFill>
-                <a:latin typeface="+mn-lt"/>
-                <a:ea typeface="+mn-ea"/>
-                <a:cs typeface="+mn-cs"/>
-              </a:defRPr>
-            </a:lvl1pPr>
-            <a:lvl2pPr marL="457200" algn="l" defTabSz="913765" rtl="0" eaLnBrk="1" latinLnBrk="0" hangingPunct="1">
-              <a:defRPr sz="1800" kern="1200">
-                <a:solidFill>
-                  <a:schemeClr val="tx1"/>
-                </a:solidFill>
-                <a:latin typeface="+mn-lt"/>
-                <a:ea typeface="+mn-ea"/>
-                <a:cs typeface="+mn-cs"/>
-              </a:defRPr>
-            </a:lvl2pPr>
-            <a:lvl3pPr marL="914400" algn="l" defTabSz="913765" rtl="0" eaLnBrk="1" latinLnBrk="0" hangingPunct="1">
-              <a:defRPr sz="1800" kern="1200">
-                <a:solidFill>
-                  <a:schemeClr val="tx1"/>
-                </a:solidFill>
-                <a:latin typeface="+mn-lt"/>
-                <a:ea typeface="+mn-ea"/>
-                <a:cs typeface="+mn-cs"/>
-              </a:defRPr>
-            </a:lvl3pPr>
-            <a:lvl4pPr marL="1371600" algn="l" defTabSz="913765" rtl="0" eaLnBrk="1" latinLnBrk="0" hangingPunct="1">
-              <a:defRPr sz="1800" kern="1200">
-                <a:solidFill>
-                  <a:schemeClr val="tx1"/>
-                </a:solidFill>
-                <a:latin typeface="+mn-lt"/>
-                <a:ea typeface="+mn-ea"/>
-                <a:cs typeface="+mn-cs"/>
-              </a:defRPr>
-            </a:lvl4pPr>
-            <a:lvl5pPr marL="1828800" algn="l" defTabSz="913765" rtl="0" eaLnBrk="1" latinLnBrk="0" hangingPunct="1">
-              <a:defRPr sz="1800" kern="1200">
-                <a:solidFill>
-                  <a:schemeClr val="tx1"/>
-                </a:solidFill>
-                <a:latin typeface="+mn-lt"/>
-                <a:ea typeface="+mn-ea"/>
-                <a:cs typeface="+mn-cs"/>
-              </a:defRPr>
-            </a:lvl5pPr>
-            <a:lvl6pPr marL="2286000" algn="l" defTabSz="913765" rtl="0" eaLnBrk="1" latinLnBrk="0" hangingPunct="1">
-              <a:defRPr sz="1800" kern="1200">
-                <a:solidFill>
-                  <a:schemeClr val="tx1"/>
-                </a:solidFill>
-                <a:latin typeface="+mn-lt"/>
-                <a:ea typeface="+mn-ea"/>
-                <a:cs typeface="+mn-cs"/>
-              </a:defRPr>
-            </a:lvl6pPr>
-            <a:lvl7pPr marL="2743200" algn="l" defTabSz="913765" rtl="0" eaLnBrk="1" latinLnBrk="0" hangingPunct="1">
-              <a:defRPr sz="1800" kern="1200">
-                <a:solidFill>
-                  <a:schemeClr val="tx1"/>
-                </a:solidFill>
-                <a:latin typeface="+mn-lt"/>
-                <a:ea typeface="+mn-ea"/>
-                <a:cs typeface="+mn-cs"/>
-              </a:defRPr>
-            </a:lvl7pPr>
-            <a:lvl8pPr marL="3200400" algn="l" defTabSz="913765" rtl="0" eaLnBrk="1" latinLnBrk="0" hangingPunct="1">
-              <a:defRPr sz="1800" kern="1200">
-                <a:solidFill>
-                  <a:schemeClr val="tx1"/>
-                </a:solidFill>
-                <a:latin typeface="+mn-lt"/>
-                <a:ea typeface="+mn-ea"/>
-                <a:cs typeface="+mn-cs"/>
-              </a:defRPr>
-            </a:lvl8pPr>
-            <a:lvl9pPr marL="3657600" algn="l" defTabSz="913765" rtl="0" eaLnBrk="1" latinLnBrk="0" hangingPunct="1">
-              <a:defRPr sz="1800" kern="1200">
-                <a:solidFill>
-                  <a:schemeClr val="tx1"/>
-                </a:solidFill>
-                <a:latin typeface="+mn-lt"/>
-                <a:ea typeface="+mn-ea"/>
-                <a:cs typeface="+mn-cs"/>
-              </a:defRPr>
-            </a:lvl9pPr>
-          </a:lstStyle>
-          <a:p>
-            <a:pPr marL="285750" indent="-285750">
-              <a:lnSpc>
-                <a:spcPct val="200000"/>
-              </a:lnSpc>
-              <a:buFont typeface="Arial" panose="020B0604020202020204" pitchFamily="34" charset="0"/>
-              <a:buChar char="•"/>
-            </a:pPr>
-            <a:r>
-              <a:rPr lang="zh-CN" altLang="en-US" dirty="0" smtClean="0">
-                <a:solidFill>
-                  <a:srgbClr val="000000"/>
-                </a:solidFill>
-                <a:sym typeface="+mn-ea"/>
-              </a:rPr>
-              <a:t>网络</a:t>
-            </a:r>
-            <a:endParaRPr lang="en-US" altLang="zh-CN" dirty="0" smtClean="0">
-              <a:solidFill>
-                <a:srgbClr val="000000"/>
-              </a:solidFill>
-              <a:sym typeface="+mn-ea"/>
-            </a:endParaRPr>
-          </a:p>
-          <a:p>
-            <a:pPr marL="800100" lvl="1" indent="-342900">
-              <a:lnSpc>
-                <a:spcPct val="200000"/>
-              </a:lnSpc>
-              <a:buFont typeface="+mj-lt"/>
-              <a:buAutoNum type="arabicPeriod"/>
-            </a:pPr>
-            <a:r>
-              <a:rPr lang="zh-CN" altLang="en-US" sz="1600" dirty="0" smtClean="0">
-                <a:solidFill>
-                  <a:srgbClr val="000000"/>
-                </a:solidFill>
-                <a:sym typeface="+mn-ea"/>
-              </a:rPr>
-              <a:t>网络</a:t>
-            </a:r>
-            <a:r>
-              <a:rPr lang="en-US" altLang="zh-CN" sz="1600" dirty="0" smtClean="0">
-                <a:solidFill>
-                  <a:srgbClr val="000000"/>
-                </a:solidFill>
-                <a:sym typeface="+mn-ea"/>
-              </a:rPr>
-              <a:t>TCP</a:t>
-            </a:r>
-            <a:r>
-              <a:rPr lang="zh-CN" altLang="en-US" sz="1600" dirty="0" smtClean="0">
-                <a:solidFill>
-                  <a:srgbClr val="000000"/>
-                </a:solidFill>
-                <a:sym typeface="+mn-ea"/>
-              </a:rPr>
-              <a:t>客户端</a:t>
-            </a:r>
-            <a:r>
-              <a:rPr lang="en-US" altLang="zh-CN" sz="1600" dirty="0" err="1" smtClean="0">
-                <a:solidFill>
-                  <a:srgbClr val="000000"/>
-                </a:solidFill>
-                <a:sym typeface="+mn-ea"/>
-              </a:rPr>
-              <a:t>TcpClient</a:t>
-            </a:r>
-            <a:endParaRPr lang="en-US" altLang="zh-CN" sz="1600" dirty="0">
-              <a:solidFill>
-                <a:srgbClr val="000000"/>
-              </a:solidFill>
-              <a:sym typeface="+mn-ea"/>
-            </a:endParaRPr>
-          </a:p>
-          <a:p>
-            <a:pPr marL="800100" lvl="1" indent="-342900">
-              <a:lnSpc>
-                <a:spcPct val="200000"/>
-              </a:lnSpc>
-              <a:buFont typeface="+mj-lt"/>
-              <a:buAutoNum type="arabicPeriod"/>
-            </a:pPr>
-            <a:r>
-              <a:rPr lang="zh-CN" altLang="en-US" sz="1600" dirty="0" smtClean="0">
-                <a:solidFill>
-                  <a:srgbClr val="000000"/>
-                </a:solidFill>
-                <a:sym typeface="+mn-ea"/>
-              </a:rPr>
-              <a:t>网络</a:t>
-            </a:r>
-            <a:r>
-              <a:rPr lang="en-US" altLang="zh-CN" sz="1600" dirty="0" smtClean="0">
-                <a:solidFill>
-                  <a:srgbClr val="000000"/>
-                </a:solidFill>
-                <a:sym typeface="+mn-ea"/>
-              </a:rPr>
-              <a:t>TCP</a:t>
-            </a:r>
-            <a:r>
-              <a:rPr lang="zh-CN" altLang="en-US" sz="1600" dirty="0" smtClean="0">
-                <a:solidFill>
-                  <a:srgbClr val="000000"/>
-                </a:solidFill>
-                <a:sym typeface="+mn-ea"/>
-              </a:rPr>
-              <a:t>服务器</a:t>
-            </a:r>
-            <a:r>
-              <a:rPr lang="en-US" altLang="zh-CN" sz="1600" dirty="0" err="1" smtClean="0">
-                <a:solidFill>
-                  <a:srgbClr val="000000"/>
-                </a:solidFill>
-                <a:sym typeface="+mn-ea"/>
-              </a:rPr>
-              <a:t>TcpServer</a:t>
-            </a:r>
-            <a:endParaRPr lang="en-US" altLang="zh-CN" sz="1600" dirty="0" smtClean="0">
-              <a:solidFill>
-                <a:srgbClr val="000000"/>
-              </a:solidFill>
-              <a:sym typeface="+mn-ea"/>
-            </a:endParaRPr>
-          </a:p>
-          <a:p>
-            <a:pPr marL="800100" lvl="1" indent="-342900">
-              <a:lnSpc>
-                <a:spcPct val="200000"/>
-              </a:lnSpc>
-              <a:buFont typeface="+mj-lt"/>
-              <a:buAutoNum type="arabicPeriod"/>
-            </a:pPr>
-            <a:r>
-              <a:rPr lang="zh-CN" altLang="en-US" sz="1600" dirty="0" smtClean="0">
-                <a:solidFill>
-                  <a:srgbClr val="000000"/>
-                </a:solidFill>
-                <a:sym typeface="+mn-ea"/>
-              </a:rPr>
-              <a:t>网络消息处理器</a:t>
-            </a:r>
-            <a:r>
-              <a:rPr lang="en-US" altLang="zh-CN" sz="1600" dirty="0" smtClean="0">
-                <a:solidFill>
-                  <a:srgbClr val="000000"/>
-                </a:solidFill>
-                <a:sym typeface="+mn-ea"/>
-              </a:rPr>
-              <a:t>Message</a:t>
-            </a:r>
-          </a:p>
-          <a:p>
-            <a:pPr marL="800100" lvl="1" indent="-342900">
-              <a:lnSpc>
-                <a:spcPct val="200000"/>
-              </a:lnSpc>
-              <a:buFont typeface="+mj-lt"/>
-              <a:buAutoNum type="arabicPeriod"/>
-            </a:pPr>
-            <a:r>
-              <a:rPr lang="zh-CN" altLang="en-US" sz="1600" dirty="0" smtClean="0">
-                <a:solidFill>
-                  <a:srgbClr val="000000"/>
-                </a:solidFill>
-                <a:sym typeface="+mn-ea"/>
-              </a:rPr>
-              <a:t>网络连接关系</a:t>
-            </a:r>
-            <a:r>
-              <a:rPr lang="en-US" altLang="zh-CN" sz="1600" dirty="0" smtClean="0">
-                <a:solidFill>
-                  <a:srgbClr val="000000"/>
-                </a:solidFill>
-                <a:sym typeface="+mn-ea"/>
-              </a:rPr>
-              <a:t>Bus</a:t>
-            </a:r>
-          </a:p>
-          <a:p>
-            <a:pPr marL="800100" lvl="1" indent="-342900">
-              <a:lnSpc>
-                <a:spcPct val="200000"/>
-              </a:lnSpc>
-              <a:buFont typeface="+mj-lt"/>
-              <a:buAutoNum type="arabicPeriod"/>
-            </a:pPr>
-            <a:r>
-              <a:rPr lang="zh-CN" altLang="en-US" sz="1600" dirty="0" smtClean="0">
-                <a:solidFill>
-                  <a:srgbClr val="000000"/>
-                </a:solidFill>
-                <a:sym typeface="+mn-ea"/>
-              </a:rPr>
-              <a:t>网络</a:t>
-            </a:r>
-            <a:r>
-              <a:rPr lang="en-US" altLang="zh-CN" sz="1600" dirty="0" smtClean="0">
-                <a:solidFill>
-                  <a:srgbClr val="000000"/>
-                </a:solidFill>
-                <a:sym typeface="+mn-ea"/>
-              </a:rPr>
-              <a:t>HTTP</a:t>
-            </a:r>
-            <a:r>
-              <a:rPr lang="zh-CN" altLang="en-US" sz="1600" dirty="0" smtClean="0">
-                <a:solidFill>
-                  <a:srgbClr val="000000"/>
-                </a:solidFill>
-                <a:sym typeface="+mn-ea"/>
-              </a:rPr>
-              <a:t>客户端</a:t>
-            </a:r>
-            <a:r>
-              <a:rPr lang="en-US" altLang="zh-CN" sz="1600" dirty="0" err="1" smtClean="0">
-                <a:solidFill>
-                  <a:srgbClr val="000000"/>
-                </a:solidFill>
-                <a:sym typeface="+mn-ea"/>
-              </a:rPr>
-              <a:t>HttpClient</a:t>
-            </a:r>
-            <a:endParaRPr lang="en-US" altLang="zh-CN" sz="1600" dirty="0" smtClean="0">
-              <a:solidFill>
-                <a:srgbClr val="000000"/>
-              </a:solidFill>
-              <a:sym typeface="+mn-ea"/>
-            </a:endParaRPr>
-          </a:p>
-          <a:p>
-            <a:pPr marL="800100" lvl="1" indent="-342900">
-              <a:lnSpc>
-                <a:spcPct val="200000"/>
-              </a:lnSpc>
-              <a:buFont typeface="+mj-lt"/>
-              <a:buAutoNum type="arabicPeriod"/>
-            </a:pPr>
-            <a:r>
-              <a:rPr lang="zh-CN" altLang="en-US" sz="1600" dirty="0" smtClean="0">
-                <a:solidFill>
-                  <a:srgbClr val="000000"/>
-                </a:solidFill>
-                <a:sym typeface="+mn-ea"/>
-              </a:rPr>
-              <a:t>网络</a:t>
-            </a:r>
-            <a:r>
-              <a:rPr lang="en-US" altLang="zh-CN" sz="1600" dirty="0" smtClean="0">
-                <a:solidFill>
-                  <a:srgbClr val="000000"/>
-                </a:solidFill>
-                <a:sym typeface="+mn-ea"/>
-              </a:rPr>
-              <a:t>HTTP</a:t>
-            </a:r>
-            <a:r>
-              <a:rPr lang="zh-CN" altLang="en-US" sz="1600" dirty="0" smtClean="0">
-                <a:solidFill>
-                  <a:srgbClr val="000000"/>
-                </a:solidFill>
-                <a:sym typeface="+mn-ea"/>
-              </a:rPr>
-              <a:t>服务器</a:t>
-            </a:r>
-            <a:r>
-              <a:rPr lang="en-US" altLang="zh-CN" sz="1600" dirty="0" err="1" smtClean="0">
-                <a:solidFill>
-                  <a:srgbClr val="000000"/>
-                </a:solidFill>
-                <a:sym typeface="+mn-ea"/>
-              </a:rPr>
-              <a:t>HttpServer</a:t>
-            </a:r>
-            <a:endParaRPr lang="en-US" altLang="zh-CN" sz="1600" dirty="0" smtClean="0">
-              <a:solidFill>
-                <a:srgbClr val="000000"/>
-              </a:solidFill>
-              <a:sym typeface="+mn-ea"/>
-            </a:endParaRPr>
-          </a:p>
-          <a:p>
-            <a:pPr marL="800100" lvl="1" indent="-342900">
-              <a:lnSpc>
-                <a:spcPct val="200000"/>
-              </a:lnSpc>
-              <a:buFont typeface="+mj-lt"/>
-              <a:buAutoNum type="arabicPeriod"/>
-            </a:pPr>
-            <a:r>
-              <a:rPr lang="zh-CN" altLang="en-US" sz="1600" dirty="0" smtClean="0">
-                <a:solidFill>
-                  <a:srgbClr val="000000"/>
-                </a:solidFill>
-                <a:sym typeface="+mn-ea"/>
-              </a:rPr>
-              <a:t>网络消息路由</a:t>
-            </a:r>
-            <a:r>
-              <a:rPr lang="en-US" altLang="zh-CN" sz="1600" dirty="0" smtClean="0">
-                <a:solidFill>
-                  <a:srgbClr val="000000"/>
-                </a:solidFill>
-                <a:sym typeface="+mn-ea"/>
-              </a:rPr>
-              <a:t>Route</a:t>
-            </a:r>
-            <a:endParaRPr lang="en-US" altLang="zh-CN" sz="1600" dirty="0">
-              <a:solidFill>
-                <a:srgbClr val="000000"/>
-              </a:solidFill>
-              <a:sym typeface="+mn-ea"/>
-            </a:endParaRPr>
-          </a:p>
-        </p:txBody>
-      </p:sp>
-      <p:sp>
-        <p:nvSpPr>
-          <p:cNvPr id="5" name="文本框 4"/>
-          <p:cNvSpPr txBox="1"/>
-          <p:nvPr>
-            <p:custDataLst>
-              <p:tags r:id="rId3"/>
-            </p:custDataLst>
-          </p:nvPr>
-        </p:nvSpPr>
-        <p:spPr>
-          <a:xfrm>
-            <a:off x="669600" y="432000"/>
-            <a:ext cx="10854000" cy="648000"/>
+            <a:off x="669600" y="462480"/>
+            <a:ext cx="10854000" cy="924360"/>
           </a:xfrm>
           <a:prstGeom prst="rect">
             <a:avLst/>
@@ -10371,14 +9888,20 @@
           </a:lstStyle>
           <a:p>
             <a:r>
-              <a:rPr lang="zh-CN" altLang="en-US" dirty="0"/>
-              <a:t>已</a:t>
-            </a:r>
-            <a:r>
               <a:rPr lang="zh-CN" altLang="en-US" dirty="0" smtClean="0"/>
-              <a:t>有的基础模块插件</a:t>
-            </a:r>
-            <a:endParaRPr lang="zh-CN" altLang="en-US" dirty="0"/>
+              <a:t>公共启动配置</a:t>
+            </a:r>
+            <a:r>
+              <a:rPr lang="en-US" altLang="zh-CN" dirty="0" smtClean="0"/>
+              <a:t>:</a:t>
+            </a:r>
+            <a:r>
+              <a:rPr lang="en-US" altLang="zh-CN" dirty="0" err="1" smtClean="0"/>
+              <a:t>tcpclient.startup</a:t>
+            </a:r>
+            <a:endParaRPr dirty="0">
+              <a:sym typeface="+mn-ea"/>
+            </a:endParaRPr>
           </a:p>
         </p:txBody>
       </p:sp>
@@ -10386,6 +9909,11 @@
     <p:custDataLst>
       <p:tags r:id="rId1"/>
     </p:custDataLst>
+    <p:extLst>
+      <p:ext uri="{BB962C8B-B14F-4D97-AF65-F5344CB8AC3E}">
+        <p14:creationId xmlns:p14="http://schemas.microsoft.com/office/powerpoint/2010/main" val="2381097431"/>
+      </p:ext>
+    </p:extLst>
   </p:cSld>
   <p:clrMapOvr>
     <a:masterClrMapping/>
@@ -10419,228 +9947,739 @@
       </p:grpSpPr>
       <p:sp>
         <p:nvSpPr>
-          <p:cNvPr id="2" name="文本框 4"/>
-          <p:cNvSpPr txBox="1"/>
-          <p:nvPr>
-            <p:custDataLst>
-              <p:tags r:id="rId1"/>
-            </p:custDataLst>
-          </p:nvPr>
+          <p:cNvPr id="2" name="矩形 1"/>
+          <p:cNvSpPr/>
+          <p:nvPr/>
         </p:nvSpPr>
         <p:spPr>
           <a:xfrm>
-            <a:off x="669600" y="1343278"/>
-            <a:ext cx="10074168" cy="4415422"/>
+            <a:off x="1205713" y="833480"/>
+            <a:ext cx="9233013" cy="5267915"/>
           </a:xfrm>
           <a:prstGeom prst="rect">
             <a:avLst/>
           </a:prstGeom>
-          <a:noFill/>
         </p:spPr>
-        <p:txBody>
-          <a:bodyPr wrap="square" lIns="90000" tIns="46800" rIns="90000" bIns="46800" rtlCol="0">
-            <a:normAutofit/>
-          </a:bodyPr>
-          <a:lstStyle>
-            <a:defPPr>
-              <a:defRPr lang="zh-CN"/>
-            </a:defPPr>
-            <a:lvl1pPr marL="0" algn="l" defTabSz="913765" rtl="0" eaLnBrk="1" latinLnBrk="0" hangingPunct="1">
-              <a:defRPr sz="1800" kern="1200">
-                <a:solidFill>
-                  <a:schemeClr val="tx1"/>
-                </a:solidFill>
-                <a:latin typeface="+mn-lt"/>
-                <a:ea typeface="+mn-ea"/>
-                <a:cs typeface="+mn-cs"/>
-              </a:defRPr>
-            </a:lvl1pPr>
-            <a:lvl2pPr marL="457200" algn="l" defTabSz="913765" rtl="0" eaLnBrk="1" latinLnBrk="0" hangingPunct="1">
-              <a:defRPr sz="1800" kern="1200">
-                <a:solidFill>
-                  <a:schemeClr val="tx1"/>
-                </a:solidFill>
-                <a:latin typeface="+mn-lt"/>
-                <a:ea typeface="+mn-ea"/>
-                <a:cs typeface="+mn-cs"/>
-              </a:defRPr>
-            </a:lvl2pPr>
-            <a:lvl3pPr marL="914400" algn="l" defTabSz="913765" rtl="0" eaLnBrk="1" latinLnBrk="0" hangingPunct="1">
-              <a:defRPr sz="1800" kern="1200">
-                <a:solidFill>
-                  <a:schemeClr val="tx1"/>
-                </a:solidFill>
-                <a:latin typeface="+mn-lt"/>
-                <a:ea typeface="+mn-ea"/>
-                <a:cs typeface="+mn-cs"/>
-              </a:defRPr>
-            </a:lvl3pPr>
-            <a:lvl4pPr marL="1371600" algn="l" defTabSz="913765" rtl="0" eaLnBrk="1" latinLnBrk="0" hangingPunct="1">
-              <a:defRPr sz="1800" kern="1200">
-                <a:solidFill>
-                  <a:schemeClr val="tx1"/>
-                </a:solidFill>
-                <a:latin typeface="+mn-lt"/>
-                <a:ea typeface="+mn-ea"/>
-                <a:cs typeface="+mn-cs"/>
-              </a:defRPr>
-            </a:lvl4pPr>
-            <a:lvl5pPr marL="1828800" algn="l" defTabSz="913765" rtl="0" eaLnBrk="1" latinLnBrk="0" hangingPunct="1">
-              <a:defRPr sz="1800" kern="1200">
-                <a:solidFill>
-                  <a:schemeClr val="tx1"/>
-                </a:solidFill>
-                <a:latin typeface="+mn-lt"/>
-                <a:ea typeface="+mn-ea"/>
-                <a:cs typeface="+mn-cs"/>
-              </a:defRPr>
-            </a:lvl5pPr>
-            <a:lvl6pPr marL="2286000" algn="l" defTabSz="913765" rtl="0" eaLnBrk="1" latinLnBrk="0" hangingPunct="1">
-              <a:defRPr sz="1800" kern="1200">
-                <a:solidFill>
-                  <a:schemeClr val="tx1"/>
-                </a:solidFill>
-                <a:latin typeface="+mn-lt"/>
-                <a:ea typeface="+mn-ea"/>
-                <a:cs typeface="+mn-cs"/>
-              </a:defRPr>
-            </a:lvl6pPr>
-            <a:lvl7pPr marL="2743200" algn="l" defTabSz="913765" rtl="0" eaLnBrk="1" latinLnBrk="0" hangingPunct="1">
-              <a:defRPr sz="1800" kern="1200">
-                <a:solidFill>
-                  <a:schemeClr val="tx1"/>
-                </a:solidFill>
-                <a:latin typeface="+mn-lt"/>
-                <a:ea typeface="+mn-ea"/>
-                <a:cs typeface="+mn-cs"/>
-              </a:defRPr>
-            </a:lvl7pPr>
-            <a:lvl8pPr marL="3200400" algn="l" defTabSz="913765" rtl="0" eaLnBrk="1" latinLnBrk="0" hangingPunct="1">
-              <a:defRPr sz="1800" kern="1200">
-                <a:solidFill>
-                  <a:schemeClr val="tx1"/>
-                </a:solidFill>
-                <a:latin typeface="+mn-lt"/>
-                <a:ea typeface="+mn-ea"/>
-                <a:cs typeface="+mn-cs"/>
-              </a:defRPr>
-            </a:lvl8pPr>
-            <a:lvl9pPr marL="3657600" algn="l" defTabSz="913765" rtl="0" eaLnBrk="1" latinLnBrk="0" hangingPunct="1">
-              <a:defRPr sz="1800" kern="1200">
-                <a:solidFill>
-                  <a:schemeClr val="tx1"/>
-                </a:solidFill>
-                <a:latin typeface="+mn-lt"/>
-                <a:ea typeface="+mn-ea"/>
-                <a:cs typeface="+mn-cs"/>
-              </a:defRPr>
-            </a:lvl9pPr>
-          </a:lstStyle>
-          <a:p>
-            <a:pPr marL="285750" indent="-285750">
-              <a:lnSpc>
-                <a:spcPct val="200000"/>
-              </a:lnSpc>
-              <a:buFont typeface="Arial" panose="020B0604020202020204" pitchFamily="34" charset="0"/>
-              <a:buChar char="•"/>
-            </a:pPr>
-            <a:r>
-              <a:rPr lang="zh-CN" altLang="en-US" dirty="0" smtClean="0">
-                <a:solidFill>
-                  <a:srgbClr val="000000"/>
-                </a:solidFill>
-                <a:sym typeface="+mn-ea"/>
-              </a:rPr>
-              <a:t>数据库操作</a:t>
-            </a:r>
-            <a:endParaRPr lang="en-US" altLang="zh-CN" dirty="0">
+        <p:style>
+          <a:lnRef idx="2">
+            <a:schemeClr val="accent1">
+              <a:shade val="50000"/>
+            </a:schemeClr>
+          </a:lnRef>
+          <a:fillRef idx="1">
+            <a:schemeClr val="accent1"/>
+          </a:fillRef>
+          <a:effectRef idx="0">
+            <a:schemeClr val="accent1"/>
+          </a:effectRef>
+          <a:fontRef idx="minor">
+            <a:schemeClr val="lt1"/>
+          </a:fontRef>
+        </p:style>
+        <p:txBody>
+          <a:bodyPr rtlCol="0" anchor="ctr"/>
+          <a:lstStyle/>
+          <a:p>
+            <a:pPr algn="ctr"/>
+            <a:endParaRPr lang="zh-CN" altLang="en-US" b="1">
+              <a:ln w="22225">
+                <a:solidFill>
+                  <a:schemeClr val="accent2"/>
+                </a:solidFill>
+                <a:prstDash val="solid"/>
+              </a:ln>
               <a:solidFill>
-                <a:srgbClr val="000000"/>
+                <a:schemeClr val="accent2">
+                  <a:lumMod val="40000"/>
+                  <a:lumOff val="60000"/>
+                </a:schemeClr>
               </a:solidFill>
-              <a:sym typeface="+mn-ea"/>
             </a:endParaRPr>
           </a:p>
-          <a:p>
-            <a:pPr marL="800100" lvl="1" indent="-342900">
-              <a:lnSpc>
-                <a:spcPct val="200000"/>
-              </a:lnSpc>
-              <a:buFont typeface="+mj-lt"/>
-              <a:buAutoNum type="arabicPeriod"/>
-            </a:pPr>
-            <a:r>
-              <a:rPr lang="en-US" altLang="zh-CN" dirty="0" err="1" smtClean="0">
-                <a:solidFill>
-                  <a:srgbClr val="000000"/>
-                </a:solidFill>
-                <a:sym typeface="+mn-ea"/>
-              </a:rPr>
+        </p:txBody>
+      </p:sp>
+      <p:sp>
+        <p:nvSpPr>
+          <p:cNvPr id="3" name="圆角矩形 2"/>
+          <p:cNvSpPr/>
+          <p:nvPr/>
+        </p:nvSpPr>
+        <p:spPr>
+          <a:xfrm>
+            <a:off x="1586038" y="4830945"/>
+            <a:ext cx="1278542" cy="631179"/>
+          </a:xfrm>
+          <a:prstGeom prst="roundRect">
+            <a:avLst/>
+          </a:prstGeom>
+          <a:solidFill>
+            <a:schemeClr val="accent2"/>
+          </a:solidFill>
+        </p:spPr>
+        <p:style>
+          <a:lnRef idx="2">
+            <a:schemeClr val="accent2">
+              <a:shade val="50000"/>
+            </a:schemeClr>
+          </a:lnRef>
+          <a:fillRef idx="1">
+            <a:schemeClr val="accent2"/>
+          </a:fillRef>
+          <a:effectRef idx="0">
+            <a:schemeClr val="accent2"/>
+          </a:effectRef>
+          <a:fontRef idx="minor">
+            <a:schemeClr val="lt1"/>
+          </a:fontRef>
+        </p:style>
+        <p:txBody>
+          <a:bodyPr rtlCol="0" anchor="ctr"/>
+          <a:lstStyle/>
+          <a:p>
+            <a:pPr algn="ctr"/>
+            <a:r>
+              <a:rPr lang="en-US" altLang="zh-CN" dirty="0" err="1" smtClean="0"/>
+              <a:t>HttpClient</a:t>
+            </a:r>
+            <a:endParaRPr lang="zh-CN" altLang="en-US" dirty="0"/>
+          </a:p>
+        </p:txBody>
+      </p:sp>
+      <p:sp>
+        <p:nvSpPr>
+          <p:cNvPr id="4" name="圆角矩形 3"/>
+          <p:cNvSpPr/>
+          <p:nvPr/>
+        </p:nvSpPr>
+        <p:spPr>
+          <a:xfrm>
+            <a:off x="3299355" y="4825539"/>
+            <a:ext cx="1278542" cy="631179"/>
+          </a:xfrm>
+          <a:prstGeom prst="roundRect">
+            <a:avLst/>
+          </a:prstGeom>
+          <a:solidFill>
+            <a:schemeClr val="accent2"/>
+          </a:solidFill>
+        </p:spPr>
+        <p:style>
+          <a:lnRef idx="2">
+            <a:schemeClr val="accent2">
+              <a:shade val="50000"/>
+            </a:schemeClr>
+          </a:lnRef>
+          <a:fillRef idx="1">
+            <a:schemeClr val="accent2"/>
+          </a:fillRef>
+          <a:effectRef idx="0">
+            <a:schemeClr val="accent2"/>
+          </a:effectRef>
+          <a:fontRef idx="minor">
+            <a:schemeClr val="lt1"/>
+          </a:fontRef>
+        </p:style>
+        <p:txBody>
+          <a:bodyPr rtlCol="0" anchor="ctr"/>
+          <a:lstStyle/>
+          <a:p>
+            <a:pPr algn="ctr"/>
+            <a:r>
+              <a:rPr lang="en-US" altLang="zh-CN" dirty="0" err="1" smtClean="0"/>
+              <a:t>TcpClient</a:t>
+            </a:r>
+            <a:endParaRPr lang="en-US" altLang="zh-CN" dirty="0" smtClean="0"/>
+          </a:p>
+        </p:txBody>
+      </p:sp>
+      <p:sp>
+        <p:nvSpPr>
+          <p:cNvPr id="5" name="圆角矩形 4"/>
+          <p:cNvSpPr/>
+          <p:nvPr/>
+        </p:nvSpPr>
+        <p:spPr>
+          <a:xfrm>
+            <a:off x="4980979" y="4830944"/>
+            <a:ext cx="1278542" cy="631179"/>
+          </a:xfrm>
+          <a:prstGeom prst="roundRect">
+            <a:avLst/>
+          </a:prstGeom>
+          <a:solidFill>
+            <a:schemeClr val="accent2"/>
+          </a:solidFill>
+        </p:spPr>
+        <p:style>
+          <a:lnRef idx="2">
+            <a:schemeClr val="accent2">
+              <a:shade val="50000"/>
+            </a:schemeClr>
+          </a:lnRef>
+          <a:fillRef idx="1">
+            <a:schemeClr val="accent2"/>
+          </a:fillRef>
+          <a:effectRef idx="0">
+            <a:schemeClr val="accent2"/>
+          </a:effectRef>
+          <a:fontRef idx="minor">
+            <a:schemeClr val="lt1"/>
+          </a:fontRef>
+        </p:style>
+        <p:txBody>
+          <a:bodyPr rtlCol="0" anchor="ctr"/>
+          <a:lstStyle/>
+          <a:p>
+            <a:pPr algn="ctr"/>
+            <a:r>
+              <a:rPr lang="en-US" altLang="zh-CN" dirty="0" smtClean="0"/>
+              <a:t>Message</a:t>
+            </a:r>
+          </a:p>
+        </p:txBody>
+      </p:sp>
+      <p:sp>
+        <p:nvSpPr>
+          <p:cNvPr id="6" name="圆角矩形 5"/>
+          <p:cNvSpPr/>
+          <p:nvPr/>
+        </p:nvSpPr>
+        <p:spPr>
+          <a:xfrm>
+            <a:off x="6679635" y="4830944"/>
+            <a:ext cx="1278542" cy="631179"/>
+          </a:xfrm>
+          <a:prstGeom prst="roundRect">
+            <a:avLst/>
+          </a:prstGeom>
+          <a:solidFill>
+            <a:schemeClr val="accent2"/>
+          </a:solidFill>
+        </p:spPr>
+        <p:style>
+          <a:lnRef idx="2">
+            <a:schemeClr val="accent2">
+              <a:shade val="50000"/>
+            </a:schemeClr>
+          </a:lnRef>
+          <a:fillRef idx="1">
+            <a:schemeClr val="accent2"/>
+          </a:fillRef>
+          <a:effectRef idx="0">
+            <a:schemeClr val="accent2"/>
+          </a:effectRef>
+          <a:fontRef idx="minor">
+            <a:schemeClr val="lt1"/>
+          </a:fontRef>
+        </p:style>
+        <p:txBody>
+          <a:bodyPr rtlCol="0" anchor="ctr"/>
+          <a:lstStyle/>
+          <a:p>
+            <a:pPr algn="ctr"/>
+            <a:r>
+              <a:rPr lang="en-US" altLang="zh-CN" dirty="0" smtClean="0"/>
+              <a:t>Buss</a:t>
+            </a:r>
+          </a:p>
+        </p:txBody>
+      </p:sp>
+      <p:sp>
+        <p:nvSpPr>
+          <p:cNvPr id="7" name="圆角矩形 6"/>
+          <p:cNvSpPr/>
+          <p:nvPr/>
+        </p:nvSpPr>
+        <p:spPr>
+          <a:xfrm>
+            <a:off x="8702983" y="4876292"/>
+            <a:ext cx="1278542" cy="631179"/>
+          </a:xfrm>
+          <a:prstGeom prst="roundRect">
+            <a:avLst/>
+          </a:prstGeom>
+          <a:solidFill>
+            <a:schemeClr val="accent2"/>
+          </a:solidFill>
+        </p:spPr>
+        <p:style>
+          <a:lnRef idx="2">
+            <a:schemeClr val="accent2">
+              <a:shade val="50000"/>
+            </a:schemeClr>
+          </a:lnRef>
+          <a:fillRef idx="1">
+            <a:schemeClr val="accent2"/>
+          </a:fillRef>
+          <a:effectRef idx="0">
+            <a:schemeClr val="accent2"/>
+          </a:effectRef>
+          <a:fontRef idx="minor">
+            <a:schemeClr val="lt1"/>
+          </a:fontRef>
+        </p:style>
+        <p:txBody>
+          <a:bodyPr rtlCol="0" anchor="ctr"/>
+          <a:lstStyle/>
+          <a:p>
+            <a:pPr algn="ctr"/>
+            <a:r>
+              <a:rPr lang="en-US" altLang="zh-CN" dirty="0" err="1" smtClean="0"/>
+              <a:t>IpAddress</a:t>
+            </a:r>
+            <a:endParaRPr lang="en-US" altLang="zh-CN" dirty="0" smtClean="0"/>
+          </a:p>
+        </p:txBody>
+      </p:sp>
+      <p:sp>
+        <p:nvSpPr>
+          <p:cNvPr id="10" name="圆角矩形 9"/>
+          <p:cNvSpPr/>
+          <p:nvPr/>
+        </p:nvSpPr>
+        <p:spPr>
+          <a:xfrm>
+            <a:off x="1586038" y="2741177"/>
+            <a:ext cx="1352719" cy="608251"/>
+          </a:xfrm>
+          <a:prstGeom prst="roundRect">
+            <a:avLst/>
+          </a:prstGeom>
+        </p:spPr>
+        <p:style>
+          <a:lnRef idx="3">
+            <a:schemeClr val="lt1"/>
+          </a:lnRef>
+          <a:fillRef idx="1">
+            <a:schemeClr val="accent6"/>
+          </a:fillRef>
+          <a:effectRef idx="1">
+            <a:schemeClr val="accent6"/>
+          </a:effectRef>
+          <a:fontRef idx="minor">
+            <a:schemeClr val="lt1"/>
+          </a:fontRef>
+        </p:style>
+        <p:txBody>
+          <a:bodyPr rtlCol="0" anchor="ctr"/>
+          <a:lstStyle/>
+          <a:p>
+            <a:pPr algn="ctr"/>
+            <a:r>
+              <a:rPr lang="en-US" altLang="zh-CN" dirty="0" err="1" smtClean="0"/>
+              <a:t>DataShard</a:t>
+            </a:r>
+            <a:endParaRPr lang="zh-CN" altLang="en-US" dirty="0"/>
+          </a:p>
+        </p:txBody>
+      </p:sp>
+      <p:sp>
+        <p:nvSpPr>
+          <p:cNvPr id="11" name="圆角矩形 10"/>
+          <p:cNvSpPr/>
+          <p:nvPr/>
+        </p:nvSpPr>
+        <p:spPr>
+          <a:xfrm>
+            <a:off x="3990046" y="2747411"/>
+            <a:ext cx="1352719" cy="608251"/>
+          </a:xfrm>
+          <a:prstGeom prst="roundRect">
+            <a:avLst/>
+          </a:prstGeom>
+        </p:spPr>
+        <p:style>
+          <a:lnRef idx="3">
+            <a:schemeClr val="lt1"/>
+          </a:lnRef>
+          <a:fillRef idx="1">
+            <a:schemeClr val="accent6"/>
+          </a:fillRef>
+          <a:effectRef idx="1">
+            <a:schemeClr val="accent6"/>
+          </a:effectRef>
+          <a:fontRef idx="minor">
+            <a:schemeClr val="lt1"/>
+          </a:fontRef>
+        </p:style>
+        <p:txBody>
+          <a:bodyPr rtlCol="0" anchor="ctr"/>
+          <a:lstStyle/>
+          <a:p>
+            <a:pPr algn="ctr"/>
+            <a:r>
+              <a:rPr lang="en-US" altLang="zh-CN" dirty="0" err="1" smtClean="0"/>
               <a:t>Redis</a:t>
             </a:r>
-            <a:endParaRPr lang="en-US" altLang="zh-CN" dirty="0" smtClean="0">
-              <a:solidFill>
-                <a:srgbClr val="000000"/>
-              </a:solidFill>
-              <a:sym typeface="+mn-ea"/>
-            </a:endParaRPr>
-          </a:p>
-          <a:p>
-            <a:pPr marL="800100" lvl="1" indent="-342900">
-              <a:lnSpc>
-                <a:spcPct val="200000"/>
-              </a:lnSpc>
-              <a:buFont typeface="+mj-lt"/>
-              <a:buAutoNum type="arabicPeriod"/>
-            </a:pPr>
-            <a:r>
-              <a:rPr lang="en-US" altLang="zh-CN" dirty="0" smtClean="0">
-                <a:solidFill>
-                  <a:srgbClr val="000000"/>
-                </a:solidFill>
-                <a:sym typeface="+mn-ea"/>
-              </a:rPr>
+            <a:endParaRPr lang="zh-CN" altLang="en-US" dirty="0"/>
+          </a:p>
+        </p:txBody>
+      </p:sp>
+      <p:sp>
+        <p:nvSpPr>
+          <p:cNvPr id="12" name="圆角矩形 11"/>
+          <p:cNvSpPr/>
+          <p:nvPr/>
+        </p:nvSpPr>
+        <p:spPr>
+          <a:xfrm>
+            <a:off x="6407205" y="2749436"/>
+            <a:ext cx="1352719" cy="608251"/>
+          </a:xfrm>
+          <a:prstGeom prst="roundRect">
+            <a:avLst/>
+          </a:prstGeom>
+        </p:spPr>
+        <p:style>
+          <a:lnRef idx="3">
+            <a:schemeClr val="lt1"/>
+          </a:lnRef>
+          <a:fillRef idx="1">
+            <a:schemeClr val="accent6"/>
+          </a:fillRef>
+          <a:effectRef idx="1">
+            <a:schemeClr val="accent6"/>
+          </a:effectRef>
+          <a:fontRef idx="minor">
+            <a:schemeClr val="lt1"/>
+          </a:fontRef>
+        </p:style>
+        <p:txBody>
+          <a:bodyPr rtlCol="0" anchor="ctr"/>
+          <a:lstStyle/>
+          <a:p>
+            <a:pPr algn="ctr"/>
+            <a:r>
+              <a:rPr lang="en-US" altLang="zh-CN" dirty="0" smtClean="0"/>
               <a:t>Mongo</a:t>
             </a:r>
-          </a:p>
-          <a:p>
-            <a:pPr marL="800100" lvl="1" indent="-342900">
-              <a:lnSpc>
-                <a:spcPct val="200000"/>
-              </a:lnSpc>
-              <a:buFont typeface="+mj-lt"/>
-              <a:buAutoNum type="arabicPeriod"/>
-            </a:pPr>
-            <a:r>
-              <a:rPr lang="en-US" altLang="zh-CN" dirty="0">
-                <a:solidFill>
-                  <a:srgbClr val="000000"/>
-                </a:solidFill>
-                <a:sym typeface="+mn-ea"/>
-              </a:rPr>
+            <a:endParaRPr lang="zh-CN" altLang="en-US" dirty="0"/>
+          </a:p>
+        </p:txBody>
+      </p:sp>
+      <p:sp>
+        <p:nvSpPr>
+          <p:cNvPr id="13" name="圆角矩形 12"/>
+          <p:cNvSpPr/>
+          <p:nvPr/>
+        </p:nvSpPr>
+        <p:spPr>
+          <a:xfrm>
+            <a:off x="8628806" y="2790232"/>
+            <a:ext cx="1352719" cy="608251"/>
+          </a:xfrm>
+          <a:prstGeom prst="roundRect">
+            <a:avLst/>
+          </a:prstGeom>
+        </p:spPr>
+        <p:style>
+          <a:lnRef idx="3">
+            <a:schemeClr val="lt1"/>
+          </a:lnRef>
+          <a:fillRef idx="1">
+            <a:schemeClr val="accent6"/>
+          </a:fillRef>
+          <a:effectRef idx="1">
+            <a:schemeClr val="accent6"/>
+          </a:effectRef>
+          <a:fontRef idx="minor">
+            <a:schemeClr val="lt1"/>
+          </a:fontRef>
+        </p:style>
+        <p:txBody>
+          <a:bodyPr rtlCol="0" anchor="ctr"/>
+          <a:lstStyle/>
+          <a:p>
+            <a:pPr algn="ctr"/>
+            <a:r>
+              <a:rPr lang="en-US" altLang="zh-CN" dirty="0" smtClean="0"/>
               <a:t>MySQL</a:t>
             </a:r>
-            <a:r>
-              <a:rPr lang="en-US" altLang="zh-CN" dirty="0" smtClean="0">
-                <a:solidFill>
-                  <a:srgbClr val="000000"/>
-                </a:solidFill>
-                <a:sym typeface="+mn-ea"/>
-              </a:rPr>
-              <a:t> </a:t>
-            </a:r>
-            <a:endParaRPr lang="en-US" altLang="zh-CN" dirty="0">
-              <a:solidFill>
-                <a:srgbClr val="000000"/>
-              </a:solidFill>
-              <a:sym typeface="+mn-ea"/>
-            </a:endParaRPr>
+            <a:endParaRPr lang="zh-CN" altLang="en-US" dirty="0"/>
+          </a:p>
+        </p:txBody>
+      </p:sp>
+      <p:sp>
+        <p:nvSpPr>
+          <p:cNvPr id="14" name="圆角矩形 13"/>
+          <p:cNvSpPr/>
+          <p:nvPr/>
+        </p:nvSpPr>
+        <p:spPr>
+          <a:xfrm>
+            <a:off x="1741135" y="1216839"/>
+            <a:ext cx="8357725" cy="1140977"/>
+          </a:xfrm>
+          <a:prstGeom prst="roundRect">
+            <a:avLst/>
+          </a:prstGeom>
+        </p:spPr>
+        <p:style>
+          <a:lnRef idx="1">
+            <a:schemeClr val="accent4"/>
+          </a:lnRef>
+          <a:fillRef idx="2">
+            <a:schemeClr val="accent4"/>
+          </a:fillRef>
+          <a:effectRef idx="1">
+            <a:schemeClr val="accent4"/>
+          </a:effectRef>
+          <a:fontRef idx="minor">
+            <a:schemeClr val="dk1"/>
+          </a:fontRef>
+        </p:style>
+        <p:txBody>
+          <a:bodyPr rtlCol="0" anchor="ctr"/>
+          <a:lstStyle/>
+          <a:p>
+            <a:pPr algn="ctr"/>
+            <a:r>
+              <a:rPr lang="en-US" altLang="zh-CN" dirty="0" smtClean="0"/>
+              <a:t>Xml</a:t>
+            </a:r>
+            <a:endParaRPr lang="zh-CN" altLang="en-US" dirty="0"/>
+          </a:p>
+        </p:txBody>
+      </p:sp>
+      <p:sp>
+        <p:nvSpPr>
+          <p:cNvPr id="15" name="圆角矩形 14"/>
+          <p:cNvSpPr/>
+          <p:nvPr/>
+        </p:nvSpPr>
+        <p:spPr>
+          <a:xfrm>
+            <a:off x="1586038" y="3835625"/>
+            <a:ext cx="1278542" cy="631179"/>
+          </a:xfrm>
+          <a:prstGeom prst="roundRect">
+            <a:avLst/>
+          </a:prstGeom>
+          <a:solidFill>
+            <a:schemeClr val="accent2"/>
+          </a:solidFill>
+        </p:spPr>
+        <p:style>
+          <a:lnRef idx="2">
+            <a:schemeClr val="accent2">
+              <a:shade val="50000"/>
+            </a:schemeClr>
+          </a:lnRef>
+          <a:fillRef idx="1">
+            <a:schemeClr val="accent2"/>
+          </a:fillRef>
+          <a:effectRef idx="0">
+            <a:schemeClr val="accent2"/>
+          </a:effectRef>
+          <a:fontRef idx="minor">
+            <a:schemeClr val="lt1"/>
+          </a:fontRef>
+        </p:style>
+        <p:txBody>
+          <a:bodyPr rtlCol="0" anchor="ctr"/>
+          <a:lstStyle/>
+          <a:p>
+            <a:pPr algn="ctr"/>
+            <a:r>
+              <a:rPr lang="en-US" altLang="zh-CN" dirty="0" smtClean="0"/>
+              <a:t>Timer</a:t>
+            </a:r>
+            <a:endParaRPr lang="zh-CN" altLang="en-US" dirty="0"/>
+          </a:p>
+        </p:txBody>
+      </p:sp>
+      <p:sp>
+        <p:nvSpPr>
+          <p:cNvPr id="16" name="圆角矩形 15"/>
+          <p:cNvSpPr/>
+          <p:nvPr/>
+        </p:nvSpPr>
+        <p:spPr>
+          <a:xfrm>
+            <a:off x="3135666" y="3830899"/>
+            <a:ext cx="1278542" cy="631179"/>
+          </a:xfrm>
+          <a:prstGeom prst="roundRect">
+            <a:avLst/>
+          </a:prstGeom>
+          <a:solidFill>
+            <a:schemeClr val="accent2"/>
+          </a:solidFill>
+        </p:spPr>
+        <p:style>
+          <a:lnRef idx="2">
+            <a:schemeClr val="accent2">
+              <a:shade val="50000"/>
+            </a:schemeClr>
+          </a:lnRef>
+          <a:fillRef idx="1">
+            <a:schemeClr val="accent2"/>
+          </a:fillRef>
+          <a:effectRef idx="0">
+            <a:schemeClr val="accent2"/>
+          </a:effectRef>
+          <a:fontRef idx="minor">
+            <a:schemeClr val="lt1"/>
+          </a:fontRef>
+        </p:style>
+        <p:txBody>
+          <a:bodyPr rtlCol="0" anchor="ctr"/>
+          <a:lstStyle/>
+          <a:p>
+            <a:pPr algn="ctr"/>
+            <a:r>
+              <a:rPr lang="en-US" altLang="zh-CN" dirty="0" err="1" smtClean="0"/>
+              <a:t>Config</a:t>
+            </a:r>
+            <a:endParaRPr lang="zh-CN" altLang="en-US" dirty="0"/>
+          </a:p>
+        </p:txBody>
+      </p:sp>
+      <p:sp>
+        <p:nvSpPr>
+          <p:cNvPr id="17" name="圆角矩形 16"/>
+          <p:cNvSpPr/>
+          <p:nvPr/>
+        </p:nvSpPr>
+        <p:spPr>
+          <a:xfrm>
+            <a:off x="4657637" y="3830898"/>
+            <a:ext cx="1278542" cy="631179"/>
+          </a:xfrm>
+          <a:prstGeom prst="roundRect">
+            <a:avLst/>
+          </a:prstGeom>
+          <a:solidFill>
+            <a:schemeClr val="accent2"/>
+          </a:solidFill>
+        </p:spPr>
+        <p:style>
+          <a:lnRef idx="2">
+            <a:schemeClr val="accent2">
+              <a:shade val="50000"/>
+            </a:schemeClr>
+          </a:lnRef>
+          <a:fillRef idx="1">
+            <a:schemeClr val="accent2"/>
+          </a:fillRef>
+          <a:effectRef idx="0">
+            <a:schemeClr val="accent2"/>
+          </a:effectRef>
+          <a:fontRef idx="minor">
+            <a:schemeClr val="lt1"/>
+          </a:fontRef>
+        </p:style>
+        <p:txBody>
+          <a:bodyPr rtlCol="0" anchor="ctr"/>
+          <a:lstStyle/>
+          <a:p>
+            <a:pPr algn="ctr"/>
+            <a:r>
+              <a:rPr lang="en-US" altLang="zh-CN" dirty="0" smtClean="0"/>
+              <a:t>Project</a:t>
+            </a:r>
+            <a:endParaRPr lang="zh-CN" altLang="en-US" dirty="0"/>
+          </a:p>
+        </p:txBody>
+      </p:sp>
+      <p:sp>
+        <p:nvSpPr>
+          <p:cNvPr id="18" name="圆角矩形 17"/>
+          <p:cNvSpPr/>
+          <p:nvPr/>
+        </p:nvSpPr>
+        <p:spPr>
+          <a:xfrm>
+            <a:off x="6269639" y="3826172"/>
+            <a:ext cx="1278542" cy="631179"/>
+          </a:xfrm>
+          <a:prstGeom prst="roundRect">
+            <a:avLst/>
+          </a:prstGeom>
+          <a:solidFill>
+            <a:schemeClr val="accent2"/>
+          </a:solidFill>
+        </p:spPr>
+        <p:style>
+          <a:lnRef idx="2">
+            <a:schemeClr val="accent2">
+              <a:shade val="50000"/>
+            </a:schemeClr>
+          </a:lnRef>
+          <a:fillRef idx="1">
+            <a:schemeClr val="accent2"/>
+          </a:fillRef>
+          <a:effectRef idx="0">
+            <a:schemeClr val="accent2"/>
+          </a:effectRef>
+          <a:fontRef idx="minor">
+            <a:schemeClr val="lt1"/>
+          </a:fontRef>
+        </p:style>
+        <p:txBody>
+          <a:bodyPr rtlCol="0" anchor="ctr"/>
+          <a:lstStyle/>
+          <a:p>
+            <a:pPr algn="ctr"/>
+            <a:r>
+              <a:rPr lang="en-US" altLang="zh-CN" dirty="0" smtClean="0"/>
+              <a:t>Route</a:t>
+            </a:r>
+            <a:endParaRPr lang="zh-CN" altLang="en-US" dirty="0"/>
+          </a:p>
+        </p:txBody>
+      </p:sp>
+      <p:sp>
+        <p:nvSpPr>
+          <p:cNvPr id="19" name="圆角矩形 18"/>
+          <p:cNvSpPr/>
+          <p:nvPr/>
+        </p:nvSpPr>
+        <p:spPr>
+          <a:xfrm>
+            <a:off x="8321311" y="3835625"/>
+            <a:ext cx="1660214" cy="631179"/>
+          </a:xfrm>
+          <a:prstGeom prst="roundRect">
+            <a:avLst/>
+          </a:prstGeom>
+          <a:solidFill>
+            <a:schemeClr val="accent2"/>
+          </a:solidFill>
+        </p:spPr>
+        <p:style>
+          <a:lnRef idx="2">
+            <a:schemeClr val="accent2">
+              <a:shade val="50000"/>
+            </a:schemeClr>
+          </a:lnRef>
+          <a:fillRef idx="1">
+            <a:schemeClr val="accent2"/>
+          </a:fillRef>
+          <a:effectRef idx="0">
+            <a:schemeClr val="accent2"/>
+          </a:effectRef>
+          <a:fontRef idx="minor">
+            <a:schemeClr val="lt1"/>
+          </a:fontRef>
+        </p:style>
+        <p:txBody>
+          <a:bodyPr rtlCol="0" anchor="ctr"/>
+          <a:lstStyle/>
+          <a:p>
+            <a:pPr algn="ctr"/>
+            <a:r>
+              <a:rPr lang="en-US" altLang="zh-CN" dirty="0" err="1" smtClean="0"/>
+              <a:t>DeployClient</a:t>
+            </a:r>
+            <a:endParaRPr lang="zh-CN" altLang="en-US" dirty="0"/>
           </a:p>
         </p:txBody>
       </p:sp>
     </p:spTree>
     <p:extLst>
       <p:ext uri="{BB962C8B-B14F-4D97-AF65-F5344CB8AC3E}">
-        <p14:creationId xmlns:p14="http://schemas.microsoft.com/office/powerpoint/2010/main" val="2545858269"/>
+        <p14:creationId xmlns:p14="http://schemas.microsoft.com/office/powerpoint/2010/main" val="3532736132"/>
       </p:ext>
     </p:extLst>
   </p:cSld>
@@ -10669,11 +10708,11 @@
       </p:grpSpPr>
       <p:sp>
         <p:nvSpPr>
-          <p:cNvPr id="2" name="文本框 4"/>
+          <p:cNvPr id="9" name="文本框 4"/>
           <p:cNvSpPr txBox="1"/>
           <p:nvPr>
             <p:custDataLst>
-              <p:tags r:id="rId1"/>
+              <p:tags r:id="rId2"/>
             </p:custDataLst>
           </p:nvPr>
         </p:nvSpPr>
@@ -10689,7 +10728,7 @@
         </p:spPr>
         <p:txBody>
           <a:bodyPr wrap="square" lIns="90000" tIns="46800" rIns="90000" bIns="46800" rtlCol="0">
-            <a:normAutofit lnSpcReduction="10000"/>
+            <a:normAutofit/>
           </a:bodyPr>
           <a:lstStyle>
             <a:defPPr>
@@ -10801,7 +10840,7 @@
                 </a:solidFill>
                 <a:sym typeface="+mn-ea"/>
               </a:rPr>
-              <a:t>基础功能</a:t>
+              <a:t>网络</a:t>
             </a:r>
             <a:endParaRPr lang="en-US" altLang="zh-CN" dirty="0" smtClean="0">
               <a:solidFill>
@@ -10819,23 +10858,47 @@
               <a:buAutoNum type="arabicPeriod"/>
             </a:pPr>
             <a:r>
-              <a:rPr lang="zh-CN" altLang="en-US" dirty="0" smtClean="0">
+              <a:rPr lang="zh-CN" altLang="en-US" sz="1600" dirty="0" smtClean="0">
                 <a:solidFill>
                   <a:srgbClr val="000000"/>
                 </a:solidFill>
                 <a:sym typeface="+mn-ea"/>
               </a:rPr>
-              <a:t>定时器</a:t>
-            </a:r>
-            <a:r>
-              <a:rPr lang="en-US" altLang="zh-CN" dirty="0" smtClean="0">
+              <a:t>网络</a:t>
+            </a:r>
+            <a:r>
+              <a:rPr lang="en-US" altLang="zh-CN" sz="1600" dirty="0" smtClean="0">
                 <a:solidFill>
                   <a:srgbClr val="000000"/>
                 </a:solidFill>
                 <a:sym typeface="+mn-ea"/>
               </a:rPr>
-              <a:t>Timer</a:t>
-            </a:r>
+              <a:t>TCP</a:t>
+            </a:r>
+            <a:r>
+              <a:rPr lang="zh-CN" altLang="en-US" sz="1600" dirty="0" smtClean="0">
+                <a:solidFill>
+                  <a:srgbClr val="000000"/>
+                </a:solidFill>
+                <a:sym typeface="+mn-ea"/>
+              </a:rPr>
+              <a:t>客户端</a:t>
+            </a:r>
+            <a:r>
+              <a:rPr lang="en-US" altLang="zh-CN" sz="1600" dirty="0" err="1" smtClean="0">
+                <a:solidFill>
+                  <a:srgbClr val="000000"/>
+                </a:solidFill>
+                <a:sym typeface="+mn-ea"/>
+              </a:rPr>
+              <a:t>TcpClient</a:t>
+            </a:r>
+            <a:endParaRPr lang="en-US" altLang="zh-CN" sz="1600" dirty="0">
+              <a:solidFill>
+                <a:srgbClr val="000000"/>
+              </a:solidFill>
+              <a:sym typeface="+mn-ea"/>
+            </a:endParaRPr>
           </a:p>
           <a:p>
             <a:pPr marL="800100" lvl="1" indent="-342900">
@@ -10846,23 +10909,47 @@
               <a:buAutoNum type="arabicPeriod"/>
             </a:pPr>
             <a:r>
-              <a:rPr lang="zh-CN" altLang="en-US" dirty="0" smtClean="0">
+              <a:rPr lang="zh-CN" altLang="en-US" sz="1600" dirty="0" smtClean="0">
                 <a:solidFill>
                   <a:srgbClr val="000000"/>
                 </a:solidFill>
                 <a:sym typeface="+mn-ea"/>
               </a:rPr>
-              <a:t>计划任务</a:t>
-            </a:r>
-            <a:r>
-              <a:rPr lang="en-US" altLang="zh-CN" dirty="0" smtClean="0">
+              <a:t>网络</a:t>
+            </a:r>
+            <a:r>
+              <a:rPr lang="en-US" altLang="zh-CN" sz="1600" dirty="0" smtClean="0">
                 <a:solidFill>
                   <a:srgbClr val="000000"/>
                 </a:solidFill>
                 <a:sym typeface="+mn-ea"/>
               </a:rPr>
-              <a:t>Schedule</a:t>
-            </a:r>
+              <a:t>TCP</a:t>
+            </a:r>
+            <a:r>
+              <a:rPr lang="zh-CN" altLang="en-US" sz="1600" dirty="0" smtClean="0">
+                <a:solidFill>
+                  <a:srgbClr val="000000"/>
+                </a:solidFill>
+                <a:sym typeface="+mn-ea"/>
+              </a:rPr>
+              <a:t>服务器</a:t>
+            </a:r>
+            <a:r>
+              <a:rPr lang="en-US" altLang="zh-CN" sz="1600" dirty="0" err="1" smtClean="0">
+                <a:solidFill>
+                  <a:srgbClr val="000000"/>
+                </a:solidFill>
+                <a:sym typeface="+mn-ea"/>
+              </a:rPr>
+              <a:t>TcpServer</a:t>
+            </a:r>
+            <a:endParaRPr lang="en-US" altLang="zh-CN" sz="1600" dirty="0" smtClean="0">
+              <a:solidFill>
+                <a:srgbClr val="000000"/>
+              </a:solidFill>
+              <a:sym typeface="+mn-ea"/>
+            </a:endParaRPr>
           </a:p>
           <a:p>
             <a:pPr marL="800100" lvl="1" indent="-342900">
@@ -10873,38 +10960,23 @@
               <a:buAutoNum type="arabicPeriod"/>
             </a:pPr>
             <a:r>
-              <a:rPr lang="zh-CN" altLang="en-US" dirty="0">
+              <a:rPr lang="zh-CN" altLang="en-US" sz="1600" dirty="0" smtClean="0">
                 <a:solidFill>
                   <a:srgbClr val="000000"/>
                 </a:solidFill>
                 <a:sym typeface="+mn-ea"/>
               </a:rPr>
-              <a:t>配置</a:t>
-            </a:r>
-            <a:r>
-              <a:rPr lang="zh-CN" altLang="en-US" dirty="0" smtClean="0">
+              <a:t>网络消息处理器</a:t>
+            </a:r>
+            <a:r>
+              <a:rPr lang="en-US" altLang="zh-CN" sz="1600" dirty="0" smtClean="0">
                 <a:solidFill>
                   <a:srgbClr val="000000"/>
                 </a:solidFill>
                 <a:sym typeface="+mn-ea"/>
               </a:rPr>
-              <a:t>表管理</a:t>
-            </a:r>
-            <a:r>
-              <a:rPr lang="en-US" altLang="zh-CN" dirty="0" err="1" smtClean="0">
-                <a:solidFill>
-                  <a:srgbClr val="000000"/>
-                </a:solidFill>
-                <a:sym typeface="+mn-ea"/>
-              </a:rPr>
-              <a:t>Config</a:t>
-            </a:r>
-            <a:endParaRPr lang="en-US" altLang="zh-CN" dirty="0" smtClean="0">
-              <a:solidFill>
-                <a:srgbClr val="000000"/>
-              </a:solidFill>
-              <a:sym typeface="+mn-ea"/>
-            </a:endParaRPr>
+              <a:t>Message</a:t>
+            </a:r>
           </a:p>
           <a:p>
             <a:pPr marL="800100" lvl="1" indent="-342900">
@@ -10915,22 +10987,22 @@
               <a:buAutoNum type="arabicPeriod"/>
             </a:pPr>
             <a:r>
-              <a:rPr lang="zh-CN" altLang="en-US" dirty="0" smtClean="0">
+              <a:rPr lang="zh-CN" altLang="en-US" sz="1600" dirty="0" smtClean="0">
                 <a:solidFill>
                   <a:srgbClr val="000000"/>
                 </a:solidFill>
                 <a:sym typeface="+mn-ea"/>
               </a:rPr>
-              <a:t>条件管理</a:t>
-            </a:r>
-            <a:r>
-              <a:rPr lang="en-US" altLang="zh-CN" dirty="0" smtClean="0">
+              <a:t>网络连接关系</a:t>
+            </a:r>
+            <a:r>
+              <a:rPr lang="en-US" altLang="zh-CN" sz="1600" dirty="0" smtClean="0">
                 <a:solidFill>
                   <a:srgbClr val="000000"/>
                 </a:solidFill>
                 <a:sym typeface="+mn-ea"/>
               </a:rPr>
-              <a:t>Condition</a:t>
+              <a:t>Bus</a:t>
             </a:r>
           </a:p>
           <a:p>
@@ -10942,23 +11014,47 @@
               <a:buAutoNum type="arabicPeriod"/>
             </a:pPr>
             <a:r>
-              <a:rPr lang="zh-CN" altLang="en-US" dirty="0" smtClean="0">
+              <a:rPr lang="zh-CN" altLang="en-US" sz="1600" dirty="0" smtClean="0">
                 <a:solidFill>
                   <a:srgbClr val="000000"/>
                 </a:solidFill>
                 <a:sym typeface="+mn-ea"/>
               </a:rPr>
-              <a:t>属性管理</a:t>
-            </a:r>
-            <a:r>
-              <a:rPr lang="en-US" altLang="zh-CN" dirty="0" smtClean="0">
+              <a:t>网络</a:t>
+            </a:r>
+            <a:r>
+              <a:rPr lang="en-US" altLang="zh-CN" sz="1600" dirty="0" smtClean="0">
                 <a:solidFill>
                   <a:srgbClr val="000000"/>
                 </a:solidFill>
                 <a:sym typeface="+mn-ea"/>
               </a:rPr>
-              <a:t>Kernel</a:t>
-            </a:r>
+              <a:t>HTTP</a:t>
+            </a:r>
+            <a:r>
+              <a:rPr lang="zh-CN" altLang="en-US" sz="1600" dirty="0" smtClean="0">
+                <a:solidFill>
+                  <a:srgbClr val="000000"/>
+                </a:solidFill>
+                <a:sym typeface="+mn-ea"/>
+              </a:rPr>
+              <a:t>客户端</a:t>
+            </a:r>
+            <a:r>
+              <a:rPr lang="en-US" altLang="zh-CN" sz="1600" dirty="0" err="1" smtClean="0">
+                <a:solidFill>
+                  <a:srgbClr val="000000"/>
+                </a:solidFill>
+                <a:sym typeface="+mn-ea"/>
+              </a:rPr>
+              <a:t>HttpClient</a:t>
+            </a:r>
+            <a:endParaRPr lang="en-US" altLang="zh-CN" sz="1600" dirty="0" smtClean="0">
+              <a:solidFill>
+                <a:srgbClr val="000000"/>
+              </a:solidFill>
+              <a:sym typeface="+mn-ea"/>
+            </a:endParaRPr>
           </a:p>
           <a:p>
             <a:pPr marL="800100" lvl="1" indent="-342900">
@@ -10969,23 +11065,47 @@
               <a:buAutoNum type="arabicPeriod"/>
             </a:pPr>
             <a:r>
-              <a:rPr lang="zh-CN" altLang="en-US" dirty="0" smtClean="0">
+              <a:rPr lang="zh-CN" altLang="en-US" sz="1600" dirty="0" smtClean="0">
                 <a:solidFill>
                   <a:srgbClr val="000000"/>
                 </a:solidFill>
                 <a:sym typeface="+mn-ea"/>
               </a:rPr>
-              <a:t>功能输出</a:t>
-            </a:r>
-            <a:r>
-              <a:rPr lang="en-US" altLang="zh-CN" dirty="0" smtClean="0">
+              <a:t>网络</a:t>
+            </a:r>
+            <a:r>
+              <a:rPr lang="en-US" altLang="zh-CN" sz="1600" dirty="0" smtClean="0">
                 <a:solidFill>
                   <a:srgbClr val="000000"/>
                 </a:solidFill>
                 <a:sym typeface="+mn-ea"/>
               </a:rPr>
-              <a:t>Execute</a:t>
-            </a:r>
+              <a:t>HTTP</a:t>
+            </a:r>
+            <a:r>
+              <a:rPr lang="zh-CN" altLang="en-US" sz="1600" dirty="0" smtClean="0">
+                <a:solidFill>
+                  <a:srgbClr val="000000"/>
+                </a:solidFill>
+                <a:sym typeface="+mn-ea"/>
+              </a:rPr>
+              <a:t>服务器</a:t>
+            </a:r>
+            <a:r>
+              <a:rPr lang="en-US" altLang="zh-CN" sz="1600" dirty="0" err="1" smtClean="0">
+                <a:solidFill>
+                  <a:srgbClr val="000000"/>
+                </a:solidFill>
+                <a:sym typeface="+mn-ea"/>
+              </a:rPr>
+              <a:t>HttpServer</a:t>
+            </a:r>
+            <a:endParaRPr lang="en-US" altLang="zh-CN" sz="1600" dirty="0" smtClean="0">
+              <a:solidFill>
+                <a:srgbClr val="000000"/>
+              </a:solidFill>
+              <a:sym typeface="+mn-ea"/>
+            </a:endParaRPr>
           </a:p>
           <a:p>
             <a:pPr marL="800100" lvl="1" indent="-342900">
@@ -10996,15 +11116,24 @@
               <a:buAutoNum type="arabicPeriod"/>
             </a:pPr>
             <a:r>
-              <a:rPr lang="en-US" altLang="zh-CN" dirty="0" err="1" smtClean="0">
+              <a:rPr lang="zh-CN" altLang="en-US" sz="1600" dirty="0" smtClean="0">
                 <a:solidFill>
                   <a:srgbClr val="000000"/>
                 </a:solidFill>
                 <a:sym typeface="+mn-ea"/>
               </a:rPr>
-              <a:t>Lua</a:t>
-            </a:r>
-            <a:endParaRPr lang="en-US" altLang="zh-CN" dirty="0" smtClean="0">
+              <a:t>网络消息路由</a:t>
+            </a:r>
+            <a:r>
+              <a:rPr lang="en-US" altLang="zh-CN" sz="1600" dirty="0" smtClean="0">
+                <a:solidFill>
+                  <a:srgbClr val="000000"/>
+                </a:solidFill>
+                <a:sym typeface="+mn-ea"/>
+              </a:rPr>
+              <a:t>Route</a:t>
+            </a:r>
+            <a:endParaRPr lang="en-US" altLang="zh-CN" sz="1600" dirty="0">
               <a:solidFill>
                 <a:srgbClr val="000000"/>
               </a:solidFill>
@@ -11013,16 +11142,78 @@
           </a:p>
         </p:txBody>
       </p:sp>
+      <p:sp>
+        <p:nvSpPr>
+          <p:cNvPr id="5" name="文本框 4"/>
+          <p:cNvSpPr txBox="1"/>
+          <p:nvPr>
+            <p:custDataLst>
+              <p:tags r:id="rId3"/>
+            </p:custDataLst>
+          </p:nvPr>
+        </p:nvSpPr>
+        <p:spPr>
+          <a:xfrm>
+            <a:off x="669600" y="432000"/>
+            <a:ext cx="10854000" cy="648000"/>
+          </a:xfrm>
+          <a:prstGeom prst="rect">
+            <a:avLst/>
+          </a:prstGeom>
+        </p:spPr>
+        <p:txBody>
+          <a:bodyPr vert="horz" lIns="101600" tIns="38100" rIns="76200" bIns="38100" rtlCol="0" anchor="ctr" anchorCtr="0">
+            <a:noAutofit/>
+          </a:bodyPr>
+          <a:lstStyle>
+            <a:defPPr>
+              <a:defRPr lang="zh-CN"/>
+            </a:defPPr>
+            <a:lvl1pPr marR="0" fontAlgn="auto">
+              <a:lnSpc>
+                <a:spcPct val="100000"/>
+              </a:lnSpc>
+              <a:spcBef>
+                <a:spcPct val="0"/>
+              </a:spcBef>
+              <a:buNone/>
+              <a:defRPr kumimoji="0" lang="zh-CN" altLang="en-US" sz="2800" b="1" i="0" u="none" strike="noStrike" cap="none" spc="200" normalizeH="0" baseline="0" noProof="1" dirty="0">
+                <a:uFillTx/>
+                <a:latin typeface="+mj-lt"/>
+                <a:ea typeface="+mj-ea"/>
+                <a:cs typeface="+mj-cs"/>
+                <a:sym typeface="+mn-ea"/>
+              </a:defRPr>
+            </a:lvl1pPr>
+          </a:lstStyle>
+          <a:p>
+            <a:r>
+              <a:rPr lang="zh-CN" altLang="en-US" dirty="0"/>
+              <a:t>已</a:t>
+            </a:r>
+            <a:r>
+              <a:rPr lang="zh-CN" altLang="en-US" dirty="0" smtClean="0"/>
+              <a:t>有的基础模块插件</a:t>
+            </a:r>
+            <a:endParaRPr lang="zh-CN" altLang="en-US" dirty="0"/>
+          </a:p>
+        </p:txBody>
+      </p:sp>
     </p:spTree>
-    <p:extLst>
-      <p:ext uri="{BB962C8B-B14F-4D97-AF65-F5344CB8AC3E}">
-        <p14:creationId xmlns:p14="http://schemas.microsoft.com/office/powerpoint/2010/main" val="2164219795"/>
-      </p:ext>
-    </p:extLst>
+    <p:custDataLst>
+      <p:tags r:id="rId1"/>
+    </p:custDataLst>
   </p:cSld>
   <p:clrMapOvr>
     <a:masterClrMapping/>
   </p:clrMapOvr>
+  <p:timing>
+    <p:tnLst>
+      <p:par>
+        <p:cTn id="1" dur="indefinite" restart="never" nodeType="tmRoot"/>
+      </p:par>
+    </p:tnLst>
+  </p:timing>
 </p:sld>
 </file>
 
@@ -11055,8 +11246,8 @@
         </p:nvSpPr>
         <p:spPr>
           <a:xfrm>
-            <a:off x="669600" y="194209"/>
-            <a:ext cx="10074168" cy="6663791"/>
+            <a:off x="669600" y="1343278"/>
+            <a:ext cx="10074168" cy="4415422"/>
           </a:xfrm>
           <a:prstGeom prst="rect">
             <a:avLst/>
@@ -11065,7 +11256,7 @@
         </p:spPr>
         <p:txBody>
           <a:bodyPr wrap="square" lIns="90000" tIns="46800" rIns="90000" bIns="46800" rtlCol="0">
-            <a:normAutofit lnSpcReduction="10000"/>
+            <a:normAutofit/>
           </a:bodyPr>
           <a:lstStyle>
             <a:defPPr>
@@ -11177,9 +11368,9 @@
                 </a:solidFill>
                 <a:sym typeface="+mn-ea"/>
               </a:rPr>
-              <a:t>游戏结构相关</a:t>
-            </a:r>
-            <a:endParaRPr lang="en-US" altLang="zh-CN" dirty="0" smtClean="0">
+              <a:t>数据库操作</a:t>
+            </a:r>
+            <a:endParaRPr lang="en-US" altLang="zh-CN" dirty="0">
               <a:solidFill>
                 <a:srgbClr val="000000"/>
               </a:solidFill>
@@ -11195,24 +11386,15 @@
               <a:buAutoNum type="arabicPeriod"/>
             </a:pPr>
             <a:r>
-              <a:rPr lang="zh-CN" altLang="en-US" dirty="0" smtClean="0">
+              <a:rPr lang="en-US" altLang="zh-CN" dirty="0" err="1" smtClean="0">
                 <a:solidFill>
                   <a:srgbClr val="000000"/>
                 </a:solidFill>
                 <a:sym typeface="+mn-ea"/>
               </a:rPr>
-              <a:t>网关服务</a:t>
-            </a:r>
-            <a:r>
-              <a:rPr lang="en-US" altLang="zh-CN" dirty="0" smtClean="0">
-                <a:solidFill>
-                  <a:srgbClr val="000000"/>
-                </a:solidFill>
-                <a:sym typeface="+mn-ea"/>
-              </a:rPr>
-              <a:t>Gate</a:t>
-            </a:r>
-            <a:endParaRPr lang="en-US" altLang="zh-CN" dirty="0">
+              <a:t>Redis</a:t>
+            </a:r>
+            <a:endParaRPr lang="en-US" altLang="zh-CN" dirty="0" smtClean="0">
               <a:solidFill>
                 <a:srgbClr val="000000"/>
               </a:solidFill>
@@ -11228,22 +11410,13 @@
               <a:buAutoNum type="arabicPeriod"/>
             </a:pPr>
             <a:r>
-              <a:rPr lang="zh-CN" altLang="en-US" dirty="0" smtClean="0">
+              <a:rPr lang="en-US" altLang="zh-CN" dirty="0" smtClean="0">
                 <a:solidFill>
                   <a:srgbClr val="000000"/>
                 </a:solidFill>
                 <a:sym typeface="+mn-ea"/>
               </a:rPr>
-              <a:t>登录服务</a:t>
-            </a:r>
-            <a:r>
-              <a:rPr lang="en-US" altLang="zh-CN" dirty="0" smtClean="0">
-                <a:solidFill>
-                  <a:srgbClr val="000000"/>
-                </a:solidFill>
-                <a:sym typeface="+mn-ea"/>
-              </a:rPr>
-              <a:t>Login</a:t>
+              <a:t>Mongo</a:t>
             </a:r>
           </a:p>
           <a:p>
@@ -11255,279 +11428,36 @@
               <a:buAutoNum type="arabicPeriod"/>
             </a:pPr>
             <a:r>
-              <a:rPr lang="zh-CN" altLang="en-US" dirty="0">
+              <a:rPr lang="en-US" altLang="zh-CN" dirty="0">
                 <a:solidFill>
                   <a:srgbClr val="000000"/>
                 </a:solidFill>
                 <a:sym typeface="+mn-ea"/>
               </a:rPr>
-              <a:t>游戏</a:t>
-            </a:r>
-            <a:r>
-              <a:rPr lang="zh-CN" altLang="en-US" dirty="0" smtClean="0">
+              <a:t>MySQL</a:t>
+            </a:r>
+            <a:r>
+              <a:rPr lang="en-US" altLang="zh-CN" dirty="0" smtClean="0">
                 <a:solidFill>
                   <a:srgbClr val="000000"/>
                 </a:solidFill>
                 <a:sym typeface="+mn-ea"/>
               </a:rPr>
-              <a:t>服务</a:t>
-            </a:r>
-            <a:r>
-              <a:rPr lang="en-US" altLang="zh-CN" dirty="0" smtClean="0">
-                <a:solidFill>
-                  <a:srgbClr val="000000"/>
-                </a:solidFill>
-                <a:sym typeface="+mn-ea"/>
-              </a:rPr>
-              <a:t>Game</a:t>
-            </a:r>
-          </a:p>
-          <a:p>
-            <a:pPr marL="800100" lvl="1" indent="-342900">
-              <a:lnSpc>
-                <a:spcPct val="200000"/>
-              </a:lnSpc>
-              <a:buFont typeface="+mj-lt"/>
-              <a:buAutoNum type="arabicPeriod"/>
-            </a:pPr>
-            <a:r>
-              <a:rPr lang="zh-CN" altLang="en-US" dirty="0" smtClean="0">
-                <a:solidFill>
-                  <a:srgbClr val="000000"/>
-                </a:solidFill>
-                <a:sym typeface="+mn-ea"/>
-              </a:rPr>
-              <a:t>世界服务</a:t>
-            </a:r>
-            <a:r>
-              <a:rPr lang="en-US" altLang="zh-CN" dirty="0" smtClean="0">
-                <a:solidFill>
-                  <a:srgbClr val="000000"/>
-                </a:solidFill>
-                <a:sym typeface="+mn-ea"/>
-              </a:rPr>
-              <a:t>World</a:t>
-            </a:r>
-          </a:p>
-          <a:p>
-            <a:pPr marL="800100" lvl="1" indent="-342900">
-              <a:lnSpc>
-                <a:spcPct val="200000"/>
-              </a:lnSpc>
-              <a:buFont typeface="+mj-lt"/>
-              <a:buAutoNum type="arabicPeriod"/>
-            </a:pPr>
-            <a:r>
-              <a:rPr lang="zh-CN" altLang="en-US" dirty="0" smtClean="0">
-                <a:solidFill>
-                  <a:srgbClr val="000000"/>
-                </a:solidFill>
-                <a:sym typeface="+mn-ea"/>
-              </a:rPr>
-              <a:t>发现服务</a:t>
-            </a:r>
-            <a:r>
-              <a:rPr lang="en-US" altLang="zh-CN" dirty="0" smtClean="0">
-                <a:solidFill>
-                  <a:srgbClr val="000000"/>
-                </a:solidFill>
-                <a:sym typeface="+mn-ea"/>
-              </a:rPr>
-              <a:t>Master</a:t>
-            </a:r>
-          </a:p>
-          <a:p>
-            <a:pPr marL="800100" lvl="1" indent="-342900">
-              <a:lnSpc>
-                <a:spcPct val="200000"/>
-              </a:lnSpc>
-              <a:buFont typeface="+mj-lt"/>
-              <a:buAutoNum type="arabicPeriod"/>
-            </a:pPr>
-            <a:r>
-              <a:rPr lang="zh-CN" altLang="en-US" dirty="0" smtClean="0">
-                <a:solidFill>
-                  <a:srgbClr val="000000"/>
-                </a:solidFill>
-                <a:sym typeface="+mn-ea"/>
-              </a:rPr>
-              <a:t>认证服务</a:t>
-            </a:r>
-            <a:r>
-              <a:rPr lang="en-US" altLang="zh-CN" dirty="0" err="1" smtClean="0">
-                <a:solidFill>
-                  <a:srgbClr val="000000"/>
-                </a:solidFill>
-                <a:sym typeface="+mn-ea"/>
-              </a:rPr>
-              <a:t>Auth</a:t>
-            </a:r>
-            <a:endParaRPr lang="en-US" altLang="zh-CN" dirty="0" smtClean="0">
+              <a:t> </a:t>
+            </a:r>
+            <a:endParaRPr lang="en-US" altLang="zh-CN" dirty="0">
               <a:solidFill>
                 <a:srgbClr val="000000"/>
               </a:solidFill>
               <a:sym typeface="+mn-ea"/>
             </a:endParaRPr>
           </a:p>
-          <a:p>
-            <a:pPr marL="800100" lvl="1" indent="-342900">
-              <a:lnSpc>
-                <a:spcPct val="200000"/>
-              </a:lnSpc>
-              <a:buFont typeface="+mj-lt"/>
-              <a:buAutoNum type="arabicPeriod"/>
-            </a:pPr>
-            <a:r>
-              <a:rPr lang="zh-CN" altLang="en-US" dirty="0" smtClean="0">
-                <a:solidFill>
-                  <a:srgbClr val="000000"/>
-                </a:solidFill>
-                <a:sym typeface="+mn-ea"/>
-              </a:rPr>
-              <a:t>数据保存服务</a:t>
-            </a:r>
-            <a:r>
-              <a:rPr lang="en-US" altLang="zh-CN" dirty="0" smtClean="0">
-                <a:solidFill>
-                  <a:srgbClr val="000000"/>
-                </a:solidFill>
-                <a:sym typeface="+mn-ea"/>
-              </a:rPr>
-              <a:t>Data</a:t>
-            </a:r>
-          </a:p>
-          <a:p>
-            <a:pPr marL="800100" lvl="1" indent="-342900">
-              <a:lnSpc>
-                <a:spcPct val="200000"/>
-              </a:lnSpc>
-              <a:buFont typeface="+mj-lt"/>
-              <a:buAutoNum type="arabicPeriod"/>
-            </a:pPr>
-            <a:r>
-              <a:rPr lang="zh-CN" altLang="en-US" dirty="0" smtClean="0">
-                <a:solidFill>
-                  <a:srgbClr val="000000"/>
-                </a:solidFill>
-                <a:sym typeface="+mn-ea"/>
-              </a:rPr>
-              <a:t>邮件服务</a:t>
-            </a:r>
-            <a:r>
-              <a:rPr lang="en-US" altLang="zh-CN" dirty="0" smtClean="0">
-                <a:solidFill>
-                  <a:srgbClr val="000000"/>
-                </a:solidFill>
-                <a:sym typeface="+mn-ea"/>
-              </a:rPr>
-              <a:t>Mail</a:t>
-            </a:r>
-          </a:p>
-          <a:p>
-            <a:pPr marL="800100" lvl="1" indent="-342900">
-              <a:lnSpc>
-                <a:spcPct val="200000"/>
-              </a:lnSpc>
-              <a:buFont typeface="+mj-lt"/>
-              <a:buAutoNum type="arabicPeriod"/>
-            </a:pPr>
-            <a:r>
-              <a:rPr lang="zh-CN" altLang="en-US" dirty="0" smtClean="0">
-                <a:solidFill>
-                  <a:srgbClr val="000000"/>
-                </a:solidFill>
-                <a:sym typeface="+mn-ea"/>
-              </a:rPr>
-              <a:t>关系服务</a:t>
-            </a:r>
-            <a:r>
-              <a:rPr lang="en-US" altLang="zh-CN" dirty="0" smtClean="0">
-                <a:solidFill>
-                  <a:srgbClr val="000000"/>
-                </a:solidFill>
-                <a:sym typeface="+mn-ea"/>
-              </a:rPr>
-              <a:t>Relation</a:t>
-            </a:r>
-          </a:p>
-          <a:p>
-            <a:pPr marL="800100" lvl="1" indent="-342900">
-              <a:lnSpc>
-                <a:spcPct val="200000"/>
-              </a:lnSpc>
-              <a:buFont typeface="+mj-lt"/>
-              <a:buAutoNum type="arabicPeriod"/>
-            </a:pPr>
-            <a:r>
-              <a:rPr lang="zh-CN" altLang="en-US" dirty="0">
-                <a:solidFill>
-                  <a:srgbClr val="000000"/>
-                </a:solidFill>
-                <a:sym typeface="+mn-ea"/>
-              </a:rPr>
-              <a:t>排行</a:t>
-            </a:r>
-            <a:r>
-              <a:rPr lang="zh-CN" altLang="en-US" dirty="0" smtClean="0">
-                <a:solidFill>
-                  <a:srgbClr val="000000"/>
-                </a:solidFill>
-                <a:sym typeface="+mn-ea"/>
-              </a:rPr>
-              <a:t>榜服务</a:t>
-            </a:r>
-            <a:r>
-              <a:rPr lang="en-US" altLang="zh-CN" dirty="0" smtClean="0">
-                <a:solidFill>
-                  <a:srgbClr val="000000"/>
-                </a:solidFill>
-                <a:sym typeface="+mn-ea"/>
-              </a:rPr>
-              <a:t>Rank</a:t>
-            </a:r>
-          </a:p>
-          <a:p>
-            <a:pPr marL="800100" lvl="1" indent="-342900">
-              <a:lnSpc>
-                <a:spcPct val="200000"/>
-              </a:lnSpc>
-              <a:buFont typeface="+mj-lt"/>
-              <a:buAutoNum type="arabicPeriod"/>
-            </a:pPr>
-            <a:r>
-              <a:rPr lang="zh-CN" altLang="en-US" dirty="0">
-                <a:solidFill>
-                  <a:srgbClr val="000000"/>
-                </a:solidFill>
-                <a:sym typeface="+mn-ea"/>
-              </a:rPr>
-              <a:t>充</a:t>
-            </a:r>
-            <a:r>
-              <a:rPr lang="zh-CN" altLang="en-US" dirty="0" smtClean="0">
-                <a:solidFill>
-                  <a:srgbClr val="000000"/>
-                </a:solidFill>
-                <a:sym typeface="+mn-ea"/>
-              </a:rPr>
-              <a:t>值服务</a:t>
-            </a:r>
-            <a:r>
-              <a:rPr lang="en-US" altLang="zh-CN" dirty="0" smtClean="0">
-                <a:solidFill>
-                  <a:srgbClr val="000000"/>
-                </a:solidFill>
-                <a:sym typeface="+mn-ea"/>
-              </a:rPr>
-              <a:t>Pay</a:t>
-            </a:r>
-          </a:p>
         </p:txBody>
       </p:sp>
     </p:spTree>
     <p:extLst>
       <p:ext uri="{BB962C8B-B14F-4D97-AF65-F5344CB8AC3E}">
-        <p14:creationId xmlns:p14="http://schemas.microsoft.com/office/powerpoint/2010/main" val="2920075445"/>
+        <p14:creationId xmlns:p14="http://schemas.microsoft.com/office/powerpoint/2010/main" val="2545858269"/>
       </p:ext>
     </p:extLst>
   </p:cSld>
@@ -11556,18 +11486,18 @@
       </p:grpSpPr>
       <p:sp>
         <p:nvSpPr>
-          <p:cNvPr id="9" name="文本框 4"/>
+          <p:cNvPr id="2" name="文本框 4"/>
           <p:cNvSpPr txBox="1"/>
           <p:nvPr>
             <p:custDataLst>
-              <p:tags r:id="rId2"/>
+              <p:tags r:id="rId1"/>
             </p:custDataLst>
           </p:nvPr>
         </p:nvSpPr>
         <p:spPr>
           <a:xfrm>
-            <a:off x="669600" y="1335185"/>
-            <a:ext cx="10074168" cy="5365020"/>
+            <a:off x="669600" y="1343278"/>
+            <a:ext cx="10074168" cy="4415422"/>
           </a:xfrm>
           <a:prstGeom prst="rect">
             <a:avLst/>
@@ -11576,7 +11506,7 @@
         </p:spPr>
         <p:txBody>
           <a:bodyPr wrap="square" lIns="90000" tIns="46800" rIns="90000" bIns="46800" rtlCol="0">
-            <a:normAutofit/>
+            <a:normAutofit fontScale="92500" lnSpcReduction="20000"/>
           </a:bodyPr>
           <a:lstStyle>
             <a:defPPr>
@@ -11688,7 +11618,7 @@
                 </a:solidFill>
                 <a:sym typeface="+mn-ea"/>
               </a:rPr>
-              <a:t>玩家逻辑相关</a:t>
+              <a:t>基础功能</a:t>
             </a:r>
             <a:endParaRPr lang="en-US" altLang="zh-CN" dirty="0" smtClean="0">
               <a:solidFill>
@@ -11706,22 +11636,22 @@
               <a:buAutoNum type="arabicPeriod"/>
             </a:pPr>
             <a:r>
-              <a:rPr lang="zh-CN" altLang="en-US" sz="1600" dirty="0" smtClean="0">
+              <a:rPr lang="zh-CN" altLang="en-US" dirty="0" smtClean="0">
                 <a:solidFill>
                   <a:srgbClr val="000000"/>
                 </a:solidFill>
                 <a:sym typeface="+mn-ea"/>
               </a:rPr>
-              <a:t>属性重置</a:t>
-            </a:r>
-            <a:r>
-              <a:rPr lang="en-US" altLang="zh-CN" sz="1600" dirty="0" smtClean="0">
+              <a:t>定时器</a:t>
+            </a:r>
+            <a:r>
+              <a:rPr lang="en-US" altLang="zh-CN" dirty="0" smtClean="0">
                 <a:solidFill>
                   <a:srgbClr val="000000"/>
                 </a:solidFill>
                 <a:sym typeface="+mn-ea"/>
               </a:rPr>
-              <a:t>(Reset)</a:t>
+              <a:t>Timer</a:t>
             </a:r>
           </a:p>
           <a:p>
@@ -11733,40 +11663,22 @@
               <a:buAutoNum type="arabicPeriod"/>
             </a:pPr>
             <a:r>
-              <a:rPr lang="zh-CN" altLang="en-US" sz="1600" dirty="0" smtClean="0">
+              <a:rPr lang="zh-CN" altLang="en-US" dirty="0" smtClean="0">
                 <a:solidFill>
                   <a:srgbClr val="000000"/>
                 </a:solidFill>
                 <a:sym typeface="+mn-ea"/>
               </a:rPr>
-              <a:t>进入离开游戏</a:t>
-            </a:r>
-            <a:r>
-              <a:rPr lang="en-US" altLang="zh-CN" sz="1600" dirty="0" smtClean="0">
+              <a:t>计划任务</a:t>
+            </a:r>
+            <a:r>
+              <a:rPr lang="en-US" altLang="zh-CN" dirty="0" smtClean="0">
                 <a:solidFill>
                   <a:srgbClr val="000000"/>
                 </a:solidFill>
                 <a:sym typeface="+mn-ea"/>
               </a:rPr>
-              <a:t>(</a:t>
-            </a:r>
-            <a:r>
-              <a:rPr lang="en-US" altLang="zh-CN" sz="1600" dirty="0" err="1" smtClean="0">
-                <a:solidFill>
-                  <a:srgbClr val="000000"/>
-                </a:solidFill>
-                <a:sym typeface="+mn-ea"/>
-              </a:rPr>
-              <a:t>Enter,Leave</a:t>
-            </a:r>
-            <a:r>
-              <a:rPr lang="en-US" altLang="zh-CN" sz="1600" dirty="0" smtClean="0">
-                <a:solidFill>
-                  <a:srgbClr val="000000"/>
-                </a:solidFill>
-                <a:sym typeface="+mn-ea"/>
-              </a:rPr>
-              <a:t>)</a:t>
+              <a:t>Schedule</a:t>
             </a:r>
           </a:p>
           <a:p>
@@ -11778,23 +11690,38 @@
               <a:buAutoNum type="arabicPeriod"/>
             </a:pPr>
             <a:r>
-              <a:rPr lang="zh-CN" altLang="en-US" sz="1600" dirty="0" smtClean="0">
+              <a:rPr lang="zh-CN" altLang="en-US" dirty="0">
                 <a:solidFill>
                   <a:srgbClr val="000000"/>
                 </a:solidFill>
                 <a:sym typeface="+mn-ea"/>
               </a:rPr>
-              <a:t>成就</a:t>
-            </a:r>
-            <a:r>
-              <a:rPr lang="en-US" altLang="zh-CN" sz="1600" dirty="0" smtClean="0">
+              <a:t>配置</a:t>
+            </a:r>
+            <a:r>
+              <a:rPr lang="zh-CN" altLang="en-US" dirty="0" smtClean="0">
                 <a:solidFill>
                   <a:srgbClr val="000000"/>
                 </a:solidFill>
                 <a:sym typeface="+mn-ea"/>
               </a:rPr>
-              <a:t>(Achieve)</a:t>
-            </a:r>
+              <a:t>表管理</a:t>
+            </a:r>
+            <a:r>
+              <a:rPr lang="en-US" altLang="zh-CN" dirty="0" err="1" smtClean="0">
+                <a:solidFill>
+                  <a:srgbClr val="000000"/>
+                </a:solidFill>
+                <a:sym typeface="+mn-ea"/>
+              </a:rPr>
+              <a:t>Config</a:t>
+            </a:r>
+            <a:endParaRPr lang="en-US" altLang="zh-CN" dirty="0" smtClean="0">
+              <a:solidFill>
+                <a:srgbClr val="000000"/>
+              </a:solidFill>
+              <a:sym typeface="+mn-ea"/>
+            </a:endParaRPr>
           </a:p>
           <a:p>
             <a:pPr marL="800100" lvl="1" indent="-342900">
@@ -11805,22 +11732,22 @@
               <a:buAutoNum type="arabicPeriod"/>
             </a:pPr>
             <a:r>
-              <a:rPr lang="zh-CN" altLang="en-US" sz="1600" dirty="0" smtClean="0">
+              <a:rPr lang="zh-CN" altLang="en-US" dirty="0" smtClean="0">
                 <a:solidFill>
                   <a:srgbClr val="000000"/>
                 </a:solidFill>
                 <a:sym typeface="+mn-ea"/>
               </a:rPr>
-              <a:t>任务</a:t>
-            </a:r>
-            <a:r>
-              <a:rPr lang="en-US" altLang="zh-CN" sz="1600" dirty="0" smtClean="0">
+              <a:t>条件管理</a:t>
+            </a:r>
+            <a:r>
+              <a:rPr lang="en-US" altLang="zh-CN" dirty="0" smtClean="0">
                 <a:solidFill>
                   <a:srgbClr val="000000"/>
                 </a:solidFill>
                 <a:sym typeface="+mn-ea"/>
               </a:rPr>
-              <a:t>(Task)</a:t>
+              <a:t>Condition</a:t>
             </a:r>
           </a:p>
           <a:p>
@@ -11832,31 +11759,22 @@
               <a:buAutoNum type="arabicPeriod"/>
             </a:pPr>
             <a:r>
-              <a:rPr lang="zh-CN" altLang="en-US" sz="1600" dirty="0">
+              <a:rPr lang="zh-CN" altLang="en-US" dirty="0" smtClean="0">
                 <a:solidFill>
                   <a:srgbClr val="000000"/>
                 </a:solidFill>
                 <a:sym typeface="+mn-ea"/>
               </a:rPr>
-              <a:t>商</a:t>
-            </a:r>
-            <a:r>
-              <a:rPr lang="zh-CN" altLang="en-US" sz="1600" dirty="0" smtClean="0">
+              <a:t>属性管理</a:t>
+            </a:r>
+            <a:r>
+              <a:rPr lang="en-US" altLang="zh-CN" dirty="0" smtClean="0">
                 <a:solidFill>
                   <a:srgbClr val="000000"/>
                 </a:solidFill>
                 <a:sym typeface="+mn-ea"/>
               </a:rPr>
-              <a:t>城</a:t>
-            </a:r>
-            <a:r>
-              <a:rPr lang="en-US" altLang="zh-CN" sz="1600" dirty="0" smtClean="0">
-                <a:solidFill>
-                  <a:srgbClr val="000000"/>
-                </a:solidFill>
-                <a:sym typeface="+mn-ea"/>
-              </a:rPr>
-              <a:t>(Store)</a:t>
+              <a:t>Kernel</a:t>
             </a:r>
           </a:p>
           <a:p>
@@ -11868,22 +11786,22 @@
               <a:buAutoNum type="arabicPeriod"/>
             </a:pPr>
             <a:r>
-              <a:rPr lang="zh-CN" altLang="en-US" sz="1600" dirty="0" smtClean="0">
+              <a:rPr lang="zh-CN" altLang="en-US" dirty="0" smtClean="0">
                 <a:solidFill>
                   <a:srgbClr val="000000"/>
                 </a:solidFill>
                 <a:sym typeface="+mn-ea"/>
               </a:rPr>
-              <a:t>合成</a:t>
-            </a:r>
-            <a:r>
-              <a:rPr lang="en-US" altLang="zh-CN" sz="1600" dirty="0" smtClean="0">
+              <a:t>功能输出</a:t>
+            </a:r>
+            <a:r>
+              <a:rPr lang="en-US" altLang="zh-CN" dirty="0" smtClean="0">
                 <a:solidFill>
                   <a:srgbClr val="000000"/>
                 </a:solidFill>
                 <a:sym typeface="+mn-ea"/>
               </a:rPr>
-              <a:t>(Compound)	</a:t>
+              <a:t>Execute</a:t>
             </a:r>
           </a:p>
           <a:p>
@@ -11895,41 +11813,29 @@
               <a:buAutoNum type="arabicPeriod"/>
             </a:pPr>
             <a:r>
-              <a:rPr lang="zh-CN" altLang="en-US" sz="1600" dirty="0" smtClean="0">
+              <a:rPr lang="zh-CN" altLang="en-US" dirty="0" smtClean="0">
                 <a:solidFill>
                   <a:srgbClr val="000000"/>
                 </a:solidFill>
                 <a:sym typeface="+mn-ea"/>
               </a:rPr>
-              <a:t>签到</a:t>
-            </a:r>
-            <a:r>
-              <a:rPr lang="en-US" altLang="zh-CN" sz="1600" dirty="0" smtClean="0">
+              <a:t>掉落管理</a:t>
+            </a:r>
+            <a:r>
+              <a:rPr lang="en-US" altLang="zh-CN" dirty="0" smtClean="0">
                 <a:solidFill>
                   <a:srgbClr val="000000"/>
                 </a:solidFill>
                 <a:sym typeface="+mn-ea"/>
               </a:rPr>
-              <a:t>(</a:t>
-            </a:r>
-            <a:r>
-              <a:rPr lang="en-US" altLang="zh-CN" sz="1600" dirty="0" err="1" smtClean="0">
-                <a:solidFill>
-                  <a:srgbClr val="000000"/>
-                </a:solidFill>
-                <a:sym typeface="+mn-ea"/>
-              </a:rPr>
-              <a:t>Signin</a:t>
-            </a:r>
-            <a:r>
-              <a:rPr lang="en-US" altLang="zh-CN" sz="1600" dirty="0" smtClean="0">
-                <a:solidFill>
-                  <a:srgbClr val="000000"/>
-                </a:solidFill>
-                <a:sym typeface="+mn-ea"/>
-              </a:rPr>
-              <a:t>)</a:t>
-            </a:r>
+              <a:t>Drop</a:t>
+            </a:r>
+            <a:endParaRPr lang="en-US" altLang="zh-CN" dirty="0" smtClean="0">
+              <a:solidFill>
+                <a:srgbClr val="000000"/>
+              </a:solidFill>
+              <a:sym typeface="+mn-ea"/>
+            </a:endParaRPr>
           </a:p>
           <a:p>
             <a:pPr marL="800100" lvl="1" indent="-342900">
@@ -11940,49 +11846,13 @@
               <a:buAutoNum type="arabicPeriod"/>
             </a:pPr>
             <a:r>
-              <a:rPr lang="zh-CN" altLang="en-US" sz="1600" dirty="0" smtClean="0">
+              <a:rPr lang="en-US" altLang="zh-CN" dirty="0" err="1" smtClean="0">
                 <a:solidFill>
                   <a:srgbClr val="000000"/>
                 </a:solidFill>
                 <a:sym typeface="+mn-ea"/>
               </a:rPr>
-              <a:t>道具</a:t>
-            </a:r>
-            <a:r>
-              <a:rPr lang="en-US" altLang="zh-CN" sz="1600" dirty="0" smtClean="0">
-                <a:solidFill>
-                  <a:srgbClr val="000000"/>
-                </a:solidFill>
-                <a:sym typeface="+mn-ea"/>
-              </a:rPr>
-              <a:t>(Item)</a:t>
-            </a:r>
-          </a:p>
-          <a:p>
-            <a:pPr marL="800100" lvl="1" indent="-342900">
-              <a:lnSpc>
-                <a:spcPct val="200000"/>
-              </a:lnSpc>
-              <a:buFont typeface="+mj-lt"/>
-              <a:buAutoNum type="arabicPeriod"/>
-            </a:pPr>
-            <a:r>
-              <a:rPr lang="zh-CN" altLang="en-US" sz="1600" dirty="0" smtClean="0">
-                <a:solidFill>
-                  <a:srgbClr val="000000"/>
-                </a:solidFill>
-                <a:sym typeface="+mn-ea"/>
-              </a:rPr>
-              <a:t>掉落</a:t>
-            </a:r>
-            <a:r>
-              <a:rPr lang="en-US" altLang="zh-CN" sz="1600" dirty="0" smtClean="0">
-                <a:solidFill>
-                  <a:srgbClr val="000000"/>
-                </a:solidFill>
-                <a:sym typeface="+mn-ea"/>
-              </a:rPr>
-              <a:t>(Drop)</a:t>
+              <a:t>Lua</a:t>
             </a:r>
             <a:endParaRPr lang="en-US" altLang="zh-CN" dirty="0" smtClean="0">
               <a:solidFill>
@@ -11993,83 +11863,16 @@
           </a:p>
         </p:txBody>
       </p:sp>
-      <p:sp>
-        <p:nvSpPr>
-          <p:cNvPr id="5" name="文本框 4"/>
-          <p:cNvSpPr txBox="1"/>
-          <p:nvPr>
-            <p:custDataLst>
-              <p:tags r:id="rId3"/>
-            </p:custDataLst>
-          </p:nvPr>
-        </p:nvSpPr>
-        <p:spPr>
-          <a:xfrm>
-            <a:off x="669600" y="432000"/>
-            <a:ext cx="10854000" cy="648000"/>
-          </a:xfrm>
-          <a:prstGeom prst="rect">
-            <a:avLst/>
-          </a:prstGeom>
-        </p:spPr>
-        <p:txBody>
-          <a:bodyPr vert="horz" lIns="101600" tIns="38100" rIns="76200" bIns="38100" rtlCol="0" anchor="ctr" anchorCtr="0">
-            <a:noAutofit/>
-          </a:bodyPr>
-          <a:lstStyle>
-            <a:defPPr>
-              <a:defRPr lang="zh-CN"/>
-            </a:defPPr>
-            <a:lvl1pPr marR="0" fontAlgn="auto">
-              <a:lnSpc>
-                <a:spcPct val="100000"/>
-              </a:lnSpc>
-              <a:spcBef>
-                <a:spcPct val="0"/>
-              </a:spcBef>
-              <a:buNone/>
-              <a:defRPr kumimoji="0" lang="zh-CN" altLang="en-US" sz="2800" b="1" i="0" u="none" strike="noStrike" cap="none" spc="200" normalizeH="0" baseline="0" noProof="1" dirty="0">
-                <a:uFillTx/>
-                <a:latin typeface="+mj-lt"/>
-                <a:ea typeface="+mj-ea"/>
-                <a:cs typeface="+mj-cs"/>
-                <a:sym typeface="+mn-ea"/>
-              </a:defRPr>
-            </a:lvl1pPr>
-          </a:lstStyle>
-          <a:p>
-            <a:r>
-              <a:rPr lang="zh-CN" altLang="en-US" dirty="0"/>
-              <a:t>已</a:t>
-            </a:r>
-            <a:r>
-              <a:rPr lang="zh-CN" altLang="en-US" dirty="0" smtClean="0"/>
-              <a:t>有的游戏通用模块插件</a:t>
-            </a:r>
-            <a:endParaRPr lang="zh-CN" altLang="en-US" dirty="0"/>
-          </a:p>
-        </p:txBody>
-      </p:sp>
     </p:spTree>
-    <p:custDataLst>
-      <p:tags r:id="rId1"/>
-    </p:custDataLst>
     <p:extLst>
       <p:ext uri="{BB962C8B-B14F-4D97-AF65-F5344CB8AC3E}">
-        <p14:creationId xmlns:p14="http://schemas.microsoft.com/office/powerpoint/2010/main" val="1312730362"/>
+        <p14:creationId xmlns:p14="http://schemas.microsoft.com/office/powerpoint/2010/main" val="2164219795"/>
       </p:ext>
     </p:extLst>
   </p:cSld>
   <p:clrMapOvr>
     <a:masterClrMapping/>
   </p:clrMapOvr>
-  <p:timing>
-    <p:tnLst>
-      <p:par>
-        <p:cTn id="1" dur="indefinite" restart="never" nodeType="tmRoot"/>
-      </p:par>
-    </p:tnLst>
-  </p:timing>
 </p:sld>
 </file>
 
@@ -12092,24 +11895,131 @@
       </p:grpSpPr>
       <p:sp>
         <p:nvSpPr>
-          <p:cNvPr id="3" name="内容占位符 2"/>
-          <p:cNvSpPr>
-            <a:spLocks noGrp="1"/>
-          </p:cNvSpPr>
+          <p:cNvPr id="2" name="文本框 4"/>
+          <p:cNvSpPr txBox="1"/>
           <p:nvPr>
-            <p:ph idx="1"/>
+            <p:custDataLst>
+              <p:tags r:id="rId1"/>
+            </p:custDataLst>
           </p:nvPr>
         </p:nvSpPr>
         <p:spPr>
           <a:xfrm>
-            <a:off x="647700" y="1525270"/>
-            <a:ext cx="10515600" cy="4652010"/>
+            <a:off x="669600" y="194209"/>
+            <a:ext cx="10074168" cy="6663791"/>
           </a:xfrm>
+          <a:prstGeom prst="rect">
+            <a:avLst/>
+          </a:prstGeom>
+          <a:noFill/>
         </p:spPr>
         <p:txBody>
-          <a:bodyPr/>
-          <a:lstStyle/>
-          <a:p>
+          <a:bodyPr wrap="square" lIns="90000" tIns="46800" rIns="90000" bIns="46800" rtlCol="0">
+            <a:normAutofit lnSpcReduction="10000"/>
+          </a:bodyPr>
+          <a:lstStyle>
+            <a:defPPr>
+              <a:defRPr lang="zh-CN"/>
+            </a:defPPr>
+            <a:lvl1pPr marL="0" algn="l" defTabSz="913765" rtl="0" eaLnBrk="1" latinLnBrk="0" hangingPunct="1">
+              <a:defRPr sz="1800" kern="1200">
+                <a:solidFill>
+                  <a:schemeClr val="tx1"/>
+                </a:solidFill>
+                <a:latin typeface="+mn-lt"/>
+                <a:ea typeface="+mn-ea"/>
+                <a:cs typeface="+mn-cs"/>
+              </a:defRPr>
+            </a:lvl1pPr>
+            <a:lvl2pPr marL="457200" algn="l" defTabSz="913765" rtl="0" eaLnBrk="1" latinLnBrk="0" hangingPunct="1">
+              <a:defRPr sz="1800" kern="1200">
+                <a:solidFill>
+                  <a:schemeClr val="tx1"/>
+                </a:solidFill>
+                <a:latin typeface="+mn-lt"/>
+                <a:ea typeface="+mn-ea"/>
+                <a:cs typeface="+mn-cs"/>
+              </a:defRPr>
+            </a:lvl2pPr>
+            <a:lvl3pPr marL="914400" algn="l" defTabSz="913765" rtl="0" eaLnBrk="1" latinLnBrk="0" hangingPunct="1">
+              <a:defRPr sz="1800" kern="1200">
+                <a:solidFill>
+                  <a:schemeClr val="tx1"/>
+                </a:solidFill>
+                <a:latin typeface="+mn-lt"/>
+                <a:ea typeface="+mn-ea"/>
+                <a:cs typeface="+mn-cs"/>
+              </a:defRPr>
+            </a:lvl3pPr>
+            <a:lvl4pPr marL="1371600" algn="l" defTabSz="913765" rtl="0" eaLnBrk="1" latinLnBrk="0" hangingPunct="1">
+              <a:defRPr sz="1800" kern="1200">
+                <a:solidFill>
+                  <a:schemeClr val="tx1"/>
+                </a:solidFill>
+                <a:latin typeface="+mn-lt"/>
+                <a:ea typeface="+mn-ea"/>
+                <a:cs typeface="+mn-cs"/>
+              </a:defRPr>
+            </a:lvl4pPr>
+            <a:lvl5pPr marL="1828800" algn="l" defTabSz="913765" rtl="0" eaLnBrk="1" latinLnBrk="0" hangingPunct="1">
+              <a:defRPr sz="1800" kern="1200">
+                <a:solidFill>
+                  <a:schemeClr val="tx1"/>
+                </a:solidFill>
+                <a:latin typeface="+mn-lt"/>
+                <a:ea typeface="+mn-ea"/>
+                <a:cs typeface="+mn-cs"/>
+              </a:defRPr>
+            </a:lvl5pPr>
+            <a:lvl6pPr marL="2286000" algn="l" defTabSz="913765" rtl="0" eaLnBrk="1" latinLnBrk="0" hangingPunct="1">
+              <a:defRPr sz="1800" kern="1200">
+                <a:solidFill>
+                  <a:schemeClr val="tx1"/>
+                </a:solidFill>
+                <a:latin typeface="+mn-lt"/>
+                <a:ea typeface="+mn-ea"/>
+                <a:cs typeface="+mn-cs"/>
+              </a:defRPr>
+            </a:lvl6pPr>
+            <a:lvl7pPr marL="2743200" algn="l" defTabSz="913765" rtl="0" eaLnBrk="1" latinLnBrk="0" hangingPunct="1">
+              <a:defRPr sz="1800" kern="1200">
+                <a:solidFill>
+                  <a:schemeClr val="tx1"/>
+                </a:solidFill>
+                <a:latin typeface="+mn-lt"/>
+                <a:ea typeface="+mn-ea"/>
+                <a:cs typeface="+mn-cs"/>
+              </a:defRPr>
+            </a:lvl7pPr>
+            <a:lvl8pPr marL="3200400" algn="l" defTabSz="913765" rtl="0" eaLnBrk="1" latinLnBrk="0" hangingPunct="1">
+              <a:defRPr sz="1800" kern="1200">
+                <a:solidFill>
+                  <a:schemeClr val="tx1"/>
+                </a:solidFill>
+                <a:latin typeface="+mn-lt"/>
+                <a:ea typeface="+mn-ea"/>
+                <a:cs typeface="+mn-cs"/>
+              </a:defRPr>
+            </a:lvl8pPr>
+            <a:lvl9pPr marL="3657600" algn="l" defTabSz="913765" rtl="0" eaLnBrk="1" latinLnBrk="0" hangingPunct="1">
+              <a:defRPr sz="1800" kern="1200">
+                <a:solidFill>
+                  <a:schemeClr val="tx1"/>
+                </a:solidFill>
+                <a:latin typeface="+mn-lt"/>
+                <a:ea typeface="+mn-ea"/>
+                <a:cs typeface="+mn-cs"/>
+              </a:defRPr>
+            </a:lvl9pPr>
+          </a:lstStyle>
+          <a:p>
+            <a:pPr marL="285750" indent="-285750">
+              <a:lnSpc>
+                <a:spcPct val="200000"/>
+              </a:lnSpc>
+              <a:buFont typeface="Arial" panose="020B0604020202020204" pitchFamily="34" charset="0"/>
+              <a:buChar char="•"/>
+            </a:pPr>
             <a:r>
               <a:rPr lang="zh-CN" altLang="en-US" dirty="0" smtClean="0">
                 <a:solidFill>
@@ -12117,7 +12027,7 @@
                 </a:solidFill>
                 <a:sym typeface="+mn-ea"/>
               </a:rPr>
-              <a:t>部署相关</a:t>
+              <a:t>游戏结构相关</a:t>
             </a:r>
             <a:endParaRPr lang="en-US" altLang="zh-CN" dirty="0" smtClean="0">
               <a:solidFill>
@@ -12127,7 +12037,31 @@
             </a:endParaRPr>
           </a:p>
           <a:p>
-            <a:pPr lvl="1"/>
+            <a:pPr marL="800100" lvl="1" indent="-342900">
+              <a:lnSpc>
+                <a:spcPct val="200000"/>
+              </a:lnSpc>
+              <a:buFont typeface="+mj-lt"/>
+              <a:buAutoNum type="arabicPeriod"/>
+            </a:pPr>
+            <a:r>
+              <a:rPr lang="zh-CN" altLang="en-US" dirty="0" smtClean="0">
+                <a:solidFill>
+                  <a:srgbClr val="000000"/>
+                </a:solidFill>
+                <a:sym typeface="+mn-ea"/>
+              </a:rPr>
+              <a:t>网关服务</a:t>
+            </a:r>
+            <a:r>
+              <a:rPr lang="en-US" altLang="zh-CN" dirty="0" smtClean="0">
+                <a:solidFill>
+                  <a:srgbClr val="000000"/>
+                </a:solidFill>
+                <a:sym typeface="+mn-ea"/>
+              </a:rPr>
+              <a:t>Gate</a:t>
+            </a:r>
             <a:endParaRPr lang="en-US" altLang="zh-CN" dirty="0">
               <a:solidFill>
                 <a:srgbClr val="000000"/>
@@ -12137,6 +12071,9 @@
           </a:p>
           <a:p>
             <a:pPr marL="800100" lvl="1" indent="-342900">
+              <a:lnSpc>
+                <a:spcPct val="200000"/>
+              </a:lnSpc>
               <a:buFont typeface="+mj-lt"/>
               <a:buAutoNum type="arabicPeriod"/>
             </a:pPr>
@@ -12147,16 +12084,133 @@
                 </a:solidFill>
                 <a:sym typeface="+mn-ea"/>
               </a:rPr>
-              <a:t>部署中控服务</a:t>
-            </a:r>
-            <a:r>
-              <a:rPr lang="en-US" altLang="zh-CN" dirty="0" err="1" smtClean="0">
+              <a:t>登录服务</a:t>
+            </a:r>
+            <a:r>
+              <a:rPr lang="en-US" altLang="zh-CN" dirty="0" smtClean="0">
                 <a:solidFill>
                   <a:srgbClr val="000000"/>
                 </a:solidFill>
                 <a:sym typeface="+mn-ea"/>
               </a:rPr>
-              <a:t>DeployServer</a:t>
+              <a:t>Login</a:t>
+            </a:r>
+          </a:p>
+          <a:p>
+            <a:pPr marL="800100" lvl="1" indent="-342900">
+              <a:lnSpc>
+                <a:spcPct val="200000"/>
+              </a:lnSpc>
+              <a:buFont typeface="+mj-lt"/>
+              <a:buAutoNum type="arabicPeriod"/>
+            </a:pPr>
+            <a:r>
+              <a:rPr lang="zh-CN" altLang="en-US" dirty="0">
+                <a:solidFill>
+                  <a:srgbClr val="000000"/>
+                </a:solidFill>
+                <a:sym typeface="+mn-ea"/>
+              </a:rPr>
+              <a:t>游戏</a:t>
+            </a:r>
+            <a:r>
+              <a:rPr lang="zh-CN" altLang="en-US" dirty="0" smtClean="0">
+                <a:solidFill>
+                  <a:srgbClr val="000000"/>
+                </a:solidFill>
+                <a:sym typeface="+mn-ea"/>
+              </a:rPr>
+              <a:t>服务</a:t>
+            </a:r>
+            <a:r>
+              <a:rPr lang="en-US" altLang="zh-CN" dirty="0" smtClean="0">
+                <a:solidFill>
+                  <a:srgbClr val="000000"/>
+                </a:solidFill>
+                <a:sym typeface="+mn-ea"/>
+              </a:rPr>
+              <a:t>Game</a:t>
+            </a:r>
+          </a:p>
+          <a:p>
+            <a:pPr marL="800100" lvl="1" indent="-342900">
+              <a:lnSpc>
+                <a:spcPct val="200000"/>
+              </a:lnSpc>
+              <a:buFont typeface="+mj-lt"/>
+              <a:buAutoNum type="arabicPeriod"/>
+            </a:pPr>
+            <a:r>
+              <a:rPr lang="zh-CN" altLang="en-US" dirty="0" smtClean="0">
+                <a:solidFill>
+                  <a:srgbClr val="000000"/>
+                </a:solidFill>
+                <a:sym typeface="+mn-ea"/>
+              </a:rPr>
+              <a:t>世界服务</a:t>
+            </a:r>
+            <a:r>
+              <a:rPr lang="en-US" altLang="zh-CN" dirty="0" smtClean="0">
+                <a:solidFill>
+                  <a:srgbClr val="000000"/>
+                </a:solidFill>
+                <a:sym typeface="+mn-ea"/>
+              </a:rPr>
+              <a:t>World</a:t>
+            </a:r>
+          </a:p>
+          <a:p>
+            <a:pPr marL="800100" lvl="1" indent="-342900">
+              <a:lnSpc>
+                <a:spcPct val="200000"/>
+              </a:lnSpc>
+              <a:buFont typeface="+mj-lt"/>
+              <a:buAutoNum type="arabicPeriod"/>
+            </a:pPr>
+            <a:r>
+              <a:rPr lang="zh-CN" altLang="en-US" dirty="0" smtClean="0">
+                <a:solidFill>
+                  <a:srgbClr val="000000"/>
+                </a:solidFill>
+                <a:sym typeface="+mn-ea"/>
+              </a:rPr>
+              <a:t>发现服务</a:t>
+            </a:r>
+            <a:r>
+              <a:rPr lang="en-US" altLang="zh-CN" dirty="0" smtClean="0">
+                <a:solidFill>
+                  <a:srgbClr val="000000"/>
+                </a:solidFill>
+                <a:sym typeface="+mn-ea"/>
+              </a:rPr>
+              <a:t>Master</a:t>
+            </a:r>
+          </a:p>
+          <a:p>
+            <a:pPr marL="800100" lvl="1" indent="-342900">
+              <a:lnSpc>
+                <a:spcPct val="200000"/>
+              </a:lnSpc>
+              <a:buFont typeface="+mj-lt"/>
+              <a:buAutoNum type="arabicPeriod"/>
+            </a:pPr>
+            <a:r>
+              <a:rPr lang="zh-CN" altLang="en-US" dirty="0" smtClean="0">
+                <a:solidFill>
+                  <a:srgbClr val="000000"/>
+                </a:solidFill>
+                <a:sym typeface="+mn-ea"/>
+              </a:rPr>
+              <a:t>认证服务</a:t>
+            </a:r>
+            <a:r>
+              <a:rPr lang="en-US" altLang="zh-CN" dirty="0" err="1" smtClean="0">
+                <a:solidFill>
+                  <a:srgbClr val="000000"/>
+                </a:solidFill>
+                <a:sym typeface="+mn-ea"/>
+              </a:rPr>
+              <a:t>Auth</a:t>
             </a:r>
             <a:endParaRPr lang="en-US" altLang="zh-CN" dirty="0" smtClean="0">
               <a:solidFill>
@@ -12167,6 +12221,9 @@
           </a:p>
           <a:p>
             <a:pPr marL="800100" lvl="1" indent="-342900">
+              <a:lnSpc>
+                <a:spcPct val="200000"/>
+              </a:lnSpc>
               <a:buFont typeface="+mj-lt"/>
               <a:buAutoNum type="arabicPeriod"/>
             </a:pPr>
@@ -12177,26 +12234,23 @@
                 </a:solidFill>
                 <a:sym typeface="+mn-ea"/>
               </a:rPr>
-              <a:t>部署守护进程</a:t>
-            </a:r>
-            <a:r>
-              <a:rPr lang="en-US" altLang="zh-CN" dirty="0" err="1" smtClean="0">
+              <a:t>数据保存服务</a:t>
+            </a:r>
+            <a:r>
+              <a:rPr lang="en-US" altLang="zh-CN" dirty="0" smtClean="0">
                 <a:solidFill>
                   <a:srgbClr val="000000"/>
                 </a:solidFill>
                 <a:sym typeface="+mn-ea"/>
               </a:rPr>
-              <a:t>DeployAgent</a:t>
-            </a:r>
-            <a:endParaRPr lang="en-US" altLang="zh-CN" dirty="0" smtClean="0">
-              <a:solidFill>
-                <a:srgbClr val="000000"/>
-              </a:solidFill>
-              <a:sym typeface="+mn-ea"/>
-            </a:endParaRPr>
+              <a:t>Data</a:t>
+            </a:r>
           </a:p>
           <a:p>
             <a:pPr marL="800100" lvl="1" indent="-342900">
+              <a:lnSpc>
+                <a:spcPct val="200000"/>
+              </a:lnSpc>
               <a:buFont typeface="+mj-lt"/>
               <a:buAutoNum type="arabicPeriod"/>
             </a:pPr>
@@ -12207,105 +12261,129 @@
                 </a:solidFill>
                 <a:sym typeface="+mn-ea"/>
               </a:rPr>
-              <a:t>部署命令接收</a:t>
-            </a:r>
-            <a:r>
-              <a:rPr lang="en-US" altLang="zh-CN" dirty="0" err="1" smtClean="0">
+              <a:t>邮件服务</a:t>
+            </a:r>
+            <a:r>
+              <a:rPr lang="en-US" altLang="zh-CN" dirty="0" smtClean="0">
                 <a:solidFill>
                   <a:srgbClr val="000000"/>
                 </a:solidFill>
                 <a:sym typeface="+mn-ea"/>
               </a:rPr>
-              <a:t>DeployClient</a:t>
-            </a:r>
-            <a:endParaRPr lang="en-US" altLang="zh-CN" dirty="0" smtClean="0">
-              <a:solidFill>
-                <a:srgbClr val="000000"/>
-              </a:solidFill>
-              <a:sym typeface="+mn-ea"/>
-            </a:endParaRPr>
-          </a:p>
-          <a:p>
-            <a:pPr marL="914400" lvl="1" indent="-457200">
+              <a:t>Mail</a:t>
+            </a:r>
+          </a:p>
+          <a:p>
+            <a:pPr marL="800100" lvl="1" indent="-342900">
+              <a:lnSpc>
+                <a:spcPct val="200000"/>
+              </a:lnSpc>
               <a:buFont typeface="+mj-lt"/>
               <a:buAutoNum type="arabicPeriod"/>
             </a:pPr>
-            <a:endParaRPr lang="zh-CN" altLang="en-US" dirty="0"/>
-          </a:p>
-        </p:txBody>
-      </p:sp>
-      <p:sp>
-        <p:nvSpPr>
-          <p:cNvPr id="27" name="文本框 26"/>
-          <p:cNvSpPr txBox="1"/>
-          <p:nvPr>
-            <p:custDataLst>
-              <p:tags r:id="rId2"/>
-            </p:custDataLst>
-          </p:nvPr>
-        </p:nvSpPr>
-        <p:spPr>
-          <a:xfrm>
-            <a:off x="669600" y="462480"/>
-            <a:ext cx="10854000" cy="648000"/>
-          </a:xfrm>
-          <a:prstGeom prst="rect">
-            <a:avLst/>
-          </a:prstGeom>
-        </p:spPr>
-        <p:txBody>
-          <a:bodyPr vert="horz" lIns="101600" tIns="38100" rIns="76200" bIns="38100" rtlCol="0" anchor="ctr" anchorCtr="0">
-            <a:noAutofit/>
-          </a:bodyPr>
-          <a:lstStyle>
-            <a:defPPr>
-              <a:defRPr lang="zh-CN"/>
-            </a:defPPr>
-            <a:lvl1pPr marR="0" fontAlgn="auto">
-              <a:lnSpc>
-                <a:spcPct val="100000"/>
-              </a:lnSpc>
-              <a:spcBef>
-                <a:spcPct val="0"/>
-              </a:spcBef>
-              <a:buNone/>
-              <a:defRPr kumimoji="0" lang="zh-CN" altLang="en-US" sz="2800" b="1" i="0" u="none" strike="noStrike" cap="none" spc="200" normalizeH="0" baseline="0" noProof="1" dirty="0">
-                <a:uFillTx/>
-                <a:latin typeface="+mj-lt"/>
-                <a:ea typeface="+mj-ea"/>
-                <a:cs typeface="+mj-cs"/>
-                <a:sym typeface="+mn-ea"/>
-              </a:defRPr>
-            </a:lvl1pPr>
-          </a:lstStyle>
-          <a:p>
             <a:r>
               <a:rPr lang="zh-CN" altLang="en-US" dirty="0" smtClean="0">
+                <a:solidFill>
+                  <a:srgbClr val="000000"/>
+                </a:solidFill>
                 <a:sym typeface="+mn-ea"/>
               </a:rPr>
-              <a:t>部署相关模块</a:t>
-            </a:r>
-            <a:endParaRPr dirty="0">
-              <a:sym typeface="+mn-ea"/>
-            </a:endParaRPr>
+              <a:t>关系服务</a:t>
+            </a:r>
+            <a:r>
+              <a:rPr lang="en-US" altLang="zh-CN" dirty="0" smtClean="0">
+                <a:solidFill>
+                  <a:srgbClr val="000000"/>
+                </a:solidFill>
+                <a:sym typeface="+mn-ea"/>
+              </a:rPr>
+              <a:t>Relation</a:t>
+            </a:r>
+          </a:p>
+          <a:p>
+            <a:pPr marL="800100" lvl="1" indent="-342900">
+              <a:lnSpc>
+                <a:spcPct val="200000"/>
+              </a:lnSpc>
+              <a:buFont typeface="+mj-lt"/>
+              <a:buAutoNum type="arabicPeriod"/>
+            </a:pPr>
+            <a:r>
+              <a:rPr lang="zh-CN" altLang="en-US" dirty="0">
+                <a:solidFill>
+                  <a:srgbClr val="000000"/>
+                </a:solidFill>
+                <a:sym typeface="+mn-ea"/>
+              </a:rPr>
+              <a:t>排行</a:t>
+            </a:r>
+            <a:r>
+              <a:rPr lang="zh-CN" altLang="en-US" dirty="0" smtClean="0">
+                <a:solidFill>
+                  <a:srgbClr val="000000"/>
+                </a:solidFill>
+                <a:sym typeface="+mn-ea"/>
+              </a:rPr>
+              <a:t>榜服务</a:t>
+            </a:r>
+            <a:r>
+              <a:rPr lang="en-US" altLang="zh-CN" dirty="0" smtClean="0">
+                <a:solidFill>
+                  <a:srgbClr val="000000"/>
+                </a:solidFill>
+                <a:sym typeface="+mn-ea"/>
+              </a:rPr>
+              <a:t>Rank</a:t>
+            </a:r>
+          </a:p>
+          <a:p>
+            <a:pPr marL="800100" lvl="1" indent="-342900">
+              <a:lnSpc>
+                <a:spcPct val="200000"/>
+              </a:lnSpc>
+              <a:buFont typeface="+mj-lt"/>
+              <a:buAutoNum type="arabicPeriod"/>
+            </a:pPr>
+            <a:r>
+              <a:rPr lang="zh-CN" altLang="en-US" dirty="0">
+                <a:solidFill>
+                  <a:srgbClr val="000000"/>
+                </a:solidFill>
+                <a:sym typeface="+mn-ea"/>
+              </a:rPr>
+              <a:t>充</a:t>
+            </a:r>
+            <a:r>
+              <a:rPr lang="zh-CN" altLang="en-US" dirty="0" smtClean="0">
+                <a:solidFill>
+                  <a:srgbClr val="000000"/>
+                </a:solidFill>
+                <a:sym typeface="+mn-ea"/>
+              </a:rPr>
+              <a:t>值服务</a:t>
+            </a:r>
+            <a:r>
+              <a:rPr lang="en-US" altLang="zh-CN" dirty="0" smtClean="0">
+                <a:solidFill>
+                  <a:srgbClr val="000000"/>
+                </a:solidFill>
+                <a:sym typeface="+mn-ea"/>
+              </a:rPr>
+              <a:t>Pay</a:t>
+            </a:r>
           </a:p>
         </p:txBody>
       </p:sp>
     </p:spTree>
-    <p:custDataLst>
-      <p:tags r:id="rId1"/>
-    </p:custDataLst>
+    <p:extLst>
+      <p:ext uri="{BB962C8B-B14F-4D97-AF65-F5344CB8AC3E}">
+        <p14:creationId xmlns:p14="http://schemas.microsoft.com/office/powerpoint/2010/main" val="2920075445"/>
+      </p:ext>
+    </p:extLst>
   </p:cSld>
   <p:clrMapOvr>
     <a:masterClrMapping/>
   </p:clrMapOvr>
-  <p:timing>
-    <p:tnLst>
-      <p:par>
-        <p:cTn id="1" dur="indefinite" restart="never" nodeType="tmRoot"/>
-      </p:par>
-    </p:tnLst>
-  </p:timing>
 </p:sld>
 </file>
 
@@ -13956,6 +14034,754 @@
       </p:grpSpPr>
       <p:sp>
         <p:nvSpPr>
+          <p:cNvPr id="9" name="文本框 4"/>
+          <p:cNvSpPr txBox="1"/>
+          <p:nvPr>
+            <p:custDataLst>
+              <p:tags r:id="rId2"/>
+            </p:custDataLst>
+          </p:nvPr>
+        </p:nvSpPr>
+        <p:spPr>
+          <a:xfrm>
+            <a:off x="669600" y="1335185"/>
+            <a:ext cx="10074168" cy="5365020"/>
+          </a:xfrm>
+          <a:prstGeom prst="rect">
+            <a:avLst/>
+          </a:prstGeom>
+          <a:noFill/>
+        </p:spPr>
+        <p:txBody>
+          <a:bodyPr wrap="square" lIns="90000" tIns="46800" rIns="90000" bIns="46800" rtlCol="0">
+            <a:normAutofit/>
+          </a:bodyPr>
+          <a:lstStyle>
+            <a:defPPr>
+              <a:defRPr lang="zh-CN"/>
+            </a:defPPr>
+            <a:lvl1pPr marL="0" algn="l" defTabSz="913765" rtl="0" eaLnBrk="1" latinLnBrk="0" hangingPunct="1">
+              <a:defRPr sz="1800" kern="1200">
+                <a:solidFill>
+                  <a:schemeClr val="tx1"/>
+                </a:solidFill>
+                <a:latin typeface="+mn-lt"/>
+                <a:ea typeface="+mn-ea"/>
+                <a:cs typeface="+mn-cs"/>
+              </a:defRPr>
+            </a:lvl1pPr>
+            <a:lvl2pPr marL="457200" algn="l" defTabSz="913765" rtl="0" eaLnBrk="1" latinLnBrk="0" hangingPunct="1">
+              <a:defRPr sz="1800" kern="1200">
+                <a:solidFill>
+                  <a:schemeClr val="tx1"/>
+                </a:solidFill>
+                <a:latin typeface="+mn-lt"/>
+                <a:ea typeface="+mn-ea"/>
+                <a:cs typeface="+mn-cs"/>
+              </a:defRPr>
+            </a:lvl2pPr>
+            <a:lvl3pPr marL="914400" algn="l" defTabSz="913765" rtl="0" eaLnBrk="1" latinLnBrk="0" hangingPunct="1">
+              <a:defRPr sz="1800" kern="1200">
+                <a:solidFill>
+                  <a:schemeClr val="tx1"/>
+                </a:solidFill>
+                <a:latin typeface="+mn-lt"/>
+                <a:ea typeface="+mn-ea"/>
+                <a:cs typeface="+mn-cs"/>
+              </a:defRPr>
+            </a:lvl3pPr>
+            <a:lvl4pPr marL="1371600" algn="l" defTabSz="913765" rtl="0" eaLnBrk="1" latinLnBrk="0" hangingPunct="1">
+              <a:defRPr sz="1800" kern="1200">
+                <a:solidFill>
+                  <a:schemeClr val="tx1"/>
+                </a:solidFill>
+                <a:latin typeface="+mn-lt"/>
+                <a:ea typeface="+mn-ea"/>
+                <a:cs typeface="+mn-cs"/>
+              </a:defRPr>
+            </a:lvl4pPr>
+            <a:lvl5pPr marL="1828800" algn="l" defTabSz="913765" rtl="0" eaLnBrk="1" latinLnBrk="0" hangingPunct="1">
+              <a:defRPr sz="1800" kern="1200">
+                <a:solidFill>
+                  <a:schemeClr val="tx1"/>
+                </a:solidFill>
+                <a:latin typeface="+mn-lt"/>
+                <a:ea typeface="+mn-ea"/>
+                <a:cs typeface="+mn-cs"/>
+              </a:defRPr>
+            </a:lvl5pPr>
+            <a:lvl6pPr marL="2286000" algn="l" defTabSz="913765" rtl="0" eaLnBrk="1" latinLnBrk="0" hangingPunct="1">
+              <a:defRPr sz="1800" kern="1200">
+                <a:solidFill>
+                  <a:schemeClr val="tx1"/>
+                </a:solidFill>
+                <a:latin typeface="+mn-lt"/>
+                <a:ea typeface="+mn-ea"/>
+                <a:cs typeface="+mn-cs"/>
+              </a:defRPr>
+            </a:lvl6pPr>
+            <a:lvl7pPr marL="2743200" algn="l" defTabSz="913765" rtl="0" eaLnBrk="1" latinLnBrk="0" hangingPunct="1">
+              <a:defRPr sz="1800" kern="1200">
+                <a:solidFill>
+                  <a:schemeClr val="tx1"/>
+                </a:solidFill>
+                <a:latin typeface="+mn-lt"/>
+                <a:ea typeface="+mn-ea"/>
+                <a:cs typeface="+mn-cs"/>
+              </a:defRPr>
+            </a:lvl7pPr>
+            <a:lvl8pPr marL="3200400" algn="l" defTabSz="913765" rtl="0" eaLnBrk="1" latinLnBrk="0" hangingPunct="1">
+              <a:defRPr sz="1800" kern="1200">
+                <a:solidFill>
+                  <a:schemeClr val="tx1"/>
+                </a:solidFill>
+                <a:latin typeface="+mn-lt"/>
+                <a:ea typeface="+mn-ea"/>
+                <a:cs typeface="+mn-cs"/>
+              </a:defRPr>
+            </a:lvl8pPr>
+            <a:lvl9pPr marL="3657600" algn="l" defTabSz="913765" rtl="0" eaLnBrk="1" latinLnBrk="0" hangingPunct="1">
+              <a:defRPr sz="1800" kern="1200">
+                <a:solidFill>
+                  <a:schemeClr val="tx1"/>
+                </a:solidFill>
+                <a:latin typeface="+mn-lt"/>
+                <a:ea typeface="+mn-ea"/>
+                <a:cs typeface="+mn-cs"/>
+              </a:defRPr>
+            </a:lvl9pPr>
+          </a:lstStyle>
+          <a:p>
+            <a:pPr marL="285750" indent="-285750">
+              <a:lnSpc>
+                <a:spcPct val="200000"/>
+              </a:lnSpc>
+              <a:buFont typeface="Arial" panose="020B0604020202020204" pitchFamily="34" charset="0"/>
+              <a:buChar char="•"/>
+            </a:pPr>
+            <a:r>
+              <a:rPr lang="zh-CN" altLang="en-US" dirty="0" smtClean="0">
+                <a:solidFill>
+                  <a:srgbClr val="000000"/>
+                </a:solidFill>
+                <a:sym typeface="+mn-ea"/>
+              </a:rPr>
+              <a:t>玩家逻辑相关</a:t>
+            </a:r>
+            <a:endParaRPr lang="en-US" altLang="zh-CN" dirty="0" smtClean="0">
+              <a:solidFill>
+                <a:srgbClr val="000000"/>
+              </a:solidFill>
+              <a:sym typeface="+mn-ea"/>
+            </a:endParaRPr>
+          </a:p>
+          <a:p>
+            <a:pPr marL="800100" lvl="1" indent="-342900">
+              <a:lnSpc>
+                <a:spcPct val="200000"/>
+              </a:lnSpc>
+              <a:buFont typeface="+mj-lt"/>
+              <a:buAutoNum type="arabicPeriod"/>
+            </a:pPr>
+            <a:r>
+              <a:rPr lang="zh-CN" altLang="en-US" sz="1600" dirty="0" smtClean="0">
+                <a:solidFill>
+                  <a:srgbClr val="000000"/>
+                </a:solidFill>
+                <a:sym typeface="+mn-ea"/>
+              </a:rPr>
+              <a:t>属性重置</a:t>
+            </a:r>
+            <a:r>
+              <a:rPr lang="en-US" altLang="zh-CN" sz="1600" dirty="0" smtClean="0">
+                <a:solidFill>
+                  <a:srgbClr val="000000"/>
+                </a:solidFill>
+                <a:sym typeface="+mn-ea"/>
+              </a:rPr>
+              <a:t>(Reset)</a:t>
+            </a:r>
+          </a:p>
+          <a:p>
+            <a:pPr marL="800100" lvl="1" indent="-342900">
+              <a:lnSpc>
+                <a:spcPct val="200000"/>
+              </a:lnSpc>
+              <a:buFont typeface="+mj-lt"/>
+              <a:buAutoNum type="arabicPeriod"/>
+            </a:pPr>
+            <a:r>
+              <a:rPr lang="zh-CN" altLang="en-US" sz="1600" dirty="0" smtClean="0">
+                <a:solidFill>
+                  <a:srgbClr val="000000"/>
+                </a:solidFill>
+                <a:sym typeface="+mn-ea"/>
+              </a:rPr>
+              <a:t>进入离开游戏</a:t>
+            </a:r>
+            <a:r>
+              <a:rPr lang="en-US" altLang="zh-CN" sz="1600" dirty="0" smtClean="0">
+                <a:solidFill>
+                  <a:srgbClr val="000000"/>
+                </a:solidFill>
+                <a:sym typeface="+mn-ea"/>
+              </a:rPr>
+              <a:t>(</a:t>
+            </a:r>
+            <a:r>
+              <a:rPr lang="en-US" altLang="zh-CN" sz="1600" dirty="0" err="1" smtClean="0">
+                <a:solidFill>
+                  <a:srgbClr val="000000"/>
+                </a:solidFill>
+                <a:sym typeface="+mn-ea"/>
+              </a:rPr>
+              <a:t>Enter,Leave</a:t>
+            </a:r>
+            <a:r>
+              <a:rPr lang="en-US" altLang="zh-CN" sz="1600" dirty="0" smtClean="0">
+                <a:solidFill>
+                  <a:srgbClr val="000000"/>
+                </a:solidFill>
+                <a:sym typeface="+mn-ea"/>
+              </a:rPr>
+              <a:t>)</a:t>
+            </a:r>
+          </a:p>
+          <a:p>
+            <a:pPr marL="800100" lvl="1" indent="-342900">
+              <a:lnSpc>
+                <a:spcPct val="200000"/>
+              </a:lnSpc>
+              <a:buFont typeface="+mj-lt"/>
+              <a:buAutoNum type="arabicPeriod"/>
+            </a:pPr>
+            <a:r>
+              <a:rPr lang="zh-CN" altLang="en-US" sz="1600" dirty="0" smtClean="0">
+                <a:solidFill>
+                  <a:srgbClr val="000000"/>
+                </a:solidFill>
+                <a:sym typeface="+mn-ea"/>
+              </a:rPr>
+              <a:t>成就</a:t>
+            </a:r>
+            <a:r>
+              <a:rPr lang="en-US" altLang="zh-CN" sz="1600" dirty="0" smtClean="0">
+                <a:solidFill>
+                  <a:srgbClr val="000000"/>
+                </a:solidFill>
+                <a:sym typeface="+mn-ea"/>
+              </a:rPr>
+              <a:t>(Achieve)</a:t>
+            </a:r>
+          </a:p>
+          <a:p>
+            <a:pPr marL="800100" lvl="1" indent="-342900">
+              <a:lnSpc>
+                <a:spcPct val="200000"/>
+              </a:lnSpc>
+              <a:buFont typeface="+mj-lt"/>
+              <a:buAutoNum type="arabicPeriod"/>
+            </a:pPr>
+            <a:r>
+              <a:rPr lang="zh-CN" altLang="en-US" sz="1600" dirty="0" smtClean="0">
+                <a:solidFill>
+                  <a:srgbClr val="000000"/>
+                </a:solidFill>
+                <a:sym typeface="+mn-ea"/>
+              </a:rPr>
+              <a:t>任务</a:t>
+            </a:r>
+            <a:r>
+              <a:rPr lang="en-US" altLang="zh-CN" sz="1600" dirty="0" smtClean="0">
+                <a:solidFill>
+                  <a:srgbClr val="000000"/>
+                </a:solidFill>
+                <a:sym typeface="+mn-ea"/>
+              </a:rPr>
+              <a:t>(Task)</a:t>
+            </a:r>
+          </a:p>
+          <a:p>
+            <a:pPr marL="800100" lvl="1" indent="-342900">
+              <a:lnSpc>
+                <a:spcPct val="200000"/>
+              </a:lnSpc>
+              <a:buFont typeface="+mj-lt"/>
+              <a:buAutoNum type="arabicPeriod"/>
+            </a:pPr>
+            <a:r>
+              <a:rPr lang="zh-CN" altLang="en-US" sz="1600" dirty="0">
+                <a:solidFill>
+                  <a:srgbClr val="000000"/>
+                </a:solidFill>
+                <a:sym typeface="+mn-ea"/>
+              </a:rPr>
+              <a:t>商</a:t>
+            </a:r>
+            <a:r>
+              <a:rPr lang="zh-CN" altLang="en-US" sz="1600" dirty="0" smtClean="0">
+                <a:solidFill>
+                  <a:srgbClr val="000000"/>
+                </a:solidFill>
+                <a:sym typeface="+mn-ea"/>
+              </a:rPr>
+              <a:t>城</a:t>
+            </a:r>
+            <a:r>
+              <a:rPr lang="en-US" altLang="zh-CN" sz="1600" dirty="0" smtClean="0">
+                <a:solidFill>
+                  <a:srgbClr val="000000"/>
+                </a:solidFill>
+                <a:sym typeface="+mn-ea"/>
+              </a:rPr>
+              <a:t>(Store)</a:t>
+            </a:r>
+          </a:p>
+          <a:p>
+            <a:pPr marL="800100" lvl="1" indent="-342900">
+              <a:lnSpc>
+                <a:spcPct val="200000"/>
+              </a:lnSpc>
+              <a:buFont typeface="+mj-lt"/>
+              <a:buAutoNum type="arabicPeriod"/>
+            </a:pPr>
+            <a:r>
+              <a:rPr lang="zh-CN" altLang="en-US" sz="1600" dirty="0" smtClean="0">
+                <a:solidFill>
+                  <a:srgbClr val="000000"/>
+                </a:solidFill>
+                <a:sym typeface="+mn-ea"/>
+              </a:rPr>
+              <a:t>合成</a:t>
+            </a:r>
+            <a:r>
+              <a:rPr lang="en-US" altLang="zh-CN" sz="1600" dirty="0" smtClean="0">
+                <a:solidFill>
+                  <a:srgbClr val="000000"/>
+                </a:solidFill>
+                <a:sym typeface="+mn-ea"/>
+              </a:rPr>
+              <a:t>(Compound)	</a:t>
+            </a:r>
+          </a:p>
+          <a:p>
+            <a:pPr marL="800100" lvl="1" indent="-342900">
+              <a:lnSpc>
+                <a:spcPct val="200000"/>
+              </a:lnSpc>
+              <a:buFont typeface="+mj-lt"/>
+              <a:buAutoNum type="arabicPeriod"/>
+            </a:pPr>
+            <a:r>
+              <a:rPr lang="zh-CN" altLang="en-US" sz="1600" dirty="0" smtClean="0">
+                <a:solidFill>
+                  <a:srgbClr val="000000"/>
+                </a:solidFill>
+                <a:sym typeface="+mn-ea"/>
+              </a:rPr>
+              <a:t>签到</a:t>
+            </a:r>
+            <a:r>
+              <a:rPr lang="en-US" altLang="zh-CN" sz="1600" dirty="0" smtClean="0">
+                <a:solidFill>
+                  <a:srgbClr val="000000"/>
+                </a:solidFill>
+                <a:sym typeface="+mn-ea"/>
+              </a:rPr>
+              <a:t>(</a:t>
+            </a:r>
+            <a:r>
+              <a:rPr lang="en-US" altLang="zh-CN" sz="1600" dirty="0" err="1" smtClean="0">
+                <a:solidFill>
+                  <a:srgbClr val="000000"/>
+                </a:solidFill>
+                <a:sym typeface="+mn-ea"/>
+              </a:rPr>
+              <a:t>Signin</a:t>
+            </a:r>
+            <a:r>
+              <a:rPr lang="en-US" altLang="zh-CN" sz="1600" dirty="0" smtClean="0">
+                <a:solidFill>
+                  <a:srgbClr val="000000"/>
+                </a:solidFill>
+                <a:sym typeface="+mn-ea"/>
+              </a:rPr>
+              <a:t>)</a:t>
+            </a:r>
+          </a:p>
+          <a:p>
+            <a:pPr marL="800100" lvl="1" indent="-342900">
+              <a:lnSpc>
+                <a:spcPct val="200000"/>
+              </a:lnSpc>
+              <a:buFont typeface="+mj-lt"/>
+              <a:buAutoNum type="arabicPeriod"/>
+            </a:pPr>
+            <a:r>
+              <a:rPr lang="zh-CN" altLang="en-US" sz="1600" dirty="0" smtClean="0">
+                <a:solidFill>
+                  <a:srgbClr val="000000"/>
+                </a:solidFill>
+                <a:sym typeface="+mn-ea"/>
+              </a:rPr>
+              <a:t>道具</a:t>
+            </a:r>
+            <a:r>
+              <a:rPr lang="en-US" altLang="zh-CN" sz="1600" dirty="0" smtClean="0">
+                <a:solidFill>
+                  <a:srgbClr val="000000"/>
+                </a:solidFill>
+                <a:sym typeface="+mn-ea"/>
+              </a:rPr>
+              <a:t>(Item</a:t>
+            </a:r>
+            <a:r>
+              <a:rPr lang="en-US" altLang="zh-CN" sz="1600" dirty="0" smtClean="0">
+                <a:solidFill>
+                  <a:srgbClr val="000000"/>
+                </a:solidFill>
+                <a:sym typeface="+mn-ea"/>
+              </a:rPr>
+              <a:t>)</a:t>
+            </a:r>
+          </a:p>
+        </p:txBody>
+      </p:sp>
+      <p:sp>
+        <p:nvSpPr>
+          <p:cNvPr id="5" name="文本框 4"/>
+          <p:cNvSpPr txBox="1"/>
+          <p:nvPr>
+            <p:custDataLst>
+              <p:tags r:id="rId3"/>
+            </p:custDataLst>
+          </p:nvPr>
+        </p:nvSpPr>
+        <p:spPr>
+          <a:xfrm>
+            <a:off x="669600" y="432000"/>
+            <a:ext cx="10854000" cy="648000"/>
+          </a:xfrm>
+          <a:prstGeom prst="rect">
+            <a:avLst/>
+          </a:prstGeom>
+        </p:spPr>
+        <p:txBody>
+          <a:bodyPr vert="horz" lIns="101600" tIns="38100" rIns="76200" bIns="38100" rtlCol="0" anchor="ctr" anchorCtr="0">
+            <a:noAutofit/>
+          </a:bodyPr>
+          <a:lstStyle>
+            <a:defPPr>
+              <a:defRPr lang="zh-CN"/>
+            </a:defPPr>
+            <a:lvl1pPr marR="0" fontAlgn="auto">
+              <a:lnSpc>
+                <a:spcPct val="100000"/>
+              </a:lnSpc>
+              <a:spcBef>
+                <a:spcPct val="0"/>
+              </a:spcBef>
+              <a:buNone/>
+              <a:defRPr kumimoji="0" lang="zh-CN" altLang="en-US" sz="2800" b="1" i="0" u="none" strike="noStrike" cap="none" spc="200" normalizeH="0" baseline="0" noProof="1" dirty="0">
+                <a:uFillTx/>
+                <a:latin typeface="+mj-lt"/>
+                <a:ea typeface="+mj-ea"/>
+                <a:cs typeface="+mj-cs"/>
+                <a:sym typeface="+mn-ea"/>
+              </a:defRPr>
+            </a:lvl1pPr>
+          </a:lstStyle>
+          <a:p>
+            <a:r>
+              <a:rPr lang="zh-CN" altLang="en-US" dirty="0"/>
+              <a:t>已</a:t>
+            </a:r>
+            <a:r>
+              <a:rPr lang="zh-CN" altLang="en-US" dirty="0" smtClean="0"/>
+              <a:t>有的游戏通用模块插件</a:t>
+            </a:r>
+            <a:endParaRPr lang="zh-CN" altLang="en-US" dirty="0"/>
+          </a:p>
+        </p:txBody>
+      </p:sp>
+    </p:spTree>
+    <p:custDataLst>
+      <p:tags r:id="rId1"/>
+    </p:custDataLst>
+    <p:extLst>
+      <p:ext uri="{BB962C8B-B14F-4D97-AF65-F5344CB8AC3E}">
+        <p14:creationId xmlns:p14="http://schemas.microsoft.com/office/powerpoint/2010/main" val="1312730362"/>
+      </p:ext>
+    </p:extLst>
+  </p:cSld>
+  <p:clrMapOvr>
+    <a:masterClrMapping/>
+  </p:clrMapOvr>
+  <p:timing>
+    <p:tnLst>
+      <p:par>
+        <p:cTn id="1" dur="indefinite" restart="never" nodeType="tmRoot"/>
+      </p:par>
+    </p:tnLst>
+  </p:timing>
+</p:sld>
+</file>
+
+<file path=ppt/slides/slide21.xml><?xml version="1.0" encoding="utf-8"?>
+<p:sld xmlns:a="http://schemas.openxmlformats.org/drawingml/2006/main" xmlns:r="http://schemas.openxmlformats.org/officeDocument/2006/relationships" xmlns:p="http://schemas.openxmlformats.org/presentationml/2006/main">
+  <p:cSld>
+    <p:spTree>
+      <p:nvGrpSpPr>
+        <p:cNvPr id="1" name=""/>
+        <p:cNvGrpSpPr/>
+        <p:nvPr/>
+      </p:nvGrpSpPr>
+      <p:grpSpPr>
+        <a:xfrm>
+          <a:off x="0" y="0"/>
+          <a:ext cx="0" cy="0"/>
+          <a:chOff x="0" y="0"/>
+          <a:chExt cx="0" cy="0"/>
+        </a:xfrm>
+      </p:grpSpPr>
+      <p:sp>
+        <p:nvSpPr>
+          <p:cNvPr id="3" name="内容占位符 2"/>
+          <p:cNvSpPr>
+            <a:spLocks noGrp="1"/>
+          </p:cNvSpPr>
+          <p:nvPr>
+            <p:ph idx="1"/>
+          </p:nvPr>
+        </p:nvSpPr>
+        <p:spPr>
+          <a:xfrm>
+            <a:off x="647700" y="1525270"/>
+            <a:ext cx="10515600" cy="4652010"/>
+          </a:xfrm>
+        </p:spPr>
+        <p:txBody>
+          <a:bodyPr/>
+          <a:lstStyle/>
+          <a:p>
+            <a:r>
+              <a:rPr lang="zh-CN" altLang="en-US" dirty="0" smtClean="0">
+                <a:solidFill>
+                  <a:srgbClr val="000000"/>
+                </a:solidFill>
+                <a:sym typeface="+mn-ea"/>
+              </a:rPr>
+              <a:t>部署相关</a:t>
+            </a:r>
+            <a:endParaRPr lang="en-US" altLang="zh-CN" dirty="0" smtClean="0">
+              <a:solidFill>
+                <a:srgbClr val="000000"/>
+              </a:solidFill>
+              <a:sym typeface="+mn-ea"/>
+            </a:endParaRPr>
+          </a:p>
+          <a:p>
+            <a:pPr lvl="1"/>
+            <a:endParaRPr lang="en-US" altLang="zh-CN" dirty="0">
+              <a:solidFill>
+                <a:srgbClr val="000000"/>
+              </a:solidFill>
+              <a:sym typeface="+mn-ea"/>
+            </a:endParaRPr>
+          </a:p>
+          <a:p>
+            <a:pPr marL="800100" lvl="1" indent="-342900">
+              <a:buFont typeface="+mj-lt"/>
+              <a:buAutoNum type="arabicPeriod"/>
+            </a:pPr>
+            <a:r>
+              <a:rPr lang="zh-CN" altLang="en-US" dirty="0" smtClean="0">
+                <a:solidFill>
+                  <a:srgbClr val="000000"/>
+                </a:solidFill>
+                <a:sym typeface="+mn-ea"/>
+              </a:rPr>
+              <a:t>部署中控服务</a:t>
+            </a:r>
+            <a:r>
+              <a:rPr lang="en-US" altLang="zh-CN" dirty="0" err="1" smtClean="0">
+                <a:solidFill>
+                  <a:srgbClr val="000000"/>
+                </a:solidFill>
+                <a:sym typeface="+mn-ea"/>
+              </a:rPr>
+              <a:t>DeployServer</a:t>
+            </a:r>
+            <a:endParaRPr lang="en-US" altLang="zh-CN" dirty="0" smtClean="0">
+              <a:solidFill>
+                <a:srgbClr val="000000"/>
+              </a:solidFill>
+              <a:sym typeface="+mn-ea"/>
+            </a:endParaRPr>
+          </a:p>
+          <a:p>
+            <a:pPr marL="800100" lvl="1" indent="-342900">
+              <a:buFont typeface="+mj-lt"/>
+              <a:buAutoNum type="arabicPeriod"/>
+            </a:pPr>
+            <a:r>
+              <a:rPr lang="zh-CN" altLang="en-US" dirty="0" smtClean="0">
+                <a:solidFill>
+                  <a:srgbClr val="000000"/>
+                </a:solidFill>
+                <a:sym typeface="+mn-ea"/>
+              </a:rPr>
+              <a:t>部署守护进程</a:t>
+            </a:r>
+            <a:r>
+              <a:rPr lang="en-US" altLang="zh-CN" dirty="0" err="1" smtClean="0">
+                <a:solidFill>
+                  <a:srgbClr val="000000"/>
+                </a:solidFill>
+                <a:sym typeface="+mn-ea"/>
+              </a:rPr>
+              <a:t>DeployAgent</a:t>
+            </a:r>
+            <a:endParaRPr lang="en-US" altLang="zh-CN" dirty="0" smtClean="0">
+              <a:solidFill>
+                <a:srgbClr val="000000"/>
+              </a:solidFill>
+              <a:sym typeface="+mn-ea"/>
+            </a:endParaRPr>
+          </a:p>
+          <a:p>
+            <a:pPr marL="800100" lvl="1" indent="-342900">
+              <a:buFont typeface="+mj-lt"/>
+              <a:buAutoNum type="arabicPeriod"/>
+            </a:pPr>
+            <a:r>
+              <a:rPr lang="zh-CN" altLang="en-US" dirty="0" smtClean="0">
+                <a:solidFill>
+                  <a:srgbClr val="000000"/>
+                </a:solidFill>
+                <a:sym typeface="+mn-ea"/>
+              </a:rPr>
+              <a:t>部署命令接收</a:t>
+            </a:r>
+            <a:r>
+              <a:rPr lang="en-US" altLang="zh-CN" dirty="0" err="1" smtClean="0">
+                <a:solidFill>
+                  <a:srgbClr val="000000"/>
+                </a:solidFill>
+                <a:sym typeface="+mn-ea"/>
+              </a:rPr>
+              <a:t>DeployClient</a:t>
+            </a:r>
+            <a:endParaRPr lang="en-US" altLang="zh-CN" dirty="0" smtClean="0">
+              <a:solidFill>
+                <a:srgbClr val="000000"/>
+              </a:solidFill>
+              <a:sym typeface="+mn-ea"/>
+            </a:endParaRPr>
+          </a:p>
+          <a:p>
+            <a:pPr marL="914400" lvl="1" indent="-457200">
+              <a:buFont typeface="+mj-lt"/>
+              <a:buAutoNum type="arabicPeriod"/>
+            </a:pPr>
+            <a:endParaRPr lang="zh-CN" altLang="en-US" dirty="0"/>
+          </a:p>
+        </p:txBody>
+      </p:sp>
+      <p:sp>
+        <p:nvSpPr>
+          <p:cNvPr id="27" name="文本框 26"/>
+          <p:cNvSpPr txBox="1"/>
+          <p:nvPr>
+            <p:custDataLst>
+              <p:tags r:id="rId2"/>
+            </p:custDataLst>
+          </p:nvPr>
+        </p:nvSpPr>
+        <p:spPr>
+          <a:xfrm>
+            <a:off x="669600" y="462480"/>
+            <a:ext cx="10854000" cy="648000"/>
+          </a:xfrm>
+          <a:prstGeom prst="rect">
+            <a:avLst/>
+          </a:prstGeom>
+        </p:spPr>
+        <p:txBody>
+          <a:bodyPr vert="horz" lIns="101600" tIns="38100" rIns="76200" bIns="38100" rtlCol="0" anchor="ctr" anchorCtr="0">
+            <a:noAutofit/>
+          </a:bodyPr>
+          <a:lstStyle>
+            <a:defPPr>
+              <a:defRPr lang="zh-CN"/>
+            </a:defPPr>
+            <a:lvl1pPr marR="0" fontAlgn="auto">
+              <a:lnSpc>
+                <a:spcPct val="100000"/>
+              </a:lnSpc>
+              <a:spcBef>
+                <a:spcPct val="0"/>
+              </a:spcBef>
+              <a:buNone/>
+              <a:defRPr kumimoji="0" lang="zh-CN" altLang="en-US" sz="2800" b="1" i="0" u="none" strike="noStrike" cap="none" spc="200" normalizeH="0" baseline="0" noProof="1" dirty="0">
+                <a:uFillTx/>
+                <a:latin typeface="+mj-lt"/>
+                <a:ea typeface="+mj-ea"/>
+                <a:cs typeface="+mj-cs"/>
+                <a:sym typeface="+mn-ea"/>
+              </a:defRPr>
+            </a:lvl1pPr>
+          </a:lstStyle>
+          <a:p>
+            <a:r>
+              <a:rPr lang="zh-CN" altLang="en-US" dirty="0" smtClean="0">
+                <a:sym typeface="+mn-ea"/>
+              </a:rPr>
+              <a:t>部署相关模块</a:t>
+            </a:r>
+            <a:endParaRPr dirty="0">
+              <a:sym typeface="+mn-ea"/>
+            </a:endParaRPr>
+          </a:p>
+        </p:txBody>
+      </p:sp>
+    </p:spTree>
+    <p:custDataLst>
+      <p:tags r:id="rId1"/>
+    </p:custDataLst>
+  </p:cSld>
+  <p:clrMapOvr>
+    <a:masterClrMapping/>
+  </p:clrMapOvr>
+  <p:timing>
+    <p:tnLst>
+      <p:par>
+        <p:cTn id="1" dur="indefinite" restart="never" nodeType="tmRoot"/>
+      </p:par>
+    </p:tnLst>
+  </p:timing>
+</p:sld>
+</file>
+
+<file path=ppt/slides/slide22.xml><?xml version="1.0" encoding="utf-8"?>
+<p:sld xmlns:a="http://schemas.openxmlformats.org/drawingml/2006/main" xmlns:r="http://schemas.openxmlformats.org/officeDocument/2006/relationships" xmlns:p="http://schemas.openxmlformats.org/presentationml/2006/main">
+  <p:cSld>
+    <p:spTree>
+      <p:nvGrpSpPr>
+        <p:cNvPr id="1" name=""/>
+        <p:cNvGrpSpPr/>
+        <p:nvPr/>
+      </p:nvGrpSpPr>
+      <p:grpSpPr>
+        <a:xfrm>
+          <a:off x="0" y="0"/>
+          <a:ext cx="0" cy="0"/>
+          <a:chOff x="0" y="0"/>
+          <a:chExt cx="0" cy="0"/>
+        </a:xfrm>
+      </p:grpSpPr>
+      <p:sp>
+        <p:nvSpPr>
           <p:cNvPr id="5" name="标题 4"/>
           <p:cNvSpPr>
             <a:spLocks noGrp="1"/>
@@ -14370,7 +15196,7 @@
 </p:sld>
 </file>
 
-<file path=ppt/slides/slide21.xml><?xml version="1.0" encoding="utf-8"?>
+<file path=ppt/slides/slide23.xml><?xml version="1.0" encoding="utf-8"?>
 <p:sld xmlns:a="http://schemas.openxmlformats.org/drawingml/2006/main" xmlns:r="http://schemas.openxmlformats.org/officeDocument/2006/relationships" xmlns:p="http://schemas.openxmlformats.org/presentationml/2006/main">
   <p:cSld>
     <p:spTree>
@@ -14429,7 +15255,7 @@
 </p:sld>
 </file>
 
-<file path=ppt/slides/slide22.xml><?xml version="1.0" encoding="utf-8"?>
+<file path=ppt/slides/slide24.xml><?xml version="1.0" encoding="utf-8"?>
 <p:sld xmlns:a="http://schemas.openxmlformats.org/drawingml/2006/main" xmlns:r="http://schemas.openxmlformats.org/officeDocument/2006/relationships" xmlns:p="http://schemas.openxmlformats.org/presentationml/2006/main">
   <p:cSld>
     <p:spTree>
@@ -14652,536 +15478,6 @@
     <p:extLst>
       <p:ext uri="{BB962C8B-B14F-4D97-AF65-F5344CB8AC3E}">
         <p14:creationId xmlns:p14="http://schemas.microsoft.com/office/powerpoint/2010/main" val="908403870"/>
-      </p:ext>
-    </p:extLst>
-  </p:cSld>
-  <p:clrMapOvr>
-    <a:masterClrMapping/>
-  </p:clrMapOvr>
-  <p:timing>
-    <p:tnLst>
-      <p:par>
-        <p:cTn id="1" dur="indefinite" restart="never" nodeType="tmRoot"/>
-      </p:par>
-    </p:tnLst>
-  </p:timing>
-</p:sld>
-</file>
-
-<file path=ppt/slides/slide23.xml><?xml version="1.0" encoding="utf-8"?>
-<p:sld xmlns:a="http://schemas.openxmlformats.org/drawingml/2006/main" xmlns:r="http://schemas.openxmlformats.org/officeDocument/2006/relationships" xmlns:p="http://schemas.openxmlformats.org/presentationml/2006/main">
-  <p:cSld>
-    <p:spTree>
-      <p:nvGrpSpPr>
-        <p:cNvPr id="1" name=""/>
-        <p:cNvGrpSpPr/>
-        <p:nvPr/>
-      </p:nvGrpSpPr>
-      <p:grpSpPr>
-        <a:xfrm>
-          <a:off x="0" y="0"/>
-          <a:ext cx="0" cy="0"/>
-          <a:chOff x="0" y="0"/>
-          <a:chExt cx="0" cy="0"/>
-        </a:xfrm>
-      </p:grpSpPr>
-      <p:sp>
-        <p:nvSpPr>
-          <p:cNvPr id="3" name="内容占位符 2"/>
-          <p:cNvSpPr>
-            <a:spLocks noGrp="1"/>
-          </p:cNvSpPr>
-          <p:nvPr>
-            <p:ph idx="1"/>
-          </p:nvPr>
-        </p:nvSpPr>
-        <p:spPr>
-          <a:xfrm>
-            <a:off x="647700" y="1110479"/>
-            <a:ext cx="10515600" cy="5661795"/>
-          </a:xfrm>
-        </p:spPr>
-        <p:txBody>
-          <a:bodyPr/>
-          <a:lstStyle/>
-          <a:p>
-            <a:pPr marL="800100" lvl="1" indent="-342900">
-              <a:buFont typeface="+mj-lt"/>
-              <a:buAutoNum type="arabicPeriod"/>
-            </a:pPr>
-            <a:endParaRPr lang="en-US" altLang="zh-CN" dirty="0" smtClean="0"/>
-          </a:p>
-          <a:p>
-            <a:pPr marL="800100" lvl="1" indent="-342900">
-              <a:buFont typeface="+mj-lt"/>
-              <a:buAutoNum type="arabicPeriod"/>
-            </a:pPr>
-            <a:r>
-              <a:rPr lang="zh-CN" altLang="en-US" dirty="0" smtClean="0"/>
-              <a:t>初始</a:t>
-            </a:r>
-            <a:r>
-              <a:rPr lang="en-US" altLang="zh-CN" dirty="0" smtClean="0"/>
-              <a:t>, </a:t>
-            </a:r>
-            <a:r>
-              <a:rPr lang="zh-CN" altLang="en-US" dirty="0" smtClean="0"/>
-              <a:t>最小</a:t>
-            </a:r>
-            <a:r>
-              <a:rPr lang="en-US" altLang="zh-CN" dirty="0" smtClean="0"/>
-              <a:t>, </a:t>
-            </a:r>
-            <a:r>
-              <a:rPr lang="zh-CN" altLang="en-US" dirty="0" smtClean="0"/>
-              <a:t>最大</a:t>
-            </a:r>
-            <a:r>
-              <a:rPr lang="en-US" altLang="zh-CN" dirty="0" smtClean="0"/>
-              <a:t>, </a:t>
-            </a:r>
-            <a:r>
-              <a:rPr lang="zh-CN" altLang="en-US" dirty="0" smtClean="0"/>
-              <a:t>运行时参数</a:t>
-            </a:r>
-            <a:endParaRPr lang="en-US" altLang="zh-CN" dirty="0" smtClean="0"/>
-          </a:p>
-          <a:p>
-            <a:pPr marL="800100" lvl="1" indent="-342900">
-              <a:buFont typeface="+mj-lt"/>
-              <a:buAutoNum type="arabicPeriod"/>
-            </a:pPr>
-            <a:r>
-              <a:rPr lang="zh-CN" altLang="en-US" dirty="0" smtClean="0"/>
-              <a:t>获得奖励时是否需要发给客户端显示</a:t>
-            </a:r>
-            <a:endParaRPr lang="en-US" altLang="zh-CN" dirty="0" smtClean="0"/>
-          </a:p>
-          <a:p>
-            <a:pPr marL="800100" lvl="1" indent="-342900">
-              <a:buFont typeface="+mj-lt"/>
-              <a:buAutoNum type="arabicPeriod"/>
-            </a:pPr>
-            <a:r>
-              <a:rPr lang="zh-CN" altLang="en-US" dirty="0" smtClean="0"/>
-              <a:t>是否支持倍数</a:t>
-            </a:r>
-            <a:endParaRPr lang="en-US" altLang="zh-CN" dirty="0" smtClean="0"/>
-          </a:p>
-          <a:p>
-            <a:pPr marL="800100" lvl="1" indent="-342900">
-              <a:buFont typeface="+mj-lt"/>
-              <a:buAutoNum type="arabicPeriod"/>
-            </a:pPr>
-            <a:r>
-              <a:rPr lang="zh-CN" altLang="en-US" dirty="0" smtClean="0"/>
-              <a:t>同步给观察者</a:t>
-            </a:r>
-            <a:endParaRPr lang="en-US" altLang="zh-CN" dirty="0" smtClean="0"/>
-          </a:p>
-          <a:p>
-            <a:pPr marL="800100" lvl="1" indent="-342900">
-              <a:buFont typeface="+mj-lt"/>
-              <a:buAutoNum type="arabicPeriod"/>
-            </a:pPr>
-            <a:r>
-              <a:rPr lang="zh-CN" altLang="en-US" dirty="0" smtClean="0"/>
-              <a:t>同步给客户端</a:t>
-            </a:r>
-            <a:r>
-              <a:rPr lang="en-US" altLang="zh-CN" dirty="0" smtClean="0"/>
-              <a:t>( </a:t>
-            </a:r>
-            <a:r>
-              <a:rPr lang="zh-CN" altLang="en-US" dirty="0" smtClean="0"/>
-              <a:t>包括延迟同步 </a:t>
-            </a:r>
-            <a:r>
-              <a:rPr lang="en-US" altLang="zh-CN" dirty="0" smtClean="0"/>
-              <a:t>)</a:t>
-            </a:r>
-          </a:p>
-          <a:p>
-            <a:pPr marL="800100" lvl="1" indent="-342900">
-              <a:buFont typeface="+mj-lt"/>
-              <a:buAutoNum type="arabicPeriod"/>
-            </a:pPr>
-            <a:r>
-              <a:rPr lang="zh-CN" altLang="en-US" dirty="0" smtClean="0"/>
-              <a:t>保存到数据库</a:t>
-            </a:r>
-            <a:endParaRPr lang="en-US" altLang="zh-CN" dirty="0" smtClean="0"/>
-          </a:p>
-          <a:p>
-            <a:pPr marL="800100" lvl="1" indent="-342900">
-              <a:buFont typeface="+mj-lt"/>
-              <a:buAutoNum type="arabicPeriod"/>
-            </a:pPr>
-            <a:r>
-              <a:rPr lang="zh-CN" altLang="en-US" dirty="0" smtClean="0"/>
-              <a:t>同步给好友</a:t>
-            </a:r>
-            <a:endParaRPr lang="en-US" altLang="zh-CN" dirty="0" smtClean="0"/>
-          </a:p>
-          <a:p>
-            <a:pPr marL="800100" lvl="1" indent="-342900">
-              <a:buFont typeface="+mj-lt"/>
-              <a:buAutoNum type="arabicPeriod"/>
-            </a:pPr>
-            <a:r>
-              <a:rPr lang="zh-CN" altLang="en-US" dirty="0" smtClean="0"/>
-              <a:t>同步给公会</a:t>
-            </a:r>
-            <a:endParaRPr lang="en-US" altLang="zh-CN" dirty="0" smtClean="0"/>
-          </a:p>
-          <a:p>
-            <a:pPr marL="800100" lvl="1" indent="-342900">
-              <a:buFont typeface="+mj-lt"/>
-              <a:buAutoNum type="arabicPeriod"/>
-            </a:pPr>
-            <a:r>
-              <a:rPr lang="zh-CN" altLang="en-US" dirty="0" smtClean="0"/>
-              <a:t>同步给队伍</a:t>
-            </a:r>
-            <a:endParaRPr lang="en-US" altLang="zh-CN" dirty="0" smtClean="0"/>
-          </a:p>
-          <a:p>
-            <a:pPr marL="800100" lvl="1" indent="-342900">
-              <a:buFont typeface="+mj-lt"/>
-              <a:buAutoNum type="arabicPeriod"/>
-            </a:pPr>
-            <a:r>
-              <a:rPr lang="zh-CN" altLang="en-US" dirty="0"/>
-              <a:t>排行</a:t>
-            </a:r>
-            <a:r>
-              <a:rPr lang="zh-CN" altLang="en-US" dirty="0" smtClean="0"/>
-              <a:t>榜属性</a:t>
-            </a:r>
-            <a:endParaRPr lang="en-US" altLang="zh-CN" dirty="0"/>
-          </a:p>
-          <a:p>
-            <a:pPr marL="800100" lvl="1" indent="-342900">
-              <a:buFont typeface="+mj-lt"/>
-              <a:buAutoNum type="arabicPeriod"/>
-            </a:pPr>
-            <a:r>
-              <a:rPr lang="zh-CN" altLang="en-US" dirty="0"/>
-              <a:t>条件回调</a:t>
-            </a:r>
-            <a:r>
-              <a:rPr lang="en-US" altLang="zh-CN" dirty="0"/>
-              <a:t>(</a:t>
-            </a:r>
-            <a:r>
-              <a:rPr lang="zh-CN" altLang="en-US" dirty="0"/>
-              <a:t>添加</a:t>
-            </a:r>
-            <a:r>
-              <a:rPr lang="en-US" altLang="zh-CN" dirty="0"/>
-              <a:t>, </a:t>
-            </a:r>
-            <a:r>
-              <a:rPr lang="zh-CN" altLang="en-US" dirty="0"/>
-              <a:t>删除</a:t>
-            </a:r>
-            <a:r>
-              <a:rPr lang="en-US" altLang="zh-CN" dirty="0"/>
-              <a:t>,</a:t>
-            </a:r>
-            <a:r>
-              <a:rPr lang="zh-CN" altLang="en-US" dirty="0"/>
-              <a:t>更新</a:t>
-            </a:r>
-            <a:r>
-              <a:rPr lang="en-US" altLang="zh-CN" dirty="0"/>
-              <a:t>)</a:t>
-            </a:r>
-          </a:p>
-          <a:p>
-            <a:pPr marL="800100" lvl="1" indent="-342900">
-              <a:buFont typeface="+mj-lt"/>
-              <a:buAutoNum type="arabicPeriod"/>
-            </a:pPr>
-            <a:endParaRPr lang="en-US" altLang="zh-CN" dirty="0" smtClean="0"/>
-          </a:p>
-          <a:p>
-            <a:pPr marL="800100" lvl="1" indent="-342900">
-              <a:buFont typeface="+mj-lt"/>
-              <a:buAutoNum type="arabicPeriod"/>
-            </a:pPr>
-            <a:endParaRPr lang="zh-CN" altLang="en-US" dirty="0"/>
-          </a:p>
-        </p:txBody>
-      </p:sp>
-      <p:sp>
-        <p:nvSpPr>
-          <p:cNvPr id="27" name="文本框 26"/>
-          <p:cNvSpPr txBox="1"/>
-          <p:nvPr>
-            <p:custDataLst>
-              <p:tags r:id="rId2"/>
-            </p:custDataLst>
-          </p:nvPr>
-        </p:nvSpPr>
-        <p:spPr>
-          <a:xfrm>
-            <a:off x="669600" y="462480"/>
-            <a:ext cx="10854000" cy="648000"/>
-          </a:xfrm>
-          <a:prstGeom prst="rect">
-            <a:avLst/>
-          </a:prstGeom>
-        </p:spPr>
-        <p:txBody>
-          <a:bodyPr vert="horz" lIns="101600" tIns="38100" rIns="76200" bIns="38100" rtlCol="0" anchor="ctr" anchorCtr="0">
-            <a:noAutofit/>
-          </a:bodyPr>
-          <a:lstStyle>
-            <a:defPPr>
-              <a:defRPr lang="zh-CN"/>
-            </a:defPPr>
-            <a:lvl1pPr marR="0" fontAlgn="auto">
-              <a:lnSpc>
-                <a:spcPct val="100000"/>
-              </a:lnSpc>
-              <a:spcBef>
-                <a:spcPct val="0"/>
-              </a:spcBef>
-              <a:buNone/>
-              <a:defRPr kumimoji="0" lang="zh-CN" altLang="en-US" sz="2800" b="1" i="0" u="none" strike="noStrike" cap="none" spc="200" normalizeH="0" baseline="0" noProof="1" dirty="0">
-                <a:uFillTx/>
-                <a:latin typeface="+mj-lt"/>
-                <a:ea typeface="+mj-ea"/>
-                <a:cs typeface="+mj-cs"/>
-                <a:sym typeface="+mn-ea"/>
-              </a:defRPr>
-            </a:lvl1pPr>
-          </a:lstStyle>
-          <a:p>
-            <a:r>
-              <a:rPr lang="zh-CN" altLang="en-US" dirty="0" smtClean="0"/>
-              <a:t>属性配置的属性</a:t>
-            </a:r>
-            <a:endParaRPr dirty="0">
-              <a:sym typeface="+mn-ea"/>
-            </a:endParaRPr>
-          </a:p>
-        </p:txBody>
-      </p:sp>
-    </p:spTree>
-    <p:custDataLst>
-      <p:tags r:id="rId1"/>
-    </p:custDataLst>
-    <p:extLst>
-      <p:ext uri="{BB962C8B-B14F-4D97-AF65-F5344CB8AC3E}">
-        <p14:creationId xmlns:p14="http://schemas.microsoft.com/office/powerpoint/2010/main" val="3559312823"/>
-      </p:ext>
-    </p:extLst>
-  </p:cSld>
-  <p:clrMapOvr>
-    <a:masterClrMapping/>
-  </p:clrMapOvr>
-  <p:timing>
-    <p:tnLst>
-      <p:par>
-        <p:cTn id="1" dur="indefinite" restart="never" nodeType="tmRoot"/>
-      </p:par>
-    </p:tnLst>
-  </p:timing>
-</p:sld>
-</file>
-
-<file path=ppt/slides/slide24.xml><?xml version="1.0" encoding="utf-8"?>
-<p:sld xmlns:a="http://schemas.openxmlformats.org/drawingml/2006/main" xmlns:r="http://schemas.openxmlformats.org/officeDocument/2006/relationships" xmlns:p="http://schemas.openxmlformats.org/presentationml/2006/main">
-  <p:cSld>
-    <p:spTree>
-      <p:nvGrpSpPr>
-        <p:cNvPr id="1" name=""/>
-        <p:cNvGrpSpPr/>
-        <p:nvPr/>
-      </p:nvGrpSpPr>
-      <p:grpSpPr>
-        <a:xfrm>
-          <a:off x="0" y="0"/>
-          <a:ext cx="0" cy="0"/>
-          <a:chOff x="0" y="0"/>
-          <a:chExt cx="0" cy="0"/>
-        </a:xfrm>
-      </p:grpSpPr>
-      <p:sp>
-        <p:nvSpPr>
-          <p:cNvPr id="3" name="内容占位符 2"/>
-          <p:cNvSpPr>
-            <a:spLocks noGrp="1"/>
-          </p:cNvSpPr>
-          <p:nvPr>
-            <p:ph idx="1"/>
-          </p:nvPr>
-        </p:nvSpPr>
-        <p:spPr>
-          <a:xfrm>
-            <a:off x="647700" y="1110481"/>
-            <a:ext cx="10515600" cy="5747519"/>
-          </a:xfrm>
-        </p:spPr>
-        <p:txBody>
-          <a:bodyPr>
-            <a:normAutofit/>
-          </a:bodyPr>
-          <a:lstStyle/>
-          <a:p>
-            <a:pPr lvl="1"/>
-            <a:endParaRPr lang="en-US" altLang="zh-CN" sz="2000" dirty="0" smtClean="0"/>
-          </a:p>
-          <a:p>
-            <a:pPr lvl="1"/>
-            <a:endParaRPr lang="en-US" altLang="zh-CN" sz="2000" dirty="0"/>
-          </a:p>
-          <a:p>
-            <a:pPr lvl="1"/>
-            <a:r>
-              <a:rPr lang="zh-CN" altLang="en-US" sz="2000" dirty="0" smtClean="0"/>
-              <a:t>属性全部在</a:t>
-            </a:r>
-            <a:r>
-              <a:rPr lang="en-US" altLang="zh-CN" sz="2000" dirty="0" smtClean="0"/>
-              <a:t>Kernel</a:t>
-            </a:r>
-            <a:r>
-              <a:rPr lang="zh-CN" altLang="en-US" sz="2000" dirty="0" smtClean="0"/>
-              <a:t>插件中</a:t>
-            </a:r>
-            <a:endParaRPr lang="en-US" altLang="zh-CN" sz="2000" dirty="0" smtClean="0"/>
-          </a:p>
-          <a:p>
-            <a:pPr lvl="1"/>
-            <a:endParaRPr lang="en-US" altLang="zh-CN" sz="2000" dirty="0" smtClean="0"/>
-          </a:p>
-          <a:p>
-            <a:pPr lvl="1"/>
-            <a:r>
-              <a:rPr lang="zh-CN" altLang="en-US" sz="2000" dirty="0" smtClean="0"/>
-              <a:t>树形结构保存</a:t>
-            </a:r>
-            <a:r>
-              <a:rPr lang="en-US" altLang="zh-CN" sz="2000" dirty="0" smtClean="0"/>
-              <a:t>, </a:t>
-            </a:r>
-            <a:r>
-              <a:rPr lang="zh-CN" altLang="en-US" sz="2000" dirty="0" smtClean="0"/>
-              <a:t>树</a:t>
-            </a:r>
-            <a:r>
-              <a:rPr lang="zh-CN" altLang="en-US" sz="2000" dirty="0"/>
-              <a:t>路径</a:t>
-            </a:r>
-            <a:r>
-              <a:rPr lang="zh-CN" altLang="en-US" sz="2000" dirty="0" smtClean="0"/>
-              <a:t>访问</a:t>
-            </a:r>
-            <a:endParaRPr lang="en-US" altLang="zh-CN" sz="2000" dirty="0" smtClean="0"/>
-          </a:p>
-          <a:p>
-            <a:pPr lvl="1"/>
-            <a:endParaRPr lang="en-US" altLang="zh-CN" sz="2000" dirty="0" smtClean="0"/>
-          </a:p>
-          <a:p>
-            <a:pPr lvl="1"/>
-            <a:r>
-              <a:rPr lang="zh-CN" altLang="en-US" sz="2000" dirty="0" smtClean="0"/>
-              <a:t>实体对象直接调用接口</a:t>
-            </a:r>
-            <a:r>
-              <a:rPr lang="en-US" altLang="zh-CN" sz="2000" dirty="0" smtClean="0"/>
-              <a:t>,</a:t>
-            </a:r>
-            <a:r>
-              <a:rPr lang="zh-CN" altLang="en-US" sz="2000" dirty="0" smtClean="0"/>
-              <a:t> 目前最多支持</a:t>
-            </a:r>
-            <a:r>
-              <a:rPr lang="en-US" altLang="zh-CN" sz="2000" dirty="0" smtClean="0"/>
-              <a:t>2</a:t>
-            </a:r>
-            <a:r>
-              <a:rPr lang="zh-CN" altLang="en-US" sz="2000" dirty="0" smtClean="0"/>
-              <a:t>层嵌套</a:t>
-            </a:r>
-            <a:endParaRPr lang="en-US" altLang="zh-CN" sz="2000" dirty="0" smtClean="0"/>
-          </a:p>
-          <a:p>
-            <a:pPr marL="457200" lvl="1" indent="0">
-              <a:buNone/>
-            </a:pPr>
-            <a:endParaRPr lang="en-US" altLang="zh-CN" sz="2000" dirty="0"/>
-          </a:p>
-        </p:txBody>
-      </p:sp>
-      <p:sp>
-        <p:nvSpPr>
-          <p:cNvPr id="27" name="文本框 26"/>
-          <p:cNvSpPr txBox="1"/>
-          <p:nvPr>
-            <p:custDataLst>
-              <p:tags r:id="rId2"/>
-            </p:custDataLst>
-          </p:nvPr>
-        </p:nvSpPr>
-        <p:spPr>
-          <a:xfrm>
-            <a:off x="669600" y="462480"/>
-            <a:ext cx="10854000" cy="648000"/>
-          </a:xfrm>
-          <a:prstGeom prst="rect">
-            <a:avLst/>
-          </a:prstGeom>
-        </p:spPr>
-        <p:txBody>
-          <a:bodyPr vert="horz" lIns="101600" tIns="38100" rIns="76200" bIns="38100" rtlCol="0" anchor="ctr" anchorCtr="0">
-            <a:noAutofit/>
-          </a:bodyPr>
-          <a:lstStyle>
-            <a:defPPr>
-              <a:defRPr lang="zh-CN"/>
-            </a:defPPr>
-            <a:lvl1pPr marR="0" fontAlgn="auto">
-              <a:lnSpc>
-                <a:spcPct val="100000"/>
-              </a:lnSpc>
-              <a:spcBef>
-                <a:spcPct val="0"/>
-              </a:spcBef>
-              <a:buNone/>
-              <a:defRPr kumimoji="0" lang="zh-CN" altLang="en-US" sz="2800" b="1" i="0" u="none" strike="noStrike" cap="none" spc="200" normalizeH="0" baseline="0" noProof="1" dirty="0">
-                <a:uFillTx/>
-                <a:latin typeface="+mj-lt"/>
-                <a:ea typeface="+mj-ea"/>
-                <a:cs typeface="+mj-cs"/>
-                <a:sym typeface="+mn-ea"/>
-              </a:defRPr>
-            </a:lvl1pPr>
-          </a:lstStyle>
-          <a:p>
-            <a:r>
-              <a:rPr lang="zh-CN" altLang="en-US" dirty="0" smtClean="0">
-                <a:sym typeface="+mn-ea"/>
-              </a:rPr>
-              <a:t>接口统一</a:t>
-            </a:r>
-            <a:endParaRPr dirty="0">
-              <a:sym typeface="+mn-ea"/>
-            </a:endParaRPr>
-          </a:p>
-        </p:txBody>
-      </p:sp>
-    </p:spTree>
-    <p:custDataLst>
-      <p:tags r:id="rId1"/>
-    </p:custDataLst>
-    <p:extLst>
-      <p:ext uri="{BB962C8B-B14F-4D97-AF65-F5344CB8AC3E}">
-        <p14:creationId xmlns:p14="http://schemas.microsoft.com/office/powerpoint/2010/main" val="2610414680"/>
       </p:ext>
     </p:extLst>
   </p:cSld>
@@ -15227,6 +15523,536 @@
         </p:nvSpPr>
         <p:spPr>
           <a:xfrm>
+            <a:off x="647700" y="1110479"/>
+            <a:ext cx="10515600" cy="5661795"/>
+          </a:xfrm>
+        </p:spPr>
+        <p:txBody>
+          <a:bodyPr/>
+          <a:lstStyle/>
+          <a:p>
+            <a:pPr marL="800100" lvl="1" indent="-342900">
+              <a:buFont typeface="+mj-lt"/>
+              <a:buAutoNum type="arabicPeriod"/>
+            </a:pPr>
+            <a:endParaRPr lang="en-US" altLang="zh-CN" dirty="0" smtClean="0"/>
+          </a:p>
+          <a:p>
+            <a:pPr marL="800100" lvl="1" indent="-342900">
+              <a:buFont typeface="+mj-lt"/>
+              <a:buAutoNum type="arabicPeriod"/>
+            </a:pPr>
+            <a:r>
+              <a:rPr lang="zh-CN" altLang="en-US" dirty="0" smtClean="0"/>
+              <a:t>初始</a:t>
+            </a:r>
+            <a:r>
+              <a:rPr lang="en-US" altLang="zh-CN" dirty="0" smtClean="0"/>
+              <a:t>, </a:t>
+            </a:r>
+            <a:r>
+              <a:rPr lang="zh-CN" altLang="en-US" dirty="0" smtClean="0"/>
+              <a:t>最小</a:t>
+            </a:r>
+            <a:r>
+              <a:rPr lang="en-US" altLang="zh-CN" dirty="0" smtClean="0"/>
+              <a:t>, </a:t>
+            </a:r>
+            <a:r>
+              <a:rPr lang="zh-CN" altLang="en-US" dirty="0" smtClean="0"/>
+              <a:t>最大</a:t>
+            </a:r>
+            <a:r>
+              <a:rPr lang="en-US" altLang="zh-CN" dirty="0" smtClean="0"/>
+              <a:t>, </a:t>
+            </a:r>
+            <a:r>
+              <a:rPr lang="zh-CN" altLang="en-US" dirty="0" smtClean="0"/>
+              <a:t>运行时参数</a:t>
+            </a:r>
+            <a:endParaRPr lang="en-US" altLang="zh-CN" dirty="0" smtClean="0"/>
+          </a:p>
+          <a:p>
+            <a:pPr marL="800100" lvl="1" indent="-342900">
+              <a:buFont typeface="+mj-lt"/>
+              <a:buAutoNum type="arabicPeriod"/>
+            </a:pPr>
+            <a:r>
+              <a:rPr lang="zh-CN" altLang="en-US" dirty="0" smtClean="0"/>
+              <a:t>获得奖励时是否需要发给客户端显示</a:t>
+            </a:r>
+            <a:endParaRPr lang="en-US" altLang="zh-CN" dirty="0" smtClean="0"/>
+          </a:p>
+          <a:p>
+            <a:pPr marL="800100" lvl="1" indent="-342900">
+              <a:buFont typeface="+mj-lt"/>
+              <a:buAutoNum type="arabicPeriod"/>
+            </a:pPr>
+            <a:r>
+              <a:rPr lang="zh-CN" altLang="en-US" dirty="0" smtClean="0"/>
+              <a:t>是否支持倍数</a:t>
+            </a:r>
+            <a:endParaRPr lang="en-US" altLang="zh-CN" dirty="0" smtClean="0"/>
+          </a:p>
+          <a:p>
+            <a:pPr marL="800100" lvl="1" indent="-342900">
+              <a:buFont typeface="+mj-lt"/>
+              <a:buAutoNum type="arabicPeriod"/>
+            </a:pPr>
+            <a:r>
+              <a:rPr lang="zh-CN" altLang="en-US" dirty="0" smtClean="0"/>
+              <a:t>同步给观察者</a:t>
+            </a:r>
+            <a:endParaRPr lang="en-US" altLang="zh-CN" dirty="0" smtClean="0"/>
+          </a:p>
+          <a:p>
+            <a:pPr marL="800100" lvl="1" indent="-342900">
+              <a:buFont typeface="+mj-lt"/>
+              <a:buAutoNum type="arabicPeriod"/>
+            </a:pPr>
+            <a:r>
+              <a:rPr lang="zh-CN" altLang="en-US" dirty="0" smtClean="0"/>
+              <a:t>同步给客户端</a:t>
+            </a:r>
+            <a:r>
+              <a:rPr lang="en-US" altLang="zh-CN" dirty="0" smtClean="0"/>
+              <a:t>( </a:t>
+            </a:r>
+            <a:r>
+              <a:rPr lang="zh-CN" altLang="en-US" dirty="0" smtClean="0"/>
+              <a:t>包括延迟同步 </a:t>
+            </a:r>
+            <a:r>
+              <a:rPr lang="en-US" altLang="zh-CN" dirty="0" smtClean="0"/>
+              <a:t>)</a:t>
+            </a:r>
+          </a:p>
+          <a:p>
+            <a:pPr marL="800100" lvl="1" indent="-342900">
+              <a:buFont typeface="+mj-lt"/>
+              <a:buAutoNum type="arabicPeriod"/>
+            </a:pPr>
+            <a:r>
+              <a:rPr lang="zh-CN" altLang="en-US" dirty="0" smtClean="0"/>
+              <a:t>保存到数据库</a:t>
+            </a:r>
+            <a:endParaRPr lang="en-US" altLang="zh-CN" dirty="0" smtClean="0"/>
+          </a:p>
+          <a:p>
+            <a:pPr marL="800100" lvl="1" indent="-342900">
+              <a:buFont typeface="+mj-lt"/>
+              <a:buAutoNum type="arabicPeriod"/>
+            </a:pPr>
+            <a:r>
+              <a:rPr lang="zh-CN" altLang="en-US" dirty="0" smtClean="0"/>
+              <a:t>同步给好友</a:t>
+            </a:r>
+            <a:endParaRPr lang="en-US" altLang="zh-CN" dirty="0" smtClean="0"/>
+          </a:p>
+          <a:p>
+            <a:pPr marL="800100" lvl="1" indent="-342900">
+              <a:buFont typeface="+mj-lt"/>
+              <a:buAutoNum type="arabicPeriod"/>
+            </a:pPr>
+            <a:r>
+              <a:rPr lang="zh-CN" altLang="en-US" dirty="0" smtClean="0"/>
+              <a:t>同步给公会</a:t>
+            </a:r>
+            <a:endParaRPr lang="en-US" altLang="zh-CN" dirty="0" smtClean="0"/>
+          </a:p>
+          <a:p>
+            <a:pPr marL="800100" lvl="1" indent="-342900">
+              <a:buFont typeface="+mj-lt"/>
+              <a:buAutoNum type="arabicPeriod"/>
+            </a:pPr>
+            <a:r>
+              <a:rPr lang="zh-CN" altLang="en-US" dirty="0" smtClean="0"/>
+              <a:t>同步给队伍</a:t>
+            </a:r>
+            <a:endParaRPr lang="en-US" altLang="zh-CN" dirty="0" smtClean="0"/>
+          </a:p>
+          <a:p>
+            <a:pPr marL="800100" lvl="1" indent="-342900">
+              <a:buFont typeface="+mj-lt"/>
+              <a:buAutoNum type="arabicPeriod"/>
+            </a:pPr>
+            <a:r>
+              <a:rPr lang="zh-CN" altLang="en-US" dirty="0"/>
+              <a:t>排行</a:t>
+            </a:r>
+            <a:r>
+              <a:rPr lang="zh-CN" altLang="en-US" dirty="0" smtClean="0"/>
+              <a:t>榜属性</a:t>
+            </a:r>
+            <a:endParaRPr lang="en-US" altLang="zh-CN" dirty="0"/>
+          </a:p>
+          <a:p>
+            <a:pPr marL="800100" lvl="1" indent="-342900">
+              <a:buFont typeface="+mj-lt"/>
+              <a:buAutoNum type="arabicPeriod"/>
+            </a:pPr>
+            <a:r>
+              <a:rPr lang="zh-CN" altLang="en-US" dirty="0"/>
+              <a:t>条件回调</a:t>
+            </a:r>
+            <a:r>
+              <a:rPr lang="en-US" altLang="zh-CN" dirty="0"/>
+              <a:t>(</a:t>
+            </a:r>
+            <a:r>
+              <a:rPr lang="zh-CN" altLang="en-US" dirty="0"/>
+              <a:t>添加</a:t>
+            </a:r>
+            <a:r>
+              <a:rPr lang="en-US" altLang="zh-CN" dirty="0"/>
+              <a:t>, </a:t>
+            </a:r>
+            <a:r>
+              <a:rPr lang="zh-CN" altLang="en-US" dirty="0"/>
+              <a:t>删除</a:t>
+            </a:r>
+            <a:r>
+              <a:rPr lang="en-US" altLang="zh-CN" dirty="0"/>
+              <a:t>,</a:t>
+            </a:r>
+            <a:r>
+              <a:rPr lang="zh-CN" altLang="en-US" dirty="0"/>
+              <a:t>更新</a:t>
+            </a:r>
+            <a:r>
+              <a:rPr lang="en-US" altLang="zh-CN" dirty="0"/>
+              <a:t>)</a:t>
+            </a:r>
+          </a:p>
+          <a:p>
+            <a:pPr marL="800100" lvl="1" indent="-342900">
+              <a:buFont typeface="+mj-lt"/>
+              <a:buAutoNum type="arabicPeriod"/>
+            </a:pPr>
+            <a:endParaRPr lang="en-US" altLang="zh-CN" dirty="0" smtClean="0"/>
+          </a:p>
+          <a:p>
+            <a:pPr marL="800100" lvl="1" indent="-342900">
+              <a:buFont typeface="+mj-lt"/>
+              <a:buAutoNum type="arabicPeriod"/>
+            </a:pPr>
+            <a:endParaRPr lang="zh-CN" altLang="en-US" dirty="0"/>
+          </a:p>
+        </p:txBody>
+      </p:sp>
+      <p:sp>
+        <p:nvSpPr>
+          <p:cNvPr id="27" name="文本框 26"/>
+          <p:cNvSpPr txBox="1"/>
+          <p:nvPr>
+            <p:custDataLst>
+              <p:tags r:id="rId2"/>
+            </p:custDataLst>
+          </p:nvPr>
+        </p:nvSpPr>
+        <p:spPr>
+          <a:xfrm>
+            <a:off x="669600" y="462480"/>
+            <a:ext cx="10854000" cy="648000"/>
+          </a:xfrm>
+          <a:prstGeom prst="rect">
+            <a:avLst/>
+          </a:prstGeom>
+        </p:spPr>
+        <p:txBody>
+          <a:bodyPr vert="horz" lIns="101600" tIns="38100" rIns="76200" bIns="38100" rtlCol="0" anchor="ctr" anchorCtr="0">
+            <a:noAutofit/>
+          </a:bodyPr>
+          <a:lstStyle>
+            <a:defPPr>
+              <a:defRPr lang="zh-CN"/>
+            </a:defPPr>
+            <a:lvl1pPr marR="0" fontAlgn="auto">
+              <a:lnSpc>
+                <a:spcPct val="100000"/>
+              </a:lnSpc>
+              <a:spcBef>
+                <a:spcPct val="0"/>
+              </a:spcBef>
+              <a:buNone/>
+              <a:defRPr kumimoji="0" lang="zh-CN" altLang="en-US" sz="2800" b="1" i="0" u="none" strike="noStrike" cap="none" spc="200" normalizeH="0" baseline="0" noProof="1" dirty="0">
+                <a:uFillTx/>
+                <a:latin typeface="+mj-lt"/>
+                <a:ea typeface="+mj-ea"/>
+                <a:cs typeface="+mj-cs"/>
+                <a:sym typeface="+mn-ea"/>
+              </a:defRPr>
+            </a:lvl1pPr>
+          </a:lstStyle>
+          <a:p>
+            <a:r>
+              <a:rPr lang="zh-CN" altLang="en-US" dirty="0" smtClean="0"/>
+              <a:t>属性配置的属性</a:t>
+            </a:r>
+            <a:endParaRPr dirty="0">
+              <a:sym typeface="+mn-ea"/>
+            </a:endParaRPr>
+          </a:p>
+        </p:txBody>
+      </p:sp>
+    </p:spTree>
+    <p:custDataLst>
+      <p:tags r:id="rId1"/>
+    </p:custDataLst>
+    <p:extLst>
+      <p:ext uri="{BB962C8B-B14F-4D97-AF65-F5344CB8AC3E}">
+        <p14:creationId xmlns:p14="http://schemas.microsoft.com/office/powerpoint/2010/main" val="3559312823"/>
+      </p:ext>
+    </p:extLst>
+  </p:cSld>
+  <p:clrMapOvr>
+    <a:masterClrMapping/>
+  </p:clrMapOvr>
+  <p:timing>
+    <p:tnLst>
+      <p:par>
+        <p:cTn id="1" dur="indefinite" restart="never" nodeType="tmRoot"/>
+      </p:par>
+    </p:tnLst>
+  </p:timing>
+</p:sld>
+</file>
+
+<file path=ppt/slides/slide26.xml><?xml version="1.0" encoding="utf-8"?>
+<p:sld xmlns:a="http://schemas.openxmlformats.org/drawingml/2006/main" xmlns:r="http://schemas.openxmlformats.org/officeDocument/2006/relationships" xmlns:p="http://schemas.openxmlformats.org/presentationml/2006/main">
+  <p:cSld>
+    <p:spTree>
+      <p:nvGrpSpPr>
+        <p:cNvPr id="1" name=""/>
+        <p:cNvGrpSpPr/>
+        <p:nvPr/>
+      </p:nvGrpSpPr>
+      <p:grpSpPr>
+        <a:xfrm>
+          <a:off x="0" y="0"/>
+          <a:ext cx="0" cy="0"/>
+          <a:chOff x="0" y="0"/>
+          <a:chExt cx="0" cy="0"/>
+        </a:xfrm>
+      </p:grpSpPr>
+      <p:sp>
+        <p:nvSpPr>
+          <p:cNvPr id="3" name="内容占位符 2"/>
+          <p:cNvSpPr>
+            <a:spLocks noGrp="1"/>
+          </p:cNvSpPr>
+          <p:nvPr>
+            <p:ph idx="1"/>
+          </p:nvPr>
+        </p:nvSpPr>
+        <p:spPr>
+          <a:xfrm>
+            <a:off x="647700" y="1110481"/>
+            <a:ext cx="10515600" cy="5747519"/>
+          </a:xfrm>
+        </p:spPr>
+        <p:txBody>
+          <a:bodyPr>
+            <a:normAutofit/>
+          </a:bodyPr>
+          <a:lstStyle/>
+          <a:p>
+            <a:pPr lvl="1"/>
+            <a:endParaRPr lang="en-US" altLang="zh-CN" sz="2000" dirty="0" smtClean="0"/>
+          </a:p>
+          <a:p>
+            <a:pPr lvl="1"/>
+            <a:endParaRPr lang="en-US" altLang="zh-CN" sz="2000" dirty="0"/>
+          </a:p>
+          <a:p>
+            <a:pPr lvl="1"/>
+            <a:r>
+              <a:rPr lang="zh-CN" altLang="en-US" sz="2000" dirty="0" smtClean="0"/>
+              <a:t>属性全部在</a:t>
+            </a:r>
+            <a:r>
+              <a:rPr lang="en-US" altLang="zh-CN" sz="2000" dirty="0" smtClean="0"/>
+              <a:t>Kernel</a:t>
+            </a:r>
+            <a:r>
+              <a:rPr lang="zh-CN" altLang="en-US" sz="2000" dirty="0" smtClean="0"/>
+              <a:t>插件中</a:t>
+            </a:r>
+            <a:endParaRPr lang="en-US" altLang="zh-CN" sz="2000" dirty="0" smtClean="0"/>
+          </a:p>
+          <a:p>
+            <a:pPr lvl="1"/>
+            <a:endParaRPr lang="en-US" altLang="zh-CN" sz="2000" dirty="0" smtClean="0"/>
+          </a:p>
+          <a:p>
+            <a:pPr lvl="1"/>
+            <a:r>
+              <a:rPr lang="zh-CN" altLang="en-US" sz="2000" dirty="0" smtClean="0"/>
+              <a:t>树形结构保存</a:t>
+            </a:r>
+            <a:r>
+              <a:rPr lang="en-US" altLang="zh-CN" sz="2000" dirty="0" smtClean="0"/>
+              <a:t>, </a:t>
+            </a:r>
+            <a:r>
+              <a:rPr lang="zh-CN" altLang="en-US" sz="2000" dirty="0" smtClean="0"/>
+              <a:t>树</a:t>
+            </a:r>
+            <a:r>
+              <a:rPr lang="zh-CN" altLang="en-US" sz="2000" dirty="0"/>
+              <a:t>路径</a:t>
+            </a:r>
+            <a:r>
+              <a:rPr lang="zh-CN" altLang="en-US" sz="2000" dirty="0" smtClean="0"/>
+              <a:t>访问</a:t>
+            </a:r>
+            <a:endParaRPr lang="en-US" altLang="zh-CN" sz="2000" dirty="0" smtClean="0"/>
+          </a:p>
+          <a:p>
+            <a:pPr lvl="1"/>
+            <a:endParaRPr lang="en-US" altLang="zh-CN" sz="2000" dirty="0" smtClean="0"/>
+          </a:p>
+          <a:p>
+            <a:pPr lvl="1"/>
+            <a:r>
+              <a:rPr lang="zh-CN" altLang="en-US" sz="2000" dirty="0" smtClean="0"/>
+              <a:t>实体对象直接调用接口</a:t>
+            </a:r>
+            <a:r>
+              <a:rPr lang="en-US" altLang="zh-CN" sz="2000" dirty="0" smtClean="0"/>
+              <a:t>,</a:t>
+            </a:r>
+            <a:r>
+              <a:rPr lang="zh-CN" altLang="en-US" sz="2000" dirty="0" smtClean="0"/>
+              <a:t> 目前最多支持</a:t>
+            </a:r>
+            <a:r>
+              <a:rPr lang="en-US" altLang="zh-CN" sz="2000" dirty="0" smtClean="0"/>
+              <a:t>2</a:t>
+            </a:r>
+            <a:r>
+              <a:rPr lang="zh-CN" altLang="en-US" sz="2000" dirty="0" smtClean="0"/>
+              <a:t>层嵌套</a:t>
+            </a:r>
+            <a:endParaRPr lang="en-US" altLang="zh-CN" sz="2000" dirty="0" smtClean="0"/>
+          </a:p>
+          <a:p>
+            <a:pPr marL="457200" lvl="1" indent="0">
+              <a:buNone/>
+            </a:pPr>
+            <a:endParaRPr lang="en-US" altLang="zh-CN" sz="2000" dirty="0"/>
+          </a:p>
+        </p:txBody>
+      </p:sp>
+      <p:sp>
+        <p:nvSpPr>
+          <p:cNvPr id="27" name="文本框 26"/>
+          <p:cNvSpPr txBox="1"/>
+          <p:nvPr>
+            <p:custDataLst>
+              <p:tags r:id="rId2"/>
+            </p:custDataLst>
+          </p:nvPr>
+        </p:nvSpPr>
+        <p:spPr>
+          <a:xfrm>
+            <a:off x="669600" y="462480"/>
+            <a:ext cx="10854000" cy="648000"/>
+          </a:xfrm>
+          <a:prstGeom prst="rect">
+            <a:avLst/>
+          </a:prstGeom>
+        </p:spPr>
+        <p:txBody>
+          <a:bodyPr vert="horz" lIns="101600" tIns="38100" rIns="76200" bIns="38100" rtlCol="0" anchor="ctr" anchorCtr="0">
+            <a:noAutofit/>
+          </a:bodyPr>
+          <a:lstStyle>
+            <a:defPPr>
+              <a:defRPr lang="zh-CN"/>
+            </a:defPPr>
+            <a:lvl1pPr marR="0" fontAlgn="auto">
+              <a:lnSpc>
+                <a:spcPct val="100000"/>
+              </a:lnSpc>
+              <a:spcBef>
+                <a:spcPct val="0"/>
+              </a:spcBef>
+              <a:buNone/>
+              <a:defRPr kumimoji="0" lang="zh-CN" altLang="en-US" sz="2800" b="1" i="0" u="none" strike="noStrike" cap="none" spc="200" normalizeH="0" baseline="0" noProof="1" dirty="0">
+                <a:uFillTx/>
+                <a:latin typeface="+mj-lt"/>
+                <a:ea typeface="+mj-ea"/>
+                <a:cs typeface="+mj-cs"/>
+                <a:sym typeface="+mn-ea"/>
+              </a:defRPr>
+            </a:lvl1pPr>
+          </a:lstStyle>
+          <a:p>
+            <a:r>
+              <a:rPr lang="zh-CN" altLang="en-US" dirty="0" smtClean="0">
+                <a:sym typeface="+mn-ea"/>
+              </a:rPr>
+              <a:t>接口统一</a:t>
+            </a:r>
+            <a:endParaRPr dirty="0">
+              <a:sym typeface="+mn-ea"/>
+            </a:endParaRPr>
+          </a:p>
+        </p:txBody>
+      </p:sp>
+    </p:spTree>
+    <p:custDataLst>
+      <p:tags r:id="rId1"/>
+    </p:custDataLst>
+    <p:extLst>
+      <p:ext uri="{BB962C8B-B14F-4D97-AF65-F5344CB8AC3E}">
+        <p14:creationId xmlns:p14="http://schemas.microsoft.com/office/powerpoint/2010/main" val="2610414680"/>
+      </p:ext>
+    </p:extLst>
+  </p:cSld>
+  <p:clrMapOvr>
+    <a:masterClrMapping/>
+  </p:clrMapOvr>
+  <p:timing>
+    <p:tnLst>
+      <p:par>
+        <p:cTn id="1" dur="indefinite" restart="never" nodeType="tmRoot"/>
+      </p:par>
+    </p:tnLst>
+  </p:timing>
+</p:sld>
+</file>
+
+<file path=ppt/slides/slide27.xml><?xml version="1.0" encoding="utf-8"?>
+<p:sld xmlns:a="http://schemas.openxmlformats.org/drawingml/2006/main" xmlns:r="http://schemas.openxmlformats.org/officeDocument/2006/relationships" xmlns:p="http://schemas.openxmlformats.org/presentationml/2006/main">
+  <p:cSld>
+    <p:spTree>
+      <p:nvGrpSpPr>
+        <p:cNvPr id="1" name=""/>
+        <p:cNvGrpSpPr/>
+        <p:nvPr/>
+      </p:nvGrpSpPr>
+      <p:grpSpPr>
+        <a:xfrm>
+          <a:off x="0" y="0"/>
+          <a:ext cx="0" cy="0"/>
+          <a:chOff x="0" y="0"/>
+          <a:chExt cx="0" cy="0"/>
+        </a:xfrm>
+      </p:grpSpPr>
+      <p:sp>
+        <p:nvSpPr>
+          <p:cNvPr id="3" name="内容占位符 2"/>
+          <p:cNvSpPr>
+            <a:spLocks noGrp="1"/>
+          </p:cNvSpPr>
+          <p:nvPr>
+            <p:ph idx="1"/>
+          </p:nvPr>
+        </p:nvSpPr>
+        <p:spPr>
+          <a:xfrm>
             <a:off x="647700" y="161925"/>
             <a:ext cx="10515600" cy="6696076"/>
           </a:xfrm>
@@ -15624,7 +16450,7 @@
 </p:sld>
 </file>
 
-<file path=ppt/slides/slide26.xml><?xml version="1.0" encoding="utf-8"?>
+<file path=ppt/slides/slide28.xml><?xml version="1.0" encoding="utf-8"?>
 <p:sld xmlns:a="http://schemas.openxmlformats.org/drawingml/2006/main" xmlns:r="http://schemas.openxmlformats.org/officeDocument/2006/relationships" xmlns:p="http://schemas.openxmlformats.org/presentationml/2006/main">
   <p:cSld>
     <p:spTree>
@@ -15790,7 +16616,7 @@
 </p:sld>
 </file>
 
-<file path=ppt/slides/slide27.xml><?xml version="1.0" encoding="utf-8"?>
+<file path=ppt/slides/slide29.xml><?xml version="1.0" encoding="utf-8"?>
 <p:sld xmlns:a="http://schemas.openxmlformats.org/drawingml/2006/main" xmlns:r="http://schemas.openxmlformats.org/officeDocument/2006/relationships" xmlns:p="http://schemas.openxmlformats.org/presentationml/2006/main">
   <p:cSld>
     <p:spTree>
@@ -16016,298 +16842,6 @@
     <p:custDataLst>
       <p:tags r:id="rId1"/>
     </p:custDataLst>
-  </p:cSld>
-  <p:clrMapOvr>
-    <a:masterClrMapping/>
-  </p:clrMapOvr>
-  <p:timing>
-    <p:tnLst>
-      <p:par>
-        <p:cTn id="1" dur="indefinite" restart="never" nodeType="tmRoot"/>
-      </p:par>
-    </p:tnLst>
-  </p:timing>
-</p:sld>
-</file>
-
-<file path=ppt/slides/slide28.xml><?xml version="1.0" encoding="utf-8"?>
-<p:sld xmlns:a="http://schemas.openxmlformats.org/drawingml/2006/main" xmlns:r="http://schemas.openxmlformats.org/officeDocument/2006/relationships" xmlns:p="http://schemas.openxmlformats.org/presentationml/2006/main">
-  <p:cSld>
-    <p:spTree>
-      <p:nvGrpSpPr>
-        <p:cNvPr id="1" name=""/>
-        <p:cNvGrpSpPr/>
-        <p:nvPr/>
-      </p:nvGrpSpPr>
-      <p:grpSpPr>
-        <a:xfrm>
-          <a:off x="0" y="0"/>
-          <a:ext cx="0" cy="0"/>
-          <a:chOff x="0" y="0"/>
-          <a:chExt cx="0" cy="0"/>
-        </a:xfrm>
-      </p:grpSpPr>
-      <p:pic>
-        <p:nvPicPr>
-          <p:cNvPr id="5" name="图片 4"/>
-          <p:cNvPicPr>
-            <a:picLocks noChangeAspect="1"/>
-          </p:cNvPicPr>
-          <p:nvPr/>
-        </p:nvPicPr>
-        <p:blipFill>
-          <a:blip r:embed="rId3"/>
-          <a:stretch>
-            <a:fillRect/>
-          </a:stretch>
-        </p:blipFill>
-        <p:spPr>
-          <a:xfrm>
-            <a:off x="234099" y="1009650"/>
-            <a:ext cx="11780952" cy="5762154"/>
-          </a:xfrm>
-          <a:prstGeom prst="rect">
-            <a:avLst/>
-          </a:prstGeom>
-        </p:spPr>
-      </p:pic>
-      <p:sp>
-        <p:nvSpPr>
-          <p:cNvPr id="7" name="内容占位符 2"/>
-          <p:cNvSpPr>
-            <a:spLocks noGrp="1"/>
-          </p:cNvSpPr>
-          <p:nvPr>
-            <p:ph idx="1"/>
-          </p:nvPr>
-        </p:nvSpPr>
-        <p:spPr>
-          <a:xfrm>
-            <a:off x="466725" y="182881"/>
-            <a:ext cx="10515600" cy="617220"/>
-          </a:xfrm>
-        </p:spPr>
-        <p:txBody>
-          <a:bodyPr>
-            <a:normAutofit fontScale="97500"/>
-          </a:bodyPr>
-          <a:lstStyle/>
-          <a:p>
-            <a:pPr marL="0" indent="0">
-              <a:buNone/>
-            </a:pPr>
-            <a:r>
-              <a:rPr lang="zh-CN" altLang="en-US" sz="2800" dirty="0" smtClean="0">
-                <a:latin typeface="+mj-ea"/>
-                <a:ea typeface="+mj-ea"/>
-              </a:rPr>
-              <a:t>序列化数据结构只有</a:t>
-            </a:r>
-            <a:r>
-              <a:rPr lang="en-US" altLang="zh-CN" sz="2800" dirty="0" smtClean="0">
-                <a:latin typeface="+mj-ea"/>
-                <a:ea typeface="+mj-ea"/>
-              </a:rPr>
-              <a:t>1</a:t>
-            </a:r>
-            <a:r>
-              <a:rPr lang="zh-CN" altLang="en-US" sz="2800" dirty="0" smtClean="0">
-                <a:latin typeface="+mj-ea"/>
-                <a:ea typeface="+mj-ea"/>
-              </a:rPr>
-              <a:t>个</a:t>
-            </a:r>
-            <a:endParaRPr lang="en-US" altLang="zh-CN" sz="2800" dirty="0" smtClean="0">
-              <a:latin typeface="+mj-ea"/>
-              <a:ea typeface="+mj-ea"/>
-            </a:endParaRPr>
-          </a:p>
-        </p:txBody>
-      </p:sp>
-    </p:spTree>
-    <p:custDataLst>
-      <p:tags r:id="rId1"/>
-    </p:custDataLst>
-  </p:cSld>
-  <p:clrMapOvr>
-    <a:masterClrMapping/>
-  </p:clrMapOvr>
-  <p:timing>
-    <p:tnLst>
-      <p:par>
-        <p:cTn id="1" dur="indefinite" restart="never" nodeType="tmRoot"/>
-      </p:par>
-    </p:tnLst>
-  </p:timing>
-</p:sld>
-</file>
-
-<file path=ppt/slides/slide29.xml><?xml version="1.0" encoding="utf-8"?>
-<p:sld xmlns:a="http://schemas.openxmlformats.org/drawingml/2006/main" xmlns:r="http://schemas.openxmlformats.org/officeDocument/2006/relationships" xmlns:p="http://schemas.openxmlformats.org/presentationml/2006/main">
-  <p:cSld>
-    <p:spTree>
-      <p:nvGrpSpPr>
-        <p:cNvPr id="1" name=""/>
-        <p:cNvGrpSpPr/>
-        <p:nvPr/>
-      </p:nvGrpSpPr>
-      <p:grpSpPr>
-        <a:xfrm>
-          <a:off x="0" y="0"/>
-          <a:ext cx="0" cy="0"/>
-          <a:chOff x="0" y="0"/>
-          <a:chExt cx="0" cy="0"/>
-        </a:xfrm>
-      </p:grpSpPr>
-      <p:sp>
-        <p:nvSpPr>
-          <p:cNvPr id="3" name="内容占位符 2"/>
-          <p:cNvSpPr>
-            <a:spLocks noGrp="1"/>
-          </p:cNvSpPr>
-          <p:nvPr>
-            <p:ph idx="1"/>
-          </p:nvPr>
-        </p:nvSpPr>
-        <p:spPr>
-          <a:xfrm>
-            <a:off x="647700" y="1110481"/>
-            <a:ext cx="10515600" cy="5747519"/>
-          </a:xfrm>
-        </p:spPr>
-        <p:txBody>
-          <a:bodyPr>
-            <a:normAutofit/>
-          </a:bodyPr>
-          <a:lstStyle/>
-          <a:p>
-            <a:pPr lvl="1"/>
-            <a:endParaRPr lang="en-US" altLang="zh-CN" sz="2000" dirty="0" smtClean="0"/>
-          </a:p>
-          <a:p>
-            <a:pPr lvl="1"/>
-            <a:r>
-              <a:rPr lang="zh-CN" altLang="en-US" sz="2000" dirty="0" smtClean="0"/>
-              <a:t>资源类型的属性</a:t>
-            </a:r>
-            <a:endParaRPr lang="en-US" altLang="zh-CN" sz="2000" dirty="0" smtClean="0"/>
-          </a:p>
-          <a:p>
-            <a:pPr marL="457200" lvl="1" indent="0">
-              <a:buNone/>
-            </a:pPr>
-            <a:endParaRPr lang="en-US" altLang="zh-CN" sz="2000" dirty="0"/>
-          </a:p>
-          <a:p>
-            <a:pPr lvl="1"/>
-            <a:r>
-              <a:rPr lang="zh-CN" altLang="en-US" sz="2000" dirty="0" smtClean="0"/>
-              <a:t>掉落</a:t>
-            </a:r>
-            <a:r>
-              <a:rPr lang="en-US" altLang="zh-CN" sz="2000" dirty="0" smtClean="0"/>
-              <a:t>, </a:t>
-            </a:r>
-            <a:r>
-              <a:rPr lang="zh-CN" altLang="en-US" sz="2000" dirty="0" smtClean="0"/>
-              <a:t>奖励等获得</a:t>
-            </a:r>
-            <a:endParaRPr lang="en-US" altLang="zh-CN" sz="2000" dirty="0" smtClean="0"/>
-          </a:p>
-          <a:p>
-            <a:pPr lvl="1"/>
-            <a:endParaRPr lang="en-US" altLang="zh-CN" sz="2000" dirty="0" smtClean="0"/>
-          </a:p>
-          <a:p>
-            <a:pPr lvl="1"/>
-            <a:r>
-              <a:rPr lang="zh-CN" altLang="en-US" sz="2000" dirty="0" smtClean="0"/>
-              <a:t>热更配置表</a:t>
-            </a:r>
-            <a:r>
-              <a:rPr lang="en-US" altLang="zh-CN" sz="2000" dirty="0" smtClean="0"/>
-              <a:t>, </a:t>
-            </a:r>
-            <a:r>
-              <a:rPr lang="zh-CN" altLang="en-US" sz="2000" dirty="0" smtClean="0"/>
-              <a:t>不需要编译</a:t>
-            </a:r>
-            <a:r>
-              <a:rPr lang="en-US" altLang="zh-CN" sz="2000" dirty="0" smtClean="0"/>
-              <a:t>, </a:t>
-            </a:r>
-            <a:r>
-              <a:rPr lang="zh-CN" altLang="en-US" sz="2000" dirty="0" smtClean="0"/>
-              <a:t>不需要重启</a:t>
-            </a:r>
-            <a:endParaRPr lang="en-US" altLang="zh-CN" sz="2000" dirty="0"/>
-          </a:p>
-        </p:txBody>
-      </p:sp>
-      <p:sp>
-        <p:nvSpPr>
-          <p:cNvPr id="27" name="文本框 26"/>
-          <p:cNvSpPr txBox="1"/>
-          <p:nvPr>
-            <p:custDataLst>
-              <p:tags r:id="rId2"/>
-            </p:custDataLst>
-          </p:nvPr>
-        </p:nvSpPr>
-        <p:spPr>
-          <a:xfrm>
-            <a:off x="669600" y="462480"/>
-            <a:ext cx="10854000" cy="648000"/>
-          </a:xfrm>
-          <a:prstGeom prst="rect">
-            <a:avLst/>
-          </a:prstGeom>
-        </p:spPr>
-        <p:txBody>
-          <a:bodyPr vert="horz" lIns="101600" tIns="38100" rIns="76200" bIns="38100" rtlCol="0" anchor="ctr" anchorCtr="0">
-            <a:noAutofit/>
-          </a:bodyPr>
-          <a:lstStyle>
-            <a:defPPr>
-              <a:defRPr lang="zh-CN"/>
-            </a:defPPr>
-            <a:lvl1pPr marR="0" fontAlgn="auto">
-              <a:lnSpc>
-                <a:spcPct val="100000"/>
-              </a:lnSpc>
-              <a:spcBef>
-                <a:spcPct val="0"/>
-              </a:spcBef>
-              <a:buNone/>
-              <a:defRPr kumimoji="0" lang="zh-CN" altLang="en-US" sz="2800" b="1" i="0" u="none" strike="noStrike" cap="none" spc="200" normalizeH="0" baseline="0" noProof="1" dirty="0">
-                <a:uFillTx/>
-                <a:latin typeface="+mj-lt"/>
-                <a:ea typeface="+mj-ea"/>
-                <a:cs typeface="+mj-cs"/>
-                <a:sym typeface="+mn-ea"/>
-              </a:defRPr>
-            </a:lvl1pPr>
-          </a:lstStyle>
-          <a:p>
-            <a:r>
-              <a:rPr lang="zh-CN" altLang="en-US" dirty="0" smtClean="0"/>
-              <a:t>运行时添加属性变量</a:t>
-            </a:r>
-            <a:endParaRPr dirty="0">
-              <a:sym typeface="+mn-ea"/>
-            </a:endParaRPr>
-          </a:p>
-        </p:txBody>
-      </p:sp>
-    </p:spTree>
-    <p:custDataLst>
-      <p:tags r:id="rId1"/>
-    </p:custDataLst>
-    <p:extLst>
-      <p:ext uri="{BB962C8B-B14F-4D97-AF65-F5344CB8AC3E}">
-        <p14:creationId xmlns:p14="http://schemas.microsoft.com/office/powerpoint/2010/main" val="2630150216"/>
-      </p:ext>
-    </p:extLst>
   </p:cSld>
   <p:clrMapOvr>
     <a:masterClrMapping/>
@@ -16765,6 +17299,118 @@
           <a:chExt cx="0" cy="0"/>
         </a:xfrm>
       </p:grpSpPr>
+      <p:pic>
+        <p:nvPicPr>
+          <p:cNvPr id="5" name="图片 4"/>
+          <p:cNvPicPr>
+            <a:picLocks noChangeAspect="1"/>
+          </p:cNvPicPr>
+          <p:nvPr/>
+        </p:nvPicPr>
+        <p:blipFill>
+          <a:blip r:embed="rId3"/>
+          <a:stretch>
+            <a:fillRect/>
+          </a:stretch>
+        </p:blipFill>
+        <p:spPr>
+          <a:xfrm>
+            <a:off x="234099" y="1009650"/>
+            <a:ext cx="11780952" cy="5762154"/>
+          </a:xfrm>
+          <a:prstGeom prst="rect">
+            <a:avLst/>
+          </a:prstGeom>
+        </p:spPr>
+      </p:pic>
+      <p:sp>
+        <p:nvSpPr>
+          <p:cNvPr id="7" name="内容占位符 2"/>
+          <p:cNvSpPr>
+            <a:spLocks noGrp="1"/>
+          </p:cNvSpPr>
+          <p:nvPr>
+            <p:ph idx="1"/>
+          </p:nvPr>
+        </p:nvSpPr>
+        <p:spPr>
+          <a:xfrm>
+            <a:off x="466725" y="182881"/>
+            <a:ext cx="10515600" cy="617220"/>
+          </a:xfrm>
+        </p:spPr>
+        <p:txBody>
+          <a:bodyPr>
+            <a:normAutofit fontScale="97500"/>
+          </a:bodyPr>
+          <a:lstStyle/>
+          <a:p>
+            <a:pPr marL="0" indent="0">
+              <a:buNone/>
+            </a:pPr>
+            <a:r>
+              <a:rPr lang="zh-CN" altLang="en-US" sz="2800" dirty="0" smtClean="0">
+                <a:latin typeface="+mj-ea"/>
+                <a:ea typeface="+mj-ea"/>
+              </a:rPr>
+              <a:t>序列化数据结构只有</a:t>
+            </a:r>
+            <a:r>
+              <a:rPr lang="en-US" altLang="zh-CN" sz="2800" dirty="0" smtClean="0">
+                <a:latin typeface="+mj-ea"/>
+                <a:ea typeface="+mj-ea"/>
+              </a:rPr>
+              <a:t>1</a:t>
+            </a:r>
+            <a:r>
+              <a:rPr lang="zh-CN" altLang="en-US" sz="2800" dirty="0" smtClean="0">
+                <a:latin typeface="+mj-ea"/>
+                <a:ea typeface="+mj-ea"/>
+              </a:rPr>
+              <a:t>个</a:t>
+            </a:r>
+            <a:endParaRPr lang="en-US" altLang="zh-CN" sz="2800" dirty="0" smtClean="0">
+              <a:latin typeface="+mj-ea"/>
+              <a:ea typeface="+mj-ea"/>
+            </a:endParaRPr>
+          </a:p>
+        </p:txBody>
+      </p:sp>
+    </p:spTree>
+    <p:custDataLst>
+      <p:tags r:id="rId1"/>
+    </p:custDataLst>
+  </p:cSld>
+  <p:clrMapOvr>
+    <a:masterClrMapping/>
+  </p:clrMapOvr>
+  <p:timing>
+    <p:tnLst>
+      <p:par>
+        <p:cTn id="1" dur="indefinite" restart="never" nodeType="tmRoot"/>
+      </p:par>
+    </p:tnLst>
+  </p:timing>
+</p:sld>
+</file>
+
+<file path=ppt/slides/slide31.xml><?xml version="1.0" encoding="utf-8"?>
+<p:sld xmlns:a="http://schemas.openxmlformats.org/drawingml/2006/main" xmlns:r="http://schemas.openxmlformats.org/officeDocument/2006/relationships" xmlns:p="http://schemas.openxmlformats.org/presentationml/2006/main">
+  <p:cSld>
+    <p:spTree>
+      <p:nvGrpSpPr>
+        <p:cNvPr id="1" name=""/>
+        <p:cNvGrpSpPr/>
+        <p:nvPr/>
+      </p:nvGrpSpPr>
+      <p:grpSpPr>
+        <a:xfrm>
+          <a:off x="0" y="0"/>
+          <a:ext cx="0" cy="0"/>
+          <a:chOff x="0" y="0"/>
+          <a:chExt cx="0" cy="0"/>
+        </a:xfrm>
+      </p:grpSpPr>
       <p:sp>
         <p:nvSpPr>
           <p:cNvPr id="3" name="内容占位符 2"/>
@@ -16794,23 +17440,7 @@
             <a:pPr lvl="1"/>
             <a:r>
               <a:rPr lang="zh-CN" altLang="en-US" sz="2000" dirty="0" smtClean="0"/>
-              <a:t>需要理解</a:t>
-            </a:r>
-            <a:r>
-              <a:rPr lang="zh-CN" altLang="en-US" sz="2000" dirty="0"/>
-              <a:t>成本</a:t>
-            </a:r>
-            <a:endParaRPr lang="en-US" altLang="zh-CN" sz="2000" dirty="0"/>
-          </a:p>
-          <a:p>
-            <a:pPr lvl="1"/>
-            <a:endParaRPr lang="en-US" altLang="zh-CN" sz="2000" dirty="0" smtClean="0"/>
-          </a:p>
-          <a:p>
-            <a:pPr lvl="1"/>
-            <a:r>
-              <a:rPr lang="zh-CN" altLang="en-US" sz="2000" dirty="0" smtClean="0"/>
-              <a:t>消耗多一点内存</a:t>
+              <a:t>资源类型的属性</a:t>
             </a:r>
             <a:endParaRPr lang="en-US" altLang="zh-CN" sz="2000" dirty="0" smtClean="0"/>
           </a:p>
@@ -16824,48 +17454,45 @@
             <a:pPr lvl="1"/>
             <a:r>
               <a:rPr lang="zh-CN" altLang="en-US" sz="2000" dirty="0" smtClean="0"/>
-              <a:t>查找损失</a:t>
-            </a:r>
-            <a:r>
-              <a:rPr lang="zh-CN" altLang="en-US" sz="2000" dirty="0"/>
-              <a:t>少许</a:t>
+              <a:t>掉落</a:t>
+            </a:r>
+            <a:r>
+              <a:rPr lang="en-US" altLang="zh-CN" sz="2000" dirty="0" smtClean="0"/>
+              <a:t>, </a:t>
             </a:r>
             <a:r>
               <a:rPr lang="zh-CN" altLang="en-US" sz="2000" dirty="0" smtClean="0"/>
-              <a:t>性能</a:t>
+              <a:t>奖励等获得</a:t>
             </a:r>
             <a:endParaRPr lang="en-US" altLang="zh-CN" sz="2000" dirty="0" smtClean="0"/>
           </a:p>
           <a:p>
             <a:pPr lvl="1"/>
+            <a:endParaRPr lang="en-US" altLang="zh-CN" sz="2000" dirty="0" smtClean="0"/>
+          </a:p>
+          <a:p>
+            <a:pPr lvl="1"/>
+            <a:r>
+              <a:rPr lang="zh-CN" altLang="en-US" sz="2000" dirty="0" smtClean="0"/>
+              <a:t>热更配置表</a:t>
+            </a:r>
+            <a:r>
+              <a:rPr lang="en-US" altLang="zh-CN" sz="2000" dirty="0" smtClean="0"/>
+              <a:t>, </a:t>
+            </a:r>
+            <a:r>
+              <a:rPr lang="zh-CN" altLang="en-US" sz="2000" dirty="0" smtClean="0"/>
+              <a:t>不需要编译</a:t>
+            </a:r>
+            <a:r>
+              <a:rPr lang="en-US" altLang="zh-CN" sz="2000" dirty="0" smtClean="0"/>
+              <a:t>, </a:t>
+            </a:r>
+            <a:r>
+              <a:rPr lang="zh-CN" altLang="en-US" sz="2000" dirty="0" smtClean="0"/>
+              <a:t>不需要重启</a:t>
+            </a:r>
             <a:endParaRPr lang="en-US" altLang="zh-CN" sz="2000" dirty="0"/>
-          </a:p>
-          <a:p>
-            <a:pPr lvl="1"/>
-            <a:r>
-              <a:rPr lang="zh-CN" altLang="en-US" sz="2000" dirty="0" smtClean="0"/>
-              <a:t>特定场景可能有性能隐患 </a:t>
-            </a:r>
-            <a:r>
-              <a:rPr lang="en-US" altLang="zh-CN" sz="2000" dirty="0" smtClean="0"/>
-              <a:t>( </a:t>
-            </a:r>
-            <a:r>
-              <a:rPr lang="zh-CN" altLang="en-US" sz="2000" dirty="0" smtClean="0"/>
-              <a:t>如</a:t>
-            </a:r>
-            <a:r>
-              <a:rPr lang="en-US" altLang="zh-CN" sz="2000" dirty="0" err="1" smtClean="0"/>
-              <a:t>mmo</a:t>
-            </a:r>
-            <a:r>
-              <a:rPr lang="zh-CN" altLang="en-US" sz="2000" dirty="0" smtClean="0"/>
-              <a:t>的战斗 </a:t>
-            </a:r>
-            <a:r>
-              <a:rPr lang="en-US" altLang="zh-CN" sz="2000" dirty="0" smtClean="0"/>
-              <a:t>)</a:t>
-            </a:r>
           </a:p>
         </p:txBody>
       </p:sp>
@@ -16915,6 +17542,205 @@
           </a:lstStyle>
           <a:p>
             <a:r>
+              <a:rPr lang="zh-CN" altLang="en-US" dirty="0" smtClean="0"/>
+              <a:t>运行时添加属性变量</a:t>
+            </a:r>
+            <a:endParaRPr dirty="0">
+              <a:sym typeface="+mn-ea"/>
+            </a:endParaRPr>
+          </a:p>
+        </p:txBody>
+      </p:sp>
+    </p:spTree>
+    <p:custDataLst>
+      <p:tags r:id="rId1"/>
+    </p:custDataLst>
+    <p:extLst>
+      <p:ext uri="{BB962C8B-B14F-4D97-AF65-F5344CB8AC3E}">
+        <p14:creationId xmlns:p14="http://schemas.microsoft.com/office/powerpoint/2010/main" val="2630150216"/>
+      </p:ext>
+    </p:extLst>
+  </p:cSld>
+  <p:clrMapOvr>
+    <a:masterClrMapping/>
+  </p:clrMapOvr>
+  <p:timing>
+    <p:tnLst>
+      <p:par>
+        <p:cTn id="1" dur="indefinite" restart="never" nodeType="tmRoot"/>
+      </p:par>
+    </p:tnLst>
+  </p:timing>
+</p:sld>
+</file>
+
+<file path=ppt/slides/slide32.xml><?xml version="1.0" encoding="utf-8"?>
+<p:sld xmlns:a="http://schemas.openxmlformats.org/drawingml/2006/main" xmlns:r="http://schemas.openxmlformats.org/officeDocument/2006/relationships" xmlns:p="http://schemas.openxmlformats.org/presentationml/2006/main">
+  <p:cSld>
+    <p:spTree>
+      <p:nvGrpSpPr>
+        <p:cNvPr id="1" name=""/>
+        <p:cNvGrpSpPr/>
+        <p:nvPr/>
+      </p:nvGrpSpPr>
+      <p:grpSpPr>
+        <a:xfrm>
+          <a:off x="0" y="0"/>
+          <a:ext cx="0" cy="0"/>
+          <a:chOff x="0" y="0"/>
+          <a:chExt cx="0" cy="0"/>
+        </a:xfrm>
+      </p:grpSpPr>
+      <p:sp>
+        <p:nvSpPr>
+          <p:cNvPr id="3" name="内容占位符 2"/>
+          <p:cNvSpPr>
+            <a:spLocks noGrp="1"/>
+          </p:cNvSpPr>
+          <p:nvPr>
+            <p:ph idx="1"/>
+          </p:nvPr>
+        </p:nvSpPr>
+        <p:spPr>
+          <a:xfrm>
+            <a:off x="647700" y="1110481"/>
+            <a:ext cx="10515600" cy="5747519"/>
+          </a:xfrm>
+        </p:spPr>
+        <p:txBody>
+          <a:bodyPr>
+            <a:normAutofit/>
+          </a:bodyPr>
+          <a:lstStyle/>
+          <a:p>
+            <a:pPr lvl="1"/>
+            <a:endParaRPr lang="en-US" altLang="zh-CN" sz="2000" dirty="0" smtClean="0"/>
+          </a:p>
+          <a:p>
+            <a:pPr lvl="1"/>
+            <a:r>
+              <a:rPr lang="zh-CN" altLang="en-US" sz="2000" dirty="0" smtClean="0"/>
+              <a:t>需要理解</a:t>
+            </a:r>
+            <a:r>
+              <a:rPr lang="zh-CN" altLang="en-US" sz="2000" dirty="0"/>
+              <a:t>成本</a:t>
+            </a:r>
+            <a:endParaRPr lang="en-US" altLang="zh-CN" sz="2000" dirty="0"/>
+          </a:p>
+          <a:p>
+            <a:pPr lvl="1"/>
+            <a:endParaRPr lang="en-US" altLang="zh-CN" sz="2000" dirty="0" smtClean="0"/>
+          </a:p>
+          <a:p>
+            <a:pPr lvl="1"/>
+            <a:r>
+              <a:rPr lang="zh-CN" altLang="en-US" sz="2000" dirty="0" smtClean="0"/>
+              <a:t>消耗多一点内存</a:t>
+            </a:r>
+            <a:endParaRPr lang="en-US" altLang="zh-CN" sz="2000" dirty="0" smtClean="0"/>
+          </a:p>
+          <a:p>
+            <a:pPr marL="457200" lvl="1" indent="0">
+              <a:buNone/>
+            </a:pPr>
+            <a:endParaRPr lang="en-US" altLang="zh-CN" sz="2000" dirty="0"/>
+          </a:p>
+          <a:p>
+            <a:pPr lvl="1"/>
+            <a:r>
+              <a:rPr lang="zh-CN" altLang="en-US" sz="2000" dirty="0" smtClean="0"/>
+              <a:t>查找损失</a:t>
+            </a:r>
+            <a:r>
+              <a:rPr lang="zh-CN" altLang="en-US" sz="2000" dirty="0"/>
+              <a:t>少许</a:t>
+            </a:r>
+            <a:r>
+              <a:rPr lang="zh-CN" altLang="en-US" sz="2000" dirty="0" smtClean="0"/>
+              <a:t>性能</a:t>
+            </a:r>
+            <a:endParaRPr lang="en-US" altLang="zh-CN" sz="2000" dirty="0" smtClean="0"/>
+          </a:p>
+          <a:p>
+            <a:pPr lvl="1"/>
+            <a:endParaRPr lang="en-US" altLang="zh-CN" sz="2000" dirty="0"/>
+          </a:p>
+          <a:p>
+            <a:pPr lvl="1"/>
+            <a:r>
+              <a:rPr lang="zh-CN" altLang="en-US" sz="2000" dirty="0" smtClean="0"/>
+              <a:t>特定场景可能有性能隐患 </a:t>
+            </a:r>
+            <a:r>
+              <a:rPr lang="en-US" altLang="zh-CN" sz="2000" dirty="0" smtClean="0"/>
+              <a:t>( </a:t>
+            </a:r>
+            <a:r>
+              <a:rPr lang="zh-CN" altLang="en-US" sz="2000" dirty="0" smtClean="0"/>
+              <a:t>如</a:t>
+            </a:r>
+            <a:r>
+              <a:rPr lang="en-US" altLang="zh-CN" sz="2000" dirty="0" err="1" smtClean="0"/>
+              <a:t>mmo</a:t>
+            </a:r>
+            <a:r>
+              <a:rPr lang="zh-CN" altLang="en-US" sz="2000" dirty="0" smtClean="0"/>
+              <a:t>的战斗 </a:t>
+            </a:r>
+            <a:r>
+              <a:rPr lang="en-US" altLang="zh-CN" sz="2000" dirty="0" smtClean="0"/>
+              <a:t>)</a:t>
+            </a:r>
+          </a:p>
+        </p:txBody>
+      </p:sp>
+      <p:sp>
+        <p:nvSpPr>
+          <p:cNvPr id="27" name="文本框 26"/>
+          <p:cNvSpPr txBox="1"/>
+          <p:nvPr>
+            <p:custDataLst>
+              <p:tags r:id="rId2"/>
+            </p:custDataLst>
+          </p:nvPr>
+        </p:nvSpPr>
+        <p:spPr>
+          <a:xfrm>
+            <a:off x="669600" y="462480"/>
+            <a:ext cx="10854000" cy="648000"/>
+          </a:xfrm>
+          <a:prstGeom prst="rect">
+            <a:avLst/>
+          </a:prstGeom>
+        </p:spPr>
+        <p:txBody>
+          <a:bodyPr vert="horz" lIns="101600" tIns="38100" rIns="76200" bIns="38100" rtlCol="0" anchor="ctr" anchorCtr="0">
+            <a:noAutofit/>
+          </a:bodyPr>
+          <a:lstStyle>
+            <a:defPPr>
+              <a:defRPr lang="zh-CN"/>
+            </a:defPPr>
+            <a:lvl1pPr marR="0" fontAlgn="auto">
+              <a:lnSpc>
+                <a:spcPct val="100000"/>
+              </a:lnSpc>
+              <a:spcBef>
+                <a:spcPct val="0"/>
+              </a:spcBef>
+              <a:buNone/>
+              <a:defRPr kumimoji="0" lang="zh-CN" altLang="en-US" sz="2800" b="1" i="0" u="none" strike="noStrike" cap="none" spc="200" normalizeH="0" baseline="0" noProof="1" dirty="0">
+                <a:uFillTx/>
+                <a:latin typeface="+mj-lt"/>
+                <a:ea typeface="+mj-ea"/>
+                <a:cs typeface="+mj-cs"/>
+                <a:sym typeface="+mn-ea"/>
+              </a:defRPr>
+            </a:lvl1pPr>
+          </a:lstStyle>
+          <a:p>
+            <a:r>
               <a:rPr lang="zh-CN" altLang="en-US" dirty="0" smtClean="0">
                 <a:sym typeface="+mn-ea"/>
               </a:rPr>
@@ -16949,7 +17775,7 @@
 </p:sld>
 </file>
 
-<file path=ppt/slides/slide31.xml><?xml version="1.0" encoding="utf-8"?>
+<file path=ppt/slides/slide33.xml><?xml version="1.0" encoding="utf-8"?>
 <p:sld xmlns:a="http://schemas.openxmlformats.org/drawingml/2006/main" xmlns:r="http://schemas.openxmlformats.org/officeDocument/2006/relationships" xmlns:p="http://schemas.openxmlformats.org/presentationml/2006/main">
   <p:cSld>
     <p:spTree>
@@ -17338,7 +18164,7 @@
 </p:sld>
 </file>
 
-<file path=ppt/slides/slide32.xml><?xml version="1.0" encoding="utf-8"?>
+<file path=ppt/slides/slide34.xml><?xml version="1.0" encoding="utf-8"?>
 <p:sld xmlns:a="http://schemas.openxmlformats.org/drawingml/2006/main" xmlns:r="http://schemas.openxmlformats.org/officeDocument/2006/relationships" xmlns:p="http://schemas.openxmlformats.org/presentationml/2006/main">
   <p:cSld>
     <p:spTree>
@@ -18116,7 +18942,7 @@
 </p:sld>
 </file>
 
-<file path=ppt/slides/slide33.xml><?xml version="1.0" encoding="utf-8"?>
+<file path=ppt/slides/slide35.xml><?xml version="1.0" encoding="utf-8"?>
 <p:sld xmlns:a="http://schemas.openxmlformats.org/drawingml/2006/main" xmlns:r="http://schemas.openxmlformats.org/officeDocument/2006/relationships" xmlns:p="http://schemas.openxmlformats.org/presentationml/2006/main">
   <p:cSld>
     <p:spTree>
@@ -18607,7 +19433,7 @@
 </p:sld>
 </file>
 
-<file path=ppt/slides/slide34.xml><?xml version="1.0" encoding="utf-8"?>
+<file path=ppt/slides/slide36.xml><?xml version="1.0" encoding="utf-8"?>
 <p:sld xmlns:a="http://schemas.openxmlformats.org/drawingml/2006/main" xmlns:r="http://schemas.openxmlformats.org/officeDocument/2006/relationships" xmlns:p="http://schemas.openxmlformats.org/presentationml/2006/main">
   <p:cSld>
     <p:spTree>
@@ -18956,7 +19782,7 @@
 </p:sld>
 </file>
 
-<file path=ppt/slides/slide35.xml><?xml version="1.0" encoding="utf-8"?>
+<file path=ppt/slides/slide37.xml><?xml version="1.0" encoding="utf-8"?>
 <p:sld xmlns:a="http://schemas.openxmlformats.org/drawingml/2006/main" xmlns:r="http://schemas.openxmlformats.org/officeDocument/2006/relationships" xmlns:p="http://schemas.openxmlformats.org/presentationml/2006/main">
   <p:cSld>
     <p:spTree>
@@ -19334,7 +20160,7 @@
 </p:sld>
 </file>
 
-<file path=ppt/slides/slide36.xml><?xml version="1.0" encoding="utf-8"?>
+<file path=ppt/slides/slide38.xml><?xml version="1.0" encoding="utf-8"?>
 <p:sld xmlns:a="http://schemas.openxmlformats.org/drawingml/2006/main" xmlns:r="http://schemas.openxmlformats.org/officeDocument/2006/relationships" xmlns:p="http://schemas.openxmlformats.org/presentationml/2006/main">
   <p:cSld>
     <p:spTree>

--- a/_doc/KFrame.pptx
+++ b/_doc/KFrame.pptx
@@ -11830,12 +11830,6 @@
               </a:rPr>
               <a:t>Drop</a:t>
             </a:r>
-            <a:endParaRPr lang="en-US" altLang="zh-CN" dirty="0" smtClean="0">
-              <a:solidFill>
-                <a:srgbClr val="000000"/>
-              </a:solidFill>
-              <a:sym typeface="+mn-ea"/>
-            </a:endParaRPr>
           </a:p>
           <a:p>
             <a:pPr marL="800100" lvl="1" indent="-342900">
@@ -14433,16 +14427,7 @@
                 </a:solidFill>
                 <a:sym typeface="+mn-ea"/>
               </a:rPr>
-              <a:t>(Item</a:t>
-            </a:r>
-            <a:r>
-              <a:rPr lang="en-US" altLang="zh-CN" sz="1600" dirty="0" smtClean="0">
-                <a:solidFill>
-                  <a:srgbClr val="000000"/>
-                </a:solidFill>
-                <a:sym typeface="+mn-ea"/>
-              </a:rPr>
-              <a:t>)</a:t>
+              <a:t>(Item)</a:t>
             </a:r>
           </a:p>
         </p:txBody>
@@ -15544,23 +15529,23 @@
             </a:pPr>
             <a:r>
               <a:rPr lang="zh-CN" altLang="en-US" dirty="0" smtClean="0"/>
-              <a:t>初始</a:t>
+              <a:t>初始值</a:t>
             </a:r>
             <a:r>
               <a:rPr lang="en-US" altLang="zh-CN" dirty="0" smtClean="0"/>
               <a:t>, </a:t>
             </a:r>
             <a:r>
-              <a:rPr lang="zh-CN" altLang="en-US" dirty="0" smtClean="0"/>
-              <a:t>最小</a:t>
+              <a:rPr lang="zh-CN" altLang="en-US" dirty="0"/>
+              <a:t>最小值</a:t>
             </a:r>
             <a:r>
               <a:rPr lang="en-US" altLang="zh-CN" dirty="0" smtClean="0"/>
               <a:t>, </a:t>
             </a:r>
             <a:r>
-              <a:rPr lang="zh-CN" altLang="en-US" dirty="0" smtClean="0"/>
-              <a:t>最大</a:t>
+              <a:rPr lang="zh-CN" altLang="en-US" dirty="0"/>
+              <a:t>最大值</a:t>
             </a:r>
             <a:r>
               <a:rPr lang="en-US" altLang="zh-CN" dirty="0" smtClean="0"/>

--- a/_doc/KFrame.pptx
+++ b/_doc/KFrame.pptx
@@ -254,7 +254,7 @@
           <a:p>
             <a:fld id="{0F9B84EA-7D68-4D60-9CB1-D50884785D1C}" type="datetimeFigureOut">
               <a:rPr lang="zh-CN" altLang="en-US" smtClean="0"/>
-              <a:t>2020/8/17</a:t>
+              <a:t>2020/8/18</a:t>
             </a:fld>
             <a:endParaRPr lang="zh-CN" altLang="en-US"/>
           </a:p>
@@ -425,7 +425,7 @@
           <a:p>
             <a:fld id="{D6C8D182-E4C8-4120-9249-FC9774456FFA}" type="datetimeFigureOut">
               <a:rPr lang="zh-CN" altLang="en-US" smtClean="0"/>
-              <a:t>2020/8/17</a:t>
+              <a:t>2020/8/18</a:t>
             </a:fld>
             <a:endParaRPr lang="zh-CN" altLang="en-US"/>
           </a:p>
@@ -2143,7 +2143,7 @@
           <a:p>
             <a:fld id="{760FBDFE-C587-4B4C-A407-44438C67B59E}" type="datetimeFigureOut">
               <a:rPr lang="zh-CN" altLang="en-US" smtClean="0"/>
-              <a:t>2020/8/17</a:t>
+              <a:t>2020/8/18</a:t>
             </a:fld>
             <a:endParaRPr lang="zh-CN" altLang="en-US"/>
           </a:p>
@@ -2233,7 +2233,7 @@
           <a:p>
             <a:fld id="{760FBDFE-C587-4B4C-A407-44438C67B59E}" type="datetimeFigureOut">
               <a:rPr lang="zh-CN" altLang="en-US" smtClean="0"/>
-              <a:t>2020/8/17</a:t>
+              <a:t>2020/8/18</a:t>
             </a:fld>
             <a:endParaRPr lang="zh-CN" altLang="en-US"/>
           </a:p>
@@ -2503,7 +2503,7 @@
           <a:p>
             <a:fld id="{760FBDFE-C587-4B4C-A407-44438C67B59E}" type="datetimeFigureOut">
               <a:rPr lang="zh-CN" altLang="en-US" smtClean="0"/>
-              <a:t>2020/8/17</a:t>
+              <a:t>2020/8/18</a:t>
             </a:fld>
             <a:endParaRPr lang="zh-CN" altLang="en-US"/>
           </a:p>
@@ -2859,7 +2859,7 @@
           <a:p>
             <a:fld id="{760FBDFE-C587-4B4C-A407-44438C67B59E}" type="datetimeFigureOut">
               <a:rPr lang="zh-CN" altLang="en-US" smtClean="0"/>
-              <a:t>2020/8/17</a:t>
+              <a:t>2020/8/18</a:t>
             </a:fld>
             <a:endParaRPr lang="zh-CN" altLang="en-US"/>
           </a:p>
@@ -3133,7 +3133,7 @@
           <a:p>
             <a:fld id="{760FBDFE-C587-4B4C-A407-44438C67B59E}" type="datetimeFigureOut">
               <a:rPr lang="zh-CN" altLang="en-US" smtClean="0"/>
-              <a:t>2020/8/17</a:t>
+              <a:t>2020/8/18</a:t>
             </a:fld>
             <a:endParaRPr lang="zh-CN" altLang="en-US"/>
           </a:p>
@@ -3601,7 +3601,7 @@
           <a:p>
             <a:fld id="{760FBDFE-C587-4B4C-A407-44438C67B59E}" type="datetimeFigureOut">
               <a:rPr lang="zh-CN" altLang="en-US" smtClean="0"/>
-              <a:t>2020/8/17</a:t>
+              <a:t>2020/8/18</a:t>
             </a:fld>
             <a:endParaRPr lang="zh-CN" altLang="en-US"/>
           </a:p>
@@ -4334,7 +4334,7 @@
           <a:p>
             <a:fld id="{760FBDFE-C587-4B4C-A407-44438C67B59E}" type="datetimeFigureOut">
               <a:rPr lang="zh-CN" altLang="en-US" smtClean="0"/>
-              <a:t>2020/8/17</a:t>
+              <a:t>2020/8/18</a:t>
             </a:fld>
             <a:endParaRPr lang="zh-CN" altLang="en-US"/>
           </a:p>
@@ -4480,7 +4480,7 @@
           <a:p>
             <a:fld id="{760FBDFE-C587-4B4C-A407-44438C67B59E}" type="datetimeFigureOut">
               <a:rPr lang="zh-CN" altLang="en-US" smtClean="0"/>
-              <a:t>2020/8/17</a:t>
+              <a:t>2020/8/18</a:t>
             </a:fld>
             <a:endParaRPr lang="zh-CN" altLang="en-US"/>
           </a:p>
@@ -4579,7 +4579,7 @@
           <a:p>
             <a:fld id="{760FBDFE-C587-4B4C-A407-44438C67B59E}" type="datetimeFigureOut">
               <a:rPr lang="zh-CN" altLang="en-US" smtClean="0"/>
-              <a:t>2020/8/17</a:t>
+              <a:t>2020/8/18</a:t>
             </a:fld>
             <a:endParaRPr lang="zh-CN" altLang="en-US"/>
           </a:p>
@@ -4894,7 +4894,7 @@
           <a:p>
             <a:fld id="{9EFD9D74-47D9-4702-A33C-335B63B48DBF}" type="datetimeFigureOut">
               <a:rPr lang="zh-CN" altLang="en-US" smtClean="0"/>
-              <a:t>2020/8/17</a:t>
+              <a:t>2020/8/18</a:t>
             </a:fld>
             <a:endParaRPr lang="zh-CN" altLang="en-US" dirty="0"/>
           </a:p>
@@ -5183,7 +5183,7 @@
           <a:p>
             <a:fld id="{760FBDFE-C587-4B4C-A407-44438C67B59E}" type="datetimeFigureOut">
               <a:rPr lang="zh-CN" altLang="en-US" smtClean="0"/>
-              <a:t>2020/8/17</a:t>
+              <a:t>2020/8/18</a:t>
             </a:fld>
             <a:endParaRPr lang="zh-CN" altLang="en-US"/>
           </a:p>
@@ -5429,7 +5429,7 @@
           <a:p>
             <a:fld id="{760FBDFE-C587-4B4C-A407-44438C67B59E}" type="datetimeFigureOut">
               <a:rPr lang="zh-CN" altLang="en-US" smtClean="0"/>
-              <a:t>2020/8/17</a:t>
+              <a:t>2020/8/18</a:t>
             </a:fld>
             <a:endParaRPr lang="zh-CN" altLang="en-US"/>
           </a:p>
@@ -5522,7 +5522,7 @@
           <a:p>
             <a:fld id="{760FBDFE-C587-4B4C-A407-44438C67B59E}" type="datetimeFigureOut">
               <a:rPr lang="zh-CN" altLang="en-US" smtClean="0"/>
-              <a:t>2020/8/17</a:t>
+              <a:t>2020/8/18</a:t>
             </a:fld>
             <a:endParaRPr lang="zh-CN" altLang="en-US"/>
           </a:p>
@@ -5731,7 +5731,7 @@
           <a:p>
             <a:fld id="{760FBDFE-C587-4B4C-A407-44438C67B59E}" type="datetimeFigureOut">
               <a:rPr lang="zh-CN" altLang="en-US" smtClean="0"/>
-              <a:t>2020/8/17</a:t>
+              <a:t>2020/8/18</a:t>
             </a:fld>
             <a:endParaRPr lang="zh-CN" altLang="en-US"/>
           </a:p>
@@ -6046,7 +6046,7 @@
           <a:p>
             <a:fld id="{760FBDFE-C587-4B4C-A407-44438C67B59E}" type="datetimeFigureOut">
               <a:rPr lang="zh-CN" altLang="en-US" smtClean="0"/>
-              <a:t>2020/8/17</a:t>
+              <a:t>2020/8/18</a:t>
             </a:fld>
             <a:endParaRPr lang="zh-CN" altLang="en-US"/>
           </a:p>
@@ -6425,7 +6425,7 @@
           <a:p>
             <a:fld id="{760FBDFE-C587-4B4C-A407-44438C67B59E}" type="datetimeFigureOut">
               <a:rPr lang="zh-CN" altLang="en-US" smtClean="0"/>
-              <a:t>2020/8/17</a:t>
+              <a:t>2020/8/18</a:t>
             </a:fld>
             <a:endParaRPr lang="zh-CN" altLang="en-US"/>
           </a:p>
@@ -6784,7 +6784,7 @@
           <a:p>
             <a:fld id="{760FBDFE-C587-4B4C-A407-44438C67B59E}" type="datetimeFigureOut">
               <a:rPr lang="zh-CN" altLang="en-US" smtClean="0"/>
-              <a:t>2020/8/17</a:t>
+              <a:t>2020/8/18</a:t>
             </a:fld>
             <a:endParaRPr lang="zh-CN" altLang="en-US"/>
           </a:p>
@@ -6915,7 +6915,7 @@
           <a:p>
             <a:fld id="{760FBDFE-C587-4B4C-A407-44438C67B59E}" type="datetimeFigureOut">
               <a:rPr lang="zh-CN" altLang="en-US" smtClean="0"/>
-              <a:t>2020/8/17</a:t>
+              <a:t>2020/8/18</a:t>
             </a:fld>
             <a:endParaRPr lang="zh-CN" altLang="en-US"/>
           </a:p>
@@ -7005,7 +7005,7 @@
           <a:p>
             <a:fld id="{760FBDFE-C587-4B4C-A407-44438C67B59E}" type="datetimeFigureOut">
               <a:rPr lang="zh-CN" altLang="en-US" smtClean="0"/>
-              <a:t>2020/8/17</a:t>
+              <a:t>2020/8/18</a:t>
             </a:fld>
             <a:endParaRPr lang="zh-CN" altLang="en-US"/>
           </a:p>
@@ -7267,7 +7267,7 @@
           <a:p>
             <a:fld id="{9EFD9D74-47D9-4702-A33C-335B63B48DBF}" type="datetimeFigureOut">
               <a:rPr lang="zh-CN" altLang="en-US" smtClean="0"/>
-              <a:t>2020/8/17</a:t>
+              <a:t>2020/8/18</a:t>
             </a:fld>
             <a:endParaRPr lang="zh-CN" altLang="en-US" dirty="0"/>
           </a:p>
@@ -7476,7 +7476,7 @@
           <a:p>
             <a:fld id="{760FBDFE-C587-4B4C-A407-44438C67B59E}" type="datetimeFigureOut">
               <a:rPr lang="zh-CN" altLang="en-US" smtClean="0"/>
-              <a:t>2020/8/17</a:t>
+              <a:t>2020/8/18</a:t>
             </a:fld>
             <a:endParaRPr lang="zh-CN" altLang="en-US"/>
           </a:p>
@@ -7703,7 +7703,7 @@
           <a:p>
             <a:fld id="{760FBDFE-C587-4B4C-A407-44438C67B59E}" type="datetimeFigureOut">
               <a:rPr lang="zh-CN" altLang="en-US" smtClean="0"/>
-              <a:t>2020/8/17</a:t>
+              <a:t>2020/8/18</a:t>
             </a:fld>
             <a:endParaRPr lang="zh-CN" altLang="en-US"/>
           </a:p>
@@ -8305,7 +8305,7 @@
           <a:p>
             <a:fld id="{760FBDFE-C587-4B4C-A407-44438C67B59E}" type="datetimeFigureOut">
               <a:rPr lang="zh-CN" altLang="en-US" smtClean="0"/>
-              <a:t>2020/8/17</a:t>
+              <a:t>2020/8/18</a:t>
             </a:fld>
             <a:endParaRPr lang="zh-CN" altLang="en-US"/>
           </a:p>
@@ -10207,32 +10207,6 @@
           <a:chExt cx="0" cy="0"/>
         </a:xfrm>
       </p:grpSpPr>
-      <p:pic>
-        <p:nvPicPr>
-          <p:cNvPr id="2" name="内容占位符 1"/>
-          <p:cNvPicPr>
-            <a:picLocks noGrp="1" noChangeAspect="1"/>
-          </p:cNvPicPr>
-          <p:nvPr>
-            <p:ph idx="1"/>
-          </p:nvPr>
-        </p:nvPicPr>
-        <p:blipFill>
-          <a:blip r:embed="rId4"/>
-          <a:stretch>
-            <a:fillRect/>
-          </a:stretch>
-        </p:blipFill>
-        <p:spPr>
-          <a:xfrm>
-            <a:off x="983926" y="1913165"/>
-            <a:ext cx="7514286" cy="3638095"/>
-          </a:xfrm>
-          <a:prstGeom prst="rect">
-            <a:avLst/>
-          </a:prstGeom>
-        </p:spPr>
-      </p:pic>
       <p:sp>
         <p:nvSpPr>
           <p:cNvPr id="27" name="文本框 26"/>
@@ -10245,7 +10219,7 @@
         </p:nvSpPr>
         <p:spPr>
           <a:xfrm>
-            <a:off x="669600" y="462480"/>
+            <a:off x="685929" y="495137"/>
             <a:ext cx="10854000" cy="924360"/>
           </a:xfrm>
           <a:prstGeom prst="rect">
@@ -10296,6 +10270,32 @@
           </a:p>
         </p:txBody>
       </p:sp>
+      <p:pic>
+        <p:nvPicPr>
+          <p:cNvPr id="4" name="内容占位符 3"/>
+          <p:cNvPicPr>
+            <a:picLocks noGrp="1" noChangeAspect="1"/>
+          </p:cNvPicPr>
+          <p:nvPr>
+            <p:ph idx="1"/>
+          </p:nvPr>
+        </p:nvPicPr>
+        <p:blipFill>
+          <a:blip r:embed="rId4"/>
+          <a:stretch>
+            <a:fillRect/>
+          </a:stretch>
+        </p:blipFill>
+        <p:spPr>
+          <a:xfrm>
+            <a:off x="841416" y="1535182"/>
+            <a:ext cx="7923809" cy="2923809"/>
+          </a:xfrm>
+          <a:prstGeom prst="rect">
+            <a:avLst/>
+          </a:prstGeom>
+        </p:spPr>
+      </p:pic>
     </p:spTree>
     <p:custDataLst>
       <p:tags r:id="rId1"/>
@@ -21559,11 +21559,7 @@
             </a:r>
             <a:r>
               <a:rPr lang="zh-CN" altLang="en-US" dirty="0" smtClean="0"/>
-              <a:t>卡</a:t>
-            </a:r>
-            <a:r>
-              <a:rPr lang="zh-CN" altLang="en-US" dirty="0" smtClean="0"/>
-              <a:t>牌</a:t>
+              <a:t>卡牌</a:t>
             </a:r>
             <a:r>
               <a:rPr lang="en-US" altLang="zh-CN" dirty="0" smtClean="0"/>

--- a/_doc/KFrame.pptx
+++ b/_doc/KFrame.pptx
@@ -12658,7 +12658,7 @@
         <p:spPr>
           <a:xfrm>
             <a:off x="669600" y="1343278"/>
-            <a:ext cx="10074168" cy="4415422"/>
+            <a:ext cx="10074168" cy="4820758"/>
           </a:xfrm>
           <a:prstGeom prst="rect">
             <a:avLst/>
@@ -12803,7 +12803,7 @@
                 </a:solidFill>
                 <a:sym typeface="+mn-ea"/>
               </a:rPr>
-              <a:t>定时器</a:t>
+              <a:t>时间轮定时器</a:t>
             </a:r>
             <a:r>
               <a:rPr lang="en-US" altLang="zh-CN" dirty="0" smtClean="0">
@@ -12841,6 +12841,39 @@
               </a:rPr>
               <a:t>Schedule</a:t>
             </a:r>
+          </a:p>
+          <a:p>
+            <a:pPr marL="800100" lvl="1" indent="-342900">
+              <a:lnSpc>
+                <a:spcPct val="200000"/>
+              </a:lnSpc>
+              <a:buFont typeface="+mj-lt"/>
+              <a:buAutoNum type="arabicPeriod"/>
+            </a:pPr>
+            <a:r>
+              <a:rPr lang="zh-CN" altLang="en-US" dirty="0" smtClean="0">
+                <a:solidFill>
+                  <a:srgbClr val="000000"/>
+                </a:solidFill>
+                <a:sym typeface="+mn-ea"/>
+              </a:rPr>
+              <a:t>定时任务</a:t>
+            </a:r>
+            <a:r>
+              <a:rPr lang="en-US" altLang="zh-CN" dirty="0" smtClean="0">
+                <a:solidFill>
+                  <a:srgbClr val="000000"/>
+                </a:solidFill>
+                <a:sym typeface="+mn-ea"/>
+              </a:rPr>
+              <a:t>Delayed</a:t>
+            </a:r>
+            <a:endParaRPr lang="en-US" altLang="zh-CN" dirty="0" smtClean="0">
+              <a:solidFill>
+                <a:srgbClr val="000000"/>
+              </a:solidFill>
+              <a:sym typeface="+mn-ea"/>
+            </a:endParaRPr>
           </a:p>
           <a:p>
             <a:pPr marL="800100" lvl="1" indent="-342900">
